--- a/trunk/Documentacion/Presentación Grado de Avances/Presentación Proyecto - Grado de Avances.pptx
+++ b/trunk/Documentacion/Presentación Grado de Avances/Presentación Proyecto - Grado de Avances.pptx
@@ -5,7 +5,7 @@
     <p:sldMasterId id="2147483648" r:id="rId1"/>
   </p:sldMasterIdLst>
   <p:notesMasterIdLst>
-    <p:notesMasterId r:id="rId21"/>
+    <p:notesMasterId r:id="rId22"/>
   </p:notesMasterIdLst>
   <p:sldIdLst>
     <p:sldId id="259" r:id="rId2"/>
@@ -24,9 +24,10 @@
     <p:sldId id="290" r:id="rId15"/>
     <p:sldId id="291" r:id="rId16"/>
     <p:sldId id="292" r:id="rId17"/>
-    <p:sldId id="293" r:id="rId18"/>
-    <p:sldId id="282" r:id="rId19"/>
-    <p:sldId id="274" r:id="rId20"/>
+    <p:sldId id="296" r:id="rId18"/>
+    <p:sldId id="293" r:id="rId19"/>
+    <p:sldId id="282" r:id="rId20"/>
+    <p:sldId id="274" r:id="rId21"/>
   </p:sldIdLst>
   <p:sldSz cx="12192000" cy="6858000"/>
   <p:notesSz cx="6858000" cy="9144000"/>
@@ -5036,8 +5037,8 @@
     <dgm:cxn modelId="{033E09AC-6D4D-414E-862D-B5A442B1AC27}" type="presOf" srcId="{ABDCEAC1-7F67-454D-84AF-2ECB51702D13}" destId="{474233D3-0411-4ECF-9B57-DA9032FAB377}" srcOrd="0" destOrd="0" presId="urn:microsoft.com/office/officeart/2005/8/layout/vList5"/>
     <dgm:cxn modelId="{71EEBC94-C7CD-44E6-B1DC-DAF8B3C40CCA}" srcId="{5B42A3B2-F1A4-4AAD-92E6-CBE520DF75A4}" destId="{D80178D8-855D-4D8C-BAE2-17D72C190F1C}" srcOrd="4" destOrd="0" parTransId="{CE8167CF-87E1-42C1-8B64-351F9D65AEA0}" sibTransId="{42623A96-96F1-43CA-BA62-11C446A70135}"/>
     <dgm:cxn modelId="{4137832A-ED43-4C35-B279-B35137E9B3E9}" srcId="{8587132E-9006-496A-8F9A-F4971DD58E1B}" destId="{6896E919-8BCC-48FF-BCE3-BFE66BFB1A06}" srcOrd="0" destOrd="0" parTransId="{E36E377B-B494-400F-B163-198EA04FA50E}" sibTransId="{7D1BA1F4-2223-4C45-815D-8FB75C8F2E3A}"/>
+    <dgm:cxn modelId="{E08744B4-69D5-4A50-89E1-C260D5ED9AC7}" type="presOf" srcId="{B7551B5D-2840-4B19-AA2B-F2E0633B3A37}" destId="{EA225968-22AD-4266-B086-723503A371EA}" srcOrd="0" destOrd="0" presId="urn:microsoft.com/office/officeart/2005/8/layout/vList5"/>
     <dgm:cxn modelId="{1118EDD1-B889-4A46-BD09-FD906CE2F23D}" type="presOf" srcId="{AA89FF9F-D7AB-46FF-8516-736811A50D78}" destId="{81427C62-5655-4813-AC16-2932A923AE10}" srcOrd="0" destOrd="0" presId="urn:microsoft.com/office/officeart/2005/8/layout/vList5"/>
-    <dgm:cxn modelId="{E08744B4-69D5-4A50-89E1-C260D5ED9AC7}" type="presOf" srcId="{B7551B5D-2840-4B19-AA2B-F2E0633B3A37}" destId="{EA225968-22AD-4266-B086-723503A371EA}" srcOrd="0" destOrd="0" presId="urn:microsoft.com/office/officeart/2005/8/layout/vList5"/>
     <dgm:cxn modelId="{3F3BF574-AAD8-419F-B503-96D047DF15CE}" type="presParOf" srcId="{1AC5862D-3A38-4A56-8BBB-5228D3259E64}" destId="{6FBAC80C-69A4-4EBB-A9DA-D287B5B59A74}" srcOrd="0" destOrd="0" presId="urn:microsoft.com/office/officeart/2005/8/layout/vList5"/>
     <dgm:cxn modelId="{85AE3A7E-A6C9-4A33-B561-3AC2428D6853}" type="presParOf" srcId="{6FBAC80C-69A4-4EBB-A9DA-D287B5B59A74}" destId="{909E8BCD-0B1A-41E7-BFFF-B89785456621}" srcOrd="0" destOrd="0" presId="urn:microsoft.com/office/officeart/2005/8/layout/vList5"/>
     <dgm:cxn modelId="{134167C9-1E13-44A1-A9FB-452A02FA070E}" type="presParOf" srcId="{6FBAC80C-69A4-4EBB-A9DA-D287B5B59A74}" destId="{D79D4B58-D90B-49E8-B5D0-2B484EB6045D}" srcOrd="1" destOrd="0" presId="urn:microsoft.com/office/officeart/2005/8/layout/vList5"/>
@@ -6140,20 +6141,20 @@
     </dgm:pt>
   </dgm:ptLst>
   <dgm:cxnLst>
+    <dgm:cxn modelId="{49EE22DC-5F2C-4520-9ECA-69CA034E3E84}" type="presOf" srcId="{E3E24D61-DC83-4221-A625-3253A8A07D4E}" destId="{889CCFCF-85CF-42EE-B1C3-B84E8EE140C2}" srcOrd="0" destOrd="0" presId="urn:microsoft.com/office/officeart/2008/layout/VerticalCurvedList"/>
+    <dgm:cxn modelId="{A74E0EB2-308F-403E-9F75-A6F630C4E55D}" type="presOf" srcId="{0E8DDFC9-A553-43E8-8ADD-DACAFE998484}" destId="{E7CE5C3F-775D-45A0-8FC7-59E2443FB5BB}" srcOrd="0" destOrd="0" presId="urn:microsoft.com/office/officeart/2008/layout/VerticalCurvedList"/>
+    <dgm:cxn modelId="{009EA7D8-905E-4CF5-AD7F-033F2C5F116E}" type="presOf" srcId="{767EEABE-FA01-434B-BFB1-DABB2B0B3538}" destId="{B1E84231-A085-4FBA-A7F1-0724F2582F6F}" srcOrd="0" destOrd="0" presId="urn:microsoft.com/office/officeart/2008/layout/VerticalCurvedList"/>
+    <dgm:cxn modelId="{E783B8BE-2BD4-4C04-BDDF-BE17ACA9F295}" type="presOf" srcId="{61775FC0-4D76-4DBD-8D6A-B45D8C8F447D}" destId="{2844CD40-437E-4C4F-A2EE-801021F6711B}" srcOrd="0" destOrd="0" presId="urn:microsoft.com/office/officeart/2008/layout/VerticalCurvedList"/>
+    <dgm:cxn modelId="{36190A50-AB37-4DBE-841D-84CE7B3AE27C}" type="presOf" srcId="{EB69C98D-0511-46AE-8510-7CCD8A94F1AD}" destId="{A6715B7B-E69E-49A7-BBDE-A964109AD82E}" srcOrd="0" destOrd="0" presId="urn:microsoft.com/office/officeart/2008/layout/VerticalCurvedList"/>
+    <dgm:cxn modelId="{89D38CD6-64FE-4FD5-BED7-753169C4CACF}" srcId="{380B52FA-39C6-48EA-999F-FF4935E2FF90}" destId="{269BCB6E-2880-4F18-9732-C0DD14CA6895}" srcOrd="1" destOrd="0" parTransId="{5152B2E3-1FA3-4D1F-89EB-C3BF645E7CFB}" sibTransId="{D9B8F87E-83B6-41F9-969F-08D3D7CDBBE0}"/>
+    <dgm:cxn modelId="{DADC3634-6D46-4546-8DF3-F7E7D8CF2AD4}" type="presOf" srcId="{CC4D44A6-7179-4CCE-8B0E-9D963F120C7F}" destId="{969B7A61-92F9-49CC-BB98-4FCC80682E86}" srcOrd="0" destOrd="0" presId="urn:microsoft.com/office/officeart/2008/layout/VerticalCurvedList"/>
+    <dgm:cxn modelId="{DD7C9394-52EF-48F5-8584-BA6AE850F2E4}" type="presOf" srcId="{380B52FA-39C6-48EA-999F-FF4935E2FF90}" destId="{E0294AD7-5684-4880-AFE3-8A287502C171}" srcOrd="0" destOrd="0" presId="urn:microsoft.com/office/officeart/2008/layout/VerticalCurvedList"/>
     <dgm:cxn modelId="{A489847D-2ECA-4424-B17A-DB6FCE7A8A5A}" srcId="{380B52FA-39C6-48EA-999F-FF4935E2FF90}" destId="{61775FC0-4D76-4DBD-8D6A-B45D8C8F447D}" srcOrd="3" destOrd="0" parTransId="{5627AB7B-8D76-4D3F-B033-0452D2740CB8}" sibTransId="{A90BBD6A-B4C6-4C41-B0C1-AFAF3DD96903}"/>
-    <dgm:cxn modelId="{DD7C9394-52EF-48F5-8584-BA6AE850F2E4}" type="presOf" srcId="{380B52FA-39C6-48EA-999F-FF4935E2FF90}" destId="{E0294AD7-5684-4880-AFE3-8A287502C171}" srcOrd="0" destOrd="0" presId="urn:microsoft.com/office/officeart/2008/layout/VerticalCurvedList"/>
-    <dgm:cxn modelId="{E783B8BE-2BD4-4C04-BDDF-BE17ACA9F295}" type="presOf" srcId="{61775FC0-4D76-4DBD-8D6A-B45D8C8F447D}" destId="{2844CD40-437E-4C4F-A2EE-801021F6711B}" srcOrd="0" destOrd="0" presId="urn:microsoft.com/office/officeart/2008/layout/VerticalCurvedList"/>
-    <dgm:cxn modelId="{49EE22DC-5F2C-4520-9ECA-69CA034E3E84}" type="presOf" srcId="{E3E24D61-DC83-4221-A625-3253A8A07D4E}" destId="{889CCFCF-85CF-42EE-B1C3-B84E8EE140C2}" srcOrd="0" destOrd="0" presId="urn:microsoft.com/office/officeart/2008/layout/VerticalCurvedList"/>
+    <dgm:cxn modelId="{FFD5E230-1508-477F-88DA-0B1AAA7F61BA}" srcId="{380B52FA-39C6-48EA-999F-FF4935E2FF90}" destId="{E3E24D61-DC83-4221-A625-3253A8A07D4E}" srcOrd="0" destOrd="0" parTransId="{171B5AE9-D9B6-4240-9D84-221E824F7A31}" sibTransId="{CC4D44A6-7179-4CCE-8B0E-9D963F120C7F}"/>
+    <dgm:cxn modelId="{8F895F7B-4E24-4CBD-875F-FDA24134C40E}" srcId="{380B52FA-39C6-48EA-999F-FF4935E2FF90}" destId="{0E8DDFC9-A553-43E8-8ADD-DACAFE998484}" srcOrd="4" destOrd="0" parTransId="{9A92C10D-6A46-4A28-B36F-8C076C8A2723}" sibTransId="{FA11F3E5-A6EE-4D12-9C43-9DA399E6752D}"/>
     <dgm:cxn modelId="{8EDA5967-C3EE-4BA9-A906-3EBA10582C14}" srcId="{380B52FA-39C6-48EA-999F-FF4935E2FF90}" destId="{EB69C98D-0511-46AE-8510-7CCD8A94F1AD}" srcOrd="5" destOrd="0" parTransId="{D1EF9142-BF1B-46DC-9394-13F37661F665}" sibTransId="{10F45A30-D8F2-4C20-943B-AD10ADAF5F81}"/>
-    <dgm:cxn modelId="{8F895F7B-4E24-4CBD-875F-FDA24134C40E}" srcId="{380B52FA-39C6-48EA-999F-FF4935E2FF90}" destId="{0E8DDFC9-A553-43E8-8ADD-DACAFE998484}" srcOrd="4" destOrd="0" parTransId="{9A92C10D-6A46-4A28-B36F-8C076C8A2723}" sibTransId="{FA11F3E5-A6EE-4D12-9C43-9DA399E6752D}"/>
-    <dgm:cxn modelId="{DADC3634-6D46-4546-8DF3-F7E7D8CF2AD4}" type="presOf" srcId="{CC4D44A6-7179-4CCE-8B0E-9D963F120C7F}" destId="{969B7A61-92F9-49CC-BB98-4FCC80682E86}" srcOrd="0" destOrd="0" presId="urn:microsoft.com/office/officeart/2008/layout/VerticalCurvedList"/>
-    <dgm:cxn modelId="{89D38CD6-64FE-4FD5-BED7-753169C4CACF}" srcId="{380B52FA-39C6-48EA-999F-FF4935E2FF90}" destId="{269BCB6E-2880-4F18-9732-C0DD14CA6895}" srcOrd="1" destOrd="0" parTransId="{5152B2E3-1FA3-4D1F-89EB-C3BF645E7CFB}" sibTransId="{D9B8F87E-83B6-41F9-969F-08D3D7CDBBE0}"/>
-    <dgm:cxn modelId="{A74E0EB2-308F-403E-9F75-A6F630C4E55D}" type="presOf" srcId="{0E8DDFC9-A553-43E8-8ADD-DACAFE998484}" destId="{E7CE5C3F-775D-45A0-8FC7-59E2443FB5BB}" srcOrd="0" destOrd="0" presId="urn:microsoft.com/office/officeart/2008/layout/VerticalCurvedList"/>
-    <dgm:cxn modelId="{36190A50-AB37-4DBE-841D-84CE7B3AE27C}" type="presOf" srcId="{EB69C98D-0511-46AE-8510-7CCD8A94F1AD}" destId="{A6715B7B-E69E-49A7-BBDE-A964109AD82E}" srcOrd="0" destOrd="0" presId="urn:microsoft.com/office/officeart/2008/layout/VerticalCurvedList"/>
     <dgm:cxn modelId="{60CFD0AC-A92A-4E72-A578-D3B8F4590D91}" srcId="{380B52FA-39C6-48EA-999F-FF4935E2FF90}" destId="{767EEABE-FA01-434B-BFB1-DABB2B0B3538}" srcOrd="2" destOrd="0" parTransId="{B7276962-EA13-4004-8FCA-9E43AC3736C6}" sibTransId="{3D676867-16F7-4C1B-968F-0A14807FFE0B}"/>
     <dgm:cxn modelId="{25D2925A-D2DA-429F-B20F-2442D31D4DFD}" type="presOf" srcId="{269BCB6E-2880-4F18-9732-C0DD14CA6895}" destId="{21664CED-339C-476D-85A5-28A63C40B1E3}" srcOrd="0" destOrd="0" presId="urn:microsoft.com/office/officeart/2008/layout/VerticalCurvedList"/>
-    <dgm:cxn modelId="{009EA7D8-905E-4CF5-AD7F-033F2C5F116E}" type="presOf" srcId="{767EEABE-FA01-434B-BFB1-DABB2B0B3538}" destId="{B1E84231-A085-4FBA-A7F1-0724F2582F6F}" srcOrd="0" destOrd="0" presId="urn:microsoft.com/office/officeart/2008/layout/VerticalCurvedList"/>
-    <dgm:cxn modelId="{FFD5E230-1508-477F-88DA-0B1AAA7F61BA}" srcId="{380B52FA-39C6-48EA-999F-FF4935E2FF90}" destId="{E3E24D61-DC83-4221-A625-3253A8A07D4E}" srcOrd="0" destOrd="0" parTransId="{171B5AE9-D9B6-4240-9D84-221E824F7A31}" sibTransId="{CC4D44A6-7179-4CCE-8B0E-9D963F120C7F}"/>
     <dgm:cxn modelId="{C46509FA-7F85-4FA4-8CA6-EECBA266541B}" type="presParOf" srcId="{E0294AD7-5684-4880-AFE3-8A287502C171}" destId="{2E0DEE6A-5A2C-4DBC-BAF6-E16EE66D546C}" srcOrd="0" destOrd="0" presId="urn:microsoft.com/office/officeart/2008/layout/VerticalCurvedList"/>
     <dgm:cxn modelId="{8A2611CE-8BE6-42B4-9D4E-C80EE0450B79}" type="presParOf" srcId="{2E0DEE6A-5A2C-4DBC-BAF6-E16EE66D546C}" destId="{6EF8B487-7303-479A-BD85-C2D10E331B67}" srcOrd="0" destOrd="0" presId="urn:microsoft.com/office/officeart/2008/layout/VerticalCurvedList"/>
     <dgm:cxn modelId="{72A1D9A8-C010-4595-9578-E6A7B2DB590D}" type="presParOf" srcId="{6EF8B487-7303-479A-BD85-C2D10E331B67}" destId="{D36A4E98-F327-423B-891D-6DAB05EE96EE}" srcOrd="0" destOrd="0" presId="urn:microsoft.com/office/officeart/2008/layout/VerticalCurvedList"/>
@@ -6197,6 +6198,691 @@
       <dsp:cNvGrpSpPr/>
     </dsp:nvGrpSpPr>
     <dsp:grpSpPr/>
+    <dsp:sp modelId="{847150E7-A1A9-4A6A-94B1-79AB50249590}">
+      <dsp:nvSpPr>
+        <dsp:cNvPr id="0" name=""/>
+        <dsp:cNvSpPr/>
+      </dsp:nvSpPr>
+      <dsp:spPr>
+        <a:xfrm>
+          <a:off x="-5720250" y="-875576"/>
+          <a:ext cx="6810321" cy="6810321"/>
+        </a:xfrm>
+        <a:prstGeom prst="blockArc">
+          <a:avLst>
+            <a:gd name="adj1" fmla="val 18900000"/>
+            <a:gd name="adj2" fmla="val 2700000"/>
+            <a:gd name="adj3" fmla="val 317"/>
+          </a:avLst>
+        </a:prstGeom>
+        <a:noFill/>
+        <a:ln w="15875" cap="rnd" cmpd="sng" algn="ctr">
+          <a:solidFill>
+            <a:schemeClr val="accent1">
+              <a:shade val="60000"/>
+              <a:hueOff val="0"/>
+              <a:satOff val="0"/>
+              <a:lumOff val="0"/>
+              <a:alphaOff val="0"/>
+            </a:schemeClr>
+          </a:solidFill>
+          <a:prstDash val="solid"/>
+        </a:ln>
+        <a:effectLst/>
+      </dsp:spPr>
+      <dsp:style>
+        <a:lnRef idx="2">
+          <a:scrgbClr r="0" g="0" b="0"/>
+        </a:lnRef>
+        <a:fillRef idx="0">
+          <a:scrgbClr r="0" g="0" b="0"/>
+        </a:fillRef>
+        <a:effectRef idx="0">
+          <a:scrgbClr r="0" g="0" b="0"/>
+        </a:effectRef>
+        <a:fontRef idx="minor"/>
+      </dsp:style>
+    </dsp:sp>
+    <dsp:sp modelId="{E692D962-4A0C-4FDE-8884-EC514208681B}">
+      <dsp:nvSpPr>
+        <dsp:cNvPr id="0" name=""/>
+        <dsp:cNvSpPr/>
+      </dsp:nvSpPr>
+      <dsp:spPr>
+        <a:xfrm>
+          <a:off x="476497" y="316096"/>
+          <a:ext cx="6005076" cy="632598"/>
+        </a:xfrm>
+        <a:prstGeom prst="rect">
+          <a:avLst/>
+        </a:prstGeom>
+        <a:solidFill>
+          <a:schemeClr val="accent1">
+            <a:hueOff val="0"/>
+            <a:satOff val="0"/>
+            <a:lumOff val="0"/>
+            <a:alphaOff val="0"/>
+          </a:schemeClr>
+        </a:solidFill>
+        <a:ln w="15875" cap="rnd" cmpd="sng" algn="ctr">
+          <a:solidFill>
+            <a:schemeClr val="lt1">
+              <a:hueOff val="0"/>
+              <a:satOff val="0"/>
+              <a:lumOff val="0"/>
+              <a:alphaOff val="0"/>
+            </a:schemeClr>
+          </a:solidFill>
+          <a:prstDash val="solid"/>
+        </a:ln>
+        <a:effectLst/>
+      </dsp:spPr>
+      <dsp:style>
+        <a:lnRef idx="2">
+          <a:scrgbClr r="0" g="0" b="0"/>
+        </a:lnRef>
+        <a:fillRef idx="1">
+          <a:scrgbClr r="0" g="0" b="0"/>
+        </a:fillRef>
+        <a:effectRef idx="0">
+          <a:scrgbClr r="0" g="0" b="0"/>
+        </a:effectRef>
+        <a:fontRef idx="minor">
+          <a:schemeClr val="lt1"/>
+        </a:fontRef>
+      </dsp:style>
+      <dsp:txBody>
+        <a:bodyPr spcFirstLastPara="0" vert="horz" wrap="square" lIns="502125" tIns="60960" rIns="60960" bIns="60960" numCol="1" spcCol="1270" anchor="ctr" anchorCtr="0">
+          <a:noAutofit/>
+        </a:bodyPr>
+        <a:lstStyle/>
+        <a:p>
+          <a:pPr lvl="0" algn="l" defTabSz="1066800">
+            <a:lnSpc>
+              <a:spcPct val="90000"/>
+            </a:lnSpc>
+            <a:spcBef>
+              <a:spcPct val="0"/>
+            </a:spcBef>
+            <a:spcAft>
+              <a:spcPct val="35000"/>
+            </a:spcAft>
+          </a:pPr>
+          <a:r>
+            <a:rPr lang="es-AR" sz="2400" b="0" kern="1200" dirty="0" smtClean="0">
+              <a:latin typeface="Calibri" panose="020F0502020204030204" pitchFamily="34" charset="0"/>
+            </a:rPr>
+            <a:t>¿Dónde Estamos?</a:t>
+          </a:r>
+          <a:endParaRPr lang="es-AR" sz="2400" b="0" kern="1200" dirty="0">
+            <a:latin typeface="Calibri" panose="020F0502020204030204" pitchFamily="34" charset="0"/>
+          </a:endParaRPr>
+        </a:p>
+      </dsp:txBody>
+      <dsp:txXfrm>
+        <a:off x="476497" y="316096"/>
+        <a:ext cx="6005076" cy="632598"/>
+      </dsp:txXfrm>
+    </dsp:sp>
+    <dsp:sp modelId="{DAD2847C-C4D4-4029-B52A-864C55881E2F}">
+      <dsp:nvSpPr>
+        <dsp:cNvPr id="0" name=""/>
+        <dsp:cNvSpPr/>
+      </dsp:nvSpPr>
+      <dsp:spPr>
+        <a:xfrm>
+          <a:off x="81123" y="237022"/>
+          <a:ext cx="790747" cy="790747"/>
+        </a:xfrm>
+        <a:prstGeom prst="ellipse">
+          <a:avLst/>
+        </a:prstGeom>
+        <a:solidFill>
+          <a:schemeClr val="lt1">
+            <a:hueOff val="0"/>
+            <a:satOff val="0"/>
+            <a:lumOff val="0"/>
+            <a:alphaOff val="0"/>
+          </a:schemeClr>
+        </a:solidFill>
+        <a:ln w="15875" cap="rnd" cmpd="sng" algn="ctr">
+          <a:solidFill>
+            <a:schemeClr val="accent1">
+              <a:hueOff val="0"/>
+              <a:satOff val="0"/>
+              <a:lumOff val="0"/>
+              <a:alphaOff val="0"/>
+            </a:schemeClr>
+          </a:solidFill>
+          <a:prstDash val="solid"/>
+        </a:ln>
+        <a:effectLst/>
+      </dsp:spPr>
+      <dsp:style>
+        <a:lnRef idx="2">
+          <a:scrgbClr r="0" g="0" b="0"/>
+        </a:lnRef>
+        <a:fillRef idx="1">
+          <a:scrgbClr r="0" g="0" b="0"/>
+        </a:fillRef>
+        <a:effectRef idx="0">
+          <a:scrgbClr r="0" g="0" b="0"/>
+        </a:effectRef>
+        <a:fontRef idx="minor"/>
+      </dsp:style>
+    </dsp:sp>
+    <dsp:sp modelId="{07272EF7-AE1F-4ACE-8BB3-F011A254CD75}">
+      <dsp:nvSpPr>
+        <dsp:cNvPr id="0" name=""/>
+        <dsp:cNvSpPr/>
+      </dsp:nvSpPr>
+      <dsp:spPr>
+        <a:xfrm>
+          <a:off x="929799" y="1264690"/>
+          <a:ext cx="5551774" cy="632598"/>
+        </a:xfrm>
+        <a:prstGeom prst="rect">
+          <a:avLst/>
+        </a:prstGeom>
+        <a:solidFill>
+          <a:schemeClr val="accent1">
+            <a:hueOff val="0"/>
+            <a:satOff val="0"/>
+            <a:lumOff val="0"/>
+            <a:alphaOff val="0"/>
+          </a:schemeClr>
+        </a:solidFill>
+        <a:ln w="15875" cap="rnd" cmpd="sng" algn="ctr">
+          <a:solidFill>
+            <a:schemeClr val="lt1">
+              <a:hueOff val="0"/>
+              <a:satOff val="0"/>
+              <a:lumOff val="0"/>
+              <a:alphaOff val="0"/>
+            </a:schemeClr>
+          </a:solidFill>
+          <a:prstDash val="solid"/>
+        </a:ln>
+        <a:effectLst/>
+      </dsp:spPr>
+      <dsp:style>
+        <a:lnRef idx="2">
+          <a:scrgbClr r="0" g="0" b="0"/>
+        </a:lnRef>
+        <a:fillRef idx="1">
+          <a:scrgbClr r="0" g="0" b="0"/>
+        </a:fillRef>
+        <a:effectRef idx="0">
+          <a:scrgbClr r="0" g="0" b="0"/>
+        </a:effectRef>
+        <a:fontRef idx="minor">
+          <a:schemeClr val="lt1"/>
+        </a:fontRef>
+      </dsp:style>
+      <dsp:txBody>
+        <a:bodyPr spcFirstLastPara="0" vert="horz" wrap="square" lIns="502125" tIns="60960" rIns="60960" bIns="60960" numCol="1" spcCol="1270" anchor="ctr" anchorCtr="0">
+          <a:noAutofit/>
+        </a:bodyPr>
+        <a:lstStyle/>
+        <a:p>
+          <a:pPr lvl="0" algn="l" defTabSz="1066800">
+            <a:lnSpc>
+              <a:spcPct val="90000"/>
+            </a:lnSpc>
+            <a:spcBef>
+              <a:spcPct val="0"/>
+            </a:spcBef>
+            <a:spcAft>
+              <a:spcPct val="35000"/>
+            </a:spcAft>
+          </a:pPr>
+          <a:r>
+            <a:rPr lang="es-AR" sz="2400" b="0" kern="1200" dirty="0" smtClean="0">
+              <a:latin typeface="Calibri" panose="020F0502020204030204" pitchFamily="34" charset="0"/>
+            </a:rPr>
+            <a:t>Herramientas y Cambios</a:t>
+          </a:r>
+          <a:endParaRPr lang="es-AR" sz="2400" b="0" kern="1200" dirty="0">
+            <a:latin typeface="Calibri" panose="020F0502020204030204" pitchFamily="34" charset="0"/>
+          </a:endParaRPr>
+        </a:p>
+      </dsp:txBody>
+      <dsp:txXfrm>
+        <a:off x="929799" y="1264690"/>
+        <a:ext cx="5551774" cy="632598"/>
+      </dsp:txXfrm>
+    </dsp:sp>
+    <dsp:sp modelId="{432F1E89-EA1F-494C-89F5-C81C8636C930}">
+      <dsp:nvSpPr>
+        <dsp:cNvPr id="0" name=""/>
+        <dsp:cNvSpPr/>
+      </dsp:nvSpPr>
+      <dsp:spPr>
+        <a:xfrm>
+          <a:off x="534425" y="1185616"/>
+          <a:ext cx="790747" cy="790747"/>
+        </a:xfrm>
+        <a:prstGeom prst="ellipse">
+          <a:avLst/>
+        </a:prstGeom>
+        <a:solidFill>
+          <a:schemeClr val="lt1">
+            <a:hueOff val="0"/>
+            <a:satOff val="0"/>
+            <a:lumOff val="0"/>
+            <a:alphaOff val="0"/>
+          </a:schemeClr>
+        </a:solidFill>
+        <a:ln w="15875" cap="rnd" cmpd="sng" algn="ctr">
+          <a:solidFill>
+            <a:schemeClr val="accent1">
+              <a:hueOff val="0"/>
+              <a:satOff val="0"/>
+              <a:lumOff val="0"/>
+              <a:alphaOff val="0"/>
+            </a:schemeClr>
+          </a:solidFill>
+          <a:prstDash val="solid"/>
+        </a:ln>
+        <a:effectLst/>
+      </dsp:spPr>
+      <dsp:style>
+        <a:lnRef idx="2">
+          <a:scrgbClr r="0" g="0" b="0"/>
+        </a:lnRef>
+        <a:fillRef idx="1">
+          <a:scrgbClr r="0" g="0" b="0"/>
+        </a:fillRef>
+        <a:effectRef idx="0">
+          <a:scrgbClr r="0" g="0" b="0"/>
+        </a:effectRef>
+        <a:fontRef idx="minor"/>
+      </dsp:style>
+    </dsp:sp>
+    <dsp:sp modelId="{8F2C8565-F182-4327-A321-0AE7CB8A5D0A}">
+      <dsp:nvSpPr>
+        <dsp:cNvPr id="0" name=""/>
+        <dsp:cNvSpPr/>
+      </dsp:nvSpPr>
+      <dsp:spPr>
+        <a:xfrm>
+          <a:off x="1068926" y="2213284"/>
+          <a:ext cx="5412647" cy="632598"/>
+        </a:xfrm>
+        <a:prstGeom prst="rect">
+          <a:avLst/>
+        </a:prstGeom>
+        <a:solidFill>
+          <a:schemeClr val="accent1">
+            <a:hueOff val="0"/>
+            <a:satOff val="0"/>
+            <a:lumOff val="0"/>
+            <a:alphaOff val="0"/>
+          </a:schemeClr>
+        </a:solidFill>
+        <a:ln w="15875" cap="rnd" cmpd="sng" algn="ctr">
+          <a:solidFill>
+            <a:schemeClr val="lt1">
+              <a:hueOff val="0"/>
+              <a:satOff val="0"/>
+              <a:lumOff val="0"/>
+              <a:alphaOff val="0"/>
+            </a:schemeClr>
+          </a:solidFill>
+          <a:prstDash val="solid"/>
+        </a:ln>
+        <a:effectLst/>
+      </dsp:spPr>
+      <dsp:style>
+        <a:lnRef idx="2">
+          <a:scrgbClr r="0" g="0" b="0"/>
+        </a:lnRef>
+        <a:fillRef idx="1">
+          <a:scrgbClr r="0" g="0" b="0"/>
+        </a:fillRef>
+        <a:effectRef idx="0">
+          <a:scrgbClr r="0" g="0" b="0"/>
+        </a:effectRef>
+        <a:fontRef idx="minor">
+          <a:schemeClr val="lt1"/>
+        </a:fontRef>
+      </dsp:style>
+      <dsp:txBody>
+        <a:bodyPr spcFirstLastPara="0" vert="horz" wrap="square" lIns="502125" tIns="60960" rIns="60960" bIns="60960" numCol="1" spcCol="1270" anchor="ctr" anchorCtr="0">
+          <a:noAutofit/>
+        </a:bodyPr>
+        <a:lstStyle/>
+        <a:p>
+          <a:pPr lvl="0" algn="l" defTabSz="1066800">
+            <a:lnSpc>
+              <a:spcPct val="90000"/>
+            </a:lnSpc>
+            <a:spcBef>
+              <a:spcPct val="0"/>
+            </a:spcBef>
+            <a:spcAft>
+              <a:spcPct val="35000"/>
+            </a:spcAft>
+          </a:pPr>
+          <a:r>
+            <a:rPr lang="es-AR" sz="2400" b="0" kern="1200" dirty="0" smtClean="0">
+              <a:latin typeface="Calibri" panose="020F0502020204030204" pitchFamily="34" charset="0"/>
+            </a:rPr>
+            <a:t>Gestión del Proyecto - Métricas</a:t>
+          </a:r>
+          <a:endParaRPr lang="es-AR" sz="2400" b="0" kern="1200" dirty="0">
+            <a:latin typeface="Calibri" panose="020F0502020204030204" pitchFamily="34" charset="0"/>
+          </a:endParaRPr>
+        </a:p>
+      </dsp:txBody>
+      <dsp:txXfrm>
+        <a:off x="1068926" y="2213284"/>
+        <a:ext cx="5412647" cy="632598"/>
+      </dsp:txXfrm>
+    </dsp:sp>
+    <dsp:sp modelId="{5370C170-BC8E-4796-9B1D-0F2A2424D39E}">
+      <dsp:nvSpPr>
+        <dsp:cNvPr id="0" name=""/>
+        <dsp:cNvSpPr/>
+      </dsp:nvSpPr>
+      <dsp:spPr>
+        <a:xfrm>
+          <a:off x="673552" y="2134210"/>
+          <a:ext cx="790747" cy="790747"/>
+        </a:xfrm>
+        <a:prstGeom prst="ellipse">
+          <a:avLst/>
+        </a:prstGeom>
+        <a:solidFill>
+          <a:schemeClr val="lt1">
+            <a:hueOff val="0"/>
+            <a:satOff val="0"/>
+            <a:lumOff val="0"/>
+            <a:alphaOff val="0"/>
+          </a:schemeClr>
+        </a:solidFill>
+        <a:ln w="15875" cap="rnd" cmpd="sng" algn="ctr">
+          <a:solidFill>
+            <a:schemeClr val="accent1">
+              <a:hueOff val="0"/>
+              <a:satOff val="0"/>
+              <a:lumOff val="0"/>
+              <a:alphaOff val="0"/>
+            </a:schemeClr>
+          </a:solidFill>
+          <a:prstDash val="solid"/>
+        </a:ln>
+        <a:effectLst/>
+      </dsp:spPr>
+      <dsp:style>
+        <a:lnRef idx="2">
+          <a:scrgbClr r="0" g="0" b="0"/>
+        </a:lnRef>
+        <a:fillRef idx="1">
+          <a:scrgbClr r="0" g="0" b="0"/>
+        </a:fillRef>
+        <a:effectRef idx="0">
+          <a:scrgbClr r="0" g="0" b="0"/>
+        </a:effectRef>
+        <a:fontRef idx="minor"/>
+      </dsp:style>
+    </dsp:sp>
+    <dsp:sp modelId="{BB4FB179-01BB-41C6-81AD-9D71D847F81B}">
+      <dsp:nvSpPr>
+        <dsp:cNvPr id="0" name=""/>
+        <dsp:cNvSpPr/>
+      </dsp:nvSpPr>
+      <dsp:spPr>
+        <a:xfrm>
+          <a:off x="929799" y="3161878"/>
+          <a:ext cx="5551774" cy="632598"/>
+        </a:xfrm>
+        <a:prstGeom prst="rect">
+          <a:avLst/>
+        </a:prstGeom>
+        <a:solidFill>
+          <a:schemeClr val="accent1">
+            <a:hueOff val="0"/>
+            <a:satOff val="0"/>
+            <a:lumOff val="0"/>
+            <a:alphaOff val="0"/>
+          </a:schemeClr>
+        </a:solidFill>
+        <a:ln w="15875" cap="rnd" cmpd="sng" algn="ctr">
+          <a:solidFill>
+            <a:schemeClr val="lt1">
+              <a:hueOff val="0"/>
+              <a:satOff val="0"/>
+              <a:lumOff val="0"/>
+              <a:alphaOff val="0"/>
+            </a:schemeClr>
+          </a:solidFill>
+          <a:prstDash val="solid"/>
+        </a:ln>
+        <a:effectLst/>
+      </dsp:spPr>
+      <dsp:style>
+        <a:lnRef idx="2">
+          <a:scrgbClr r="0" g="0" b="0"/>
+        </a:lnRef>
+        <a:fillRef idx="1">
+          <a:scrgbClr r="0" g="0" b="0"/>
+        </a:fillRef>
+        <a:effectRef idx="0">
+          <a:scrgbClr r="0" g="0" b="0"/>
+        </a:effectRef>
+        <a:fontRef idx="minor">
+          <a:schemeClr val="lt1"/>
+        </a:fontRef>
+      </dsp:style>
+      <dsp:txBody>
+        <a:bodyPr spcFirstLastPara="0" vert="horz" wrap="square" lIns="502125" tIns="60960" rIns="60960" bIns="60960" numCol="1" spcCol="1270" anchor="ctr" anchorCtr="0">
+          <a:noAutofit/>
+        </a:bodyPr>
+        <a:lstStyle/>
+        <a:p>
+          <a:pPr lvl="0" algn="l" defTabSz="1066800">
+            <a:lnSpc>
+              <a:spcPct val="90000"/>
+            </a:lnSpc>
+            <a:spcBef>
+              <a:spcPct val="0"/>
+            </a:spcBef>
+            <a:spcAft>
+              <a:spcPct val="35000"/>
+            </a:spcAft>
+          </a:pPr>
+          <a:r>
+            <a:rPr lang="es-AR" sz="2400" b="0" kern="1200" dirty="0" smtClean="0">
+              <a:latin typeface="Calibri" panose="020F0502020204030204" pitchFamily="34" charset="0"/>
+            </a:rPr>
+            <a:t>Arquitectura y Modelos</a:t>
+          </a:r>
+          <a:endParaRPr lang="es-AR" sz="2400" b="0" kern="1200" dirty="0">
+            <a:latin typeface="Calibri" panose="020F0502020204030204" pitchFamily="34" charset="0"/>
+          </a:endParaRPr>
+        </a:p>
+      </dsp:txBody>
+      <dsp:txXfrm>
+        <a:off x="929799" y="3161878"/>
+        <a:ext cx="5551774" cy="632598"/>
+      </dsp:txXfrm>
+    </dsp:sp>
+    <dsp:sp modelId="{F298C79F-DD07-4C5F-BDDC-E37D8AE87E2C}">
+      <dsp:nvSpPr>
+        <dsp:cNvPr id="0" name=""/>
+        <dsp:cNvSpPr/>
+      </dsp:nvSpPr>
+      <dsp:spPr>
+        <a:xfrm>
+          <a:off x="534425" y="3082804"/>
+          <a:ext cx="790747" cy="790747"/>
+        </a:xfrm>
+        <a:prstGeom prst="ellipse">
+          <a:avLst/>
+        </a:prstGeom>
+        <a:solidFill>
+          <a:schemeClr val="lt1">
+            <a:hueOff val="0"/>
+            <a:satOff val="0"/>
+            <a:lumOff val="0"/>
+            <a:alphaOff val="0"/>
+          </a:schemeClr>
+        </a:solidFill>
+        <a:ln w="15875" cap="rnd" cmpd="sng" algn="ctr">
+          <a:solidFill>
+            <a:schemeClr val="accent1">
+              <a:hueOff val="0"/>
+              <a:satOff val="0"/>
+              <a:lumOff val="0"/>
+              <a:alphaOff val="0"/>
+            </a:schemeClr>
+          </a:solidFill>
+          <a:prstDash val="solid"/>
+        </a:ln>
+        <a:effectLst/>
+      </dsp:spPr>
+      <dsp:style>
+        <a:lnRef idx="2">
+          <a:scrgbClr r="0" g="0" b="0"/>
+        </a:lnRef>
+        <a:fillRef idx="1">
+          <a:scrgbClr r="0" g="0" b="0"/>
+        </a:fillRef>
+        <a:effectRef idx="0">
+          <a:scrgbClr r="0" g="0" b="0"/>
+        </a:effectRef>
+        <a:fontRef idx="minor"/>
+      </dsp:style>
+    </dsp:sp>
+    <dsp:sp modelId="{72F87903-AB29-4042-9FF7-239E4F8EF834}">
+      <dsp:nvSpPr>
+        <dsp:cNvPr id="0" name=""/>
+        <dsp:cNvSpPr/>
+      </dsp:nvSpPr>
+      <dsp:spPr>
+        <a:xfrm>
+          <a:off x="476497" y="4110472"/>
+          <a:ext cx="6005076" cy="632598"/>
+        </a:xfrm>
+        <a:prstGeom prst="rect">
+          <a:avLst/>
+        </a:prstGeom>
+        <a:solidFill>
+          <a:schemeClr val="accent1">
+            <a:hueOff val="0"/>
+            <a:satOff val="0"/>
+            <a:lumOff val="0"/>
+            <a:alphaOff val="0"/>
+          </a:schemeClr>
+        </a:solidFill>
+        <a:ln w="15875" cap="rnd" cmpd="sng" algn="ctr">
+          <a:solidFill>
+            <a:schemeClr val="lt1">
+              <a:hueOff val="0"/>
+              <a:satOff val="0"/>
+              <a:lumOff val="0"/>
+              <a:alphaOff val="0"/>
+            </a:schemeClr>
+          </a:solidFill>
+          <a:prstDash val="solid"/>
+        </a:ln>
+        <a:effectLst/>
+      </dsp:spPr>
+      <dsp:style>
+        <a:lnRef idx="2">
+          <a:scrgbClr r="0" g="0" b="0"/>
+        </a:lnRef>
+        <a:fillRef idx="1">
+          <a:scrgbClr r="0" g="0" b="0"/>
+        </a:fillRef>
+        <a:effectRef idx="0">
+          <a:scrgbClr r="0" g="0" b="0"/>
+        </a:effectRef>
+        <a:fontRef idx="minor">
+          <a:schemeClr val="lt1"/>
+        </a:fontRef>
+      </dsp:style>
+      <dsp:txBody>
+        <a:bodyPr spcFirstLastPara="0" vert="horz" wrap="square" lIns="502125" tIns="60960" rIns="60960" bIns="60960" numCol="1" spcCol="1270" anchor="ctr" anchorCtr="0">
+          <a:noAutofit/>
+        </a:bodyPr>
+        <a:lstStyle/>
+        <a:p>
+          <a:pPr lvl="0" algn="l" defTabSz="1066800">
+            <a:lnSpc>
+              <a:spcPct val="90000"/>
+            </a:lnSpc>
+            <a:spcBef>
+              <a:spcPct val="0"/>
+            </a:spcBef>
+            <a:spcAft>
+              <a:spcPct val="35000"/>
+            </a:spcAft>
+          </a:pPr>
+          <a:r>
+            <a:rPr lang="es-AR" sz="2400" b="0" kern="1200" dirty="0" smtClean="0">
+              <a:latin typeface="Calibri" panose="020F0502020204030204" pitchFamily="34" charset="0"/>
+            </a:rPr>
+            <a:t>¿Cómo Seguimos?</a:t>
+          </a:r>
+          <a:endParaRPr lang="es-AR" sz="2400" b="0" kern="1200" dirty="0">
+            <a:latin typeface="Calibri" panose="020F0502020204030204" pitchFamily="34" charset="0"/>
+          </a:endParaRPr>
+        </a:p>
+      </dsp:txBody>
+      <dsp:txXfrm>
+        <a:off x="476497" y="4110472"/>
+        <a:ext cx="6005076" cy="632598"/>
+      </dsp:txXfrm>
+    </dsp:sp>
+    <dsp:sp modelId="{1BBBCDAA-629F-4ED9-B89C-AF0815CF7756}">
+      <dsp:nvSpPr>
+        <dsp:cNvPr id="0" name=""/>
+        <dsp:cNvSpPr/>
+      </dsp:nvSpPr>
+      <dsp:spPr>
+        <a:xfrm>
+          <a:off x="81123" y="4031398"/>
+          <a:ext cx="790747" cy="790747"/>
+        </a:xfrm>
+        <a:prstGeom prst="ellipse">
+          <a:avLst/>
+        </a:prstGeom>
+        <a:solidFill>
+          <a:schemeClr val="lt1">
+            <a:hueOff val="0"/>
+            <a:satOff val="0"/>
+            <a:lumOff val="0"/>
+            <a:alphaOff val="0"/>
+          </a:schemeClr>
+        </a:solidFill>
+        <a:ln w="15875" cap="rnd" cmpd="sng" algn="ctr">
+          <a:solidFill>
+            <a:schemeClr val="accent1">
+              <a:hueOff val="0"/>
+              <a:satOff val="0"/>
+              <a:lumOff val="0"/>
+              <a:alphaOff val="0"/>
+            </a:schemeClr>
+          </a:solidFill>
+          <a:prstDash val="solid"/>
+        </a:ln>
+        <a:effectLst/>
+      </dsp:spPr>
+      <dsp:style>
+        <a:lnRef idx="2">
+          <a:scrgbClr r="0" g="0" b="0"/>
+        </a:lnRef>
+        <a:fillRef idx="1">
+          <a:scrgbClr r="0" g="0" b="0"/>
+        </a:fillRef>
+        <a:effectRef idx="0">
+          <a:scrgbClr r="0" g="0" b="0"/>
+        </a:effectRef>
+        <a:fontRef idx="minor"/>
+      </dsp:style>
+    </dsp:sp>
   </dsp:spTree>
 </dsp:drawing>
 </file>
@@ -19258,7 +19944,7 @@
           <a:p>
             <a:fld id="{11DAAD16-308F-41D8-9C6A-2D9DB39F0E79}" type="datetimeFigureOut">
               <a:rPr lang="es-ES" smtClean="0"/>
-              <a:t>11/08/2014</a:t>
+              <a:t>12/08/2014</a:t>
             </a:fld>
             <a:endParaRPr lang="es-ES"/>
           </a:p>
@@ -20855,7 +21541,7 @@
           <a:p>
             <a:fld id="{C1D7BF53-A8BD-41DF-AC66-90ABD219E666}" type="slidenum">
               <a:rPr lang="es-ES" smtClean="0"/>
-              <a:t>18</a:t>
+              <a:t>19</a:t>
             </a:fld>
             <a:endParaRPr lang="es-ES" dirty="0"/>
           </a:p>
@@ -20939,7 +21625,7 @@
           <a:p>
             <a:fld id="{C1D7BF53-A8BD-41DF-AC66-90ABD219E666}" type="slidenum">
               <a:rPr lang="es-ES" smtClean="0"/>
-              <a:t>19</a:t>
+              <a:t>20</a:t>
             </a:fld>
             <a:endParaRPr lang="es-ES"/>
           </a:p>
@@ -22670,7 +23356,7 @@
           <a:effectLst/>
           <a:extLst>
             <a:ext uri="{91240B29-F687-4f45-9708-019B960494DF}">
-              <a14:hiddenLine xmlns:a14="http://schemas.microsoft.com/office/drawing/2010/main" xmlns="" w="9525">
+              <a14:hiddenLine xmlns="" xmlns:a14="http://schemas.microsoft.com/office/drawing/2010/main" w="9525">
                 <a:solidFill>
                   <a:srgbClr val="000000"/>
                 </a:solidFill>
@@ -22863,7 +23549,7 @@
             <a:fld id="{08B9EBBA-996F-894A-B54A-D6246ED52CEA}" type="datetimeFigureOut">
               <a:rPr lang="en-US" dirty="0"/>
               <a:pPr/>
-              <a:t>8/11/2014</a:t>
+              <a:t>8/12/2014</a:t>
             </a:fld>
             <a:endParaRPr lang="en-US" dirty="0"/>
           </a:p>
@@ -23181,7 +23867,7 @@
             <a:fld id="{18C79C5D-2A6F-F04D-97DA-BEF2467B64E4}" type="datetimeFigureOut">
               <a:rPr lang="en-US" dirty="0"/>
               <a:pPr/>
-              <a:t>8/11/2014</a:t>
+              <a:t>8/12/2014</a:t>
             </a:fld>
             <a:endParaRPr lang="en-US" dirty="0"/>
           </a:p>
@@ -23669,7 +24355,7 @@
             <a:fld id="{8DFA1846-DA80-1C48-A609-854EA85C59AD}" type="datetimeFigureOut">
               <a:rPr lang="en-US" dirty="0"/>
               <a:pPr/>
-              <a:t>8/11/2014</a:t>
+              <a:t>8/12/2014</a:t>
             </a:fld>
             <a:endParaRPr lang="en-US" dirty="0"/>
           </a:p>
@@ -24038,7 +24724,7 @@
             <a:fld id="{FBF54567-0DE4-3F47-BF90-CB84690072F9}" type="datetimeFigureOut">
               <a:rPr lang="en-US" dirty="0"/>
               <a:pPr/>
-              <a:t>8/11/2014</a:t>
+              <a:t>8/12/2014</a:t>
             </a:fld>
             <a:endParaRPr lang="en-US" dirty="0"/>
           </a:p>
@@ -24192,7 +24878,7 @@
           <a:ln/>
           <a:extLst>
             <a:ext uri="{91240B29-F687-4f45-9708-019B960494DF}">
-              <a14:hiddenLine xmlns:a14="http://schemas.microsoft.com/office/drawing/2010/main" xmlns="" w="9525">
+              <a14:hiddenLine xmlns="" xmlns:a14="http://schemas.microsoft.com/office/drawing/2010/main" w="9525">
                 <a:solidFill>
                   <a:srgbClr val="000000"/>
                 </a:solidFill>
@@ -24311,7 +24997,7 @@
             <a:fld id="{C6C52C72-DE31-F449-A4ED-4C594FD91407}" type="datetimeFigureOut">
               <a:rPr lang="en-US" dirty="0"/>
               <a:pPr/>
-              <a:t>8/11/2014</a:t>
+              <a:t>8/12/2014</a:t>
             </a:fld>
             <a:endParaRPr lang="en-US" dirty="0"/>
           </a:p>
@@ -24467,7 +25153,7 @@
           <a:ln/>
           <a:extLst>
             <a:ext uri="{91240B29-F687-4f45-9708-019B960494DF}">
-              <a14:hiddenLine xmlns:a14="http://schemas.microsoft.com/office/drawing/2010/main" xmlns="" w="9525">
+              <a14:hiddenLine xmlns="" xmlns:a14="http://schemas.microsoft.com/office/drawing/2010/main" w="9525">
                 <a:solidFill>
                   <a:srgbClr val="000000"/>
                 </a:solidFill>
@@ -24596,7 +25282,7 @@
             <a:fld id="{ED62726E-379B-B349-9EED-81ED093FA806}" type="datetimeFigureOut">
               <a:rPr lang="en-US" dirty="0"/>
               <a:pPr/>
-              <a:t>8/11/2014</a:t>
+              <a:t>8/12/2014</a:t>
             </a:fld>
             <a:endParaRPr lang="en-US" dirty="0"/>
           </a:p>
@@ -24750,7 +25436,7 @@
           <a:ln/>
           <a:extLst>
             <a:ext uri="{91240B29-F687-4f45-9708-019B960494DF}">
-              <a14:hiddenLine xmlns:a14="http://schemas.microsoft.com/office/drawing/2010/main" xmlns="" w="9525">
+              <a14:hiddenLine xmlns="" xmlns:a14="http://schemas.microsoft.com/office/drawing/2010/main" w="9525">
                 <a:solidFill>
                   <a:srgbClr val="000000"/>
                 </a:solidFill>
@@ -24879,7 +25565,7 @@
             <a:fld id="{9B3A1323-8D79-1946-B0D7-40001CF92E9D}" type="datetimeFigureOut">
               <a:rPr lang="en-US" dirty="0"/>
               <a:pPr/>
-              <a:t>8/11/2014</a:t>
+              <a:t>8/12/2014</a:t>
             </a:fld>
             <a:endParaRPr lang="en-US" dirty="0"/>
           </a:p>
@@ -25229,7 +25915,7 @@
             <a:fld id="{8DFA1846-DA80-1C48-A609-854EA85C59AD}" type="datetimeFigureOut">
               <a:rPr lang="en-US" dirty="0"/>
               <a:pPr/>
-              <a:t>8/11/2014</a:t>
+              <a:t>8/12/2014</a:t>
             </a:fld>
             <a:endParaRPr lang="en-US" dirty="0"/>
           </a:p>
@@ -25383,7 +26069,7 @@
           <a:ln/>
           <a:extLst>
             <a:ext uri="{91240B29-F687-4f45-9708-019B960494DF}">
-              <a14:hiddenLine xmlns:a14="http://schemas.microsoft.com/office/drawing/2010/main" xmlns="" w="9525">
+              <a14:hiddenLine xmlns="" xmlns:a14="http://schemas.microsoft.com/office/drawing/2010/main" w="9525">
                 <a:solidFill>
                   <a:srgbClr val="000000"/>
                 </a:solidFill>
@@ -25568,7 +26254,7 @@
             <a:fld id="{57302355-E14B-8545-A8F8-0FE83CC9D524}" type="datetimeFigureOut">
               <a:rPr lang="en-US" dirty="0"/>
               <a:pPr/>
-              <a:t>8/11/2014</a:t>
+              <a:t>8/12/2014</a:t>
             </a:fld>
             <a:endParaRPr lang="en-US" dirty="0"/>
           </a:p>
@@ -25722,7 +26408,7 @@
           <a:ln/>
           <a:extLst>
             <a:ext uri="{91240B29-F687-4f45-9708-019B960494DF}">
-              <a14:hiddenLine xmlns:a14="http://schemas.microsoft.com/office/drawing/2010/main" xmlns="" w="9525">
+              <a14:hiddenLine xmlns="" xmlns:a14="http://schemas.microsoft.com/office/drawing/2010/main" w="9525">
                 <a:solidFill>
                   <a:srgbClr val="000000"/>
                 </a:solidFill>
@@ -26045,7 +26731,7 @@
             <a:fld id="{02640F58-564D-2B4F-AE67-E407BA4FCF45}" type="datetimeFigureOut">
               <a:rPr lang="en-US" dirty="0"/>
               <a:pPr/>
-              <a:t>8/11/2014</a:t>
+              <a:t>8/12/2014</a:t>
             </a:fld>
             <a:endParaRPr lang="en-US" dirty="0"/>
           </a:p>
@@ -26199,7 +26885,7 @@
           <a:ln/>
           <a:extLst>
             <a:ext uri="{91240B29-F687-4f45-9708-019B960494DF}">
-              <a14:hiddenLine xmlns:a14="http://schemas.microsoft.com/office/drawing/2010/main" xmlns="" w="9525">
+              <a14:hiddenLine xmlns="" xmlns:a14="http://schemas.microsoft.com/office/drawing/2010/main" w="9525">
                 <a:solidFill>
                   <a:srgbClr val="000000"/>
                 </a:solidFill>
@@ -26266,7 +26952,7 @@
             <a:fld id="{F13A34C8-038E-2045-AF43-DF7DBB8E0E9E}" type="datetimeFigureOut">
               <a:rPr lang="en-US" dirty="0"/>
               <a:pPr/>
-              <a:t>8/11/2014</a:t>
+              <a:t>8/12/2014</a:t>
             </a:fld>
             <a:endParaRPr lang="en-US" dirty="0"/>
           </a:p>
@@ -26361,7 +27047,7 @@
             <a:fld id="{8818C68F-D26B-8F47-958C-23B49CF8A634}" type="datetimeFigureOut">
               <a:rPr lang="en-US" dirty="0"/>
               <a:pPr/>
-              <a:t>8/11/2014</a:t>
+              <a:t>8/12/2014</a:t>
             </a:fld>
             <a:endParaRPr lang="en-US" dirty="0"/>
           </a:p>
@@ -26628,7 +27314,7 @@
           <a:ln/>
           <a:extLst>
             <a:ext uri="{91240B29-F687-4f45-9708-019B960494DF}">
-              <a14:hiddenLine xmlns:a14="http://schemas.microsoft.com/office/drawing/2010/main" xmlns="" w="9525">
+              <a14:hiddenLine xmlns="" xmlns:a14="http://schemas.microsoft.com/office/drawing/2010/main" w="9525">
                 <a:solidFill>
                   <a:srgbClr val="000000"/>
                 </a:solidFill>
@@ -26828,7 +27514,7 @@
             <a:fld id="{D0DF5E60-9974-AC48-9591-99C2BB44B7CF}" type="datetimeFigureOut">
               <a:rPr lang="en-US" dirty="0"/>
               <a:pPr/>
-              <a:t>8/11/2014</a:t>
+              <a:t>8/12/2014</a:t>
             </a:fld>
             <a:endParaRPr lang="en-US" dirty="0"/>
           </a:p>
@@ -27141,7 +27827,7 @@
             <a:fld id="{18C79C5D-2A6F-F04D-97DA-BEF2467B64E4}" type="datetimeFigureOut">
               <a:rPr lang="en-US" dirty="0"/>
               <a:pPr/>
-              <a:t>8/11/2014</a:t>
+              <a:t>8/12/2014</a:t>
             </a:fld>
             <a:endParaRPr lang="en-US" dirty="0"/>
           </a:p>
@@ -27411,7 +28097,7 @@
             <a:fld id="{09B482E8-6E0E-1B4F-B1FD-C69DB9E858D9}" type="datetimeFigureOut">
               <a:rPr lang="en-US" dirty="0"/>
               <a:pPr/>
-              <a:t>8/11/2014</a:t>
+              <a:t>8/12/2014</a:t>
             </a:fld>
             <a:endParaRPr lang="en-US" dirty="0"/>
           </a:p>
@@ -32942,6 +33628,488 @@
           <a:p>
             <a:r>
               <a:rPr lang="es-ES" dirty="0" smtClean="0"/>
+              <a:t>Relación entre Clases </a:t>
+            </a:r>
+            <a:endParaRPr lang="es-ES" dirty="0"/>
+          </a:p>
+        </p:txBody>
+      </p:sp>
+      <p:pic>
+        <p:nvPicPr>
+          <p:cNvPr id="5" name="Imagen 4"/>
+          <p:cNvPicPr>
+            <a:picLocks noChangeAspect="1"/>
+          </p:cNvPicPr>
+          <p:nvPr/>
+        </p:nvPicPr>
+        <p:blipFill>
+          <a:blip r:embed="rId2">
+            <a:grayscl/>
+            <a:extLst>
+              <a:ext uri="{28A0092B-C50C-407E-A947-70E740481C1C}">
+                <a14:useLocalDpi xmlns:a14="http://schemas.microsoft.com/office/drawing/2010/main" val="0"/>
+              </a:ext>
+            </a:extLst>
+          </a:blip>
+          <a:stretch>
+            <a:fillRect/>
+          </a:stretch>
+        </p:blipFill>
+        <p:spPr>
+          <a:xfrm>
+            <a:off x="418841" y="3814"/>
+            <a:ext cx="1780799" cy="1798832"/>
+          </a:xfrm>
+          <a:prstGeom prst="rect">
+            <a:avLst/>
+          </a:prstGeom>
+        </p:spPr>
+      </p:pic>
+      <p:sp>
+        <p:nvSpPr>
+          <p:cNvPr id="6" name="Rectángulo redondeado 5"/>
+          <p:cNvSpPr/>
+          <p:nvPr/>
+        </p:nvSpPr>
+        <p:spPr>
+          <a:xfrm>
+            <a:off x="1168400" y="2049516"/>
+            <a:ext cx="9677400" cy="4707667"/>
+          </a:xfrm>
+          <a:prstGeom prst="roundRect">
+            <a:avLst/>
+          </a:prstGeom>
+          <a:solidFill>
+            <a:schemeClr val="accent1">
+              <a:lumMod val="20000"/>
+              <a:lumOff val="80000"/>
+            </a:schemeClr>
+          </a:solidFill>
+        </p:spPr>
+        <p:style>
+          <a:lnRef idx="2">
+            <a:schemeClr val="accent1"/>
+          </a:lnRef>
+          <a:fillRef idx="1">
+            <a:schemeClr val="lt1"/>
+          </a:fillRef>
+          <a:effectRef idx="0">
+            <a:schemeClr val="accent1"/>
+          </a:effectRef>
+          <a:fontRef idx="minor">
+            <a:schemeClr val="dk1"/>
+          </a:fontRef>
+        </p:style>
+        <p:txBody>
+          <a:bodyPr rtlCol="0" anchor="ctr"/>
+          <a:lstStyle/>
+          <a:p>
+            <a:pPr algn="ctr"/>
+            <a:endParaRPr lang="es-ES"/>
+          </a:p>
+        </p:txBody>
+      </p:sp>
+      <p:pic>
+        <p:nvPicPr>
+          <p:cNvPr id="2" name="Imagen 1"/>
+          <p:cNvPicPr>
+            <a:picLocks noChangeAspect="1"/>
+          </p:cNvPicPr>
+          <p:nvPr/>
+        </p:nvPicPr>
+        <p:blipFill>
+          <a:blip r:embed="rId3"/>
+          <a:stretch>
+            <a:fillRect/>
+          </a:stretch>
+        </p:blipFill>
+        <p:spPr>
+          <a:xfrm>
+            <a:off x="1974984" y="3072656"/>
+            <a:ext cx="8064231" cy="3684528"/>
+          </a:xfrm>
+          <a:prstGeom prst="rect">
+            <a:avLst/>
+          </a:prstGeom>
+        </p:spPr>
+      </p:pic>
+      <p:sp>
+        <p:nvSpPr>
+          <p:cNvPr id="7" name="CuadroTexto 6"/>
+          <p:cNvSpPr txBox="1"/>
+          <p:nvPr/>
+        </p:nvSpPr>
+        <p:spPr>
+          <a:xfrm>
+            <a:off x="2390623" y="2448041"/>
+            <a:ext cx="1119352" cy="461665"/>
+          </a:xfrm>
+          <a:prstGeom prst="rect">
+            <a:avLst/>
+          </a:prstGeom>
+          <a:noFill/>
+        </p:spPr>
+        <p:txBody>
+          <a:bodyPr wrap="square" rtlCol="0">
+            <a:spAutoFit/>
+          </a:bodyPr>
+          <a:lstStyle/>
+          <a:p>
+            <a:r>
+              <a:rPr lang="es-ES" sz="2400" b="1" dirty="0" smtClean="0">
+                <a:solidFill>
+                  <a:schemeClr val="accent1">
+                    <a:lumMod val="75000"/>
+                  </a:schemeClr>
+                </a:solidFill>
+                <a:effectLst>
+                  <a:outerShdw blurRad="38100" dist="38100" dir="2700000" algn="tl">
+                    <a:srgbClr val="000000">
+                      <a:alpha val="43137"/>
+                    </a:srgbClr>
+                  </a:outerShdw>
+                </a:effectLst>
+              </a:rPr>
+              <a:t>Web</a:t>
+            </a:r>
+            <a:endParaRPr lang="es-ES" sz="2400" b="1" dirty="0">
+              <a:solidFill>
+                <a:schemeClr val="accent1">
+                  <a:lumMod val="75000"/>
+                </a:schemeClr>
+              </a:solidFill>
+              <a:effectLst>
+                <a:outerShdw blurRad="38100" dist="38100" dir="2700000" algn="tl">
+                  <a:srgbClr val="000000">
+                    <a:alpha val="43137"/>
+                  </a:srgbClr>
+                </a:outerShdw>
+              </a:effectLst>
+            </a:endParaRPr>
+          </a:p>
+        </p:txBody>
+      </p:sp>
+      <p:sp>
+        <p:nvSpPr>
+          <p:cNvPr id="8" name="CuadroTexto 7"/>
+          <p:cNvSpPr txBox="1"/>
+          <p:nvPr/>
+        </p:nvSpPr>
+        <p:spPr>
+          <a:xfrm>
+            <a:off x="4860762" y="2433659"/>
+            <a:ext cx="1963077" cy="461665"/>
+          </a:xfrm>
+          <a:prstGeom prst="rect">
+            <a:avLst/>
+          </a:prstGeom>
+          <a:noFill/>
+        </p:spPr>
+        <p:txBody>
+          <a:bodyPr wrap="square" rtlCol="0">
+            <a:spAutoFit/>
+          </a:bodyPr>
+          <a:lstStyle/>
+          <a:p>
+            <a:r>
+              <a:rPr lang="es-ES" sz="2400" b="1" dirty="0" smtClean="0">
+                <a:solidFill>
+                  <a:schemeClr val="accent1">
+                    <a:lumMod val="75000"/>
+                  </a:schemeClr>
+                </a:solidFill>
+                <a:effectLst>
+                  <a:outerShdw blurRad="38100" dist="38100" dir="2700000" algn="tl">
+                    <a:srgbClr val="000000">
+                      <a:alpha val="43137"/>
+                    </a:srgbClr>
+                  </a:outerShdw>
+                </a:effectLst>
+              </a:rPr>
+              <a:t>Lógica</a:t>
+            </a:r>
+            <a:endParaRPr lang="es-ES" sz="2400" b="1" dirty="0">
+              <a:solidFill>
+                <a:schemeClr val="accent1">
+                  <a:lumMod val="75000"/>
+                </a:schemeClr>
+              </a:solidFill>
+              <a:effectLst>
+                <a:outerShdw blurRad="38100" dist="38100" dir="2700000" algn="tl">
+                  <a:srgbClr val="000000">
+                    <a:alpha val="43137"/>
+                  </a:srgbClr>
+                </a:outerShdw>
+              </a:effectLst>
+            </a:endParaRPr>
+          </a:p>
+        </p:txBody>
+      </p:sp>
+      <p:sp>
+        <p:nvSpPr>
+          <p:cNvPr id="9" name="CuadroTexto 8"/>
+          <p:cNvSpPr txBox="1"/>
+          <p:nvPr/>
+        </p:nvSpPr>
+        <p:spPr>
+          <a:xfrm>
+            <a:off x="7639503" y="2285091"/>
+            <a:ext cx="2899914" cy="830997"/>
+          </a:xfrm>
+          <a:prstGeom prst="rect">
+            <a:avLst/>
+          </a:prstGeom>
+          <a:noFill/>
+        </p:spPr>
+        <p:txBody>
+          <a:bodyPr wrap="square" rtlCol="0">
+            <a:spAutoFit/>
+          </a:bodyPr>
+          <a:lstStyle/>
+          <a:p>
+            <a:r>
+              <a:rPr lang="es-ES" sz="2400" b="1" dirty="0" smtClean="0">
+                <a:solidFill>
+                  <a:schemeClr val="accent1">
+                    <a:lumMod val="75000"/>
+                  </a:schemeClr>
+                </a:solidFill>
+                <a:effectLst>
+                  <a:outerShdw blurRad="38100" dist="38100" dir="2700000" algn="tl">
+                    <a:srgbClr val="000000">
+                      <a:alpha val="43137"/>
+                    </a:srgbClr>
+                  </a:outerShdw>
+                </a:effectLst>
+              </a:rPr>
+              <a:t>Entidad / Acceso a Datos</a:t>
+            </a:r>
+            <a:endParaRPr lang="es-ES" sz="2400" b="1" dirty="0">
+              <a:solidFill>
+                <a:schemeClr val="accent1">
+                  <a:lumMod val="75000"/>
+                </a:schemeClr>
+              </a:solidFill>
+              <a:effectLst>
+                <a:outerShdw blurRad="38100" dist="38100" dir="2700000" algn="tl">
+                  <a:srgbClr val="000000">
+                    <a:alpha val="43137"/>
+                  </a:srgbClr>
+                </a:outerShdw>
+              </a:effectLst>
+            </a:endParaRPr>
+          </a:p>
+        </p:txBody>
+      </p:sp>
+      <p:cxnSp>
+        <p:nvCxnSpPr>
+          <p:cNvPr id="11" name="Conector recto 10"/>
+          <p:cNvCxnSpPr/>
+          <p:nvPr/>
+        </p:nvCxnSpPr>
+        <p:spPr>
+          <a:xfrm flipH="1">
+            <a:off x="3925614" y="2285091"/>
+            <a:ext cx="31531" cy="4210302"/>
+          </a:xfrm>
+          <a:prstGeom prst="line">
+            <a:avLst/>
+          </a:prstGeom>
+          <a:ln w="38100">
+            <a:prstDash val="dash"/>
+          </a:ln>
+        </p:spPr>
+        <p:style>
+          <a:lnRef idx="1">
+            <a:schemeClr val="accent1"/>
+          </a:lnRef>
+          <a:fillRef idx="0">
+            <a:schemeClr val="accent1"/>
+          </a:fillRef>
+          <a:effectRef idx="0">
+            <a:schemeClr val="accent1"/>
+          </a:effectRef>
+          <a:fontRef idx="minor">
+            <a:schemeClr val="tx1"/>
+          </a:fontRef>
+        </p:style>
+      </p:cxnSp>
+      <p:cxnSp>
+        <p:nvCxnSpPr>
+          <p:cNvPr id="12" name="Conector recto 11"/>
+          <p:cNvCxnSpPr/>
+          <p:nvPr/>
+        </p:nvCxnSpPr>
+        <p:spPr>
+          <a:xfrm flipH="1">
+            <a:off x="7086328" y="2348216"/>
+            <a:ext cx="31531" cy="4210302"/>
+          </a:xfrm>
+          <a:prstGeom prst="line">
+            <a:avLst/>
+          </a:prstGeom>
+          <a:ln w="38100">
+            <a:prstDash val="dash"/>
+          </a:ln>
+        </p:spPr>
+        <p:style>
+          <a:lnRef idx="1">
+            <a:schemeClr val="accent1"/>
+          </a:lnRef>
+          <a:fillRef idx="0">
+            <a:schemeClr val="accent1"/>
+          </a:fillRef>
+          <a:effectRef idx="0">
+            <a:schemeClr val="accent1"/>
+          </a:effectRef>
+          <a:fontRef idx="minor">
+            <a:schemeClr val="tx1"/>
+          </a:fontRef>
+        </p:style>
+      </p:cxnSp>
+    </p:spTree>
+    <p:extLst>
+      <p:ext uri="{BB962C8B-B14F-4D97-AF65-F5344CB8AC3E}">
+        <p14:creationId xmlns:p14="http://schemas.microsoft.com/office/powerpoint/2010/main" val="3630554406"/>
+      </p:ext>
+    </p:extLst>
+  </p:cSld>
+  <p:clrMapOvr>
+    <a:masterClrMapping/>
+  </p:clrMapOvr>
+  <p:transition spd="med">
+    <p:fade/>
+  </p:transition>
+  <p:timing>
+    <p:tnLst>
+      <p:par>
+        <p:cTn id="1" dur="indefinite" restart="never" nodeType="tmRoot"/>
+      </p:par>
+    </p:tnLst>
+  </p:timing>
+</p:sld>
+</file>
+
+<file path=ppt/slides/slide18.xml><?xml version="1.0" encoding="utf-8"?>
+<p:sld xmlns:a="http://schemas.openxmlformats.org/drawingml/2006/main" xmlns:r="http://schemas.openxmlformats.org/officeDocument/2006/relationships" xmlns:p="http://schemas.openxmlformats.org/presentationml/2006/main">
+  <p:cSld>
+    <p:spTree>
+      <p:nvGrpSpPr>
+        <p:cNvPr id="1" name=""/>
+        <p:cNvGrpSpPr/>
+        <p:nvPr/>
+      </p:nvGrpSpPr>
+      <p:grpSpPr>
+        <a:xfrm>
+          <a:off x="0" y="0"/>
+          <a:ext cx="0" cy="0"/>
+          <a:chOff x="0" y="0"/>
+          <a:chExt cx="0" cy="0"/>
+        </a:xfrm>
+      </p:grpSpPr>
+      <p:sp>
+        <p:nvSpPr>
+          <p:cNvPr id="4" name="Título 1"/>
+          <p:cNvSpPr txBox="1">
+            <a:spLocks/>
+          </p:cNvSpPr>
+          <p:nvPr/>
+        </p:nvSpPr>
+        <p:spPr>
+          <a:xfrm>
+            <a:off x="2199640" y="107756"/>
+            <a:ext cx="9248398" cy="970450"/>
+          </a:xfrm>
+          <a:prstGeom prst="rect">
+            <a:avLst/>
+          </a:prstGeom>
+          <a:effectLst>
+            <a:outerShdw blurRad="50800" dir="14400000">
+              <a:srgbClr val="000000">
+                <a:alpha val="60000"/>
+              </a:srgbClr>
+            </a:outerShdw>
+          </a:effectLst>
+        </p:spPr>
+        <p:txBody>
+          <a:bodyPr vert="horz" lIns="91440" tIns="45720" rIns="91440" bIns="45720" rtlCol="0" anchor="b">
+            <a:noAutofit/>
+          </a:bodyPr>
+          <a:lstStyle>
+            <a:lvl1pPr algn="l" defTabSz="457200" rtl="0" eaLnBrk="1" latinLnBrk="0" hangingPunct="1">
+              <a:spcBef>
+                <a:spcPct val="0"/>
+              </a:spcBef>
+              <a:buNone/>
+              <a:defRPr sz="4000" b="1" kern="1200">
+                <a:solidFill>
+                  <a:srgbClr val="FEFEFE"/>
+                </a:solidFill>
+                <a:latin typeface="+mj-lt"/>
+                <a:ea typeface="+mj-ea"/>
+                <a:cs typeface="+mj-cs"/>
+              </a:defRPr>
+            </a:lvl1pPr>
+            <a:lvl2pPr eaLnBrk="1" hangingPunct="1">
+              <a:defRPr>
+                <a:solidFill>
+                  <a:schemeClr val="tx2"/>
+                </a:solidFill>
+              </a:defRPr>
+            </a:lvl2pPr>
+            <a:lvl3pPr eaLnBrk="1" hangingPunct="1">
+              <a:defRPr>
+                <a:solidFill>
+                  <a:schemeClr val="tx2"/>
+                </a:solidFill>
+              </a:defRPr>
+            </a:lvl3pPr>
+            <a:lvl4pPr eaLnBrk="1" hangingPunct="1">
+              <a:defRPr>
+                <a:solidFill>
+                  <a:schemeClr val="tx2"/>
+                </a:solidFill>
+              </a:defRPr>
+            </a:lvl4pPr>
+            <a:lvl5pPr eaLnBrk="1" hangingPunct="1">
+              <a:defRPr>
+                <a:solidFill>
+                  <a:schemeClr val="tx2"/>
+                </a:solidFill>
+              </a:defRPr>
+            </a:lvl5pPr>
+            <a:lvl6pPr eaLnBrk="1" hangingPunct="1">
+              <a:defRPr>
+                <a:solidFill>
+                  <a:schemeClr val="tx2"/>
+                </a:solidFill>
+              </a:defRPr>
+            </a:lvl6pPr>
+            <a:lvl7pPr eaLnBrk="1" hangingPunct="1">
+              <a:defRPr>
+                <a:solidFill>
+                  <a:schemeClr val="tx2"/>
+                </a:solidFill>
+              </a:defRPr>
+            </a:lvl7pPr>
+            <a:lvl8pPr eaLnBrk="1" hangingPunct="1">
+              <a:defRPr>
+                <a:solidFill>
+                  <a:schemeClr val="tx2"/>
+                </a:solidFill>
+              </a:defRPr>
+            </a:lvl8pPr>
+            <a:lvl9pPr eaLnBrk="1" hangingPunct="1">
+              <a:defRPr>
+                <a:solidFill>
+                  <a:schemeClr val="tx2"/>
+                </a:solidFill>
+              </a:defRPr>
+            </a:lvl9pPr>
+          </a:lstStyle>
+          <a:p>
+            <a:r>
+              <a:rPr lang="es-ES" dirty="0" smtClean="0"/>
               <a:t>Diagrama de Clases (Entidades)</a:t>
             </a:r>
             <a:endParaRPr lang="es-ES" dirty="0"/>
@@ -32993,6 +34161,12 @@
           <a:prstGeom prst="roundRect">
             <a:avLst/>
           </a:prstGeom>
+          <a:solidFill>
+            <a:schemeClr val="accent1">
+              <a:lumMod val="20000"/>
+              <a:lumOff val="80000"/>
+            </a:schemeClr>
+          </a:solidFill>
         </p:spPr>
         <p:style>
           <a:lnRef idx="2">
@@ -33019,7 +34193,7 @@
       </p:sp>
       <p:pic>
         <p:nvPicPr>
-          <p:cNvPr id="2" name="Imagen 1"/>
+          <p:cNvPr id="3" name="Imagen 2"/>
           <p:cNvPicPr>
             <a:picLocks noChangeAspect="1"/>
           </p:cNvPicPr>
@@ -33041,15 +34215,12 @@
         </p:blipFill>
         <p:spPr>
           <a:xfrm>
-            <a:off x="1349829" y="1836891"/>
-            <a:ext cx="9187542" cy="4990822"/>
+            <a:off x="1781504" y="1906588"/>
+            <a:ext cx="8451799" cy="4762226"/>
           </a:xfrm>
           <a:prstGeom prst="rect">
             <a:avLst/>
           </a:prstGeom>
-          <a:ln>
-            <a:noFill/>
-          </a:ln>
         </p:spPr>
       </p:pic>
     </p:spTree>
@@ -33075,7 +34246,7 @@
 </p:sld>
 </file>
 
-<file path=ppt/slides/slide18.xml><?xml version="1.0" encoding="utf-8"?>
+<file path=ppt/slides/slide19.xml><?xml version="1.0" encoding="utf-8"?>
 <p:sld xmlns:a="http://schemas.openxmlformats.org/drawingml/2006/main" xmlns:r="http://schemas.openxmlformats.org/officeDocument/2006/relationships" xmlns:p="http://schemas.openxmlformats.org/presentationml/2006/main">
   <p:cSld>
     <p:spTree>
@@ -36190,360 +37361,6 @@
 </p:sld>
 </file>
 
-<file path=ppt/slides/slide19.xml><?xml version="1.0" encoding="utf-8"?>
-<p:sld xmlns:a="http://schemas.openxmlformats.org/drawingml/2006/main" xmlns:r="http://schemas.openxmlformats.org/officeDocument/2006/relationships" xmlns:p="http://schemas.openxmlformats.org/presentationml/2006/main">
-  <p:cSld>
-    <p:spTree>
-      <p:nvGrpSpPr>
-        <p:cNvPr id="1" name=""/>
-        <p:cNvGrpSpPr/>
-        <p:nvPr/>
-      </p:nvGrpSpPr>
-      <p:grpSpPr>
-        <a:xfrm>
-          <a:off x="0" y="0"/>
-          <a:ext cx="0" cy="0"/>
-          <a:chOff x="0" y="0"/>
-          <a:chExt cx="0" cy="0"/>
-        </a:xfrm>
-      </p:grpSpPr>
-      <p:sp>
-        <p:nvSpPr>
-          <p:cNvPr id="2" name="Título 1"/>
-          <p:cNvSpPr>
-            <a:spLocks noGrp="1"/>
-          </p:cNvSpPr>
-          <p:nvPr>
-            <p:ph type="title"/>
-          </p:nvPr>
-        </p:nvSpPr>
-        <p:spPr>
-          <a:xfrm>
-            <a:off x="2247899" y="192581"/>
-            <a:ext cx="9172198" cy="970450"/>
-          </a:xfrm>
-        </p:spPr>
-        <p:txBody>
-          <a:bodyPr/>
-          <a:lstStyle/>
-          <a:p>
-            <a:r>
-              <a:rPr lang="es-AR" dirty="0" smtClean="0"/>
-              <a:t>Fin</a:t>
-            </a:r>
-            <a:endParaRPr lang="es-AR" dirty="0"/>
-          </a:p>
-        </p:txBody>
-      </p:sp>
-      <p:pic>
-        <p:nvPicPr>
-          <p:cNvPr id="5" name="Imagen 4"/>
-          <p:cNvPicPr>
-            <a:picLocks noChangeAspect="1"/>
-          </p:cNvPicPr>
-          <p:nvPr/>
-        </p:nvPicPr>
-        <p:blipFill>
-          <a:blip r:embed="rId3">
-            <a:grayscl/>
-            <a:extLst>
-              <a:ext uri="{28A0092B-C50C-407E-A947-70E740481C1C}">
-                <a14:useLocalDpi xmlns:a14="http://schemas.microsoft.com/office/drawing/2010/main" val="0"/>
-              </a:ext>
-            </a:extLst>
-          </a:blip>
-          <a:stretch>
-            <a:fillRect/>
-          </a:stretch>
-        </p:blipFill>
-        <p:spPr>
-          <a:xfrm>
-            <a:off x="422650" y="0"/>
-            <a:ext cx="1780799" cy="1798832"/>
-          </a:xfrm>
-          <a:prstGeom prst="rect">
-            <a:avLst/>
-          </a:prstGeom>
-        </p:spPr>
-      </p:pic>
-      <p:sp>
-        <p:nvSpPr>
-          <p:cNvPr id="23" name="CuadroTexto 22"/>
-          <p:cNvSpPr txBox="1"/>
-          <p:nvPr/>
-        </p:nvSpPr>
-        <p:spPr>
-          <a:xfrm>
-            <a:off x="4430630" y="2974726"/>
-            <a:ext cx="3166280" cy="1323439"/>
-          </a:xfrm>
-          <a:prstGeom prst="rect">
-            <a:avLst/>
-          </a:prstGeom>
-          <a:ln w="19050">
-            <a:solidFill>
-              <a:schemeClr val="tx1">
-                <a:lumMod val="75000"/>
-              </a:schemeClr>
-            </a:solidFill>
-          </a:ln>
-        </p:spPr>
-        <p:style>
-          <a:lnRef idx="1">
-            <a:schemeClr val="accent1"/>
-          </a:lnRef>
-          <a:fillRef idx="3">
-            <a:schemeClr val="accent1"/>
-          </a:fillRef>
-          <a:effectRef idx="2">
-            <a:schemeClr val="accent1"/>
-          </a:effectRef>
-          <a:fontRef idx="minor">
-            <a:schemeClr val="lt1"/>
-          </a:fontRef>
-        </p:style>
-        <p:txBody>
-          <a:bodyPr wrap="square" rtlCol="0">
-            <a:spAutoFit/>
-          </a:bodyPr>
-          <a:lstStyle/>
-          <a:p>
-            <a:pPr algn="ctr"/>
-            <a:r>
-              <a:rPr lang="es-AR" sz="8000" dirty="0" smtClean="0"/>
-              <a:t>Fin</a:t>
-            </a:r>
-            <a:endParaRPr lang="es-AR" sz="8000" dirty="0"/>
-          </a:p>
-        </p:txBody>
-      </p:sp>
-      <p:sp>
-        <p:nvSpPr>
-          <p:cNvPr id="3" name="CuadroTexto 2"/>
-          <p:cNvSpPr txBox="1"/>
-          <p:nvPr/>
-        </p:nvSpPr>
-        <p:spPr>
-          <a:xfrm>
-            <a:off x="4249227" y="4351188"/>
-            <a:ext cx="3835020" cy="769441"/>
-          </a:xfrm>
-          <a:prstGeom prst="rect">
-            <a:avLst/>
-          </a:prstGeom>
-          <a:noFill/>
-        </p:spPr>
-        <p:txBody>
-          <a:bodyPr wrap="square" rtlCol="0">
-            <a:spAutoFit/>
-          </a:bodyPr>
-          <a:lstStyle/>
-          <a:p>
-            <a:r>
-              <a:rPr lang="es-AR" sz="4400" dirty="0" smtClean="0">
-                <a:solidFill>
-                  <a:schemeClr val="tx1">
-                    <a:lumMod val="85000"/>
-                  </a:schemeClr>
-                </a:solidFill>
-                <a:latin typeface="Arial" panose="020B0604020202020204" pitchFamily="34" charset="0"/>
-                <a:cs typeface="Arial" panose="020B0604020202020204" pitchFamily="34" charset="0"/>
-              </a:rPr>
-              <a:t>¿</a:t>
-            </a:r>
-            <a:r>
-              <a:rPr lang="es-AR" sz="4400" dirty="0" smtClean="0">
-                <a:solidFill>
-                  <a:schemeClr val="tx1">
-                    <a:lumMod val="85000"/>
-                  </a:schemeClr>
-                </a:solidFill>
-              </a:rPr>
-              <a:t>Preguntas</a:t>
-            </a:r>
-            <a:r>
-              <a:rPr lang="es-AR" sz="4400" dirty="0" smtClean="0">
-                <a:solidFill>
-                  <a:schemeClr val="tx1">
-                    <a:lumMod val="85000"/>
-                  </a:schemeClr>
-                </a:solidFill>
-                <a:latin typeface="Arial" panose="020B0604020202020204" pitchFamily="34" charset="0"/>
-                <a:cs typeface="Arial" panose="020B0604020202020204" pitchFamily="34" charset="0"/>
-              </a:rPr>
-              <a:t>?</a:t>
-            </a:r>
-            <a:endParaRPr lang="es-ES" sz="4400" dirty="0">
-              <a:solidFill>
-                <a:schemeClr val="tx1">
-                  <a:lumMod val="85000"/>
-                </a:schemeClr>
-              </a:solidFill>
-              <a:latin typeface="Arial" panose="020B0604020202020204" pitchFamily="34" charset="0"/>
-              <a:cs typeface="Arial" panose="020B0604020202020204" pitchFamily="34" charset="0"/>
-            </a:endParaRPr>
-          </a:p>
-        </p:txBody>
-      </p:sp>
-    </p:spTree>
-    <p:extLst>
-      <p:ext uri="{BB962C8B-B14F-4D97-AF65-F5344CB8AC3E}">
-        <p14:creationId xmlns:p14="http://schemas.microsoft.com/office/powerpoint/2010/main" val="2669761933"/>
-      </p:ext>
-    </p:extLst>
-  </p:cSld>
-  <p:clrMapOvr>
-    <a:masterClrMapping/>
-  </p:clrMapOvr>
-  <p:transition spd="med">
-    <p:fade/>
-  </p:transition>
-  <p:timing>
-    <p:tnLst>
-      <p:par>
-        <p:cTn id="1" dur="indefinite" restart="never" nodeType="tmRoot">
-          <p:childTnLst>
-            <p:seq concurrent="1" nextAc="seek">
-              <p:cTn id="2" dur="indefinite" nodeType="mainSeq">
-                <p:childTnLst>
-                  <p:par>
-                    <p:cTn id="3" fill="hold">
-                      <p:stCondLst>
-                        <p:cond delay="indefinite"/>
-                        <p:cond evt="onBegin" delay="0">
-                          <p:tn val="2"/>
-                        </p:cond>
-                      </p:stCondLst>
-                      <p:childTnLst>
-                        <p:par>
-                          <p:cTn id="4" fill="hold">
-                            <p:stCondLst>
-                              <p:cond delay="0"/>
-                            </p:stCondLst>
-                            <p:childTnLst>
-                              <p:par>
-                                <p:cTn id="5" presetID="10" presetClass="entr" presetSubtype="0" fill="hold" grpId="0" nodeType="afterEffect">
-                                  <p:stCondLst>
-                                    <p:cond delay="0"/>
-                                  </p:stCondLst>
-                                  <p:childTnLst>
-                                    <p:set>
-                                      <p:cBhvr>
-                                        <p:cTn id="6" dur="1" fill="hold">
-                                          <p:stCondLst>
-                                            <p:cond delay="0"/>
-                                          </p:stCondLst>
-                                        </p:cTn>
-                                        <p:tgtEl>
-                                          <p:spTgt spid="23"/>
-                                        </p:tgtEl>
-                                        <p:attrNameLst>
-                                          <p:attrName>style.visibility</p:attrName>
-                                        </p:attrNameLst>
-                                      </p:cBhvr>
-                                      <p:to>
-                                        <p:strVal val="visible"/>
-                                      </p:to>
-                                    </p:set>
-                                    <p:animEffect transition="in" filter="fade">
-                                      <p:cBhvr>
-                                        <p:cTn id="7" dur="500"/>
-                                        <p:tgtEl>
-                                          <p:spTgt spid="23"/>
-                                        </p:tgtEl>
-                                      </p:cBhvr>
-                                    </p:animEffect>
-                                  </p:childTnLst>
-                                </p:cTn>
-                              </p:par>
-                            </p:childTnLst>
-                          </p:cTn>
-                        </p:par>
-                      </p:childTnLst>
-                    </p:cTn>
-                  </p:par>
-                  <p:par>
-                    <p:cTn id="8" fill="hold">
-                      <p:stCondLst>
-                        <p:cond delay="indefinite"/>
-                      </p:stCondLst>
-                      <p:childTnLst>
-                        <p:par>
-                          <p:cTn id="9" fill="hold">
-                            <p:stCondLst>
-                              <p:cond delay="0"/>
-                            </p:stCondLst>
-                            <p:childTnLst>
-                              <p:par>
-                                <p:cTn id="10" presetID="10" presetClass="entr" presetSubtype="0" fill="hold" grpId="0" nodeType="clickEffect">
-                                  <p:stCondLst>
-                                    <p:cond delay="0"/>
-                                  </p:stCondLst>
-                                  <p:childTnLst>
-                                    <p:set>
-                                      <p:cBhvr>
-                                        <p:cTn id="11" dur="1" fill="hold">
-                                          <p:stCondLst>
-                                            <p:cond delay="0"/>
-                                          </p:stCondLst>
-                                        </p:cTn>
-                                        <p:tgtEl>
-                                          <p:spTgt spid="3"/>
-                                        </p:tgtEl>
-                                        <p:attrNameLst>
-                                          <p:attrName>style.visibility</p:attrName>
-                                        </p:attrNameLst>
-                                      </p:cBhvr>
-                                      <p:to>
-                                        <p:strVal val="visible"/>
-                                      </p:to>
-                                    </p:set>
-                                    <p:animEffect transition="in" filter="fade">
-                                      <p:cBhvr>
-                                        <p:cTn id="12" dur="500"/>
-                                        <p:tgtEl>
-                                          <p:spTgt spid="3"/>
-                                        </p:tgtEl>
-                                      </p:cBhvr>
-                                    </p:animEffect>
-                                  </p:childTnLst>
-                                </p:cTn>
-                              </p:par>
-                            </p:childTnLst>
-                          </p:cTn>
-                        </p:par>
-                      </p:childTnLst>
-                    </p:cTn>
-                  </p:par>
-                </p:childTnLst>
-              </p:cTn>
-              <p:prevCondLst>
-                <p:cond evt="onPrev" delay="0">
-                  <p:tgtEl>
-                    <p:sldTgt/>
-                  </p:tgtEl>
-                </p:cond>
-              </p:prevCondLst>
-              <p:nextCondLst>
-                <p:cond evt="onNext" delay="0">
-                  <p:tgtEl>
-                    <p:sldTgt/>
-                  </p:tgtEl>
-                </p:cond>
-              </p:nextCondLst>
-            </p:seq>
-          </p:childTnLst>
-        </p:cTn>
-      </p:par>
-    </p:tnLst>
-    <p:bldLst>
-      <p:bldP spid="23" grpId="0" animBg="1"/>
-      <p:bldP spid="3" grpId="0"/>
-    </p:bldLst>
-  </p:timing>
-</p:sld>
-</file>
-
 <file path=ppt/slides/slide2.xml><?xml version="1.0" encoding="utf-8"?>
 <p:sld xmlns:a="http://schemas.openxmlformats.org/drawingml/2006/main" xmlns:r="http://schemas.openxmlformats.org/officeDocument/2006/relationships" xmlns:p="http://schemas.openxmlformats.org/presentationml/2006/main">
   <p:cSld>
@@ -36957,6 +37774,360 @@
         <p:cTn id="1" dur="indefinite" restart="never" nodeType="tmRoot"/>
       </p:par>
     </p:tnLst>
+  </p:timing>
+</p:sld>
+</file>
+
+<file path=ppt/slides/slide20.xml><?xml version="1.0" encoding="utf-8"?>
+<p:sld xmlns:a="http://schemas.openxmlformats.org/drawingml/2006/main" xmlns:r="http://schemas.openxmlformats.org/officeDocument/2006/relationships" xmlns:p="http://schemas.openxmlformats.org/presentationml/2006/main">
+  <p:cSld>
+    <p:spTree>
+      <p:nvGrpSpPr>
+        <p:cNvPr id="1" name=""/>
+        <p:cNvGrpSpPr/>
+        <p:nvPr/>
+      </p:nvGrpSpPr>
+      <p:grpSpPr>
+        <a:xfrm>
+          <a:off x="0" y="0"/>
+          <a:ext cx="0" cy="0"/>
+          <a:chOff x="0" y="0"/>
+          <a:chExt cx="0" cy="0"/>
+        </a:xfrm>
+      </p:grpSpPr>
+      <p:sp>
+        <p:nvSpPr>
+          <p:cNvPr id="2" name="Título 1"/>
+          <p:cNvSpPr>
+            <a:spLocks noGrp="1"/>
+          </p:cNvSpPr>
+          <p:nvPr>
+            <p:ph type="title"/>
+          </p:nvPr>
+        </p:nvSpPr>
+        <p:spPr>
+          <a:xfrm>
+            <a:off x="2247899" y="192581"/>
+            <a:ext cx="9172198" cy="970450"/>
+          </a:xfrm>
+        </p:spPr>
+        <p:txBody>
+          <a:bodyPr/>
+          <a:lstStyle/>
+          <a:p>
+            <a:r>
+              <a:rPr lang="es-AR" dirty="0" smtClean="0"/>
+              <a:t>Fin</a:t>
+            </a:r>
+            <a:endParaRPr lang="es-AR" dirty="0"/>
+          </a:p>
+        </p:txBody>
+      </p:sp>
+      <p:pic>
+        <p:nvPicPr>
+          <p:cNvPr id="5" name="Imagen 4"/>
+          <p:cNvPicPr>
+            <a:picLocks noChangeAspect="1"/>
+          </p:cNvPicPr>
+          <p:nvPr/>
+        </p:nvPicPr>
+        <p:blipFill>
+          <a:blip r:embed="rId3">
+            <a:grayscl/>
+            <a:extLst>
+              <a:ext uri="{28A0092B-C50C-407E-A947-70E740481C1C}">
+                <a14:useLocalDpi xmlns:a14="http://schemas.microsoft.com/office/drawing/2010/main" val="0"/>
+              </a:ext>
+            </a:extLst>
+          </a:blip>
+          <a:stretch>
+            <a:fillRect/>
+          </a:stretch>
+        </p:blipFill>
+        <p:spPr>
+          <a:xfrm>
+            <a:off x="422650" y="0"/>
+            <a:ext cx="1780799" cy="1798832"/>
+          </a:xfrm>
+          <a:prstGeom prst="rect">
+            <a:avLst/>
+          </a:prstGeom>
+        </p:spPr>
+      </p:pic>
+      <p:sp>
+        <p:nvSpPr>
+          <p:cNvPr id="23" name="CuadroTexto 22"/>
+          <p:cNvSpPr txBox="1"/>
+          <p:nvPr/>
+        </p:nvSpPr>
+        <p:spPr>
+          <a:xfrm>
+            <a:off x="4430630" y="2974726"/>
+            <a:ext cx="3166280" cy="1323439"/>
+          </a:xfrm>
+          <a:prstGeom prst="rect">
+            <a:avLst/>
+          </a:prstGeom>
+          <a:ln w="19050">
+            <a:solidFill>
+              <a:schemeClr val="tx1">
+                <a:lumMod val="75000"/>
+              </a:schemeClr>
+            </a:solidFill>
+          </a:ln>
+        </p:spPr>
+        <p:style>
+          <a:lnRef idx="1">
+            <a:schemeClr val="accent1"/>
+          </a:lnRef>
+          <a:fillRef idx="3">
+            <a:schemeClr val="accent1"/>
+          </a:fillRef>
+          <a:effectRef idx="2">
+            <a:schemeClr val="accent1"/>
+          </a:effectRef>
+          <a:fontRef idx="minor">
+            <a:schemeClr val="lt1"/>
+          </a:fontRef>
+        </p:style>
+        <p:txBody>
+          <a:bodyPr wrap="square" rtlCol="0">
+            <a:spAutoFit/>
+          </a:bodyPr>
+          <a:lstStyle/>
+          <a:p>
+            <a:pPr algn="ctr"/>
+            <a:r>
+              <a:rPr lang="es-AR" sz="8000" dirty="0" smtClean="0"/>
+              <a:t>Fin</a:t>
+            </a:r>
+            <a:endParaRPr lang="es-AR" sz="8000" dirty="0"/>
+          </a:p>
+        </p:txBody>
+      </p:sp>
+      <p:sp>
+        <p:nvSpPr>
+          <p:cNvPr id="3" name="CuadroTexto 2"/>
+          <p:cNvSpPr txBox="1"/>
+          <p:nvPr/>
+        </p:nvSpPr>
+        <p:spPr>
+          <a:xfrm>
+            <a:off x="4249227" y="4351188"/>
+            <a:ext cx="3835020" cy="769441"/>
+          </a:xfrm>
+          <a:prstGeom prst="rect">
+            <a:avLst/>
+          </a:prstGeom>
+          <a:noFill/>
+        </p:spPr>
+        <p:txBody>
+          <a:bodyPr wrap="square" rtlCol="0">
+            <a:spAutoFit/>
+          </a:bodyPr>
+          <a:lstStyle/>
+          <a:p>
+            <a:r>
+              <a:rPr lang="es-AR" sz="4400" dirty="0" smtClean="0">
+                <a:solidFill>
+                  <a:schemeClr val="tx1">
+                    <a:lumMod val="85000"/>
+                  </a:schemeClr>
+                </a:solidFill>
+                <a:latin typeface="Arial" panose="020B0604020202020204" pitchFamily="34" charset="0"/>
+                <a:cs typeface="Arial" panose="020B0604020202020204" pitchFamily="34" charset="0"/>
+              </a:rPr>
+              <a:t>¿</a:t>
+            </a:r>
+            <a:r>
+              <a:rPr lang="es-AR" sz="4400" dirty="0" smtClean="0">
+                <a:solidFill>
+                  <a:schemeClr val="tx1">
+                    <a:lumMod val="85000"/>
+                  </a:schemeClr>
+                </a:solidFill>
+              </a:rPr>
+              <a:t>Preguntas</a:t>
+            </a:r>
+            <a:r>
+              <a:rPr lang="es-AR" sz="4400" dirty="0" smtClean="0">
+                <a:solidFill>
+                  <a:schemeClr val="tx1">
+                    <a:lumMod val="85000"/>
+                  </a:schemeClr>
+                </a:solidFill>
+                <a:latin typeface="Arial" panose="020B0604020202020204" pitchFamily="34" charset="0"/>
+                <a:cs typeface="Arial" panose="020B0604020202020204" pitchFamily="34" charset="0"/>
+              </a:rPr>
+              <a:t>?</a:t>
+            </a:r>
+            <a:endParaRPr lang="es-ES" sz="4400" dirty="0">
+              <a:solidFill>
+                <a:schemeClr val="tx1">
+                  <a:lumMod val="85000"/>
+                </a:schemeClr>
+              </a:solidFill>
+              <a:latin typeface="Arial" panose="020B0604020202020204" pitchFamily="34" charset="0"/>
+              <a:cs typeface="Arial" panose="020B0604020202020204" pitchFamily="34" charset="0"/>
+            </a:endParaRPr>
+          </a:p>
+        </p:txBody>
+      </p:sp>
+    </p:spTree>
+    <p:extLst>
+      <p:ext uri="{BB962C8B-B14F-4D97-AF65-F5344CB8AC3E}">
+        <p14:creationId xmlns:p14="http://schemas.microsoft.com/office/powerpoint/2010/main" val="2669761933"/>
+      </p:ext>
+    </p:extLst>
+  </p:cSld>
+  <p:clrMapOvr>
+    <a:masterClrMapping/>
+  </p:clrMapOvr>
+  <p:transition spd="med">
+    <p:fade/>
+  </p:transition>
+  <p:timing>
+    <p:tnLst>
+      <p:par>
+        <p:cTn id="1" dur="indefinite" restart="never" nodeType="tmRoot">
+          <p:childTnLst>
+            <p:seq concurrent="1" nextAc="seek">
+              <p:cTn id="2" dur="indefinite" nodeType="mainSeq">
+                <p:childTnLst>
+                  <p:par>
+                    <p:cTn id="3" fill="hold">
+                      <p:stCondLst>
+                        <p:cond delay="indefinite"/>
+                        <p:cond evt="onBegin" delay="0">
+                          <p:tn val="2"/>
+                        </p:cond>
+                      </p:stCondLst>
+                      <p:childTnLst>
+                        <p:par>
+                          <p:cTn id="4" fill="hold">
+                            <p:stCondLst>
+                              <p:cond delay="0"/>
+                            </p:stCondLst>
+                            <p:childTnLst>
+                              <p:par>
+                                <p:cTn id="5" presetID="10" presetClass="entr" presetSubtype="0" fill="hold" grpId="0" nodeType="afterEffect">
+                                  <p:stCondLst>
+                                    <p:cond delay="0"/>
+                                  </p:stCondLst>
+                                  <p:childTnLst>
+                                    <p:set>
+                                      <p:cBhvr>
+                                        <p:cTn id="6" dur="1" fill="hold">
+                                          <p:stCondLst>
+                                            <p:cond delay="0"/>
+                                          </p:stCondLst>
+                                        </p:cTn>
+                                        <p:tgtEl>
+                                          <p:spTgt spid="23"/>
+                                        </p:tgtEl>
+                                        <p:attrNameLst>
+                                          <p:attrName>style.visibility</p:attrName>
+                                        </p:attrNameLst>
+                                      </p:cBhvr>
+                                      <p:to>
+                                        <p:strVal val="visible"/>
+                                      </p:to>
+                                    </p:set>
+                                    <p:animEffect transition="in" filter="fade">
+                                      <p:cBhvr>
+                                        <p:cTn id="7" dur="500"/>
+                                        <p:tgtEl>
+                                          <p:spTgt spid="23"/>
+                                        </p:tgtEl>
+                                      </p:cBhvr>
+                                    </p:animEffect>
+                                  </p:childTnLst>
+                                </p:cTn>
+                              </p:par>
+                            </p:childTnLst>
+                          </p:cTn>
+                        </p:par>
+                      </p:childTnLst>
+                    </p:cTn>
+                  </p:par>
+                  <p:par>
+                    <p:cTn id="8" fill="hold">
+                      <p:stCondLst>
+                        <p:cond delay="indefinite"/>
+                      </p:stCondLst>
+                      <p:childTnLst>
+                        <p:par>
+                          <p:cTn id="9" fill="hold">
+                            <p:stCondLst>
+                              <p:cond delay="0"/>
+                            </p:stCondLst>
+                            <p:childTnLst>
+                              <p:par>
+                                <p:cTn id="10" presetID="10" presetClass="entr" presetSubtype="0" fill="hold" grpId="0" nodeType="clickEffect">
+                                  <p:stCondLst>
+                                    <p:cond delay="0"/>
+                                  </p:stCondLst>
+                                  <p:childTnLst>
+                                    <p:set>
+                                      <p:cBhvr>
+                                        <p:cTn id="11" dur="1" fill="hold">
+                                          <p:stCondLst>
+                                            <p:cond delay="0"/>
+                                          </p:stCondLst>
+                                        </p:cTn>
+                                        <p:tgtEl>
+                                          <p:spTgt spid="3"/>
+                                        </p:tgtEl>
+                                        <p:attrNameLst>
+                                          <p:attrName>style.visibility</p:attrName>
+                                        </p:attrNameLst>
+                                      </p:cBhvr>
+                                      <p:to>
+                                        <p:strVal val="visible"/>
+                                      </p:to>
+                                    </p:set>
+                                    <p:animEffect transition="in" filter="fade">
+                                      <p:cBhvr>
+                                        <p:cTn id="12" dur="500"/>
+                                        <p:tgtEl>
+                                          <p:spTgt spid="3"/>
+                                        </p:tgtEl>
+                                      </p:cBhvr>
+                                    </p:animEffect>
+                                  </p:childTnLst>
+                                </p:cTn>
+                              </p:par>
+                            </p:childTnLst>
+                          </p:cTn>
+                        </p:par>
+                      </p:childTnLst>
+                    </p:cTn>
+                  </p:par>
+                </p:childTnLst>
+              </p:cTn>
+              <p:prevCondLst>
+                <p:cond evt="onPrev" delay="0">
+                  <p:tgtEl>
+                    <p:sldTgt/>
+                  </p:tgtEl>
+                </p:cond>
+              </p:prevCondLst>
+              <p:nextCondLst>
+                <p:cond evt="onNext" delay="0">
+                  <p:tgtEl>
+                    <p:sldTgt/>
+                  </p:tgtEl>
+                </p:cond>
+              </p:nextCondLst>
+            </p:seq>
+          </p:childTnLst>
+        </p:cTn>
+      </p:par>
+    </p:tnLst>
+    <p:bldLst>
+      <p:bldP spid="23" grpId="0" animBg="1"/>
+      <p:bldP spid="3" grpId="0"/>
+    </p:bldLst>
   </p:timing>
 </p:sld>
 </file>

--- a/trunk/Documentacion/Presentación Grado de Avances/Presentación Proyecto - Grado de Avances.pptx
+++ b/trunk/Documentacion/Presentación Grado de Avances/Presentación Proyecto - Grado de Avances.pptx
@@ -3914,13 +3914,27 @@
         <a:lstStyle/>
         <a:p>
           <a:r>
-            <a:rPr lang="es-AR" sz="2400" b="0" dirty="0" smtClean="0">
-              <a:latin typeface="Calibri" panose="020F0502020204030204" pitchFamily="34" charset="0"/>
+            <a:rPr lang="es-AR" sz="2400" b="1" dirty="0" smtClean="0">
+              <a:effectLst>
+                <a:outerShdw blurRad="38100" dist="38100" dir="2700000" algn="tl">
+                  <a:srgbClr val="000000">
+                    <a:alpha val="43137"/>
+                  </a:srgbClr>
+                </a:outerShdw>
+              </a:effectLst>
+              <a:latin typeface="+mj-lt"/>
             </a:rPr>
             <a:t>¿Dónde Estamos?</a:t>
           </a:r>
-          <a:endParaRPr lang="es-AR" sz="2400" b="0" dirty="0">
-            <a:latin typeface="Calibri" panose="020F0502020204030204" pitchFamily="34" charset="0"/>
+          <a:endParaRPr lang="es-AR" sz="2400" b="1" dirty="0">
+            <a:effectLst>
+              <a:outerShdw blurRad="38100" dist="38100" dir="2700000" algn="tl">
+                <a:srgbClr val="000000">
+                  <a:alpha val="43137"/>
+                </a:srgbClr>
+              </a:outerShdw>
+            </a:effectLst>
+            <a:latin typeface="+mj-lt"/>
           </a:endParaRPr>
         </a:p>
       </dgm:t>
@@ -3955,13 +3969,27 @@
         <a:lstStyle/>
         <a:p>
           <a:r>
-            <a:rPr lang="es-AR" sz="2400" b="0" dirty="0" smtClean="0">
-              <a:latin typeface="Calibri" panose="020F0502020204030204" pitchFamily="34" charset="0"/>
+            <a:rPr lang="es-AR" sz="2400" b="1" dirty="0" smtClean="0">
+              <a:effectLst>
+                <a:outerShdw blurRad="38100" dist="38100" dir="2700000" algn="tl">
+                  <a:srgbClr val="000000">
+                    <a:alpha val="43137"/>
+                  </a:srgbClr>
+                </a:outerShdw>
+              </a:effectLst>
+              <a:latin typeface="+mj-lt"/>
             </a:rPr>
             <a:t>Herramientas y Cambios</a:t>
           </a:r>
-          <a:endParaRPr lang="es-AR" sz="2400" b="0" dirty="0">
-            <a:latin typeface="Calibri" panose="020F0502020204030204" pitchFamily="34" charset="0"/>
+          <a:endParaRPr lang="es-AR" sz="2400" b="1" dirty="0">
+            <a:effectLst>
+              <a:outerShdw blurRad="38100" dist="38100" dir="2700000" algn="tl">
+                <a:srgbClr val="000000">
+                  <a:alpha val="43137"/>
+                </a:srgbClr>
+              </a:outerShdw>
+            </a:effectLst>
+            <a:latin typeface="+mj-lt"/>
           </a:endParaRPr>
         </a:p>
       </dgm:t>
@@ -3996,13 +4024,27 @@
         <a:lstStyle/>
         <a:p>
           <a:r>
-            <a:rPr lang="es-AR" sz="2400" b="0" dirty="0" smtClean="0">
-              <a:latin typeface="Calibri" panose="020F0502020204030204" pitchFamily="34" charset="0"/>
+            <a:rPr lang="es-AR" sz="2400" b="1" dirty="0" smtClean="0">
+              <a:effectLst>
+                <a:outerShdw blurRad="38100" dist="38100" dir="2700000" algn="tl">
+                  <a:srgbClr val="000000">
+                    <a:alpha val="43137"/>
+                  </a:srgbClr>
+                </a:outerShdw>
+              </a:effectLst>
+              <a:latin typeface="+mj-lt"/>
             </a:rPr>
             <a:t>Gestión del Proyecto - Métricas</a:t>
           </a:r>
-          <a:endParaRPr lang="es-AR" sz="2400" b="0" dirty="0">
-            <a:latin typeface="Calibri" panose="020F0502020204030204" pitchFamily="34" charset="0"/>
+          <a:endParaRPr lang="es-AR" sz="2400" b="1" dirty="0">
+            <a:effectLst>
+              <a:outerShdw blurRad="38100" dist="38100" dir="2700000" algn="tl">
+                <a:srgbClr val="000000">
+                  <a:alpha val="43137"/>
+                </a:srgbClr>
+              </a:outerShdw>
+            </a:effectLst>
+            <a:latin typeface="+mj-lt"/>
           </a:endParaRPr>
         </a:p>
       </dgm:t>
@@ -4037,13 +4079,27 @@
         <a:lstStyle/>
         <a:p>
           <a:r>
-            <a:rPr lang="es-AR" sz="2400" b="0" dirty="0" smtClean="0">
-              <a:latin typeface="Calibri" panose="020F0502020204030204" pitchFamily="34" charset="0"/>
+            <a:rPr lang="es-AR" sz="2400" b="1" dirty="0" smtClean="0">
+              <a:effectLst>
+                <a:outerShdw blurRad="38100" dist="38100" dir="2700000" algn="tl">
+                  <a:srgbClr val="000000">
+                    <a:alpha val="43137"/>
+                  </a:srgbClr>
+                </a:outerShdw>
+              </a:effectLst>
+              <a:latin typeface="+mj-lt"/>
             </a:rPr>
             <a:t>Arquitectura y Modelos</a:t>
           </a:r>
-          <a:endParaRPr lang="es-AR" sz="2400" b="0" dirty="0">
-            <a:latin typeface="Calibri" panose="020F0502020204030204" pitchFamily="34" charset="0"/>
+          <a:endParaRPr lang="es-AR" sz="2400" b="1" dirty="0">
+            <a:effectLst>
+              <a:outerShdw blurRad="38100" dist="38100" dir="2700000" algn="tl">
+                <a:srgbClr val="000000">
+                  <a:alpha val="43137"/>
+                </a:srgbClr>
+              </a:outerShdw>
+            </a:effectLst>
+            <a:latin typeface="+mj-lt"/>
           </a:endParaRPr>
         </a:p>
       </dgm:t>
@@ -4078,13 +4134,27 @@
         <a:lstStyle/>
         <a:p>
           <a:r>
-            <a:rPr lang="es-AR" sz="2400" b="0" dirty="0" smtClean="0">
-              <a:latin typeface="Calibri" panose="020F0502020204030204" pitchFamily="34" charset="0"/>
+            <a:rPr lang="es-AR" sz="2400" b="1" dirty="0" smtClean="0">
+              <a:effectLst>
+                <a:outerShdw blurRad="38100" dist="38100" dir="2700000" algn="tl">
+                  <a:srgbClr val="000000">
+                    <a:alpha val="43137"/>
+                  </a:srgbClr>
+                </a:outerShdw>
+              </a:effectLst>
+              <a:latin typeface="+mj-lt"/>
             </a:rPr>
             <a:t>¿Cómo Seguimos?</a:t>
           </a:r>
-          <a:endParaRPr lang="es-AR" sz="2400" b="0" dirty="0">
-            <a:latin typeface="Calibri" panose="020F0502020204030204" pitchFamily="34" charset="0"/>
+          <a:endParaRPr lang="es-AR" sz="2400" b="1" dirty="0">
+            <a:effectLst>
+              <a:outerShdw blurRad="38100" dist="38100" dir="2700000" algn="tl">
+                <a:srgbClr val="000000">
+                  <a:alpha val="43137"/>
+                </a:srgbClr>
+              </a:outerShdw>
+            </a:effectLst>
+            <a:latin typeface="+mj-lt"/>
           </a:endParaRPr>
         </a:p>
       </dgm:t>
@@ -5037,8 +5107,8 @@
     <dgm:cxn modelId="{033E09AC-6D4D-414E-862D-B5A442B1AC27}" type="presOf" srcId="{ABDCEAC1-7F67-454D-84AF-2ECB51702D13}" destId="{474233D3-0411-4ECF-9B57-DA9032FAB377}" srcOrd="0" destOrd="0" presId="urn:microsoft.com/office/officeart/2005/8/layout/vList5"/>
     <dgm:cxn modelId="{71EEBC94-C7CD-44E6-B1DC-DAF8B3C40CCA}" srcId="{5B42A3B2-F1A4-4AAD-92E6-CBE520DF75A4}" destId="{D80178D8-855D-4D8C-BAE2-17D72C190F1C}" srcOrd="4" destOrd="0" parTransId="{CE8167CF-87E1-42C1-8B64-351F9D65AEA0}" sibTransId="{42623A96-96F1-43CA-BA62-11C446A70135}"/>
     <dgm:cxn modelId="{4137832A-ED43-4C35-B279-B35137E9B3E9}" srcId="{8587132E-9006-496A-8F9A-F4971DD58E1B}" destId="{6896E919-8BCC-48FF-BCE3-BFE66BFB1A06}" srcOrd="0" destOrd="0" parTransId="{E36E377B-B494-400F-B163-198EA04FA50E}" sibTransId="{7D1BA1F4-2223-4C45-815D-8FB75C8F2E3A}"/>
+    <dgm:cxn modelId="{1118EDD1-B889-4A46-BD09-FD906CE2F23D}" type="presOf" srcId="{AA89FF9F-D7AB-46FF-8516-736811A50D78}" destId="{81427C62-5655-4813-AC16-2932A923AE10}" srcOrd="0" destOrd="0" presId="urn:microsoft.com/office/officeart/2005/8/layout/vList5"/>
     <dgm:cxn modelId="{E08744B4-69D5-4A50-89E1-C260D5ED9AC7}" type="presOf" srcId="{B7551B5D-2840-4B19-AA2B-F2E0633B3A37}" destId="{EA225968-22AD-4266-B086-723503A371EA}" srcOrd="0" destOrd="0" presId="urn:microsoft.com/office/officeart/2005/8/layout/vList5"/>
-    <dgm:cxn modelId="{1118EDD1-B889-4A46-BD09-FD906CE2F23D}" type="presOf" srcId="{AA89FF9F-D7AB-46FF-8516-736811A50D78}" destId="{81427C62-5655-4813-AC16-2932A923AE10}" srcOrd="0" destOrd="0" presId="urn:microsoft.com/office/officeart/2005/8/layout/vList5"/>
     <dgm:cxn modelId="{3F3BF574-AAD8-419F-B503-96D047DF15CE}" type="presParOf" srcId="{1AC5862D-3A38-4A56-8BBB-5228D3259E64}" destId="{6FBAC80C-69A4-4EBB-A9DA-D287B5B59A74}" srcOrd="0" destOrd="0" presId="urn:microsoft.com/office/officeart/2005/8/layout/vList5"/>
     <dgm:cxn modelId="{85AE3A7E-A6C9-4A33-B561-3AC2428D6853}" type="presParOf" srcId="{6FBAC80C-69A4-4EBB-A9DA-D287B5B59A74}" destId="{909E8BCD-0B1A-41E7-BFFF-B89785456621}" srcOrd="0" destOrd="0" presId="urn:microsoft.com/office/officeart/2005/8/layout/vList5"/>
     <dgm:cxn modelId="{134167C9-1E13-44A1-A9FB-452A02FA070E}" type="presParOf" srcId="{6FBAC80C-69A4-4EBB-A9DA-D287B5B59A74}" destId="{D79D4B58-D90B-49E8-B5D0-2B484EB6045D}" srcOrd="1" destOrd="0" presId="urn:microsoft.com/office/officeart/2005/8/layout/vList5"/>
@@ -5096,7 +5166,11 @@
           </a:r>
           <a:r>
             <a:rPr lang="es-AR" sz="2000" dirty="0" smtClean="0"/>
-            <a:t>de Proyecto </a:t>
+            <a:t>de </a:t>
+          </a:r>
+          <a:r>
+            <a:rPr lang="es-AR" sz="2000" dirty="0" smtClean="0"/>
+            <a:t>Proyecto y de Producto </a:t>
           </a:r>
           <a:endParaRPr lang="es-ES" sz="2000" dirty="0"/>
         </a:p>
@@ -6141,20 +6215,20 @@
     </dgm:pt>
   </dgm:ptLst>
   <dgm:cxnLst>
+    <dgm:cxn modelId="{A489847D-2ECA-4424-B17A-DB6FCE7A8A5A}" srcId="{380B52FA-39C6-48EA-999F-FF4935E2FF90}" destId="{61775FC0-4D76-4DBD-8D6A-B45D8C8F447D}" srcOrd="3" destOrd="0" parTransId="{5627AB7B-8D76-4D3F-B033-0452D2740CB8}" sibTransId="{A90BBD6A-B4C6-4C41-B0C1-AFAF3DD96903}"/>
+    <dgm:cxn modelId="{DD7C9394-52EF-48F5-8584-BA6AE850F2E4}" type="presOf" srcId="{380B52FA-39C6-48EA-999F-FF4935E2FF90}" destId="{E0294AD7-5684-4880-AFE3-8A287502C171}" srcOrd="0" destOrd="0" presId="urn:microsoft.com/office/officeart/2008/layout/VerticalCurvedList"/>
+    <dgm:cxn modelId="{E783B8BE-2BD4-4C04-BDDF-BE17ACA9F295}" type="presOf" srcId="{61775FC0-4D76-4DBD-8D6A-B45D8C8F447D}" destId="{2844CD40-437E-4C4F-A2EE-801021F6711B}" srcOrd="0" destOrd="0" presId="urn:microsoft.com/office/officeart/2008/layout/VerticalCurvedList"/>
     <dgm:cxn modelId="{49EE22DC-5F2C-4520-9ECA-69CA034E3E84}" type="presOf" srcId="{E3E24D61-DC83-4221-A625-3253A8A07D4E}" destId="{889CCFCF-85CF-42EE-B1C3-B84E8EE140C2}" srcOrd="0" destOrd="0" presId="urn:microsoft.com/office/officeart/2008/layout/VerticalCurvedList"/>
+    <dgm:cxn modelId="{8EDA5967-C3EE-4BA9-A906-3EBA10582C14}" srcId="{380B52FA-39C6-48EA-999F-FF4935E2FF90}" destId="{EB69C98D-0511-46AE-8510-7CCD8A94F1AD}" srcOrd="5" destOrd="0" parTransId="{D1EF9142-BF1B-46DC-9394-13F37661F665}" sibTransId="{10F45A30-D8F2-4C20-943B-AD10ADAF5F81}"/>
+    <dgm:cxn modelId="{8F895F7B-4E24-4CBD-875F-FDA24134C40E}" srcId="{380B52FA-39C6-48EA-999F-FF4935E2FF90}" destId="{0E8DDFC9-A553-43E8-8ADD-DACAFE998484}" srcOrd="4" destOrd="0" parTransId="{9A92C10D-6A46-4A28-B36F-8C076C8A2723}" sibTransId="{FA11F3E5-A6EE-4D12-9C43-9DA399E6752D}"/>
+    <dgm:cxn modelId="{DADC3634-6D46-4546-8DF3-F7E7D8CF2AD4}" type="presOf" srcId="{CC4D44A6-7179-4CCE-8B0E-9D963F120C7F}" destId="{969B7A61-92F9-49CC-BB98-4FCC80682E86}" srcOrd="0" destOrd="0" presId="urn:microsoft.com/office/officeart/2008/layout/VerticalCurvedList"/>
+    <dgm:cxn modelId="{89D38CD6-64FE-4FD5-BED7-753169C4CACF}" srcId="{380B52FA-39C6-48EA-999F-FF4935E2FF90}" destId="{269BCB6E-2880-4F18-9732-C0DD14CA6895}" srcOrd="1" destOrd="0" parTransId="{5152B2E3-1FA3-4D1F-89EB-C3BF645E7CFB}" sibTransId="{D9B8F87E-83B6-41F9-969F-08D3D7CDBBE0}"/>
     <dgm:cxn modelId="{A74E0EB2-308F-403E-9F75-A6F630C4E55D}" type="presOf" srcId="{0E8DDFC9-A553-43E8-8ADD-DACAFE998484}" destId="{E7CE5C3F-775D-45A0-8FC7-59E2443FB5BB}" srcOrd="0" destOrd="0" presId="urn:microsoft.com/office/officeart/2008/layout/VerticalCurvedList"/>
-    <dgm:cxn modelId="{009EA7D8-905E-4CF5-AD7F-033F2C5F116E}" type="presOf" srcId="{767EEABE-FA01-434B-BFB1-DABB2B0B3538}" destId="{B1E84231-A085-4FBA-A7F1-0724F2582F6F}" srcOrd="0" destOrd="0" presId="urn:microsoft.com/office/officeart/2008/layout/VerticalCurvedList"/>
-    <dgm:cxn modelId="{E783B8BE-2BD4-4C04-BDDF-BE17ACA9F295}" type="presOf" srcId="{61775FC0-4D76-4DBD-8D6A-B45D8C8F447D}" destId="{2844CD40-437E-4C4F-A2EE-801021F6711B}" srcOrd="0" destOrd="0" presId="urn:microsoft.com/office/officeart/2008/layout/VerticalCurvedList"/>
     <dgm:cxn modelId="{36190A50-AB37-4DBE-841D-84CE7B3AE27C}" type="presOf" srcId="{EB69C98D-0511-46AE-8510-7CCD8A94F1AD}" destId="{A6715B7B-E69E-49A7-BBDE-A964109AD82E}" srcOrd="0" destOrd="0" presId="urn:microsoft.com/office/officeart/2008/layout/VerticalCurvedList"/>
-    <dgm:cxn modelId="{89D38CD6-64FE-4FD5-BED7-753169C4CACF}" srcId="{380B52FA-39C6-48EA-999F-FF4935E2FF90}" destId="{269BCB6E-2880-4F18-9732-C0DD14CA6895}" srcOrd="1" destOrd="0" parTransId="{5152B2E3-1FA3-4D1F-89EB-C3BF645E7CFB}" sibTransId="{D9B8F87E-83B6-41F9-969F-08D3D7CDBBE0}"/>
-    <dgm:cxn modelId="{DADC3634-6D46-4546-8DF3-F7E7D8CF2AD4}" type="presOf" srcId="{CC4D44A6-7179-4CCE-8B0E-9D963F120C7F}" destId="{969B7A61-92F9-49CC-BB98-4FCC80682E86}" srcOrd="0" destOrd="0" presId="urn:microsoft.com/office/officeart/2008/layout/VerticalCurvedList"/>
-    <dgm:cxn modelId="{DD7C9394-52EF-48F5-8584-BA6AE850F2E4}" type="presOf" srcId="{380B52FA-39C6-48EA-999F-FF4935E2FF90}" destId="{E0294AD7-5684-4880-AFE3-8A287502C171}" srcOrd="0" destOrd="0" presId="urn:microsoft.com/office/officeart/2008/layout/VerticalCurvedList"/>
-    <dgm:cxn modelId="{A489847D-2ECA-4424-B17A-DB6FCE7A8A5A}" srcId="{380B52FA-39C6-48EA-999F-FF4935E2FF90}" destId="{61775FC0-4D76-4DBD-8D6A-B45D8C8F447D}" srcOrd="3" destOrd="0" parTransId="{5627AB7B-8D76-4D3F-B033-0452D2740CB8}" sibTransId="{A90BBD6A-B4C6-4C41-B0C1-AFAF3DD96903}"/>
-    <dgm:cxn modelId="{FFD5E230-1508-477F-88DA-0B1AAA7F61BA}" srcId="{380B52FA-39C6-48EA-999F-FF4935E2FF90}" destId="{E3E24D61-DC83-4221-A625-3253A8A07D4E}" srcOrd="0" destOrd="0" parTransId="{171B5AE9-D9B6-4240-9D84-221E824F7A31}" sibTransId="{CC4D44A6-7179-4CCE-8B0E-9D963F120C7F}"/>
-    <dgm:cxn modelId="{8F895F7B-4E24-4CBD-875F-FDA24134C40E}" srcId="{380B52FA-39C6-48EA-999F-FF4935E2FF90}" destId="{0E8DDFC9-A553-43E8-8ADD-DACAFE998484}" srcOrd="4" destOrd="0" parTransId="{9A92C10D-6A46-4A28-B36F-8C076C8A2723}" sibTransId="{FA11F3E5-A6EE-4D12-9C43-9DA399E6752D}"/>
-    <dgm:cxn modelId="{8EDA5967-C3EE-4BA9-A906-3EBA10582C14}" srcId="{380B52FA-39C6-48EA-999F-FF4935E2FF90}" destId="{EB69C98D-0511-46AE-8510-7CCD8A94F1AD}" srcOrd="5" destOrd="0" parTransId="{D1EF9142-BF1B-46DC-9394-13F37661F665}" sibTransId="{10F45A30-D8F2-4C20-943B-AD10ADAF5F81}"/>
     <dgm:cxn modelId="{60CFD0AC-A92A-4E72-A578-D3B8F4590D91}" srcId="{380B52FA-39C6-48EA-999F-FF4935E2FF90}" destId="{767EEABE-FA01-434B-BFB1-DABB2B0B3538}" srcOrd="2" destOrd="0" parTransId="{B7276962-EA13-4004-8FCA-9E43AC3736C6}" sibTransId="{3D676867-16F7-4C1B-968F-0A14807FFE0B}"/>
     <dgm:cxn modelId="{25D2925A-D2DA-429F-B20F-2442D31D4DFD}" type="presOf" srcId="{269BCB6E-2880-4F18-9732-C0DD14CA6895}" destId="{21664CED-339C-476D-85A5-28A63C40B1E3}" srcOrd="0" destOrd="0" presId="urn:microsoft.com/office/officeart/2008/layout/VerticalCurvedList"/>
+    <dgm:cxn modelId="{009EA7D8-905E-4CF5-AD7F-033F2C5F116E}" type="presOf" srcId="{767EEABE-FA01-434B-BFB1-DABB2B0B3538}" destId="{B1E84231-A085-4FBA-A7F1-0724F2582F6F}" srcOrd="0" destOrd="0" presId="urn:microsoft.com/office/officeart/2008/layout/VerticalCurvedList"/>
+    <dgm:cxn modelId="{FFD5E230-1508-477F-88DA-0B1AAA7F61BA}" srcId="{380B52FA-39C6-48EA-999F-FF4935E2FF90}" destId="{E3E24D61-DC83-4221-A625-3253A8A07D4E}" srcOrd="0" destOrd="0" parTransId="{171B5AE9-D9B6-4240-9D84-221E824F7A31}" sibTransId="{CC4D44A6-7179-4CCE-8B0E-9D963F120C7F}"/>
     <dgm:cxn modelId="{C46509FA-7F85-4FA4-8CA6-EECBA266541B}" type="presParOf" srcId="{E0294AD7-5684-4880-AFE3-8A287502C171}" destId="{2E0DEE6A-5A2C-4DBC-BAF6-E16EE66D546C}" srcOrd="0" destOrd="0" presId="urn:microsoft.com/office/officeart/2008/layout/VerticalCurvedList"/>
     <dgm:cxn modelId="{8A2611CE-8BE6-42B4-9D4E-C80EE0450B79}" type="presParOf" srcId="{2E0DEE6A-5A2C-4DBC-BAF6-E16EE66D546C}" destId="{6EF8B487-7303-479A-BD85-C2D10E331B67}" srcOrd="0" destOrd="0" presId="urn:microsoft.com/office/officeart/2008/layout/VerticalCurvedList"/>
     <dgm:cxn modelId="{72A1D9A8-C010-4595-9578-E6A7B2DB590D}" type="presParOf" srcId="{6EF8B487-7303-479A-BD85-C2D10E331B67}" destId="{D36A4E98-F327-423B-891D-6DAB05EE96EE}" srcOrd="0" destOrd="0" presId="urn:microsoft.com/office/officeart/2008/layout/VerticalCurvedList"/>
@@ -6309,13 +6383,27 @@
             </a:spcAft>
           </a:pPr>
           <a:r>
-            <a:rPr lang="es-AR" sz="2400" b="0" kern="1200" dirty="0" smtClean="0">
-              <a:latin typeface="Calibri" panose="020F0502020204030204" pitchFamily="34" charset="0"/>
+            <a:rPr lang="es-AR" sz="2400" b="1" kern="1200" dirty="0" smtClean="0">
+              <a:effectLst>
+                <a:outerShdw blurRad="38100" dist="38100" dir="2700000" algn="tl">
+                  <a:srgbClr val="000000">
+                    <a:alpha val="43137"/>
+                  </a:srgbClr>
+                </a:outerShdw>
+              </a:effectLst>
+              <a:latin typeface="+mj-lt"/>
             </a:rPr>
             <a:t>¿Dónde Estamos?</a:t>
           </a:r>
-          <a:endParaRPr lang="es-AR" sz="2400" b="0" kern="1200" dirty="0">
-            <a:latin typeface="Calibri" panose="020F0502020204030204" pitchFamily="34" charset="0"/>
+          <a:endParaRPr lang="es-AR" sz="2400" b="1" kern="1200" dirty="0">
+            <a:effectLst>
+              <a:outerShdw blurRad="38100" dist="38100" dir="2700000" algn="tl">
+                <a:srgbClr val="000000">
+                  <a:alpha val="43137"/>
+                </a:srgbClr>
+              </a:outerShdw>
+            </a:effectLst>
+            <a:latin typeface="+mj-lt"/>
           </a:endParaRPr>
         </a:p>
       </dsp:txBody>
@@ -6437,13 +6525,27 @@
             </a:spcAft>
           </a:pPr>
           <a:r>
-            <a:rPr lang="es-AR" sz="2400" b="0" kern="1200" dirty="0" smtClean="0">
-              <a:latin typeface="Calibri" panose="020F0502020204030204" pitchFamily="34" charset="0"/>
+            <a:rPr lang="es-AR" sz="2400" b="1" kern="1200" dirty="0" smtClean="0">
+              <a:effectLst>
+                <a:outerShdw blurRad="38100" dist="38100" dir="2700000" algn="tl">
+                  <a:srgbClr val="000000">
+                    <a:alpha val="43137"/>
+                  </a:srgbClr>
+                </a:outerShdw>
+              </a:effectLst>
+              <a:latin typeface="+mj-lt"/>
             </a:rPr>
             <a:t>Herramientas y Cambios</a:t>
           </a:r>
-          <a:endParaRPr lang="es-AR" sz="2400" b="0" kern="1200" dirty="0">
-            <a:latin typeface="Calibri" panose="020F0502020204030204" pitchFamily="34" charset="0"/>
+          <a:endParaRPr lang="es-AR" sz="2400" b="1" kern="1200" dirty="0">
+            <a:effectLst>
+              <a:outerShdw blurRad="38100" dist="38100" dir="2700000" algn="tl">
+                <a:srgbClr val="000000">
+                  <a:alpha val="43137"/>
+                </a:srgbClr>
+              </a:outerShdw>
+            </a:effectLst>
+            <a:latin typeface="+mj-lt"/>
           </a:endParaRPr>
         </a:p>
       </dsp:txBody>
@@ -6565,13 +6667,27 @@
             </a:spcAft>
           </a:pPr>
           <a:r>
-            <a:rPr lang="es-AR" sz="2400" b="0" kern="1200" dirty="0" smtClean="0">
-              <a:latin typeface="Calibri" panose="020F0502020204030204" pitchFamily="34" charset="0"/>
+            <a:rPr lang="es-AR" sz="2400" b="1" kern="1200" dirty="0" smtClean="0">
+              <a:effectLst>
+                <a:outerShdw blurRad="38100" dist="38100" dir="2700000" algn="tl">
+                  <a:srgbClr val="000000">
+                    <a:alpha val="43137"/>
+                  </a:srgbClr>
+                </a:outerShdw>
+              </a:effectLst>
+              <a:latin typeface="+mj-lt"/>
             </a:rPr>
             <a:t>Gestión del Proyecto - Métricas</a:t>
           </a:r>
-          <a:endParaRPr lang="es-AR" sz="2400" b="0" kern="1200" dirty="0">
-            <a:latin typeface="Calibri" panose="020F0502020204030204" pitchFamily="34" charset="0"/>
+          <a:endParaRPr lang="es-AR" sz="2400" b="1" kern="1200" dirty="0">
+            <a:effectLst>
+              <a:outerShdw blurRad="38100" dist="38100" dir="2700000" algn="tl">
+                <a:srgbClr val="000000">
+                  <a:alpha val="43137"/>
+                </a:srgbClr>
+              </a:outerShdw>
+            </a:effectLst>
+            <a:latin typeface="+mj-lt"/>
           </a:endParaRPr>
         </a:p>
       </dsp:txBody>
@@ -6693,13 +6809,27 @@
             </a:spcAft>
           </a:pPr>
           <a:r>
-            <a:rPr lang="es-AR" sz="2400" b="0" kern="1200" dirty="0" smtClean="0">
-              <a:latin typeface="Calibri" panose="020F0502020204030204" pitchFamily="34" charset="0"/>
+            <a:rPr lang="es-AR" sz="2400" b="1" kern="1200" dirty="0" smtClean="0">
+              <a:effectLst>
+                <a:outerShdw blurRad="38100" dist="38100" dir="2700000" algn="tl">
+                  <a:srgbClr val="000000">
+                    <a:alpha val="43137"/>
+                  </a:srgbClr>
+                </a:outerShdw>
+              </a:effectLst>
+              <a:latin typeface="+mj-lt"/>
             </a:rPr>
             <a:t>Arquitectura y Modelos</a:t>
           </a:r>
-          <a:endParaRPr lang="es-AR" sz="2400" b="0" kern="1200" dirty="0">
-            <a:latin typeface="Calibri" panose="020F0502020204030204" pitchFamily="34" charset="0"/>
+          <a:endParaRPr lang="es-AR" sz="2400" b="1" kern="1200" dirty="0">
+            <a:effectLst>
+              <a:outerShdw blurRad="38100" dist="38100" dir="2700000" algn="tl">
+                <a:srgbClr val="000000">
+                  <a:alpha val="43137"/>
+                </a:srgbClr>
+              </a:outerShdw>
+            </a:effectLst>
+            <a:latin typeface="+mj-lt"/>
           </a:endParaRPr>
         </a:p>
       </dsp:txBody>
@@ -6821,13 +6951,27 @@
             </a:spcAft>
           </a:pPr>
           <a:r>
-            <a:rPr lang="es-AR" sz="2400" b="0" kern="1200" dirty="0" smtClean="0">
-              <a:latin typeface="Calibri" panose="020F0502020204030204" pitchFamily="34" charset="0"/>
+            <a:rPr lang="es-AR" sz="2400" b="1" kern="1200" dirty="0" smtClean="0">
+              <a:effectLst>
+                <a:outerShdw blurRad="38100" dist="38100" dir="2700000" algn="tl">
+                  <a:srgbClr val="000000">
+                    <a:alpha val="43137"/>
+                  </a:srgbClr>
+                </a:outerShdw>
+              </a:effectLst>
+              <a:latin typeface="+mj-lt"/>
             </a:rPr>
             <a:t>¿Cómo Seguimos?</a:t>
           </a:r>
-          <a:endParaRPr lang="es-AR" sz="2400" b="0" kern="1200" dirty="0">
-            <a:latin typeface="Calibri" panose="020F0502020204030204" pitchFamily="34" charset="0"/>
+          <a:endParaRPr lang="es-AR" sz="2400" b="1" kern="1200" dirty="0">
+            <a:effectLst>
+              <a:outerShdw blurRad="38100" dist="38100" dir="2700000" algn="tl">
+                <a:srgbClr val="000000">
+                  <a:alpha val="43137"/>
+                </a:srgbClr>
+              </a:outerShdw>
+            </a:effectLst>
+            <a:latin typeface="+mj-lt"/>
           </a:endParaRPr>
         </a:p>
       </dsp:txBody>
@@ -8080,7 +8224,11 @@
           </a:r>
           <a:r>
             <a:rPr lang="es-AR" sz="2000" kern="1200" dirty="0" smtClean="0"/>
-            <a:t>de Proyecto </a:t>
+            <a:t>de </a:t>
+          </a:r>
+          <a:r>
+            <a:rPr lang="es-AR" sz="2000" kern="1200" dirty="0" smtClean="0"/>
+            <a:t>Proyecto y de Producto </a:t>
           </a:r>
           <a:endParaRPr lang="es-ES" sz="2000" kern="1200" dirty="0"/>
         </a:p>
@@ -23356,7 +23504,7 @@
           <a:effectLst/>
           <a:extLst>
             <a:ext uri="{91240B29-F687-4f45-9708-019B960494DF}">
-              <a14:hiddenLine xmlns="" xmlns:a14="http://schemas.microsoft.com/office/drawing/2010/main" w="9525">
+              <a14:hiddenLine xmlns:a14="http://schemas.microsoft.com/office/drawing/2010/main" xmlns="" w="9525">
                 <a:solidFill>
                   <a:srgbClr val="000000"/>
                 </a:solidFill>
@@ -24878,7 +25026,7 @@
           <a:ln/>
           <a:extLst>
             <a:ext uri="{91240B29-F687-4f45-9708-019B960494DF}">
-              <a14:hiddenLine xmlns="" xmlns:a14="http://schemas.microsoft.com/office/drawing/2010/main" w="9525">
+              <a14:hiddenLine xmlns:a14="http://schemas.microsoft.com/office/drawing/2010/main" xmlns="" w="9525">
                 <a:solidFill>
                   <a:srgbClr val="000000"/>
                 </a:solidFill>
@@ -25153,7 +25301,7 @@
           <a:ln/>
           <a:extLst>
             <a:ext uri="{91240B29-F687-4f45-9708-019B960494DF}">
-              <a14:hiddenLine xmlns="" xmlns:a14="http://schemas.microsoft.com/office/drawing/2010/main" w="9525">
+              <a14:hiddenLine xmlns:a14="http://schemas.microsoft.com/office/drawing/2010/main" xmlns="" w="9525">
                 <a:solidFill>
                   <a:srgbClr val="000000"/>
                 </a:solidFill>
@@ -25436,7 +25584,7 @@
           <a:ln/>
           <a:extLst>
             <a:ext uri="{91240B29-F687-4f45-9708-019B960494DF}">
-              <a14:hiddenLine xmlns="" xmlns:a14="http://schemas.microsoft.com/office/drawing/2010/main" w="9525">
+              <a14:hiddenLine xmlns:a14="http://schemas.microsoft.com/office/drawing/2010/main" xmlns="" w="9525">
                 <a:solidFill>
                   <a:srgbClr val="000000"/>
                 </a:solidFill>
@@ -26069,7 +26217,7 @@
           <a:ln/>
           <a:extLst>
             <a:ext uri="{91240B29-F687-4f45-9708-019B960494DF}">
-              <a14:hiddenLine xmlns="" xmlns:a14="http://schemas.microsoft.com/office/drawing/2010/main" w="9525">
+              <a14:hiddenLine xmlns:a14="http://schemas.microsoft.com/office/drawing/2010/main" xmlns="" w="9525">
                 <a:solidFill>
                   <a:srgbClr val="000000"/>
                 </a:solidFill>
@@ -26408,7 +26556,7 @@
           <a:ln/>
           <a:extLst>
             <a:ext uri="{91240B29-F687-4f45-9708-019B960494DF}">
-              <a14:hiddenLine xmlns="" xmlns:a14="http://schemas.microsoft.com/office/drawing/2010/main" w="9525">
+              <a14:hiddenLine xmlns:a14="http://schemas.microsoft.com/office/drawing/2010/main" xmlns="" w="9525">
                 <a:solidFill>
                   <a:srgbClr val="000000"/>
                 </a:solidFill>
@@ -26885,7 +27033,7 @@
           <a:ln/>
           <a:extLst>
             <a:ext uri="{91240B29-F687-4f45-9708-019B960494DF}">
-              <a14:hiddenLine xmlns="" xmlns:a14="http://schemas.microsoft.com/office/drawing/2010/main" w="9525">
+              <a14:hiddenLine xmlns:a14="http://schemas.microsoft.com/office/drawing/2010/main" xmlns="" w="9525">
                 <a:solidFill>
                   <a:srgbClr val="000000"/>
                 </a:solidFill>
@@ -27314,7 +27462,7 @@
           <a:ln/>
           <a:extLst>
             <a:ext uri="{91240B29-F687-4f45-9708-019B960494DF}">
-              <a14:hiddenLine xmlns="" xmlns:a14="http://schemas.microsoft.com/office/drawing/2010/main" w="9525">
+              <a14:hiddenLine xmlns:a14="http://schemas.microsoft.com/office/drawing/2010/main" xmlns="" w="9525">
                 <a:solidFill>
                   <a:srgbClr val="000000"/>
                 </a:solidFill>
@@ -28576,7 +28724,11 @@
           <a:p>
             <a:r>
               <a:rPr lang="es-AR" sz="4800" dirty="0" smtClean="0"/>
-              <a:t>Sistema de Gestión de Campeonatos de Futbol</a:t>
+              <a:t>Sistema de Gestión de Campeonatos de </a:t>
+            </a:r>
+            <a:r>
+              <a:rPr lang="es-AR" sz="4800" dirty="0" smtClean="0"/>
+              <a:t>Fútbol</a:t>
             </a:r>
             <a:endParaRPr lang="es-AR" sz="4800" dirty="0"/>
           </a:p>
@@ -29855,7 +30007,11 @@
           <a:p>
             <a:r>
               <a:rPr lang="es-AR" dirty="0" smtClean="0"/>
-              <a:t>Métricas e Indicadores de Proyecto</a:t>
+              <a:t>Métricas e Indicadores de </a:t>
+            </a:r>
+            <a:r>
+              <a:rPr lang="es-AR" dirty="0" smtClean="0"/>
+              <a:t>Producto</a:t>
             </a:r>
             <a:endParaRPr lang="es-AR" dirty="0"/>
           </a:p>
@@ -30191,7 +30347,11 @@
           <a:p>
             <a:r>
               <a:rPr lang="es-AR" dirty="0" smtClean="0"/>
-              <a:t>Métricas e Indicadores de Proyecto</a:t>
+              <a:t>Métricas e Indicadores de </a:t>
+            </a:r>
+            <a:r>
+              <a:rPr lang="es-AR" dirty="0" smtClean="0"/>
+              <a:t>Producto</a:t>
             </a:r>
             <a:endParaRPr lang="es-AR" dirty="0"/>
           </a:p>
@@ -37496,7 +37656,7 @@
           <p:nvPr>
             <p:extLst>
               <p:ext uri="{D42A27DB-BD31-4B8C-83A1-F6EECF244321}">
-                <p14:modId xmlns:p14="http://schemas.microsoft.com/office/powerpoint/2010/main" val="3443583309"/>
+                <p14:modId xmlns:p14="http://schemas.microsoft.com/office/powerpoint/2010/main" val="2698174108"/>
               </p:ext>
             </p:extLst>
           </p:nvPr>
@@ -42210,7 +42370,11 @@
           <a:p>
             <a:r>
               <a:rPr lang="es-AR" sz="3600" dirty="0" smtClean="0"/>
-              <a:t>Documentación e investigación</a:t>
+              <a:t>Documentación e </a:t>
+            </a:r>
+            <a:r>
+              <a:rPr lang="es-AR" sz="3600" dirty="0" smtClean="0"/>
+              <a:t>Investigación</a:t>
             </a:r>
             <a:endParaRPr lang="es-AR" sz="3600" dirty="0"/>
           </a:p>
@@ -45392,7 +45556,7 @@
           <p:nvPr>
             <p:extLst>
               <p:ext uri="{D42A27DB-BD31-4B8C-83A1-F6EECF244321}">
-                <p14:modId xmlns:p14="http://schemas.microsoft.com/office/powerpoint/2010/main" val="4215968128"/>
+                <p14:modId xmlns:p14="http://schemas.microsoft.com/office/powerpoint/2010/main" val="3470294768"/>
               </p:ext>
             </p:extLst>
           </p:nvPr>
@@ -45838,208 +46002,9 @@
   <p:timing>
     <p:tnLst>
       <p:par>
-        <p:cTn id="1" dur="indefinite" restart="never" nodeType="tmRoot">
-          <p:childTnLst>
-            <p:seq concurrent="1" nextAc="seek">
-              <p:cTn id="2" dur="indefinite" nodeType="mainSeq">
-                <p:childTnLst>
-                  <p:par>
-                    <p:cTn id="3" fill="hold">
-                      <p:stCondLst>
-                        <p:cond delay="indefinite"/>
-                        <p:cond evt="onBegin" delay="0">
-                          <p:tn val="2"/>
-                        </p:cond>
-                      </p:stCondLst>
-                      <p:childTnLst>
-                        <p:par>
-                          <p:cTn id="4" fill="hold">
-                            <p:stCondLst>
-                              <p:cond delay="0"/>
-                            </p:stCondLst>
-                            <p:childTnLst>
-                              <p:par>
-                                <p:cTn id="5" presetID="10" presetClass="entr" presetSubtype="0" fill="hold" grpId="0" nodeType="withEffect">
-                                  <p:stCondLst>
-                                    <p:cond delay="0"/>
-                                  </p:stCondLst>
-                                  <p:childTnLst>
-                                    <p:set>
-                                      <p:cBhvr>
-                                        <p:cTn id="6" dur="1" fill="hold">
-                                          <p:stCondLst>
-                                            <p:cond delay="0"/>
-                                          </p:stCondLst>
-                                        </p:cTn>
-                                        <p:tgtEl>
-                                          <p:spTgt spid="44"/>
-                                        </p:tgtEl>
-                                        <p:attrNameLst>
-                                          <p:attrName>style.visibility</p:attrName>
-                                        </p:attrNameLst>
-                                      </p:cBhvr>
-                                      <p:to>
-                                        <p:strVal val="visible"/>
-                                      </p:to>
-                                    </p:set>
-                                    <p:animEffect transition="in" filter="fade">
-                                      <p:cBhvr>
-                                        <p:cTn id="7" dur="1000"/>
-                                        <p:tgtEl>
-                                          <p:spTgt spid="44"/>
-                                        </p:tgtEl>
-                                      </p:cBhvr>
-                                    </p:animEffect>
-                                  </p:childTnLst>
-                                </p:cTn>
-                              </p:par>
-                              <p:par>
-                                <p:cTn id="8" presetID="10" presetClass="exit" presetSubtype="0" fill="hold" nodeType="withEffect">
-                                  <p:stCondLst>
-                                    <p:cond delay="0"/>
-                                  </p:stCondLst>
-                                  <p:childTnLst>
-                                    <p:animEffect transition="out" filter="fade">
-                                      <p:cBhvr>
-                                        <p:cTn id="9" dur="500"/>
-                                        <p:tgtEl>
-                                          <p:spTgt spid="4"/>
-                                        </p:tgtEl>
-                                      </p:cBhvr>
-                                    </p:animEffect>
-                                    <p:set>
-                                      <p:cBhvr>
-                                        <p:cTn id="10" dur="1" fill="hold">
-                                          <p:stCondLst>
-                                            <p:cond delay="499"/>
-                                          </p:stCondLst>
-                                        </p:cTn>
-                                        <p:tgtEl>
-                                          <p:spTgt spid="4"/>
-                                        </p:tgtEl>
-                                        <p:attrNameLst>
-                                          <p:attrName>style.visibility</p:attrName>
-                                        </p:attrNameLst>
-                                      </p:cBhvr>
-                                      <p:to>
-                                        <p:strVal val="hidden"/>
-                                      </p:to>
-                                    </p:set>
-                                  </p:childTnLst>
-                                </p:cTn>
-                              </p:par>
-                            </p:childTnLst>
-                          </p:cTn>
-                        </p:par>
-                        <p:par>
-                          <p:cTn id="11" fill="hold">
-                            <p:stCondLst>
-                              <p:cond delay="1000"/>
-                            </p:stCondLst>
-                            <p:childTnLst>
-                              <p:par>
-                                <p:cTn id="12" presetID="10" presetClass="entr" presetSubtype="0" fill="hold" grpId="0" nodeType="afterEffect">
-                                  <p:stCondLst>
-                                    <p:cond delay="0"/>
-                                  </p:stCondLst>
-                                  <p:childTnLst>
-                                    <p:set>
-                                      <p:cBhvr>
-                                        <p:cTn id="13" dur="1" fill="hold">
-                                          <p:stCondLst>
-                                            <p:cond delay="0"/>
-                                          </p:stCondLst>
-                                        </p:cTn>
-                                        <p:tgtEl>
-                                          <p:spTgt spid="51"/>
-                                        </p:tgtEl>
-                                        <p:attrNameLst>
-                                          <p:attrName>style.visibility</p:attrName>
-                                        </p:attrNameLst>
-                                      </p:cBhvr>
-                                      <p:to>
-                                        <p:strVal val="visible"/>
-                                      </p:to>
-                                    </p:set>
-                                    <p:animEffect transition="in" filter="fade">
-                                      <p:cBhvr>
-                                        <p:cTn id="14" dur="1000"/>
-                                        <p:tgtEl>
-                                          <p:spTgt spid="51"/>
-                                        </p:tgtEl>
-                                      </p:cBhvr>
-                                    </p:animEffect>
-                                  </p:childTnLst>
-                                </p:cTn>
-                              </p:par>
-                              <p:par>
-                                <p:cTn id="15" presetID="10" presetClass="entr" presetSubtype="0" fill="hold" nodeType="withEffect">
-                                  <p:stCondLst>
-                                    <p:cond delay="0"/>
-                                  </p:stCondLst>
-                                  <p:childTnLst>
-                                    <p:set>
-                                      <p:cBhvr>
-                                        <p:cTn id="16" dur="1" fill="hold">
-                                          <p:stCondLst>
-                                            <p:cond delay="0"/>
-                                          </p:stCondLst>
-                                        </p:cTn>
-                                        <p:tgtEl>
-                                          <p:spTgt spid="4"/>
-                                        </p:tgtEl>
-                                        <p:attrNameLst>
-                                          <p:attrName>style.visibility</p:attrName>
-                                        </p:attrNameLst>
-                                      </p:cBhvr>
-                                      <p:to>
-                                        <p:strVal val="visible"/>
-                                      </p:to>
-                                    </p:set>
-                                    <p:animEffect transition="in" filter="fade">
-                                      <p:cBhvr>
-                                        <p:cTn id="17" dur="1000"/>
-                                        <p:tgtEl>
-                                          <p:spTgt spid="4"/>
-                                        </p:tgtEl>
-                                      </p:cBhvr>
-                                    </p:animEffect>
-                                  </p:childTnLst>
-                                </p:cTn>
-                              </p:par>
-                            </p:childTnLst>
-                          </p:cTn>
-                        </p:par>
-                      </p:childTnLst>
-                    </p:cTn>
-                  </p:par>
-                </p:childTnLst>
-              </p:cTn>
-              <p:prevCondLst>
-                <p:cond evt="onPrev" delay="0">
-                  <p:tgtEl>
-                    <p:sldTgt/>
-                  </p:tgtEl>
-                </p:cond>
-              </p:prevCondLst>
-              <p:nextCondLst>
-                <p:cond evt="onNext" delay="0">
-                  <p:tgtEl>
-                    <p:sldTgt/>
-                  </p:tgtEl>
-                </p:cond>
-              </p:nextCondLst>
-            </p:seq>
-          </p:childTnLst>
-        </p:cTn>
+        <p:cTn id="1" dur="indefinite" restart="never" nodeType="tmRoot"/>
       </p:par>
     </p:tnLst>
-    <p:bldLst>
-      <p:bldGraphic spid="44" grpId="0">
-        <p:bldAsOne/>
-      </p:bldGraphic>
-      <p:bldP spid="51" grpId="0" animBg="1"/>
-    </p:bldLst>
   </p:timing>
 </p:sld>
 </file>
@@ -46073,8 +46038,8 @@
         </p:nvSpPr>
         <p:spPr>
           <a:xfrm>
-            <a:off x="2247899" y="192581"/>
-            <a:ext cx="9172198" cy="970450"/>
+            <a:off x="1942433" y="163084"/>
+            <a:ext cx="11916696" cy="970450"/>
           </a:xfrm>
         </p:spPr>
         <p:txBody>
@@ -46082,10 +46047,14 @@
           <a:lstStyle/>
           <a:p>
             <a:r>
-              <a:rPr lang="es-AR" dirty="0" smtClean="0"/>
-              <a:t>Métricas e Indicadores de Proyecto</a:t>
+              <a:rPr lang="es-AR" sz="3500" dirty="0" smtClean="0"/>
+              <a:t>Métricas e Indicadores de </a:t>
             </a:r>
-            <a:endParaRPr lang="es-AR" dirty="0"/>
+            <a:r>
+              <a:rPr lang="es-AR" sz="3500" dirty="0" smtClean="0"/>
+              <a:t>Proyecto y Producto</a:t>
+            </a:r>
+            <a:endParaRPr lang="es-AR" sz="3500" dirty="0"/>
           </a:p>
         </p:txBody>
       </p:sp>

--- a/trunk/Documentacion/Presentación Grado de Avances/Presentación Proyecto - Grado de Avances.pptx
+++ b/trunk/Documentacion/Presentación Grado de Avances/Presentación Proyecto - Grado de Avances.pptx
@@ -3969,7 +3969,7 @@
         <a:lstStyle/>
         <a:p>
           <a:r>
-            <a:rPr lang="es-AR" sz="2400" b="1" dirty="0" smtClean="0">
+            <a:rPr lang="es-AR" sz="2400" b="1" smtClean="0">
               <a:effectLst>
                 <a:outerShdw blurRad="38100" dist="38100" dir="2700000" algn="tl">
                   <a:srgbClr val="000000">
@@ -3979,7 +3979,7 @@
               </a:effectLst>
               <a:latin typeface="+mj-lt"/>
             </a:rPr>
-            <a:t>Herramientas y Cambios</a:t>
+            <a:t>Cambios en el Plan</a:t>
           </a:r>
           <a:endParaRPr lang="es-AR" sz="2400" b="1" dirty="0">
             <a:effectLst>
@@ -5107,8 +5107,8 @@
     <dgm:cxn modelId="{033E09AC-6D4D-414E-862D-B5A442B1AC27}" type="presOf" srcId="{ABDCEAC1-7F67-454D-84AF-2ECB51702D13}" destId="{474233D3-0411-4ECF-9B57-DA9032FAB377}" srcOrd="0" destOrd="0" presId="urn:microsoft.com/office/officeart/2005/8/layout/vList5"/>
     <dgm:cxn modelId="{71EEBC94-C7CD-44E6-B1DC-DAF8B3C40CCA}" srcId="{5B42A3B2-F1A4-4AAD-92E6-CBE520DF75A4}" destId="{D80178D8-855D-4D8C-BAE2-17D72C190F1C}" srcOrd="4" destOrd="0" parTransId="{CE8167CF-87E1-42C1-8B64-351F9D65AEA0}" sibTransId="{42623A96-96F1-43CA-BA62-11C446A70135}"/>
     <dgm:cxn modelId="{4137832A-ED43-4C35-B279-B35137E9B3E9}" srcId="{8587132E-9006-496A-8F9A-F4971DD58E1B}" destId="{6896E919-8BCC-48FF-BCE3-BFE66BFB1A06}" srcOrd="0" destOrd="0" parTransId="{E36E377B-B494-400F-B163-198EA04FA50E}" sibTransId="{7D1BA1F4-2223-4C45-815D-8FB75C8F2E3A}"/>
+    <dgm:cxn modelId="{E08744B4-69D5-4A50-89E1-C260D5ED9AC7}" type="presOf" srcId="{B7551B5D-2840-4B19-AA2B-F2E0633B3A37}" destId="{EA225968-22AD-4266-B086-723503A371EA}" srcOrd="0" destOrd="0" presId="urn:microsoft.com/office/officeart/2005/8/layout/vList5"/>
     <dgm:cxn modelId="{1118EDD1-B889-4A46-BD09-FD906CE2F23D}" type="presOf" srcId="{AA89FF9F-D7AB-46FF-8516-736811A50D78}" destId="{81427C62-5655-4813-AC16-2932A923AE10}" srcOrd="0" destOrd="0" presId="urn:microsoft.com/office/officeart/2005/8/layout/vList5"/>
-    <dgm:cxn modelId="{E08744B4-69D5-4A50-89E1-C260D5ED9AC7}" type="presOf" srcId="{B7551B5D-2840-4B19-AA2B-F2E0633B3A37}" destId="{EA225968-22AD-4266-B086-723503A371EA}" srcOrd="0" destOrd="0" presId="urn:microsoft.com/office/officeart/2005/8/layout/vList5"/>
     <dgm:cxn modelId="{3F3BF574-AAD8-419F-B503-96D047DF15CE}" type="presParOf" srcId="{1AC5862D-3A38-4A56-8BBB-5228D3259E64}" destId="{6FBAC80C-69A4-4EBB-A9DA-D287B5B59A74}" srcOrd="0" destOrd="0" presId="urn:microsoft.com/office/officeart/2005/8/layout/vList5"/>
     <dgm:cxn modelId="{85AE3A7E-A6C9-4A33-B561-3AC2428D6853}" type="presParOf" srcId="{6FBAC80C-69A4-4EBB-A9DA-D287B5B59A74}" destId="{909E8BCD-0B1A-41E7-BFFF-B89785456621}" srcOrd="0" destOrd="0" presId="urn:microsoft.com/office/officeart/2005/8/layout/vList5"/>
     <dgm:cxn modelId="{134167C9-1E13-44A1-A9FB-452A02FA070E}" type="presParOf" srcId="{6FBAC80C-69A4-4EBB-A9DA-D287B5B59A74}" destId="{D79D4B58-D90B-49E8-B5D0-2B484EB6045D}" srcOrd="1" destOrd="0" presId="urn:microsoft.com/office/officeart/2005/8/layout/vList5"/>
@@ -5166,11 +5166,7 @@
           </a:r>
           <a:r>
             <a:rPr lang="es-AR" sz="2000" dirty="0" smtClean="0"/>
-            <a:t>de </a:t>
-          </a:r>
-          <a:r>
-            <a:rPr lang="es-AR" sz="2000" dirty="0" smtClean="0"/>
-            <a:t>Proyecto y de Producto </a:t>
+            <a:t>de Proyecto y de Producto </a:t>
           </a:r>
           <a:endParaRPr lang="es-ES" sz="2000" dirty="0"/>
         </a:p>
@@ -6215,20 +6211,20 @@
     </dgm:pt>
   </dgm:ptLst>
   <dgm:cxnLst>
+    <dgm:cxn modelId="{49EE22DC-5F2C-4520-9ECA-69CA034E3E84}" type="presOf" srcId="{E3E24D61-DC83-4221-A625-3253A8A07D4E}" destId="{889CCFCF-85CF-42EE-B1C3-B84E8EE140C2}" srcOrd="0" destOrd="0" presId="urn:microsoft.com/office/officeart/2008/layout/VerticalCurvedList"/>
+    <dgm:cxn modelId="{A74E0EB2-308F-403E-9F75-A6F630C4E55D}" type="presOf" srcId="{0E8DDFC9-A553-43E8-8ADD-DACAFE998484}" destId="{E7CE5C3F-775D-45A0-8FC7-59E2443FB5BB}" srcOrd="0" destOrd="0" presId="urn:microsoft.com/office/officeart/2008/layout/VerticalCurvedList"/>
+    <dgm:cxn modelId="{009EA7D8-905E-4CF5-AD7F-033F2C5F116E}" type="presOf" srcId="{767EEABE-FA01-434B-BFB1-DABB2B0B3538}" destId="{B1E84231-A085-4FBA-A7F1-0724F2582F6F}" srcOrd="0" destOrd="0" presId="urn:microsoft.com/office/officeart/2008/layout/VerticalCurvedList"/>
+    <dgm:cxn modelId="{E783B8BE-2BD4-4C04-BDDF-BE17ACA9F295}" type="presOf" srcId="{61775FC0-4D76-4DBD-8D6A-B45D8C8F447D}" destId="{2844CD40-437E-4C4F-A2EE-801021F6711B}" srcOrd="0" destOrd="0" presId="urn:microsoft.com/office/officeart/2008/layout/VerticalCurvedList"/>
+    <dgm:cxn modelId="{36190A50-AB37-4DBE-841D-84CE7B3AE27C}" type="presOf" srcId="{EB69C98D-0511-46AE-8510-7CCD8A94F1AD}" destId="{A6715B7B-E69E-49A7-BBDE-A964109AD82E}" srcOrd="0" destOrd="0" presId="urn:microsoft.com/office/officeart/2008/layout/VerticalCurvedList"/>
+    <dgm:cxn modelId="{89D38CD6-64FE-4FD5-BED7-753169C4CACF}" srcId="{380B52FA-39C6-48EA-999F-FF4935E2FF90}" destId="{269BCB6E-2880-4F18-9732-C0DD14CA6895}" srcOrd="1" destOrd="0" parTransId="{5152B2E3-1FA3-4D1F-89EB-C3BF645E7CFB}" sibTransId="{D9B8F87E-83B6-41F9-969F-08D3D7CDBBE0}"/>
+    <dgm:cxn modelId="{DADC3634-6D46-4546-8DF3-F7E7D8CF2AD4}" type="presOf" srcId="{CC4D44A6-7179-4CCE-8B0E-9D963F120C7F}" destId="{969B7A61-92F9-49CC-BB98-4FCC80682E86}" srcOrd="0" destOrd="0" presId="urn:microsoft.com/office/officeart/2008/layout/VerticalCurvedList"/>
+    <dgm:cxn modelId="{DD7C9394-52EF-48F5-8584-BA6AE850F2E4}" type="presOf" srcId="{380B52FA-39C6-48EA-999F-FF4935E2FF90}" destId="{E0294AD7-5684-4880-AFE3-8A287502C171}" srcOrd="0" destOrd="0" presId="urn:microsoft.com/office/officeart/2008/layout/VerticalCurvedList"/>
     <dgm:cxn modelId="{A489847D-2ECA-4424-B17A-DB6FCE7A8A5A}" srcId="{380B52FA-39C6-48EA-999F-FF4935E2FF90}" destId="{61775FC0-4D76-4DBD-8D6A-B45D8C8F447D}" srcOrd="3" destOrd="0" parTransId="{5627AB7B-8D76-4D3F-B033-0452D2740CB8}" sibTransId="{A90BBD6A-B4C6-4C41-B0C1-AFAF3DD96903}"/>
-    <dgm:cxn modelId="{DD7C9394-52EF-48F5-8584-BA6AE850F2E4}" type="presOf" srcId="{380B52FA-39C6-48EA-999F-FF4935E2FF90}" destId="{E0294AD7-5684-4880-AFE3-8A287502C171}" srcOrd="0" destOrd="0" presId="urn:microsoft.com/office/officeart/2008/layout/VerticalCurvedList"/>
-    <dgm:cxn modelId="{E783B8BE-2BD4-4C04-BDDF-BE17ACA9F295}" type="presOf" srcId="{61775FC0-4D76-4DBD-8D6A-B45D8C8F447D}" destId="{2844CD40-437E-4C4F-A2EE-801021F6711B}" srcOrd="0" destOrd="0" presId="urn:microsoft.com/office/officeart/2008/layout/VerticalCurvedList"/>
-    <dgm:cxn modelId="{49EE22DC-5F2C-4520-9ECA-69CA034E3E84}" type="presOf" srcId="{E3E24D61-DC83-4221-A625-3253A8A07D4E}" destId="{889CCFCF-85CF-42EE-B1C3-B84E8EE140C2}" srcOrd="0" destOrd="0" presId="urn:microsoft.com/office/officeart/2008/layout/VerticalCurvedList"/>
+    <dgm:cxn modelId="{FFD5E230-1508-477F-88DA-0B1AAA7F61BA}" srcId="{380B52FA-39C6-48EA-999F-FF4935E2FF90}" destId="{E3E24D61-DC83-4221-A625-3253A8A07D4E}" srcOrd="0" destOrd="0" parTransId="{171B5AE9-D9B6-4240-9D84-221E824F7A31}" sibTransId="{CC4D44A6-7179-4CCE-8B0E-9D963F120C7F}"/>
+    <dgm:cxn modelId="{8F895F7B-4E24-4CBD-875F-FDA24134C40E}" srcId="{380B52FA-39C6-48EA-999F-FF4935E2FF90}" destId="{0E8DDFC9-A553-43E8-8ADD-DACAFE998484}" srcOrd="4" destOrd="0" parTransId="{9A92C10D-6A46-4A28-B36F-8C076C8A2723}" sibTransId="{FA11F3E5-A6EE-4D12-9C43-9DA399E6752D}"/>
     <dgm:cxn modelId="{8EDA5967-C3EE-4BA9-A906-3EBA10582C14}" srcId="{380B52FA-39C6-48EA-999F-FF4935E2FF90}" destId="{EB69C98D-0511-46AE-8510-7CCD8A94F1AD}" srcOrd="5" destOrd="0" parTransId="{D1EF9142-BF1B-46DC-9394-13F37661F665}" sibTransId="{10F45A30-D8F2-4C20-943B-AD10ADAF5F81}"/>
-    <dgm:cxn modelId="{8F895F7B-4E24-4CBD-875F-FDA24134C40E}" srcId="{380B52FA-39C6-48EA-999F-FF4935E2FF90}" destId="{0E8DDFC9-A553-43E8-8ADD-DACAFE998484}" srcOrd="4" destOrd="0" parTransId="{9A92C10D-6A46-4A28-B36F-8C076C8A2723}" sibTransId="{FA11F3E5-A6EE-4D12-9C43-9DA399E6752D}"/>
-    <dgm:cxn modelId="{DADC3634-6D46-4546-8DF3-F7E7D8CF2AD4}" type="presOf" srcId="{CC4D44A6-7179-4CCE-8B0E-9D963F120C7F}" destId="{969B7A61-92F9-49CC-BB98-4FCC80682E86}" srcOrd="0" destOrd="0" presId="urn:microsoft.com/office/officeart/2008/layout/VerticalCurvedList"/>
-    <dgm:cxn modelId="{89D38CD6-64FE-4FD5-BED7-753169C4CACF}" srcId="{380B52FA-39C6-48EA-999F-FF4935E2FF90}" destId="{269BCB6E-2880-4F18-9732-C0DD14CA6895}" srcOrd="1" destOrd="0" parTransId="{5152B2E3-1FA3-4D1F-89EB-C3BF645E7CFB}" sibTransId="{D9B8F87E-83B6-41F9-969F-08D3D7CDBBE0}"/>
-    <dgm:cxn modelId="{A74E0EB2-308F-403E-9F75-A6F630C4E55D}" type="presOf" srcId="{0E8DDFC9-A553-43E8-8ADD-DACAFE998484}" destId="{E7CE5C3F-775D-45A0-8FC7-59E2443FB5BB}" srcOrd="0" destOrd="0" presId="urn:microsoft.com/office/officeart/2008/layout/VerticalCurvedList"/>
-    <dgm:cxn modelId="{36190A50-AB37-4DBE-841D-84CE7B3AE27C}" type="presOf" srcId="{EB69C98D-0511-46AE-8510-7CCD8A94F1AD}" destId="{A6715B7B-E69E-49A7-BBDE-A964109AD82E}" srcOrd="0" destOrd="0" presId="urn:microsoft.com/office/officeart/2008/layout/VerticalCurvedList"/>
     <dgm:cxn modelId="{60CFD0AC-A92A-4E72-A578-D3B8F4590D91}" srcId="{380B52FA-39C6-48EA-999F-FF4935E2FF90}" destId="{767EEABE-FA01-434B-BFB1-DABB2B0B3538}" srcOrd="2" destOrd="0" parTransId="{B7276962-EA13-4004-8FCA-9E43AC3736C6}" sibTransId="{3D676867-16F7-4C1B-968F-0A14807FFE0B}"/>
     <dgm:cxn modelId="{25D2925A-D2DA-429F-B20F-2442D31D4DFD}" type="presOf" srcId="{269BCB6E-2880-4F18-9732-C0DD14CA6895}" destId="{21664CED-339C-476D-85A5-28A63C40B1E3}" srcOrd="0" destOrd="0" presId="urn:microsoft.com/office/officeart/2008/layout/VerticalCurvedList"/>
-    <dgm:cxn modelId="{009EA7D8-905E-4CF5-AD7F-033F2C5F116E}" type="presOf" srcId="{767EEABE-FA01-434B-BFB1-DABB2B0B3538}" destId="{B1E84231-A085-4FBA-A7F1-0724F2582F6F}" srcOrd="0" destOrd="0" presId="urn:microsoft.com/office/officeart/2008/layout/VerticalCurvedList"/>
-    <dgm:cxn modelId="{FFD5E230-1508-477F-88DA-0B1AAA7F61BA}" srcId="{380B52FA-39C6-48EA-999F-FF4935E2FF90}" destId="{E3E24D61-DC83-4221-A625-3253A8A07D4E}" srcOrd="0" destOrd="0" parTransId="{171B5AE9-D9B6-4240-9D84-221E824F7A31}" sibTransId="{CC4D44A6-7179-4CCE-8B0E-9D963F120C7F}"/>
     <dgm:cxn modelId="{C46509FA-7F85-4FA4-8CA6-EECBA266541B}" type="presParOf" srcId="{E0294AD7-5684-4880-AFE3-8A287502C171}" destId="{2E0DEE6A-5A2C-4DBC-BAF6-E16EE66D546C}" srcOrd="0" destOrd="0" presId="urn:microsoft.com/office/officeart/2008/layout/VerticalCurvedList"/>
     <dgm:cxn modelId="{8A2611CE-8BE6-42B4-9D4E-C80EE0450B79}" type="presParOf" srcId="{2E0DEE6A-5A2C-4DBC-BAF6-E16EE66D546C}" destId="{6EF8B487-7303-479A-BD85-C2D10E331B67}" srcOrd="0" destOrd="0" presId="urn:microsoft.com/office/officeart/2008/layout/VerticalCurvedList"/>
     <dgm:cxn modelId="{72A1D9A8-C010-4595-9578-E6A7B2DB590D}" type="presParOf" srcId="{6EF8B487-7303-479A-BD85-C2D10E331B67}" destId="{D36A4E98-F327-423B-891D-6DAB05EE96EE}" srcOrd="0" destOrd="0" presId="urn:microsoft.com/office/officeart/2008/layout/VerticalCurvedList"/>
@@ -6525,7 +6521,7 @@
             </a:spcAft>
           </a:pPr>
           <a:r>
-            <a:rPr lang="es-AR" sz="2400" b="1" kern="1200" dirty="0" smtClean="0">
+            <a:rPr lang="es-AR" sz="2400" b="1" kern="1200" smtClean="0">
               <a:effectLst>
                 <a:outerShdw blurRad="38100" dist="38100" dir="2700000" algn="tl">
                   <a:srgbClr val="000000">
@@ -6535,7 +6531,7 @@
               </a:effectLst>
               <a:latin typeface="+mj-lt"/>
             </a:rPr>
-            <a:t>Herramientas y Cambios</a:t>
+            <a:t>Cambios en el Plan</a:t>
           </a:r>
           <a:endParaRPr lang="es-AR" sz="2400" b="1" kern="1200" dirty="0">
             <a:effectLst>
@@ -7039,811 +7035,6 @@
       <dsp:cNvGrpSpPr/>
     </dsp:nvGrpSpPr>
     <dsp:grpSpPr/>
-    <dsp:sp modelId="{D79D4B58-D90B-49E8-B5D0-2B484EB6045D}">
-      <dsp:nvSpPr>
-        <dsp:cNvPr id="0" name=""/>
-        <dsp:cNvSpPr/>
-      </dsp:nvSpPr>
-      <dsp:spPr>
-        <a:xfrm rot="5400000">
-          <a:off x="4461523" y="-1861918"/>
-          <a:ext cx="647910" cy="4627465"/>
-        </a:xfrm>
-        <a:prstGeom prst="round2SameRect">
-          <a:avLst/>
-        </a:prstGeom>
-        <a:solidFill>
-          <a:schemeClr val="accent1">
-            <a:alpha val="90000"/>
-            <a:tint val="40000"/>
-            <a:hueOff val="0"/>
-            <a:satOff val="0"/>
-            <a:lumOff val="0"/>
-            <a:alphaOff val="0"/>
-          </a:schemeClr>
-        </a:solidFill>
-        <a:ln w="15875" cap="rnd" cmpd="sng" algn="ctr">
-          <a:solidFill>
-            <a:schemeClr val="accent1">
-              <a:alpha val="90000"/>
-              <a:tint val="40000"/>
-              <a:hueOff val="0"/>
-              <a:satOff val="0"/>
-              <a:lumOff val="0"/>
-              <a:alphaOff val="0"/>
-            </a:schemeClr>
-          </a:solidFill>
-          <a:prstDash val="solid"/>
-        </a:ln>
-        <a:effectLst/>
-      </dsp:spPr>
-      <dsp:style>
-        <a:lnRef idx="2">
-          <a:scrgbClr r="0" g="0" b="0"/>
-        </a:lnRef>
-        <a:fillRef idx="1">
-          <a:scrgbClr r="0" g="0" b="0"/>
-        </a:fillRef>
-        <a:effectRef idx="0">
-          <a:scrgbClr r="0" g="0" b="0"/>
-        </a:effectRef>
-        <a:fontRef idx="minor"/>
-      </dsp:style>
-      <dsp:txBody>
-        <a:bodyPr spcFirstLastPara="0" vert="horz" wrap="square" lIns="247650" tIns="123825" rIns="247650" bIns="123825" numCol="1" spcCol="1270" anchor="ctr" anchorCtr="0">
-          <a:noAutofit/>
-        </a:bodyPr>
-        <a:lstStyle/>
-        <a:p>
-          <a:pPr marL="228600" lvl="1" indent="-228600" algn="l" defTabSz="889000">
-            <a:lnSpc>
-              <a:spcPct val="90000"/>
-            </a:lnSpc>
-            <a:spcBef>
-              <a:spcPct val="0"/>
-            </a:spcBef>
-            <a:spcAft>
-              <a:spcPct val="15000"/>
-            </a:spcAft>
-            <a:buChar char="••"/>
-          </a:pPr>
-          <a:r>
-            <a:rPr lang="es-AR" sz="2000" kern="1200" dirty="0" smtClean="0"/>
-            <a:t>C# - </a:t>
-          </a:r>
-          <a:r>
-            <a:rPr lang="es-AR" sz="2000" kern="1200" dirty="0" err="1" smtClean="0"/>
-            <a:t>Ide</a:t>
-          </a:r>
-          <a:r>
-            <a:rPr lang="es-AR" sz="2000" kern="1200" dirty="0" smtClean="0"/>
-            <a:t> Visual Studio 2012</a:t>
-          </a:r>
-          <a:endParaRPr lang="es-AR" sz="2000" kern="1200" dirty="0"/>
-        </a:p>
-      </dsp:txBody>
-      <dsp:txXfrm rot="-5400000">
-        <a:off x="2471746" y="159487"/>
-        <a:ext cx="4595837" cy="584654"/>
-      </dsp:txXfrm>
-    </dsp:sp>
-    <dsp:sp modelId="{909E8BCD-0B1A-41E7-BFFF-B89785456621}">
-      <dsp:nvSpPr>
-        <dsp:cNvPr id="0" name=""/>
-        <dsp:cNvSpPr/>
-      </dsp:nvSpPr>
-      <dsp:spPr>
-        <a:xfrm>
-          <a:off x="87994" y="53736"/>
-          <a:ext cx="2433690" cy="809887"/>
-        </a:xfrm>
-        <a:prstGeom prst="roundRect">
-          <a:avLst/>
-        </a:prstGeom>
-        <a:solidFill>
-          <a:schemeClr val="accent1">
-            <a:hueOff val="0"/>
-            <a:satOff val="0"/>
-            <a:lumOff val="0"/>
-            <a:alphaOff val="0"/>
-          </a:schemeClr>
-        </a:solidFill>
-        <a:ln w="15875" cap="rnd" cmpd="sng" algn="ctr">
-          <a:solidFill>
-            <a:schemeClr val="lt1">
-              <a:hueOff val="0"/>
-              <a:satOff val="0"/>
-              <a:lumOff val="0"/>
-              <a:alphaOff val="0"/>
-            </a:schemeClr>
-          </a:solidFill>
-          <a:prstDash val="solid"/>
-        </a:ln>
-        <a:effectLst/>
-      </dsp:spPr>
-      <dsp:style>
-        <a:lnRef idx="2">
-          <a:scrgbClr r="0" g="0" b="0"/>
-        </a:lnRef>
-        <a:fillRef idx="1">
-          <a:scrgbClr r="0" g="0" b="0"/>
-        </a:fillRef>
-        <a:effectRef idx="0">
-          <a:scrgbClr r="0" g="0" b="0"/>
-        </a:effectRef>
-        <a:fontRef idx="minor">
-          <a:schemeClr val="lt1"/>
-        </a:fontRef>
-      </dsp:style>
-      <dsp:txBody>
-        <a:bodyPr spcFirstLastPara="0" vert="horz" wrap="square" lIns="83820" tIns="41910" rIns="83820" bIns="41910" numCol="1" spcCol="1270" anchor="ctr" anchorCtr="0">
-          <a:noAutofit/>
-        </a:bodyPr>
-        <a:lstStyle/>
-        <a:p>
-          <a:pPr lvl="0" algn="ctr" defTabSz="977900">
-            <a:lnSpc>
-              <a:spcPct val="90000"/>
-            </a:lnSpc>
-            <a:spcBef>
-              <a:spcPct val="0"/>
-            </a:spcBef>
-            <a:spcAft>
-              <a:spcPct val="35000"/>
-            </a:spcAft>
-          </a:pPr>
-          <a:r>
-            <a:rPr lang="es-AR" sz="2200" kern="1200" dirty="0" smtClean="0"/>
-            <a:t>Lenguaje de Programación</a:t>
-          </a:r>
-          <a:endParaRPr lang="es-AR" sz="2200" kern="1200" dirty="0"/>
-        </a:p>
-      </dsp:txBody>
-      <dsp:txXfrm>
-        <a:off x="127529" y="93271"/>
-        <a:ext cx="2354620" cy="730817"/>
-      </dsp:txXfrm>
-    </dsp:sp>
-    <dsp:sp modelId="{81427C62-5655-4813-AC16-2932A923AE10}">
-      <dsp:nvSpPr>
-        <dsp:cNvPr id="0" name=""/>
-        <dsp:cNvSpPr/>
-      </dsp:nvSpPr>
-      <dsp:spPr>
-        <a:xfrm rot="5400000">
-          <a:off x="4474848" y="-937561"/>
-          <a:ext cx="647910" cy="4627465"/>
-        </a:xfrm>
-        <a:prstGeom prst="round2SameRect">
-          <a:avLst/>
-        </a:prstGeom>
-        <a:solidFill>
-          <a:schemeClr val="accent1">
-            <a:alpha val="90000"/>
-            <a:tint val="40000"/>
-            <a:hueOff val="0"/>
-            <a:satOff val="0"/>
-            <a:lumOff val="0"/>
-            <a:alphaOff val="0"/>
-          </a:schemeClr>
-        </a:solidFill>
-        <a:ln w="15875" cap="rnd" cmpd="sng" algn="ctr">
-          <a:solidFill>
-            <a:schemeClr val="accent1">
-              <a:alpha val="90000"/>
-              <a:tint val="40000"/>
-              <a:hueOff val="0"/>
-              <a:satOff val="0"/>
-              <a:lumOff val="0"/>
-              <a:alphaOff val="0"/>
-            </a:schemeClr>
-          </a:solidFill>
-          <a:prstDash val="solid"/>
-        </a:ln>
-        <a:effectLst/>
-      </dsp:spPr>
-      <dsp:style>
-        <a:lnRef idx="2">
-          <a:scrgbClr r="0" g="0" b="0"/>
-        </a:lnRef>
-        <a:fillRef idx="1">
-          <a:scrgbClr r="0" g="0" b="0"/>
-        </a:fillRef>
-        <a:effectRef idx="0">
-          <a:scrgbClr r="0" g="0" b="0"/>
-        </a:effectRef>
-        <a:fontRef idx="minor"/>
-      </dsp:style>
-      <dsp:txBody>
-        <a:bodyPr spcFirstLastPara="0" vert="horz" wrap="square" lIns="247650" tIns="123825" rIns="247650" bIns="123825" numCol="1" spcCol="1270" anchor="ctr" anchorCtr="0">
-          <a:noAutofit/>
-        </a:bodyPr>
-        <a:lstStyle/>
-        <a:p>
-          <a:pPr marL="228600" lvl="1" indent="-228600" algn="l" defTabSz="889000">
-            <a:lnSpc>
-              <a:spcPct val="90000"/>
-            </a:lnSpc>
-            <a:spcBef>
-              <a:spcPct val="0"/>
-            </a:spcBef>
-            <a:spcAft>
-              <a:spcPct val="15000"/>
-            </a:spcAft>
-            <a:buChar char="••"/>
-          </a:pPr>
-          <a:r>
-            <a:rPr lang="es-AR" sz="2000" kern="1200" dirty="0" smtClean="0"/>
-            <a:t>SQL Server 2012</a:t>
-          </a:r>
-          <a:endParaRPr lang="es-AR" sz="2000" kern="1200" dirty="0"/>
-        </a:p>
-      </dsp:txBody>
-      <dsp:txXfrm rot="-5400000">
-        <a:off x="2485071" y="1083844"/>
-        <a:ext cx="4595837" cy="584654"/>
-      </dsp:txXfrm>
-    </dsp:sp>
-    <dsp:sp modelId="{E917558F-FB63-4C8C-B6E7-90B2277A6599}">
-      <dsp:nvSpPr>
-        <dsp:cNvPr id="0" name=""/>
-        <dsp:cNvSpPr/>
-      </dsp:nvSpPr>
-      <dsp:spPr>
-        <a:xfrm>
-          <a:off x="87994" y="991722"/>
-          <a:ext cx="2433690" cy="809887"/>
-        </a:xfrm>
-        <a:prstGeom prst="roundRect">
-          <a:avLst/>
-        </a:prstGeom>
-        <a:solidFill>
-          <a:schemeClr val="accent1">
-            <a:hueOff val="0"/>
-            <a:satOff val="0"/>
-            <a:lumOff val="0"/>
-            <a:alphaOff val="0"/>
-          </a:schemeClr>
-        </a:solidFill>
-        <a:ln w="15875" cap="rnd" cmpd="sng" algn="ctr">
-          <a:solidFill>
-            <a:schemeClr val="lt1">
-              <a:hueOff val="0"/>
-              <a:satOff val="0"/>
-              <a:lumOff val="0"/>
-              <a:alphaOff val="0"/>
-            </a:schemeClr>
-          </a:solidFill>
-          <a:prstDash val="solid"/>
-        </a:ln>
-        <a:effectLst/>
-      </dsp:spPr>
-      <dsp:style>
-        <a:lnRef idx="2">
-          <a:scrgbClr r="0" g="0" b="0"/>
-        </a:lnRef>
-        <a:fillRef idx="1">
-          <a:scrgbClr r="0" g="0" b="0"/>
-        </a:fillRef>
-        <a:effectRef idx="0">
-          <a:scrgbClr r="0" g="0" b="0"/>
-        </a:effectRef>
-        <a:fontRef idx="minor">
-          <a:schemeClr val="lt1"/>
-        </a:fontRef>
-      </dsp:style>
-      <dsp:txBody>
-        <a:bodyPr spcFirstLastPara="0" vert="horz" wrap="square" lIns="83820" tIns="41910" rIns="83820" bIns="41910" numCol="1" spcCol="1270" anchor="ctr" anchorCtr="0">
-          <a:noAutofit/>
-        </a:bodyPr>
-        <a:lstStyle/>
-        <a:p>
-          <a:pPr lvl="0" algn="ctr" defTabSz="977900">
-            <a:lnSpc>
-              <a:spcPct val="90000"/>
-            </a:lnSpc>
-            <a:spcBef>
-              <a:spcPct val="0"/>
-            </a:spcBef>
-            <a:spcAft>
-              <a:spcPct val="35000"/>
-            </a:spcAft>
-          </a:pPr>
-          <a:r>
-            <a:rPr lang="es-AR" sz="2200" kern="1200" dirty="0" smtClean="0"/>
-            <a:t>Base de Datos</a:t>
-          </a:r>
-          <a:endParaRPr lang="es-AR" sz="2200" kern="1200" dirty="0"/>
-        </a:p>
-      </dsp:txBody>
-      <dsp:txXfrm>
-        <a:off x="127529" y="1031257"/>
-        <a:ext cx="2354620" cy="730817"/>
-      </dsp:txXfrm>
-    </dsp:sp>
-    <dsp:sp modelId="{99BD9C8E-022D-4F32-A31D-148DD74E6557}">
-      <dsp:nvSpPr>
-        <dsp:cNvPr id="0" name=""/>
-        <dsp:cNvSpPr/>
-      </dsp:nvSpPr>
-      <dsp:spPr>
-        <a:xfrm rot="5400000">
-          <a:off x="4461523" y="-110355"/>
-          <a:ext cx="647910" cy="4627465"/>
-        </a:xfrm>
-        <a:prstGeom prst="round2SameRect">
-          <a:avLst/>
-        </a:prstGeom>
-        <a:solidFill>
-          <a:schemeClr val="accent1">
-            <a:alpha val="90000"/>
-            <a:tint val="40000"/>
-            <a:hueOff val="0"/>
-            <a:satOff val="0"/>
-            <a:lumOff val="0"/>
-            <a:alphaOff val="0"/>
-          </a:schemeClr>
-        </a:solidFill>
-        <a:ln w="15875" cap="rnd" cmpd="sng" algn="ctr">
-          <a:solidFill>
-            <a:schemeClr val="accent1">
-              <a:alpha val="90000"/>
-              <a:tint val="40000"/>
-              <a:hueOff val="0"/>
-              <a:satOff val="0"/>
-              <a:lumOff val="0"/>
-              <a:alphaOff val="0"/>
-            </a:schemeClr>
-          </a:solidFill>
-          <a:prstDash val="solid"/>
-        </a:ln>
-        <a:effectLst/>
-      </dsp:spPr>
-      <dsp:style>
-        <a:lnRef idx="2">
-          <a:scrgbClr r="0" g="0" b="0"/>
-        </a:lnRef>
-        <a:fillRef idx="1">
-          <a:scrgbClr r="0" g="0" b="0"/>
-        </a:fillRef>
-        <a:effectRef idx="0">
-          <a:scrgbClr r="0" g="0" b="0"/>
-        </a:effectRef>
-        <a:fontRef idx="minor"/>
-      </dsp:style>
-      <dsp:txBody>
-        <a:bodyPr spcFirstLastPara="0" vert="horz" wrap="square" lIns="247650" tIns="123825" rIns="247650" bIns="123825" numCol="1" spcCol="1270" anchor="ctr" anchorCtr="0">
-          <a:noAutofit/>
-        </a:bodyPr>
-        <a:lstStyle/>
-        <a:p>
-          <a:pPr marL="228600" lvl="1" indent="-228600" algn="l" defTabSz="889000">
-            <a:lnSpc>
-              <a:spcPct val="90000"/>
-            </a:lnSpc>
-            <a:spcBef>
-              <a:spcPct val="0"/>
-            </a:spcBef>
-            <a:spcAft>
-              <a:spcPct val="15000"/>
-            </a:spcAft>
-            <a:buChar char="••"/>
-          </a:pPr>
-          <a:r>
-            <a:rPr lang="es-AR" sz="2000" kern="1200" dirty="0" err="1" smtClean="0"/>
-            <a:t>Tortoise</a:t>
-          </a:r>
-          <a:r>
-            <a:rPr lang="es-AR" sz="2000" kern="1200" dirty="0" smtClean="0"/>
-            <a:t> SVN</a:t>
-          </a:r>
-          <a:endParaRPr lang="es-AR" sz="2000" kern="1200" dirty="0"/>
-        </a:p>
-      </dsp:txBody>
-      <dsp:txXfrm rot="-5400000">
-        <a:off x="2471746" y="1911050"/>
-        <a:ext cx="4595837" cy="584654"/>
-      </dsp:txXfrm>
-    </dsp:sp>
-    <dsp:sp modelId="{EA225968-22AD-4266-B086-723503A371EA}">
-      <dsp:nvSpPr>
-        <dsp:cNvPr id="0" name=""/>
-        <dsp:cNvSpPr/>
-      </dsp:nvSpPr>
-      <dsp:spPr>
-        <a:xfrm>
-          <a:off x="87994" y="1846214"/>
-          <a:ext cx="2433690" cy="809887"/>
-        </a:xfrm>
-        <a:prstGeom prst="roundRect">
-          <a:avLst/>
-        </a:prstGeom>
-        <a:solidFill>
-          <a:schemeClr val="accent1">
-            <a:hueOff val="0"/>
-            <a:satOff val="0"/>
-            <a:lumOff val="0"/>
-            <a:alphaOff val="0"/>
-          </a:schemeClr>
-        </a:solidFill>
-        <a:ln w="15875" cap="rnd" cmpd="sng" algn="ctr">
-          <a:solidFill>
-            <a:schemeClr val="lt1">
-              <a:hueOff val="0"/>
-              <a:satOff val="0"/>
-              <a:lumOff val="0"/>
-              <a:alphaOff val="0"/>
-            </a:schemeClr>
-          </a:solidFill>
-          <a:prstDash val="solid"/>
-        </a:ln>
-        <a:effectLst/>
-      </dsp:spPr>
-      <dsp:style>
-        <a:lnRef idx="2">
-          <a:scrgbClr r="0" g="0" b="0"/>
-        </a:lnRef>
-        <a:fillRef idx="1">
-          <a:scrgbClr r="0" g="0" b="0"/>
-        </a:fillRef>
-        <a:effectRef idx="0">
-          <a:scrgbClr r="0" g="0" b="0"/>
-        </a:effectRef>
-        <a:fontRef idx="minor">
-          <a:schemeClr val="lt1"/>
-        </a:fontRef>
-      </dsp:style>
-      <dsp:txBody>
-        <a:bodyPr spcFirstLastPara="0" vert="horz" wrap="square" lIns="83820" tIns="41910" rIns="83820" bIns="41910" numCol="1" spcCol="1270" anchor="ctr" anchorCtr="0">
-          <a:noAutofit/>
-        </a:bodyPr>
-        <a:lstStyle/>
-        <a:p>
-          <a:pPr lvl="0" algn="ctr" defTabSz="977900">
-            <a:lnSpc>
-              <a:spcPct val="90000"/>
-            </a:lnSpc>
-            <a:spcBef>
-              <a:spcPct val="0"/>
-            </a:spcBef>
-            <a:spcAft>
-              <a:spcPct val="35000"/>
-            </a:spcAft>
-          </a:pPr>
-          <a:r>
-            <a:rPr lang="es-AR" sz="2200" kern="1200" dirty="0" smtClean="0"/>
-            <a:t>Versionado</a:t>
-          </a:r>
-          <a:endParaRPr lang="es-AR" sz="2200" kern="1200" dirty="0"/>
-        </a:p>
-      </dsp:txBody>
-      <dsp:txXfrm>
-        <a:off x="127529" y="1885749"/>
-        <a:ext cx="2354620" cy="730817"/>
-      </dsp:txXfrm>
-    </dsp:sp>
-    <dsp:sp modelId="{474233D3-0411-4ECF-9B57-DA9032FAB377}">
-      <dsp:nvSpPr>
-        <dsp:cNvPr id="0" name=""/>
-        <dsp:cNvSpPr/>
-      </dsp:nvSpPr>
-      <dsp:spPr>
-        <a:xfrm rot="5400000">
-          <a:off x="4461523" y="868561"/>
-          <a:ext cx="647910" cy="4627465"/>
-        </a:xfrm>
-        <a:prstGeom prst="round2SameRect">
-          <a:avLst/>
-        </a:prstGeom>
-        <a:solidFill>
-          <a:schemeClr val="accent1">
-            <a:alpha val="90000"/>
-            <a:tint val="40000"/>
-            <a:hueOff val="0"/>
-            <a:satOff val="0"/>
-            <a:lumOff val="0"/>
-            <a:alphaOff val="0"/>
-          </a:schemeClr>
-        </a:solidFill>
-        <a:ln w="15875" cap="rnd" cmpd="sng" algn="ctr">
-          <a:solidFill>
-            <a:schemeClr val="accent1">
-              <a:alpha val="90000"/>
-              <a:tint val="40000"/>
-              <a:hueOff val="0"/>
-              <a:satOff val="0"/>
-              <a:lumOff val="0"/>
-              <a:alphaOff val="0"/>
-            </a:schemeClr>
-          </a:solidFill>
-          <a:prstDash val="solid"/>
-        </a:ln>
-        <a:effectLst/>
-      </dsp:spPr>
-      <dsp:style>
-        <a:lnRef idx="2">
-          <a:scrgbClr r="0" g="0" b="0"/>
-        </a:lnRef>
-        <a:fillRef idx="1">
-          <a:scrgbClr r="0" g="0" b="0"/>
-        </a:fillRef>
-        <a:effectRef idx="0">
-          <a:scrgbClr r="0" g="0" b="0"/>
-        </a:effectRef>
-        <a:fontRef idx="minor"/>
-      </dsp:style>
-      <dsp:txBody>
-        <a:bodyPr spcFirstLastPara="0" vert="horz" wrap="square" lIns="247650" tIns="123825" rIns="247650" bIns="123825" numCol="1" spcCol="1270" anchor="ctr" anchorCtr="0">
-          <a:noAutofit/>
-        </a:bodyPr>
-        <a:lstStyle/>
-        <a:p>
-          <a:pPr marL="228600" lvl="1" indent="-228600" algn="l" defTabSz="889000">
-            <a:lnSpc>
-              <a:spcPct val="90000"/>
-            </a:lnSpc>
-            <a:spcBef>
-              <a:spcPct val="0"/>
-            </a:spcBef>
-            <a:spcAft>
-              <a:spcPct val="15000"/>
-            </a:spcAft>
-            <a:buChar char="••"/>
-          </a:pPr>
-          <a:r>
-            <a:rPr lang="es-AR" sz="2000" kern="1200" dirty="0" smtClean="0"/>
-            <a:t>Google </a:t>
-          </a:r>
-          <a:r>
-            <a:rPr lang="es-AR" sz="2000" kern="1200" dirty="0" err="1" smtClean="0"/>
-            <a:t>Code</a:t>
-          </a:r>
-          <a:endParaRPr lang="es-AR" sz="2000" kern="1200" dirty="0"/>
-        </a:p>
-      </dsp:txBody>
-      <dsp:txXfrm rot="-5400000">
-        <a:off x="2471746" y="2889966"/>
-        <a:ext cx="4595837" cy="584654"/>
-      </dsp:txXfrm>
-    </dsp:sp>
-    <dsp:sp modelId="{BBCE9DB0-30FE-4481-8950-EA0291BD87A0}">
-      <dsp:nvSpPr>
-        <dsp:cNvPr id="0" name=""/>
-        <dsp:cNvSpPr/>
-      </dsp:nvSpPr>
-      <dsp:spPr>
-        <a:xfrm>
-          <a:off x="87994" y="2733243"/>
-          <a:ext cx="2433690" cy="809887"/>
-        </a:xfrm>
-        <a:prstGeom prst="roundRect">
-          <a:avLst/>
-        </a:prstGeom>
-        <a:solidFill>
-          <a:schemeClr val="accent1">
-            <a:hueOff val="0"/>
-            <a:satOff val="0"/>
-            <a:lumOff val="0"/>
-            <a:alphaOff val="0"/>
-          </a:schemeClr>
-        </a:solidFill>
-        <a:ln w="15875" cap="rnd" cmpd="sng" algn="ctr">
-          <a:solidFill>
-            <a:schemeClr val="lt1">
-              <a:hueOff val="0"/>
-              <a:satOff val="0"/>
-              <a:lumOff val="0"/>
-              <a:alphaOff val="0"/>
-            </a:schemeClr>
-          </a:solidFill>
-          <a:prstDash val="solid"/>
-        </a:ln>
-        <a:effectLst/>
-      </dsp:spPr>
-      <dsp:style>
-        <a:lnRef idx="2">
-          <a:scrgbClr r="0" g="0" b="0"/>
-        </a:lnRef>
-        <a:fillRef idx="1">
-          <a:scrgbClr r="0" g="0" b="0"/>
-        </a:fillRef>
-        <a:effectRef idx="0">
-          <a:scrgbClr r="0" g="0" b="0"/>
-        </a:effectRef>
-        <a:fontRef idx="minor">
-          <a:schemeClr val="lt1"/>
-        </a:fontRef>
-      </dsp:style>
-      <dsp:txBody>
-        <a:bodyPr spcFirstLastPara="0" vert="horz" wrap="square" lIns="83820" tIns="41910" rIns="83820" bIns="41910" numCol="1" spcCol="1270" anchor="ctr" anchorCtr="0">
-          <a:noAutofit/>
-        </a:bodyPr>
-        <a:lstStyle/>
-        <a:p>
-          <a:pPr lvl="0" algn="ctr" defTabSz="977900">
-            <a:lnSpc>
-              <a:spcPct val="90000"/>
-            </a:lnSpc>
-            <a:spcBef>
-              <a:spcPct val="0"/>
-            </a:spcBef>
-            <a:spcAft>
-              <a:spcPct val="35000"/>
-            </a:spcAft>
-          </a:pPr>
-          <a:r>
-            <a:rPr lang="es-AR" sz="2200" kern="1200" dirty="0" smtClean="0"/>
-            <a:t>Repositorio</a:t>
-          </a:r>
-          <a:endParaRPr lang="es-AR" sz="2200" kern="1200" dirty="0"/>
-        </a:p>
-      </dsp:txBody>
-      <dsp:txXfrm>
-        <a:off x="127529" y="2772778"/>
-        <a:ext cx="2354620" cy="730817"/>
-      </dsp:txXfrm>
-    </dsp:sp>
-    <dsp:sp modelId="{D97DA0F3-6CD0-44B6-8BDD-0058B220E174}">
-      <dsp:nvSpPr>
-        <dsp:cNvPr id="0" name=""/>
-        <dsp:cNvSpPr/>
-      </dsp:nvSpPr>
-      <dsp:spPr>
-        <a:xfrm rot="5400000">
-          <a:off x="4461523" y="1806547"/>
-          <a:ext cx="647910" cy="4627465"/>
-        </a:xfrm>
-        <a:prstGeom prst="round2SameRect">
-          <a:avLst/>
-        </a:prstGeom>
-        <a:solidFill>
-          <a:schemeClr val="accent1">
-            <a:alpha val="90000"/>
-            <a:tint val="40000"/>
-            <a:hueOff val="0"/>
-            <a:satOff val="0"/>
-            <a:lumOff val="0"/>
-            <a:alphaOff val="0"/>
-          </a:schemeClr>
-        </a:solidFill>
-        <a:ln w="15875" cap="rnd" cmpd="sng" algn="ctr">
-          <a:solidFill>
-            <a:schemeClr val="accent1">
-              <a:alpha val="90000"/>
-              <a:tint val="40000"/>
-              <a:hueOff val="0"/>
-              <a:satOff val="0"/>
-              <a:lumOff val="0"/>
-              <a:alphaOff val="0"/>
-            </a:schemeClr>
-          </a:solidFill>
-          <a:prstDash val="solid"/>
-        </a:ln>
-        <a:effectLst/>
-      </dsp:spPr>
-      <dsp:style>
-        <a:lnRef idx="2">
-          <a:scrgbClr r="0" g="0" b="0"/>
-        </a:lnRef>
-        <a:fillRef idx="1">
-          <a:scrgbClr r="0" g="0" b="0"/>
-        </a:fillRef>
-        <a:effectRef idx="0">
-          <a:scrgbClr r="0" g="0" b="0"/>
-        </a:effectRef>
-        <a:fontRef idx="minor"/>
-      </dsp:style>
-      <dsp:txBody>
-        <a:bodyPr spcFirstLastPara="0" vert="horz" wrap="square" lIns="247650" tIns="123825" rIns="247650" bIns="123825" numCol="1" spcCol="1270" anchor="ctr" anchorCtr="0">
-          <a:noAutofit/>
-        </a:bodyPr>
-        <a:lstStyle/>
-        <a:p>
-          <a:pPr marL="228600" lvl="1" indent="-228600" algn="l" defTabSz="889000">
-            <a:lnSpc>
-              <a:spcPct val="90000"/>
-            </a:lnSpc>
-            <a:spcBef>
-              <a:spcPct val="0"/>
-            </a:spcBef>
-            <a:spcAft>
-              <a:spcPct val="15000"/>
-            </a:spcAft>
-            <a:buChar char="••"/>
-          </a:pPr>
-          <a:r>
-            <a:rPr lang="es-AR" sz="2000" kern="1200" dirty="0" err="1" smtClean="0"/>
-            <a:t>Start</a:t>
-          </a:r>
-          <a:r>
-            <a:rPr lang="es-AR" sz="2000" kern="1200" dirty="0" smtClean="0"/>
-            <a:t> UML</a:t>
-          </a:r>
-          <a:endParaRPr lang="es-AR" sz="2000" kern="1200" dirty="0"/>
-        </a:p>
-      </dsp:txBody>
-      <dsp:txXfrm rot="-5400000">
-        <a:off x="2471746" y="3827952"/>
-        <a:ext cx="4595837" cy="584654"/>
-      </dsp:txXfrm>
-    </dsp:sp>
-    <dsp:sp modelId="{0444FB80-74ED-4F37-8840-17FDC27037F5}">
-      <dsp:nvSpPr>
-        <dsp:cNvPr id="0" name=""/>
-        <dsp:cNvSpPr/>
-      </dsp:nvSpPr>
-      <dsp:spPr>
-        <a:xfrm>
-          <a:off x="87994" y="3671229"/>
-          <a:ext cx="2433690" cy="809887"/>
-        </a:xfrm>
-        <a:prstGeom prst="roundRect">
-          <a:avLst/>
-        </a:prstGeom>
-        <a:solidFill>
-          <a:schemeClr val="accent1">
-            <a:hueOff val="0"/>
-            <a:satOff val="0"/>
-            <a:lumOff val="0"/>
-            <a:alphaOff val="0"/>
-          </a:schemeClr>
-        </a:solidFill>
-        <a:ln w="15875" cap="rnd" cmpd="sng" algn="ctr">
-          <a:solidFill>
-            <a:schemeClr val="lt1">
-              <a:hueOff val="0"/>
-              <a:satOff val="0"/>
-              <a:lumOff val="0"/>
-              <a:alphaOff val="0"/>
-            </a:schemeClr>
-          </a:solidFill>
-          <a:prstDash val="solid"/>
-        </a:ln>
-        <a:effectLst/>
-      </dsp:spPr>
-      <dsp:style>
-        <a:lnRef idx="2">
-          <a:scrgbClr r="0" g="0" b="0"/>
-        </a:lnRef>
-        <a:fillRef idx="1">
-          <a:scrgbClr r="0" g="0" b="0"/>
-        </a:fillRef>
-        <a:effectRef idx="0">
-          <a:scrgbClr r="0" g="0" b="0"/>
-        </a:effectRef>
-        <a:fontRef idx="minor">
-          <a:schemeClr val="lt1"/>
-        </a:fontRef>
-      </dsp:style>
-      <dsp:txBody>
-        <a:bodyPr spcFirstLastPara="0" vert="horz" wrap="square" lIns="83820" tIns="41910" rIns="83820" bIns="41910" numCol="1" spcCol="1270" anchor="ctr" anchorCtr="0">
-          <a:noAutofit/>
-        </a:bodyPr>
-        <a:lstStyle/>
-        <a:p>
-          <a:pPr lvl="0" algn="ctr" defTabSz="977900">
-            <a:lnSpc>
-              <a:spcPct val="90000"/>
-            </a:lnSpc>
-            <a:spcBef>
-              <a:spcPct val="0"/>
-            </a:spcBef>
-            <a:spcAft>
-              <a:spcPct val="35000"/>
-            </a:spcAft>
-          </a:pPr>
-          <a:r>
-            <a:rPr lang="es-AR" sz="2200" kern="1200" dirty="0" smtClean="0"/>
-            <a:t>Modelado</a:t>
-          </a:r>
-          <a:endParaRPr lang="es-AR" sz="2200" kern="1200" dirty="0"/>
-        </a:p>
-      </dsp:txBody>
-      <dsp:txXfrm>
-        <a:off x="127529" y="3710764"/>
-        <a:ext cx="2354620" cy="730817"/>
-      </dsp:txXfrm>
-    </dsp:sp>
   </dsp:spTree>
 </dsp:drawing>
 </file>
@@ -7856,435 +7047,6 @@
       <dsp:cNvGrpSpPr/>
     </dsp:nvGrpSpPr>
     <dsp:grpSpPr/>
-    <dsp:sp modelId="{969B7A61-92F9-49CC-BB98-4FCC80682E86}">
-      <dsp:nvSpPr>
-        <dsp:cNvPr id="0" name=""/>
-        <dsp:cNvSpPr/>
-      </dsp:nvSpPr>
-      <dsp:spPr>
-        <a:xfrm>
-          <a:off x="-2377311" y="-367361"/>
-          <a:ext cx="2839151" cy="2839151"/>
-        </a:xfrm>
-        <a:prstGeom prst="blockArc">
-          <a:avLst>
-            <a:gd name="adj1" fmla="val 18900000"/>
-            <a:gd name="adj2" fmla="val 2700000"/>
-            <a:gd name="adj3" fmla="val 761"/>
-          </a:avLst>
-        </a:prstGeom>
-        <a:noFill/>
-        <a:ln w="15875" cap="rnd" cmpd="sng" algn="ctr">
-          <a:solidFill>
-            <a:schemeClr val="accent1">
-              <a:shade val="60000"/>
-              <a:hueOff val="0"/>
-              <a:satOff val="0"/>
-              <a:lumOff val="0"/>
-              <a:alphaOff val="0"/>
-            </a:schemeClr>
-          </a:solidFill>
-          <a:prstDash val="solid"/>
-        </a:ln>
-        <a:effectLst/>
-      </dsp:spPr>
-      <dsp:style>
-        <a:lnRef idx="2">
-          <a:scrgbClr r="0" g="0" b="0"/>
-        </a:lnRef>
-        <a:fillRef idx="0">
-          <a:scrgbClr r="0" g="0" b="0"/>
-        </a:fillRef>
-        <a:effectRef idx="0">
-          <a:scrgbClr r="0" g="0" b="0"/>
-        </a:effectRef>
-        <a:fontRef idx="minor"/>
-      </dsp:style>
-    </dsp:sp>
-    <dsp:sp modelId="{41020649-5A09-447F-B967-57AFAA3251EE}">
-      <dsp:nvSpPr>
-        <dsp:cNvPr id="0" name=""/>
-        <dsp:cNvSpPr/>
-      </dsp:nvSpPr>
-      <dsp:spPr>
-        <a:xfrm>
-          <a:off x="296898" y="210442"/>
-          <a:ext cx="7853874" cy="420885"/>
-        </a:xfrm>
-        <a:prstGeom prst="rect">
-          <a:avLst/>
-        </a:prstGeom>
-        <a:solidFill>
-          <a:schemeClr val="accent1">
-            <a:hueOff val="0"/>
-            <a:satOff val="0"/>
-            <a:lumOff val="0"/>
-            <a:alphaOff val="0"/>
-          </a:schemeClr>
-        </a:solidFill>
-        <a:ln w="15875" cap="rnd" cmpd="sng" algn="ctr">
-          <a:solidFill>
-            <a:schemeClr val="lt1">
-              <a:hueOff val="0"/>
-              <a:satOff val="0"/>
-              <a:lumOff val="0"/>
-              <a:alphaOff val="0"/>
-            </a:schemeClr>
-          </a:solidFill>
-          <a:prstDash val="solid"/>
-        </a:ln>
-        <a:effectLst/>
-      </dsp:spPr>
-      <dsp:style>
-        <a:lnRef idx="2">
-          <a:scrgbClr r="0" g="0" b="0"/>
-        </a:lnRef>
-        <a:fillRef idx="1">
-          <a:scrgbClr r="0" g="0" b="0"/>
-        </a:fillRef>
-        <a:effectRef idx="0">
-          <a:scrgbClr r="0" g="0" b="0"/>
-        </a:effectRef>
-        <a:fontRef idx="minor">
-          <a:schemeClr val="lt1"/>
-        </a:fontRef>
-      </dsp:style>
-      <dsp:txBody>
-        <a:bodyPr spcFirstLastPara="0" vert="horz" wrap="square" lIns="334078" tIns="50800" rIns="50800" bIns="50800" numCol="1" spcCol="1270" anchor="ctr" anchorCtr="0">
-          <a:noAutofit/>
-        </a:bodyPr>
-        <a:lstStyle/>
-        <a:p>
-          <a:pPr lvl="0" algn="l" defTabSz="889000">
-            <a:lnSpc>
-              <a:spcPct val="90000"/>
-            </a:lnSpc>
-            <a:spcBef>
-              <a:spcPct val="0"/>
-            </a:spcBef>
-            <a:spcAft>
-              <a:spcPct val="35000"/>
-            </a:spcAft>
-          </a:pPr>
-          <a:r>
-            <a:rPr lang="es-AR" sz="2000" b="1" kern="1200" dirty="0" smtClean="0"/>
-            <a:t>SCRUM: </a:t>
-          </a:r>
-          <a:r>
-            <a:rPr lang="es-AR" sz="2000" kern="1200" dirty="0" smtClean="0"/>
-            <a:t>Framework de Gestión de Proyecto</a:t>
-          </a:r>
-          <a:endParaRPr lang="es-ES" sz="2000" kern="1200" dirty="0"/>
-        </a:p>
-      </dsp:txBody>
-      <dsp:txXfrm>
-        <a:off x="296898" y="210442"/>
-        <a:ext cx="7853874" cy="420885"/>
-      </dsp:txXfrm>
-    </dsp:sp>
-    <dsp:sp modelId="{1952AAD4-5524-418F-83C8-E32D1A990390}">
-      <dsp:nvSpPr>
-        <dsp:cNvPr id="0" name=""/>
-        <dsp:cNvSpPr/>
-      </dsp:nvSpPr>
-      <dsp:spPr>
-        <a:xfrm>
-          <a:off x="33845" y="157832"/>
-          <a:ext cx="526107" cy="526107"/>
-        </a:xfrm>
-        <a:prstGeom prst="ellipse">
-          <a:avLst/>
-        </a:prstGeom>
-        <a:solidFill>
-          <a:schemeClr val="lt1">
-            <a:hueOff val="0"/>
-            <a:satOff val="0"/>
-            <a:lumOff val="0"/>
-            <a:alphaOff val="0"/>
-          </a:schemeClr>
-        </a:solidFill>
-        <a:ln w="15875" cap="rnd" cmpd="sng" algn="ctr">
-          <a:solidFill>
-            <a:schemeClr val="accent1">
-              <a:hueOff val="0"/>
-              <a:satOff val="0"/>
-              <a:lumOff val="0"/>
-              <a:alphaOff val="0"/>
-            </a:schemeClr>
-          </a:solidFill>
-          <a:prstDash val="solid"/>
-        </a:ln>
-        <a:effectLst/>
-      </dsp:spPr>
-      <dsp:style>
-        <a:lnRef idx="2">
-          <a:scrgbClr r="0" g="0" b="0"/>
-        </a:lnRef>
-        <a:fillRef idx="1">
-          <a:scrgbClr r="0" g="0" b="0"/>
-        </a:fillRef>
-        <a:effectRef idx="0">
-          <a:scrgbClr r="0" g="0" b="0"/>
-        </a:effectRef>
-        <a:fontRef idx="minor"/>
-      </dsp:style>
-    </dsp:sp>
-    <dsp:sp modelId="{2FAE4E58-6639-4FEB-B790-D54E65E84C74}">
-      <dsp:nvSpPr>
-        <dsp:cNvPr id="0" name=""/>
-        <dsp:cNvSpPr/>
-      </dsp:nvSpPr>
-      <dsp:spPr>
-        <a:xfrm>
-          <a:off x="449890" y="841771"/>
-          <a:ext cx="7700882" cy="420885"/>
-        </a:xfrm>
-        <a:prstGeom prst="rect">
-          <a:avLst/>
-        </a:prstGeom>
-        <a:solidFill>
-          <a:schemeClr val="accent1">
-            <a:hueOff val="0"/>
-            <a:satOff val="0"/>
-            <a:lumOff val="0"/>
-            <a:alphaOff val="0"/>
-          </a:schemeClr>
-        </a:solidFill>
-        <a:ln w="15875" cap="rnd" cmpd="sng" algn="ctr">
-          <a:solidFill>
-            <a:schemeClr val="lt1">
-              <a:hueOff val="0"/>
-              <a:satOff val="0"/>
-              <a:lumOff val="0"/>
-              <a:alphaOff val="0"/>
-            </a:schemeClr>
-          </a:solidFill>
-          <a:prstDash val="solid"/>
-        </a:ln>
-        <a:effectLst/>
-      </dsp:spPr>
-      <dsp:style>
-        <a:lnRef idx="2">
-          <a:scrgbClr r="0" g="0" b="0"/>
-        </a:lnRef>
-        <a:fillRef idx="1">
-          <a:scrgbClr r="0" g="0" b="0"/>
-        </a:fillRef>
-        <a:effectRef idx="0">
-          <a:scrgbClr r="0" g="0" b="0"/>
-        </a:effectRef>
-        <a:fontRef idx="minor">
-          <a:schemeClr val="lt1"/>
-        </a:fontRef>
-      </dsp:style>
-      <dsp:txBody>
-        <a:bodyPr spcFirstLastPara="0" vert="horz" wrap="square" lIns="334078" tIns="50800" rIns="50800" bIns="50800" numCol="1" spcCol="1270" anchor="ctr" anchorCtr="0">
-          <a:noAutofit/>
-        </a:bodyPr>
-        <a:lstStyle/>
-        <a:p>
-          <a:pPr lvl="0" algn="l" defTabSz="889000">
-            <a:lnSpc>
-              <a:spcPct val="90000"/>
-            </a:lnSpc>
-            <a:spcBef>
-              <a:spcPct val="0"/>
-            </a:spcBef>
-            <a:spcAft>
-              <a:spcPct val="35000"/>
-            </a:spcAft>
-          </a:pPr>
-          <a:r>
-            <a:rPr lang="es-ES" sz="2000" kern="1200" dirty="0" smtClean="0"/>
-            <a:t>Seguimiento y Control de Proyecto</a:t>
-          </a:r>
-          <a:endParaRPr lang="es-ES" sz="2000" kern="1200" dirty="0"/>
-        </a:p>
-      </dsp:txBody>
-      <dsp:txXfrm>
-        <a:off x="449890" y="841771"/>
-        <a:ext cx="7700882" cy="420885"/>
-      </dsp:txXfrm>
-    </dsp:sp>
-    <dsp:sp modelId="{147902AD-0839-4A77-B901-5788D58B81DA}">
-      <dsp:nvSpPr>
-        <dsp:cNvPr id="0" name=""/>
-        <dsp:cNvSpPr/>
-      </dsp:nvSpPr>
-      <dsp:spPr>
-        <a:xfrm>
-          <a:off x="186836" y="789160"/>
-          <a:ext cx="526107" cy="526107"/>
-        </a:xfrm>
-        <a:prstGeom prst="ellipse">
-          <a:avLst/>
-        </a:prstGeom>
-        <a:solidFill>
-          <a:schemeClr val="lt1">
-            <a:hueOff val="0"/>
-            <a:satOff val="0"/>
-            <a:lumOff val="0"/>
-            <a:alphaOff val="0"/>
-          </a:schemeClr>
-        </a:solidFill>
-        <a:ln w="15875" cap="rnd" cmpd="sng" algn="ctr">
-          <a:solidFill>
-            <a:schemeClr val="accent1">
-              <a:hueOff val="0"/>
-              <a:satOff val="0"/>
-              <a:lumOff val="0"/>
-              <a:alphaOff val="0"/>
-            </a:schemeClr>
-          </a:solidFill>
-          <a:prstDash val="solid"/>
-        </a:ln>
-        <a:effectLst/>
-      </dsp:spPr>
-      <dsp:style>
-        <a:lnRef idx="2">
-          <a:scrgbClr r="0" g="0" b="0"/>
-        </a:lnRef>
-        <a:fillRef idx="1">
-          <a:scrgbClr r="0" g="0" b="0"/>
-        </a:fillRef>
-        <a:effectRef idx="0">
-          <a:scrgbClr r="0" g="0" b="0"/>
-        </a:effectRef>
-        <a:fontRef idx="minor"/>
-      </dsp:style>
-    </dsp:sp>
-    <dsp:sp modelId="{C7361695-FD83-4385-A0C8-BA8686F4E414}">
-      <dsp:nvSpPr>
-        <dsp:cNvPr id="0" name=""/>
-        <dsp:cNvSpPr/>
-      </dsp:nvSpPr>
-      <dsp:spPr>
-        <a:xfrm>
-          <a:off x="296898" y="1473099"/>
-          <a:ext cx="7853874" cy="420885"/>
-        </a:xfrm>
-        <a:prstGeom prst="rect">
-          <a:avLst/>
-        </a:prstGeom>
-        <a:solidFill>
-          <a:schemeClr val="accent1">
-            <a:hueOff val="0"/>
-            <a:satOff val="0"/>
-            <a:lumOff val="0"/>
-            <a:alphaOff val="0"/>
-          </a:schemeClr>
-        </a:solidFill>
-        <a:ln w="15875" cap="rnd" cmpd="sng" algn="ctr">
-          <a:solidFill>
-            <a:schemeClr val="lt1">
-              <a:hueOff val="0"/>
-              <a:satOff val="0"/>
-              <a:lumOff val="0"/>
-              <a:alphaOff val="0"/>
-            </a:schemeClr>
-          </a:solidFill>
-          <a:prstDash val="solid"/>
-        </a:ln>
-        <a:effectLst/>
-      </dsp:spPr>
-      <dsp:style>
-        <a:lnRef idx="2">
-          <a:scrgbClr r="0" g="0" b="0"/>
-        </a:lnRef>
-        <a:fillRef idx="1">
-          <a:scrgbClr r="0" g="0" b="0"/>
-        </a:fillRef>
-        <a:effectRef idx="0">
-          <a:scrgbClr r="0" g="0" b="0"/>
-        </a:effectRef>
-        <a:fontRef idx="minor">
-          <a:schemeClr val="lt1"/>
-        </a:fontRef>
-      </dsp:style>
-      <dsp:txBody>
-        <a:bodyPr spcFirstLastPara="0" vert="horz" wrap="square" lIns="334078" tIns="50800" rIns="50800" bIns="50800" numCol="1" spcCol="1270" anchor="ctr" anchorCtr="0">
-          <a:noAutofit/>
-        </a:bodyPr>
-        <a:lstStyle/>
-        <a:p>
-          <a:pPr lvl="0" algn="l" defTabSz="889000">
-            <a:lnSpc>
-              <a:spcPct val="90000"/>
-            </a:lnSpc>
-            <a:spcBef>
-              <a:spcPct val="0"/>
-            </a:spcBef>
-            <a:spcAft>
-              <a:spcPct val="35000"/>
-            </a:spcAft>
-          </a:pPr>
-          <a:r>
-            <a:rPr lang="es-AR" sz="2000" b="1" kern="1200" dirty="0" smtClean="0"/>
-            <a:t>Métricas e Indicadores </a:t>
-          </a:r>
-          <a:r>
-            <a:rPr lang="es-AR" sz="2000" kern="1200" dirty="0" smtClean="0"/>
-            <a:t>de </a:t>
-          </a:r>
-          <a:r>
-            <a:rPr lang="es-AR" sz="2000" kern="1200" dirty="0" smtClean="0"/>
-            <a:t>Proyecto y de Producto </a:t>
-          </a:r>
-          <a:endParaRPr lang="es-ES" sz="2000" kern="1200" dirty="0"/>
-        </a:p>
-      </dsp:txBody>
-      <dsp:txXfrm>
-        <a:off x="296898" y="1473099"/>
-        <a:ext cx="7853874" cy="420885"/>
-      </dsp:txXfrm>
-    </dsp:sp>
-    <dsp:sp modelId="{876F9F0B-15C7-4E40-97CF-C02C7289BCAE}">
-      <dsp:nvSpPr>
-        <dsp:cNvPr id="0" name=""/>
-        <dsp:cNvSpPr/>
-      </dsp:nvSpPr>
-      <dsp:spPr>
-        <a:xfrm>
-          <a:off x="33845" y="1420488"/>
-          <a:ext cx="526107" cy="526107"/>
-        </a:xfrm>
-        <a:prstGeom prst="ellipse">
-          <a:avLst/>
-        </a:prstGeom>
-        <a:solidFill>
-          <a:schemeClr val="lt1">
-            <a:hueOff val="0"/>
-            <a:satOff val="0"/>
-            <a:lumOff val="0"/>
-            <a:alphaOff val="0"/>
-          </a:schemeClr>
-        </a:solidFill>
-        <a:ln w="15875" cap="rnd" cmpd="sng" algn="ctr">
-          <a:solidFill>
-            <a:schemeClr val="accent1">
-              <a:hueOff val="0"/>
-              <a:satOff val="0"/>
-              <a:lumOff val="0"/>
-              <a:alphaOff val="0"/>
-            </a:schemeClr>
-          </a:solidFill>
-          <a:prstDash val="solid"/>
-        </a:ln>
-        <a:effectLst/>
-      </dsp:spPr>
-      <dsp:style>
-        <a:lnRef idx="2">
-          <a:scrgbClr r="0" g="0" b="0"/>
-        </a:lnRef>
-        <a:fillRef idx="1">
-          <a:scrgbClr r="0" g="0" b="0"/>
-        </a:fillRef>
-        <a:effectRef idx="0">
-          <a:scrgbClr r="0" g="0" b="0"/>
-        </a:effectRef>
-        <a:fontRef idx="minor"/>
-      </dsp:style>
-    </dsp:sp>
   </dsp:spTree>
 </dsp:drawing>
 </file>
@@ -8297,303 +7059,6 @@
       <dsp:cNvGrpSpPr/>
     </dsp:nvGrpSpPr>
     <dsp:grpSpPr/>
-    <dsp:sp modelId="{969B7A61-92F9-49CC-BB98-4FCC80682E86}">
-      <dsp:nvSpPr>
-        <dsp:cNvPr id="0" name=""/>
-        <dsp:cNvSpPr/>
-      </dsp:nvSpPr>
-      <dsp:spPr>
-        <a:xfrm>
-          <a:off x="-2702414" y="-419265"/>
-          <a:ext cx="3244726" cy="3244726"/>
-        </a:xfrm>
-        <a:prstGeom prst="blockArc">
-          <a:avLst>
-            <a:gd name="adj1" fmla="val 18900000"/>
-            <a:gd name="adj2" fmla="val 2700000"/>
-            <a:gd name="adj3" fmla="val 666"/>
-          </a:avLst>
-        </a:prstGeom>
-        <a:noFill/>
-        <a:ln w="15875" cap="rnd" cmpd="sng" algn="ctr">
-          <a:solidFill>
-            <a:schemeClr val="accent3">
-              <a:shade val="60000"/>
-              <a:hueOff val="0"/>
-              <a:satOff val="0"/>
-              <a:lumOff val="0"/>
-              <a:alphaOff val="0"/>
-            </a:schemeClr>
-          </a:solidFill>
-          <a:prstDash val="solid"/>
-        </a:ln>
-        <a:effectLst/>
-      </dsp:spPr>
-      <dsp:style>
-        <a:lnRef idx="2">
-          <a:scrgbClr r="0" g="0" b="0"/>
-        </a:lnRef>
-        <a:fillRef idx="0">
-          <a:scrgbClr r="0" g="0" b="0"/>
-        </a:fillRef>
-        <a:effectRef idx="0">
-          <a:scrgbClr r="0" g="0" b="0"/>
-        </a:effectRef>
-        <a:fontRef idx="minor"/>
-      </dsp:style>
-    </dsp:sp>
-    <dsp:sp modelId="{6055E40E-88DB-42DB-BE2A-E111F24F0BAC}">
-      <dsp:nvSpPr>
-        <dsp:cNvPr id="0" name=""/>
-        <dsp:cNvSpPr/>
-      </dsp:nvSpPr>
-      <dsp:spPr>
-        <a:xfrm>
-          <a:off x="442318" y="343749"/>
-          <a:ext cx="5455866" cy="687401"/>
-        </a:xfrm>
-        <a:prstGeom prst="rect">
-          <a:avLst/>
-        </a:prstGeom>
-        <a:solidFill>
-          <a:schemeClr val="accent3">
-            <a:hueOff val="0"/>
-            <a:satOff val="0"/>
-            <a:lumOff val="0"/>
-            <a:alphaOff val="0"/>
-          </a:schemeClr>
-        </a:solidFill>
-        <a:ln w="15875" cap="rnd" cmpd="sng" algn="ctr">
-          <a:solidFill>
-            <a:schemeClr val="lt1">
-              <a:hueOff val="0"/>
-              <a:satOff val="0"/>
-              <a:lumOff val="0"/>
-              <a:alphaOff val="0"/>
-            </a:schemeClr>
-          </a:solidFill>
-          <a:prstDash val="solid"/>
-        </a:ln>
-        <a:effectLst/>
-      </dsp:spPr>
-      <dsp:style>
-        <a:lnRef idx="2">
-          <a:scrgbClr r="0" g="0" b="0"/>
-        </a:lnRef>
-        <a:fillRef idx="1">
-          <a:scrgbClr r="0" g="0" b="0"/>
-        </a:fillRef>
-        <a:effectRef idx="0">
-          <a:scrgbClr r="0" g="0" b="0"/>
-        </a:effectRef>
-        <a:fontRef idx="minor">
-          <a:schemeClr val="lt1"/>
-        </a:fontRef>
-      </dsp:style>
-      <dsp:txBody>
-        <a:bodyPr spcFirstLastPara="0" vert="horz" wrap="square" lIns="545625" tIns="45720" rIns="45720" bIns="45720" numCol="1" spcCol="1270" anchor="ctr" anchorCtr="0">
-          <a:noAutofit/>
-        </a:bodyPr>
-        <a:lstStyle/>
-        <a:p>
-          <a:pPr lvl="0" algn="l" defTabSz="800100">
-            <a:lnSpc>
-              <a:spcPct val="90000"/>
-            </a:lnSpc>
-            <a:spcBef>
-              <a:spcPct val="0"/>
-            </a:spcBef>
-            <a:spcAft>
-              <a:spcPct val="35000"/>
-            </a:spcAft>
-          </a:pPr>
-          <a:r>
-            <a:rPr lang="es-AR" sz="1800" kern="1200" dirty="0" smtClean="0"/>
-            <a:t>2 reuniones semanales: </a:t>
-          </a:r>
-          <a:r>
-            <a:rPr lang="es-AR" sz="1800" b="1" kern="1200" dirty="0" smtClean="0"/>
-            <a:t>Martes y Sábados</a:t>
-          </a:r>
-          <a:endParaRPr lang="es-ES" sz="1800" b="1" kern="1200" dirty="0"/>
-        </a:p>
-      </dsp:txBody>
-      <dsp:txXfrm>
-        <a:off x="442318" y="343749"/>
-        <a:ext cx="5455866" cy="687401"/>
-      </dsp:txXfrm>
-    </dsp:sp>
-    <dsp:sp modelId="{EE92931F-C7E4-4156-83F5-14B75555FB3E}">
-      <dsp:nvSpPr>
-        <dsp:cNvPr id="0" name=""/>
-        <dsp:cNvSpPr/>
-      </dsp:nvSpPr>
-      <dsp:spPr>
-        <a:xfrm>
-          <a:off x="12692" y="257823"/>
-          <a:ext cx="859252" cy="859252"/>
-        </a:xfrm>
-        <a:prstGeom prst="ellipse">
-          <a:avLst/>
-        </a:prstGeom>
-        <a:solidFill>
-          <a:schemeClr val="lt1">
-            <a:hueOff val="0"/>
-            <a:satOff val="0"/>
-            <a:lumOff val="0"/>
-            <a:alphaOff val="0"/>
-          </a:schemeClr>
-        </a:solidFill>
-        <a:ln w="15875" cap="rnd" cmpd="sng" algn="ctr">
-          <a:solidFill>
-            <a:schemeClr val="accent3">
-              <a:hueOff val="0"/>
-              <a:satOff val="0"/>
-              <a:lumOff val="0"/>
-              <a:alphaOff val="0"/>
-            </a:schemeClr>
-          </a:solidFill>
-          <a:prstDash val="solid"/>
-        </a:ln>
-        <a:effectLst/>
-      </dsp:spPr>
-      <dsp:style>
-        <a:lnRef idx="2">
-          <a:scrgbClr r="0" g="0" b="0"/>
-        </a:lnRef>
-        <a:fillRef idx="1">
-          <a:scrgbClr r="0" g="0" b="0"/>
-        </a:fillRef>
-        <a:effectRef idx="0">
-          <a:scrgbClr r="0" g="0" b="0"/>
-        </a:effectRef>
-        <a:fontRef idx="minor"/>
-      </dsp:style>
-    </dsp:sp>
-    <dsp:sp modelId="{8B67C55B-DA1F-45A6-BC20-E88131C085C4}">
-      <dsp:nvSpPr>
-        <dsp:cNvPr id="0" name=""/>
-        <dsp:cNvSpPr/>
-      </dsp:nvSpPr>
-      <dsp:spPr>
-        <a:xfrm>
-          <a:off x="442318" y="1480869"/>
-          <a:ext cx="5455866" cy="475750"/>
-        </a:xfrm>
-        <a:prstGeom prst="rect">
-          <a:avLst/>
-        </a:prstGeom>
-        <a:solidFill>
-          <a:schemeClr val="accent3">
-            <a:hueOff val="0"/>
-            <a:satOff val="0"/>
-            <a:lumOff val="0"/>
-            <a:alphaOff val="0"/>
-          </a:schemeClr>
-        </a:solidFill>
-        <a:ln w="15875" cap="rnd" cmpd="sng" algn="ctr">
-          <a:solidFill>
-            <a:schemeClr val="lt1">
-              <a:hueOff val="0"/>
-              <a:satOff val="0"/>
-              <a:lumOff val="0"/>
-              <a:alphaOff val="0"/>
-            </a:schemeClr>
-          </a:solidFill>
-          <a:prstDash val="solid"/>
-        </a:ln>
-        <a:effectLst/>
-      </dsp:spPr>
-      <dsp:style>
-        <a:lnRef idx="2">
-          <a:scrgbClr r="0" g="0" b="0"/>
-        </a:lnRef>
-        <a:fillRef idx="1">
-          <a:scrgbClr r="0" g="0" b="0"/>
-        </a:fillRef>
-        <a:effectRef idx="0">
-          <a:scrgbClr r="0" g="0" b="0"/>
-        </a:effectRef>
-        <a:fontRef idx="minor">
-          <a:schemeClr val="lt1"/>
-        </a:fontRef>
-      </dsp:style>
-      <dsp:txBody>
-        <a:bodyPr spcFirstLastPara="0" vert="horz" wrap="square" lIns="545625" tIns="45720" rIns="45720" bIns="45720" numCol="1" spcCol="1270" anchor="ctr" anchorCtr="0">
-          <a:noAutofit/>
-        </a:bodyPr>
-        <a:lstStyle/>
-        <a:p>
-          <a:pPr lvl="0" algn="l" defTabSz="800100">
-            <a:lnSpc>
-              <a:spcPct val="90000"/>
-            </a:lnSpc>
-            <a:spcBef>
-              <a:spcPct val="0"/>
-            </a:spcBef>
-            <a:spcAft>
-              <a:spcPct val="35000"/>
-            </a:spcAft>
-          </a:pPr>
-          <a:r>
-            <a:rPr lang="es-AR" sz="1800" kern="1200" dirty="0" smtClean="0"/>
-            <a:t>Sprints comienzan y terminan Sábados</a:t>
-          </a:r>
-          <a:endParaRPr lang="es-ES" sz="1800" kern="1200" dirty="0"/>
-        </a:p>
-      </dsp:txBody>
-      <dsp:txXfrm>
-        <a:off x="442318" y="1480869"/>
-        <a:ext cx="5455866" cy="475750"/>
-      </dsp:txXfrm>
-    </dsp:sp>
-    <dsp:sp modelId="{0C24452A-0CF2-470A-B60A-A8B1139F8753}">
-      <dsp:nvSpPr>
-        <dsp:cNvPr id="0" name=""/>
-        <dsp:cNvSpPr/>
-      </dsp:nvSpPr>
-      <dsp:spPr>
-        <a:xfrm>
-          <a:off x="12692" y="1289118"/>
-          <a:ext cx="859252" cy="859252"/>
-        </a:xfrm>
-        <a:prstGeom prst="ellipse">
-          <a:avLst/>
-        </a:prstGeom>
-        <a:solidFill>
-          <a:schemeClr val="lt1">
-            <a:hueOff val="0"/>
-            <a:satOff val="0"/>
-            <a:lumOff val="0"/>
-            <a:alphaOff val="0"/>
-          </a:schemeClr>
-        </a:solidFill>
-        <a:ln w="15875" cap="rnd" cmpd="sng" algn="ctr">
-          <a:solidFill>
-            <a:schemeClr val="accent3">
-              <a:hueOff val="0"/>
-              <a:satOff val="0"/>
-              <a:lumOff val="0"/>
-              <a:alphaOff val="0"/>
-            </a:schemeClr>
-          </a:solidFill>
-          <a:prstDash val="solid"/>
-        </a:ln>
-        <a:effectLst/>
-      </dsp:spPr>
-      <dsp:style>
-        <a:lnRef idx="2">
-          <a:scrgbClr r="0" g="0" b="0"/>
-        </a:lnRef>
-        <a:fillRef idx="1">
-          <a:scrgbClr r="0" g="0" b="0"/>
-        </a:fillRef>
-        <a:effectRef idx="0">
-          <a:scrgbClr r="0" g="0" b="0"/>
-        </a:effectRef>
-        <a:fontRef idx="minor"/>
-      </dsp:style>
-    </dsp:sp>
   </dsp:spTree>
 </dsp:drawing>
 </file>
@@ -8606,891 +7071,6 @@
       <dsp:cNvGrpSpPr/>
     </dsp:nvGrpSpPr>
     <dsp:grpSpPr/>
-    <dsp:sp modelId="{969B7A61-92F9-49CC-BB98-4FCC80682E86}">
-      <dsp:nvSpPr>
-        <dsp:cNvPr id="0" name=""/>
-        <dsp:cNvSpPr/>
-      </dsp:nvSpPr>
-      <dsp:spPr>
-        <a:xfrm>
-          <a:off x="-5085865" y="-779133"/>
-          <a:ext cx="6056718" cy="6056718"/>
-        </a:xfrm>
-        <a:prstGeom prst="blockArc">
-          <a:avLst>
-            <a:gd name="adj1" fmla="val 18900000"/>
-            <a:gd name="adj2" fmla="val 2700000"/>
-            <a:gd name="adj3" fmla="val 357"/>
-          </a:avLst>
-        </a:prstGeom>
-        <a:noFill/>
-        <a:ln w="15875" cap="rnd" cmpd="sng" algn="ctr">
-          <a:solidFill>
-            <a:schemeClr val="accent1">
-              <a:shade val="60000"/>
-              <a:hueOff val="0"/>
-              <a:satOff val="0"/>
-              <a:lumOff val="0"/>
-              <a:alphaOff val="0"/>
-            </a:schemeClr>
-          </a:solidFill>
-          <a:prstDash val="solid"/>
-        </a:ln>
-        <a:effectLst/>
-      </dsp:spPr>
-      <dsp:style>
-        <a:lnRef idx="2">
-          <a:scrgbClr r="0" g="0" b="0"/>
-        </a:lnRef>
-        <a:fillRef idx="0">
-          <a:scrgbClr r="0" g="0" b="0"/>
-        </a:fillRef>
-        <a:effectRef idx="0">
-          <a:scrgbClr r="0" g="0" b="0"/>
-        </a:effectRef>
-        <a:fontRef idx="minor"/>
-      </dsp:style>
-    </dsp:sp>
-    <dsp:sp modelId="{889CCFCF-85CF-42EE-B1C3-B84E8EE140C2}">
-      <dsp:nvSpPr>
-        <dsp:cNvPr id="0" name=""/>
-        <dsp:cNvSpPr/>
-      </dsp:nvSpPr>
-      <dsp:spPr>
-        <a:xfrm>
-          <a:off x="362155" y="236888"/>
-          <a:ext cx="8990330" cy="473596"/>
-        </a:xfrm>
-        <a:prstGeom prst="rect">
-          <a:avLst/>
-        </a:prstGeom>
-        <a:solidFill>
-          <a:schemeClr val="accent1">
-            <a:hueOff val="0"/>
-            <a:satOff val="0"/>
-            <a:lumOff val="0"/>
-            <a:alphaOff val="0"/>
-          </a:schemeClr>
-        </a:solidFill>
-        <a:ln w="15875" cap="rnd" cmpd="sng" algn="ctr">
-          <a:solidFill>
-            <a:schemeClr val="lt1">
-              <a:hueOff val="0"/>
-              <a:satOff val="0"/>
-              <a:lumOff val="0"/>
-              <a:alphaOff val="0"/>
-            </a:schemeClr>
-          </a:solidFill>
-          <a:prstDash val="solid"/>
-        </a:ln>
-        <a:effectLst/>
-      </dsp:spPr>
-      <dsp:style>
-        <a:lnRef idx="2">
-          <a:scrgbClr r="0" g="0" b="0"/>
-        </a:lnRef>
-        <a:fillRef idx="1">
-          <a:scrgbClr r="0" g="0" b="0"/>
-        </a:fillRef>
-        <a:effectRef idx="0">
-          <a:scrgbClr r="0" g="0" b="0"/>
-        </a:effectRef>
-        <a:fontRef idx="minor">
-          <a:schemeClr val="lt1"/>
-        </a:fontRef>
-      </dsp:style>
-      <dsp:txBody>
-        <a:bodyPr spcFirstLastPara="0" vert="horz" wrap="square" lIns="375918" tIns="60960" rIns="60960" bIns="60960" numCol="1" spcCol="1270" anchor="ctr" anchorCtr="0">
-          <a:noAutofit/>
-        </a:bodyPr>
-        <a:lstStyle/>
-        <a:p>
-          <a:pPr lvl="0" algn="l" defTabSz="1066800">
-            <a:lnSpc>
-              <a:spcPct val="90000"/>
-            </a:lnSpc>
-            <a:spcBef>
-              <a:spcPct val="0"/>
-            </a:spcBef>
-            <a:spcAft>
-              <a:spcPct val="35000"/>
-            </a:spcAft>
-          </a:pPr>
-          <a:r>
-            <a:rPr lang="es-AR" sz="2400" b="0" kern="1200" dirty="0" smtClean="0">
-              <a:effectLst>
-                <a:outerShdw blurRad="38100" dist="38100" dir="2700000" algn="tl">
-                  <a:srgbClr val="000000">
-                    <a:alpha val="43137"/>
-                  </a:srgbClr>
-                </a:outerShdw>
-              </a:effectLst>
-            </a:rPr>
-            <a:t>Capacidad del Equipo</a:t>
-          </a:r>
-          <a:endParaRPr lang="es-ES" sz="2400" b="0" kern="1200" dirty="0">
-            <a:effectLst>
-              <a:outerShdw blurRad="38100" dist="38100" dir="2700000" algn="tl">
-                <a:srgbClr val="000000">
-                  <a:alpha val="43137"/>
-                </a:srgbClr>
-              </a:outerShdw>
-            </a:effectLst>
-          </a:endParaRPr>
-        </a:p>
-      </dsp:txBody>
-      <dsp:txXfrm>
-        <a:off x="362155" y="236888"/>
-        <a:ext cx="8990330" cy="473596"/>
-      </dsp:txXfrm>
-    </dsp:sp>
-    <dsp:sp modelId="{22DC27C4-A8C1-4515-BC47-1B67EE45C266}">
-      <dsp:nvSpPr>
-        <dsp:cNvPr id="0" name=""/>
-        <dsp:cNvSpPr/>
-      </dsp:nvSpPr>
-      <dsp:spPr>
-        <a:xfrm>
-          <a:off x="66157" y="177688"/>
-          <a:ext cx="591996" cy="591996"/>
-        </a:xfrm>
-        <a:prstGeom prst="ellipse">
-          <a:avLst/>
-        </a:prstGeom>
-        <a:solidFill>
-          <a:schemeClr val="lt1">
-            <a:hueOff val="0"/>
-            <a:satOff val="0"/>
-            <a:lumOff val="0"/>
-            <a:alphaOff val="0"/>
-          </a:schemeClr>
-        </a:solidFill>
-        <a:ln w="15875" cap="rnd" cmpd="sng" algn="ctr">
-          <a:solidFill>
-            <a:schemeClr val="accent1">
-              <a:hueOff val="0"/>
-              <a:satOff val="0"/>
-              <a:lumOff val="0"/>
-              <a:alphaOff val="0"/>
-            </a:schemeClr>
-          </a:solidFill>
-          <a:prstDash val="solid"/>
-        </a:ln>
-        <a:effectLst/>
-      </dsp:spPr>
-      <dsp:style>
-        <a:lnRef idx="2">
-          <a:scrgbClr r="0" g="0" b="0"/>
-        </a:lnRef>
-        <a:fillRef idx="1">
-          <a:scrgbClr r="0" g="0" b="0"/>
-        </a:fillRef>
-        <a:effectRef idx="0">
-          <a:scrgbClr r="0" g="0" b="0"/>
-        </a:effectRef>
-        <a:fontRef idx="minor"/>
-      </dsp:style>
-    </dsp:sp>
-    <dsp:sp modelId="{21664CED-339C-476D-85A5-28A63C40B1E3}">
-      <dsp:nvSpPr>
-        <dsp:cNvPr id="0" name=""/>
-        <dsp:cNvSpPr/>
-      </dsp:nvSpPr>
-      <dsp:spPr>
-        <a:xfrm>
-          <a:off x="751721" y="947193"/>
-          <a:ext cx="8600764" cy="473596"/>
-        </a:xfrm>
-        <a:prstGeom prst="rect">
-          <a:avLst/>
-        </a:prstGeom>
-        <a:solidFill>
-          <a:schemeClr val="accent1">
-            <a:hueOff val="0"/>
-            <a:satOff val="0"/>
-            <a:lumOff val="0"/>
-            <a:alphaOff val="0"/>
-          </a:schemeClr>
-        </a:solidFill>
-        <a:ln w="15875" cap="rnd" cmpd="sng" algn="ctr">
-          <a:solidFill>
-            <a:schemeClr val="lt1">
-              <a:hueOff val="0"/>
-              <a:satOff val="0"/>
-              <a:lumOff val="0"/>
-              <a:alphaOff val="0"/>
-            </a:schemeClr>
-          </a:solidFill>
-          <a:prstDash val="solid"/>
-        </a:ln>
-        <a:effectLst/>
-      </dsp:spPr>
-      <dsp:style>
-        <a:lnRef idx="2">
-          <a:scrgbClr r="0" g="0" b="0"/>
-        </a:lnRef>
-        <a:fillRef idx="1">
-          <a:scrgbClr r="0" g="0" b="0"/>
-        </a:fillRef>
-        <a:effectRef idx="0">
-          <a:scrgbClr r="0" g="0" b="0"/>
-        </a:effectRef>
-        <a:fontRef idx="minor">
-          <a:schemeClr val="lt1"/>
-        </a:fontRef>
-      </dsp:style>
-      <dsp:txBody>
-        <a:bodyPr spcFirstLastPara="0" vert="horz" wrap="square" lIns="375918" tIns="60960" rIns="60960" bIns="60960" numCol="1" spcCol="1270" anchor="ctr" anchorCtr="0">
-          <a:noAutofit/>
-        </a:bodyPr>
-        <a:lstStyle/>
-        <a:p>
-          <a:pPr lvl="0" algn="l" defTabSz="1066800">
-            <a:lnSpc>
-              <a:spcPct val="90000"/>
-            </a:lnSpc>
-            <a:spcBef>
-              <a:spcPct val="0"/>
-            </a:spcBef>
-            <a:spcAft>
-              <a:spcPct val="35000"/>
-            </a:spcAft>
-          </a:pPr>
-          <a:r>
-            <a:rPr lang="es-AR" sz="2400" b="0" kern="1200" dirty="0" smtClean="0">
-              <a:effectLst>
-                <a:outerShdw blurRad="38100" dist="38100" dir="2700000" algn="tl">
-                  <a:srgbClr val="000000">
-                    <a:alpha val="43137"/>
-                  </a:srgbClr>
-                </a:outerShdw>
-              </a:effectLst>
-            </a:rPr>
-            <a:t>Velocidad del Equipo</a:t>
-          </a:r>
-          <a:endParaRPr lang="es-ES" sz="2400" b="0" kern="1200" dirty="0">
-            <a:effectLst>
-              <a:outerShdw blurRad="38100" dist="38100" dir="2700000" algn="tl">
-                <a:srgbClr val="000000">
-                  <a:alpha val="43137"/>
-                </a:srgbClr>
-              </a:outerShdw>
-            </a:effectLst>
-          </a:endParaRPr>
-        </a:p>
-      </dsp:txBody>
-      <dsp:txXfrm>
-        <a:off x="751721" y="947193"/>
-        <a:ext cx="8600764" cy="473596"/>
-      </dsp:txXfrm>
-    </dsp:sp>
-    <dsp:sp modelId="{876F9F0B-15C7-4E40-97CF-C02C7289BCAE}">
-      <dsp:nvSpPr>
-        <dsp:cNvPr id="0" name=""/>
-        <dsp:cNvSpPr/>
-      </dsp:nvSpPr>
-      <dsp:spPr>
-        <a:xfrm>
-          <a:off x="455723" y="887994"/>
-          <a:ext cx="591996" cy="591996"/>
-        </a:xfrm>
-        <a:prstGeom prst="ellipse">
-          <a:avLst/>
-        </a:prstGeom>
-        <a:solidFill>
-          <a:schemeClr val="lt1">
-            <a:hueOff val="0"/>
-            <a:satOff val="0"/>
-            <a:lumOff val="0"/>
-            <a:alphaOff val="0"/>
-          </a:schemeClr>
-        </a:solidFill>
-        <a:ln w="15875" cap="rnd" cmpd="sng" algn="ctr">
-          <a:solidFill>
-            <a:schemeClr val="accent1">
-              <a:hueOff val="0"/>
-              <a:satOff val="0"/>
-              <a:lumOff val="0"/>
-              <a:alphaOff val="0"/>
-            </a:schemeClr>
-          </a:solidFill>
-          <a:prstDash val="solid"/>
-        </a:ln>
-        <a:effectLst/>
-      </dsp:spPr>
-      <dsp:style>
-        <a:lnRef idx="2">
-          <a:scrgbClr r="0" g="0" b="0"/>
-        </a:lnRef>
-        <a:fillRef idx="1">
-          <a:scrgbClr r="0" g="0" b="0"/>
-        </a:fillRef>
-        <a:effectRef idx="0">
-          <a:scrgbClr r="0" g="0" b="0"/>
-        </a:effectRef>
-        <a:fontRef idx="minor"/>
-      </dsp:style>
-    </dsp:sp>
-    <dsp:sp modelId="{B1E84231-A085-4FBA-A7F1-0724F2582F6F}">
-      <dsp:nvSpPr>
-        <dsp:cNvPr id="0" name=""/>
-        <dsp:cNvSpPr/>
-      </dsp:nvSpPr>
-      <dsp:spPr>
-        <a:xfrm>
-          <a:off x="929860" y="1657499"/>
-          <a:ext cx="8422625" cy="473596"/>
-        </a:xfrm>
-        <a:prstGeom prst="rect">
-          <a:avLst/>
-        </a:prstGeom>
-        <a:solidFill>
-          <a:schemeClr val="accent1">
-            <a:hueOff val="0"/>
-            <a:satOff val="0"/>
-            <a:lumOff val="0"/>
-            <a:alphaOff val="0"/>
-          </a:schemeClr>
-        </a:solidFill>
-        <a:ln w="15875" cap="rnd" cmpd="sng" algn="ctr">
-          <a:solidFill>
-            <a:schemeClr val="lt1">
-              <a:hueOff val="0"/>
-              <a:satOff val="0"/>
-              <a:lumOff val="0"/>
-              <a:alphaOff val="0"/>
-            </a:schemeClr>
-          </a:solidFill>
-          <a:prstDash val="solid"/>
-        </a:ln>
-        <a:effectLst/>
-      </dsp:spPr>
-      <dsp:style>
-        <a:lnRef idx="2">
-          <a:scrgbClr r="0" g="0" b="0"/>
-        </a:lnRef>
-        <a:fillRef idx="1">
-          <a:scrgbClr r="0" g="0" b="0"/>
-        </a:fillRef>
-        <a:effectRef idx="0">
-          <a:scrgbClr r="0" g="0" b="0"/>
-        </a:effectRef>
-        <a:fontRef idx="minor">
-          <a:schemeClr val="lt1"/>
-        </a:fontRef>
-      </dsp:style>
-      <dsp:txBody>
-        <a:bodyPr spcFirstLastPara="0" vert="horz" wrap="square" lIns="375918" tIns="60960" rIns="60960" bIns="60960" numCol="1" spcCol="1270" anchor="ctr" anchorCtr="0">
-          <a:noAutofit/>
-        </a:bodyPr>
-        <a:lstStyle/>
-        <a:p>
-          <a:pPr lvl="0" algn="l" defTabSz="1066800">
-            <a:lnSpc>
-              <a:spcPct val="90000"/>
-            </a:lnSpc>
-            <a:spcBef>
-              <a:spcPct val="0"/>
-            </a:spcBef>
-            <a:spcAft>
-              <a:spcPct val="35000"/>
-            </a:spcAft>
-          </a:pPr>
-          <a:r>
-            <a:rPr lang="es-AR" sz="2400" b="0" kern="1200" dirty="0" smtClean="0">
-              <a:effectLst>
-                <a:outerShdw blurRad="38100" dist="38100" dir="2700000" algn="tl">
-                  <a:srgbClr val="000000">
-                    <a:alpha val="43137"/>
-                  </a:srgbClr>
-                </a:outerShdw>
-              </a:effectLst>
-            </a:rPr>
-            <a:t>Trabajo Terminado frente a Trabajo Pendiente</a:t>
-          </a:r>
-          <a:endParaRPr lang="es-ES" sz="2400" b="0" kern="1200" dirty="0">
-            <a:effectLst>
-              <a:outerShdw blurRad="38100" dist="38100" dir="2700000" algn="tl">
-                <a:srgbClr val="000000">
-                  <a:alpha val="43137"/>
-                </a:srgbClr>
-              </a:outerShdw>
-            </a:effectLst>
-          </a:endParaRPr>
-        </a:p>
-      </dsp:txBody>
-      <dsp:txXfrm>
-        <a:off x="929860" y="1657499"/>
-        <a:ext cx="8422625" cy="473596"/>
-      </dsp:txXfrm>
-    </dsp:sp>
-    <dsp:sp modelId="{EE92931F-C7E4-4156-83F5-14B75555FB3E}">
-      <dsp:nvSpPr>
-        <dsp:cNvPr id="0" name=""/>
-        <dsp:cNvSpPr/>
-      </dsp:nvSpPr>
-      <dsp:spPr>
-        <a:xfrm>
-          <a:off x="633862" y="1598299"/>
-          <a:ext cx="591996" cy="591996"/>
-        </a:xfrm>
-        <a:prstGeom prst="ellipse">
-          <a:avLst/>
-        </a:prstGeom>
-        <a:solidFill>
-          <a:schemeClr val="lt1">
-            <a:hueOff val="0"/>
-            <a:satOff val="0"/>
-            <a:lumOff val="0"/>
-            <a:alphaOff val="0"/>
-          </a:schemeClr>
-        </a:solidFill>
-        <a:ln w="15875" cap="rnd" cmpd="sng" algn="ctr">
-          <a:solidFill>
-            <a:schemeClr val="accent1">
-              <a:hueOff val="0"/>
-              <a:satOff val="0"/>
-              <a:lumOff val="0"/>
-              <a:alphaOff val="0"/>
-            </a:schemeClr>
-          </a:solidFill>
-          <a:prstDash val="solid"/>
-        </a:ln>
-        <a:effectLst/>
-      </dsp:spPr>
-      <dsp:style>
-        <a:lnRef idx="2">
-          <a:scrgbClr r="0" g="0" b="0"/>
-        </a:lnRef>
-        <a:fillRef idx="1">
-          <a:scrgbClr r="0" g="0" b="0"/>
-        </a:fillRef>
-        <a:effectRef idx="0">
-          <a:scrgbClr r="0" g="0" b="0"/>
-        </a:effectRef>
-        <a:fontRef idx="minor"/>
-      </dsp:style>
-    </dsp:sp>
-    <dsp:sp modelId="{2844CD40-437E-4C4F-A2EE-801021F6711B}">
-      <dsp:nvSpPr>
-        <dsp:cNvPr id="0" name=""/>
-        <dsp:cNvSpPr/>
-      </dsp:nvSpPr>
-      <dsp:spPr>
-        <a:xfrm>
-          <a:off x="929860" y="2367354"/>
-          <a:ext cx="8422625" cy="473596"/>
-        </a:xfrm>
-        <a:prstGeom prst="rect">
-          <a:avLst/>
-        </a:prstGeom>
-        <a:solidFill>
-          <a:schemeClr val="accent1">
-            <a:hueOff val="0"/>
-            <a:satOff val="0"/>
-            <a:lumOff val="0"/>
-            <a:alphaOff val="0"/>
-          </a:schemeClr>
-        </a:solidFill>
-        <a:ln w="15875" cap="rnd" cmpd="sng" algn="ctr">
-          <a:solidFill>
-            <a:schemeClr val="lt1">
-              <a:hueOff val="0"/>
-              <a:satOff val="0"/>
-              <a:lumOff val="0"/>
-              <a:alphaOff val="0"/>
-            </a:schemeClr>
-          </a:solidFill>
-          <a:prstDash val="solid"/>
-        </a:ln>
-        <a:effectLst/>
-      </dsp:spPr>
-      <dsp:style>
-        <a:lnRef idx="2">
-          <a:scrgbClr r="0" g="0" b="0"/>
-        </a:lnRef>
-        <a:fillRef idx="1">
-          <a:scrgbClr r="0" g="0" b="0"/>
-        </a:fillRef>
-        <a:effectRef idx="0">
-          <a:scrgbClr r="0" g="0" b="0"/>
-        </a:effectRef>
-        <a:fontRef idx="minor">
-          <a:schemeClr val="lt1"/>
-        </a:fontRef>
-      </dsp:style>
-      <dsp:txBody>
-        <a:bodyPr spcFirstLastPara="0" vert="horz" wrap="square" lIns="375918" tIns="60960" rIns="60960" bIns="60960" numCol="1" spcCol="1270" anchor="ctr" anchorCtr="0">
-          <a:noAutofit/>
-        </a:bodyPr>
-        <a:lstStyle/>
-        <a:p>
-          <a:pPr lvl="0" algn="l" defTabSz="1066800">
-            <a:lnSpc>
-              <a:spcPct val="90000"/>
-            </a:lnSpc>
-            <a:spcBef>
-              <a:spcPct val="0"/>
-            </a:spcBef>
-            <a:spcAft>
-              <a:spcPct val="35000"/>
-            </a:spcAft>
-          </a:pPr>
-          <a:r>
-            <a:rPr lang="es-ES" sz="2400" b="0" kern="1200" dirty="0" smtClean="0">
-              <a:effectLst>
-                <a:outerShdw blurRad="38100" dist="38100" dir="2700000" algn="tl">
-                  <a:srgbClr val="000000">
-                    <a:alpha val="43137"/>
-                  </a:srgbClr>
-                </a:outerShdw>
-              </a:effectLst>
-            </a:rPr>
-            <a:t>Sprint Burndown Chart</a:t>
-          </a:r>
-          <a:endParaRPr lang="es-ES" sz="2400" b="0" kern="1200" dirty="0">
-            <a:effectLst>
-              <a:outerShdw blurRad="38100" dist="38100" dir="2700000" algn="tl">
-                <a:srgbClr val="000000">
-                  <a:alpha val="43137"/>
-                </a:srgbClr>
-              </a:outerShdw>
-            </a:effectLst>
-          </a:endParaRPr>
-        </a:p>
-      </dsp:txBody>
-      <dsp:txXfrm>
-        <a:off x="929860" y="2367354"/>
-        <a:ext cx="8422625" cy="473596"/>
-      </dsp:txXfrm>
-    </dsp:sp>
-    <dsp:sp modelId="{6B30E3D3-D843-4648-BB87-5E25A0A737E1}">
-      <dsp:nvSpPr>
-        <dsp:cNvPr id="0" name=""/>
-        <dsp:cNvSpPr/>
-      </dsp:nvSpPr>
-      <dsp:spPr>
-        <a:xfrm>
-          <a:off x="633862" y="2308155"/>
-          <a:ext cx="591996" cy="591996"/>
-        </a:xfrm>
-        <a:prstGeom prst="ellipse">
-          <a:avLst/>
-        </a:prstGeom>
-        <a:solidFill>
-          <a:schemeClr val="lt1">
-            <a:hueOff val="0"/>
-            <a:satOff val="0"/>
-            <a:lumOff val="0"/>
-            <a:alphaOff val="0"/>
-          </a:schemeClr>
-        </a:solidFill>
-        <a:ln w="15875" cap="rnd" cmpd="sng" algn="ctr">
-          <a:solidFill>
-            <a:schemeClr val="accent1">
-              <a:hueOff val="0"/>
-              <a:satOff val="0"/>
-              <a:lumOff val="0"/>
-              <a:alphaOff val="0"/>
-            </a:schemeClr>
-          </a:solidFill>
-          <a:prstDash val="solid"/>
-        </a:ln>
-        <a:effectLst/>
-      </dsp:spPr>
-      <dsp:style>
-        <a:lnRef idx="2">
-          <a:scrgbClr r="0" g="0" b="0"/>
-        </a:lnRef>
-        <a:fillRef idx="1">
-          <a:scrgbClr r="0" g="0" b="0"/>
-        </a:fillRef>
-        <a:effectRef idx="0">
-          <a:scrgbClr r="0" g="0" b="0"/>
-        </a:effectRef>
-        <a:fontRef idx="minor"/>
-      </dsp:style>
-    </dsp:sp>
-    <dsp:sp modelId="{E7CE5C3F-775D-45A0-8FC7-59E2443FB5BB}">
-      <dsp:nvSpPr>
-        <dsp:cNvPr id="0" name=""/>
-        <dsp:cNvSpPr/>
-      </dsp:nvSpPr>
-      <dsp:spPr>
-        <a:xfrm>
-          <a:off x="751721" y="3077660"/>
-          <a:ext cx="8600764" cy="473596"/>
-        </a:xfrm>
-        <a:prstGeom prst="rect">
-          <a:avLst/>
-        </a:prstGeom>
-        <a:solidFill>
-          <a:schemeClr val="accent1">
-            <a:hueOff val="0"/>
-            <a:satOff val="0"/>
-            <a:lumOff val="0"/>
-            <a:alphaOff val="0"/>
-          </a:schemeClr>
-        </a:solidFill>
-        <a:ln w="15875" cap="rnd" cmpd="sng" algn="ctr">
-          <a:solidFill>
-            <a:schemeClr val="lt1">
-              <a:hueOff val="0"/>
-              <a:satOff val="0"/>
-              <a:lumOff val="0"/>
-              <a:alphaOff val="0"/>
-            </a:schemeClr>
-          </a:solidFill>
-          <a:prstDash val="solid"/>
-        </a:ln>
-        <a:effectLst/>
-      </dsp:spPr>
-      <dsp:style>
-        <a:lnRef idx="2">
-          <a:scrgbClr r="0" g="0" b="0"/>
-        </a:lnRef>
-        <a:fillRef idx="1">
-          <a:scrgbClr r="0" g="0" b="0"/>
-        </a:fillRef>
-        <a:effectRef idx="0">
-          <a:scrgbClr r="0" g="0" b="0"/>
-        </a:effectRef>
-        <a:fontRef idx="minor">
-          <a:schemeClr val="lt1"/>
-        </a:fontRef>
-      </dsp:style>
-      <dsp:txBody>
-        <a:bodyPr spcFirstLastPara="0" vert="horz" wrap="square" lIns="375918" tIns="60960" rIns="60960" bIns="60960" numCol="1" spcCol="1270" anchor="ctr" anchorCtr="0">
-          <a:noAutofit/>
-        </a:bodyPr>
-        <a:lstStyle/>
-        <a:p>
-          <a:pPr lvl="0" algn="l" defTabSz="1066800">
-            <a:lnSpc>
-              <a:spcPct val="90000"/>
-            </a:lnSpc>
-            <a:spcBef>
-              <a:spcPct val="0"/>
-            </a:spcBef>
-            <a:spcAft>
-              <a:spcPct val="35000"/>
-            </a:spcAft>
-          </a:pPr>
-          <a:r>
-            <a:rPr lang="es-ES" sz="2400" kern="1200" dirty="0" smtClean="0">
-              <a:effectLst>
-                <a:outerShdw blurRad="38100" dist="38100" dir="2700000" algn="tl">
-                  <a:srgbClr val="000000">
-                    <a:alpha val="43137"/>
-                  </a:srgbClr>
-                </a:outerShdw>
-              </a:effectLst>
-            </a:rPr>
-            <a:t>Cantidad de Casos de Prueba Funcionales por Sprint</a:t>
-          </a:r>
-          <a:endParaRPr lang="es-ES" sz="2400" kern="1200" dirty="0">
-            <a:effectLst>
-              <a:outerShdw blurRad="38100" dist="38100" dir="2700000" algn="tl">
-                <a:srgbClr val="000000">
-                  <a:alpha val="43137"/>
-                </a:srgbClr>
-              </a:outerShdw>
-            </a:effectLst>
-          </a:endParaRPr>
-        </a:p>
-      </dsp:txBody>
-      <dsp:txXfrm>
-        <a:off x="751721" y="3077660"/>
-        <a:ext cx="8600764" cy="473596"/>
-      </dsp:txXfrm>
-    </dsp:sp>
-    <dsp:sp modelId="{446A4C80-062F-4940-8BD0-856D40367E6A}">
-      <dsp:nvSpPr>
-        <dsp:cNvPr id="0" name=""/>
-        <dsp:cNvSpPr/>
-      </dsp:nvSpPr>
-      <dsp:spPr>
-        <a:xfrm>
-          <a:off x="455723" y="3018460"/>
-          <a:ext cx="591996" cy="591996"/>
-        </a:xfrm>
-        <a:prstGeom prst="ellipse">
-          <a:avLst/>
-        </a:prstGeom>
-        <a:solidFill>
-          <a:schemeClr val="lt1">
-            <a:hueOff val="0"/>
-            <a:satOff val="0"/>
-            <a:lumOff val="0"/>
-            <a:alphaOff val="0"/>
-          </a:schemeClr>
-        </a:solidFill>
-        <a:ln w="15875" cap="rnd" cmpd="sng" algn="ctr">
-          <a:solidFill>
-            <a:schemeClr val="accent1">
-              <a:hueOff val="0"/>
-              <a:satOff val="0"/>
-              <a:lumOff val="0"/>
-              <a:alphaOff val="0"/>
-            </a:schemeClr>
-          </a:solidFill>
-          <a:prstDash val="solid"/>
-        </a:ln>
-        <a:effectLst/>
-      </dsp:spPr>
-      <dsp:style>
-        <a:lnRef idx="2">
-          <a:scrgbClr r="0" g="0" b="0"/>
-        </a:lnRef>
-        <a:fillRef idx="1">
-          <a:scrgbClr r="0" g="0" b="0"/>
-        </a:fillRef>
-        <a:effectRef idx="0">
-          <a:scrgbClr r="0" g="0" b="0"/>
-        </a:effectRef>
-        <a:fontRef idx="minor"/>
-      </dsp:style>
-    </dsp:sp>
-    <dsp:sp modelId="{A6715B7B-E69E-49A7-BBDE-A964109AD82E}">
-      <dsp:nvSpPr>
-        <dsp:cNvPr id="0" name=""/>
-        <dsp:cNvSpPr/>
-      </dsp:nvSpPr>
-      <dsp:spPr>
-        <a:xfrm>
-          <a:off x="362155" y="3787965"/>
-          <a:ext cx="8990330" cy="473596"/>
-        </a:xfrm>
-        <a:prstGeom prst="rect">
-          <a:avLst/>
-        </a:prstGeom>
-        <a:solidFill>
-          <a:schemeClr val="accent1">
-            <a:hueOff val="0"/>
-            <a:satOff val="0"/>
-            <a:lumOff val="0"/>
-            <a:alphaOff val="0"/>
-          </a:schemeClr>
-        </a:solidFill>
-        <a:ln w="15875" cap="rnd" cmpd="sng" algn="ctr">
-          <a:solidFill>
-            <a:schemeClr val="lt1">
-              <a:hueOff val="0"/>
-              <a:satOff val="0"/>
-              <a:lumOff val="0"/>
-              <a:alphaOff val="0"/>
-            </a:schemeClr>
-          </a:solidFill>
-          <a:prstDash val="solid"/>
-        </a:ln>
-        <a:effectLst/>
-      </dsp:spPr>
-      <dsp:style>
-        <a:lnRef idx="2">
-          <a:scrgbClr r="0" g="0" b="0"/>
-        </a:lnRef>
-        <a:fillRef idx="1">
-          <a:scrgbClr r="0" g="0" b="0"/>
-        </a:fillRef>
-        <a:effectRef idx="0">
-          <a:scrgbClr r="0" g="0" b="0"/>
-        </a:effectRef>
-        <a:fontRef idx="minor">
-          <a:schemeClr val="lt1"/>
-        </a:fontRef>
-      </dsp:style>
-      <dsp:txBody>
-        <a:bodyPr spcFirstLastPara="0" vert="horz" wrap="square" lIns="375918" tIns="60960" rIns="60960" bIns="60960" numCol="1" spcCol="1270" anchor="ctr" anchorCtr="0">
-          <a:noAutofit/>
-        </a:bodyPr>
-        <a:lstStyle/>
-        <a:p>
-          <a:pPr lvl="0" algn="l" defTabSz="1066800">
-            <a:lnSpc>
-              <a:spcPct val="90000"/>
-            </a:lnSpc>
-            <a:spcBef>
-              <a:spcPct val="0"/>
-            </a:spcBef>
-            <a:spcAft>
-              <a:spcPct val="35000"/>
-            </a:spcAft>
-          </a:pPr>
-          <a:r>
-            <a:rPr lang="es-AR" sz="2400" b="0" kern="1200" dirty="0" smtClean="0">
-              <a:effectLst>
-                <a:outerShdw blurRad="38100" dist="38100" dir="2700000" algn="tl">
-                  <a:srgbClr val="000000">
-                    <a:alpha val="43137"/>
-                  </a:srgbClr>
-                </a:outerShdw>
-              </a:effectLst>
-            </a:rPr>
-            <a:t>Bugs Encontrados y Corregidos por Sprint</a:t>
-          </a:r>
-          <a:endParaRPr lang="es-ES" sz="2400" b="0" kern="1200" dirty="0">
-            <a:effectLst>
-              <a:outerShdw blurRad="38100" dist="38100" dir="2700000" algn="tl">
-                <a:srgbClr val="000000">
-                  <a:alpha val="43137"/>
-                </a:srgbClr>
-              </a:outerShdw>
-            </a:effectLst>
-          </a:endParaRPr>
-        </a:p>
-      </dsp:txBody>
-      <dsp:txXfrm>
-        <a:off x="362155" y="3787965"/>
-        <a:ext cx="8990330" cy="473596"/>
-      </dsp:txXfrm>
-    </dsp:sp>
-    <dsp:sp modelId="{8E282AFB-6A8E-47D2-B20A-27C073285195}">
-      <dsp:nvSpPr>
-        <dsp:cNvPr id="0" name=""/>
-        <dsp:cNvSpPr/>
-      </dsp:nvSpPr>
-      <dsp:spPr>
-        <a:xfrm>
-          <a:off x="66157" y="3728766"/>
-          <a:ext cx="591996" cy="591996"/>
-        </a:xfrm>
-        <a:prstGeom prst="ellipse">
-          <a:avLst/>
-        </a:prstGeom>
-        <a:solidFill>
-          <a:schemeClr val="lt1">
-            <a:hueOff val="0"/>
-            <a:satOff val="0"/>
-            <a:lumOff val="0"/>
-            <a:alphaOff val="0"/>
-          </a:schemeClr>
-        </a:solidFill>
-        <a:ln w="15875" cap="rnd" cmpd="sng" algn="ctr">
-          <a:solidFill>
-            <a:schemeClr val="accent1">
-              <a:hueOff val="0"/>
-              <a:satOff val="0"/>
-              <a:lumOff val="0"/>
-              <a:alphaOff val="0"/>
-            </a:schemeClr>
-          </a:solidFill>
-          <a:prstDash val="solid"/>
-        </a:ln>
-        <a:effectLst/>
-      </dsp:spPr>
-      <dsp:style>
-        <a:lnRef idx="2">
-          <a:scrgbClr r="0" g="0" b="0"/>
-        </a:lnRef>
-        <a:fillRef idx="1">
-          <a:scrgbClr r="0" g="0" b="0"/>
-        </a:fillRef>
-        <a:effectRef idx="0">
-          <a:scrgbClr r="0" g="0" b="0"/>
-        </a:effectRef>
-        <a:fontRef idx="minor"/>
-      </dsp:style>
-    </dsp:sp>
   </dsp:spTree>
 </dsp:drawing>
 </file>
@@ -23504,7 +21084,7 @@
           <a:effectLst/>
           <a:extLst>
             <a:ext uri="{91240B29-F687-4f45-9708-019B960494DF}">
-              <a14:hiddenLine xmlns:a14="http://schemas.microsoft.com/office/drawing/2010/main" xmlns="" w="9525">
+              <a14:hiddenLine xmlns="" xmlns:a14="http://schemas.microsoft.com/office/drawing/2010/main" w="9525">
                 <a:solidFill>
                   <a:srgbClr val="000000"/>
                 </a:solidFill>
@@ -25026,7 +22606,7 @@
           <a:ln/>
           <a:extLst>
             <a:ext uri="{91240B29-F687-4f45-9708-019B960494DF}">
-              <a14:hiddenLine xmlns:a14="http://schemas.microsoft.com/office/drawing/2010/main" xmlns="" w="9525">
+              <a14:hiddenLine xmlns="" xmlns:a14="http://schemas.microsoft.com/office/drawing/2010/main" w="9525">
                 <a:solidFill>
                   <a:srgbClr val="000000"/>
                 </a:solidFill>
@@ -25301,7 +22881,7 @@
           <a:ln/>
           <a:extLst>
             <a:ext uri="{91240B29-F687-4f45-9708-019B960494DF}">
-              <a14:hiddenLine xmlns:a14="http://schemas.microsoft.com/office/drawing/2010/main" xmlns="" w="9525">
+              <a14:hiddenLine xmlns="" xmlns:a14="http://schemas.microsoft.com/office/drawing/2010/main" w="9525">
                 <a:solidFill>
                   <a:srgbClr val="000000"/>
                 </a:solidFill>
@@ -25584,7 +23164,7 @@
           <a:ln/>
           <a:extLst>
             <a:ext uri="{91240B29-F687-4f45-9708-019B960494DF}">
-              <a14:hiddenLine xmlns:a14="http://schemas.microsoft.com/office/drawing/2010/main" xmlns="" w="9525">
+              <a14:hiddenLine xmlns="" xmlns:a14="http://schemas.microsoft.com/office/drawing/2010/main" w="9525">
                 <a:solidFill>
                   <a:srgbClr val="000000"/>
                 </a:solidFill>
@@ -26217,7 +23797,7 @@
           <a:ln/>
           <a:extLst>
             <a:ext uri="{91240B29-F687-4f45-9708-019B960494DF}">
-              <a14:hiddenLine xmlns:a14="http://schemas.microsoft.com/office/drawing/2010/main" xmlns="" w="9525">
+              <a14:hiddenLine xmlns="" xmlns:a14="http://schemas.microsoft.com/office/drawing/2010/main" w="9525">
                 <a:solidFill>
                   <a:srgbClr val="000000"/>
                 </a:solidFill>
@@ -26556,7 +24136,7 @@
           <a:ln/>
           <a:extLst>
             <a:ext uri="{91240B29-F687-4f45-9708-019B960494DF}">
-              <a14:hiddenLine xmlns:a14="http://schemas.microsoft.com/office/drawing/2010/main" xmlns="" w="9525">
+              <a14:hiddenLine xmlns="" xmlns:a14="http://schemas.microsoft.com/office/drawing/2010/main" w="9525">
                 <a:solidFill>
                   <a:srgbClr val="000000"/>
                 </a:solidFill>
@@ -27033,7 +24613,7 @@
           <a:ln/>
           <a:extLst>
             <a:ext uri="{91240B29-F687-4f45-9708-019B960494DF}">
-              <a14:hiddenLine xmlns:a14="http://schemas.microsoft.com/office/drawing/2010/main" xmlns="" w="9525">
+              <a14:hiddenLine xmlns="" xmlns:a14="http://schemas.microsoft.com/office/drawing/2010/main" w="9525">
                 <a:solidFill>
                   <a:srgbClr val="000000"/>
                 </a:solidFill>
@@ -27462,7 +25042,7 @@
           <a:ln/>
           <a:extLst>
             <a:ext uri="{91240B29-F687-4f45-9708-019B960494DF}">
-              <a14:hiddenLine xmlns:a14="http://schemas.microsoft.com/office/drawing/2010/main" xmlns="" w="9525">
+              <a14:hiddenLine xmlns="" xmlns:a14="http://schemas.microsoft.com/office/drawing/2010/main" w="9525">
                 <a:solidFill>
                   <a:srgbClr val="000000"/>
                 </a:solidFill>
@@ -28724,11 +26304,7 @@
           <a:p>
             <a:r>
               <a:rPr lang="es-AR" sz="4800" dirty="0" smtClean="0"/>
-              <a:t>Sistema de Gestión de Campeonatos de </a:t>
-            </a:r>
-            <a:r>
-              <a:rPr lang="es-AR" sz="4800" dirty="0" smtClean="0"/>
-              <a:t>Fútbol</a:t>
+              <a:t>Sistema de Gestión de Campeonatos de Fútbol</a:t>
             </a:r>
             <a:endParaRPr lang="es-AR" sz="4800" dirty="0"/>
           </a:p>
@@ -30007,11 +27583,7 @@
           <a:p>
             <a:r>
               <a:rPr lang="es-AR" dirty="0" smtClean="0"/>
-              <a:t>Métricas e Indicadores de </a:t>
-            </a:r>
-            <a:r>
-              <a:rPr lang="es-AR" dirty="0" smtClean="0"/>
-              <a:t>Producto</a:t>
+              <a:t>Métricas e Indicadores de Producto</a:t>
             </a:r>
             <a:endParaRPr lang="es-AR" dirty="0"/>
           </a:p>
@@ -30347,11 +27919,7 @@
           <a:p>
             <a:r>
               <a:rPr lang="es-AR" dirty="0" smtClean="0"/>
-              <a:t>Métricas e Indicadores de </a:t>
-            </a:r>
-            <a:r>
-              <a:rPr lang="es-AR" dirty="0" smtClean="0"/>
-              <a:t>Producto</a:t>
+              <a:t>Métricas e Indicadores de Producto</a:t>
             </a:r>
             <a:endParaRPr lang="es-AR" dirty="0"/>
           </a:p>
@@ -37656,7 +35224,7 @@
           <p:nvPr>
             <p:extLst>
               <p:ext uri="{D42A27DB-BD31-4B8C-83A1-F6EECF244321}">
-                <p14:modId xmlns:p14="http://schemas.microsoft.com/office/powerpoint/2010/main" val="2698174108"/>
+                <p14:modId xmlns:p14="http://schemas.microsoft.com/office/powerpoint/2010/main" val="3672896094"/>
               </p:ext>
             </p:extLst>
           </p:nvPr>
@@ -42370,11 +39938,7 @@
           <a:p>
             <a:r>
               <a:rPr lang="es-AR" sz="3600" dirty="0" smtClean="0"/>
-              <a:t>Documentación e </a:t>
-            </a:r>
-            <a:r>
-              <a:rPr lang="es-AR" sz="3600" dirty="0" smtClean="0"/>
-              <a:t>Investigación</a:t>
+              <a:t>Documentación e Investigación</a:t>
             </a:r>
             <a:endParaRPr lang="es-AR" sz="3600" dirty="0"/>
           </a:p>
@@ -46048,11 +43612,7 @@
           <a:p>
             <a:r>
               <a:rPr lang="es-AR" sz="3500" dirty="0" smtClean="0"/>
-              <a:t>Métricas e Indicadores de </a:t>
-            </a:r>
-            <a:r>
-              <a:rPr lang="es-AR" sz="3500" dirty="0" smtClean="0"/>
-              <a:t>Proyecto y Producto</a:t>
+              <a:t>Métricas e Indicadores de Proyecto y Producto</a:t>
             </a:r>
             <a:endParaRPr lang="es-AR" sz="3500" dirty="0"/>
           </a:p>

--- a/trunk/Documentacion/Presentación Grado de Avances/Presentación Proyecto - Grado de Avances.pptx
+++ b/trunk/Documentacion/Presentación Grado de Avances/Presentación Proyecto - Grado de Avances.pptx
@@ -5,7 +5,7 @@
     <p:sldMasterId id="2147483648" r:id="rId1"/>
   </p:sldMasterIdLst>
   <p:notesMasterIdLst>
-    <p:notesMasterId r:id="rId22"/>
+    <p:notesMasterId r:id="rId21"/>
   </p:notesMasterIdLst>
   <p:sldIdLst>
     <p:sldId id="259" r:id="rId2"/>
@@ -14,20 +14,19 @@
     <p:sldId id="267" r:id="rId5"/>
     <p:sldId id="281" r:id="rId6"/>
     <p:sldId id="283" r:id="rId7"/>
-    <p:sldId id="275" r:id="rId8"/>
-    <p:sldId id="284" r:id="rId9"/>
-    <p:sldId id="285" r:id="rId10"/>
-    <p:sldId id="286" r:id="rId11"/>
-    <p:sldId id="287" r:id="rId12"/>
-    <p:sldId id="288" r:id="rId13"/>
-    <p:sldId id="289" r:id="rId14"/>
-    <p:sldId id="290" r:id="rId15"/>
-    <p:sldId id="291" r:id="rId16"/>
-    <p:sldId id="292" r:id="rId17"/>
-    <p:sldId id="296" r:id="rId18"/>
-    <p:sldId id="293" r:id="rId19"/>
-    <p:sldId id="282" r:id="rId20"/>
-    <p:sldId id="274" r:id="rId21"/>
+    <p:sldId id="284" r:id="rId8"/>
+    <p:sldId id="285" r:id="rId9"/>
+    <p:sldId id="286" r:id="rId10"/>
+    <p:sldId id="287" r:id="rId11"/>
+    <p:sldId id="288" r:id="rId12"/>
+    <p:sldId id="289" r:id="rId13"/>
+    <p:sldId id="290" r:id="rId14"/>
+    <p:sldId id="291" r:id="rId15"/>
+    <p:sldId id="292" r:id="rId16"/>
+    <p:sldId id="296" r:id="rId17"/>
+    <p:sldId id="293" r:id="rId18"/>
+    <p:sldId id="282" r:id="rId19"/>
+    <p:sldId id="274" r:id="rId20"/>
   </p:sldIdLst>
   <p:sldSz cx="12192000" cy="6858000"/>
   <p:notesSz cx="6858000" cy="9144000"/>
@@ -1652,753 +1651,6 @@
 </file>
 
 <file path=ppt/diagrams/colors3.xml><?xml version="1.0" encoding="utf-8"?>
-<dgm:colorsDef xmlns:dgm="http://schemas.openxmlformats.org/drawingml/2006/diagram" xmlns:a="http://schemas.openxmlformats.org/drawingml/2006/main" uniqueId="urn:microsoft.com/office/officeart/2005/8/colors/accent1_2">
-  <dgm:title val=""/>
-  <dgm:desc val=""/>
-  <dgm:catLst>
-    <dgm:cat type="accent1" pri="11200"/>
-  </dgm:catLst>
-  <dgm:styleLbl name="node0">
-    <dgm:fillClrLst meth="repeat">
-      <a:schemeClr val="accent1"/>
-    </dgm:fillClrLst>
-    <dgm:linClrLst meth="repeat">
-      <a:schemeClr val="lt1"/>
-    </dgm:linClrLst>
-    <dgm:effectClrLst/>
-    <dgm:txLinClrLst/>
-    <dgm:txFillClrLst/>
-    <dgm:txEffectClrLst/>
-  </dgm:styleLbl>
-  <dgm:styleLbl name="alignNode1">
-    <dgm:fillClrLst meth="repeat">
-      <a:schemeClr val="accent1"/>
-    </dgm:fillClrLst>
-    <dgm:linClrLst meth="repeat">
-      <a:schemeClr val="accent1"/>
-    </dgm:linClrLst>
-    <dgm:effectClrLst/>
-    <dgm:txLinClrLst/>
-    <dgm:txFillClrLst/>
-    <dgm:txEffectClrLst/>
-  </dgm:styleLbl>
-  <dgm:styleLbl name="node1">
-    <dgm:fillClrLst meth="repeat">
-      <a:schemeClr val="accent1"/>
-    </dgm:fillClrLst>
-    <dgm:linClrLst meth="repeat">
-      <a:schemeClr val="lt1"/>
-    </dgm:linClrLst>
-    <dgm:effectClrLst/>
-    <dgm:txLinClrLst/>
-    <dgm:txFillClrLst/>
-    <dgm:txEffectClrLst/>
-  </dgm:styleLbl>
-  <dgm:styleLbl name="lnNode1">
-    <dgm:fillClrLst meth="repeat">
-      <a:schemeClr val="accent1"/>
-    </dgm:fillClrLst>
-    <dgm:linClrLst meth="repeat">
-      <a:schemeClr val="lt1"/>
-    </dgm:linClrLst>
-    <dgm:effectClrLst/>
-    <dgm:txLinClrLst/>
-    <dgm:txFillClrLst/>
-    <dgm:txEffectClrLst/>
-  </dgm:styleLbl>
-  <dgm:styleLbl name="vennNode1">
-    <dgm:fillClrLst meth="repeat">
-      <a:schemeClr val="accent1">
-        <a:alpha val="50000"/>
-      </a:schemeClr>
-    </dgm:fillClrLst>
-    <dgm:linClrLst meth="repeat">
-      <a:schemeClr val="lt1"/>
-    </dgm:linClrLst>
-    <dgm:effectClrLst/>
-    <dgm:txLinClrLst/>
-    <dgm:txFillClrLst/>
-    <dgm:txEffectClrLst/>
-  </dgm:styleLbl>
-  <dgm:styleLbl name="node2">
-    <dgm:fillClrLst meth="repeat">
-      <a:schemeClr val="accent1"/>
-    </dgm:fillClrLst>
-    <dgm:linClrLst meth="repeat">
-      <a:schemeClr val="lt1"/>
-    </dgm:linClrLst>
-    <dgm:effectClrLst/>
-    <dgm:txLinClrLst/>
-    <dgm:txFillClrLst/>
-    <dgm:txEffectClrLst/>
-  </dgm:styleLbl>
-  <dgm:styleLbl name="node3">
-    <dgm:fillClrLst meth="repeat">
-      <a:schemeClr val="accent1"/>
-    </dgm:fillClrLst>
-    <dgm:linClrLst meth="repeat">
-      <a:schemeClr val="lt1"/>
-    </dgm:linClrLst>
-    <dgm:effectClrLst/>
-    <dgm:txLinClrLst/>
-    <dgm:txFillClrLst/>
-    <dgm:txEffectClrLst/>
-  </dgm:styleLbl>
-  <dgm:styleLbl name="node4">
-    <dgm:fillClrLst meth="repeat">
-      <a:schemeClr val="accent1"/>
-    </dgm:fillClrLst>
-    <dgm:linClrLst meth="repeat">
-      <a:schemeClr val="lt1"/>
-    </dgm:linClrLst>
-    <dgm:effectClrLst/>
-    <dgm:txLinClrLst/>
-    <dgm:txFillClrLst/>
-    <dgm:txEffectClrLst/>
-  </dgm:styleLbl>
-  <dgm:styleLbl name="fgImgPlace1">
-    <dgm:fillClrLst meth="repeat">
-      <a:schemeClr val="accent1">
-        <a:tint val="50000"/>
-      </a:schemeClr>
-    </dgm:fillClrLst>
-    <dgm:linClrLst meth="repeat">
-      <a:schemeClr val="lt1"/>
-    </dgm:linClrLst>
-    <dgm:effectClrLst/>
-    <dgm:txLinClrLst/>
-    <dgm:txFillClrLst meth="repeat">
-      <a:schemeClr val="lt1"/>
-    </dgm:txFillClrLst>
-    <dgm:txEffectClrLst/>
-  </dgm:styleLbl>
-  <dgm:styleLbl name="alignImgPlace1">
-    <dgm:fillClrLst meth="repeat">
-      <a:schemeClr val="accent1">
-        <a:tint val="50000"/>
-      </a:schemeClr>
-    </dgm:fillClrLst>
-    <dgm:linClrLst meth="repeat">
-      <a:schemeClr val="lt1"/>
-    </dgm:linClrLst>
-    <dgm:effectClrLst/>
-    <dgm:txLinClrLst/>
-    <dgm:txFillClrLst meth="repeat">
-      <a:schemeClr val="lt1"/>
-    </dgm:txFillClrLst>
-    <dgm:txEffectClrLst/>
-  </dgm:styleLbl>
-  <dgm:styleLbl name="bgImgPlace1">
-    <dgm:fillClrLst meth="repeat">
-      <a:schemeClr val="accent1">
-        <a:tint val="50000"/>
-      </a:schemeClr>
-    </dgm:fillClrLst>
-    <dgm:linClrLst meth="repeat">
-      <a:schemeClr val="lt1"/>
-    </dgm:linClrLst>
-    <dgm:effectClrLst/>
-    <dgm:txLinClrLst/>
-    <dgm:txFillClrLst meth="repeat">
-      <a:schemeClr val="lt1"/>
-    </dgm:txFillClrLst>
-    <dgm:txEffectClrLst/>
-  </dgm:styleLbl>
-  <dgm:styleLbl name="sibTrans2D1">
-    <dgm:fillClrLst meth="repeat">
-      <a:schemeClr val="accent1">
-        <a:tint val="60000"/>
-      </a:schemeClr>
-    </dgm:fillClrLst>
-    <dgm:linClrLst meth="repeat">
-      <a:schemeClr val="accent1">
-        <a:tint val="60000"/>
-      </a:schemeClr>
-    </dgm:linClrLst>
-    <dgm:effectClrLst/>
-    <dgm:txLinClrLst/>
-    <dgm:txFillClrLst/>
-    <dgm:txEffectClrLst/>
-  </dgm:styleLbl>
-  <dgm:styleLbl name="fgSibTrans2D1">
-    <dgm:fillClrLst meth="repeat">
-      <a:schemeClr val="accent1">
-        <a:tint val="60000"/>
-      </a:schemeClr>
-    </dgm:fillClrLst>
-    <dgm:linClrLst meth="repeat">
-      <a:schemeClr val="accent1">
-        <a:tint val="60000"/>
-      </a:schemeClr>
-    </dgm:linClrLst>
-    <dgm:effectClrLst/>
-    <dgm:txLinClrLst/>
-    <dgm:txFillClrLst/>
-    <dgm:txEffectClrLst/>
-  </dgm:styleLbl>
-  <dgm:styleLbl name="bgSibTrans2D1">
-    <dgm:fillClrLst meth="repeat">
-      <a:schemeClr val="accent1">
-        <a:tint val="60000"/>
-      </a:schemeClr>
-    </dgm:fillClrLst>
-    <dgm:linClrLst meth="repeat">
-      <a:schemeClr val="accent1">
-        <a:tint val="60000"/>
-      </a:schemeClr>
-    </dgm:linClrLst>
-    <dgm:effectClrLst/>
-    <dgm:txLinClrLst/>
-    <dgm:txFillClrLst/>
-    <dgm:txEffectClrLst/>
-  </dgm:styleLbl>
-  <dgm:styleLbl name="sibTrans1D1">
-    <dgm:fillClrLst meth="repeat">
-      <a:schemeClr val="accent1"/>
-    </dgm:fillClrLst>
-    <dgm:linClrLst meth="repeat">
-      <a:schemeClr val="accent1"/>
-    </dgm:linClrLst>
-    <dgm:effectClrLst/>
-    <dgm:txLinClrLst/>
-    <dgm:txFillClrLst meth="repeat">
-      <a:schemeClr val="tx1"/>
-    </dgm:txFillClrLst>
-    <dgm:txEffectClrLst/>
-  </dgm:styleLbl>
-  <dgm:styleLbl name="callout">
-    <dgm:fillClrLst meth="repeat">
-      <a:schemeClr val="accent1"/>
-    </dgm:fillClrLst>
-    <dgm:linClrLst meth="repeat">
-      <a:schemeClr val="accent1">
-        <a:tint val="50000"/>
-      </a:schemeClr>
-    </dgm:linClrLst>
-    <dgm:effectClrLst/>
-    <dgm:txLinClrLst/>
-    <dgm:txFillClrLst meth="repeat">
-      <a:schemeClr val="tx1"/>
-    </dgm:txFillClrLst>
-    <dgm:txEffectClrLst/>
-  </dgm:styleLbl>
-  <dgm:styleLbl name="asst0">
-    <dgm:fillClrLst meth="repeat">
-      <a:schemeClr val="accent1"/>
-    </dgm:fillClrLst>
-    <dgm:linClrLst meth="repeat">
-      <a:schemeClr val="lt1"/>
-    </dgm:linClrLst>
-    <dgm:effectClrLst/>
-    <dgm:txLinClrLst/>
-    <dgm:txFillClrLst/>
-    <dgm:txEffectClrLst/>
-  </dgm:styleLbl>
-  <dgm:styleLbl name="asst1">
-    <dgm:fillClrLst meth="repeat">
-      <a:schemeClr val="accent1"/>
-    </dgm:fillClrLst>
-    <dgm:linClrLst meth="repeat">
-      <a:schemeClr val="lt1"/>
-    </dgm:linClrLst>
-    <dgm:effectClrLst/>
-    <dgm:txLinClrLst/>
-    <dgm:txFillClrLst/>
-    <dgm:txEffectClrLst/>
-  </dgm:styleLbl>
-  <dgm:styleLbl name="asst2">
-    <dgm:fillClrLst meth="repeat">
-      <a:schemeClr val="accent1"/>
-    </dgm:fillClrLst>
-    <dgm:linClrLst meth="repeat">
-      <a:schemeClr val="lt1"/>
-    </dgm:linClrLst>
-    <dgm:effectClrLst/>
-    <dgm:txLinClrLst/>
-    <dgm:txFillClrLst/>
-    <dgm:txEffectClrLst/>
-  </dgm:styleLbl>
-  <dgm:styleLbl name="asst3">
-    <dgm:fillClrLst meth="repeat">
-      <a:schemeClr val="accent1"/>
-    </dgm:fillClrLst>
-    <dgm:linClrLst meth="repeat">
-      <a:schemeClr val="lt1"/>
-    </dgm:linClrLst>
-    <dgm:effectClrLst/>
-    <dgm:txLinClrLst/>
-    <dgm:txFillClrLst/>
-    <dgm:txEffectClrLst/>
-  </dgm:styleLbl>
-  <dgm:styleLbl name="asst4">
-    <dgm:fillClrLst meth="repeat">
-      <a:schemeClr val="accent1"/>
-    </dgm:fillClrLst>
-    <dgm:linClrLst meth="repeat">
-      <a:schemeClr val="lt1"/>
-    </dgm:linClrLst>
-    <dgm:effectClrLst/>
-    <dgm:txLinClrLst/>
-    <dgm:txFillClrLst/>
-    <dgm:txEffectClrLst/>
-  </dgm:styleLbl>
-  <dgm:styleLbl name="parChTrans2D1">
-    <dgm:fillClrLst meth="repeat">
-      <a:schemeClr val="accent1">
-        <a:tint val="60000"/>
-      </a:schemeClr>
-    </dgm:fillClrLst>
-    <dgm:linClrLst meth="repeat">
-      <a:schemeClr val="accent1">
-        <a:tint val="60000"/>
-      </a:schemeClr>
-    </dgm:linClrLst>
-    <dgm:effectClrLst/>
-    <dgm:txLinClrLst/>
-    <dgm:txFillClrLst meth="repeat">
-      <a:schemeClr val="lt1"/>
-    </dgm:txFillClrLst>
-    <dgm:txEffectClrLst/>
-  </dgm:styleLbl>
-  <dgm:styleLbl name="parChTrans2D2">
-    <dgm:fillClrLst meth="repeat">
-      <a:schemeClr val="accent1"/>
-    </dgm:fillClrLst>
-    <dgm:linClrLst meth="repeat">
-      <a:schemeClr val="accent1"/>
-    </dgm:linClrLst>
-    <dgm:effectClrLst/>
-    <dgm:txLinClrLst/>
-    <dgm:txFillClrLst meth="repeat">
-      <a:schemeClr val="lt1"/>
-    </dgm:txFillClrLst>
-    <dgm:txEffectClrLst/>
-  </dgm:styleLbl>
-  <dgm:styleLbl name="parChTrans2D3">
-    <dgm:fillClrLst meth="repeat">
-      <a:schemeClr val="accent1"/>
-    </dgm:fillClrLst>
-    <dgm:linClrLst meth="repeat">
-      <a:schemeClr val="accent1"/>
-    </dgm:linClrLst>
-    <dgm:effectClrLst/>
-    <dgm:txLinClrLst/>
-    <dgm:txFillClrLst meth="repeat">
-      <a:schemeClr val="lt1"/>
-    </dgm:txFillClrLst>
-    <dgm:txEffectClrLst/>
-  </dgm:styleLbl>
-  <dgm:styleLbl name="parChTrans2D4">
-    <dgm:fillClrLst meth="repeat">
-      <a:schemeClr val="accent1"/>
-    </dgm:fillClrLst>
-    <dgm:linClrLst meth="repeat">
-      <a:schemeClr val="accent1"/>
-    </dgm:linClrLst>
-    <dgm:effectClrLst/>
-    <dgm:txLinClrLst/>
-    <dgm:txFillClrLst meth="repeat">
-      <a:schemeClr val="lt1"/>
-    </dgm:txFillClrLst>
-    <dgm:txEffectClrLst/>
-  </dgm:styleLbl>
-  <dgm:styleLbl name="parChTrans1D1">
-    <dgm:fillClrLst meth="repeat">
-      <a:schemeClr val="accent1"/>
-    </dgm:fillClrLst>
-    <dgm:linClrLst meth="repeat">
-      <a:schemeClr val="accent1">
-        <a:shade val="60000"/>
-      </a:schemeClr>
-    </dgm:linClrLst>
-    <dgm:effectClrLst/>
-    <dgm:txLinClrLst/>
-    <dgm:txFillClrLst meth="repeat">
-      <a:schemeClr val="tx1"/>
-    </dgm:txFillClrLst>
-    <dgm:txEffectClrLst/>
-  </dgm:styleLbl>
-  <dgm:styleLbl name="parChTrans1D2">
-    <dgm:fillClrLst meth="repeat">
-      <a:schemeClr val="accent1"/>
-    </dgm:fillClrLst>
-    <dgm:linClrLst meth="repeat">
-      <a:schemeClr val="accent1">
-        <a:shade val="60000"/>
-      </a:schemeClr>
-    </dgm:linClrLst>
-    <dgm:effectClrLst/>
-    <dgm:txLinClrLst/>
-    <dgm:txFillClrLst meth="repeat">
-      <a:schemeClr val="tx1"/>
-    </dgm:txFillClrLst>
-    <dgm:txEffectClrLst/>
-  </dgm:styleLbl>
-  <dgm:styleLbl name="parChTrans1D3">
-    <dgm:fillClrLst meth="repeat">
-      <a:schemeClr val="accent1"/>
-    </dgm:fillClrLst>
-    <dgm:linClrLst meth="repeat">
-      <a:schemeClr val="accent1">
-        <a:shade val="80000"/>
-      </a:schemeClr>
-    </dgm:linClrLst>
-    <dgm:effectClrLst/>
-    <dgm:txLinClrLst/>
-    <dgm:txFillClrLst meth="repeat">
-      <a:schemeClr val="tx1"/>
-    </dgm:txFillClrLst>
-    <dgm:txEffectClrLst/>
-  </dgm:styleLbl>
-  <dgm:styleLbl name="parChTrans1D4">
-    <dgm:fillClrLst meth="repeat">
-      <a:schemeClr val="accent1"/>
-    </dgm:fillClrLst>
-    <dgm:linClrLst meth="repeat">
-      <a:schemeClr val="accent1">
-        <a:shade val="80000"/>
-      </a:schemeClr>
-    </dgm:linClrLst>
-    <dgm:effectClrLst/>
-    <dgm:txLinClrLst/>
-    <dgm:txFillClrLst meth="repeat">
-      <a:schemeClr val="tx1"/>
-    </dgm:txFillClrLst>
-    <dgm:txEffectClrLst/>
-  </dgm:styleLbl>
-  <dgm:styleLbl name="fgAcc1">
-    <dgm:fillClrLst meth="repeat">
-      <a:schemeClr val="lt1">
-        <a:alpha val="90000"/>
-      </a:schemeClr>
-    </dgm:fillClrLst>
-    <dgm:linClrLst meth="repeat">
-      <a:schemeClr val="accent1"/>
-    </dgm:linClrLst>
-    <dgm:effectClrLst/>
-    <dgm:txLinClrLst/>
-    <dgm:txFillClrLst meth="repeat">
-      <a:schemeClr val="dk1"/>
-    </dgm:txFillClrLst>
-    <dgm:txEffectClrLst/>
-  </dgm:styleLbl>
-  <dgm:styleLbl name="conFgAcc1">
-    <dgm:fillClrLst meth="repeat">
-      <a:schemeClr val="lt1">
-        <a:alpha val="90000"/>
-      </a:schemeClr>
-    </dgm:fillClrLst>
-    <dgm:linClrLst meth="repeat">
-      <a:schemeClr val="accent1"/>
-    </dgm:linClrLst>
-    <dgm:effectClrLst/>
-    <dgm:txLinClrLst/>
-    <dgm:txFillClrLst meth="repeat">
-      <a:schemeClr val="dk1"/>
-    </dgm:txFillClrLst>
-    <dgm:txEffectClrLst/>
-  </dgm:styleLbl>
-  <dgm:styleLbl name="alignAcc1">
-    <dgm:fillClrLst meth="repeat">
-      <a:schemeClr val="lt1">
-        <a:alpha val="90000"/>
-      </a:schemeClr>
-    </dgm:fillClrLst>
-    <dgm:linClrLst meth="repeat">
-      <a:schemeClr val="accent1"/>
-    </dgm:linClrLst>
-    <dgm:effectClrLst/>
-    <dgm:txLinClrLst/>
-    <dgm:txFillClrLst meth="repeat">
-      <a:schemeClr val="dk1"/>
-    </dgm:txFillClrLst>
-    <dgm:txEffectClrLst/>
-  </dgm:styleLbl>
-  <dgm:styleLbl name="trAlignAcc1">
-    <dgm:fillClrLst meth="repeat">
-      <a:schemeClr val="lt1">
-        <a:alpha val="40000"/>
-      </a:schemeClr>
-    </dgm:fillClrLst>
-    <dgm:linClrLst meth="repeat">
-      <a:schemeClr val="accent1"/>
-    </dgm:linClrLst>
-    <dgm:effectClrLst/>
-    <dgm:txLinClrLst/>
-    <dgm:txFillClrLst meth="repeat">
-      <a:schemeClr val="dk1"/>
-    </dgm:txFillClrLst>
-    <dgm:txEffectClrLst/>
-  </dgm:styleLbl>
-  <dgm:styleLbl name="bgAcc1">
-    <dgm:fillClrLst meth="repeat">
-      <a:schemeClr val="lt1">
-        <a:alpha val="90000"/>
-      </a:schemeClr>
-    </dgm:fillClrLst>
-    <dgm:linClrLst meth="repeat">
-      <a:schemeClr val="accent1"/>
-    </dgm:linClrLst>
-    <dgm:effectClrLst/>
-    <dgm:txLinClrLst/>
-    <dgm:txFillClrLst meth="repeat">
-      <a:schemeClr val="dk1"/>
-    </dgm:txFillClrLst>
-    <dgm:txEffectClrLst/>
-  </dgm:styleLbl>
-  <dgm:styleLbl name="solidFgAcc1">
-    <dgm:fillClrLst meth="repeat">
-      <a:schemeClr val="lt1"/>
-    </dgm:fillClrLst>
-    <dgm:linClrLst meth="repeat">
-      <a:schemeClr val="accent1"/>
-    </dgm:linClrLst>
-    <dgm:effectClrLst/>
-    <dgm:txLinClrLst/>
-    <dgm:txFillClrLst meth="repeat">
-      <a:schemeClr val="dk1"/>
-    </dgm:txFillClrLst>
-    <dgm:txEffectClrLst/>
-  </dgm:styleLbl>
-  <dgm:styleLbl name="solidAlignAcc1">
-    <dgm:fillClrLst meth="repeat">
-      <a:schemeClr val="lt1"/>
-    </dgm:fillClrLst>
-    <dgm:linClrLst meth="repeat">
-      <a:schemeClr val="accent1"/>
-    </dgm:linClrLst>
-    <dgm:effectClrLst/>
-    <dgm:txLinClrLst/>
-    <dgm:txFillClrLst meth="repeat">
-      <a:schemeClr val="dk1"/>
-    </dgm:txFillClrLst>
-    <dgm:txEffectClrLst/>
-  </dgm:styleLbl>
-  <dgm:styleLbl name="solidBgAcc1">
-    <dgm:fillClrLst meth="repeat">
-      <a:schemeClr val="lt1"/>
-    </dgm:fillClrLst>
-    <dgm:linClrLst meth="repeat">
-      <a:schemeClr val="accent1"/>
-    </dgm:linClrLst>
-    <dgm:effectClrLst/>
-    <dgm:txLinClrLst/>
-    <dgm:txFillClrLst meth="repeat">
-      <a:schemeClr val="dk1"/>
-    </dgm:txFillClrLst>
-    <dgm:txEffectClrLst/>
-  </dgm:styleLbl>
-  <dgm:styleLbl name="fgAccFollowNode1">
-    <dgm:fillClrLst meth="repeat">
-      <a:schemeClr val="accent1">
-        <a:alpha val="90000"/>
-        <a:tint val="40000"/>
-      </a:schemeClr>
-    </dgm:fillClrLst>
-    <dgm:linClrLst meth="repeat">
-      <a:schemeClr val="accent1">
-        <a:alpha val="90000"/>
-        <a:tint val="40000"/>
-      </a:schemeClr>
-    </dgm:linClrLst>
-    <dgm:effectClrLst/>
-    <dgm:txLinClrLst/>
-    <dgm:txFillClrLst meth="repeat">
-      <a:schemeClr val="dk1"/>
-    </dgm:txFillClrLst>
-    <dgm:txEffectClrLst/>
-  </dgm:styleLbl>
-  <dgm:styleLbl name="alignAccFollowNode1">
-    <dgm:fillClrLst meth="repeat">
-      <a:schemeClr val="accent1">
-        <a:alpha val="90000"/>
-        <a:tint val="40000"/>
-      </a:schemeClr>
-    </dgm:fillClrLst>
-    <dgm:linClrLst meth="repeat">
-      <a:schemeClr val="accent1">
-        <a:alpha val="90000"/>
-        <a:tint val="40000"/>
-      </a:schemeClr>
-    </dgm:linClrLst>
-    <dgm:effectClrLst/>
-    <dgm:txLinClrLst/>
-    <dgm:txFillClrLst meth="repeat">
-      <a:schemeClr val="dk1"/>
-    </dgm:txFillClrLst>
-    <dgm:txEffectClrLst/>
-  </dgm:styleLbl>
-  <dgm:styleLbl name="bgAccFollowNode1">
-    <dgm:fillClrLst meth="repeat">
-      <a:schemeClr val="accent1">
-        <a:alpha val="90000"/>
-        <a:tint val="40000"/>
-      </a:schemeClr>
-    </dgm:fillClrLst>
-    <dgm:linClrLst meth="repeat">
-      <a:schemeClr val="accent1">
-        <a:alpha val="90000"/>
-        <a:tint val="40000"/>
-      </a:schemeClr>
-    </dgm:linClrLst>
-    <dgm:effectClrLst/>
-    <dgm:txLinClrLst/>
-    <dgm:txFillClrLst meth="repeat">
-      <a:schemeClr val="dk1"/>
-    </dgm:txFillClrLst>
-    <dgm:txEffectClrLst/>
-  </dgm:styleLbl>
-  <dgm:styleLbl name="fgAcc0">
-    <dgm:fillClrLst meth="repeat">
-      <a:schemeClr val="lt1">
-        <a:alpha val="90000"/>
-      </a:schemeClr>
-    </dgm:fillClrLst>
-    <dgm:linClrLst meth="repeat">
-      <a:schemeClr val="accent1"/>
-    </dgm:linClrLst>
-    <dgm:effectClrLst/>
-    <dgm:txLinClrLst/>
-    <dgm:txFillClrLst meth="repeat">
-      <a:schemeClr val="dk1"/>
-    </dgm:txFillClrLst>
-    <dgm:txEffectClrLst/>
-  </dgm:styleLbl>
-  <dgm:styleLbl name="fgAcc2">
-    <dgm:fillClrLst meth="repeat">
-      <a:schemeClr val="lt1">
-        <a:alpha val="90000"/>
-      </a:schemeClr>
-    </dgm:fillClrLst>
-    <dgm:linClrLst meth="repeat">
-      <a:schemeClr val="accent1"/>
-    </dgm:linClrLst>
-    <dgm:effectClrLst/>
-    <dgm:txLinClrLst/>
-    <dgm:txFillClrLst meth="repeat">
-      <a:schemeClr val="dk1"/>
-    </dgm:txFillClrLst>
-    <dgm:txEffectClrLst/>
-  </dgm:styleLbl>
-  <dgm:styleLbl name="fgAcc3">
-    <dgm:fillClrLst meth="repeat">
-      <a:schemeClr val="lt1">
-        <a:alpha val="90000"/>
-      </a:schemeClr>
-    </dgm:fillClrLst>
-    <dgm:linClrLst meth="repeat">
-      <a:schemeClr val="accent1"/>
-    </dgm:linClrLst>
-    <dgm:effectClrLst/>
-    <dgm:txLinClrLst/>
-    <dgm:txFillClrLst meth="repeat">
-      <a:schemeClr val="dk1"/>
-    </dgm:txFillClrLst>
-    <dgm:txEffectClrLst/>
-  </dgm:styleLbl>
-  <dgm:styleLbl name="fgAcc4">
-    <dgm:fillClrLst meth="repeat">
-      <a:schemeClr val="lt1">
-        <a:alpha val="90000"/>
-      </a:schemeClr>
-    </dgm:fillClrLst>
-    <dgm:linClrLst meth="repeat">
-      <a:schemeClr val="accent1"/>
-    </dgm:linClrLst>
-    <dgm:effectClrLst/>
-    <dgm:txLinClrLst/>
-    <dgm:txFillClrLst meth="repeat">
-      <a:schemeClr val="dk1"/>
-    </dgm:txFillClrLst>
-    <dgm:txEffectClrLst/>
-  </dgm:styleLbl>
-  <dgm:styleLbl name="bgShp">
-    <dgm:fillClrLst meth="repeat">
-      <a:schemeClr val="accent1">
-        <a:tint val="40000"/>
-      </a:schemeClr>
-    </dgm:fillClrLst>
-    <dgm:linClrLst meth="repeat">
-      <a:schemeClr val="accent1"/>
-    </dgm:linClrLst>
-    <dgm:effectClrLst/>
-    <dgm:txLinClrLst/>
-    <dgm:txFillClrLst meth="repeat">
-      <a:schemeClr val="dk1"/>
-    </dgm:txFillClrLst>
-    <dgm:txEffectClrLst/>
-  </dgm:styleLbl>
-  <dgm:styleLbl name="dkBgShp">
-    <dgm:fillClrLst meth="repeat">
-      <a:schemeClr val="accent1">
-        <a:shade val="80000"/>
-      </a:schemeClr>
-    </dgm:fillClrLst>
-    <dgm:linClrLst meth="repeat">
-      <a:schemeClr val="accent1"/>
-    </dgm:linClrLst>
-    <dgm:effectClrLst/>
-    <dgm:txLinClrLst/>
-    <dgm:txFillClrLst meth="repeat">
-      <a:schemeClr val="lt1"/>
-    </dgm:txFillClrLst>
-    <dgm:txEffectClrLst/>
-  </dgm:styleLbl>
-  <dgm:styleLbl name="trBgShp">
-    <dgm:fillClrLst meth="repeat">
-      <a:schemeClr val="accent1">
-        <a:tint val="50000"/>
-        <a:alpha val="40000"/>
-      </a:schemeClr>
-    </dgm:fillClrLst>
-    <dgm:linClrLst meth="repeat">
-      <a:schemeClr val="accent1"/>
-    </dgm:linClrLst>
-    <dgm:effectClrLst/>
-    <dgm:txLinClrLst/>
-    <dgm:txFillClrLst meth="repeat">
-      <a:schemeClr val="lt1"/>
-    </dgm:txFillClrLst>
-    <dgm:txEffectClrLst/>
-  </dgm:styleLbl>
-  <dgm:styleLbl name="fgShp">
-    <dgm:fillClrLst meth="repeat">
-      <a:schemeClr val="accent1">
-        <a:tint val="60000"/>
-      </a:schemeClr>
-    </dgm:fillClrLst>
-    <dgm:linClrLst meth="repeat">
-      <a:schemeClr val="lt1"/>
-    </dgm:linClrLst>
-    <dgm:effectClrLst/>
-    <dgm:txLinClrLst/>
-    <dgm:txFillClrLst meth="repeat">
-      <a:schemeClr val="dk1"/>
-    </dgm:txFillClrLst>
-    <dgm:txEffectClrLst/>
-  </dgm:styleLbl>
-  <dgm:styleLbl name="revTx">
-    <dgm:fillClrLst meth="repeat">
-      <a:schemeClr val="lt1">
-        <a:alpha val="0"/>
-      </a:schemeClr>
-    </dgm:fillClrLst>
-    <dgm:linClrLst meth="repeat">
-      <a:schemeClr val="dk1">
-        <a:alpha val="0"/>
-      </a:schemeClr>
-    </dgm:linClrLst>
-    <dgm:effectClrLst/>
-    <dgm:txLinClrLst/>
-    <dgm:txFillClrLst meth="repeat">
-      <a:schemeClr val="tx1"/>
-    </dgm:txFillClrLst>
-    <dgm:txEffectClrLst/>
-  </dgm:styleLbl>
-</dgm:colorsDef>
-</file>
-
-<file path=ppt/diagrams/colors4.xml><?xml version="1.0" encoding="utf-8"?>
 <dgm:colorsDef xmlns:dgm="http://schemas.openxmlformats.org/drawingml/2006/diagram" xmlns:a="http://schemas.openxmlformats.org/drawingml/2006/main" uniqueId="urn:microsoft.com/office/officeart/2005/8/colors/accent3_2">
   <dgm:title val=""/>
   <dgm:desc val=""/>
@@ -3145,7 +2397,7 @@
 </dgm:colorsDef>
 </file>
 
-<file path=ppt/diagrams/colors5.xml><?xml version="1.0" encoding="utf-8"?>
+<file path=ppt/diagrams/colors4.xml><?xml version="1.0" encoding="utf-8"?>
 <dgm:colorsDef xmlns:dgm="http://schemas.openxmlformats.org/drawingml/2006/diagram" xmlns:a="http://schemas.openxmlformats.org/drawingml/2006/main" uniqueId="urn:microsoft.com/office/officeart/2005/8/colors/accent1_2">
   <dgm:title val=""/>
   <dgm:desc val=""/>
@@ -3969,7 +3221,7 @@
         <a:lstStyle/>
         <a:p>
           <a:r>
-            <a:rPr lang="es-AR" sz="2400" b="1" smtClean="0">
+            <a:rPr lang="es-AR" sz="2400" b="1" dirty="0" smtClean="0">
               <a:effectLst>
                 <a:outerShdw blurRad="38100" dist="38100" dir="2700000" algn="tl">
                   <a:srgbClr val="000000">
@@ -4477,671 +3729,6 @@
 <file path=ppt/diagrams/data2.xml><?xml version="1.0" encoding="utf-8"?>
 <dgm:dataModel xmlns:dgm="http://schemas.openxmlformats.org/drawingml/2006/diagram" xmlns:a="http://schemas.openxmlformats.org/drawingml/2006/main">
   <dgm:ptLst>
-    <dgm:pt modelId="{5B42A3B2-F1A4-4AAD-92E6-CBE520DF75A4}" type="doc">
-      <dgm:prSet loTypeId="urn:microsoft.com/office/officeart/2005/8/layout/vList5" loCatId="list" qsTypeId="urn:microsoft.com/office/officeart/2005/8/quickstyle/simple1" qsCatId="simple" csTypeId="urn:microsoft.com/office/officeart/2005/8/colors/accent1_2" csCatId="accent1" phldr="1"/>
-      <dgm:spPr/>
-      <dgm:t>
-        <a:bodyPr/>
-        <a:lstStyle/>
-        <a:p>
-          <a:endParaRPr lang="es-AR"/>
-        </a:p>
-      </dgm:t>
-    </dgm:pt>
-    <dgm:pt modelId="{8587132E-9006-496A-8F9A-F4971DD58E1B}">
-      <dgm:prSet phldrT="[Texto]"/>
-      <dgm:spPr/>
-      <dgm:t>
-        <a:bodyPr/>
-        <a:lstStyle/>
-        <a:p>
-          <a:r>
-            <a:rPr lang="es-AR" dirty="0" smtClean="0"/>
-            <a:t>Lenguaje de Programación</a:t>
-          </a:r>
-          <a:endParaRPr lang="es-AR" dirty="0"/>
-        </a:p>
-      </dgm:t>
-    </dgm:pt>
-    <dgm:pt modelId="{243CE9E5-C075-44A9-8A56-BD1EDB296230}" type="parTrans" cxnId="{C3165BEC-8797-4336-8B87-C570F7EA1DCF}">
-      <dgm:prSet/>
-      <dgm:spPr/>
-      <dgm:t>
-        <a:bodyPr/>
-        <a:lstStyle/>
-        <a:p>
-          <a:endParaRPr lang="es-AR"/>
-        </a:p>
-      </dgm:t>
-    </dgm:pt>
-    <dgm:pt modelId="{856930E5-C119-41F6-91E8-CDEC7963EB5F}" type="sibTrans" cxnId="{C3165BEC-8797-4336-8B87-C570F7EA1DCF}">
-      <dgm:prSet/>
-      <dgm:spPr/>
-      <dgm:t>
-        <a:bodyPr/>
-        <a:lstStyle/>
-        <a:p>
-          <a:endParaRPr lang="es-AR"/>
-        </a:p>
-      </dgm:t>
-    </dgm:pt>
-    <dgm:pt modelId="{6896E919-8BCC-48FF-BCE3-BFE66BFB1A06}">
-      <dgm:prSet phldrT="[Texto]" custT="1"/>
-      <dgm:spPr/>
-      <dgm:t>
-        <a:bodyPr/>
-        <a:lstStyle/>
-        <a:p>
-          <a:r>
-            <a:rPr lang="es-AR" sz="2000" dirty="0" smtClean="0"/>
-            <a:t>C# - </a:t>
-          </a:r>
-          <a:r>
-            <a:rPr lang="es-AR" sz="2000" dirty="0" err="1" smtClean="0"/>
-            <a:t>Ide</a:t>
-          </a:r>
-          <a:r>
-            <a:rPr lang="es-AR" sz="2000" dirty="0" smtClean="0"/>
-            <a:t> Visual Studio 2012</a:t>
-          </a:r>
-          <a:endParaRPr lang="es-AR" sz="2000" dirty="0"/>
-        </a:p>
-      </dgm:t>
-    </dgm:pt>
-    <dgm:pt modelId="{E36E377B-B494-400F-B163-198EA04FA50E}" type="parTrans" cxnId="{4137832A-ED43-4C35-B279-B35137E9B3E9}">
-      <dgm:prSet/>
-      <dgm:spPr/>
-      <dgm:t>
-        <a:bodyPr/>
-        <a:lstStyle/>
-        <a:p>
-          <a:endParaRPr lang="es-AR"/>
-        </a:p>
-      </dgm:t>
-    </dgm:pt>
-    <dgm:pt modelId="{7D1BA1F4-2223-4C45-815D-8FB75C8F2E3A}" type="sibTrans" cxnId="{4137832A-ED43-4C35-B279-B35137E9B3E9}">
-      <dgm:prSet/>
-      <dgm:spPr/>
-      <dgm:t>
-        <a:bodyPr/>
-        <a:lstStyle/>
-        <a:p>
-          <a:endParaRPr lang="es-AR"/>
-        </a:p>
-      </dgm:t>
-    </dgm:pt>
-    <dgm:pt modelId="{F0F2DCA6-F026-4009-AA3B-AE633596A2EF}">
-      <dgm:prSet phldrT="[Texto]"/>
-      <dgm:spPr/>
-      <dgm:t>
-        <a:bodyPr/>
-        <a:lstStyle/>
-        <a:p>
-          <a:r>
-            <a:rPr lang="es-AR" dirty="0" smtClean="0"/>
-            <a:t>Base de Datos</a:t>
-          </a:r>
-          <a:endParaRPr lang="es-AR" dirty="0"/>
-        </a:p>
-      </dgm:t>
-    </dgm:pt>
-    <dgm:pt modelId="{68BA37ED-A182-4683-84C1-9D19F4C43565}" type="parTrans" cxnId="{73D41E09-B2A9-4C51-B5C0-78980C4EB4B2}">
-      <dgm:prSet/>
-      <dgm:spPr/>
-      <dgm:t>
-        <a:bodyPr/>
-        <a:lstStyle/>
-        <a:p>
-          <a:endParaRPr lang="es-AR"/>
-        </a:p>
-      </dgm:t>
-    </dgm:pt>
-    <dgm:pt modelId="{BD66EFC4-339F-4881-96AA-FE83761FC660}" type="sibTrans" cxnId="{73D41E09-B2A9-4C51-B5C0-78980C4EB4B2}">
-      <dgm:prSet/>
-      <dgm:spPr/>
-      <dgm:t>
-        <a:bodyPr/>
-        <a:lstStyle/>
-        <a:p>
-          <a:endParaRPr lang="es-AR"/>
-        </a:p>
-      </dgm:t>
-    </dgm:pt>
-    <dgm:pt modelId="{AA89FF9F-D7AB-46FF-8516-736811A50D78}">
-      <dgm:prSet phldrT="[Texto]" custT="1"/>
-      <dgm:spPr/>
-      <dgm:t>
-        <a:bodyPr/>
-        <a:lstStyle/>
-        <a:p>
-          <a:r>
-            <a:rPr lang="es-AR" sz="2000" dirty="0" smtClean="0"/>
-            <a:t>SQL Server 2012</a:t>
-          </a:r>
-          <a:endParaRPr lang="es-AR" sz="2000" dirty="0"/>
-        </a:p>
-      </dgm:t>
-    </dgm:pt>
-    <dgm:pt modelId="{74E7A37B-DB48-4307-B9DF-E40F37C63075}" type="parTrans" cxnId="{682F3484-A256-47FB-84C9-5A2B751A6D3A}">
-      <dgm:prSet/>
-      <dgm:spPr/>
-      <dgm:t>
-        <a:bodyPr/>
-        <a:lstStyle/>
-        <a:p>
-          <a:endParaRPr lang="es-AR"/>
-        </a:p>
-      </dgm:t>
-    </dgm:pt>
-    <dgm:pt modelId="{D931A2DA-2F25-4CA2-9C92-D25828C121FD}" type="sibTrans" cxnId="{682F3484-A256-47FB-84C9-5A2B751A6D3A}">
-      <dgm:prSet/>
-      <dgm:spPr/>
-      <dgm:t>
-        <a:bodyPr/>
-        <a:lstStyle/>
-        <a:p>
-          <a:endParaRPr lang="es-AR"/>
-        </a:p>
-      </dgm:t>
-    </dgm:pt>
-    <dgm:pt modelId="{B7551B5D-2840-4B19-AA2B-F2E0633B3A37}">
-      <dgm:prSet phldrT="[Texto]"/>
-      <dgm:spPr/>
-      <dgm:t>
-        <a:bodyPr/>
-        <a:lstStyle/>
-        <a:p>
-          <a:r>
-            <a:rPr lang="es-AR" dirty="0" smtClean="0"/>
-            <a:t>Versionado</a:t>
-          </a:r>
-          <a:endParaRPr lang="es-AR" dirty="0"/>
-        </a:p>
-      </dgm:t>
-    </dgm:pt>
-    <dgm:pt modelId="{41E3A60E-F035-47A9-BA9D-77C5C361ED5D}" type="parTrans" cxnId="{E5D43DC2-2FC0-41C3-9788-69B8D83C5255}">
-      <dgm:prSet/>
-      <dgm:spPr/>
-      <dgm:t>
-        <a:bodyPr/>
-        <a:lstStyle/>
-        <a:p>
-          <a:endParaRPr lang="es-AR"/>
-        </a:p>
-      </dgm:t>
-    </dgm:pt>
-    <dgm:pt modelId="{35081DB8-65C2-42F3-A787-B500FE8A4301}" type="sibTrans" cxnId="{E5D43DC2-2FC0-41C3-9788-69B8D83C5255}">
-      <dgm:prSet/>
-      <dgm:spPr/>
-      <dgm:t>
-        <a:bodyPr/>
-        <a:lstStyle/>
-        <a:p>
-          <a:endParaRPr lang="es-AR"/>
-        </a:p>
-      </dgm:t>
-    </dgm:pt>
-    <dgm:pt modelId="{3AE9FC11-C656-447C-B22A-60F053F4768A}">
-      <dgm:prSet phldrT="[Texto]"/>
-      <dgm:spPr/>
-      <dgm:t>
-        <a:bodyPr/>
-        <a:lstStyle/>
-        <a:p>
-          <a:r>
-            <a:rPr lang="es-AR" dirty="0" smtClean="0"/>
-            <a:t>Repositorio</a:t>
-          </a:r>
-          <a:endParaRPr lang="es-AR" dirty="0"/>
-        </a:p>
-      </dgm:t>
-    </dgm:pt>
-    <dgm:pt modelId="{10AAA8D5-DA59-4AEE-B84D-519C2DBBAF4C}" type="parTrans" cxnId="{991C1FFA-4E4C-41B5-AF64-2C585A0FDAC6}">
-      <dgm:prSet/>
-      <dgm:spPr/>
-      <dgm:t>
-        <a:bodyPr/>
-        <a:lstStyle/>
-        <a:p>
-          <a:endParaRPr lang="es-AR"/>
-        </a:p>
-      </dgm:t>
-    </dgm:pt>
-    <dgm:pt modelId="{0104C965-B5FA-42E3-8706-AD68D8FDD783}" type="sibTrans" cxnId="{991C1FFA-4E4C-41B5-AF64-2C585A0FDAC6}">
-      <dgm:prSet/>
-      <dgm:spPr/>
-      <dgm:t>
-        <a:bodyPr/>
-        <a:lstStyle/>
-        <a:p>
-          <a:endParaRPr lang="es-AR"/>
-        </a:p>
-      </dgm:t>
-    </dgm:pt>
-    <dgm:pt modelId="{8F2FDC20-F7FE-4B5F-8E19-92BF1BE090E3}">
-      <dgm:prSet phldrT="[Texto]" custT="1"/>
-      <dgm:spPr/>
-      <dgm:t>
-        <a:bodyPr/>
-        <a:lstStyle/>
-        <a:p>
-          <a:r>
-            <a:rPr lang="es-AR" sz="2000" dirty="0" err="1" smtClean="0"/>
-            <a:t>Tortoise</a:t>
-          </a:r>
-          <a:r>
-            <a:rPr lang="es-AR" sz="2000" dirty="0" smtClean="0"/>
-            <a:t> SVN</a:t>
-          </a:r>
-          <a:endParaRPr lang="es-AR" sz="2000" dirty="0"/>
-        </a:p>
-      </dgm:t>
-    </dgm:pt>
-    <dgm:pt modelId="{A36AF5A4-FABF-4E77-A3EA-CBBE60799851}" type="sibTrans" cxnId="{DE9C2F5A-70D3-4F27-8897-A537F5DB113A}">
-      <dgm:prSet/>
-      <dgm:spPr/>
-      <dgm:t>
-        <a:bodyPr/>
-        <a:lstStyle/>
-        <a:p>
-          <a:endParaRPr lang="es-AR"/>
-        </a:p>
-      </dgm:t>
-    </dgm:pt>
-    <dgm:pt modelId="{77EB84FD-1642-4AF0-8371-A87494E7C91B}" type="parTrans" cxnId="{DE9C2F5A-70D3-4F27-8897-A537F5DB113A}">
-      <dgm:prSet/>
-      <dgm:spPr/>
-      <dgm:t>
-        <a:bodyPr/>
-        <a:lstStyle/>
-        <a:p>
-          <a:endParaRPr lang="es-AR"/>
-        </a:p>
-      </dgm:t>
-    </dgm:pt>
-    <dgm:pt modelId="{ABDCEAC1-7F67-454D-84AF-2ECB51702D13}">
-      <dgm:prSet phldrT="[Texto]" custT="1"/>
-      <dgm:spPr/>
-      <dgm:t>
-        <a:bodyPr/>
-        <a:lstStyle/>
-        <a:p>
-          <a:r>
-            <a:rPr lang="es-AR" sz="2000" dirty="0" smtClean="0"/>
-            <a:t>Google </a:t>
-          </a:r>
-          <a:r>
-            <a:rPr lang="es-AR" sz="2000" dirty="0" err="1" smtClean="0"/>
-            <a:t>Code</a:t>
-          </a:r>
-          <a:endParaRPr lang="es-AR" sz="2000" dirty="0"/>
-        </a:p>
-      </dgm:t>
-    </dgm:pt>
-    <dgm:pt modelId="{DFF5FA0A-ECFD-4082-B72D-DDFA054386AD}" type="parTrans" cxnId="{313F4E2D-8690-412F-A072-E27B9905AF4A}">
-      <dgm:prSet/>
-      <dgm:spPr/>
-      <dgm:t>
-        <a:bodyPr/>
-        <a:lstStyle/>
-        <a:p>
-          <a:endParaRPr lang="es-AR"/>
-        </a:p>
-      </dgm:t>
-    </dgm:pt>
-    <dgm:pt modelId="{BE7074C4-261F-4207-A322-F7673A3BB75D}" type="sibTrans" cxnId="{313F4E2D-8690-412F-A072-E27B9905AF4A}">
-      <dgm:prSet/>
-      <dgm:spPr/>
-      <dgm:t>
-        <a:bodyPr/>
-        <a:lstStyle/>
-        <a:p>
-          <a:endParaRPr lang="es-AR"/>
-        </a:p>
-      </dgm:t>
-    </dgm:pt>
-    <dgm:pt modelId="{D80178D8-855D-4D8C-BAE2-17D72C190F1C}">
-      <dgm:prSet phldrT="[Texto]"/>
-      <dgm:spPr/>
-      <dgm:t>
-        <a:bodyPr/>
-        <a:lstStyle/>
-        <a:p>
-          <a:r>
-            <a:rPr lang="es-AR" dirty="0" smtClean="0"/>
-            <a:t>Modelado</a:t>
-          </a:r>
-          <a:endParaRPr lang="es-AR" dirty="0"/>
-        </a:p>
-      </dgm:t>
-    </dgm:pt>
-    <dgm:pt modelId="{CE8167CF-87E1-42C1-8B64-351F9D65AEA0}" type="parTrans" cxnId="{71EEBC94-C7CD-44E6-B1DC-DAF8B3C40CCA}">
-      <dgm:prSet/>
-      <dgm:spPr/>
-      <dgm:t>
-        <a:bodyPr/>
-        <a:lstStyle/>
-        <a:p>
-          <a:endParaRPr lang="es-ES"/>
-        </a:p>
-      </dgm:t>
-    </dgm:pt>
-    <dgm:pt modelId="{42623A96-96F1-43CA-BA62-11C446A70135}" type="sibTrans" cxnId="{71EEBC94-C7CD-44E6-B1DC-DAF8B3C40CCA}">
-      <dgm:prSet/>
-      <dgm:spPr/>
-      <dgm:t>
-        <a:bodyPr/>
-        <a:lstStyle/>
-        <a:p>
-          <a:endParaRPr lang="es-ES"/>
-        </a:p>
-      </dgm:t>
-    </dgm:pt>
-    <dgm:pt modelId="{4792564E-92E7-46ED-87D5-2C7F9E4A7EDE}">
-      <dgm:prSet phldrT="[Texto]" custT="1"/>
-      <dgm:spPr/>
-      <dgm:t>
-        <a:bodyPr/>
-        <a:lstStyle/>
-        <a:p>
-          <a:r>
-            <a:rPr lang="es-AR" sz="2000" dirty="0" err="1" smtClean="0"/>
-            <a:t>Start</a:t>
-          </a:r>
-          <a:r>
-            <a:rPr lang="es-AR" sz="2000" dirty="0" smtClean="0"/>
-            <a:t> UML</a:t>
-          </a:r>
-          <a:endParaRPr lang="es-AR" sz="2000" dirty="0"/>
-        </a:p>
-      </dgm:t>
-    </dgm:pt>
-    <dgm:pt modelId="{2980562F-5DD3-4F8F-886C-E8FDDA66CC25}" type="parTrans" cxnId="{E08F3837-F9D8-46EE-A538-9CC344AD563F}">
-      <dgm:prSet/>
-      <dgm:spPr/>
-      <dgm:t>
-        <a:bodyPr/>
-        <a:lstStyle/>
-        <a:p>
-          <a:endParaRPr lang="es-ES"/>
-        </a:p>
-      </dgm:t>
-    </dgm:pt>
-    <dgm:pt modelId="{5BE5F0A9-069B-4021-8140-1DF69FA3FE95}" type="sibTrans" cxnId="{E08F3837-F9D8-46EE-A538-9CC344AD563F}">
-      <dgm:prSet/>
-      <dgm:spPr/>
-      <dgm:t>
-        <a:bodyPr/>
-        <a:lstStyle/>
-        <a:p>
-          <a:endParaRPr lang="es-ES"/>
-        </a:p>
-      </dgm:t>
-    </dgm:pt>
-    <dgm:pt modelId="{1AC5862D-3A38-4A56-8BBB-5228D3259E64}" type="pres">
-      <dgm:prSet presAssocID="{5B42A3B2-F1A4-4AAD-92E6-CBE520DF75A4}" presName="Name0" presStyleCnt="0">
-        <dgm:presLayoutVars>
-          <dgm:dir/>
-          <dgm:animLvl val="lvl"/>
-          <dgm:resizeHandles val="exact"/>
-        </dgm:presLayoutVars>
-      </dgm:prSet>
-      <dgm:spPr/>
-      <dgm:t>
-        <a:bodyPr/>
-        <a:lstStyle/>
-        <a:p>
-          <a:endParaRPr lang="es-AR"/>
-        </a:p>
-      </dgm:t>
-    </dgm:pt>
-    <dgm:pt modelId="{6FBAC80C-69A4-4EBB-A9DA-D287B5B59A74}" type="pres">
-      <dgm:prSet presAssocID="{8587132E-9006-496A-8F9A-F4971DD58E1B}" presName="linNode" presStyleCnt="0"/>
-      <dgm:spPr/>
-    </dgm:pt>
-    <dgm:pt modelId="{909E8BCD-0B1A-41E7-BFFF-B89785456621}" type="pres">
-      <dgm:prSet presAssocID="{8587132E-9006-496A-8F9A-F4971DD58E1B}" presName="parentText" presStyleLbl="node1" presStyleIdx="0" presStyleCnt="5" custScaleX="82921" custScaleY="31612" custLinFactNeighborX="-8773" custLinFactNeighborY="2084">
-        <dgm:presLayoutVars>
-          <dgm:chMax val="1"/>
-          <dgm:bulletEnabled val="1"/>
-        </dgm:presLayoutVars>
-      </dgm:prSet>
-      <dgm:spPr/>
-      <dgm:t>
-        <a:bodyPr/>
-        <a:lstStyle/>
-        <a:p>
-          <a:endParaRPr lang="es-AR"/>
-        </a:p>
-      </dgm:t>
-    </dgm:pt>
-    <dgm:pt modelId="{D79D4B58-D90B-49E8-B5D0-2B484EB6045D}" type="pres">
-      <dgm:prSet presAssocID="{8587132E-9006-496A-8F9A-F4971DD58E1B}" presName="descendantText" presStyleLbl="alignAccFollowNode1" presStyleIdx="0" presStyleCnt="5" custScaleX="88688" custScaleY="31612" custLinFactNeighborX="-17298" custLinFactNeighborY="2270">
-        <dgm:presLayoutVars>
-          <dgm:bulletEnabled val="1"/>
-        </dgm:presLayoutVars>
-      </dgm:prSet>
-      <dgm:spPr/>
-      <dgm:t>
-        <a:bodyPr/>
-        <a:lstStyle/>
-        <a:p>
-          <a:endParaRPr lang="es-AR"/>
-        </a:p>
-      </dgm:t>
-    </dgm:pt>
-    <dgm:pt modelId="{5D45381C-B684-45E5-830D-7FD1D03F4A05}" type="pres">
-      <dgm:prSet presAssocID="{856930E5-C119-41F6-91E8-CDEC7963EB5F}" presName="sp" presStyleCnt="0"/>
-      <dgm:spPr/>
-    </dgm:pt>
-    <dgm:pt modelId="{9B51A4DE-B6D5-40AF-9677-01216D6B4A3E}" type="pres">
-      <dgm:prSet presAssocID="{F0F2DCA6-F026-4009-AA3B-AE633596A2EF}" presName="linNode" presStyleCnt="0"/>
-      <dgm:spPr/>
-    </dgm:pt>
-    <dgm:pt modelId="{E917558F-FB63-4C8C-B6E7-90B2277A6599}" type="pres">
-      <dgm:prSet presAssocID="{F0F2DCA6-F026-4009-AA3B-AE633596A2EF}" presName="parentText" presStyleLbl="node1" presStyleIdx="1" presStyleCnt="5" custScaleX="82921" custScaleY="31612" custLinFactNeighborX="-8773" custLinFactNeighborY="2084">
-        <dgm:presLayoutVars>
-          <dgm:chMax val="1"/>
-          <dgm:bulletEnabled val="1"/>
-        </dgm:presLayoutVars>
-      </dgm:prSet>
-      <dgm:spPr/>
-      <dgm:t>
-        <a:bodyPr/>
-        <a:lstStyle/>
-        <a:p>
-          <a:endParaRPr lang="es-AR"/>
-        </a:p>
-      </dgm:t>
-    </dgm:pt>
-    <dgm:pt modelId="{81427C62-5655-4813-AC16-2932A923AE10}" type="pres">
-      <dgm:prSet presAssocID="{F0F2DCA6-F026-4009-AA3B-AE633596A2EF}" presName="descendantText" presStyleLbl="alignAccFollowNode1" presStyleIdx="1" presStyleCnt="5" custScaleX="88688" custScaleY="31612" custLinFactNeighborX="-16844" custLinFactNeighborY="1605">
-        <dgm:presLayoutVars>
-          <dgm:bulletEnabled val="1"/>
-        </dgm:presLayoutVars>
-      </dgm:prSet>
-      <dgm:spPr/>
-      <dgm:t>
-        <a:bodyPr/>
-        <a:lstStyle/>
-        <a:p>
-          <a:endParaRPr lang="es-AR"/>
-        </a:p>
-      </dgm:t>
-    </dgm:pt>
-    <dgm:pt modelId="{14212636-F421-4526-A21C-7715BA11006E}" type="pres">
-      <dgm:prSet presAssocID="{BD66EFC4-339F-4881-96AA-FE83761FC660}" presName="sp" presStyleCnt="0"/>
-      <dgm:spPr/>
-    </dgm:pt>
-    <dgm:pt modelId="{8238E36F-A275-4864-A804-E394281E7CCA}" type="pres">
-      <dgm:prSet presAssocID="{B7551B5D-2840-4B19-AA2B-F2E0633B3A37}" presName="linNode" presStyleCnt="0"/>
-      <dgm:spPr/>
-    </dgm:pt>
-    <dgm:pt modelId="{EA225968-22AD-4266-B086-723503A371EA}" type="pres">
-      <dgm:prSet presAssocID="{B7551B5D-2840-4B19-AA2B-F2E0633B3A37}" presName="parentText" presStyleLbl="node1" presStyleIdx="2" presStyleCnt="5" custScaleX="82921" custScaleY="31612" custLinFactNeighborX="-8773" custLinFactNeighborY="-1175">
-        <dgm:presLayoutVars>
-          <dgm:chMax val="1"/>
-          <dgm:bulletEnabled val="1"/>
-        </dgm:presLayoutVars>
-      </dgm:prSet>
-      <dgm:spPr/>
-      <dgm:t>
-        <a:bodyPr/>
-        <a:lstStyle/>
-        <a:p>
-          <a:endParaRPr lang="es-AR"/>
-        </a:p>
-      </dgm:t>
-    </dgm:pt>
-    <dgm:pt modelId="{99BD9C8E-022D-4F32-A31D-148DD74E6557}" type="pres">
-      <dgm:prSet presAssocID="{B7551B5D-2840-4B19-AA2B-F2E0633B3A37}" presName="descendantText" presStyleLbl="alignAccFollowNode1" presStyleIdx="2" presStyleCnt="5" custScaleX="88688" custScaleY="31612" custLinFactNeighborX="-17298" custLinFactNeighborY="-3800">
-        <dgm:presLayoutVars>
-          <dgm:bulletEnabled val="1"/>
-        </dgm:presLayoutVars>
-      </dgm:prSet>
-      <dgm:spPr/>
-      <dgm:t>
-        <a:bodyPr/>
-        <a:lstStyle/>
-        <a:p>
-          <a:endParaRPr lang="es-AR"/>
-        </a:p>
-      </dgm:t>
-    </dgm:pt>
-    <dgm:pt modelId="{BF86218A-120F-4FE7-A3F1-2A48612DC2DC}" type="pres">
-      <dgm:prSet presAssocID="{35081DB8-65C2-42F3-A787-B500FE8A4301}" presName="sp" presStyleCnt="0"/>
-      <dgm:spPr/>
-    </dgm:pt>
-    <dgm:pt modelId="{7A87EEED-2608-4043-8C84-40F9DA9DDD70}" type="pres">
-      <dgm:prSet presAssocID="{3AE9FC11-C656-447C-B22A-60F053F4768A}" presName="linNode" presStyleCnt="0"/>
-      <dgm:spPr/>
-    </dgm:pt>
-    <dgm:pt modelId="{BBCE9DB0-30FE-4481-8950-EA0291BD87A0}" type="pres">
-      <dgm:prSet presAssocID="{3AE9FC11-C656-447C-B22A-60F053F4768A}" presName="parentText" presStyleLbl="node1" presStyleIdx="3" presStyleCnt="5" custScaleX="82921" custScaleY="31612" custLinFactNeighborX="-8773" custLinFactNeighborY="-3164">
-        <dgm:presLayoutVars>
-          <dgm:chMax val="1"/>
-          <dgm:bulletEnabled val="1"/>
-        </dgm:presLayoutVars>
-      </dgm:prSet>
-      <dgm:spPr/>
-      <dgm:t>
-        <a:bodyPr/>
-        <a:lstStyle/>
-        <a:p>
-          <a:endParaRPr lang="es-AR"/>
-        </a:p>
-      </dgm:t>
-    </dgm:pt>
-    <dgm:pt modelId="{474233D3-0411-4ECF-9B57-DA9032FAB377}" type="pres">
-      <dgm:prSet presAssocID="{3AE9FC11-C656-447C-B22A-60F053F4768A}" presName="descendantText" presStyleLbl="alignAccFollowNode1" presStyleIdx="3" presStyleCnt="5" custScaleX="88688" custScaleY="31612" custLinFactNeighborX="-17298" custLinFactNeighborY="-1803">
-        <dgm:presLayoutVars>
-          <dgm:bulletEnabled val="1"/>
-        </dgm:presLayoutVars>
-      </dgm:prSet>
-      <dgm:spPr/>
-      <dgm:t>
-        <a:bodyPr/>
-        <a:lstStyle/>
-        <a:p>
-          <a:endParaRPr lang="es-AR"/>
-        </a:p>
-      </dgm:t>
-    </dgm:pt>
-    <dgm:pt modelId="{ECA73D05-C2D3-4AC4-AFE3-81DAA6BD0502}" type="pres">
-      <dgm:prSet presAssocID="{0104C965-B5FA-42E3-8706-AD68D8FDD783}" presName="sp" presStyleCnt="0"/>
-      <dgm:spPr/>
-    </dgm:pt>
-    <dgm:pt modelId="{9FF05EAD-1DA9-4264-8A45-2D9D0E980D05}" type="pres">
-      <dgm:prSet presAssocID="{D80178D8-855D-4D8C-BAE2-17D72C190F1C}" presName="linNode" presStyleCnt="0"/>
-      <dgm:spPr/>
-    </dgm:pt>
-    <dgm:pt modelId="{0444FB80-74ED-4F37-8840-17FDC27037F5}" type="pres">
-      <dgm:prSet presAssocID="{D80178D8-855D-4D8C-BAE2-17D72C190F1C}" presName="parentText" presStyleLbl="node1" presStyleIdx="4" presStyleCnt="5" custScaleX="82921" custScaleY="31612" custLinFactNeighborX="-8773" custLinFactNeighborY="-3164">
-        <dgm:presLayoutVars>
-          <dgm:chMax val="1"/>
-          <dgm:bulletEnabled val="1"/>
-        </dgm:presLayoutVars>
-      </dgm:prSet>
-      <dgm:spPr/>
-      <dgm:t>
-        <a:bodyPr/>
-        <a:lstStyle/>
-        <a:p>
-          <a:endParaRPr lang="es-ES"/>
-        </a:p>
-      </dgm:t>
-    </dgm:pt>
-    <dgm:pt modelId="{D97DA0F3-6CD0-44B6-8BDD-0058B220E174}" type="pres">
-      <dgm:prSet presAssocID="{D80178D8-855D-4D8C-BAE2-17D72C190F1C}" presName="descendantText" presStyleLbl="alignAccFollowNode1" presStyleIdx="4" presStyleCnt="5" custScaleX="88688" custScaleY="31612" custLinFactNeighborX="-17298" custLinFactNeighborY="-1803">
-        <dgm:presLayoutVars>
-          <dgm:bulletEnabled val="1"/>
-        </dgm:presLayoutVars>
-      </dgm:prSet>
-      <dgm:spPr/>
-      <dgm:t>
-        <a:bodyPr/>
-        <a:lstStyle/>
-        <a:p>
-          <a:endParaRPr lang="es-ES"/>
-        </a:p>
-      </dgm:t>
-    </dgm:pt>
-  </dgm:ptLst>
-  <dgm:cxnLst>
-    <dgm:cxn modelId="{C3165BEC-8797-4336-8B87-C570F7EA1DCF}" srcId="{5B42A3B2-F1A4-4AAD-92E6-CBE520DF75A4}" destId="{8587132E-9006-496A-8F9A-F4971DD58E1B}" srcOrd="0" destOrd="0" parTransId="{243CE9E5-C075-44A9-8A56-BD1EDB296230}" sibTransId="{856930E5-C119-41F6-91E8-CDEC7963EB5F}"/>
-    <dgm:cxn modelId="{4335F17A-AD7C-4327-B855-10500E39A49F}" type="presOf" srcId="{6896E919-8BCC-48FF-BCE3-BFE66BFB1A06}" destId="{D79D4B58-D90B-49E8-B5D0-2B484EB6045D}" srcOrd="0" destOrd="0" presId="urn:microsoft.com/office/officeart/2005/8/layout/vList5"/>
-    <dgm:cxn modelId="{79E2BF6B-6569-427E-A40B-C4B55B99FD12}" type="presOf" srcId="{8F2FDC20-F7FE-4B5F-8E19-92BF1BE090E3}" destId="{99BD9C8E-022D-4F32-A31D-148DD74E6557}" srcOrd="0" destOrd="0" presId="urn:microsoft.com/office/officeart/2005/8/layout/vList5"/>
-    <dgm:cxn modelId="{DE9C2F5A-70D3-4F27-8897-A537F5DB113A}" srcId="{B7551B5D-2840-4B19-AA2B-F2E0633B3A37}" destId="{8F2FDC20-F7FE-4B5F-8E19-92BF1BE090E3}" srcOrd="0" destOrd="0" parTransId="{77EB84FD-1642-4AF0-8371-A87494E7C91B}" sibTransId="{A36AF5A4-FABF-4E77-A3EA-CBBE60799851}"/>
-    <dgm:cxn modelId="{73D41E09-B2A9-4C51-B5C0-78980C4EB4B2}" srcId="{5B42A3B2-F1A4-4AAD-92E6-CBE520DF75A4}" destId="{F0F2DCA6-F026-4009-AA3B-AE633596A2EF}" srcOrd="1" destOrd="0" parTransId="{68BA37ED-A182-4683-84C1-9D19F4C43565}" sibTransId="{BD66EFC4-339F-4881-96AA-FE83761FC660}"/>
-    <dgm:cxn modelId="{313F4E2D-8690-412F-A072-E27B9905AF4A}" srcId="{3AE9FC11-C656-447C-B22A-60F053F4768A}" destId="{ABDCEAC1-7F67-454D-84AF-2ECB51702D13}" srcOrd="0" destOrd="0" parTransId="{DFF5FA0A-ECFD-4082-B72D-DDFA054386AD}" sibTransId="{BE7074C4-261F-4207-A322-F7673A3BB75D}"/>
-    <dgm:cxn modelId="{3F2808C7-ED95-4FD8-9AF3-4763A24608B6}" type="presOf" srcId="{F0F2DCA6-F026-4009-AA3B-AE633596A2EF}" destId="{E917558F-FB63-4C8C-B6E7-90B2277A6599}" srcOrd="0" destOrd="0" presId="urn:microsoft.com/office/officeart/2005/8/layout/vList5"/>
-    <dgm:cxn modelId="{E08F3837-F9D8-46EE-A538-9CC344AD563F}" srcId="{D80178D8-855D-4D8C-BAE2-17D72C190F1C}" destId="{4792564E-92E7-46ED-87D5-2C7F9E4A7EDE}" srcOrd="0" destOrd="0" parTransId="{2980562F-5DD3-4F8F-886C-E8FDDA66CC25}" sibTransId="{5BE5F0A9-069B-4021-8140-1DF69FA3FE95}"/>
-    <dgm:cxn modelId="{BF3656FB-97D3-4B95-A549-EEEB1330F911}" type="presOf" srcId="{D80178D8-855D-4D8C-BAE2-17D72C190F1C}" destId="{0444FB80-74ED-4F37-8840-17FDC27037F5}" srcOrd="0" destOrd="0" presId="urn:microsoft.com/office/officeart/2005/8/layout/vList5"/>
-    <dgm:cxn modelId="{623D1CE3-ACCE-4E1F-8124-91819E40D8A4}" type="presOf" srcId="{3AE9FC11-C656-447C-B22A-60F053F4768A}" destId="{BBCE9DB0-30FE-4481-8950-EA0291BD87A0}" srcOrd="0" destOrd="0" presId="urn:microsoft.com/office/officeart/2005/8/layout/vList5"/>
-    <dgm:cxn modelId="{991C1FFA-4E4C-41B5-AF64-2C585A0FDAC6}" srcId="{5B42A3B2-F1A4-4AAD-92E6-CBE520DF75A4}" destId="{3AE9FC11-C656-447C-B22A-60F053F4768A}" srcOrd="3" destOrd="0" parTransId="{10AAA8D5-DA59-4AEE-B84D-519C2DBBAF4C}" sibTransId="{0104C965-B5FA-42E3-8706-AD68D8FDD783}"/>
-    <dgm:cxn modelId="{C89DAA57-837A-4317-8127-FE9CDBD018E3}" type="presOf" srcId="{8587132E-9006-496A-8F9A-F4971DD58E1B}" destId="{909E8BCD-0B1A-41E7-BFFF-B89785456621}" srcOrd="0" destOrd="0" presId="urn:microsoft.com/office/officeart/2005/8/layout/vList5"/>
-    <dgm:cxn modelId="{682F3484-A256-47FB-84C9-5A2B751A6D3A}" srcId="{F0F2DCA6-F026-4009-AA3B-AE633596A2EF}" destId="{AA89FF9F-D7AB-46FF-8516-736811A50D78}" srcOrd="0" destOrd="0" parTransId="{74E7A37B-DB48-4307-B9DF-E40F37C63075}" sibTransId="{D931A2DA-2F25-4CA2-9C92-D25828C121FD}"/>
-    <dgm:cxn modelId="{53343043-4B60-45AF-A921-FF15D3C47CCC}" type="presOf" srcId="{4792564E-92E7-46ED-87D5-2C7F9E4A7EDE}" destId="{D97DA0F3-6CD0-44B6-8BDD-0058B220E174}" srcOrd="0" destOrd="0" presId="urn:microsoft.com/office/officeart/2005/8/layout/vList5"/>
-    <dgm:cxn modelId="{16232B44-A31C-4EB0-B7D4-645B07477AC3}" type="presOf" srcId="{5B42A3B2-F1A4-4AAD-92E6-CBE520DF75A4}" destId="{1AC5862D-3A38-4A56-8BBB-5228D3259E64}" srcOrd="0" destOrd="0" presId="urn:microsoft.com/office/officeart/2005/8/layout/vList5"/>
-    <dgm:cxn modelId="{E5D43DC2-2FC0-41C3-9788-69B8D83C5255}" srcId="{5B42A3B2-F1A4-4AAD-92E6-CBE520DF75A4}" destId="{B7551B5D-2840-4B19-AA2B-F2E0633B3A37}" srcOrd="2" destOrd="0" parTransId="{41E3A60E-F035-47A9-BA9D-77C5C361ED5D}" sibTransId="{35081DB8-65C2-42F3-A787-B500FE8A4301}"/>
-    <dgm:cxn modelId="{033E09AC-6D4D-414E-862D-B5A442B1AC27}" type="presOf" srcId="{ABDCEAC1-7F67-454D-84AF-2ECB51702D13}" destId="{474233D3-0411-4ECF-9B57-DA9032FAB377}" srcOrd="0" destOrd="0" presId="urn:microsoft.com/office/officeart/2005/8/layout/vList5"/>
-    <dgm:cxn modelId="{71EEBC94-C7CD-44E6-B1DC-DAF8B3C40CCA}" srcId="{5B42A3B2-F1A4-4AAD-92E6-CBE520DF75A4}" destId="{D80178D8-855D-4D8C-BAE2-17D72C190F1C}" srcOrd="4" destOrd="0" parTransId="{CE8167CF-87E1-42C1-8B64-351F9D65AEA0}" sibTransId="{42623A96-96F1-43CA-BA62-11C446A70135}"/>
-    <dgm:cxn modelId="{4137832A-ED43-4C35-B279-B35137E9B3E9}" srcId="{8587132E-9006-496A-8F9A-F4971DD58E1B}" destId="{6896E919-8BCC-48FF-BCE3-BFE66BFB1A06}" srcOrd="0" destOrd="0" parTransId="{E36E377B-B494-400F-B163-198EA04FA50E}" sibTransId="{7D1BA1F4-2223-4C45-815D-8FB75C8F2E3A}"/>
-    <dgm:cxn modelId="{E08744B4-69D5-4A50-89E1-C260D5ED9AC7}" type="presOf" srcId="{B7551B5D-2840-4B19-AA2B-F2E0633B3A37}" destId="{EA225968-22AD-4266-B086-723503A371EA}" srcOrd="0" destOrd="0" presId="urn:microsoft.com/office/officeart/2005/8/layout/vList5"/>
-    <dgm:cxn modelId="{1118EDD1-B889-4A46-BD09-FD906CE2F23D}" type="presOf" srcId="{AA89FF9F-D7AB-46FF-8516-736811A50D78}" destId="{81427C62-5655-4813-AC16-2932A923AE10}" srcOrd="0" destOrd="0" presId="urn:microsoft.com/office/officeart/2005/8/layout/vList5"/>
-    <dgm:cxn modelId="{3F3BF574-AAD8-419F-B503-96D047DF15CE}" type="presParOf" srcId="{1AC5862D-3A38-4A56-8BBB-5228D3259E64}" destId="{6FBAC80C-69A4-4EBB-A9DA-D287B5B59A74}" srcOrd="0" destOrd="0" presId="urn:microsoft.com/office/officeart/2005/8/layout/vList5"/>
-    <dgm:cxn modelId="{85AE3A7E-A6C9-4A33-B561-3AC2428D6853}" type="presParOf" srcId="{6FBAC80C-69A4-4EBB-A9DA-D287B5B59A74}" destId="{909E8BCD-0B1A-41E7-BFFF-B89785456621}" srcOrd="0" destOrd="0" presId="urn:microsoft.com/office/officeart/2005/8/layout/vList5"/>
-    <dgm:cxn modelId="{134167C9-1E13-44A1-A9FB-452A02FA070E}" type="presParOf" srcId="{6FBAC80C-69A4-4EBB-A9DA-D287B5B59A74}" destId="{D79D4B58-D90B-49E8-B5D0-2B484EB6045D}" srcOrd="1" destOrd="0" presId="urn:microsoft.com/office/officeart/2005/8/layout/vList5"/>
-    <dgm:cxn modelId="{05636F7B-36C9-4CB3-AFAF-E9D1A66F1CE5}" type="presParOf" srcId="{1AC5862D-3A38-4A56-8BBB-5228D3259E64}" destId="{5D45381C-B684-45E5-830D-7FD1D03F4A05}" srcOrd="1" destOrd="0" presId="urn:microsoft.com/office/officeart/2005/8/layout/vList5"/>
-    <dgm:cxn modelId="{DA5A8610-4F2E-4FB5-82E2-2E62773FA8E0}" type="presParOf" srcId="{1AC5862D-3A38-4A56-8BBB-5228D3259E64}" destId="{9B51A4DE-B6D5-40AF-9677-01216D6B4A3E}" srcOrd="2" destOrd="0" presId="urn:microsoft.com/office/officeart/2005/8/layout/vList5"/>
-    <dgm:cxn modelId="{D1298959-16D2-4ED6-BB62-4F5D7C737372}" type="presParOf" srcId="{9B51A4DE-B6D5-40AF-9677-01216D6B4A3E}" destId="{E917558F-FB63-4C8C-B6E7-90B2277A6599}" srcOrd="0" destOrd="0" presId="urn:microsoft.com/office/officeart/2005/8/layout/vList5"/>
-    <dgm:cxn modelId="{1E9E995F-D92E-4823-84A6-00B9EB1F846D}" type="presParOf" srcId="{9B51A4DE-B6D5-40AF-9677-01216D6B4A3E}" destId="{81427C62-5655-4813-AC16-2932A923AE10}" srcOrd="1" destOrd="0" presId="urn:microsoft.com/office/officeart/2005/8/layout/vList5"/>
-    <dgm:cxn modelId="{41CDB03E-8F89-49B6-B2CD-701E8E56379D}" type="presParOf" srcId="{1AC5862D-3A38-4A56-8BBB-5228D3259E64}" destId="{14212636-F421-4526-A21C-7715BA11006E}" srcOrd="3" destOrd="0" presId="urn:microsoft.com/office/officeart/2005/8/layout/vList5"/>
-    <dgm:cxn modelId="{4FA13E73-337D-4519-A72D-B838CD26CE79}" type="presParOf" srcId="{1AC5862D-3A38-4A56-8BBB-5228D3259E64}" destId="{8238E36F-A275-4864-A804-E394281E7CCA}" srcOrd="4" destOrd="0" presId="urn:microsoft.com/office/officeart/2005/8/layout/vList5"/>
-    <dgm:cxn modelId="{BFF96F75-1837-4C87-8F98-B772100E80B3}" type="presParOf" srcId="{8238E36F-A275-4864-A804-E394281E7CCA}" destId="{EA225968-22AD-4266-B086-723503A371EA}" srcOrd="0" destOrd="0" presId="urn:microsoft.com/office/officeart/2005/8/layout/vList5"/>
-    <dgm:cxn modelId="{063EDE52-BF4D-4D05-B60B-DDC96D7450BF}" type="presParOf" srcId="{8238E36F-A275-4864-A804-E394281E7CCA}" destId="{99BD9C8E-022D-4F32-A31D-148DD74E6557}" srcOrd="1" destOrd="0" presId="urn:microsoft.com/office/officeart/2005/8/layout/vList5"/>
-    <dgm:cxn modelId="{48BC45E6-E0D1-41C4-BFDF-0F06250A7EAC}" type="presParOf" srcId="{1AC5862D-3A38-4A56-8BBB-5228D3259E64}" destId="{BF86218A-120F-4FE7-A3F1-2A48612DC2DC}" srcOrd="5" destOrd="0" presId="urn:microsoft.com/office/officeart/2005/8/layout/vList5"/>
-    <dgm:cxn modelId="{7F1C1147-1A52-4020-B70F-09FBAF399F0E}" type="presParOf" srcId="{1AC5862D-3A38-4A56-8BBB-5228D3259E64}" destId="{7A87EEED-2608-4043-8C84-40F9DA9DDD70}" srcOrd="6" destOrd="0" presId="urn:microsoft.com/office/officeart/2005/8/layout/vList5"/>
-    <dgm:cxn modelId="{8129AC9F-9E74-4687-BABE-BAF17A11BA2B}" type="presParOf" srcId="{7A87EEED-2608-4043-8C84-40F9DA9DDD70}" destId="{BBCE9DB0-30FE-4481-8950-EA0291BD87A0}" srcOrd="0" destOrd="0" presId="urn:microsoft.com/office/officeart/2005/8/layout/vList5"/>
-    <dgm:cxn modelId="{6F8E8621-02F9-48CE-9453-EE5020208D3A}" type="presParOf" srcId="{7A87EEED-2608-4043-8C84-40F9DA9DDD70}" destId="{474233D3-0411-4ECF-9B57-DA9032FAB377}" srcOrd="1" destOrd="0" presId="urn:microsoft.com/office/officeart/2005/8/layout/vList5"/>
-    <dgm:cxn modelId="{E36684EE-265C-4306-9DFB-24904897DFA9}" type="presParOf" srcId="{1AC5862D-3A38-4A56-8BBB-5228D3259E64}" destId="{ECA73D05-C2D3-4AC4-AFE3-81DAA6BD0502}" srcOrd="7" destOrd="0" presId="urn:microsoft.com/office/officeart/2005/8/layout/vList5"/>
-    <dgm:cxn modelId="{A064624A-1B85-41E9-900A-FE2EA119064D}" type="presParOf" srcId="{1AC5862D-3A38-4A56-8BBB-5228D3259E64}" destId="{9FF05EAD-1DA9-4264-8A45-2D9D0E980D05}" srcOrd="8" destOrd="0" presId="urn:microsoft.com/office/officeart/2005/8/layout/vList5"/>
-    <dgm:cxn modelId="{CB263D74-2776-4F45-82C6-77B7095FE2E8}" type="presParOf" srcId="{9FF05EAD-1DA9-4264-8A45-2D9D0E980D05}" destId="{0444FB80-74ED-4F37-8840-17FDC27037F5}" srcOrd="0" destOrd="0" presId="urn:microsoft.com/office/officeart/2005/8/layout/vList5"/>
-    <dgm:cxn modelId="{ADA25AD9-B200-4384-A4EA-1DD02145B3CB}" type="presParOf" srcId="{9FF05EAD-1DA9-4264-8A45-2D9D0E980D05}" destId="{D97DA0F3-6CD0-44B6-8BDD-0058B220E174}" srcOrd="1" destOrd="0" presId="urn:microsoft.com/office/officeart/2005/8/layout/vList5"/>
-  </dgm:cxnLst>
-  <dgm:bg/>
-  <dgm:whole/>
-  <dgm:extLst>
-    <a:ext uri="http://schemas.microsoft.com/office/drawing/2008/diagram">
-      <dsp:dataModelExt xmlns:dsp="http://schemas.microsoft.com/office/drawing/2008/diagram" relId="rId8" minVer="http://schemas.openxmlformats.org/drawingml/2006/diagram"/>
-    </a:ext>
-  </dgm:extLst>
-</dgm:dataModel>
-</file>
-
-<file path=ppt/diagrams/data3.xml><?xml version="1.0" encoding="utf-8"?>
-<dgm:dataModel xmlns:dgm="http://schemas.openxmlformats.org/drawingml/2006/diagram" xmlns:a="http://schemas.openxmlformats.org/drawingml/2006/main">
-  <dgm:ptLst>
     <dgm:pt modelId="{380B52FA-39C6-48EA-999F-FF4935E2FF90}" type="doc">
       <dgm:prSet loTypeId="urn:microsoft.com/office/officeart/2008/layout/VerticalCurvedList" loCatId="list" qsTypeId="urn:microsoft.com/office/officeart/2005/8/quickstyle/simple1" qsCatId="simple" csTypeId="urn:microsoft.com/office/officeart/2005/8/colors/accent1_2" csCatId="accent1" phldr="1"/>
       <dgm:spPr/>
@@ -5425,7 +4012,7 @@
 </dgm:dataModel>
 </file>
 
-<file path=ppt/diagrams/data4.xml><?xml version="1.0" encoding="utf-8"?>
+<file path=ppt/diagrams/data3.xml><?xml version="1.0" encoding="utf-8"?>
 <dgm:dataModel xmlns:dgm="http://schemas.openxmlformats.org/drawingml/2006/diagram" xmlns:a="http://schemas.openxmlformats.org/drawingml/2006/main">
   <dgm:ptLst>
     <dgm:pt modelId="{380B52FA-39C6-48EA-999F-FF4935E2FF90}" type="doc">
@@ -5691,7 +4278,7 @@
 </dgm:dataModel>
 </file>
 
-<file path=ppt/diagrams/data5.xml><?xml version="1.0" encoding="utf-8"?>
+<file path=ppt/diagrams/data4.xml><?xml version="1.0" encoding="utf-8"?>
 <dgm:dataModel xmlns:dgm="http://schemas.openxmlformats.org/drawingml/2006/diagram" xmlns:a="http://schemas.openxmlformats.org/drawingml/2006/main">
   <dgm:ptLst>
     <dgm:pt modelId="{380B52FA-39C6-48EA-999F-FF4935E2FF90}" type="doc">
@@ -6211,20 +4798,20 @@
     </dgm:pt>
   </dgm:ptLst>
   <dgm:cxnLst>
+    <dgm:cxn modelId="{A489847D-2ECA-4424-B17A-DB6FCE7A8A5A}" srcId="{380B52FA-39C6-48EA-999F-FF4935E2FF90}" destId="{61775FC0-4D76-4DBD-8D6A-B45D8C8F447D}" srcOrd="3" destOrd="0" parTransId="{5627AB7B-8D76-4D3F-B033-0452D2740CB8}" sibTransId="{A90BBD6A-B4C6-4C41-B0C1-AFAF3DD96903}"/>
+    <dgm:cxn modelId="{DD7C9394-52EF-48F5-8584-BA6AE850F2E4}" type="presOf" srcId="{380B52FA-39C6-48EA-999F-FF4935E2FF90}" destId="{E0294AD7-5684-4880-AFE3-8A287502C171}" srcOrd="0" destOrd="0" presId="urn:microsoft.com/office/officeart/2008/layout/VerticalCurvedList"/>
+    <dgm:cxn modelId="{E783B8BE-2BD4-4C04-BDDF-BE17ACA9F295}" type="presOf" srcId="{61775FC0-4D76-4DBD-8D6A-B45D8C8F447D}" destId="{2844CD40-437E-4C4F-A2EE-801021F6711B}" srcOrd="0" destOrd="0" presId="urn:microsoft.com/office/officeart/2008/layout/VerticalCurvedList"/>
     <dgm:cxn modelId="{49EE22DC-5F2C-4520-9ECA-69CA034E3E84}" type="presOf" srcId="{E3E24D61-DC83-4221-A625-3253A8A07D4E}" destId="{889CCFCF-85CF-42EE-B1C3-B84E8EE140C2}" srcOrd="0" destOrd="0" presId="urn:microsoft.com/office/officeart/2008/layout/VerticalCurvedList"/>
+    <dgm:cxn modelId="{8EDA5967-C3EE-4BA9-A906-3EBA10582C14}" srcId="{380B52FA-39C6-48EA-999F-FF4935E2FF90}" destId="{EB69C98D-0511-46AE-8510-7CCD8A94F1AD}" srcOrd="5" destOrd="0" parTransId="{D1EF9142-BF1B-46DC-9394-13F37661F665}" sibTransId="{10F45A30-D8F2-4C20-943B-AD10ADAF5F81}"/>
+    <dgm:cxn modelId="{8F895F7B-4E24-4CBD-875F-FDA24134C40E}" srcId="{380B52FA-39C6-48EA-999F-FF4935E2FF90}" destId="{0E8DDFC9-A553-43E8-8ADD-DACAFE998484}" srcOrd="4" destOrd="0" parTransId="{9A92C10D-6A46-4A28-B36F-8C076C8A2723}" sibTransId="{FA11F3E5-A6EE-4D12-9C43-9DA399E6752D}"/>
+    <dgm:cxn modelId="{DADC3634-6D46-4546-8DF3-F7E7D8CF2AD4}" type="presOf" srcId="{CC4D44A6-7179-4CCE-8B0E-9D963F120C7F}" destId="{969B7A61-92F9-49CC-BB98-4FCC80682E86}" srcOrd="0" destOrd="0" presId="urn:microsoft.com/office/officeart/2008/layout/VerticalCurvedList"/>
+    <dgm:cxn modelId="{89D38CD6-64FE-4FD5-BED7-753169C4CACF}" srcId="{380B52FA-39C6-48EA-999F-FF4935E2FF90}" destId="{269BCB6E-2880-4F18-9732-C0DD14CA6895}" srcOrd="1" destOrd="0" parTransId="{5152B2E3-1FA3-4D1F-89EB-C3BF645E7CFB}" sibTransId="{D9B8F87E-83B6-41F9-969F-08D3D7CDBBE0}"/>
     <dgm:cxn modelId="{A74E0EB2-308F-403E-9F75-A6F630C4E55D}" type="presOf" srcId="{0E8DDFC9-A553-43E8-8ADD-DACAFE998484}" destId="{E7CE5C3F-775D-45A0-8FC7-59E2443FB5BB}" srcOrd="0" destOrd="0" presId="urn:microsoft.com/office/officeart/2008/layout/VerticalCurvedList"/>
-    <dgm:cxn modelId="{009EA7D8-905E-4CF5-AD7F-033F2C5F116E}" type="presOf" srcId="{767EEABE-FA01-434B-BFB1-DABB2B0B3538}" destId="{B1E84231-A085-4FBA-A7F1-0724F2582F6F}" srcOrd="0" destOrd="0" presId="urn:microsoft.com/office/officeart/2008/layout/VerticalCurvedList"/>
-    <dgm:cxn modelId="{E783B8BE-2BD4-4C04-BDDF-BE17ACA9F295}" type="presOf" srcId="{61775FC0-4D76-4DBD-8D6A-B45D8C8F447D}" destId="{2844CD40-437E-4C4F-A2EE-801021F6711B}" srcOrd="0" destOrd="0" presId="urn:microsoft.com/office/officeart/2008/layout/VerticalCurvedList"/>
     <dgm:cxn modelId="{36190A50-AB37-4DBE-841D-84CE7B3AE27C}" type="presOf" srcId="{EB69C98D-0511-46AE-8510-7CCD8A94F1AD}" destId="{A6715B7B-E69E-49A7-BBDE-A964109AD82E}" srcOrd="0" destOrd="0" presId="urn:microsoft.com/office/officeart/2008/layout/VerticalCurvedList"/>
-    <dgm:cxn modelId="{89D38CD6-64FE-4FD5-BED7-753169C4CACF}" srcId="{380B52FA-39C6-48EA-999F-FF4935E2FF90}" destId="{269BCB6E-2880-4F18-9732-C0DD14CA6895}" srcOrd="1" destOrd="0" parTransId="{5152B2E3-1FA3-4D1F-89EB-C3BF645E7CFB}" sibTransId="{D9B8F87E-83B6-41F9-969F-08D3D7CDBBE0}"/>
-    <dgm:cxn modelId="{DADC3634-6D46-4546-8DF3-F7E7D8CF2AD4}" type="presOf" srcId="{CC4D44A6-7179-4CCE-8B0E-9D963F120C7F}" destId="{969B7A61-92F9-49CC-BB98-4FCC80682E86}" srcOrd="0" destOrd="0" presId="urn:microsoft.com/office/officeart/2008/layout/VerticalCurvedList"/>
-    <dgm:cxn modelId="{DD7C9394-52EF-48F5-8584-BA6AE850F2E4}" type="presOf" srcId="{380B52FA-39C6-48EA-999F-FF4935E2FF90}" destId="{E0294AD7-5684-4880-AFE3-8A287502C171}" srcOrd="0" destOrd="0" presId="urn:microsoft.com/office/officeart/2008/layout/VerticalCurvedList"/>
-    <dgm:cxn modelId="{A489847D-2ECA-4424-B17A-DB6FCE7A8A5A}" srcId="{380B52FA-39C6-48EA-999F-FF4935E2FF90}" destId="{61775FC0-4D76-4DBD-8D6A-B45D8C8F447D}" srcOrd="3" destOrd="0" parTransId="{5627AB7B-8D76-4D3F-B033-0452D2740CB8}" sibTransId="{A90BBD6A-B4C6-4C41-B0C1-AFAF3DD96903}"/>
-    <dgm:cxn modelId="{FFD5E230-1508-477F-88DA-0B1AAA7F61BA}" srcId="{380B52FA-39C6-48EA-999F-FF4935E2FF90}" destId="{E3E24D61-DC83-4221-A625-3253A8A07D4E}" srcOrd="0" destOrd="0" parTransId="{171B5AE9-D9B6-4240-9D84-221E824F7A31}" sibTransId="{CC4D44A6-7179-4CCE-8B0E-9D963F120C7F}"/>
-    <dgm:cxn modelId="{8F895F7B-4E24-4CBD-875F-FDA24134C40E}" srcId="{380B52FA-39C6-48EA-999F-FF4935E2FF90}" destId="{0E8DDFC9-A553-43E8-8ADD-DACAFE998484}" srcOrd="4" destOrd="0" parTransId="{9A92C10D-6A46-4A28-B36F-8C076C8A2723}" sibTransId="{FA11F3E5-A6EE-4D12-9C43-9DA399E6752D}"/>
-    <dgm:cxn modelId="{8EDA5967-C3EE-4BA9-A906-3EBA10582C14}" srcId="{380B52FA-39C6-48EA-999F-FF4935E2FF90}" destId="{EB69C98D-0511-46AE-8510-7CCD8A94F1AD}" srcOrd="5" destOrd="0" parTransId="{D1EF9142-BF1B-46DC-9394-13F37661F665}" sibTransId="{10F45A30-D8F2-4C20-943B-AD10ADAF5F81}"/>
     <dgm:cxn modelId="{60CFD0AC-A92A-4E72-A578-D3B8F4590D91}" srcId="{380B52FA-39C6-48EA-999F-FF4935E2FF90}" destId="{767EEABE-FA01-434B-BFB1-DABB2B0B3538}" srcOrd="2" destOrd="0" parTransId="{B7276962-EA13-4004-8FCA-9E43AC3736C6}" sibTransId="{3D676867-16F7-4C1B-968F-0A14807FFE0B}"/>
     <dgm:cxn modelId="{25D2925A-D2DA-429F-B20F-2442D31D4DFD}" type="presOf" srcId="{269BCB6E-2880-4F18-9732-C0DD14CA6895}" destId="{21664CED-339C-476D-85A5-28A63C40B1E3}" srcOrd="0" destOrd="0" presId="urn:microsoft.com/office/officeart/2008/layout/VerticalCurvedList"/>
+    <dgm:cxn modelId="{009EA7D8-905E-4CF5-AD7F-033F2C5F116E}" type="presOf" srcId="{767EEABE-FA01-434B-BFB1-DABB2B0B3538}" destId="{B1E84231-A085-4FBA-A7F1-0724F2582F6F}" srcOrd="0" destOrd="0" presId="urn:microsoft.com/office/officeart/2008/layout/VerticalCurvedList"/>
+    <dgm:cxn modelId="{FFD5E230-1508-477F-88DA-0B1AAA7F61BA}" srcId="{380B52FA-39C6-48EA-999F-FF4935E2FF90}" destId="{E3E24D61-DC83-4221-A625-3253A8A07D4E}" srcOrd="0" destOrd="0" parTransId="{171B5AE9-D9B6-4240-9D84-221E824F7A31}" sibTransId="{CC4D44A6-7179-4CCE-8B0E-9D963F120C7F}"/>
     <dgm:cxn modelId="{C46509FA-7F85-4FA4-8CA6-EECBA266541B}" type="presParOf" srcId="{E0294AD7-5684-4880-AFE3-8A287502C171}" destId="{2E0DEE6A-5A2C-4DBC-BAF6-E16EE66D546C}" srcOrd="0" destOrd="0" presId="urn:microsoft.com/office/officeart/2008/layout/VerticalCurvedList"/>
     <dgm:cxn modelId="{8A2611CE-8BE6-42B4-9D4E-C80EE0450B79}" type="presParOf" srcId="{2E0DEE6A-5A2C-4DBC-BAF6-E16EE66D546C}" destId="{6EF8B487-7303-479A-BD85-C2D10E331B67}" srcOrd="0" destOrd="0" presId="urn:microsoft.com/office/officeart/2008/layout/VerticalCurvedList"/>
     <dgm:cxn modelId="{72A1D9A8-C010-4595-9578-E6A7B2DB590D}" type="presParOf" srcId="{6EF8B487-7303-479A-BD85-C2D10E331B67}" destId="{D36A4E98-F327-423B-891D-6DAB05EE96EE}" srcOrd="0" destOrd="0" presId="urn:microsoft.com/office/officeart/2008/layout/VerticalCurvedList"/>
@@ -6521,7 +5108,7 @@
             </a:spcAft>
           </a:pPr>
           <a:r>
-            <a:rPr lang="es-AR" sz="2400" b="1" kern="1200" smtClean="0">
+            <a:rPr lang="es-AR" sz="2400" b="1" kern="1200" dirty="0" smtClean="0">
               <a:effectLst>
                 <a:outerShdw blurRad="38100" dist="38100" dir="2700000" algn="tl">
                   <a:srgbClr val="000000">
@@ -7035,6 +5622,431 @@
       <dsp:cNvGrpSpPr/>
     </dsp:nvGrpSpPr>
     <dsp:grpSpPr/>
+    <dsp:sp modelId="{969B7A61-92F9-49CC-BB98-4FCC80682E86}">
+      <dsp:nvSpPr>
+        <dsp:cNvPr id="0" name=""/>
+        <dsp:cNvSpPr/>
+      </dsp:nvSpPr>
+      <dsp:spPr>
+        <a:xfrm>
+          <a:off x="-2377311" y="-367361"/>
+          <a:ext cx="2839151" cy="2839151"/>
+        </a:xfrm>
+        <a:prstGeom prst="blockArc">
+          <a:avLst>
+            <a:gd name="adj1" fmla="val 18900000"/>
+            <a:gd name="adj2" fmla="val 2700000"/>
+            <a:gd name="adj3" fmla="val 761"/>
+          </a:avLst>
+        </a:prstGeom>
+        <a:noFill/>
+        <a:ln w="15875" cap="rnd" cmpd="sng" algn="ctr">
+          <a:solidFill>
+            <a:schemeClr val="accent1">
+              <a:shade val="60000"/>
+              <a:hueOff val="0"/>
+              <a:satOff val="0"/>
+              <a:lumOff val="0"/>
+              <a:alphaOff val="0"/>
+            </a:schemeClr>
+          </a:solidFill>
+          <a:prstDash val="solid"/>
+        </a:ln>
+        <a:effectLst/>
+      </dsp:spPr>
+      <dsp:style>
+        <a:lnRef idx="2">
+          <a:scrgbClr r="0" g="0" b="0"/>
+        </a:lnRef>
+        <a:fillRef idx="0">
+          <a:scrgbClr r="0" g="0" b="0"/>
+        </a:fillRef>
+        <a:effectRef idx="0">
+          <a:scrgbClr r="0" g="0" b="0"/>
+        </a:effectRef>
+        <a:fontRef idx="minor"/>
+      </dsp:style>
+    </dsp:sp>
+    <dsp:sp modelId="{41020649-5A09-447F-B967-57AFAA3251EE}">
+      <dsp:nvSpPr>
+        <dsp:cNvPr id="0" name=""/>
+        <dsp:cNvSpPr/>
+      </dsp:nvSpPr>
+      <dsp:spPr>
+        <a:xfrm>
+          <a:off x="296898" y="210442"/>
+          <a:ext cx="7853874" cy="420885"/>
+        </a:xfrm>
+        <a:prstGeom prst="rect">
+          <a:avLst/>
+        </a:prstGeom>
+        <a:solidFill>
+          <a:schemeClr val="accent1">
+            <a:hueOff val="0"/>
+            <a:satOff val="0"/>
+            <a:lumOff val="0"/>
+            <a:alphaOff val="0"/>
+          </a:schemeClr>
+        </a:solidFill>
+        <a:ln w="15875" cap="rnd" cmpd="sng" algn="ctr">
+          <a:solidFill>
+            <a:schemeClr val="lt1">
+              <a:hueOff val="0"/>
+              <a:satOff val="0"/>
+              <a:lumOff val="0"/>
+              <a:alphaOff val="0"/>
+            </a:schemeClr>
+          </a:solidFill>
+          <a:prstDash val="solid"/>
+        </a:ln>
+        <a:effectLst/>
+      </dsp:spPr>
+      <dsp:style>
+        <a:lnRef idx="2">
+          <a:scrgbClr r="0" g="0" b="0"/>
+        </a:lnRef>
+        <a:fillRef idx="1">
+          <a:scrgbClr r="0" g="0" b="0"/>
+        </a:fillRef>
+        <a:effectRef idx="0">
+          <a:scrgbClr r="0" g="0" b="0"/>
+        </a:effectRef>
+        <a:fontRef idx="minor">
+          <a:schemeClr val="lt1"/>
+        </a:fontRef>
+      </dsp:style>
+      <dsp:txBody>
+        <a:bodyPr spcFirstLastPara="0" vert="horz" wrap="square" lIns="334078" tIns="50800" rIns="50800" bIns="50800" numCol="1" spcCol="1270" anchor="ctr" anchorCtr="0">
+          <a:noAutofit/>
+        </a:bodyPr>
+        <a:lstStyle/>
+        <a:p>
+          <a:pPr lvl="0" algn="l" defTabSz="889000">
+            <a:lnSpc>
+              <a:spcPct val="90000"/>
+            </a:lnSpc>
+            <a:spcBef>
+              <a:spcPct val="0"/>
+            </a:spcBef>
+            <a:spcAft>
+              <a:spcPct val="35000"/>
+            </a:spcAft>
+          </a:pPr>
+          <a:r>
+            <a:rPr lang="es-AR" sz="2000" b="1" kern="1200" dirty="0" smtClean="0"/>
+            <a:t>SCRUM: </a:t>
+          </a:r>
+          <a:r>
+            <a:rPr lang="es-AR" sz="2000" kern="1200" dirty="0" smtClean="0"/>
+            <a:t>Framework de Gestión de Proyecto</a:t>
+          </a:r>
+          <a:endParaRPr lang="es-ES" sz="2000" kern="1200" dirty="0"/>
+        </a:p>
+      </dsp:txBody>
+      <dsp:txXfrm>
+        <a:off x="296898" y="210442"/>
+        <a:ext cx="7853874" cy="420885"/>
+      </dsp:txXfrm>
+    </dsp:sp>
+    <dsp:sp modelId="{1952AAD4-5524-418F-83C8-E32D1A990390}">
+      <dsp:nvSpPr>
+        <dsp:cNvPr id="0" name=""/>
+        <dsp:cNvSpPr/>
+      </dsp:nvSpPr>
+      <dsp:spPr>
+        <a:xfrm>
+          <a:off x="33845" y="157832"/>
+          <a:ext cx="526107" cy="526107"/>
+        </a:xfrm>
+        <a:prstGeom prst="ellipse">
+          <a:avLst/>
+        </a:prstGeom>
+        <a:solidFill>
+          <a:schemeClr val="lt1">
+            <a:hueOff val="0"/>
+            <a:satOff val="0"/>
+            <a:lumOff val="0"/>
+            <a:alphaOff val="0"/>
+          </a:schemeClr>
+        </a:solidFill>
+        <a:ln w="15875" cap="rnd" cmpd="sng" algn="ctr">
+          <a:solidFill>
+            <a:schemeClr val="accent1">
+              <a:hueOff val="0"/>
+              <a:satOff val="0"/>
+              <a:lumOff val="0"/>
+              <a:alphaOff val="0"/>
+            </a:schemeClr>
+          </a:solidFill>
+          <a:prstDash val="solid"/>
+        </a:ln>
+        <a:effectLst/>
+      </dsp:spPr>
+      <dsp:style>
+        <a:lnRef idx="2">
+          <a:scrgbClr r="0" g="0" b="0"/>
+        </a:lnRef>
+        <a:fillRef idx="1">
+          <a:scrgbClr r="0" g="0" b="0"/>
+        </a:fillRef>
+        <a:effectRef idx="0">
+          <a:scrgbClr r="0" g="0" b="0"/>
+        </a:effectRef>
+        <a:fontRef idx="minor"/>
+      </dsp:style>
+    </dsp:sp>
+    <dsp:sp modelId="{2FAE4E58-6639-4FEB-B790-D54E65E84C74}">
+      <dsp:nvSpPr>
+        <dsp:cNvPr id="0" name=""/>
+        <dsp:cNvSpPr/>
+      </dsp:nvSpPr>
+      <dsp:spPr>
+        <a:xfrm>
+          <a:off x="449890" y="841771"/>
+          <a:ext cx="7700882" cy="420885"/>
+        </a:xfrm>
+        <a:prstGeom prst="rect">
+          <a:avLst/>
+        </a:prstGeom>
+        <a:solidFill>
+          <a:schemeClr val="accent1">
+            <a:hueOff val="0"/>
+            <a:satOff val="0"/>
+            <a:lumOff val="0"/>
+            <a:alphaOff val="0"/>
+          </a:schemeClr>
+        </a:solidFill>
+        <a:ln w="15875" cap="rnd" cmpd="sng" algn="ctr">
+          <a:solidFill>
+            <a:schemeClr val="lt1">
+              <a:hueOff val="0"/>
+              <a:satOff val="0"/>
+              <a:lumOff val="0"/>
+              <a:alphaOff val="0"/>
+            </a:schemeClr>
+          </a:solidFill>
+          <a:prstDash val="solid"/>
+        </a:ln>
+        <a:effectLst/>
+      </dsp:spPr>
+      <dsp:style>
+        <a:lnRef idx="2">
+          <a:scrgbClr r="0" g="0" b="0"/>
+        </a:lnRef>
+        <a:fillRef idx="1">
+          <a:scrgbClr r="0" g="0" b="0"/>
+        </a:fillRef>
+        <a:effectRef idx="0">
+          <a:scrgbClr r="0" g="0" b="0"/>
+        </a:effectRef>
+        <a:fontRef idx="minor">
+          <a:schemeClr val="lt1"/>
+        </a:fontRef>
+      </dsp:style>
+      <dsp:txBody>
+        <a:bodyPr spcFirstLastPara="0" vert="horz" wrap="square" lIns="334078" tIns="50800" rIns="50800" bIns="50800" numCol="1" spcCol="1270" anchor="ctr" anchorCtr="0">
+          <a:noAutofit/>
+        </a:bodyPr>
+        <a:lstStyle/>
+        <a:p>
+          <a:pPr lvl="0" algn="l" defTabSz="889000">
+            <a:lnSpc>
+              <a:spcPct val="90000"/>
+            </a:lnSpc>
+            <a:spcBef>
+              <a:spcPct val="0"/>
+            </a:spcBef>
+            <a:spcAft>
+              <a:spcPct val="35000"/>
+            </a:spcAft>
+          </a:pPr>
+          <a:r>
+            <a:rPr lang="es-ES" sz="2000" kern="1200" dirty="0" smtClean="0"/>
+            <a:t>Seguimiento y Control de Proyecto</a:t>
+          </a:r>
+          <a:endParaRPr lang="es-ES" sz="2000" kern="1200" dirty="0"/>
+        </a:p>
+      </dsp:txBody>
+      <dsp:txXfrm>
+        <a:off x="449890" y="841771"/>
+        <a:ext cx="7700882" cy="420885"/>
+      </dsp:txXfrm>
+    </dsp:sp>
+    <dsp:sp modelId="{147902AD-0839-4A77-B901-5788D58B81DA}">
+      <dsp:nvSpPr>
+        <dsp:cNvPr id="0" name=""/>
+        <dsp:cNvSpPr/>
+      </dsp:nvSpPr>
+      <dsp:spPr>
+        <a:xfrm>
+          <a:off x="186836" y="789160"/>
+          <a:ext cx="526107" cy="526107"/>
+        </a:xfrm>
+        <a:prstGeom prst="ellipse">
+          <a:avLst/>
+        </a:prstGeom>
+        <a:solidFill>
+          <a:schemeClr val="lt1">
+            <a:hueOff val="0"/>
+            <a:satOff val="0"/>
+            <a:lumOff val="0"/>
+            <a:alphaOff val="0"/>
+          </a:schemeClr>
+        </a:solidFill>
+        <a:ln w="15875" cap="rnd" cmpd="sng" algn="ctr">
+          <a:solidFill>
+            <a:schemeClr val="accent1">
+              <a:hueOff val="0"/>
+              <a:satOff val="0"/>
+              <a:lumOff val="0"/>
+              <a:alphaOff val="0"/>
+            </a:schemeClr>
+          </a:solidFill>
+          <a:prstDash val="solid"/>
+        </a:ln>
+        <a:effectLst/>
+      </dsp:spPr>
+      <dsp:style>
+        <a:lnRef idx="2">
+          <a:scrgbClr r="0" g="0" b="0"/>
+        </a:lnRef>
+        <a:fillRef idx="1">
+          <a:scrgbClr r="0" g="0" b="0"/>
+        </a:fillRef>
+        <a:effectRef idx="0">
+          <a:scrgbClr r="0" g="0" b="0"/>
+        </a:effectRef>
+        <a:fontRef idx="minor"/>
+      </dsp:style>
+    </dsp:sp>
+    <dsp:sp modelId="{C7361695-FD83-4385-A0C8-BA8686F4E414}">
+      <dsp:nvSpPr>
+        <dsp:cNvPr id="0" name=""/>
+        <dsp:cNvSpPr/>
+      </dsp:nvSpPr>
+      <dsp:spPr>
+        <a:xfrm>
+          <a:off x="296898" y="1473099"/>
+          <a:ext cx="7853874" cy="420885"/>
+        </a:xfrm>
+        <a:prstGeom prst="rect">
+          <a:avLst/>
+        </a:prstGeom>
+        <a:solidFill>
+          <a:schemeClr val="accent1">
+            <a:hueOff val="0"/>
+            <a:satOff val="0"/>
+            <a:lumOff val="0"/>
+            <a:alphaOff val="0"/>
+          </a:schemeClr>
+        </a:solidFill>
+        <a:ln w="15875" cap="rnd" cmpd="sng" algn="ctr">
+          <a:solidFill>
+            <a:schemeClr val="lt1">
+              <a:hueOff val="0"/>
+              <a:satOff val="0"/>
+              <a:lumOff val="0"/>
+              <a:alphaOff val="0"/>
+            </a:schemeClr>
+          </a:solidFill>
+          <a:prstDash val="solid"/>
+        </a:ln>
+        <a:effectLst/>
+      </dsp:spPr>
+      <dsp:style>
+        <a:lnRef idx="2">
+          <a:scrgbClr r="0" g="0" b="0"/>
+        </a:lnRef>
+        <a:fillRef idx="1">
+          <a:scrgbClr r="0" g="0" b="0"/>
+        </a:fillRef>
+        <a:effectRef idx="0">
+          <a:scrgbClr r="0" g="0" b="0"/>
+        </a:effectRef>
+        <a:fontRef idx="minor">
+          <a:schemeClr val="lt1"/>
+        </a:fontRef>
+      </dsp:style>
+      <dsp:txBody>
+        <a:bodyPr spcFirstLastPara="0" vert="horz" wrap="square" lIns="334078" tIns="50800" rIns="50800" bIns="50800" numCol="1" spcCol="1270" anchor="ctr" anchorCtr="0">
+          <a:noAutofit/>
+        </a:bodyPr>
+        <a:lstStyle/>
+        <a:p>
+          <a:pPr lvl="0" algn="l" defTabSz="889000">
+            <a:lnSpc>
+              <a:spcPct val="90000"/>
+            </a:lnSpc>
+            <a:spcBef>
+              <a:spcPct val="0"/>
+            </a:spcBef>
+            <a:spcAft>
+              <a:spcPct val="35000"/>
+            </a:spcAft>
+          </a:pPr>
+          <a:r>
+            <a:rPr lang="es-AR" sz="2000" b="1" kern="1200" dirty="0" smtClean="0"/>
+            <a:t>Métricas e Indicadores </a:t>
+          </a:r>
+          <a:r>
+            <a:rPr lang="es-AR" sz="2000" kern="1200" dirty="0" smtClean="0"/>
+            <a:t>de Proyecto y de Producto </a:t>
+          </a:r>
+          <a:endParaRPr lang="es-ES" sz="2000" kern="1200" dirty="0"/>
+        </a:p>
+      </dsp:txBody>
+      <dsp:txXfrm>
+        <a:off x="296898" y="1473099"/>
+        <a:ext cx="7853874" cy="420885"/>
+      </dsp:txXfrm>
+    </dsp:sp>
+    <dsp:sp modelId="{876F9F0B-15C7-4E40-97CF-C02C7289BCAE}">
+      <dsp:nvSpPr>
+        <dsp:cNvPr id="0" name=""/>
+        <dsp:cNvSpPr/>
+      </dsp:nvSpPr>
+      <dsp:spPr>
+        <a:xfrm>
+          <a:off x="33845" y="1420488"/>
+          <a:ext cx="526107" cy="526107"/>
+        </a:xfrm>
+        <a:prstGeom prst="ellipse">
+          <a:avLst/>
+        </a:prstGeom>
+        <a:solidFill>
+          <a:schemeClr val="lt1">
+            <a:hueOff val="0"/>
+            <a:satOff val="0"/>
+            <a:lumOff val="0"/>
+            <a:alphaOff val="0"/>
+          </a:schemeClr>
+        </a:solidFill>
+        <a:ln w="15875" cap="rnd" cmpd="sng" algn="ctr">
+          <a:solidFill>
+            <a:schemeClr val="accent1">
+              <a:hueOff val="0"/>
+              <a:satOff val="0"/>
+              <a:lumOff val="0"/>
+              <a:alphaOff val="0"/>
+            </a:schemeClr>
+          </a:solidFill>
+          <a:prstDash val="solid"/>
+        </a:ln>
+        <a:effectLst/>
+      </dsp:spPr>
+      <dsp:style>
+        <a:lnRef idx="2">
+          <a:scrgbClr r="0" g="0" b="0"/>
+        </a:lnRef>
+        <a:fillRef idx="1">
+          <a:scrgbClr r="0" g="0" b="0"/>
+        </a:fillRef>
+        <a:effectRef idx="0">
+          <a:scrgbClr r="0" g="0" b="0"/>
+        </a:effectRef>
+        <a:fontRef idx="minor"/>
+      </dsp:style>
+    </dsp:sp>
   </dsp:spTree>
 </dsp:drawing>
 </file>
@@ -7047,6 +6059,303 @@
       <dsp:cNvGrpSpPr/>
     </dsp:nvGrpSpPr>
     <dsp:grpSpPr/>
+    <dsp:sp modelId="{969B7A61-92F9-49CC-BB98-4FCC80682E86}">
+      <dsp:nvSpPr>
+        <dsp:cNvPr id="0" name=""/>
+        <dsp:cNvSpPr/>
+      </dsp:nvSpPr>
+      <dsp:spPr>
+        <a:xfrm>
+          <a:off x="-2702414" y="-419265"/>
+          <a:ext cx="3244726" cy="3244726"/>
+        </a:xfrm>
+        <a:prstGeom prst="blockArc">
+          <a:avLst>
+            <a:gd name="adj1" fmla="val 18900000"/>
+            <a:gd name="adj2" fmla="val 2700000"/>
+            <a:gd name="adj3" fmla="val 666"/>
+          </a:avLst>
+        </a:prstGeom>
+        <a:noFill/>
+        <a:ln w="15875" cap="rnd" cmpd="sng" algn="ctr">
+          <a:solidFill>
+            <a:schemeClr val="accent3">
+              <a:shade val="60000"/>
+              <a:hueOff val="0"/>
+              <a:satOff val="0"/>
+              <a:lumOff val="0"/>
+              <a:alphaOff val="0"/>
+            </a:schemeClr>
+          </a:solidFill>
+          <a:prstDash val="solid"/>
+        </a:ln>
+        <a:effectLst/>
+      </dsp:spPr>
+      <dsp:style>
+        <a:lnRef idx="2">
+          <a:scrgbClr r="0" g="0" b="0"/>
+        </a:lnRef>
+        <a:fillRef idx="0">
+          <a:scrgbClr r="0" g="0" b="0"/>
+        </a:fillRef>
+        <a:effectRef idx="0">
+          <a:scrgbClr r="0" g="0" b="0"/>
+        </a:effectRef>
+        <a:fontRef idx="minor"/>
+      </dsp:style>
+    </dsp:sp>
+    <dsp:sp modelId="{6055E40E-88DB-42DB-BE2A-E111F24F0BAC}">
+      <dsp:nvSpPr>
+        <dsp:cNvPr id="0" name=""/>
+        <dsp:cNvSpPr/>
+      </dsp:nvSpPr>
+      <dsp:spPr>
+        <a:xfrm>
+          <a:off x="442318" y="343749"/>
+          <a:ext cx="5455866" cy="687401"/>
+        </a:xfrm>
+        <a:prstGeom prst="rect">
+          <a:avLst/>
+        </a:prstGeom>
+        <a:solidFill>
+          <a:schemeClr val="accent3">
+            <a:hueOff val="0"/>
+            <a:satOff val="0"/>
+            <a:lumOff val="0"/>
+            <a:alphaOff val="0"/>
+          </a:schemeClr>
+        </a:solidFill>
+        <a:ln w="15875" cap="rnd" cmpd="sng" algn="ctr">
+          <a:solidFill>
+            <a:schemeClr val="lt1">
+              <a:hueOff val="0"/>
+              <a:satOff val="0"/>
+              <a:lumOff val="0"/>
+              <a:alphaOff val="0"/>
+            </a:schemeClr>
+          </a:solidFill>
+          <a:prstDash val="solid"/>
+        </a:ln>
+        <a:effectLst/>
+      </dsp:spPr>
+      <dsp:style>
+        <a:lnRef idx="2">
+          <a:scrgbClr r="0" g="0" b="0"/>
+        </a:lnRef>
+        <a:fillRef idx="1">
+          <a:scrgbClr r="0" g="0" b="0"/>
+        </a:fillRef>
+        <a:effectRef idx="0">
+          <a:scrgbClr r="0" g="0" b="0"/>
+        </a:effectRef>
+        <a:fontRef idx="minor">
+          <a:schemeClr val="lt1"/>
+        </a:fontRef>
+      </dsp:style>
+      <dsp:txBody>
+        <a:bodyPr spcFirstLastPara="0" vert="horz" wrap="square" lIns="545625" tIns="45720" rIns="45720" bIns="45720" numCol="1" spcCol="1270" anchor="ctr" anchorCtr="0">
+          <a:noAutofit/>
+        </a:bodyPr>
+        <a:lstStyle/>
+        <a:p>
+          <a:pPr lvl="0" algn="l" defTabSz="800100">
+            <a:lnSpc>
+              <a:spcPct val="90000"/>
+            </a:lnSpc>
+            <a:spcBef>
+              <a:spcPct val="0"/>
+            </a:spcBef>
+            <a:spcAft>
+              <a:spcPct val="35000"/>
+            </a:spcAft>
+          </a:pPr>
+          <a:r>
+            <a:rPr lang="es-AR" sz="1800" kern="1200" dirty="0" smtClean="0"/>
+            <a:t>2 reuniones semanales: </a:t>
+          </a:r>
+          <a:r>
+            <a:rPr lang="es-AR" sz="1800" b="1" kern="1200" dirty="0" smtClean="0"/>
+            <a:t>Martes y Sábados</a:t>
+          </a:r>
+          <a:endParaRPr lang="es-ES" sz="1800" b="1" kern="1200" dirty="0"/>
+        </a:p>
+      </dsp:txBody>
+      <dsp:txXfrm>
+        <a:off x="442318" y="343749"/>
+        <a:ext cx="5455866" cy="687401"/>
+      </dsp:txXfrm>
+    </dsp:sp>
+    <dsp:sp modelId="{EE92931F-C7E4-4156-83F5-14B75555FB3E}">
+      <dsp:nvSpPr>
+        <dsp:cNvPr id="0" name=""/>
+        <dsp:cNvSpPr/>
+      </dsp:nvSpPr>
+      <dsp:spPr>
+        <a:xfrm>
+          <a:off x="12692" y="257823"/>
+          <a:ext cx="859252" cy="859252"/>
+        </a:xfrm>
+        <a:prstGeom prst="ellipse">
+          <a:avLst/>
+        </a:prstGeom>
+        <a:solidFill>
+          <a:schemeClr val="lt1">
+            <a:hueOff val="0"/>
+            <a:satOff val="0"/>
+            <a:lumOff val="0"/>
+            <a:alphaOff val="0"/>
+          </a:schemeClr>
+        </a:solidFill>
+        <a:ln w="15875" cap="rnd" cmpd="sng" algn="ctr">
+          <a:solidFill>
+            <a:schemeClr val="accent3">
+              <a:hueOff val="0"/>
+              <a:satOff val="0"/>
+              <a:lumOff val="0"/>
+              <a:alphaOff val="0"/>
+            </a:schemeClr>
+          </a:solidFill>
+          <a:prstDash val="solid"/>
+        </a:ln>
+        <a:effectLst/>
+      </dsp:spPr>
+      <dsp:style>
+        <a:lnRef idx="2">
+          <a:scrgbClr r="0" g="0" b="0"/>
+        </a:lnRef>
+        <a:fillRef idx="1">
+          <a:scrgbClr r="0" g="0" b="0"/>
+        </a:fillRef>
+        <a:effectRef idx="0">
+          <a:scrgbClr r="0" g="0" b="0"/>
+        </a:effectRef>
+        <a:fontRef idx="minor"/>
+      </dsp:style>
+    </dsp:sp>
+    <dsp:sp modelId="{8B67C55B-DA1F-45A6-BC20-E88131C085C4}">
+      <dsp:nvSpPr>
+        <dsp:cNvPr id="0" name=""/>
+        <dsp:cNvSpPr/>
+      </dsp:nvSpPr>
+      <dsp:spPr>
+        <a:xfrm>
+          <a:off x="442318" y="1480869"/>
+          <a:ext cx="5455866" cy="475750"/>
+        </a:xfrm>
+        <a:prstGeom prst="rect">
+          <a:avLst/>
+        </a:prstGeom>
+        <a:solidFill>
+          <a:schemeClr val="accent3">
+            <a:hueOff val="0"/>
+            <a:satOff val="0"/>
+            <a:lumOff val="0"/>
+            <a:alphaOff val="0"/>
+          </a:schemeClr>
+        </a:solidFill>
+        <a:ln w="15875" cap="rnd" cmpd="sng" algn="ctr">
+          <a:solidFill>
+            <a:schemeClr val="lt1">
+              <a:hueOff val="0"/>
+              <a:satOff val="0"/>
+              <a:lumOff val="0"/>
+              <a:alphaOff val="0"/>
+            </a:schemeClr>
+          </a:solidFill>
+          <a:prstDash val="solid"/>
+        </a:ln>
+        <a:effectLst/>
+      </dsp:spPr>
+      <dsp:style>
+        <a:lnRef idx="2">
+          <a:scrgbClr r="0" g="0" b="0"/>
+        </a:lnRef>
+        <a:fillRef idx="1">
+          <a:scrgbClr r="0" g="0" b="0"/>
+        </a:fillRef>
+        <a:effectRef idx="0">
+          <a:scrgbClr r="0" g="0" b="0"/>
+        </a:effectRef>
+        <a:fontRef idx="minor">
+          <a:schemeClr val="lt1"/>
+        </a:fontRef>
+      </dsp:style>
+      <dsp:txBody>
+        <a:bodyPr spcFirstLastPara="0" vert="horz" wrap="square" lIns="545625" tIns="45720" rIns="45720" bIns="45720" numCol="1" spcCol="1270" anchor="ctr" anchorCtr="0">
+          <a:noAutofit/>
+        </a:bodyPr>
+        <a:lstStyle/>
+        <a:p>
+          <a:pPr lvl="0" algn="l" defTabSz="800100">
+            <a:lnSpc>
+              <a:spcPct val="90000"/>
+            </a:lnSpc>
+            <a:spcBef>
+              <a:spcPct val="0"/>
+            </a:spcBef>
+            <a:spcAft>
+              <a:spcPct val="35000"/>
+            </a:spcAft>
+          </a:pPr>
+          <a:r>
+            <a:rPr lang="es-AR" sz="1800" kern="1200" dirty="0" smtClean="0"/>
+            <a:t>Sprints comienzan y terminan Sábados</a:t>
+          </a:r>
+          <a:endParaRPr lang="es-ES" sz="1800" kern="1200" dirty="0"/>
+        </a:p>
+      </dsp:txBody>
+      <dsp:txXfrm>
+        <a:off x="442318" y="1480869"/>
+        <a:ext cx="5455866" cy="475750"/>
+      </dsp:txXfrm>
+    </dsp:sp>
+    <dsp:sp modelId="{0C24452A-0CF2-470A-B60A-A8B1139F8753}">
+      <dsp:nvSpPr>
+        <dsp:cNvPr id="0" name=""/>
+        <dsp:cNvSpPr/>
+      </dsp:nvSpPr>
+      <dsp:spPr>
+        <a:xfrm>
+          <a:off x="12692" y="1289118"/>
+          <a:ext cx="859252" cy="859252"/>
+        </a:xfrm>
+        <a:prstGeom prst="ellipse">
+          <a:avLst/>
+        </a:prstGeom>
+        <a:solidFill>
+          <a:schemeClr val="lt1">
+            <a:hueOff val="0"/>
+            <a:satOff val="0"/>
+            <a:lumOff val="0"/>
+            <a:alphaOff val="0"/>
+          </a:schemeClr>
+        </a:solidFill>
+        <a:ln w="15875" cap="rnd" cmpd="sng" algn="ctr">
+          <a:solidFill>
+            <a:schemeClr val="accent3">
+              <a:hueOff val="0"/>
+              <a:satOff val="0"/>
+              <a:lumOff val="0"/>
+              <a:alphaOff val="0"/>
+            </a:schemeClr>
+          </a:solidFill>
+          <a:prstDash val="solid"/>
+        </a:ln>
+        <a:effectLst/>
+      </dsp:spPr>
+      <dsp:style>
+        <a:lnRef idx="2">
+          <a:scrgbClr r="0" g="0" b="0"/>
+        </a:lnRef>
+        <a:fillRef idx="1">
+          <a:scrgbClr r="0" g="0" b="0"/>
+        </a:fillRef>
+        <a:effectRef idx="0">
+          <a:scrgbClr r="0" g="0" b="0"/>
+        </a:effectRef>
+        <a:fontRef idx="minor"/>
+      </dsp:style>
+    </dsp:sp>
   </dsp:spTree>
 </dsp:drawing>
 </file>
@@ -7059,18 +6368,891 @@
       <dsp:cNvGrpSpPr/>
     </dsp:nvGrpSpPr>
     <dsp:grpSpPr/>
-  </dsp:spTree>
-</dsp:drawing>
-</file>
-
-<file path=ppt/diagrams/drawing5.xml><?xml version="1.0" encoding="utf-8"?>
-<dsp:drawing xmlns:dgm="http://schemas.openxmlformats.org/drawingml/2006/diagram" xmlns:dsp="http://schemas.microsoft.com/office/drawing/2008/diagram" xmlns:a="http://schemas.openxmlformats.org/drawingml/2006/main">
-  <dsp:spTree>
-    <dsp:nvGrpSpPr>
-      <dsp:cNvPr id="0" name=""/>
-      <dsp:cNvGrpSpPr/>
-    </dsp:nvGrpSpPr>
-    <dsp:grpSpPr/>
+    <dsp:sp modelId="{969B7A61-92F9-49CC-BB98-4FCC80682E86}">
+      <dsp:nvSpPr>
+        <dsp:cNvPr id="0" name=""/>
+        <dsp:cNvSpPr/>
+      </dsp:nvSpPr>
+      <dsp:spPr>
+        <a:xfrm>
+          <a:off x="-5085865" y="-779133"/>
+          <a:ext cx="6056718" cy="6056718"/>
+        </a:xfrm>
+        <a:prstGeom prst="blockArc">
+          <a:avLst>
+            <a:gd name="adj1" fmla="val 18900000"/>
+            <a:gd name="adj2" fmla="val 2700000"/>
+            <a:gd name="adj3" fmla="val 357"/>
+          </a:avLst>
+        </a:prstGeom>
+        <a:noFill/>
+        <a:ln w="15875" cap="rnd" cmpd="sng" algn="ctr">
+          <a:solidFill>
+            <a:schemeClr val="accent1">
+              <a:shade val="60000"/>
+              <a:hueOff val="0"/>
+              <a:satOff val="0"/>
+              <a:lumOff val="0"/>
+              <a:alphaOff val="0"/>
+            </a:schemeClr>
+          </a:solidFill>
+          <a:prstDash val="solid"/>
+        </a:ln>
+        <a:effectLst/>
+      </dsp:spPr>
+      <dsp:style>
+        <a:lnRef idx="2">
+          <a:scrgbClr r="0" g="0" b="0"/>
+        </a:lnRef>
+        <a:fillRef idx="0">
+          <a:scrgbClr r="0" g="0" b="0"/>
+        </a:fillRef>
+        <a:effectRef idx="0">
+          <a:scrgbClr r="0" g="0" b="0"/>
+        </a:effectRef>
+        <a:fontRef idx="minor"/>
+      </dsp:style>
+    </dsp:sp>
+    <dsp:sp modelId="{889CCFCF-85CF-42EE-B1C3-B84E8EE140C2}">
+      <dsp:nvSpPr>
+        <dsp:cNvPr id="0" name=""/>
+        <dsp:cNvSpPr/>
+      </dsp:nvSpPr>
+      <dsp:spPr>
+        <a:xfrm>
+          <a:off x="362155" y="236888"/>
+          <a:ext cx="8990330" cy="473596"/>
+        </a:xfrm>
+        <a:prstGeom prst="rect">
+          <a:avLst/>
+        </a:prstGeom>
+        <a:solidFill>
+          <a:schemeClr val="accent1">
+            <a:hueOff val="0"/>
+            <a:satOff val="0"/>
+            <a:lumOff val="0"/>
+            <a:alphaOff val="0"/>
+          </a:schemeClr>
+        </a:solidFill>
+        <a:ln w="15875" cap="rnd" cmpd="sng" algn="ctr">
+          <a:solidFill>
+            <a:schemeClr val="lt1">
+              <a:hueOff val="0"/>
+              <a:satOff val="0"/>
+              <a:lumOff val="0"/>
+              <a:alphaOff val="0"/>
+            </a:schemeClr>
+          </a:solidFill>
+          <a:prstDash val="solid"/>
+        </a:ln>
+        <a:effectLst/>
+      </dsp:spPr>
+      <dsp:style>
+        <a:lnRef idx="2">
+          <a:scrgbClr r="0" g="0" b="0"/>
+        </a:lnRef>
+        <a:fillRef idx="1">
+          <a:scrgbClr r="0" g="0" b="0"/>
+        </a:fillRef>
+        <a:effectRef idx="0">
+          <a:scrgbClr r="0" g="0" b="0"/>
+        </a:effectRef>
+        <a:fontRef idx="minor">
+          <a:schemeClr val="lt1"/>
+        </a:fontRef>
+      </dsp:style>
+      <dsp:txBody>
+        <a:bodyPr spcFirstLastPara="0" vert="horz" wrap="square" lIns="375918" tIns="60960" rIns="60960" bIns="60960" numCol="1" spcCol="1270" anchor="ctr" anchorCtr="0">
+          <a:noAutofit/>
+        </a:bodyPr>
+        <a:lstStyle/>
+        <a:p>
+          <a:pPr lvl="0" algn="l" defTabSz="1066800">
+            <a:lnSpc>
+              <a:spcPct val="90000"/>
+            </a:lnSpc>
+            <a:spcBef>
+              <a:spcPct val="0"/>
+            </a:spcBef>
+            <a:spcAft>
+              <a:spcPct val="35000"/>
+            </a:spcAft>
+          </a:pPr>
+          <a:r>
+            <a:rPr lang="es-AR" sz="2400" b="0" kern="1200" dirty="0" smtClean="0">
+              <a:effectLst>
+                <a:outerShdw blurRad="38100" dist="38100" dir="2700000" algn="tl">
+                  <a:srgbClr val="000000">
+                    <a:alpha val="43137"/>
+                  </a:srgbClr>
+                </a:outerShdw>
+              </a:effectLst>
+            </a:rPr>
+            <a:t>Capacidad del Equipo</a:t>
+          </a:r>
+          <a:endParaRPr lang="es-ES" sz="2400" b="0" kern="1200" dirty="0">
+            <a:effectLst>
+              <a:outerShdw blurRad="38100" dist="38100" dir="2700000" algn="tl">
+                <a:srgbClr val="000000">
+                  <a:alpha val="43137"/>
+                </a:srgbClr>
+              </a:outerShdw>
+            </a:effectLst>
+          </a:endParaRPr>
+        </a:p>
+      </dsp:txBody>
+      <dsp:txXfrm>
+        <a:off x="362155" y="236888"/>
+        <a:ext cx="8990330" cy="473596"/>
+      </dsp:txXfrm>
+    </dsp:sp>
+    <dsp:sp modelId="{22DC27C4-A8C1-4515-BC47-1B67EE45C266}">
+      <dsp:nvSpPr>
+        <dsp:cNvPr id="0" name=""/>
+        <dsp:cNvSpPr/>
+      </dsp:nvSpPr>
+      <dsp:spPr>
+        <a:xfrm>
+          <a:off x="66157" y="177688"/>
+          <a:ext cx="591996" cy="591996"/>
+        </a:xfrm>
+        <a:prstGeom prst="ellipse">
+          <a:avLst/>
+        </a:prstGeom>
+        <a:solidFill>
+          <a:schemeClr val="lt1">
+            <a:hueOff val="0"/>
+            <a:satOff val="0"/>
+            <a:lumOff val="0"/>
+            <a:alphaOff val="0"/>
+          </a:schemeClr>
+        </a:solidFill>
+        <a:ln w="15875" cap="rnd" cmpd="sng" algn="ctr">
+          <a:solidFill>
+            <a:schemeClr val="accent1">
+              <a:hueOff val="0"/>
+              <a:satOff val="0"/>
+              <a:lumOff val="0"/>
+              <a:alphaOff val="0"/>
+            </a:schemeClr>
+          </a:solidFill>
+          <a:prstDash val="solid"/>
+        </a:ln>
+        <a:effectLst/>
+      </dsp:spPr>
+      <dsp:style>
+        <a:lnRef idx="2">
+          <a:scrgbClr r="0" g="0" b="0"/>
+        </a:lnRef>
+        <a:fillRef idx="1">
+          <a:scrgbClr r="0" g="0" b="0"/>
+        </a:fillRef>
+        <a:effectRef idx="0">
+          <a:scrgbClr r="0" g="0" b="0"/>
+        </a:effectRef>
+        <a:fontRef idx="minor"/>
+      </dsp:style>
+    </dsp:sp>
+    <dsp:sp modelId="{21664CED-339C-476D-85A5-28A63C40B1E3}">
+      <dsp:nvSpPr>
+        <dsp:cNvPr id="0" name=""/>
+        <dsp:cNvSpPr/>
+      </dsp:nvSpPr>
+      <dsp:spPr>
+        <a:xfrm>
+          <a:off x="751721" y="947193"/>
+          <a:ext cx="8600764" cy="473596"/>
+        </a:xfrm>
+        <a:prstGeom prst="rect">
+          <a:avLst/>
+        </a:prstGeom>
+        <a:solidFill>
+          <a:schemeClr val="accent1">
+            <a:hueOff val="0"/>
+            <a:satOff val="0"/>
+            <a:lumOff val="0"/>
+            <a:alphaOff val="0"/>
+          </a:schemeClr>
+        </a:solidFill>
+        <a:ln w="15875" cap="rnd" cmpd="sng" algn="ctr">
+          <a:solidFill>
+            <a:schemeClr val="lt1">
+              <a:hueOff val="0"/>
+              <a:satOff val="0"/>
+              <a:lumOff val="0"/>
+              <a:alphaOff val="0"/>
+            </a:schemeClr>
+          </a:solidFill>
+          <a:prstDash val="solid"/>
+        </a:ln>
+        <a:effectLst/>
+      </dsp:spPr>
+      <dsp:style>
+        <a:lnRef idx="2">
+          <a:scrgbClr r="0" g="0" b="0"/>
+        </a:lnRef>
+        <a:fillRef idx="1">
+          <a:scrgbClr r="0" g="0" b="0"/>
+        </a:fillRef>
+        <a:effectRef idx="0">
+          <a:scrgbClr r="0" g="0" b="0"/>
+        </a:effectRef>
+        <a:fontRef idx="minor">
+          <a:schemeClr val="lt1"/>
+        </a:fontRef>
+      </dsp:style>
+      <dsp:txBody>
+        <a:bodyPr spcFirstLastPara="0" vert="horz" wrap="square" lIns="375918" tIns="60960" rIns="60960" bIns="60960" numCol="1" spcCol="1270" anchor="ctr" anchorCtr="0">
+          <a:noAutofit/>
+        </a:bodyPr>
+        <a:lstStyle/>
+        <a:p>
+          <a:pPr lvl="0" algn="l" defTabSz="1066800">
+            <a:lnSpc>
+              <a:spcPct val="90000"/>
+            </a:lnSpc>
+            <a:spcBef>
+              <a:spcPct val="0"/>
+            </a:spcBef>
+            <a:spcAft>
+              <a:spcPct val="35000"/>
+            </a:spcAft>
+          </a:pPr>
+          <a:r>
+            <a:rPr lang="es-AR" sz="2400" b="0" kern="1200" dirty="0" smtClean="0">
+              <a:effectLst>
+                <a:outerShdw blurRad="38100" dist="38100" dir="2700000" algn="tl">
+                  <a:srgbClr val="000000">
+                    <a:alpha val="43137"/>
+                  </a:srgbClr>
+                </a:outerShdw>
+              </a:effectLst>
+            </a:rPr>
+            <a:t>Velocidad del Equipo</a:t>
+          </a:r>
+          <a:endParaRPr lang="es-ES" sz="2400" b="0" kern="1200" dirty="0">
+            <a:effectLst>
+              <a:outerShdw blurRad="38100" dist="38100" dir="2700000" algn="tl">
+                <a:srgbClr val="000000">
+                  <a:alpha val="43137"/>
+                </a:srgbClr>
+              </a:outerShdw>
+            </a:effectLst>
+          </a:endParaRPr>
+        </a:p>
+      </dsp:txBody>
+      <dsp:txXfrm>
+        <a:off x="751721" y="947193"/>
+        <a:ext cx="8600764" cy="473596"/>
+      </dsp:txXfrm>
+    </dsp:sp>
+    <dsp:sp modelId="{876F9F0B-15C7-4E40-97CF-C02C7289BCAE}">
+      <dsp:nvSpPr>
+        <dsp:cNvPr id="0" name=""/>
+        <dsp:cNvSpPr/>
+      </dsp:nvSpPr>
+      <dsp:spPr>
+        <a:xfrm>
+          <a:off x="455723" y="887994"/>
+          <a:ext cx="591996" cy="591996"/>
+        </a:xfrm>
+        <a:prstGeom prst="ellipse">
+          <a:avLst/>
+        </a:prstGeom>
+        <a:solidFill>
+          <a:schemeClr val="lt1">
+            <a:hueOff val="0"/>
+            <a:satOff val="0"/>
+            <a:lumOff val="0"/>
+            <a:alphaOff val="0"/>
+          </a:schemeClr>
+        </a:solidFill>
+        <a:ln w="15875" cap="rnd" cmpd="sng" algn="ctr">
+          <a:solidFill>
+            <a:schemeClr val="accent1">
+              <a:hueOff val="0"/>
+              <a:satOff val="0"/>
+              <a:lumOff val="0"/>
+              <a:alphaOff val="0"/>
+            </a:schemeClr>
+          </a:solidFill>
+          <a:prstDash val="solid"/>
+        </a:ln>
+        <a:effectLst/>
+      </dsp:spPr>
+      <dsp:style>
+        <a:lnRef idx="2">
+          <a:scrgbClr r="0" g="0" b="0"/>
+        </a:lnRef>
+        <a:fillRef idx="1">
+          <a:scrgbClr r="0" g="0" b="0"/>
+        </a:fillRef>
+        <a:effectRef idx="0">
+          <a:scrgbClr r="0" g="0" b="0"/>
+        </a:effectRef>
+        <a:fontRef idx="minor"/>
+      </dsp:style>
+    </dsp:sp>
+    <dsp:sp modelId="{B1E84231-A085-4FBA-A7F1-0724F2582F6F}">
+      <dsp:nvSpPr>
+        <dsp:cNvPr id="0" name=""/>
+        <dsp:cNvSpPr/>
+      </dsp:nvSpPr>
+      <dsp:spPr>
+        <a:xfrm>
+          <a:off x="929860" y="1657499"/>
+          <a:ext cx="8422625" cy="473596"/>
+        </a:xfrm>
+        <a:prstGeom prst="rect">
+          <a:avLst/>
+        </a:prstGeom>
+        <a:solidFill>
+          <a:schemeClr val="accent1">
+            <a:hueOff val="0"/>
+            <a:satOff val="0"/>
+            <a:lumOff val="0"/>
+            <a:alphaOff val="0"/>
+          </a:schemeClr>
+        </a:solidFill>
+        <a:ln w="15875" cap="rnd" cmpd="sng" algn="ctr">
+          <a:solidFill>
+            <a:schemeClr val="lt1">
+              <a:hueOff val="0"/>
+              <a:satOff val="0"/>
+              <a:lumOff val="0"/>
+              <a:alphaOff val="0"/>
+            </a:schemeClr>
+          </a:solidFill>
+          <a:prstDash val="solid"/>
+        </a:ln>
+        <a:effectLst/>
+      </dsp:spPr>
+      <dsp:style>
+        <a:lnRef idx="2">
+          <a:scrgbClr r="0" g="0" b="0"/>
+        </a:lnRef>
+        <a:fillRef idx="1">
+          <a:scrgbClr r="0" g="0" b="0"/>
+        </a:fillRef>
+        <a:effectRef idx="0">
+          <a:scrgbClr r="0" g="0" b="0"/>
+        </a:effectRef>
+        <a:fontRef idx="minor">
+          <a:schemeClr val="lt1"/>
+        </a:fontRef>
+      </dsp:style>
+      <dsp:txBody>
+        <a:bodyPr spcFirstLastPara="0" vert="horz" wrap="square" lIns="375918" tIns="60960" rIns="60960" bIns="60960" numCol="1" spcCol="1270" anchor="ctr" anchorCtr="0">
+          <a:noAutofit/>
+        </a:bodyPr>
+        <a:lstStyle/>
+        <a:p>
+          <a:pPr lvl="0" algn="l" defTabSz="1066800">
+            <a:lnSpc>
+              <a:spcPct val="90000"/>
+            </a:lnSpc>
+            <a:spcBef>
+              <a:spcPct val="0"/>
+            </a:spcBef>
+            <a:spcAft>
+              <a:spcPct val="35000"/>
+            </a:spcAft>
+          </a:pPr>
+          <a:r>
+            <a:rPr lang="es-AR" sz="2400" b="0" kern="1200" dirty="0" smtClean="0">
+              <a:effectLst>
+                <a:outerShdw blurRad="38100" dist="38100" dir="2700000" algn="tl">
+                  <a:srgbClr val="000000">
+                    <a:alpha val="43137"/>
+                  </a:srgbClr>
+                </a:outerShdw>
+              </a:effectLst>
+            </a:rPr>
+            <a:t>Trabajo Terminado frente a Trabajo Pendiente</a:t>
+          </a:r>
+          <a:endParaRPr lang="es-ES" sz="2400" b="0" kern="1200" dirty="0">
+            <a:effectLst>
+              <a:outerShdw blurRad="38100" dist="38100" dir="2700000" algn="tl">
+                <a:srgbClr val="000000">
+                  <a:alpha val="43137"/>
+                </a:srgbClr>
+              </a:outerShdw>
+            </a:effectLst>
+          </a:endParaRPr>
+        </a:p>
+      </dsp:txBody>
+      <dsp:txXfrm>
+        <a:off x="929860" y="1657499"/>
+        <a:ext cx="8422625" cy="473596"/>
+      </dsp:txXfrm>
+    </dsp:sp>
+    <dsp:sp modelId="{EE92931F-C7E4-4156-83F5-14B75555FB3E}">
+      <dsp:nvSpPr>
+        <dsp:cNvPr id="0" name=""/>
+        <dsp:cNvSpPr/>
+      </dsp:nvSpPr>
+      <dsp:spPr>
+        <a:xfrm>
+          <a:off x="633862" y="1598299"/>
+          <a:ext cx="591996" cy="591996"/>
+        </a:xfrm>
+        <a:prstGeom prst="ellipse">
+          <a:avLst/>
+        </a:prstGeom>
+        <a:solidFill>
+          <a:schemeClr val="lt1">
+            <a:hueOff val="0"/>
+            <a:satOff val="0"/>
+            <a:lumOff val="0"/>
+            <a:alphaOff val="0"/>
+          </a:schemeClr>
+        </a:solidFill>
+        <a:ln w="15875" cap="rnd" cmpd="sng" algn="ctr">
+          <a:solidFill>
+            <a:schemeClr val="accent1">
+              <a:hueOff val="0"/>
+              <a:satOff val="0"/>
+              <a:lumOff val="0"/>
+              <a:alphaOff val="0"/>
+            </a:schemeClr>
+          </a:solidFill>
+          <a:prstDash val="solid"/>
+        </a:ln>
+        <a:effectLst/>
+      </dsp:spPr>
+      <dsp:style>
+        <a:lnRef idx="2">
+          <a:scrgbClr r="0" g="0" b="0"/>
+        </a:lnRef>
+        <a:fillRef idx="1">
+          <a:scrgbClr r="0" g="0" b="0"/>
+        </a:fillRef>
+        <a:effectRef idx="0">
+          <a:scrgbClr r="0" g="0" b="0"/>
+        </a:effectRef>
+        <a:fontRef idx="minor"/>
+      </dsp:style>
+    </dsp:sp>
+    <dsp:sp modelId="{2844CD40-437E-4C4F-A2EE-801021F6711B}">
+      <dsp:nvSpPr>
+        <dsp:cNvPr id="0" name=""/>
+        <dsp:cNvSpPr/>
+      </dsp:nvSpPr>
+      <dsp:spPr>
+        <a:xfrm>
+          <a:off x="929860" y="2367354"/>
+          <a:ext cx="8422625" cy="473596"/>
+        </a:xfrm>
+        <a:prstGeom prst="rect">
+          <a:avLst/>
+        </a:prstGeom>
+        <a:solidFill>
+          <a:schemeClr val="accent1">
+            <a:hueOff val="0"/>
+            <a:satOff val="0"/>
+            <a:lumOff val="0"/>
+            <a:alphaOff val="0"/>
+          </a:schemeClr>
+        </a:solidFill>
+        <a:ln w="15875" cap="rnd" cmpd="sng" algn="ctr">
+          <a:solidFill>
+            <a:schemeClr val="lt1">
+              <a:hueOff val="0"/>
+              <a:satOff val="0"/>
+              <a:lumOff val="0"/>
+              <a:alphaOff val="0"/>
+            </a:schemeClr>
+          </a:solidFill>
+          <a:prstDash val="solid"/>
+        </a:ln>
+        <a:effectLst/>
+      </dsp:spPr>
+      <dsp:style>
+        <a:lnRef idx="2">
+          <a:scrgbClr r="0" g="0" b="0"/>
+        </a:lnRef>
+        <a:fillRef idx="1">
+          <a:scrgbClr r="0" g="0" b="0"/>
+        </a:fillRef>
+        <a:effectRef idx="0">
+          <a:scrgbClr r="0" g="0" b="0"/>
+        </a:effectRef>
+        <a:fontRef idx="minor">
+          <a:schemeClr val="lt1"/>
+        </a:fontRef>
+      </dsp:style>
+      <dsp:txBody>
+        <a:bodyPr spcFirstLastPara="0" vert="horz" wrap="square" lIns="375918" tIns="60960" rIns="60960" bIns="60960" numCol="1" spcCol="1270" anchor="ctr" anchorCtr="0">
+          <a:noAutofit/>
+        </a:bodyPr>
+        <a:lstStyle/>
+        <a:p>
+          <a:pPr lvl="0" algn="l" defTabSz="1066800">
+            <a:lnSpc>
+              <a:spcPct val="90000"/>
+            </a:lnSpc>
+            <a:spcBef>
+              <a:spcPct val="0"/>
+            </a:spcBef>
+            <a:spcAft>
+              <a:spcPct val="35000"/>
+            </a:spcAft>
+          </a:pPr>
+          <a:r>
+            <a:rPr lang="es-ES" sz="2400" b="0" kern="1200" dirty="0" smtClean="0">
+              <a:effectLst>
+                <a:outerShdw blurRad="38100" dist="38100" dir="2700000" algn="tl">
+                  <a:srgbClr val="000000">
+                    <a:alpha val="43137"/>
+                  </a:srgbClr>
+                </a:outerShdw>
+              </a:effectLst>
+            </a:rPr>
+            <a:t>Sprint Burndown Chart</a:t>
+          </a:r>
+          <a:endParaRPr lang="es-ES" sz="2400" b="0" kern="1200" dirty="0">
+            <a:effectLst>
+              <a:outerShdw blurRad="38100" dist="38100" dir="2700000" algn="tl">
+                <a:srgbClr val="000000">
+                  <a:alpha val="43137"/>
+                </a:srgbClr>
+              </a:outerShdw>
+            </a:effectLst>
+          </a:endParaRPr>
+        </a:p>
+      </dsp:txBody>
+      <dsp:txXfrm>
+        <a:off x="929860" y="2367354"/>
+        <a:ext cx="8422625" cy="473596"/>
+      </dsp:txXfrm>
+    </dsp:sp>
+    <dsp:sp modelId="{6B30E3D3-D843-4648-BB87-5E25A0A737E1}">
+      <dsp:nvSpPr>
+        <dsp:cNvPr id="0" name=""/>
+        <dsp:cNvSpPr/>
+      </dsp:nvSpPr>
+      <dsp:spPr>
+        <a:xfrm>
+          <a:off x="633862" y="2308155"/>
+          <a:ext cx="591996" cy="591996"/>
+        </a:xfrm>
+        <a:prstGeom prst="ellipse">
+          <a:avLst/>
+        </a:prstGeom>
+        <a:solidFill>
+          <a:schemeClr val="lt1">
+            <a:hueOff val="0"/>
+            <a:satOff val="0"/>
+            <a:lumOff val="0"/>
+            <a:alphaOff val="0"/>
+          </a:schemeClr>
+        </a:solidFill>
+        <a:ln w="15875" cap="rnd" cmpd="sng" algn="ctr">
+          <a:solidFill>
+            <a:schemeClr val="accent1">
+              <a:hueOff val="0"/>
+              <a:satOff val="0"/>
+              <a:lumOff val="0"/>
+              <a:alphaOff val="0"/>
+            </a:schemeClr>
+          </a:solidFill>
+          <a:prstDash val="solid"/>
+        </a:ln>
+        <a:effectLst/>
+      </dsp:spPr>
+      <dsp:style>
+        <a:lnRef idx="2">
+          <a:scrgbClr r="0" g="0" b="0"/>
+        </a:lnRef>
+        <a:fillRef idx="1">
+          <a:scrgbClr r="0" g="0" b="0"/>
+        </a:fillRef>
+        <a:effectRef idx="0">
+          <a:scrgbClr r="0" g="0" b="0"/>
+        </a:effectRef>
+        <a:fontRef idx="minor"/>
+      </dsp:style>
+    </dsp:sp>
+    <dsp:sp modelId="{E7CE5C3F-775D-45A0-8FC7-59E2443FB5BB}">
+      <dsp:nvSpPr>
+        <dsp:cNvPr id="0" name=""/>
+        <dsp:cNvSpPr/>
+      </dsp:nvSpPr>
+      <dsp:spPr>
+        <a:xfrm>
+          <a:off x="751721" y="3077660"/>
+          <a:ext cx="8600764" cy="473596"/>
+        </a:xfrm>
+        <a:prstGeom prst="rect">
+          <a:avLst/>
+        </a:prstGeom>
+        <a:solidFill>
+          <a:schemeClr val="accent1">
+            <a:hueOff val="0"/>
+            <a:satOff val="0"/>
+            <a:lumOff val="0"/>
+            <a:alphaOff val="0"/>
+          </a:schemeClr>
+        </a:solidFill>
+        <a:ln w="15875" cap="rnd" cmpd="sng" algn="ctr">
+          <a:solidFill>
+            <a:schemeClr val="lt1">
+              <a:hueOff val="0"/>
+              <a:satOff val="0"/>
+              <a:lumOff val="0"/>
+              <a:alphaOff val="0"/>
+            </a:schemeClr>
+          </a:solidFill>
+          <a:prstDash val="solid"/>
+        </a:ln>
+        <a:effectLst/>
+      </dsp:spPr>
+      <dsp:style>
+        <a:lnRef idx="2">
+          <a:scrgbClr r="0" g="0" b="0"/>
+        </a:lnRef>
+        <a:fillRef idx="1">
+          <a:scrgbClr r="0" g="0" b="0"/>
+        </a:fillRef>
+        <a:effectRef idx="0">
+          <a:scrgbClr r="0" g="0" b="0"/>
+        </a:effectRef>
+        <a:fontRef idx="minor">
+          <a:schemeClr val="lt1"/>
+        </a:fontRef>
+      </dsp:style>
+      <dsp:txBody>
+        <a:bodyPr spcFirstLastPara="0" vert="horz" wrap="square" lIns="375918" tIns="60960" rIns="60960" bIns="60960" numCol="1" spcCol="1270" anchor="ctr" anchorCtr="0">
+          <a:noAutofit/>
+        </a:bodyPr>
+        <a:lstStyle/>
+        <a:p>
+          <a:pPr lvl="0" algn="l" defTabSz="1066800">
+            <a:lnSpc>
+              <a:spcPct val="90000"/>
+            </a:lnSpc>
+            <a:spcBef>
+              <a:spcPct val="0"/>
+            </a:spcBef>
+            <a:spcAft>
+              <a:spcPct val="35000"/>
+            </a:spcAft>
+          </a:pPr>
+          <a:r>
+            <a:rPr lang="es-ES" sz="2400" kern="1200" dirty="0" smtClean="0">
+              <a:effectLst>
+                <a:outerShdw blurRad="38100" dist="38100" dir="2700000" algn="tl">
+                  <a:srgbClr val="000000">
+                    <a:alpha val="43137"/>
+                  </a:srgbClr>
+                </a:outerShdw>
+              </a:effectLst>
+            </a:rPr>
+            <a:t>Cantidad de Casos de Prueba Funcionales por Sprint</a:t>
+          </a:r>
+          <a:endParaRPr lang="es-ES" sz="2400" kern="1200" dirty="0">
+            <a:effectLst>
+              <a:outerShdw blurRad="38100" dist="38100" dir="2700000" algn="tl">
+                <a:srgbClr val="000000">
+                  <a:alpha val="43137"/>
+                </a:srgbClr>
+              </a:outerShdw>
+            </a:effectLst>
+          </a:endParaRPr>
+        </a:p>
+      </dsp:txBody>
+      <dsp:txXfrm>
+        <a:off x="751721" y="3077660"/>
+        <a:ext cx="8600764" cy="473596"/>
+      </dsp:txXfrm>
+    </dsp:sp>
+    <dsp:sp modelId="{446A4C80-062F-4940-8BD0-856D40367E6A}">
+      <dsp:nvSpPr>
+        <dsp:cNvPr id="0" name=""/>
+        <dsp:cNvSpPr/>
+      </dsp:nvSpPr>
+      <dsp:spPr>
+        <a:xfrm>
+          <a:off x="455723" y="3018460"/>
+          <a:ext cx="591996" cy="591996"/>
+        </a:xfrm>
+        <a:prstGeom prst="ellipse">
+          <a:avLst/>
+        </a:prstGeom>
+        <a:solidFill>
+          <a:schemeClr val="lt1">
+            <a:hueOff val="0"/>
+            <a:satOff val="0"/>
+            <a:lumOff val="0"/>
+            <a:alphaOff val="0"/>
+          </a:schemeClr>
+        </a:solidFill>
+        <a:ln w="15875" cap="rnd" cmpd="sng" algn="ctr">
+          <a:solidFill>
+            <a:schemeClr val="accent1">
+              <a:hueOff val="0"/>
+              <a:satOff val="0"/>
+              <a:lumOff val="0"/>
+              <a:alphaOff val="0"/>
+            </a:schemeClr>
+          </a:solidFill>
+          <a:prstDash val="solid"/>
+        </a:ln>
+        <a:effectLst/>
+      </dsp:spPr>
+      <dsp:style>
+        <a:lnRef idx="2">
+          <a:scrgbClr r="0" g="0" b="0"/>
+        </a:lnRef>
+        <a:fillRef idx="1">
+          <a:scrgbClr r="0" g="0" b="0"/>
+        </a:fillRef>
+        <a:effectRef idx="0">
+          <a:scrgbClr r="0" g="0" b="0"/>
+        </a:effectRef>
+        <a:fontRef idx="minor"/>
+      </dsp:style>
+    </dsp:sp>
+    <dsp:sp modelId="{A6715B7B-E69E-49A7-BBDE-A964109AD82E}">
+      <dsp:nvSpPr>
+        <dsp:cNvPr id="0" name=""/>
+        <dsp:cNvSpPr/>
+      </dsp:nvSpPr>
+      <dsp:spPr>
+        <a:xfrm>
+          <a:off x="362155" y="3787965"/>
+          <a:ext cx="8990330" cy="473596"/>
+        </a:xfrm>
+        <a:prstGeom prst="rect">
+          <a:avLst/>
+        </a:prstGeom>
+        <a:solidFill>
+          <a:schemeClr val="accent1">
+            <a:hueOff val="0"/>
+            <a:satOff val="0"/>
+            <a:lumOff val="0"/>
+            <a:alphaOff val="0"/>
+          </a:schemeClr>
+        </a:solidFill>
+        <a:ln w="15875" cap="rnd" cmpd="sng" algn="ctr">
+          <a:solidFill>
+            <a:schemeClr val="lt1">
+              <a:hueOff val="0"/>
+              <a:satOff val="0"/>
+              <a:lumOff val="0"/>
+              <a:alphaOff val="0"/>
+            </a:schemeClr>
+          </a:solidFill>
+          <a:prstDash val="solid"/>
+        </a:ln>
+        <a:effectLst/>
+      </dsp:spPr>
+      <dsp:style>
+        <a:lnRef idx="2">
+          <a:scrgbClr r="0" g="0" b="0"/>
+        </a:lnRef>
+        <a:fillRef idx="1">
+          <a:scrgbClr r="0" g="0" b="0"/>
+        </a:fillRef>
+        <a:effectRef idx="0">
+          <a:scrgbClr r="0" g="0" b="0"/>
+        </a:effectRef>
+        <a:fontRef idx="minor">
+          <a:schemeClr val="lt1"/>
+        </a:fontRef>
+      </dsp:style>
+      <dsp:txBody>
+        <a:bodyPr spcFirstLastPara="0" vert="horz" wrap="square" lIns="375918" tIns="60960" rIns="60960" bIns="60960" numCol="1" spcCol="1270" anchor="ctr" anchorCtr="0">
+          <a:noAutofit/>
+        </a:bodyPr>
+        <a:lstStyle/>
+        <a:p>
+          <a:pPr lvl="0" algn="l" defTabSz="1066800">
+            <a:lnSpc>
+              <a:spcPct val="90000"/>
+            </a:lnSpc>
+            <a:spcBef>
+              <a:spcPct val="0"/>
+            </a:spcBef>
+            <a:spcAft>
+              <a:spcPct val="35000"/>
+            </a:spcAft>
+          </a:pPr>
+          <a:r>
+            <a:rPr lang="es-AR" sz="2400" b="0" kern="1200" dirty="0" smtClean="0">
+              <a:effectLst>
+                <a:outerShdw blurRad="38100" dist="38100" dir="2700000" algn="tl">
+                  <a:srgbClr val="000000">
+                    <a:alpha val="43137"/>
+                  </a:srgbClr>
+                </a:outerShdw>
+              </a:effectLst>
+            </a:rPr>
+            <a:t>Bugs Encontrados y Corregidos por Sprint</a:t>
+          </a:r>
+          <a:endParaRPr lang="es-ES" sz="2400" b="0" kern="1200" dirty="0">
+            <a:effectLst>
+              <a:outerShdw blurRad="38100" dist="38100" dir="2700000" algn="tl">
+                <a:srgbClr val="000000">
+                  <a:alpha val="43137"/>
+                </a:srgbClr>
+              </a:outerShdw>
+            </a:effectLst>
+          </a:endParaRPr>
+        </a:p>
+      </dsp:txBody>
+      <dsp:txXfrm>
+        <a:off x="362155" y="3787965"/>
+        <a:ext cx="8990330" cy="473596"/>
+      </dsp:txXfrm>
+    </dsp:sp>
+    <dsp:sp modelId="{8E282AFB-6A8E-47D2-B20A-27C073285195}">
+      <dsp:nvSpPr>
+        <dsp:cNvPr id="0" name=""/>
+        <dsp:cNvSpPr/>
+      </dsp:nvSpPr>
+      <dsp:spPr>
+        <a:xfrm>
+          <a:off x="66157" y="3728766"/>
+          <a:ext cx="591996" cy="591996"/>
+        </a:xfrm>
+        <a:prstGeom prst="ellipse">
+          <a:avLst/>
+        </a:prstGeom>
+        <a:solidFill>
+          <a:schemeClr val="lt1">
+            <a:hueOff val="0"/>
+            <a:satOff val="0"/>
+            <a:lumOff val="0"/>
+            <a:alphaOff val="0"/>
+          </a:schemeClr>
+        </a:solidFill>
+        <a:ln w="15875" cap="rnd" cmpd="sng" algn="ctr">
+          <a:solidFill>
+            <a:schemeClr val="accent1">
+              <a:hueOff val="0"/>
+              <a:satOff val="0"/>
+              <a:lumOff val="0"/>
+              <a:alphaOff val="0"/>
+            </a:schemeClr>
+          </a:solidFill>
+          <a:prstDash val="solid"/>
+        </a:ln>
+        <a:effectLst/>
+      </dsp:spPr>
+      <dsp:style>
+        <a:lnRef idx="2">
+          <a:scrgbClr r="0" g="0" b="0"/>
+        </a:lnRef>
+        <a:fillRef idx="1">
+          <a:scrgbClr r="0" g="0" b="0"/>
+        </a:fillRef>
+        <a:effectRef idx="0">
+          <a:scrgbClr r="0" g="0" b="0"/>
+        </a:effectRef>
+        <a:fontRef idx="minor"/>
+      </dsp:style>
+    </dsp:sp>
   </dsp:spTree>
 </dsp:drawing>
 </file>
@@ -8354,12 +8536,11 @@
 </file>
 
 <file path=ppt/diagrams/layout2.xml><?xml version="1.0" encoding="utf-8"?>
-<dgm:layoutDef xmlns:dgm="http://schemas.openxmlformats.org/drawingml/2006/diagram" xmlns:a="http://schemas.openxmlformats.org/drawingml/2006/main" uniqueId="urn:microsoft.com/office/officeart/2005/8/layout/vList5">
+<dgm:layoutDef xmlns:dgm="http://schemas.openxmlformats.org/drawingml/2006/diagram" xmlns:a="http://schemas.openxmlformats.org/drawingml/2006/main" uniqueId="urn:microsoft.com/office/officeart/2008/layout/VerticalCurvedList">
   <dgm:title val=""/>
   <dgm:desc val=""/>
   <dgm:catLst>
-    <dgm:cat type="list" pri="15000"/>
-    <dgm:cat type="convert" pri="2000"/>
+    <dgm:cat type="list" pri="20000"/>
   </dgm:catLst>
   <dgm:sampData>
     <dgm:dataModel>
@@ -8368,28 +8549,10 @@
         <dgm:pt modelId="1">
           <dgm:prSet phldr="1"/>
         </dgm:pt>
-        <dgm:pt modelId="11">
-          <dgm:prSet phldr="1"/>
-        </dgm:pt>
-        <dgm:pt modelId="12">
-          <dgm:prSet phldr="1"/>
-        </dgm:pt>
         <dgm:pt modelId="2">
           <dgm:prSet phldr="1"/>
         </dgm:pt>
-        <dgm:pt modelId="21">
-          <dgm:prSet phldr="1"/>
-        </dgm:pt>
-        <dgm:pt modelId="22">
-          <dgm:prSet phldr="1"/>
-        </dgm:pt>
         <dgm:pt modelId="3">
-          <dgm:prSet phldr="1"/>
-        </dgm:pt>
-        <dgm:pt modelId="31">
-          <dgm:prSet phldr="1"/>
-        </dgm:pt>
-        <dgm:pt modelId="32">
           <dgm:prSet phldr="1"/>
         </dgm:pt>
       </dgm:ptLst>
@@ -8397,12 +8560,6 @@
         <dgm:cxn modelId="4" srcId="0" destId="1" srcOrd="0" destOrd="0"/>
         <dgm:cxn modelId="5" srcId="0" destId="2" srcOrd="1" destOrd="0"/>
         <dgm:cxn modelId="6" srcId="0" destId="3" srcOrd="2" destOrd="0"/>
-        <dgm:cxn modelId="13" srcId="1" destId="11" srcOrd="0" destOrd="0"/>
-        <dgm:cxn modelId="14" srcId="1" destId="12" srcOrd="1" destOrd="0"/>
-        <dgm:cxn modelId="23" srcId="2" destId="21" srcOrd="0" destOrd="0"/>
-        <dgm:cxn modelId="24" srcId="2" destId="22" srcOrd="1" destOrd="0"/>
-        <dgm:cxn modelId="33" srcId="3" destId="31" srcOrd="0" destOrd="0"/>
-        <dgm:cxn modelId="34" srcId="3" destId="32" srcOrd="1" destOrd="0"/>
       </dgm:cxnLst>
       <dgm:bg/>
       <dgm:whole/>
@@ -8412,16 +8569,16 @@
     <dgm:dataModel>
       <dgm:ptLst>
         <dgm:pt modelId="0" type="doc"/>
-        <dgm:pt modelId="1"/>
-        <dgm:pt modelId="11"/>
-        <dgm:pt modelId="2"/>
-        <dgm:pt modelId="21"/>
+        <dgm:pt modelId="1">
+          <dgm:prSet phldr="1"/>
+        </dgm:pt>
+        <dgm:pt modelId="2">
+          <dgm:prSet phldr="1"/>
+        </dgm:pt>
       </dgm:ptLst>
       <dgm:cxnLst>
-        <dgm:cxn modelId="4" srcId="0" destId="1" srcOrd="0" destOrd="0"/>
-        <dgm:cxn modelId="5" srcId="0" destId="2" srcOrd="1" destOrd="0"/>
-        <dgm:cxn modelId="13" srcId="1" destId="11" srcOrd="0" destOrd="0"/>
-        <dgm:cxn modelId="23" srcId="2" destId="21" srcOrd="0" destOrd="0"/>
+        <dgm:cxn modelId="3" srcId="0" destId="1" srcOrd="0" destOrd="0"/>
+        <dgm:cxn modelId="4" srcId="0" destId="2" srcOrd="1" destOrd="0"/>
       </dgm:cxnLst>
       <dgm:bg/>
       <dgm:whole/>
@@ -8431,24 +8588,24 @@
     <dgm:dataModel>
       <dgm:ptLst>
         <dgm:pt modelId="0" type="doc"/>
-        <dgm:pt modelId="1"/>
-        <dgm:pt modelId="11"/>
-        <dgm:pt modelId="2"/>
-        <dgm:pt modelId="21"/>
-        <dgm:pt modelId="3"/>
-        <dgm:pt modelId="31"/>
-        <dgm:pt modelId="4"/>
-        <dgm:pt modelId="41"/>
+        <dgm:pt modelId="1">
+          <dgm:prSet phldr="1"/>
+        </dgm:pt>
+        <dgm:pt modelId="2">
+          <dgm:prSet phldr="1"/>
+        </dgm:pt>
+        <dgm:pt modelId="3">
+          <dgm:prSet phldr="1"/>
+        </dgm:pt>
+        <dgm:pt modelId="4">
+          <dgm:prSet phldr="1"/>
+        </dgm:pt>
       </dgm:ptLst>
       <dgm:cxnLst>
         <dgm:cxn modelId="5" srcId="0" destId="1" srcOrd="0" destOrd="0"/>
         <dgm:cxn modelId="6" srcId="0" destId="2" srcOrd="1" destOrd="0"/>
         <dgm:cxn modelId="7" srcId="0" destId="3" srcOrd="2" destOrd="0"/>
         <dgm:cxn modelId="8" srcId="0" destId="4" srcOrd="3" destOrd="0"/>
-        <dgm:cxn modelId="13" srcId="1" destId="11" srcOrd="0" destOrd="0"/>
-        <dgm:cxn modelId="23" srcId="2" destId="21" srcOrd="0" destOrd="0"/>
-        <dgm:cxn modelId="33" srcId="3" destId="31" srcOrd="0" destOrd="0"/>
-        <dgm:cxn modelId="43" srcId="4" destId="41" srcOrd="0" destOrd="0"/>
       </dgm:cxnLst>
       <dgm:bg/>
       <dgm:whole/>
@@ -8456,47 +8613,800 @@
   </dgm:clrData>
   <dgm:layoutNode name="Name0">
     <dgm:varLst>
+      <dgm:chMax val="7"/>
+      <dgm:chPref val="7"/>
       <dgm:dir/>
-      <dgm:animLvl val="lvl"/>
-      <dgm:resizeHandles val="exact"/>
     </dgm:varLst>
-    <dgm:choose name="Name1">
-      <dgm:if name="Name2" func="var" arg="dir" op="equ" val="norm">
-        <dgm:alg type="lin">
-          <dgm:param type="linDir" val="fromT"/>
-          <dgm:param type="nodeHorzAlign" val="l"/>
-        </dgm:alg>
-      </dgm:if>
-      <dgm:else name="Name3">
-        <dgm:alg type="lin">
-          <dgm:param type="linDir" val="fromT"/>
-          <dgm:param type="nodeHorzAlign" val="r"/>
-        </dgm:alg>
-      </dgm:else>
-    </dgm:choose>
+    <dgm:alg type="composite"/>
     <dgm:shape xmlns:r="http://schemas.openxmlformats.org/officeDocument/2006/relationships" r:blip="">
       <dgm:adjLst/>
     </dgm:shape>
-    <dgm:presOf/>
     <dgm:constrLst>
-      <dgm:constr type="h" for="ch" forName="linNode" refType="h"/>
-      <dgm:constr type="w" for="ch" forName="linNode" refType="w"/>
-      <dgm:constr type="h" for="ch" forName="sp" refType="h" fact="0.05"/>
-      <dgm:constr type="primFontSz" for="des" forName="parentText" op="equ" val="65"/>
-      <dgm:constr type="secFontSz" for="des" forName="descendantText" op="equ"/>
+      <dgm:constr type="w" for="ch" refType="h" refFor="ch" op="gte" fact="0.8"/>
     </dgm:constrLst>
-    <dgm:ruleLst/>
-    <dgm:forEach name="Name4" axis="ch" ptType="node">
-      <dgm:layoutNode name="linNode">
-        <dgm:choose name="Name5">
-          <dgm:if name="Name6" func="var" arg="dir" op="equ" val="norm">
-            <dgm:alg type="lin">
-              <dgm:param type="linDir" val="fromL"/>
+    <dgm:layoutNode name="Name1">
+      <dgm:alg type="composite"/>
+      <dgm:shape xmlns:r="http://schemas.openxmlformats.org/officeDocument/2006/relationships" r:blip="">
+        <dgm:adjLst/>
+      </dgm:shape>
+      <dgm:choose name="Name2">
+        <dgm:if name="Name3" func="var" arg="dir" op="equ" val="norm">
+          <dgm:choose name="Name4">
+            <dgm:if name="Name5" axis="ch" ptType="node" func="cnt" op="equ" val="1">
+              <dgm:constrLst>
+                <dgm:constr type="h" for="ch" forName="cycle" refType="h"/>
+                <dgm:constr type="w" for="ch" forName="cycle" refType="h" refFor="ch" refForName="cycle" fact="0.26"/>
+                <dgm:constr type="l" for="ch" forName="cycle"/>
+                <dgm:constr type="ctrY" for="ch" forName="cycle" refType="h" fact="0.5"/>
+                <dgm:constr type="diam" for="ch" forName="cycle" refType="h" fact="1.344"/>
+                <dgm:constr type="h" for="ch" forName="accent_1" refType="h" fact="0.625"/>
+                <dgm:constr type="w" for="ch" forName="accent_1" refType="h" refFor="ch" refForName="accent_1" op="equ"/>
+                <dgm:constr type="ctrY" for="ch" forName="accent_1" refType="h" fact="0.5"/>
+                <dgm:constr type="ctrX" for="ch" forName="accent_1" refType="h" fact="0.2253"/>
+                <dgm:constr type="l" for="ch" forName="text_1" refType="ctrX" refFor="ch" refForName="accent_1"/>
+                <dgm:constr type="r" for="ch" forName="text_1" refType="w"/>
+                <dgm:constr type="w" for="ch" forName="text_1" refType="h" refFor="ch" refForName="text_1" op="gte"/>
+                <dgm:constr type="h" for="ch" forName="text_1" refType="h" refFor="ch" refForName="accent_1" fact="0.8"/>
+                <dgm:constr type="ctrY" for="ch" forName="text_1" refType="ctrY" refFor="ch" refForName="accent_1"/>
+                <dgm:constr type="lMarg" for="ch" forName="text_1" refType="w" refFor="ch" refForName="accent_1" fact="1.8"/>
+                <dgm:constr type="primFontSz" for="ch" ptType="node" op="equ" val="65"/>
+              </dgm:constrLst>
+            </dgm:if>
+            <dgm:if name="Name6" axis="ch" ptType="node" func="cnt" op="equ" val="2">
+              <dgm:constrLst>
+                <dgm:constr type="h" for="ch" forName="cycle" refType="h"/>
+                <dgm:constr type="w" for="ch" forName="cycle" refType="h" refFor="ch" refForName="cycle" fact="0.26"/>
+                <dgm:constr type="l" for="ch" forName="cycle"/>
+                <dgm:constr type="ctrY" for="ch" forName="cycle" refType="h" fact="0.5"/>
+                <dgm:constr type="diam" for="ch" forName="cycle" refType="h" fact="1.344"/>
+                <dgm:constr type="h" for="ch" forName="accent_1" refType="h" fact="0.3571"/>
+                <dgm:constr type="w" for="ch" forName="accent_1" refType="h" refFor="ch" refForName="accent_1" op="equ"/>
+                <dgm:constr type="ctrY" for="ch" forName="accent_1" refType="h" fact="0.2857"/>
+                <dgm:constr type="ctrX" for="ch" forName="accent_1" refType="h" fact="0.1891"/>
+                <dgm:constr type="l" for="ch" forName="text_1" refType="ctrX" refFor="ch" refForName="accent_1"/>
+                <dgm:constr type="r" for="ch" forName="text_1" refType="w"/>
+                <dgm:constr type="w" for="ch" forName="text_1" refType="h" refFor="ch" refForName="text_1" op="gte"/>
+                <dgm:constr type="h" for="ch" forName="text_1" refType="h" refFor="ch" refForName="accent_1" fact="0.8"/>
+                <dgm:constr type="ctrY" for="ch" forName="text_1" refType="ctrY" refFor="ch" refForName="accent_1"/>
+                <dgm:constr type="lMarg" for="ch" forName="text_1" refType="w" refFor="ch" refForName="accent_1" fact="1.8"/>
+                <dgm:constr type="h" for="ch" forName="accent_2" refType="h" fact="0.3571"/>
+                <dgm:constr type="w" for="ch" forName="accent_2" refType="h" refFor="ch" refForName="accent_2" op="equ"/>
+                <dgm:constr type="ctrY" for="ch" forName="accent_2" refType="h" fact="0.7143"/>
+                <dgm:constr type="ctrX" for="ch" forName="accent_2" refType="h" fact="0.1891"/>
+                <dgm:constr type="l" for="ch" forName="text_2" refType="ctrX" refFor="ch" refForName="accent_2"/>
+                <dgm:constr type="r" for="ch" forName="text_2" refType="w"/>
+                <dgm:constr type="w" for="ch" forName="text_2" refType="h" refFor="ch" refForName="text_2" op="gte"/>
+                <dgm:constr type="h" for="ch" forName="text_2" refType="h" refFor="ch" refForName="accent_2" fact="0.8"/>
+                <dgm:constr type="ctrY" for="ch" forName="text_2" refType="ctrY" refFor="ch" refForName="accent_2"/>
+                <dgm:constr type="lMarg" for="ch" forName="text_2" refType="w" refFor="ch" refForName="accent_2" fact="1.8"/>
+                <dgm:constr type="primFontSz" for="ch" ptType="node" op="equ" val="65"/>
+              </dgm:constrLst>
+            </dgm:if>
+            <dgm:if name="Name7" axis="ch" ptType="node" func="cnt" op="equ" val="3">
+              <dgm:constrLst>
+                <dgm:constr type="h" for="ch" forName="cycle" refType="h"/>
+                <dgm:constr type="w" for="ch" forName="cycle" refType="h" refFor="ch" refForName="cycle" fact="0.26"/>
+                <dgm:constr type="l" for="ch" forName="cycle"/>
+                <dgm:constr type="ctrY" for="ch" forName="cycle" refType="h" fact="0.5"/>
+                <dgm:constr type="diam" for="ch" forName="cycle" refType="h" fact="1.344"/>
+                <dgm:constr type="h" for="ch" forName="accent_1" refType="h" fact="0.25"/>
+                <dgm:constr type="w" for="ch" forName="accent_1" refType="h" refFor="ch" refForName="accent_1" op="equ"/>
+                <dgm:constr type="ctrY" for="ch" forName="accent_1" refType="h" fact="0.2"/>
+                <dgm:constr type="ctrX" for="ch" forName="accent_1" refType="h" fact="0.1526"/>
+                <dgm:constr type="l" for="ch" forName="text_1" refType="ctrX" refFor="ch" refForName="accent_1"/>
+                <dgm:constr type="r" for="ch" forName="text_1" refType="w"/>
+                <dgm:constr type="w" for="ch" forName="text_1" refType="h" refFor="ch" refForName="text_1" op="gte"/>
+                <dgm:constr type="h" for="ch" forName="text_1" refType="h" refFor="ch" refForName="accent_1" fact="0.8"/>
+                <dgm:constr type="ctrY" for="ch" forName="text_1" refType="ctrY" refFor="ch" refForName="accent_1"/>
+                <dgm:constr type="lMarg" for="ch" forName="text_1" refType="w" refFor="ch" refForName="accent_1" fact="1.8"/>
+                <dgm:constr type="h" for="ch" forName="accent_2" refType="h" fact="0.25"/>
+                <dgm:constr type="w" for="ch" forName="accent_2" refType="h" refFor="ch" refForName="accent_2" op="equ"/>
+                <dgm:constr type="ctrY" for="ch" forName="accent_2" refType="h" fact="0.5"/>
+                <dgm:constr type="ctrX" for="ch" forName="accent_2" refType="h" fact="0.2253"/>
+                <dgm:constr type="l" for="ch" forName="text_2" refType="ctrX" refFor="ch" refForName="accent_2"/>
+                <dgm:constr type="r" for="ch" forName="text_2" refType="w"/>
+                <dgm:constr type="w" for="ch" forName="text_2" refType="h" refFor="ch" refForName="text_2" op="gte"/>
+                <dgm:constr type="h" for="ch" forName="text_2" refType="h" refFor="ch" refForName="accent_2" fact="0.8"/>
+                <dgm:constr type="ctrY" for="ch" forName="text_2" refType="ctrY" refFor="ch" refForName="accent_2"/>
+                <dgm:constr type="lMarg" for="ch" forName="text_2" refType="w" refFor="ch" refForName="accent_2" fact="1.8"/>
+                <dgm:constr type="h" for="ch" forName="accent_3" refType="h" fact="0.25"/>
+                <dgm:constr type="w" for="ch" forName="accent_3" refType="h" refFor="ch" refForName="accent_3" op="equ"/>
+                <dgm:constr type="ctrY" for="ch" forName="accent_3" refType="h" fact="0.8"/>
+                <dgm:constr type="ctrX" for="ch" forName="accent_3" refType="h" fact="0.1526"/>
+                <dgm:constr type="l" for="ch" forName="text_3" refType="ctrX" refFor="ch" refForName="accent_3"/>
+                <dgm:constr type="r" for="ch" forName="text_3" refType="w"/>
+                <dgm:constr type="w" for="ch" forName="text_3" refType="h" refFor="ch" refForName="text_3" op="gte"/>
+                <dgm:constr type="h" for="ch" forName="text_3" refType="h" refFor="ch" refForName="accent_3" fact="0.8"/>
+                <dgm:constr type="ctrY" for="ch" forName="text_3" refType="ctrY" refFor="ch" refForName="accent_3"/>
+                <dgm:constr type="lMarg" for="ch" forName="text_3" refType="w" refFor="ch" refForName="accent_3" fact="1.8"/>
+                <dgm:constr type="primFontSz" for="ch" ptType="node" op="equ" val="65"/>
+              </dgm:constrLst>
+            </dgm:if>
+            <dgm:if name="Name8" axis="ch" ptType="node" func="cnt" op="equ" val="4">
+              <dgm:constrLst>
+                <dgm:constr type="h" for="ch" forName="cycle" refType="h"/>
+                <dgm:constr type="w" for="ch" forName="cycle" refType="h" refFor="ch" refForName="cycle" fact="0.26"/>
+                <dgm:constr type="l" for="ch" forName="cycle"/>
+                <dgm:constr type="ctrY" for="ch" forName="cycle" refType="h" fact="0.5"/>
+                <dgm:constr type="diam" for="ch" forName="cycle" refType="h" fact="1.344"/>
+                <dgm:constr type="h" for="ch" forName="accent_1" refType="h" fact="0.1923"/>
+                <dgm:constr type="w" for="ch" forName="accent_1" refType="h" refFor="ch" refForName="accent_1" op="equ"/>
+                <dgm:constr type="ctrY" for="ch" forName="accent_1" refType="h" fact="0.1538"/>
+                <dgm:constr type="ctrX" for="ch" forName="accent_1" refType="h" fact="0.1268"/>
+                <dgm:constr type="l" for="ch" forName="text_1" refType="ctrX" refFor="ch" refForName="accent_1"/>
+                <dgm:constr type="r" for="ch" forName="text_1" refType="w"/>
+                <dgm:constr type="w" for="ch" forName="text_1" refType="h" refFor="ch" refForName="text_1" op="gte"/>
+                <dgm:constr type="h" for="ch" forName="text_1" refType="h" refFor="ch" refForName="accent_1" fact="0.8"/>
+                <dgm:constr type="ctrY" for="ch" forName="text_1" refType="ctrY" refFor="ch" refForName="accent_1"/>
+                <dgm:constr type="lMarg" for="ch" forName="text_1" refType="w" refFor="ch" refForName="accent_1" fact="1.8"/>
+                <dgm:constr type="h" for="ch" forName="accent_2" refType="h" fact="0.1923"/>
+                <dgm:constr type="w" for="ch" forName="accent_2" refType="h" refFor="ch" refForName="accent_2" op="equ"/>
+                <dgm:constr type="ctrY" for="ch" forName="accent_2" refType="h" fact="0.3846"/>
+                <dgm:constr type="ctrX" for="ch" forName="accent_2" refType="h" fact="0.215"/>
+                <dgm:constr type="l" for="ch" forName="text_2" refType="ctrX" refFor="ch" refForName="accent_2"/>
+                <dgm:constr type="r" for="ch" forName="text_2" refType="w"/>
+                <dgm:constr type="w" for="ch" forName="text_2" refType="h" refFor="ch" refForName="text_2" op="gte"/>
+                <dgm:constr type="h" for="ch" forName="text_2" refType="h" refFor="ch" refForName="accent_2" fact="0.8"/>
+                <dgm:constr type="ctrY" for="ch" forName="text_2" refType="ctrY" refFor="ch" refForName="accent_2"/>
+                <dgm:constr type="lMarg" for="ch" forName="text_2" refType="w" refFor="ch" refForName="accent_2" fact="1.8"/>
+                <dgm:constr type="h" for="ch" forName="accent_3" refType="h" fact="0.1923"/>
+                <dgm:constr type="w" for="ch" forName="accent_3" refType="h" refFor="ch" refForName="accent_3" op="equ"/>
+                <dgm:constr type="ctrY" for="ch" forName="accent_3" refType="h" fact="0.6154"/>
+                <dgm:constr type="ctrX" for="ch" forName="accent_3" refType="h" fact="0.215"/>
+                <dgm:constr type="l" for="ch" forName="text_3" refType="ctrX" refFor="ch" refForName="accent_3"/>
+                <dgm:constr type="r" for="ch" forName="text_3" refType="w"/>
+                <dgm:constr type="w" for="ch" forName="text_3" refType="h" refFor="ch" refForName="text_3" op="gte"/>
+                <dgm:constr type="h" for="ch" forName="text_3" refType="h" refFor="ch" refForName="accent_3" fact="0.8"/>
+                <dgm:constr type="ctrY" for="ch" forName="text_3" refType="ctrY" refFor="ch" refForName="accent_3"/>
+                <dgm:constr type="lMarg" for="ch" forName="text_3" refType="w" refFor="ch" refForName="accent_3" fact="1.8"/>
+                <dgm:constr type="h" for="ch" forName="accent_4" refType="h" fact="0.1923"/>
+                <dgm:constr type="w" for="ch" forName="accent_4" refType="h" refFor="ch" refForName="accent_4" op="equ"/>
+                <dgm:constr type="ctrY" for="ch" forName="accent_4" refType="h" fact="0.8462"/>
+                <dgm:constr type="ctrX" for="ch" forName="accent_4" refType="h" fact="0.1268"/>
+                <dgm:constr type="l" for="ch" forName="text_4" refType="ctrX" refFor="ch" refForName="accent_4"/>
+                <dgm:constr type="r" for="ch" forName="text_4" refType="w"/>
+                <dgm:constr type="w" for="ch" forName="text_4" refType="h" refFor="ch" refForName="text_4" op="gte"/>
+                <dgm:constr type="h" for="ch" forName="text_4" refType="h" refFor="ch" refForName="accent_4" fact="0.8"/>
+                <dgm:constr type="ctrY" for="ch" forName="text_4" refType="ctrY" refFor="ch" refForName="accent_4"/>
+                <dgm:constr type="lMarg" for="ch" forName="text_4" refType="w" refFor="ch" refForName="accent_4" fact="1.8"/>
+                <dgm:constr type="primFontSz" for="ch" ptType="node" op="equ" val="65"/>
+              </dgm:constrLst>
+            </dgm:if>
+            <dgm:if name="Name9" axis="ch" ptType="node" func="cnt" op="equ" val="5">
+              <dgm:constrLst>
+                <dgm:constr type="h" for="ch" forName="cycle" refType="h"/>
+                <dgm:constr type="w" for="ch" forName="cycle" refType="h" refFor="ch" refForName="cycle" fact="0.26"/>
+                <dgm:constr type="l" for="ch" forName="cycle"/>
+                <dgm:constr type="ctrY" for="ch" forName="cycle" refType="h" fact="0.5"/>
+                <dgm:constr type="diam" for="ch" forName="cycle" refType="h" fact="1.344"/>
+                <dgm:constr type="h" for="ch" forName="accent_1" refType="h" fact="0.1563"/>
+                <dgm:constr type="w" for="ch" forName="accent_1" refType="h" refFor="ch" refForName="accent_1" op="equ"/>
+                <dgm:constr type="ctrY" for="ch" forName="accent_1" refType="h" fact="0.125"/>
+                <dgm:constr type="ctrX" for="ch" forName="accent_1" refType="h" fact="0.1082"/>
+                <dgm:constr type="l" for="ch" forName="text_1" refType="ctrX" refFor="ch" refForName="accent_1"/>
+                <dgm:constr type="r" for="ch" forName="text_1" refType="w"/>
+                <dgm:constr type="w" for="ch" forName="text_1" refType="h" refFor="ch" refForName="text_1" op="gte"/>
+                <dgm:constr type="h" for="ch" forName="text_1" refType="h" refFor="ch" refForName="accent_1" fact="0.8"/>
+                <dgm:constr type="ctrY" for="ch" forName="text_1" refType="ctrY" refFor="ch" refForName="accent_1"/>
+                <dgm:constr type="lMarg" for="ch" forName="text_1" refType="w" refFor="ch" refForName="accent_1" fact="1.8"/>
+                <dgm:constr type="h" for="ch" forName="accent_2" refType="h" fact="0.1563"/>
+                <dgm:constr type="w" for="ch" forName="accent_2" refType="h" refFor="ch" refForName="accent_2" op="equ"/>
+                <dgm:constr type="ctrY" for="ch" forName="accent_2" refType="h" fact="0.3125"/>
+                <dgm:constr type="ctrX" for="ch" forName="accent_2" refType="h" fact="0.1978"/>
+                <dgm:constr type="l" for="ch" forName="text_2" refType="ctrX" refFor="ch" refForName="accent_2"/>
+                <dgm:constr type="r" for="ch" forName="text_2" refType="w"/>
+                <dgm:constr type="w" for="ch" forName="text_2" refType="h" refFor="ch" refForName="text_2" op="gte"/>
+                <dgm:constr type="h" for="ch" forName="text_2" refType="h" refFor="ch" refForName="accent_2" fact="0.8"/>
+                <dgm:constr type="ctrY" for="ch" forName="text_2" refType="ctrY" refFor="ch" refForName="accent_2"/>
+                <dgm:constr type="lMarg" for="ch" forName="text_2" refType="w" refFor="ch" refForName="accent_2" fact="1.8"/>
+                <dgm:constr type="h" for="ch" forName="accent_3" refType="h" fact="0.1563"/>
+                <dgm:constr type="w" for="ch" forName="accent_3" refType="h" refFor="ch" refForName="accent_3" op="equ"/>
+                <dgm:constr type="ctrY" for="ch" forName="accent_3" refType="h" fact="0.5"/>
+                <dgm:constr type="ctrX" for="ch" forName="accent_3" refType="h" fact="0.2253"/>
+                <dgm:constr type="l" for="ch" forName="text_3" refType="ctrX" refFor="ch" refForName="accent_3"/>
+                <dgm:constr type="r" for="ch" forName="text_3" refType="w"/>
+                <dgm:constr type="w" for="ch" forName="text_3" refType="h" refFor="ch" refForName="text_3" op="gte"/>
+                <dgm:constr type="h" for="ch" forName="text_3" refType="h" refFor="ch" refForName="accent_3" fact="0.8"/>
+                <dgm:constr type="ctrY" for="ch" forName="text_3" refType="ctrY" refFor="ch" refForName="accent_3"/>
+                <dgm:constr type="lMarg" for="ch" forName="text_3" refType="w" refFor="ch" refForName="accent_3" fact="1.8"/>
+                <dgm:constr type="h" for="ch" forName="accent_4" refType="h" fact="0.1563"/>
+                <dgm:constr type="w" for="ch" forName="accent_4" refType="h" refFor="ch" refForName="accent_4" op="equ"/>
+                <dgm:constr type="ctrY" for="ch" forName="accent_4" refType="h" fact="0.6875"/>
+                <dgm:constr type="ctrX" for="ch" forName="accent_4" refType="h" fact="0.1978"/>
+                <dgm:constr type="l" for="ch" forName="text_4" refType="ctrX" refFor="ch" refForName="accent_4"/>
+                <dgm:constr type="r" for="ch" forName="text_4" refType="w"/>
+                <dgm:constr type="w" for="ch" forName="text_4" refType="h" refFor="ch" refForName="text_4" op="gte"/>
+                <dgm:constr type="h" for="ch" forName="text_4" refType="h" refFor="ch" refForName="accent_4" fact="0.8"/>
+                <dgm:constr type="ctrY" for="ch" forName="text_4" refType="ctrY" refFor="ch" refForName="accent_4"/>
+                <dgm:constr type="lMarg" for="ch" forName="text_4" refType="w" refFor="ch" refForName="accent_4" fact="1.8"/>
+                <dgm:constr type="h" for="ch" forName="accent_5" refType="h" fact="0.1563"/>
+                <dgm:constr type="w" for="ch" forName="accent_5" refType="h" refFor="ch" refForName="accent_5" op="equ"/>
+                <dgm:constr type="ctrY" for="ch" forName="accent_5" refType="h" fact="0.875"/>
+                <dgm:constr type="ctrX" for="ch" forName="accent_5" refType="h" fact="0.1082"/>
+                <dgm:constr type="l" for="ch" forName="text_5" refType="ctrX" refFor="ch" refForName="accent_5"/>
+                <dgm:constr type="r" for="ch" forName="text_5" refType="w"/>
+                <dgm:constr type="w" for="ch" forName="text_5" refType="h" refFor="ch" refForName="text_5" op="gte"/>
+                <dgm:constr type="h" for="ch" forName="text_5" refType="h" refFor="ch" refForName="accent_5" fact="0.8"/>
+                <dgm:constr type="ctrY" for="ch" forName="text_5" refType="ctrY" refFor="ch" refForName="accent_5"/>
+                <dgm:constr type="lMarg" for="ch" forName="text_5" refType="w" refFor="ch" refForName="accent_5" fact="1.8"/>
+                <dgm:constr type="primFontSz" for="ch" ptType="node" op="equ" val="65"/>
+              </dgm:constrLst>
+            </dgm:if>
+            <dgm:if name="Name10" axis="ch" ptType="node" func="cnt" op="equ" val="6">
+              <dgm:constrLst>
+                <dgm:constr type="h" for="ch" forName="cycle" refType="h"/>
+                <dgm:constr type="w" for="ch" forName="cycle" refType="h" refFor="ch" refForName="cycle" fact="0.26"/>
+                <dgm:constr type="l" for="ch" forName="cycle"/>
+                <dgm:constr type="ctrY" for="ch" forName="cycle" refType="h" fact="0.5"/>
+                <dgm:constr type="diam" for="ch" forName="cycle" refType="h" fact="1.344"/>
+                <dgm:constr type="h" for="ch" forName="accent_1" refType="h" fact="0.1316"/>
+                <dgm:constr type="w" for="ch" forName="accent_1" refType="h" refFor="ch" refForName="accent_1" op="equ"/>
+                <dgm:constr type="ctrY" for="ch" forName="accent_1" refType="h" fact="0.1053"/>
+                <dgm:constr type="ctrX" for="ch" forName="accent_1" refType="h" fact="0.0943"/>
+                <dgm:constr type="l" for="ch" forName="text_1" refType="ctrX" refFor="ch" refForName="accent_1"/>
+                <dgm:constr type="r" for="ch" forName="text_1" refType="w"/>
+                <dgm:constr type="w" for="ch" forName="text_1" refType="h" refFor="ch" refForName="text_1" op="gte"/>
+                <dgm:constr type="h" for="ch" forName="text_1" refType="h" refFor="ch" refForName="accent_1" fact="0.8"/>
+                <dgm:constr type="ctrY" for="ch" forName="text_1" refType="ctrY" refFor="ch" refForName="accent_1"/>
+                <dgm:constr type="lMarg" for="ch" forName="text_1" refType="w" refFor="ch" refForName="accent_1" fact="1.8"/>
+                <dgm:constr type="h" for="ch" forName="accent_2" refType="h" fact="0.1316"/>
+                <dgm:constr type="w" for="ch" forName="accent_2" refType="h" refFor="ch" refForName="accent_2" op="equ"/>
+                <dgm:constr type="ctrY" for="ch" forName="accent_2" refType="h" fact="0.2632"/>
+                <dgm:constr type="ctrX" for="ch" forName="accent_2" refType="h" fact="0.1809"/>
+                <dgm:constr type="l" for="ch" forName="text_2" refType="ctrX" refFor="ch" refForName="accent_2"/>
+                <dgm:constr type="r" for="ch" forName="text_2" refType="w"/>
+                <dgm:constr type="w" for="ch" forName="text_2" refType="h" refFor="ch" refForName="text_2" op="gte"/>
+                <dgm:constr type="h" for="ch" forName="text_2" refType="h" refFor="ch" refForName="accent_2" fact="0.8"/>
+                <dgm:constr type="ctrY" for="ch" forName="text_2" refType="ctrY" refFor="ch" refForName="accent_2"/>
+                <dgm:constr type="lMarg" for="ch" forName="text_2" refType="w" refFor="ch" refForName="accent_2" fact="1.8"/>
+                <dgm:constr type="h" for="ch" forName="accent_3" refType="h" fact="0.1316"/>
+                <dgm:constr type="w" for="ch" forName="accent_3" refType="h" refFor="ch" refForName="accent_3" op="equ"/>
+                <dgm:constr type="ctrY" for="ch" forName="accent_3" refType="h" fact="0.4211"/>
+                <dgm:constr type="ctrX" for="ch" forName="accent_3" refType="h" fact="0.2205"/>
+                <dgm:constr type="l" for="ch" forName="text_3" refType="ctrX" refFor="ch" refForName="accent_3"/>
+                <dgm:constr type="r" for="ch" forName="text_3" refType="w"/>
+                <dgm:constr type="w" for="ch" forName="text_3" refType="h" refFor="ch" refForName="text_3" op="gte"/>
+                <dgm:constr type="h" for="ch" forName="text_3" refType="h" refFor="ch" refForName="accent_3" fact="0.8"/>
+                <dgm:constr type="ctrY" for="ch" forName="text_3" refType="ctrY" refFor="ch" refForName="accent_3"/>
+                <dgm:constr type="lMarg" for="ch" forName="text_3" refType="w" refFor="ch" refForName="accent_3" fact="1.8"/>
+                <dgm:constr type="h" for="ch" forName="accent_4" refType="h" fact="0.1316"/>
+                <dgm:constr type="w" for="ch" forName="accent_4" refType="h" refFor="ch" refForName="accent_4" op="equ"/>
+                <dgm:constr type="ctrY" for="ch" forName="accent_4" refType="h" fact="0.5789"/>
+                <dgm:constr type="ctrX" for="ch" forName="accent_4" refType="h" fact="0.2205"/>
+                <dgm:constr type="l" for="ch" forName="text_4" refType="ctrX" refFor="ch" refForName="accent_4"/>
+                <dgm:constr type="r" for="ch" forName="text_4" refType="w"/>
+                <dgm:constr type="w" for="ch" forName="text_4" refType="h" refFor="ch" refForName="text_4" op="gte"/>
+                <dgm:constr type="h" for="ch" forName="text_4" refType="h" refFor="ch" refForName="accent_4" fact="0.8"/>
+                <dgm:constr type="ctrY" for="ch" forName="text_4" refType="ctrY" refFor="ch" refForName="accent_4"/>
+                <dgm:constr type="lMarg" for="ch" forName="text_4" refType="w" refFor="ch" refForName="accent_4" fact="1.8"/>
+                <dgm:constr type="h" for="ch" forName="accent_5" refType="h" fact="0.1316"/>
+                <dgm:constr type="w" for="ch" forName="accent_5" refType="h" refFor="ch" refForName="accent_5" op="equ"/>
+                <dgm:constr type="ctrY" for="ch" forName="accent_5" refType="h" fact="0.7368"/>
+                <dgm:constr type="ctrX" for="ch" forName="accent_5" refType="h" fact="0.1809"/>
+                <dgm:constr type="l" for="ch" forName="text_5" refType="ctrX" refFor="ch" refForName="accent_5"/>
+                <dgm:constr type="r" for="ch" forName="text_5" refType="w"/>
+                <dgm:constr type="w" for="ch" forName="text_5" refType="h" refFor="ch" refForName="text_5" op="gte"/>
+                <dgm:constr type="h" for="ch" forName="text_5" refType="h" refFor="ch" refForName="accent_5" fact="0.8"/>
+                <dgm:constr type="ctrY" for="ch" forName="text_5" refType="ctrY" refFor="ch" refForName="accent_5"/>
+                <dgm:constr type="lMarg" for="ch" forName="text_5" refType="w" refFor="ch" refForName="accent_5" fact="1.8"/>
+                <dgm:constr type="h" for="ch" forName="accent_6" refType="h" fact="0.1316"/>
+                <dgm:constr type="w" for="ch" forName="accent_6" refType="h" refFor="ch" refForName="accent_6" op="equ"/>
+                <dgm:constr type="ctrY" for="ch" forName="accent_6" refType="h" fact="0.8947"/>
+                <dgm:constr type="ctrX" for="ch" forName="accent_6" refType="h" fact="0.0943"/>
+                <dgm:constr type="l" for="ch" forName="text_6" refType="ctrX" refFor="ch" refForName="accent_6"/>
+                <dgm:constr type="r" for="ch" forName="text_6" refType="w"/>
+                <dgm:constr type="w" for="ch" forName="text_6" refType="h" refFor="ch" refForName="text_6" op="gte"/>
+                <dgm:constr type="h" for="ch" forName="text_6" refType="h" refFor="ch" refForName="accent_6" fact="0.8"/>
+                <dgm:constr type="ctrY" for="ch" forName="text_6" refType="ctrY" refFor="ch" refForName="accent_6"/>
+                <dgm:constr type="lMarg" for="ch" forName="text_6" refType="w" refFor="ch" refForName="accent_6" fact="1.8"/>
+                <dgm:constr type="primFontSz" for="ch" ptType="node" op="equ" val="65"/>
+              </dgm:constrLst>
+            </dgm:if>
+            <dgm:else name="Name11">
+              <dgm:constrLst>
+                <dgm:constr type="h" for="ch" forName="cycle" refType="h"/>
+                <dgm:constr type="w" for="ch" forName="cycle" refType="h" refFor="ch" refForName="cycle" fact="0.26"/>
+                <dgm:constr type="l" for="ch" forName="cycle"/>
+                <dgm:constr type="ctrY" for="ch" forName="cycle" refType="h" fact="0.5"/>
+                <dgm:constr type="diam" for="ch" forName="cycle" refType="h" fact="1.344"/>
+                <dgm:constr type="h" for="ch" forName="accent_1" refType="h" fact="0.1136"/>
+                <dgm:constr type="w" for="ch" forName="accent_1" refType="h" refFor="ch" refForName="accent_1" op="equ"/>
+                <dgm:constr type="ctrY" for="ch" forName="accent_1" refType="h" fact="0.0909"/>
+                <dgm:constr type="ctrX" for="ch" forName="accent_1" refType="h" fact="0.0835"/>
+                <dgm:constr type="l" for="ch" forName="text_1" refType="ctrX" refFor="ch" refForName="accent_1"/>
+                <dgm:constr type="r" for="ch" forName="text_1" refType="w"/>
+                <dgm:constr type="w" for="ch" forName="text_1" refType="h" refFor="ch" refForName="text_1" op="gte"/>
+                <dgm:constr type="h" for="ch" forName="text_1" refType="h" refFor="ch" refForName="accent_1" fact="0.8"/>
+                <dgm:constr type="ctrY" for="ch" forName="text_1" refType="ctrY" refFor="ch" refForName="accent_1"/>
+                <dgm:constr type="lMarg" for="ch" forName="text_1" refType="w" refFor="ch" refForName="accent_1" fact="1.8"/>
+                <dgm:constr type="h" for="ch" forName="accent_2" refType="h" fact="0.1136"/>
+                <dgm:constr type="w" for="ch" forName="accent_2" refType="h" refFor="ch" refForName="accent_2" op="equ"/>
+                <dgm:constr type="ctrY" for="ch" forName="accent_2" refType="h" fact="0.2273"/>
+                <dgm:constr type="ctrX" for="ch" forName="accent_2" refType="h" fact="0.1658"/>
+                <dgm:constr type="l" for="ch" forName="text_2" refType="ctrX" refFor="ch" refForName="accent_2"/>
+                <dgm:constr type="r" for="ch" forName="text_2" refType="w"/>
+                <dgm:constr type="w" for="ch" forName="text_2" refType="h" refFor="ch" refForName="text_2" op="gte"/>
+                <dgm:constr type="h" for="ch" forName="text_2" refType="h" refFor="ch" refForName="accent_2" fact="0.8"/>
+                <dgm:constr type="ctrY" for="ch" forName="text_2" refType="ctrY" refFor="ch" refForName="accent_2"/>
+                <dgm:constr type="lMarg" for="ch" forName="text_2" refType="w" refFor="ch" refForName="accent_2" fact="1.8"/>
+                <dgm:constr type="h" for="ch" forName="accent_3" refType="h" fact="0.1136"/>
+                <dgm:constr type="w" for="ch" forName="accent_3" refType="h" refFor="ch" refForName="accent_3" op="equ"/>
+                <dgm:constr type="ctrY" for="ch" forName="accent_3" refType="h" fact="0.3636"/>
+                <dgm:constr type="ctrX" for="ch" forName="accent_3" refType="h" fact="0.2109"/>
+                <dgm:constr type="l" for="ch" forName="text_3" refType="ctrX" refFor="ch" refForName="accent_3"/>
+                <dgm:constr type="r" for="ch" forName="text_3" refType="w"/>
+                <dgm:constr type="w" for="ch" forName="text_3" refType="h" refFor="ch" refForName="text_3" op="gte"/>
+                <dgm:constr type="h" for="ch" forName="text_3" refType="h" refFor="ch" refForName="accent_3" fact="0.8"/>
+                <dgm:constr type="ctrY" for="ch" forName="text_3" refType="ctrY" refFor="ch" refForName="accent_3"/>
+                <dgm:constr type="lMarg" for="ch" forName="text_3" refType="w" refFor="ch" refForName="accent_3" fact="1.8"/>
+                <dgm:constr type="h" for="ch" forName="accent_4" refType="h" fact="0.1136"/>
+                <dgm:constr type="w" for="ch" forName="accent_4" refType="h" refFor="ch" refForName="accent_4" op="equ"/>
+                <dgm:constr type="ctrY" for="ch" forName="accent_4" refType="h" fact="0.5"/>
+                <dgm:constr type="ctrX" for="ch" forName="accent_4" refType="h" fact="0.2253"/>
+                <dgm:constr type="l" for="ch" forName="text_4" refType="ctrX" refFor="ch" refForName="accent_4"/>
+                <dgm:constr type="r" for="ch" forName="text_4" refType="w"/>
+                <dgm:constr type="w" for="ch" forName="text_4" refType="h" refFor="ch" refForName="text_4" op="gte"/>
+                <dgm:constr type="h" for="ch" forName="text_4" refType="h" refFor="ch" refForName="accent_4" fact="0.8"/>
+                <dgm:constr type="ctrY" for="ch" forName="text_4" refType="ctrY" refFor="ch" refForName="accent_4"/>
+                <dgm:constr type="lMarg" for="ch" forName="text_4" refType="w" refFor="ch" refForName="accent_4" fact="1.8"/>
+                <dgm:constr type="h" for="ch" forName="accent_5" refType="h" fact="0.1136"/>
+                <dgm:constr type="w" for="ch" forName="accent_5" refType="h" refFor="ch" refForName="accent_5" op="equ"/>
+                <dgm:constr type="ctrY" for="ch" forName="accent_5" refType="h" fact="0.6364"/>
+                <dgm:constr type="ctrX" for="ch" forName="accent_5" refType="h" fact="0.2109"/>
+                <dgm:constr type="l" for="ch" forName="text_5" refType="ctrX" refFor="ch" refForName="accent_5"/>
+                <dgm:constr type="r" for="ch" forName="text_5" refType="w"/>
+                <dgm:constr type="w" for="ch" forName="text_5" refType="h" refFor="ch" refForName="text_5" op="gte"/>
+                <dgm:constr type="h" for="ch" forName="text_5" refType="h" refFor="ch" refForName="accent_5" fact="0.8"/>
+                <dgm:constr type="ctrY" for="ch" forName="text_5" refType="ctrY" refFor="ch" refForName="accent_5"/>
+                <dgm:constr type="lMarg" for="ch" forName="text_5" refType="w" refFor="ch" refForName="accent_5" fact="1.8"/>
+                <dgm:constr type="h" for="ch" forName="accent_6" refType="h" fact="0.1136"/>
+                <dgm:constr type="w" for="ch" forName="accent_6" refType="h" refFor="ch" refForName="accent_6" op="equ"/>
+                <dgm:constr type="ctrY" for="ch" forName="accent_6" refType="h" fact="0.7727"/>
+                <dgm:constr type="ctrX" for="ch" forName="accent_6" refType="h" fact="0.1658"/>
+                <dgm:constr type="l" for="ch" forName="text_6" refType="ctrX" refFor="ch" refForName="accent_6"/>
+                <dgm:constr type="r" for="ch" forName="text_6" refType="w"/>
+                <dgm:constr type="w" for="ch" forName="text_6" refType="h" refFor="ch" refForName="text_6" op="gte"/>
+                <dgm:constr type="h" for="ch" forName="text_6" refType="h" refFor="ch" refForName="accent_6" fact="0.8"/>
+                <dgm:constr type="ctrY" for="ch" forName="text_6" refType="ctrY" refFor="ch" refForName="accent_6"/>
+                <dgm:constr type="lMarg" for="ch" forName="text_6" refType="w" refFor="ch" refForName="accent_6" fact="1.8"/>
+                <dgm:constr type="h" for="ch" forName="accent_7" refType="h" fact="0.1136"/>
+                <dgm:constr type="w" for="ch" forName="accent_7" refType="h" refFor="ch" refForName="accent_7" op="equ"/>
+                <dgm:constr type="ctrY" for="ch" forName="accent_7" refType="h" fact="0.9091"/>
+                <dgm:constr type="ctrX" for="ch" forName="accent_7" refType="h" fact="0.0835"/>
+                <dgm:constr type="l" for="ch" forName="text_7" refType="ctrX" refFor="ch" refForName="accent_7"/>
+                <dgm:constr type="r" for="ch" forName="text_7" refType="w"/>
+                <dgm:constr type="w" for="ch" forName="text_7" refType="h" refFor="ch" refForName="text_7" op="gte"/>
+                <dgm:constr type="h" for="ch" forName="text_7" refType="h" refFor="ch" refForName="accent_7" fact="0.8"/>
+                <dgm:constr type="ctrY" for="ch" forName="text_7" refType="ctrY" refFor="ch" refForName="accent_7"/>
+                <dgm:constr type="lMarg" for="ch" forName="text_7" refType="w" refFor="ch" refForName="accent_7" fact="1.8"/>
+                <dgm:constr type="primFontSz" for="ch" ptType="node" op="equ" val="65"/>
+              </dgm:constrLst>
+            </dgm:else>
+          </dgm:choose>
+        </dgm:if>
+        <dgm:else name="Name12">
+          <dgm:choose name="Name13">
+            <dgm:if name="Name14" axis="ch" ptType="node" func="cnt" op="equ" val="1">
+              <dgm:constrLst>
+                <dgm:constr type="h" for="ch" forName="cycle" refType="h"/>
+                <dgm:constr type="w" for="ch" forName="cycle" refType="h" refFor="ch" refForName="cycle" fact="0.26"/>
+                <dgm:constr type="r" for="ch" forName="cycle" refType="w"/>
+                <dgm:constr type="ctrY" for="ch" forName="cycle" refType="h" fact="0.5"/>
+                <dgm:constr type="diam" for="ch" forName="cycle" refType="h" fact="1.344"/>
+                <dgm:constr type="h" for="ch" forName="accent_1" refType="h" fact="0.625"/>
+                <dgm:constr type="w" for="ch" forName="accent_1" refType="h" refFor="ch" refForName="accent_1" op="equ"/>
+                <dgm:constr type="ctrY" for="ch" forName="accent_1" refType="h" fact="0.5"/>
+                <dgm:constr type="ctrX" for="ch" forName="accent_1" refType="w"/>
+                <dgm:constr type="ctrXOff" for="ch" forName="accent_1" refType="h" fact="-0.2253"/>
+                <dgm:constr type="r" for="ch" forName="text_1" refType="ctrX" refFor="ch" refForName="accent_1"/>
+                <dgm:constr type="rOff" for="ch" forName="text_1" refType="ctrXOff" refFor="ch" refForName="accent_1"/>
+                <dgm:constr type="l" for="ch" forName="text_1"/>
+                <dgm:constr type="w" for="ch" forName="text_1" refType="h" refFor="ch" refForName="text_1" op="gte"/>
+                <dgm:constr type="h" for="ch" forName="text_1" refType="h" refFor="ch" refForName="accent_1" fact="0.8"/>
+                <dgm:constr type="ctrY" for="ch" forName="text_1" refType="ctrY" refFor="ch" refForName="accent_1"/>
+                <dgm:constr type="rMarg" for="ch" forName="text_1" refType="w" refFor="ch" refForName="accent_1" fact="1.8"/>
+                <dgm:constr type="primFontSz" for="ch" ptType="node" op="equ" val="65"/>
+              </dgm:constrLst>
+            </dgm:if>
+            <dgm:if name="Name15" axis="ch" ptType="node" func="cnt" op="equ" val="2">
+              <dgm:constrLst>
+                <dgm:constr type="h" for="ch" forName="cycle" refType="h"/>
+                <dgm:constr type="w" for="ch" forName="cycle" refType="h" refFor="ch" refForName="cycle" fact="0.26"/>
+                <dgm:constr type="r" for="ch" forName="cycle" refType="w"/>
+                <dgm:constr type="ctrY" for="ch" forName="cycle" refType="h" fact="0.5"/>
+                <dgm:constr type="diam" for="ch" forName="cycle" refType="h" fact="1.344"/>
+                <dgm:constr type="h" for="ch" forName="accent_1" refType="h" fact="0.3571"/>
+                <dgm:constr type="w" for="ch" forName="accent_1" refType="h" refFor="ch" refForName="accent_1" op="equ"/>
+                <dgm:constr type="ctrY" for="ch" forName="accent_1" refType="h" fact="0.2857"/>
+                <dgm:constr type="ctrX" for="ch" forName="accent_1" refType="w"/>
+                <dgm:constr type="ctrXOff" for="ch" forName="accent_1" refType="h" fact="-0.1891"/>
+                <dgm:constr type="r" for="ch" forName="text_1" refType="ctrX" refFor="ch" refForName="accent_1"/>
+                <dgm:constr type="rOff" for="ch" forName="text_1" refType="ctrXOff" refFor="ch" refForName="accent_1"/>
+                <dgm:constr type="l" for="ch" forName="text_1"/>
+                <dgm:constr type="w" for="ch" forName="text_1" refType="h" refFor="ch" refForName="text_1" op="gte"/>
+                <dgm:constr type="h" for="ch" forName="text_1" refType="h" refFor="ch" refForName="accent_1" fact="0.8"/>
+                <dgm:constr type="ctrY" for="ch" forName="text_1" refType="ctrY" refFor="ch" refForName="accent_1"/>
+                <dgm:constr type="rMarg" for="ch" forName="text_1" refType="w" refFor="ch" refForName="accent_1" fact="1.8"/>
+                <dgm:constr type="h" for="ch" forName="accent_2" refType="h" fact="0.3571"/>
+                <dgm:constr type="w" for="ch" forName="accent_2" refType="h" refFor="ch" refForName="accent_2" op="equ"/>
+                <dgm:constr type="ctrY" for="ch" forName="accent_2" refType="h" fact="0.7143"/>
+                <dgm:constr type="ctrX" for="ch" forName="accent_2" refType="w"/>
+                <dgm:constr type="ctrXOff" for="ch" forName="accent_2" refType="h" fact="-0.1891"/>
+                <dgm:constr type="r" for="ch" forName="text_2" refType="ctrX" refFor="ch" refForName="accent_2"/>
+                <dgm:constr type="rOff" for="ch" forName="text_2" refType="ctrXOff" refFor="ch" refForName="accent_2"/>
+                <dgm:constr type="l" for="ch" forName="text_2"/>
+                <dgm:constr type="w" for="ch" forName="text_2" refType="h" refFor="ch" refForName="text_2" op="gte"/>
+                <dgm:constr type="h" for="ch" forName="text_2" refType="h" refFor="ch" refForName="accent_2" fact="0.8"/>
+                <dgm:constr type="ctrY" for="ch" forName="text_2" refType="ctrY" refFor="ch" refForName="accent_2"/>
+                <dgm:constr type="rMarg" for="ch" forName="text_2" refType="w" refFor="ch" refForName="accent_2" fact="1.8"/>
+                <dgm:constr type="primFontSz" for="ch" ptType="node" op="equ" val="65"/>
+              </dgm:constrLst>
+            </dgm:if>
+            <dgm:if name="Name16" axis="ch" ptType="node" func="cnt" op="equ" val="3">
+              <dgm:constrLst>
+                <dgm:constr type="h" for="ch" forName="cycle" refType="h"/>
+                <dgm:constr type="w" for="ch" forName="cycle" refType="h" refFor="ch" refForName="cycle" fact="0.26"/>
+                <dgm:constr type="r" for="ch" forName="cycle" refType="w"/>
+                <dgm:constr type="ctrY" for="ch" forName="cycle" refType="h" fact="0.5"/>
+                <dgm:constr type="diam" for="ch" forName="cycle" refType="h" fact="1.344"/>
+                <dgm:constr type="h" for="ch" forName="accent_1" refType="h" fact="0.25"/>
+                <dgm:constr type="w" for="ch" forName="accent_1" refType="h" refFor="ch" refForName="accent_1" op="equ"/>
+                <dgm:constr type="ctrY" for="ch" forName="accent_1" refType="h" fact="0.2"/>
+                <dgm:constr type="ctrX" for="ch" forName="accent_1" refType="w"/>
+                <dgm:constr type="ctrXOff" for="ch" forName="accent_1" refType="h" fact="-0.1526"/>
+                <dgm:constr type="r" for="ch" forName="text_1" refType="ctrX" refFor="ch" refForName="accent_1"/>
+                <dgm:constr type="rOff" for="ch" forName="text_1" refType="ctrXOff" refFor="ch" refForName="accent_1"/>
+                <dgm:constr type="l" for="ch" forName="text_1"/>
+                <dgm:constr type="w" for="ch" forName="text_1" refType="h" refFor="ch" refForName="text_1" op="gte"/>
+                <dgm:constr type="h" for="ch" forName="text_1" refType="h" refFor="ch" refForName="accent_1" fact="0.8"/>
+                <dgm:constr type="ctrY" for="ch" forName="text_1" refType="ctrY" refFor="ch" refForName="accent_1"/>
+                <dgm:constr type="rMarg" for="ch" forName="text_1" refType="w" refFor="ch" refForName="accent_1" fact="1.8"/>
+                <dgm:constr type="h" for="ch" forName="accent_2" refType="h" fact="0.25"/>
+                <dgm:constr type="w" for="ch" forName="accent_2" refType="h" refFor="ch" refForName="accent_2" op="equ"/>
+                <dgm:constr type="ctrY" for="ch" forName="accent_2" refType="h" fact="0.5"/>
+                <dgm:constr type="ctrX" for="ch" forName="accent_2" refType="w"/>
+                <dgm:constr type="ctrXOff" for="ch" forName="accent_2" refType="h" fact="-0.2253"/>
+                <dgm:constr type="r" for="ch" forName="text_2" refType="ctrX" refFor="ch" refForName="accent_2"/>
+                <dgm:constr type="rOff" for="ch" forName="text_2" refType="ctrXOff" refFor="ch" refForName="accent_2"/>
+                <dgm:constr type="l" for="ch" forName="text_2"/>
+                <dgm:constr type="w" for="ch" forName="text_2" refType="h" refFor="ch" refForName="text_2" op="gte"/>
+                <dgm:constr type="h" for="ch" forName="text_2" refType="h" refFor="ch" refForName="accent_2" fact="0.8"/>
+                <dgm:constr type="ctrY" for="ch" forName="text_2" refType="ctrY" refFor="ch" refForName="accent_2"/>
+                <dgm:constr type="rMarg" for="ch" forName="text_2" refType="w" refFor="ch" refForName="accent_2" fact="1.8"/>
+                <dgm:constr type="h" for="ch" forName="accent_3" refType="h" fact="0.25"/>
+                <dgm:constr type="w" for="ch" forName="accent_3" refType="h" refFor="ch" refForName="accent_3" op="equ"/>
+                <dgm:constr type="ctrY" for="ch" forName="accent_3" refType="h" fact="0.8"/>
+                <dgm:constr type="ctrX" for="ch" forName="accent_3" refType="w"/>
+                <dgm:constr type="ctrXOff" for="ch" forName="accent_3" refType="h" fact="-0.1526"/>
+                <dgm:constr type="r" for="ch" forName="text_3" refType="ctrX" refFor="ch" refForName="accent_3"/>
+                <dgm:constr type="rOff" for="ch" forName="text_3" refType="ctrXOff" refFor="ch" refForName="accent_3"/>
+                <dgm:constr type="l" for="ch" forName="text_3"/>
+                <dgm:constr type="w" for="ch" forName="text_3" refType="h" refFor="ch" refForName="text_3" op="gte"/>
+                <dgm:constr type="h" for="ch" forName="text_3" refType="h" refFor="ch" refForName="accent_3" fact="0.8"/>
+                <dgm:constr type="ctrY" for="ch" forName="text_3" refType="ctrY" refFor="ch" refForName="accent_3"/>
+                <dgm:constr type="rMarg" for="ch" forName="text_3" refType="w" refFor="ch" refForName="accent_3" fact="1.8"/>
+                <dgm:constr type="primFontSz" for="ch" ptType="node" op="equ" val="65"/>
+              </dgm:constrLst>
+            </dgm:if>
+            <dgm:if name="Name17" axis="ch" ptType="node" func="cnt" op="equ" val="4">
+              <dgm:constrLst>
+                <dgm:constr type="h" for="ch" forName="cycle" refType="h"/>
+                <dgm:constr type="w" for="ch" forName="cycle" refType="h" refFor="ch" refForName="cycle" fact="0.26"/>
+                <dgm:constr type="r" for="ch" forName="cycle" refType="w"/>
+                <dgm:constr type="ctrY" for="ch" forName="cycle" refType="h" fact="0.5"/>
+                <dgm:constr type="diam" for="ch" forName="cycle" refType="h" fact="1.344"/>
+                <dgm:constr type="h" for="ch" forName="accent_1" refType="h" fact="0.1923"/>
+                <dgm:constr type="w" for="ch" forName="accent_1" refType="h" refFor="ch" refForName="accent_1" op="equ"/>
+                <dgm:constr type="ctrY" for="ch" forName="accent_1" refType="h" fact="0.1538"/>
+                <dgm:constr type="ctrX" for="ch" forName="accent_1" refType="w"/>
+                <dgm:constr type="ctrXOff" for="ch" forName="accent_1" refType="h" fact="-0.1268"/>
+                <dgm:constr type="r" for="ch" forName="text_1" refType="ctrX" refFor="ch" refForName="accent_1"/>
+                <dgm:constr type="rOff" for="ch" forName="text_1" refType="ctrXOff" refFor="ch" refForName="accent_1"/>
+                <dgm:constr type="l" for="ch" forName="text_1"/>
+                <dgm:constr type="w" for="ch" forName="text_1" refType="h" refFor="ch" refForName="text_1" op="gte"/>
+                <dgm:constr type="h" for="ch" forName="text_1" refType="h" refFor="ch" refForName="accent_1" fact="0.8"/>
+                <dgm:constr type="ctrY" for="ch" forName="text_1" refType="ctrY" refFor="ch" refForName="accent_1"/>
+                <dgm:constr type="rMarg" for="ch" forName="text_1" refType="w" refFor="ch" refForName="accent_1" fact="1.8"/>
+                <dgm:constr type="h" for="ch" forName="accent_2" refType="h" fact="0.1923"/>
+                <dgm:constr type="w" for="ch" forName="accent_2" refType="h" refFor="ch" refForName="accent_2" op="equ"/>
+                <dgm:constr type="ctrY" for="ch" forName="accent_2" refType="h" fact="0.3846"/>
+                <dgm:constr type="ctrX" for="ch" forName="accent_2" refType="w"/>
+                <dgm:constr type="ctrXOff" for="ch" forName="accent_2" refType="h" fact="-0.215"/>
+                <dgm:constr type="r" for="ch" forName="text_2" refType="ctrX" refFor="ch" refForName="accent_2"/>
+                <dgm:constr type="rOff" for="ch" forName="text_2" refType="ctrXOff" refFor="ch" refForName="accent_2"/>
+                <dgm:constr type="l" for="ch" forName="text_2"/>
+                <dgm:constr type="w" for="ch" forName="text_2" refType="h" refFor="ch" refForName="text_2" op="gte"/>
+                <dgm:constr type="h" for="ch" forName="text_2" refType="h" refFor="ch" refForName="accent_2" fact="0.8"/>
+                <dgm:constr type="ctrY" for="ch" forName="text_2" refType="ctrY" refFor="ch" refForName="accent_2"/>
+                <dgm:constr type="rMarg" for="ch" forName="text_2" refType="w" refFor="ch" refForName="accent_2" fact="1.8"/>
+                <dgm:constr type="h" for="ch" forName="accent_3" refType="h" fact="0.1923"/>
+                <dgm:constr type="w" for="ch" forName="accent_3" refType="h" refFor="ch" refForName="accent_3" op="equ"/>
+                <dgm:constr type="ctrY" for="ch" forName="accent_3" refType="h" fact="0.6154"/>
+                <dgm:constr type="ctrX" for="ch" forName="accent_3" refType="w"/>
+                <dgm:constr type="ctrXOff" for="ch" forName="accent_3" refType="h" fact="-0.215"/>
+                <dgm:constr type="r" for="ch" forName="text_3" refType="ctrX" refFor="ch" refForName="accent_3"/>
+                <dgm:constr type="rOff" for="ch" forName="text_3" refType="ctrXOff" refFor="ch" refForName="accent_3"/>
+                <dgm:constr type="l" for="ch" forName="text_3"/>
+                <dgm:constr type="w" for="ch" forName="text_3" refType="h" refFor="ch" refForName="text_3" op="gte"/>
+                <dgm:constr type="h" for="ch" forName="text_3" refType="h" refFor="ch" refForName="accent_3" fact="0.8"/>
+                <dgm:constr type="ctrY" for="ch" forName="text_3" refType="ctrY" refFor="ch" refForName="accent_3"/>
+                <dgm:constr type="rMarg" for="ch" forName="text_3" refType="w" refFor="ch" refForName="accent_3" fact="1.8"/>
+                <dgm:constr type="h" for="ch" forName="accent_4" refType="h" fact="0.1923"/>
+                <dgm:constr type="w" for="ch" forName="accent_4" refType="h" refFor="ch" refForName="accent_4" op="equ"/>
+                <dgm:constr type="ctrY" for="ch" forName="accent_4" refType="h" fact="0.8462"/>
+                <dgm:constr type="ctrX" for="ch" forName="accent_4" refType="w"/>
+                <dgm:constr type="ctrXOff" for="ch" forName="accent_4" refType="h" fact="-0.1268"/>
+                <dgm:constr type="r" for="ch" forName="text_4" refType="ctrX" refFor="ch" refForName="accent_4"/>
+                <dgm:constr type="rOff" for="ch" forName="text_4" refType="ctrXOff" refFor="ch" refForName="accent_4"/>
+                <dgm:constr type="l" for="ch" forName="text_4"/>
+                <dgm:constr type="w" for="ch" forName="text_4" refType="h" refFor="ch" refForName="text_4" op="gte"/>
+                <dgm:constr type="h" for="ch" forName="text_4" refType="h" refFor="ch" refForName="accent_4" fact="0.8"/>
+                <dgm:constr type="ctrY" for="ch" forName="text_4" refType="ctrY" refFor="ch" refForName="accent_4"/>
+                <dgm:constr type="rMarg" for="ch" forName="text_4" refType="w" refFor="ch" refForName="accent_4" fact="1.8"/>
+                <dgm:constr type="primFontSz" for="ch" ptType="node" op="equ" val="65"/>
+              </dgm:constrLst>
+            </dgm:if>
+            <dgm:if name="Name18" axis="ch" ptType="node" func="cnt" op="equ" val="5">
+              <dgm:constrLst>
+                <dgm:constr type="h" for="ch" forName="cycle" refType="h"/>
+                <dgm:constr type="w" for="ch" forName="cycle" refType="h" refFor="ch" refForName="cycle" fact="0.26"/>
+                <dgm:constr type="r" for="ch" forName="cycle" refType="w"/>
+                <dgm:constr type="ctrY" for="ch" forName="cycle" refType="h" fact="0.5"/>
+                <dgm:constr type="diam" for="ch" forName="cycle" refType="h" fact="1.344"/>
+                <dgm:constr type="h" for="ch" forName="accent_1" refType="h" fact="0.1563"/>
+                <dgm:constr type="w" for="ch" forName="accent_1" refType="h" refFor="ch" refForName="accent_1" op="equ"/>
+                <dgm:constr type="ctrY" for="ch" forName="accent_1" refType="h" fact="0.125"/>
+                <dgm:constr type="ctrX" for="ch" forName="accent_1" refType="w"/>
+                <dgm:constr type="ctrXOff" for="ch" forName="accent_1" refType="h" fact="-0.1082"/>
+                <dgm:constr type="r" for="ch" forName="text_1" refType="ctrX" refFor="ch" refForName="accent_1"/>
+                <dgm:constr type="rOff" for="ch" forName="text_1" refType="ctrXOff" refFor="ch" refForName="accent_1"/>
+                <dgm:constr type="l" for="ch" forName="text_1"/>
+                <dgm:constr type="w" for="ch" forName="text_1" refType="h" refFor="ch" refForName="text_1" op="gte"/>
+                <dgm:constr type="h" for="ch" forName="text_1" refType="h" refFor="ch" refForName="accent_1" fact="0.8"/>
+                <dgm:constr type="ctrY" for="ch" forName="text_1" refType="ctrY" refFor="ch" refForName="accent_1"/>
+                <dgm:constr type="rMarg" for="ch" forName="text_1" refType="w" refFor="ch" refForName="accent_1" fact="1.8"/>
+                <dgm:constr type="h" for="ch" forName="accent_2" refType="h" fact="0.1563"/>
+                <dgm:constr type="w" for="ch" forName="accent_2" refType="h" refFor="ch" refForName="accent_2" op="equ"/>
+                <dgm:constr type="ctrY" for="ch" forName="accent_2" refType="h" fact="0.3125"/>
+                <dgm:constr type="ctrX" for="ch" forName="accent_2" refType="w"/>
+                <dgm:constr type="ctrXOff" for="ch" forName="accent_2" refType="h" fact="-0.1978"/>
+                <dgm:constr type="r" for="ch" forName="text_2" refType="ctrX" refFor="ch" refForName="accent_2"/>
+                <dgm:constr type="rOff" for="ch" forName="text_2" refType="ctrXOff" refFor="ch" refForName="accent_2"/>
+                <dgm:constr type="l" for="ch" forName="text_2"/>
+                <dgm:constr type="w" for="ch" forName="text_2" refType="h" refFor="ch" refForName="text_2" op="gte"/>
+                <dgm:constr type="h" for="ch" forName="text_2" refType="h" refFor="ch" refForName="accent_2" fact="0.8"/>
+                <dgm:constr type="ctrY" for="ch" forName="text_2" refType="ctrY" refFor="ch" refForName="accent_2"/>
+                <dgm:constr type="rMarg" for="ch" forName="text_2" refType="w" refFor="ch" refForName="accent_2" fact="1.8"/>
+                <dgm:constr type="h" for="ch" forName="accent_3" refType="h" fact="0.1563"/>
+                <dgm:constr type="w" for="ch" forName="accent_3" refType="h" refFor="ch" refForName="accent_3" op="equ"/>
+                <dgm:constr type="ctrY" for="ch" forName="accent_3" refType="h" fact="0.5"/>
+                <dgm:constr type="ctrX" for="ch" forName="accent_3" refType="w"/>
+                <dgm:constr type="ctrXOff" for="ch" forName="accent_3" refType="h" fact="-0.2253"/>
+                <dgm:constr type="r" for="ch" forName="text_3" refType="ctrX" refFor="ch" refForName="accent_3"/>
+                <dgm:constr type="rOff" for="ch" forName="text_3" refType="ctrXOff" refFor="ch" refForName="accent_3"/>
+                <dgm:constr type="l" for="ch" forName="text_3"/>
+                <dgm:constr type="w" for="ch" forName="text_3" refType="h" refFor="ch" refForName="text_3" op="gte"/>
+                <dgm:constr type="h" for="ch" forName="text_3" refType="h" refFor="ch" refForName="accent_3" fact="0.8"/>
+                <dgm:constr type="ctrY" for="ch" forName="text_3" refType="ctrY" refFor="ch" refForName="accent_3"/>
+                <dgm:constr type="rMarg" for="ch" forName="text_3" refType="w" refFor="ch" refForName="accent_3" fact="1.8"/>
+                <dgm:constr type="h" for="ch" forName="accent_4" refType="h" fact="0.1563"/>
+                <dgm:constr type="w" for="ch" forName="accent_4" refType="h" refFor="ch" refForName="accent_4" op="equ"/>
+                <dgm:constr type="ctrY" for="ch" forName="accent_4" refType="h" fact="0.6875"/>
+                <dgm:constr type="ctrX" for="ch" forName="accent_4" refType="w"/>
+                <dgm:constr type="ctrXOff" for="ch" forName="accent_4" refType="h" fact="-0.1978"/>
+                <dgm:constr type="r" for="ch" forName="text_4" refType="ctrX" refFor="ch" refForName="accent_4"/>
+                <dgm:constr type="rOff" for="ch" forName="text_4" refType="ctrXOff" refFor="ch" refForName="accent_4"/>
+                <dgm:constr type="l" for="ch" forName="text_4"/>
+                <dgm:constr type="w" for="ch" forName="text_4" refType="h" refFor="ch" refForName="text_4" op="gte"/>
+                <dgm:constr type="h" for="ch" forName="text_4" refType="h" refFor="ch" refForName="accent_4" fact="0.8"/>
+                <dgm:constr type="ctrY" for="ch" forName="text_4" refType="ctrY" refFor="ch" refForName="accent_4"/>
+                <dgm:constr type="rMarg" for="ch" forName="text_4" refType="w" refFor="ch" refForName="accent_4" fact="1.8"/>
+                <dgm:constr type="h" for="ch" forName="accent_5" refType="h" fact="0.1563"/>
+                <dgm:constr type="w" for="ch" forName="accent_5" refType="h" refFor="ch" refForName="accent_5" op="equ"/>
+                <dgm:constr type="ctrY" for="ch" forName="accent_5" refType="h" fact="0.875"/>
+                <dgm:constr type="ctrX" for="ch" forName="accent_5" refType="w"/>
+                <dgm:constr type="ctrXOff" for="ch" forName="accent_5" refType="h" fact="-0.1082"/>
+                <dgm:constr type="r" for="ch" forName="text_5" refType="ctrX" refFor="ch" refForName="accent_5"/>
+                <dgm:constr type="rOff" for="ch" forName="text_5" refType="ctrXOff" refFor="ch" refForName="accent_5"/>
+                <dgm:constr type="l" for="ch" forName="text_5"/>
+                <dgm:constr type="w" for="ch" forName="text_5" refType="h" refFor="ch" refForName="text_5" op="gte"/>
+                <dgm:constr type="h" for="ch" forName="text_5" refType="h" refFor="ch" refForName="accent_5" fact="0.8"/>
+                <dgm:constr type="ctrY" for="ch" forName="text_5" refType="ctrY" refFor="ch" refForName="accent_5"/>
+                <dgm:constr type="rMarg" for="ch" forName="text_5" refType="w" refFor="ch" refForName="accent_5" fact="1.8"/>
+                <dgm:constr type="primFontSz" for="ch" ptType="node" op="equ" val="65"/>
+              </dgm:constrLst>
+            </dgm:if>
+            <dgm:if name="Name19" axis="ch" ptType="node" func="cnt" op="equ" val="6">
+              <dgm:constrLst>
+                <dgm:constr type="h" for="ch" forName="cycle" refType="h"/>
+                <dgm:constr type="w" for="ch" forName="cycle" refType="h" refFor="ch" refForName="cycle" fact="0.26"/>
+                <dgm:constr type="r" for="ch" forName="cycle" refType="w"/>
+                <dgm:constr type="ctrY" for="ch" forName="cycle" refType="h" fact="0.5"/>
+                <dgm:constr type="diam" for="ch" forName="cycle" refType="h" fact="1.344"/>
+                <dgm:constr type="h" for="ch" forName="accent_1" refType="h" fact="0.1316"/>
+                <dgm:constr type="w" for="ch" forName="accent_1" refType="h" refFor="ch" refForName="accent_1" op="equ"/>
+                <dgm:constr type="ctrY" for="ch" forName="accent_1" refType="h" fact="0.1053"/>
+                <dgm:constr type="ctrX" for="ch" forName="accent_1" refType="w"/>
+                <dgm:constr type="ctrXOff" for="ch" forName="accent_1" refType="h" fact="-0.0943"/>
+                <dgm:constr type="r" for="ch" forName="text_1" refType="ctrX" refFor="ch" refForName="accent_1"/>
+                <dgm:constr type="rOff" for="ch" forName="text_1" refType="ctrXOff" refFor="ch" refForName="accent_1"/>
+                <dgm:constr type="l" for="ch" forName="text_1"/>
+                <dgm:constr type="w" for="ch" forName="text_1" refType="h" refFor="ch" refForName="text_1" op="gte"/>
+                <dgm:constr type="h" for="ch" forName="text_1" refType="h" refFor="ch" refForName="accent_1" fact="0.8"/>
+                <dgm:constr type="ctrY" for="ch" forName="text_1" refType="ctrY" refFor="ch" refForName="accent_1"/>
+                <dgm:constr type="rMarg" for="ch" forName="text_1" refType="w" refFor="ch" refForName="accent_1" fact="1.8"/>
+                <dgm:constr type="h" for="ch" forName="accent_2" refType="h" fact="0.1316"/>
+                <dgm:constr type="w" for="ch" forName="accent_2" refType="h" refFor="ch" refForName="accent_2" op="equ"/>
+                <dgm:constr type="ctrY" for="ch" forName="accent_2" refType="h" fact="0.2632"/>
+                <dgm:constr type="ctrX" for="ch" forName="accent_2" refType="w"/>
+                <dgm:constr type="ctrXOff" for="ch" forName="accent_2" refType="h" fact="-0.1809"/>
+                <dgm:constr type="r" for="ch" forName="text_2" refType="ctrX" refFor="ch" refForName="accent_2"/>
+                <dgm:constr type="rOff" for="ch" forName="text_2" refType="ctrXOff" refFor="ch" refForName="accent_2"/>
+                <dgm:constr type="l" for="ch" forName="text_2"/>
+                <dgm:constr type="w" for="ch" forName="text_2" refType="h" refFor="ch" refForName="text_2" op="gte"/>
+                <dgm:constr type="h" for="ch" forName="text_2" refType="h" refFor="ch" refForName="accent_2" fact="0.8"/>
+                <dgm:constr type="ctrY" for="ch" forName="text_2" refType="ctrY" refFor="ch" refForName="accent_2"/>
+                <dgm:constr type="rMarg" for="ch" forName="text_2" refType="w" refFor="ch" refForName="accent_2" fact="1.8"/>
+                <dgm:constr type="h" for="ch" forName="accent_3" refType="h" fact="0.1316"/>
+                <dgm:constr type="w" for="ch" forName="accent_3" refType="h" refFor="ch" refForName="accent_3" op="equ"/>
+                <dgm:constr type="ctrY" for="ch" forName="accent_3" refType="h" fact="0.4211"/>
+                <dgm:constr type="ctrX" for="ch" forName="accent_3" refType="w"/>
+                <dgm:constr type="ctrXOff" for="ch" forName="accent_3" refType="h" fact="-0.2205"/>
+                <dgm:constr type="r" for="ch" forName="text_3" refType="ctrX" refFor="ch" refForName="accent_3"/>
+                <dgm:constr type="rOff" for="ch" forName="text_3" refType="ctrXOff" refFor="ch" refForName="accent_3"/>
+                <dgm:constr type="l" for="ch" forName="text_3"/>
+                <dgm:constr type="w" for="ch" forName="text_3" refType="h" refFor="ch" refForName="text_3" op="gte"/>
+                <dgm:constr type="h" for="ch" forName="text_3" refType="h" refFor="ch" refForName="accent_3" fact="0.8"/>
+                <dgm:constr type="ctrY" for="ch" forName="text_3" refType="ctrY" refFor="ch" refForName="accent_3"/>
+                <dgm:constr type="rMarg" for="ch" forName="text_3" refType="w" refFor="ch" refForName="accent_3" fact="1.8"/>
+                <dgm:constr type="h" for="ch" forName="accent_4" refType="h" fact="0.1316"/>
+                <dgm:constr type="w" for="ch" forName="accent_4" refType="h" refFor="ch" refForName="accent_4" op="equ"/>
+                <dgm:constr type="ctrY" for="ch" forName="accent_4" refType="h" fact="0.5789"/>
+                <dgm:constr type="ctrX" for="ch" forName="accent_4" refType="w"/>
+                <dgm:constr type="ctrXOff" for="ch" forName="accent_4" refType="h" fact="-0.2205"/>
+                <dgm:constr type="r" for="ch" forName="text_4" refType="ctrX" refFor="ch" refForName="accent_4"/>
+                <dgm:constr type="rOff" for="ch" forName="text_4" refType="ctrXOff" refFor="ch" refForName="accent_4"/>
+                <dgm:constr type="l" for="ch" forName="text_4"/>
+                <dgm:constr type="w" for="ch" forName="text_4" refType="h" refFor="ch" refForName="text_4" op="gte"/>
+                <dgm:constr type="h" for="ch" forName="text_4" refType="h" refFor="ch" refForName="accent_4" fact="0.8"/>
+                <dgm:constr type="ctrY" for="ch" forName="text_4" refType="ctrY" refFor="ch" refForName="accent_4"/>
+                <dgm:constr type="rMarg" for="ch" forName="text_4" refType="w" refFor="ch" refForName="accent_4" fact="1.8"/>
+                <dgm:constr type="h" for="ch" forName="accent_5" refType="h" fact="0.1316"/>
+                <dgm:constr type="w" for="ch" forName="accent_5" refType="h" refFor="ch" refForName="accent_5" op="equ"/>
+                <dgm:constr type="ctrY" for="ch" forName="accent_5" refType="h" fact="0.7368"/>
+                <dgm:constr type="ctrX" for="ch" forName="accent_5" refType="w"/>
+                <dgm:constr type="ctrXOff" for="ch" forName="accent_5" refType="h" fact="-0.1809"/>
+                <dgm:constr type="r" for="ch" forName="text_5" refType="ctrX" refFor="ch" refForName="accent_5"/>
+                <dgm:constr type="rOff" for="ch" forName="text_5" refType="ctrXOff" refFor="ch" refForName="accent_5"/>
+                <dgm:constr type="l" for="ch" forName="text_5"/>
+                <dgm:constr type="w" for="ch" forName="text_5" refType="h" refFor="ch" refForName="text_5" op="gte"/>
+                <dgm:constr type="h" for="ch" forName="text_5" refType="h" refFor="ch" refForName="accent_5" fact="0.8"/>
+                <dgm:constr type="ctrY" for="ch" forName="text_5" refType="ctrY" refFor="ch" refForName="accent_5"/>
+                <dgm:constr type="rMarg" for="ch" forName="text_5" refType="w" refFor="ch" refForName="accent_5" fact="1.8"/>
+                <dgm:constr type="h" for="ch" forName="accent_6" refType="h" fact="0.1316"/>
+                <dgm:constr type="w" for="ch" forName="accent_6" refType="h" refFor="ch" refForName="accent_6" op="equ"/>
+                <dgm:constr type="ctrY" for="ch" forName="accent_6" refType="h" fact="0.8947"/>
+                <dgm:constr type="ctrX" for="ch" forName="accent_6" refType="w"/>
+                <dgm:constr type="ctrXOff" for="ch" forName="accent_6" refType="h" fact="-0.0943"/>
+                <dgm:constr type="r" for="ch" forName="text_6" refType="ctrX" refFor="ch" refForName="accent_6"/>
+                <dgm:constr type="rOff" for="ch" forName="text_6" refType="ctrXOff" refFor="ch" refForName="accent_6"/>
+                <dgm:constr type="l" for="ch" forName="text_6"/>
+                <dgm:constr type="w" for="ch" forName="text_6" refType="h" refFor="ch" refForName="text_6" op="gte"/>
+                <dgm:constr type="h" for="ch" forName="text_6" refType="h" refFor="ch" refForName="accent_6" fact="0.8"/>
+                <dgm:constr type="ctrY" for="ch" forName="text_6" refType="ctrY" refFor="ch" refForName="accent_6"/>
+                <dgm:constr type="rMarg" for="ch" forName="text_6" refType="w" refFor="ch" refForName="accent_6" fact="1.8"/>
+                <dgm:constr type="primFontSz" for="ch" ptType="node" op="equ" val="65"/>
+              </dgm:constrLst>
+            </dgm:if>
+            <dgm:else name="Name20">
+              <dgm:constrLst>
+                <dgm:constr type="h" for="ch" forName="cycle" refType="h"/>
+                <dgm:constr type="w" for="ch" forName="cycle" refType="h" refFor="ch" refForName="cycle" fact="0.26"/>
+                <dgm:constr type="r" for="ch" forName="cycle" refType="w"/>
+                <dgm:constr type="ctrY" for="ch" forName="cycle" refType="h" fact="0.5"/>
+                <dgm:constr type="diam" for="ch" forName="cycle" refType="h" fact="1.344"/>
+                <dgm:constr type="h" for="ch" forName="accent_1" refType="h" fact="0.1136"/>
+                <dgm:constr type="w" for="ch" forName="accent_1" refType="h" refFor="ch" refForName="accent_1" op="equ"/>
+                <dgm:constr type="ctrY" for="ch" forName="accent_1" refType="h" fact="0.0909"/>
+                <dgm:constr type="ctrX" for="ch" forName="accent_1" refType="w"/>
+                <dgm:constr type="ctrXOff" for="ch" forName="accent_1" refType="h" fact="-0.0835"/>
+                <dgm:constr type="r" for="ch" forName="text_1" refType="ctrX" refFor="ch" refForName="accent_1"/>
+                <dgm:constr type="rOff" for="ch" forName="text_1" refType="ctrXOff" refFor="ch" refForName="accent_1"/>
+                <dgm:constr type="l" for="ch" forName="text_1"/>
+                <dgm:constr type="w" for="ch" forName="text_1" refType="h" refFor="ch" refForName="text_1" op="gte"/>
+                <dgm:constr type="h" for="ch" forName="text_1" refType="h" refFor="ch" refForName="accent_1" fact="0.8"/>
+                <dgm:constr type="ctrY" for="ch" forName="text_1" refType="ctrY" refFor="ch" refForName="accent_1"/>
+                <dgm:constr type="rMarg" for="ch" forName="text_1" refType="w" refFor="ch" refForName="accent_1" fact="1.8"/>
+                <dgm:constr type="h" for="ch" forName="accent_2" refType="h" fact="0.1136"/>
+                <dgm:constr type="w" for="ch" forName="accent_2" refType="h" refFor="ch" refForName="accent_2" op="equ"/>
+                <dgm:constr type="ctrY" for="ch" forName="accent_2" refType="h" fact="0.2273"/>
+                <dgm:constr type="ctrX" for="ch" forName="accent_2" refType="w"/>
+                <dgm:constr type="ctrXOff" for="ch" forName="accent_2" refType="h" fact="-0.1658"/>
+                <dgm:constr type="r" for="ch" forName="text_2" refType="ctrX" refFor="ch" refForName="accent_2"/>
+                <dgm:constr type="rOff" for="ch" forName="text_2" refType="ctrXOff" refFor="ch" refForName="accent_2"/>
+                <dgm:constr type="l" for="ch" forName="text_2"/>
+                <dgm:constr type="w" for="ch" forName="text_2" refType="h" refFor="ch" refForName="text_2" op="gte"/>
+                <dgm:constr type="h" for="ch" forName="text_2" refType="h" refFor="ch" refForName="accent_2" fact="0.8"/>
+                <dgm:constr type="ctrY" for="ch" forName="text_2" refType="ctrY" refFor="ch" refForName="accent_2"/>
+                <dgm:constr type="rMarg" for="ch" forName="text_2" refType="w" refFor="ch" refForName="accent_2" fact="1.8"/>
+                <dgm:constr type="h" for="ch" forName="accent_3" refType="h" fact="0.1136"/>
+                <dgm:constr type="w" for="ch" forName="accent_3" refType="h" refFor="ch" refForName="accent_3" op="equ"/>
+                <dgm:constr type="ctrY" for="ch" forName="accent_3" refType="h" fact="0.3636"/>
+                <dgm:constr type="ctrX" for="ch" forName="accent_3" refType="w"/>
+                <dgm:constr type="ctrXOff" for="ch" forName="accent_3" refType="h" fact="-0.2109"/>
+                <dgm:constr type="r" for="ch" forName="text_3" refType="ctrX" refFor="ch" refForName="accent_3"/>
+                <dgm:constr type="rOff" for="ch" forName="text_3" refType="ctrXOff" refFor="ch" refForName="accent_3"/>
+                <dgm:constr type="l" for="ch" forName="text_3"/>
+                <dgm:constr type="w" for="ch" forName="text_3" refType="h" refFor="ch" refForName="text_3" op="gte"/>
+                <dgm:constr type="h" for="ch" forName="text_3" refType="h" refFor="ch" refForName="accent_3" fact="0.8"/>
+                <dgm:constr type="ctrY" for="ch" forName="text_3" refType="ctrY" refFor="ch" refForName="accent_3"/>
+                <dgm:constr type="rMarg" for="ch" forName="text_3" refType="w" refFor="ch" refForName="accent_3" fact="1.8"/>
+                <dgm:constr type="h" for="ch" forName="accent_4" refType="h" fact="0.1136"/>
+                <dgm:constr type="w" for="ch" forName="accent_4" refType="h" refFor="ch" refForName="accent_4" op="equ"/>
+                <dgm:constr type="ctrY" for="ch" forName="accent_4" refType="h" fact="0.5"/>
+                <dgm:constr type="ctrX" for="ch" forName="accent_4" refType="w"/>
+                <dgm:constr type="ctrXOff" for="ch" forName="accent_4" refType="h" fact="-0.2253"/>
+                <dgm:constr type="r" for="ch" forName="text_4" refType="ctrX" refFor="ch" refForName="accent_4"/>
+                <dgm:constr type="rOff" for="ch" forName="text_4" refType="ctrXOff" refFor="ch" refForName="accent_4"/>
+                <dgm:constr type="l" for="ch" forName="text_4"/>
+                <dgm:constr type="w" for="ch" forName="text_4" refType="h" refFor="ch" refForName="text_4" op="gte"/>
+                <dgm:constr type="h" for="ch" forName="text_4" refType="h" refFor="ch" refForName="accent_4" fact="0.8"/>
+                <dgm:constr type="ctrY" for="ch" forName="text_4" refType="ctrY" refFor="ch" refForName="accent_4"/>
+                <dgm:constr type="rMarg" for="ch" forName="text_4" refType="w" refFor="ch" refForName="accent_4" fact="1.8"/>
+                <dgm:constr type="h" for="ch" forName="accent_5" refType="h" fact="0.1136"/>
+                <dgm:constr type="w" for="ch" forName="accent_5" refType="h" refFor="ch" refForName="accent_5" op="equ"/>
+                <dgm:constr type="ctrY" for="ch" forName="accent_5" refType="h" fact="0.6364"/>
+                <dgm:constr type="ctrX" for="ch" forName="accent_5" refType="w"/>
+                <dgm:constr type="ctrXOff" for="ch" forName="accent_5" refType="h" fact="-0.2109"/>
+                <dgm:constr type="r" for="ch" forName="text_5" refType="ctrX" refFor="ch" refForName="accent_5"/>
+                <dgm:constr type="rOff" for="ch" forName="text_5" refType="ctrXOff" refFor="ch" refForName="accent_5"/>
+                <dgm:constr type="l" for="ch" forName="text_5"/>
+                <dgm:constr type="w" for="ch" forName="text_5" refType="h" refFor="ch" refForName="text_5" op="gte"/>
+                <dgm:constr type="h" for="ch" forName="text_5" refType="h" refFor="ch" refForName="accent_5" fact="0.8"/>
+                <dgm:constr type="ctrY" for="ch" forName="text_5" refType="ctrY" refFor="ch" refForName="accent_5"/>
+                <dgm:constr type="rMarg" for="ch" forName="text_5" refType="w" refFor="ch" refForName="accent_5" fact="1.8"/>
+                <dgm:constr type="h" for="ch" forName="accent_6" refType="h" fact="0.1136"/>
+                <dgm:constr type="w" for="ch" forName="accent_6" refType="h" refFor="ch" refForName="accent_6" op="equ"/>
+                <dgm:constr type="ctrY" for="ch" forName="accent_6" refType="h" fact="0.7727"/>
+                <dgm:constr type="ctrX" for="ch" forName="accent_6" refType="w"/>
+                <dgm:constr type="ctrXOff" for="ch" forName="accent_6" refType="h" fact="-0.1658"/>
+                <dgm:constr type="r" for="ch" forName="text_6" refType="ctrX" refFor="ch" refForName="accent_6"/>
+                <dgm:constr type="rOff" for="ch" forName="text_6" refType="ctrXOff" refFor="ch" refForName="accent_6"/>
+                <dgm:constr type="l" for="ch" forName="text_6"/>
+                <dgm:constr type="w" for="ch" forName="text_6" refType="h" refFor="ch" refForName="text_6" op="gte"/>
+                <dgm:constr type="h" for="ch" forName="text_6" refType="h" refFor="ch" refForName="accent_6" fact="0.8"/>
+                <dgm:constr type="ctrY" for="ch" forName="text_6" refType="ctrY" refFor="ch" refForName="accent_6"/>
+                <dgm:constr type="rMarg" for="ch" forName="text_6" refType="w" refFor="ch" refForName="accent_6" fact="1.8"/>
+                <dgm:constr type="h" for="ch" forName="accent_7" refType="h" fact="0.1136"/>
+                <dgm:constr type="w" for="ch" forName="accent_7" refType="h" refFor="ch" refForName="accent_7" op="equ"/>
+                <dgm:constr type="ctrY" for="ch" forName="accent_7" refType="h" fact="0.9091"/>
+                <dgm:constr type="ctrX" for="ch" forName="accent_7" refType="w"/>
+                <dgm:constr type="ctrXOff" for="ch" forName="accent_7" refType="h" fact="-0.0835"/>
+                <dgm:constr type="r" for="ch" forName="text_7" refType="ctrX" refFor="ch" refForName="accent_7"/>
+                <dgm:constr type="rOff" for="ch" forName="text_7" refType="ctrXOff" refFor="ch" refForName="accent_7"/>
+                <dgm:constr type="l" for="ch" forName="text_7"/>
+                <dgm:constr type="w" for="ch" forName="text_7" refType="h" refFor="ch" refForName="text_7" op="gte"/>
+                <dgm:constr type="h" for="ch" forName="text_7" refType="h" refFor="ch" refForName="accent_7" fact="0.8"/>
+                <dgm:constr type="ctrY" for="ch" forName="text_7" refType="ctrY" refFor="ch" refForName="accent_7"/>
+                <dgm:constr type="rMarg" for="ch" forName="text_7" refType="w" refFor="ch" refForName="accent_7" fact="1.8"/>
+                <dgm:constr type="primFontSz" for="ch" ptType="node" op="equ" val="65"/>
+              </dgm:constrLst>
+            </dgm:else>
+          </dgm:choose>
+        </dgm:else>
+      </dgm:choose>
+      <dgm:layoutNode name="cycle">
+        <dgm:choose name="Name21">
+          <dgm:if name="Name22" func="var" arg="dir" op="equ" val="norm">
+            <dgm:alg type="cycle">
+              <dgm:param type="stAng" val="45"/>
+              <dgm:param type="spanAng" val="90"/>
             </dgm:alg>
           </dgm:if>
-          <dgm:else name="Name7">
-            <dgm:alg type="lin">
-              <dgm:param type="linDir" val="fromR"/>
+          <dgm:else name="Name23">
+            <dgm:alg type="cycle">
+              <dgm:param type="stAng" val="225"/>
+              <dgm:param type="spanAng" val="90"/>
             </dgm:alg>
           </dgm:else>
         </dgm:choose>
@@ -8505,83 +9415,400 @@
         </dgm:shape>
         <dgm:presOf/>
         <dgm:constrLst>
-          <dgm:constr type="w" for="ch" forName="parentText" refType="w" fact="0.36"/>
-          <dgm:constr type="w" for="ch" forName="descendantText" refType="w" fact="0.64"/>
-          <dgm:constr type="h" for="ch" forName="parentText" refType="h"/>
-          <dgm:constr type="h" for="ch" forName="descendantText" refType="h" refFor="ch" refForName="parentText" fact="0.8"/>
+          <dgm:constr type="w" for="ch" val="1"/>
+          <dgm:constr type="h" for="ch" val="1"/>
+          <dgm:constr type="diam" for="ch" forName="conn" refType="diam"/>
         </dgm:constrLst>
-        <dgm:ruleLst/>
-        <dgm:layoutNode name="parentText">
+        <dgm:layoutNode name="srcNode">
+          <dgm:alg type="sp"/>
+          <dgm:shape xmlns:r="http://schemas.openxmlformats.org/officeDocument/2006/relationships" type="rect" r:blip="" hideGeom="1">
+            <dgm:adjLst/>
+          </dgm:shape>
+          <dgm:presOf/>
+        </dgm:layoutNode>
+        <dgm:layoutNode name="conn" styleLbl="parChTrans1D2">
+          <dgm:alg type="conn">
+            <dgm:param type="connRout" val="curve"/>
+            <dgm:param type="srcNode" val="srcNode"/>
+            <dgm:param type="dstNode" val="dstNode"/>
+            <dgm:param type="begPts" val="ctr"/>
+            <dgm:param type="endPts" val="ctr"/>
+            <dgm:param type="endSty" val="noArr"/>
+          </dgm:alg>
+          <dgm:shape xmlns:r="http://schemas.openxmlformats.org/officeDocument/2006/relationships" type="conn" r:blip="">
+            <dgm:adjLst/>
+          </dgm:shape>
+          <dgm:presOf axis="desOrSelf" ptType="sibTrans" hideLastTrans="0" st="0" cnt="1"/>
+          <dgm:constrLst>
+            <dgm:constr type="begPad"/>
+            <dgm:constr type="endPad"/>
+          </dgm:constrLst>
+        </dgm:layoutNode>
+        <dgm:layoutNode name="extraNode">
+          <dgm:alg type="sp"/>
+          <dgm:shape xmlns:r="http://schemas.openxmlformats.org/officeDocument/2006/relationships" type="rect" r:blip="" hideGeom="1">
+            <dgm:adjLst/>
+          </dgm:shape>
+          <dgm:presOf/>
+        </dgm:layoutNode>
+        <dgm:layoutNode name="dstNode">
+          <dgm:alg type="sp"/>
+          <dgm:shape xmlns:r="http://schemas.openxmlformats.org/officeDocument/2006/relationships" type="rect" r:blip="" hideGeom="1">
+            <dgm:adjLst/>
+          </dgm:shape>
+          <dgm:presOf/>
+        </dgm:layoutNode>
+      </dgm:layoutNode>
+      <dgm:forEach name="wrapper" axis="self" ptType="parTrans">
+        <dgm:forEach name="wrapper2" axis="self" ptType="sibTrans" st="2">
+          <dgm:forEach name="accentRepeat" axis="self">
+            <dgm:layoutNode name="accentRepeatNode" styleLbl="solidFgAcc1">
+              <dgm:alg type="sp"/>
+              <dgm:shape xmlns:r="http://schemas.openxmlformats.org/officeDocument/2006/relationships" type="ellipse" r:blip="">
+                <dgm:adjLst/>
+              </dgm:shape>
+              <dgm:presOf/>
+            </dgm:layoutNode>
+          </dgm:forEach>
+        </dgm:forEach>
+      </dgm:forEach>
+      <dgm:forEach name="Name24" axis="ch" ptType="node" cnt="1">
+        <dgm:layoutNode name="text_1" styleLbl="node1">
           <dgm:varLst>
-            <dgm:chMax val="1"/>
             <dgm:bulletEnabled val="1"/>
           </dgm:varLst>
-          <dgm:alg type="tx"/>
-          <dgm:shape xmlns:r="http://schemas.openxmlformats.org/officeDocument/2006/relationships" type="roundRect" r:blip="" zOrderOff="3">
+          <dgm:choose name="Name25">
+            <dgm:if name="Name26" func="var" arg="dir" op="equ" val="norm">
+              <dgm:alg type="tx">
+                <dgm:param type="parTxLTRAlign" val="l"/>
+                <dgm:param type="shpTxLTRAlignCh" val="l"/>
+                <dgm:param type="parTxRTLAlign" val="l"/>
+                <dgm:param type="shpTxRTLAlignCh" val="l"/>
+              </dgm:alg>
+            </dgm:if>
+            <dgm:else name="Name27">
+              <dgm:alg type="tx">
+                <dgm:param type="parTxLTRAlign" val="r"/>
+                <dgm:param type="shpTxLTRAlignCh" val="r"/>
+                <dgm:param type="parTxRTLAlign" val="r"/>
+                <dgm:param type="shpTxRTLAlignCh" val="r"/>
+              </dgm:alg>
+            </dgm:else>
+          </dgm:choose>
+          <dgm:shape xmlns:r="http://schemas.openxmlformats.org/officeDocument/2006/relationships" type="rect" r:blip="">
             <dgm:adjLst/>
           </dgm:shape>
-          <dgm:presOf axis="self" ptType="node"/>
+          <dgm:presOf axis="desOrSelf" ptType="node"/>
           <dgm:constrLst>
-            <dgm:constr type="tMarg" refType="primFontSz" fact="0.15"/>
-            <dgm:constr type="bMarg" refType="primFontSz" fact="0.15"/>
-            <dgm:constr type="lMarg" refType="primFontSz" fact="0.3"/>
-            <dgm:constr type="rMarg" refType="primFontSz" fact="0.3"/>
+            <dgm:constr type="primFontSz" val="65"/>
+            <dgm:constr type="lMarg" refType="primFontSz" fact="0.2"/>
+            <dgm:constr type="rMarg" refType="primFontSz" fact="0.2"/>
+            <dgm:constr type="tMarg" refType="primFontSz" fact="0.2"/>
+            <dgm:constr type="bMarg" refType="primFontSz" fact="0.2"/>
           </dgm:constrLst>
           <dgm:ruleLst>
             <dgm:rule type="primFontSz" val="5" fact="NaN" max="NaN"/>
           </dgm:ruleLst>
         </dgm:layoutNode>
-        <dgm:choose name="Name8">
-          <dgm:if name="Name9" axis="ch" ptType="node" func="cnt" op="gte" val="1">
-            <dgm:layoutNode name="descendantText" styleLbl="alignAccFollowNode1">
-              <dgm:varLst>
-                <dgm:bulletEnabled val="1"/>
-              </dgm:varLst>
-              <dgm:alg type="tx">
-                <dgm:param type="stBulletLvl" val="1"/>
-                <dgm:param type="txAnchorVertCh" val="mid"/>
-              </dgm:alg>
-              <dgm:choose name="Name10">
-                <dgm:if name="Name11" func="var" arg="dir" op="equ" val="norm">
-                  <dgm:shape xmlns:r="http://schemas.openxmlformats.org/officeDocument/2006/relationships" rot="90" type="round2SameRect" r:blip="">
-                    <dgm:adjLst/>
-                  </dgm:shape>
-                </dgm:if>
-                <dgm:else name="Name12">
-                  <dgm:shape xmlns:r="http://schemas.openxmlformats.org/officeDocument/2006/relationships" rot="-90" type="round2SameRect" r:blip="">
-                    <dgm:adjLst/>
-                  </dgm:shape>
-                </dgm:else>
-              </dgm:choose>
-              <dgm:presOf axis="des" ptType="node"/>
-              <dgm:constrLst>
-                <dgm:constr type="secFontSz" val="65"/>
-                <dgm:constr type="primFontSz" refType="secFontSz"/>
-                <dgm:constr type="lMarg" refType="secFontSz" fact="0.3"/>
-                <dgm:constr type="rMarg" refType="secFontSz" fact="0.3"/>
-                <dgm:constr type="tMarg" refType="secFontSz" fact="0.15"/>
-                <dgm:constr type="bMarg" refType="secFontSz" fact="0.15"/>
-              </dgm:constrLst>
-              <dgm:ruleLst>
-                <dgm:rule type="secFontSz" val="5" fact="NaN" max="NaN"/>
-              </dgm:ruleLst>
-            </dgm:layoutNode>
-          </dgm:if>
-          <dgm:else name="Name13"/>
-        </dgm:choose>
-      </dgm:layoutNode>
-      <dgm:forEach name="Name14" axis="followSib" ptType="sibTrans" cnt="1">
-        <dgm:layoutNode name="sp">
+        <dgm:layoutNode name="accent_1">
           <dgm:alg type="sp"/>
           <dgm:shape xmlns:r="http://schemas.openxmlformats.org/officeDocument/2006/relationships" r:blip="">
             <dgm:adjLst/>
           </dgm:shape>
           <dgm:presOf/>
           <dgm:constrLst/>
-          <dgm:ruleLst/>
+          <dgm:forEach name="Name28" ref="accentRepeat"/>
         </dgm:layoutNode>
       </dgm:forEach>
-    </dgm:forEach>
+      <dgm:forEach name="Name29" axis="ch" ptType="node" st="2" cnt="1">
+        <dgm:layoutNode name="text_2" styleLbl="node1">
+          <dgm:varLst>
+            <dgm:bulletEnabled val="1"/>
+          </dgm:varLst>
+          <dgm:choose name="Name30">
+            <dgm:if name="Name31" func="var" arg="dir" op="equ" val="norm">
+              <dgm:alg type="tx">
+                <dgm:param type="parTxLTRAlign" val="l"/>
+                <dgm:param type="shpTxLTRAlignCh" val="l"/>
+                <dgm:param type="parTxRTLAlign" val="l"/>
+                <dgm:param type="shpTxRTLAlignCh" val="l"/>
+              </dgm:alg>
+            </dgm:if>
+            <dgm:else name="Name32">
+              <dgm:alg type="tx">
+                <dgm:param type="parTxLTRAlign" val="r"/>
+                <dgm:param type="shpTxLTRAlignCh" val="r"/>
+                <dgm:param type="parTxRTLAlign" val="r"/>
+                <dgm:param type="shpTxRTLAlignCh" val="r"/>
+              </dgm:alg>
+            </dgm:else>
+          </dgm:choose>
+          <dgm:shape xmlns:r="http://schemas.openxmlformats.org/officeDocument/2006/relationships" type="rect" r:blip="">
+            <dgm:adjLst/>
+          </dgm:shape>
+          <dgm:presOf axis="desOrSelf" ptType="node"/>
+          <dgm:constrLst>
+            <dgm:constr type="primFontSz" val="65"/>
+            <dgm:constr type="lMarg" refType="primFontSz" fact="0.2"/>
+            <dgm:constr type="rMarg" refType="primFontSz" fact="0.2"/>
+            <dgm:constr type="tMarg" refType="primFontSz" fact="0.2"/>
+            <dgm:constr type="bMarg" refType="primFontSz" fact="0.2"/>
+          </dgm:constrLst>
+          <dgm:ruleLst>
+            <dgm:rule type="primFontSz" val="5" fact="NaN" max="NaN"/>
+          </dgm:ruleLst>
+        </dgm:layoutNode>
+        <dgm:layoutNode name="accent_2">
+          <dgm:alg type="sp"/>
+          <dgm:shape xmlns:r="http://schemas.openxmlformats.org/officeDocument/2006/relationships" r:blip="">
+            <dgm:adjLst/>
+          </dgm:shape>
+          <dgm:presOf/>
+          <dgm:constrLst/>
+          <dgm:forEach name="Name33" ref="accentRepeat"/>
+        </dgm:layoutNode>
+      </dgm:forEach>
+      <dgm:forEach name="Name34" axis="ch" ptType="node" st="3" cnt="1">
+        <dgm:layoutNode name="text_3" styleLbl="node1">
+          <dgm:varLst>
+            <dgm:bulletEnabled val="1"/>
+          </dgm:varLst>
+          <dgm:choose name="Name35">
+            <dgm:if name="Name36" func="var" arg="dir" op="equ" val="norm">
+              <dgm:alg type="tx">
+                <dgm:param type="parTxLTRAlign" val="l"/>
+                <dgm:param type="shpTxLTRAlignCh" val="l"/>
+                <dgm:param type="parTxRTLAlign" val="l"/>
+                <dgm:param type="shpTxRTLAlignCh" val="l"/>
+              </dgm:alg>
+            </dgm:if>
+            <dgm:else name="Name37">
+              <dgm:alg type="tx">
+                <dgm:param type="parTxLTRAlign" val="r"/>
+                <dgm:param type="shpTxLTRAlignCh" val="r"/>
+                <dgm:param type="parTxRTLAlign" val="r"/>
+                <dgm:param type="shpTxRTLAlignCh" val="r"/>
+              </dgm:alg>
+            </dgm:else>
+          </dgm:choose>
+          <dgm:shape xmlns:r="http://schemas.openxmlformats.org/officeDocument/2006/relationships" type="rect" r:blip="">
+            <dgm:adjLst/>
+          </dgm:shape>
+          <dgm:presOf axis="desOrSelf" ptType="node"/>
+          <dgm:constrLst>
+            <dgm:constr type="primFontSz" val="65"/>
+            <dgm:constr type="lMarg" refType="primFontSz" fact="0.2"/>
+            <dgm:constr type="rMarg" refType="primFontSz" fact="0.2"/>
+            <dgm:constr type="tMarg" refType="primFontSz" fact="0.2"/>
+            <dgm:constr type="bMarg" refType="primFontSz" fact="0.2"/>
+          </dgm:constrLst>
+          <dgm:ruleLst>
+            <dgm:rule type="primFontSz" val="5" fact="NaN" max="NaN"/>
+          </dgm:ruleLst>
+        </dgm:layoutNode>
+        <dgm:layoutNode name="accent_3">
+          <dgm:alg type="sp"/>
+          <dgm:shape xmlns:r="http://schemas.openxmlformats.org/officeDocument/2006/relationships" r:blip="">
+            <dgm:adjLst/>
+          </dgm:shape>
+          <dgm:presOf/>
+          <dgm:constrLst/>
+          <dgm:forEach name="Name38" ref="accentRepeat"/>
+        </dgm:layoutNode>
+      </dgm:forEach>
+      <dgm:forEach name="Name39" axis="ch" ptType="node" st="4" cnt="1">
+        <dgm:layoutNode name="text_4" styleLbl="node1">
+          <dgm:varLst>
+            <dgm:bulletEnabled val="1"/>
+          </dgm:varLst>
+          <dgm:choose name="Name40">
+            <dgm:if name="Name41" func="var" arg="dir" op="equ" val="norm">
+              <dgm:alg type="tx">
+                <dgm:param type="parTxLTRAlign" val="l"/>
+                <dgm:param type="shpTxLTRAlignCh" val="l"/>
+                <dgm:param type="parTxRTLAlign" val="l"/>
+                <dgm:param type="shpTxRTLAlignCh" val="l"/>
+              </dgm:alg>
+            </dgm:if>
+            <dgm:else name="Name42">
+              <dgm:alg type="tx">
+                <dgm:param type="parTxLTRAlign" val="r"/>
+                <dgm:param type="shpTxLTRAlignCh" val="r"/>
+                <dgm:param type="parTxRTLAlign" val="r"/>
+                <dgm:param type="shpTxRTLAlignCh" val="r"/>
+              </dgm:alg>
+            </dgm:else>
+          </dgm:choose>
+          <dgm:shape xmlns:r="http://schemas.openxmlformats.org/officeDocument/2006/relationships" type="rect" r:blip="">
+            <dgm:adjLst/>
+          </dgm:shape>
+          <dgm:presOf axis="desOrSelf" ptType="node"/>
+          <dgm:constrLst>
+            <dgm:constr type="primFontSz" val="65"/>
+            <dgm:constr type="lMarg" refType="primFontSz" fact="0.2"/>
+            <dgm:constr type="rMarg" refType="primFontSz" fact="0.2"/>
+            <dgm:constr type="tMarg" refType="primFontSz" fact="0.2"/>
+            <dgm:constr type="bMarg" refType="primFontSz" fact="0.2"/>
+          </dgm:constrLst>
+          <dgm:ruleLst>
+            <dgm:rule type="primFontSz" val="5" fact="NaN" max="NaN"/>
+          </dgm:ruleLst>
+        </dgm:layoutNode>
+        <dgm:layoutNode name="accent_4">
+          <dgm:alg type="sp"/>
+          <dgm:shape xmlns:r="http://schemas.openxmlformats.org/officeDocument/2006/relationships" r:blip="">
+            <dgm:adjLst/>
+          </dgm:shape>
+          <dgm:presOf/>
+          <dgm:constrLst/>
+          <dgm:forEach name="Name43" ref="accentRepeat"/>
+        </dgm:layoutNode>
+      </dgm:forEach>
+      <dgm:forEach name="Name44" axis="ch" ptType="node" st="5" cnt="1">
+        <dgm:layoutNode name="text_5" styleLbl="node1">
+          <dgm:varLst>
+            <dgm:bulletEnabled val="1"/>
+          </dgm:varLst>
+          <dgm:choose name="Name45">
+            <dgm:if name="Name46" func="var" arg="dir" op="equ" val="norm">
+              <dgm:alg type="tx">
+                <dgm:param type="parTxLTRAlign" val="l"/>
+                <dgm:param type="shpTxLTRAlignCh" val="l"/>
+                <dgm:param type="parTxRTLAlign" val="l"/>
+                <dgm:param type="shpTxRTLAlignCh" val="l"/>
+              </dgm:alg>
+            </dgm:if>
+            <dgm:else name="Name47">
+              <dgm:alg type="tx">
+                <dgm:param type="parTxLTRAlign" val="r"/>
+                <dgm:param type="shpTxLTRAlignCh" val="r"/>
+                <dgm:param type="parTxRTLAlign" val="r"/>
+                <dgm:param type="shpTxRTLAlignCh" val="r"/>
+              </dgm:alg>
+            </dgm:else>
+          </dgm:choose>
+          <dgm:shape xmlns:r="http://schemas.openxmlformats.org/officeDocument/2006/relationships" type="rect" r:blip="">
+            <dgm:adjLst/>
+          </dgm:shape>
+          <dgm:presOf axis="desOrSelf" ptType="node"/>
+          <dgm:constrLst>
+            <dgm:constr type="primFontSz" val="65"/>
+            <dgm:constr type="lMarg" refType="primFontSz" fact="0.2"/>
+            <dgm:constr type="rMarg" refType="primFontSz" fact="0.2"/>
+            <dgm:constr type="tMarg" refType="primFontSz" fact="0.2"/>
+            <dgm:constr type="bMarg" refType="primFontSz" fact="0.2"/>
+          </dgm:constrLst>
+          <dgm:ruleLst>
+            <dgm:rule type="primFontSz" val="5" fact="NaN" max="NaN"/>
+          </dgm:ruleLst>
+        </dgm:layoutNode>
+        <dgm:layoutNode name="accent_5">
+          <dgm:alg type="sp"/>
+          <dgm:shape xmlns:r="http://schemas.openxmlformats.org/officeDocument/2006/relationships" r:blip="">
+            <dgm:adjLst/>
+          </dgm:shape>
+          <dgm:presOf/>
+          <dgm:constrLst/>
+          <dgm:forEach name="Name48" ref="accentRepeat"/>
+        </dgm:layoutNode>
+      </dgm:forEach>
+      <dgm:forEach name="Name49" axis="ch" ptType="node" st="6" cnt="1">
+        <dgm:layoutNode name="text_6" styleLbl="node1">
+          <dgm:varLst>
+            <dgm:bulletEnabled val="1"/>
+          </dgm:varLst>
+          <dgm:choose name="Name50">
+            <dgm:if name="Name51" func="var" arg="dir" op="equ" val="norm">
+              <dgm:alg type="tx">
+                <dgm:param type="parTxLTRAlign" val="l"/>
+                <dgm:param type="shpTxLTRAlignCh" val="l"/>
+                <dgm:param type="parTxRTLAlign" val="l"/>
+                <dgm:param type="shpTxRTLAlignCh" val="l"/>
+              </dgm:alg>
+            </dgm:if>
+            <dgm:else name="Name52">
+              <dgm:alg type="tx">
+                <dgm:param type="parTxLTRAlign" val="r"/>
+                <dgm:param type="shpTxLTRAlignCh" val="r"/>
+                <dgm:param type="parTxRTLAlign" val="r"/>
+                <dgm:param type="shpTxRTLAlignCh" val="r"/>
+              </dgm:alg>
+            </dgm:else>
+          </dgm:choose>
+          <dgm:shape xmlns:r="http://schemas.openxmlformats.org/officeDocument/2006/relationships" type="rect" r:blip="">
+            <dgm:adjLst/>
+          </dgm:shape>
+          <dgm:presOf axis="desOrSelf" ptType="node"/>
+          <dgm:constrLst>
+            <dgm:constr type="primFontSz" val="65"/>
+            <dgm:constr type="lMarg" refType="primFontSz" fact="0.2"/>
+            <dgm:constr type="rMarg" refType="primFontSz" fact="0.2"/>
+            <dgm:constr type="tMarg" refType="primFontSz" fact="0.2"/>
+            <dgm:constr type="bMarg" refType="primFontSz" fact="0.2"/>
+          </dgm:constrLst>
+          <dgm:ruleLst>
+            <dgm:rule type="primFontSz" val="5" fact="NaN" max="NaN"/>
+          </dgm:ruleLst>
+        </dgm:layoutNode>
+        <dgm:layoutNode name="accent_6">
+          <dgm:alg type="sp"/>
+          <dgm:shape xmlns:r="http://schemas.openxmlformats.org/officeDocument/2006/relationships" r:blip="">
+            <dgm:adjLst/>
+          </dgm:shape>
+          <dgm:presOf/>
+          <dgm:constrLst/>
+          <dgm:forEach name="Name53" ref="accentRepeat"/>
+        </dgm:layoutNode>
+      </dgm:forEach>
+      <dgm:forEach name="Name54" axis="ch" ptType="node" st="7" cnt="1">
+        <dgm:layoutNode name="text_7" styleLbl="node1">
+          <dgm:varLst>
+            <dgm:bulletEnabled val="1"/>
+          </dgm:varLst>
+          <dgm:choose name="Name55">
+            <dgm:if name="Name56" func="var" arg="dir" op="equ" val="norm">
+              <dgm:alg type="tx">
+                <dgm:param type="parTxLTRAlign" val="l"/>
+                <dgm:param type="shpTxLTRAlignCh" val="l"/>
+                <dgm:param type="parTxRTLAlign" val="l"/>
+                <dgm:param type="shpTxRTLAlignCh" val="l"/>
+              </dgm:alg>
+            </dgm:if>
+            <dgm:else name="Name57">
+              <dgm:alg type="tx">
+                <dgm:param type="parTxLTRAlign" val="r"/>
+                <dgm:param type="shpTxLTRAlignCh" val="r"/>
+                <dgm:param type="parTxRTLAlign" val="r"/>
+                <dgm:param type="shpTxRTLAlignCh" val="r"/>
+              </dgm:alg>
+            </dgm:else>
+          </dgm:choose>
+          <dgm:shape xmlns:r="http://schemas.openxmlformats.org/officeDocument/2006/relationships" type="rect" r:blip="">
+            <dgm:adjLst/>
+          </dgm:shape>
+          <dgm:presOf axis="desOrSelf" ptType="node"/>
+          <dgm:constrLst>
+            <dgm:constr type="primFontSz" val="65"/>
+            <dgm:constr type="lMarg" refType="primFontSz" fact="0.2"/>
+            <dgm:constr type="rMarg" refType="primFontSz" fact="0.2"/>
+            <dgm:constr type="tMarg" refType="primFontSz" fact="0.2"/>
+            <dgm:constr type="bMarg" refType="primFontSz" fact="0.2"/>
+          </dgm:constrLst>
+          <dgm:ruleLst>
+            <dgm:rule type="primFontSz" val="5" fact="NaN" max="NaN"/>
+          </dgm:ruleLst>
+        </dgm:layoutNode>
+        <dgm:layoutNode name="accent_7">
+          <dgm:alg type="sp"/>
+          <dgm:shape xmlns:r="http://schemas.openxmlformats.org/officeDocument/2006/relationships" r:blip="">
+            <dgm:adjLst/>
+          </dgm:shape>
+          <dgm:presOf/>
+          <dgm:constrLst/>
+          <dgm:forEach name="Name58" ref="accentRepeat"/>
+        </dgm:layoutNode>
+      </dgm:forEach>
+    </dgm:layoutNode>
   </dgm:layoutNode>
 </dgm:layoutDef>
 </file>
@@ -11142,1284 +12369,6 @@
 </dgm:layoutDef>
 </file>
 
-<file path=ppt/diagrams/layout5.xml><?xml version="1.0" encoding="utf-8"?>
-<dgm:layoutDef xmlns:dgm="http://schemas.openxmlformats.org/drawingml/2006/diagram" xmlns:a="http://schemas.openxmlformats.org/drawingml/2006/main" uniqueId="urn:microsoft.com/office/officeart/2008/layout/VerticalCurvedList">
-  <dgm:title val=""/>
-  <dgm:desc val=""/>
-  <dgm:catLst>
-    <dgm:cat type="list" pri="20000"/>
-  </dgm:catLst>
-  <dgm:sampData>
-    <dgm:dataModel>
-      <dgm:ptLst>
-        <dgm:pt modelId="0" type="doc"/>
-        <dgm:pt modelId="1">
-          <dgm:prSet phldr="1"/>
-        </dgm:pt>
-        <dgm:pt modelId="2">
-          <dgm:prSet phldr="1"/>
-        </dgm:pt>
-        <dgm:pt modelId="3">
-          <dgm:prSet phldr="1"/>
-        </dgm:pt>
-      </dgm:ptLst>
-      <dgm:cxnLst>
-        <dgm:cxn modelId="4" srcId="0" destId="1" srcOrd="0" destOrd="0"/>
-        <dgm:cxn modelId="5" srcId="0" destId="2" srcOrd="1" destOrd="0"/>
-        <dgm:cxn modelId="6" srcId="0" destId="3" srcOrd="2" destOrd="0"/>
-      </dgm:cxnLst>
-      <dgm:bg/>
-      <dgm:whole/>
-    </dgm:dataModel>
-  </dgm:sampData>
-  <dgm:styleData>
-    <dgm:dataModel>
-      <dgm:ptLst>
-        <dgm:pt modelId="0" type="doc"/>
-        <dgm:pt modelId="1">
-          <dgm:prSet phldr="1"/>
-        </dgm:pt>
-        <dgm:pt modelId="2">
-          <dgm:prSet phldr="1"/>
-        </dgm:pt>
-      </dgm:ptLst>
-      <dgm:cxnLst>
-        <dgm:cxn modelId="3" srcId="0" destId="1" srcOrd="0" destOrd="0"/>
-        <dgm:cxn modelId="4" srcId="0" destId="2" srcOrd="1" destOrd="0"/>
-      </dgm:cxnLst>
-      <dgm:bg/>
-      <dgm:whole/>
-    </dgm:dataModel>
-  </dgm:styleData>
-  <dgm:clrData>
-    <dgm:dataModel>
-      <dgm:ptLst>
-        <dgm:pt modelId="0" type="doc"/>
-        <dgm:pt modelId="1">
-          <dgm:prSet phldr="1"/>
-        </dgm:pt>
-        <dgm:pt modelId="2">
-          <dgm:prSet phldr="1"/>
-        </dgm:pt>
-        <dgm:pt modelId="3">
-          <dgm:prSet phldr="1"/>
-        </dgm:pt>
-        <dgm:pt modelId="4">
-          <dgm:prSet phldr="1"/>
-        </dgm:pt>
-      </dgm:ptLst>
-      <dgm:cxnLst>
-        <dgm:cxn modelId="5" srcId="0" destId="1" srcOrd="0" destOrd="0"/>
-        <dgm:cxn modelId="6" srcId="0" destId="2" srcOrd="1" destOrd="0"/>
-        <dgm:cxn modelId="7" srcId="0" destId="3" srcOrd="2" destOrd="0"/>
-        <dgm:cxn modelId="8" srcId="0" destId="4" srcOrd="3" destOrd="0"/>
-      </dgm:cxnLst>
-      <dgm:bg/>
-      <dgm:whole/>
-    </dgm:dataModel>
-  </dgm:clrData>
-  <dgm:layoutNode name="Name0">
-    <dgm:varLst>
-      <dgm:chMax val="7"/>
-      <dgm:chPref val="7"/>
-      <dgm:dir/>
-    </dgm:varLst>
-    <dgm:alg type="composite"/>
-    <dgm:shape xmlns:r="http://schemas.openxmlformats.org/officeDocument/2006/relationships" r:blip="">
-      <dgm:adjLst/>
-    </dgm:shape>
-    <dgm:constrLst>
-      <dgm:constr type="w" for="ch" refType="h" refFor="ch" op="gte" fact="0.8"/>
-    </dgm:constrLst>
-    <dgm:layoutNode name="Name1">
-      <dgm:alg type="composite"/>
-      <dgm:shape xmlns:r="http://schemas.openxmlformats.org/officeDocument/2006/relationships" r:blip="">
-        <dgm:adjLst/>
-      </dgm:shape>
-      <dgm:choose name="Name2">
-        <dgm:if name="Name3" func="var" arg="dir" op="equ" val="norm">
-          <dgm:choose name="Name4">
-            <dgm:if name="Name5" axis="ch" ptType="node" func="cnt" op="equ" val="1">
-              <dgm:constrLst>
-                <dgm:constr type="h" for="ch" forName="cycle" refType="h"/>
-                <dgm:constr type="w" for="ch" forName="cycle" refType="h" refFor="ch" refForName="cycle" fact="0.26"/>
-                <dgm:constr type="l" for="ch" forName="cycle"/>
-                <dgm:constr type="ctrY" for="ch" forName="cycle" refType="h" fact="0.5"/>
-                <dgm:constr type="diam" for="ch" forName="cycle" refType="h" fact="1.344"/>
-                <dgm:constr type="h" for="ch" forName="accent_1" refType="h" fact="0.625"/>
-                <dgm:constr type="w" for="ch" forName="accent_1" refType="h" refFor="ch" refForName="accent_1" op="equ"/>
-                <dgm:constr type="ctrY" for="ch" forName="accent_1" refType="h" fact="0.5"/>
-                <dgm:constr type="ctrX" for="ch" forName="accent_1" refType="h" fact="0.2253"/>
-                <dgm:constr type="l" for="ch" forName="text_1" refType="ctrX" refFor="ch" refForName="accent_1"/>
-                <dgm:constr type="r" for="ch" forName="text_1" refType="w"/>
-                <dgm:constr type="w" for="ch" forName="text_1" refType="h" refFor="ch" refForName="text_1" op="gte"/>
-                <dgm:constr type="h" for="ch" forName="text_1" refType="h" refFor="ch" refForName="accent_1" fact="0.8"/>
-                <dgm:constr type="ctrY" for="ch" forName="text_1" refType="ctrY" refFor="ch" refForName="accent_1"/>
-                <dgm:constr type="lMarg" for="ch" forName="text_1" refType="w" refFor="ch" refForName="accent_1" fact="1.8"/>
-                <dgm:constr type="primFontSz" for="ch" ptType="node" op="equ" val="65"/>
-              </dgm:constrLst>
-            </dgm:if>
-            <dgm:if name="Name6" axis="ch" ptType="node" func="cnt" op="equ" val="2">
-              <dgm:constrLst>
-                <dgm:constr type="h" for="ch" forName="cycle" refType="h"/>
-                <dgm:constr type="w" for="ch" forName="cycle" refType="h" refFor="ch" refForName="cycle" fact="0.26"/>
-                <dgm:constr type="l" for="ch" forName="cycle"/>
-                <dgm:constr type="ctrY" for="ch" forName="cycle" refType="h" fact="0.5"/>
-                <dgm:constr type="diam" for="ch" forName="cycle" refType="h" fact="1.344"/>
-                <dgm:constr type="h" for="ch" forName="accent_1" refType="h" fact="0.3571"/>
-                <dgm:constr type="w" for="ch" forName="accent_1" refType="h" refFor="ch" refForName="accent_1" op="equ"/>
-                <dgm:constr type="ctrY" for="ch" forName="accent_1" refType="h" fact="0.2857"/>
-                <dgm:constr type="ctrX" for="ch" forName="accent_1" refType="h" fact="0.1891"/>
-                <dgm:constr type="l" for="ch" forName="text_1" refType="ctrX" refFor="ch" refForName="accent_1"/>
-                <dgm:constr type="r" for="ch" forName="text_1" refType="w"/>
-                <dgm:constr type="w" for="ch" forName="text_1" refType="h" refFor="ch" refForName="text_1" op="gte"/>
-                <dgm:constr type="h" for="ch" forName="text_1" refType="h" refFor="ch" refForName="accent_1" fact="0.8"/>
-                <dgm:constr type="ctrY" for="ch" forName="text_1" refType="ctrY" refFor="ch" refForName="accent_1"/>
-                <dgm:constr type="lMarg" for="ch" forName="text_1" refType="w" refFor="ch" refForName="accent_1" fact="1.8"/>
-                <dgm:constr type="h" for="ch" forName="accent_2" refType="h" fact="0.3571"/>
-                <dgm:constr type="w" for="ch" forName="accent_2" refType="h" refFor="ch" refForName="accent_2" op="equ"/>
-                <dgm:constr type="ctrY" for="ch" forName="accent_2" refType="h" fact="0.7143"/>
-                <dgm:constr type="ctrX" for="ch" forName="accent_2" refType="h" fact="0.1891"/>
-                <dgm:constr type="l" for="ch" forName="text_2" refType="ctrX" refFor="ch" refForName="accent_2"/>
-                <dgm:constr type="r" for="ch" forName="text_2" refType="w"/>
-                <dgm:constr type="w" for="ch" forName="text_2" refType="h" refFor="ch" refForName="text_2" op="gte"/>
-                <dgm:constr type="h" for="ch" forName="text_2" refType="h" refFor="ch" refForName="accent_2" fact="0.8"/>
-                <dgm:constr type="ctrY" for="ch" forName="text_2" refType="ctrY" refFor="ch" refForName="accent_2"/>
-                <dgm:constr type="lMarg" for="ch" forName="text_2" refType="w" refFor="ch" refForName="accent_2" fact="1.8"/>
-                <dgm:constr type="primFontSz" for="ch" ptType="node" op="equ" val="65"/>
-              </dgm:constrLst>
-            </dgm:if>
-            <dgm:if name="Name7" axis="ch" ptType="node" func="cnt" op="equ" val="3">
-              <dgm:constrLst>
-                <dgm:constr type="h" for="ch" forName="cycle" refType="h"/>
-                <dgm:constr type="w" for="ch" forName="cycle" refType="h" refFor="ch" refForName="cycle" fact="0.26"/>
-                <dgm:constr type="l" for="ch" forName="cycle"/>
-                <dgm:constr type="ctrY" for="ch" forName="cycle" refType="h" fact="0.5"/>
-                <dgm:constr type="diam" for="ch" forName="cycle" refType="h" fact="1.344"/>
-                <dgm:constr type="h" for="ch" forName="accent_1" refType="h" fact="0.25"/>
-                <dgm:constr type="w" for="ch" forName="accent_1" refType="h" refFor="ch" refForName="accent_1" op="equ"/>
-                <dgm:constr type="ctrY" for="ch" forName="accent_1" refType="h" fact="0.2"/>
-                <dgm:constr type="ctrX" for="ch" forName="accent_1" refType="h" fact="0.1526"/>
-                <dgm:constr type="l" for="ch" forName="text_1" refType="ctrX" refFor="ch" refForName="accent_1"/>
-                <dgm:constr type="r" for="ch" forName="text_1" refType="w"/>
-                <dgm:constr type="w" for="ch" forName="text_1" refType="h" refFor="ch" refForName="text_1" op="gte"/>
-                <dgm:constr type="h" for="ch" forName="text_1" refType="h" refFor="ch" refForName="accent_1" fact="0.8"/>
-                <dgm:constr type="ctrY" for="ch" forName="text_1" refType="ctrY" refFor="ch" refForName="accent_1"/>
-                <dgm:constr type="lMarg" for="ch" forName="text_1" refType="w" refFor="ch" refForName="accent_1" fact="1.8"/>
-                <dgm:constr type="h" for="ch" forName="accent_2" refType="h" fact="0.25"/>
-                <dgm:constr type="w" for="ch" forName="accent_2" refType="h" refFor="ch" refForName="accent_2" op="equ"/>
-                <dgm:constr type="ctrY" for="ch" forName="accent_2" refType="h" fact="0.5"/>
-                <dgm:constr type="ctrX" for="ch" forName="accent_2" refType="h" fact="0.2253"/>
-                <dgm:constr type="l" for="ch" forName="text_2" refType="ctrX" refFor="ch" refForName="accent_2"/>
-                <dgm:constr type="r" for="ch" forName="text_2" refType="w"/>
-                <dgm:constr type="w" for="ch" forName="text_2" refType="h" refFor="ch" refForName="text_2" op="gte"/>
-                <dgm:constr type="h" for="ch" forName="text_2" refType="h" refFor="ch" refForName="accent_2" fact="0.8"/>
-                <dgm:constr type="ctrY" for="ch" forName="text_2" refType="ctrY" refFor="ch" refForName="accent_2"/>
-                <dgm:constr type="lMarg" for="ch" forName="text_2" refType="w" refFor="ch" refForName="accent_2" fact="1.8"/>
-                <dgm:constr type="h" for="ch" forName="accent_3" refType="h" fact="0.25"/>
-                <dgm:constr type="w" for="ch" forName="accent_3" refType="h" refFor="ch" refForName="accent_3" op="equ"/>
-                <dgm:constr type="ctrY" for="ch" forName="accent_3" refType="h" fact="0.8"/>
-                <dgm:constr type="ctrX" for="ch" forName="accent_3" refType="h" fact="0.1526"/>
-                <dgm:constr type="l" for="ch" forName="text_3" refType="ctrX" refFor="ch" refForName="accent_3"/>
-                <dgm:constr type="r" for="ch" forName="text_3" refType="w"/>
-                <dgm:constr type="w" for="ch" forName="text_3" refType="h" refFor="ch" refForName="text_3" op="gte"/>
-                <dgm:constr type="h" for="ch" forName="text_3" refType="h" refFor="ch" refForName="accent_3" fact="0.8"/>
-                <dgm:constr type="ctrY" for="ch" forName="text_3" refType="ctrY" refFor="ch" refForName="accent_3"/>
-                <dgm:constr type="lMarg" for="ch" forName="text_3" refType="w" refFor="ch" refForName="accent_3" fact="1.8"/>
-                <dgm:constr type="primFontSz" for="ch" ptType="node" op="equ" val="65"/>
-              </dgm:constrLst>
-            </dgm:if>
-            <dgm:if name="Name8" axis="ch" ptType="node" func="cnt" op="equ" val="4">
-              <dgm:constrLst>
-                <dgm:constr type="h" for="ch" forName="cycle" refType="h"/>
-                <dgm:constr type="w" for="ch" forName="cycle" refType="h" refFor="ch" refForName="cycle" fact="0.26"/>
-                <dgm:constr type="l" for="ch" forName="cycle"/>
-                <dgm:constr type="ctrY" for="ch" forName="cycle" refType="h" fact="0.5"/>
-                <dgm:constr type="diam" for="ch" forName="cycle" refType="h" fact="1.344"/>
-                <dgm:constr type="h" for="ch" forName="accent_1" refType="h" fact="0.1923"/>
-                <dgm:constr type="w" for="ch" forName="accent_1" refType="h" refFor="ch" refForName="accent_1" op="equ"/>
-                <dgm:constr type="ctrY" for="ch" forName="accent_1" refType="h" fact="0.1538"/>
-                <dgm:constr type="ctrX" for="ch" forName="accent_1" refType="h" fact="0.1268"/>
-                <dgm:constr type="l" for="ch" forName="text_1" refType="ctrX" refFor="ch" refForName="accent_1"/>
-                <dgm:constr type="r" for="ch" forName="text_1" refType="w"/>
-                <dgm:constr type="w" for="ch" forName="text_1" refType="h" refFor="ch" refForName="text_1" op="gte"/>
-                <dgm:constr type="h" for="ch" forName="text_1" refType="h" refFor="ch" refForName="accent_1" fact="0.8"/>
-                <dgm:constr type="ctrY" for="ch" forName="text_1" refType="ctrY" refFor="ch" refForName="accent_1"/>
-                <dgm:constr type="lMarg" for="ch" forName="text_1" refType="w" refFor="ch" refForName="accent_1" fact="1.8"/>
-                <dgm:constr type="h" for="ch" forName="accent_2" refType="h" fact="0.1923"/>
-                <dgm:constr type="w" for="ch" forName="accent_2" refType="h" refFor="ch" refForName="accent_2" op="equ"/>
-                <dgm:constr type="ctrY" for="ch" forName="accent_2" refType="h" fact="0.3846"/>
-                <dgm:constr type="ctrX" for="ch" forName="accent_2" refType="h" fact="0.215"/>
-                <dgm:constr type="l" for="ch" forName="text_2" refType="ctrX" refFor="ch" refForName="accent_2"/>
-                <dgm:constr type="r" for="ch" forName="text_2" refType="w"/>
-                <dgm:constr type="w" for="ch" forName="text_2" refType="h" refFor="ch" refForName="text_2" op="gte"/>
-                <dgm:constr type="h" for="ch" forName="text_2" refType="h" refFor="ch" refForName="accent_2" fact="0.8"/>
-                <dgm:constr type="ctrY" for="ch" forName="text_2" refType="ctrY" refFor="ch" refForName="accent_2"/>
-                <dgm:constr type="lMarg" for="ch" forName="text_2" refType="w" refFor="ch" refForName="accent_2" fact="1.8"/>
-                <dgm:constr type="h" for="ch" forName="accent_3" refType="h" fact="0.1923"/>
-                <dgm:constr type="w" for="ch" forName="accent_3" refType="h" refFor="ch" refForName="accent_3" op="equ"/>
-                <dgm:constr type="ctrY" for="ch" forName="accent_3" refType="h" fact="0.6154"/>
-                <dgm:constr type="ctrX" for="ch" forName="accent_3" refType="h" fact="0.215"/>
-                <dgm:constr type="l" for="ch" forName="text_3" refType="ctrX" refFor="ch" refForName="accent_3"/>
-                <dgm:constr type="r" for="ch" forName="text_3" refType="w"/>
-                <dgm:constr type="w" for="ch" forName="text_3" refType="h" refFor="ch" refForName="text_3" op="gte"/>
-                <dgm:constr type="h" for="ch" forName="text_3" refType="h" refFor="ch" refForName="accent_3" fact="0.8"/>
-                <dgm:constr type="ctrY" for="ch" forName="text_3" refType="ctrY" refFor="ch" refForName="accent_3"/>
-                <dgm:constr type="lMarg" for="ch" forName="text_3" refType="w" refFor="ch" refForName="accent_3" fact="1.8"/>
-                <dgm:constr type="h" for="ch" forName="accent_4" refType="h" fact="0.1923"/>
-                <dgm:constr type="w" for="ch" forName="accent_4" refType="h" refFor="ch" refForName="accent_4" op="equ"/>
-                <dgm:constr type="ctrY" for="ch" forName="accent_4" refType="h" fact="0.8462"/>
-                <dgm:constr type="ctrX" for="ch" forName="accent_4" refType="h" fact="0.1268"/>
-                <dgm:constr type="l" for="ch" forName="text_4" refType="ctrX" refFor="ch" refForName="accent_4"/>
-                <dgm:constr type="r" for="ch" forName="text_4" refType="w"/>
-                <dgm:constr type="w" for="ch" forName="text_4" refType="h" refFor="ch" refForName="text_4" op="gte"/>
-                <dgm:constr type="h" for="ch" forName="text_4" refType="h" refFor="ch" refForName="accent_4" fact="0.8"/>
-                <dgm:constr type="ctrY" for="ch" forName="text_4" refType="ctrY" refFor="ch" refForName="accent_4"/>
-                <dgm:constr type="lMarg" for="ch" forName="text_4" refType="w" refFor="ch" refForName="accent_4" fact="1.8"/>
-                <dgm:constr type="primFontSz" for="ch" ptType="node" op="equ" val="65"/>
-              </dgm:constrLst>
-            </dgm:if>
-            <dgm:if name="Name9" axis="ch" ptType="node" func="cnt" op="equ" val="5">
-              <dgm:constrLst>
-                <dgm:constr type="h" for="ch" forName="cycle" refType="h"/>
-                <dgm:constr type="w" for="ch" forName="cycle" refType="h" refFor="ch" refForName="cycle" fact="0.26"/>
-                <dgm:constr type="l" for="ch" forName="cycle"/>
-                <dgm:constr type="ctrY" for="ch" forName="cycle" refType="h" fact="0.5"/>
-                <dgm:constr type="diam" for="ch" forName="cycle" refType="h" fact="1.344"/>
-                <dgm:constr type="h" for="ch" forName="accent_1" refType="h" fact="0.1563"/>
-                <dgm:constr type="w" for="ch" forName="accent_1" refType="h" refFor="ch" refForName="accent_1" op="equ"/>
-                <dgm:constr type="ctrY" for="ch" forName="accent_1" refType="h" fact="0.125"/>
-                <dgm:constr type="ctrX" for="ch" forName="accent_1" refType="h" fact="0.1082"/>
-                <dgm:constr type="l" for="ch" forName="text_1" refType="ctrX" refFor="ch" refForName="accent_1"/>
-                <dgm:constr type="r" for="ch" forName="text_1" refType="w"/>
-                <dgm:constr type="w" for="ch" forName="text_1" refType="h" refFor="ch" refForName="text_1" op="gte"/>
-                <dgm:constr type="h" for="ch" forName="text_1" refType="h" refFor="ch" refForName="accent_1" fact="0.8"/>
-                <dgm:constr type="ctrY" for="ch" forName="text_1" refType="ctrY" refFor="ch" refForName="accent_1"/>
-                <dgm:constr type="lMarg" for="ch" forName="text_1" refType="w" refFor="ch" refForName="accent_1" fact="1.8"/>
-                <dgm:constr type="h" for="ch" forName="accent_2" refType="h" fact="0.1563"/>
-                <dgm:constr type="w" for="ch" forName="accent_2" refType="h" refFor="ch" refForName="accent_2" op="equ"/>
-                <dgm:constr type="ctrY" for="ch" forName="accent_2" refType="h" fact="0.3125"/>
-                <dgm:constr type="ctrX" for="ch" forName="accent_2" refType="h" fact="0.1978"/>
-                <dgm:constr type="l" for="ch" forName="text_2" refType="ctrX" refFor="ch" refForName="accent_2"/>
-                <dgm:constr type="r" for="ch" forName="text_2" refType="w"/>
-                <dgm:constr type="w" for="ch" forName="text_2" refType="h" refFor="ch" refForName="text_2" op="gte"/>
-                <dgm:constr type="h" for="ch" forName="text_2" refType="h" refFor="ch" refForName="accent_2" fact="0.8"/>
-                <dgm:constr type="ctrY" for="ch" forName="text_2" refType="ctrY" refFor="ch" refForName="accent_2"/>
-                <dgm:constr type="lMarg" for="ch" forName="text_2" refType="w" refFor="ch" refForName="accent_2" fact="1.8"/>
-                <dgm:constr type="h" for="ch" forName="accent_3" refType="h" fact="0.1563"/>
-                <dgm:constr type="w" for="ch" forName="accent_3" refType="h" refFor="ch" refForName="accent_3" op="equ"/>
-                <dgm:constr type="ctrY" for="ch" forName="accent_3" refType="h" fact="0.5"/>
-                <dgm:constr type="ctrX" for="ch" forName="accent_3" refType="h" fact="0.2253"/>
-                <dgm:constr type="l" for="ch" forName="text_3" refType="ctrX" refFor="ch" refForName="accent_3"/>
-                <dgm:constr type="r" for="ch" forName="text_3" refType="w"/>
-                <dgm:constr type="w" for="ch" forName="text_3" refType="h" refFor="ch" refForName="text_3" op="gte"/>
-                <dgm:constr type="h" for="ch" forName="text_3" refType="h" refFor="ch" refForName="accent_3" fact="0.8"/>
-                <dgm:constr type="ctrY" for="ch" forName="text_3" refType="ctrY" refFor="ch" refForName="accent_3"/>
-                <dgm:constr type="lMarg" for="ch" forName="text_3" refType="w" refFor="ch" refForName="accent_3" fact="1.8"/>
-                <dgm:constr type="h" for="ch" forName="accent_4" refType="h" fact="0.1563"/>
-                <dgm:constr type="w" for="ch" forName="accent_4" refType="h" refFor="ch" refForName="accent_4" op="equ"/>
-                <dgm:constr type="ctrY" for="ch" forName="accent_4" refType="h" fact="0.6875"/>
-                <dgm:constr type="ctrX" for="ch" forName="accent_4" refType="h" fact="0.1978"/>
-                <dgm:constr type="l" for="ch" forName="text_4" refType="ctrX" refFor="ch" refForName="accent_4"/>
-                <dgm:constr type="r" for="ch" forName="text_4" refType="w"/>
-                <dgm:constr type="w" for="ch" forName="text_4" refType="h" refFor="ch" refForName="text_4" op="gte"/>
-                <dgm:constr type="h" for="ch" forName="text_4" refType="h" refFor="ch" refForName="accent_4" fact="0.8"/>
-                <dgm:constr type="ctrY" for="ch" forName="text_4" refType="ctrY" refFor="ch" refForName="accent_4"/>
-                <dgm:constr type="lMarg" for="ch" forName="text_4" refType="w" refFor="ch" refForName="accent_4" fact="1.8"/>
-                <dgm:constr type="h" for="ch" forName="accent_5" refType="h" fact="0.1563"/>
-                <dgm:constr type="w" for="ch" forName="accent_5" refType="h" refFor="ch" refForName="accent_5" op="equ"/>
-                <dgm:constr type="ctrY" for="ch" forName="accent_5" refType="h" fact="0.875"/>
-                <dgm:constr type="ctrX" for="ch" forName="accent_5" refType="h" fact="0.1082"/>
-                <dgm:constr type="l" for="ch" forName="text_5" refType="ctrX" refFor="ch" refForName="accent_5"/>
-                <dgm:constr type="r" for="ch" forName="text_5" refType="w"/>
-                <dgm:constr type="w" for="ch" forName="text_5" refType="h" refFor="ch" refForName="text_5" op="gte"/>
-                <dgm:constr type="h" for="ch" forName="text_5" refType="h" refFor="ch" refForName="accent_5" fact="0.8"/>
-                <dgm:constr type="ctrY" for="ch" forName="text_5" refType="ctrY" refFor="ch" refForName="accent_5"/>
-                <dgm:constr type="lMarg" for="ch" forName="text_5" refType="w" refFor="ch" refForName="accent_5" fact="1.8"/>
-                <dgm:constr type="primFontSz" for="ch" ptType="node" op="equ" val="65"/>
-              </dgm:constrLst>
-            </dgm:if>
-            <dgm:if name="Name10" axis="ch" ptType="node" func="cnt" op="equ" val="6">
-              <dgm:constrLst>
-                <dgm:constr type="h" for="ch" forName="cycle" refType="h"/>
-                <dgm:constr type="w" for="ch" forName="cycle" refType="h" refFor="ch" refForName="cycle" fact="0.26"/>
-                <dgm:constr type="l" for="ch" forName="cycle"/>
-                <dgm:constr type="ctrY" for="ch" forName="cycle" refType="h" fact="0.5"/>
-                <dgm:constr type="diam" for="ch" forName="cycle" refType="h" fact="1.344"/>
-                <dgm:constr type="h" for="ch" forName="accent_1" refType="h" fact="0.1316"/>
-                <dgm:constr type="w" for="ch" forName="accent_1" refType="h" refFor="ch" refForName="accent_1" op="equ"/>
-                <dgm:constr type="ctrY" for="ch" forName="accent_1" refType="h" fact="0.1053"/>
-                <dgm:constr type="ctrX" for="ch" forName="accent_1" refType="h" fact="0.0943"/>
-                <dgm:constr type="l" for="ch" forName="text_1" refType="ctrX" refFor="ch" refForName="accent_1"/>
-                <dgm:constr type="r" for="ch" forName="text_1" refType="w"/>
-                <dgm:constr type="w" for="ch" forName="text_1" refType="h" refFor="ch" refForName="text_1" op="gte"/>
-                <dgm:constr type="h" for="ch" forName="text_1" refType="h" refFor="ch" refForName="accent_1" fact="0.8"/>
-                <dgm:constr type="ctrY" for="ch" forName="text_1" refType="ctrY" refFor="ch" refForName="accent_1"/>
-                <dgm:constr type="lMarg" for="ch" forName="text_1" refType="w" refFor="ch" refForName="accent_1" fact="1.8"/>
-                <dgm:constr type="h" for="ch" forName="accent_2" refType="h" fact="0.1316"/>
-                <dgm:constr type="w" for="ch" forName="accent_2" refType="h" refFor="ch" refForName="accent_2" op="equ"/>
-                <dgm:constr type="ctrY" for="ch" forName="accent_2" refType="h" fact="0.2632"/>
-                <dgm:constr type="ctrX" for="ch" forName="accent_2" refType="h" fact="0.1809"/>
-                <dgm:constr type="l" for="ch" forName="text_2" refType="ctrX" refFor="ch" refForName="accent_2"/>
-                <dgm:constr type="r" for="ch" forName="text_2" refType="w"/>
-                <dgm:constr type="w" for="ch" forName="text_2" refType="h" refFor="ch" refForName="text_2" op="gte"/>
-                <dgm:constr type="h" for="ch" forName="text_2" refType="h" refFor="ch" refForName="accent_2" fact="0.8"/>
-                <dgm:constr type="ctrY" for="ch" forName="text_2" refType="ctrY" refFor="ch" refForName="accent_2"/>
-                <dgm:constr type="lMarg" for="ch" forName="text_2" refType="w" refFor="ch" refForName="accent_2" fact="1.8"/>
-                <dgm:constr type="h" for="ch" forName="accent_3" refType="h" fact="0.1316"/>
-                <dgm:constr type="w" for="ch" forName="accent_3" refType="h" refFor="ch" refForName="accent_3" op="equ"/>
-                <dgm:constr type="ctrY" for="ch" forName="accent_3" refType="h" fact="0.4211"/>
-                <dgm:constr type="ctrX" for="ch" forName="accent_3" refType="h" fact="0.2205"/>
-                <dgm:constr type="l" for="ch" forName="text_3" refType="ctrX" refFor="ch" refForName="accent_3"/>
-                <dgm:constr type="r" for="ch" forName="text_3" refType="w"/>
-                <dgm:constr type="w" for="ch" forName="text_3" refType="h" refFor="ch" refForName="text_3" op="gte"/>
-                <dgm:constr type="h" for="ch" forName="text_3" refType="h" refFor="ch" refForName="accent_3" fact="0.8"/>
-                <dgm:constr type="ctrY" for="ch" forName="text_3" refType="ctrY" refFor="ch" refForName="accent_3"/>
-                <dgm:constr type="lMarg" for="ch" forName="text_3" refType="w" refFor="ch" refForName="accent_3" fact="1.8"/>
-                <dgm:constr type="h" for="ch" forName="accent_4" refType="h" fact="0.1316"/>
-                <dgm:constr type="w" for="ch" forName="accent_4" refType="h" refFor="ch" refForName="accent_4" op="equ"/>
-                <dgm:constr type="ctrY" for="ch" forName="accent_4" refType="h" fact="0.5789"/>
-                <dgm:constr type="ctrX" for="ch" forName="accent_4" refType="h" fact="0.2205"/>
-                <dgm:constr type="l" for="ch" forName="text_4" refType="ctrX" refFor="ch" refForName="accent_4"/>
-                <dgm:constr type="r" for="ch" forName="text_4" refType="w"/>
-                <dgm:constr type="w" for="ch" forName="text_4" refType="h" refFor="ch" refForName="text_4" op="gte"/>
-                <dgm:constr type="h" for="ch" forName="text_4" refType="h" refFor="ch" refForName="accent_4" fact="0.8"/>
-                <dgm:constr type="ctrY" for="ch" forName="text_4" refType="ctrY" refFor="ch" refForName="accent_4"/>
-                <dgm:constr type="lMarg" for="ch" forName="text_4" refType="w" refFor="ch" refForName="accent_4" fact="1.8"/>
-                <dgm:constr type="h" for="ch" forName="accent_5" refType="h" fact="0.1316"/>
-                <dgm:constr type="w" for="ch" forName="accent_5" refType="h" refFor="ch" refForName="accent_5" op="equ"/>
-                <dgm:constr type="ctrY" for="ch" forName="accent_5" refType="h" fact="0.7368"/>
-                <dgm:constr type="ctrX" for="ch" forName="accent_5" refType="h" fact="0.1809"/>
-                <dgm:constr type="l" for="ch" forName="text_5" refType="ctrX" refFor="ch" refForName="accent_5"/>
-                <dgm:constr type="r" for="ch" forName="text_5" refType="w"/>
-                <dgm:constr type="w" for="ch" forName="text_5" refType="h" refFor="ch" refForName="text_5" op="gte"/>
-                <dgm:constr type="h" for="ch" forName="text_5" refType="h" refFor="ch" refForName="accent_5" fact="0.8"/>
-                <dgm:constr type="ctrY" for="ch" forName="text_5" refType="ctrY" refFor="ch" refForName="accent_5"/>
-                <dgm:constr type="lMarg" for="ch" forName="text_5" refType="w" refFor="ch" refForName="accent_5" fact="1.8"/>
-                <dgm:constr type="h" for="ch" forName="accent_6" refType="h" fact="0.1316"/>
-                <dgm:constr type="w" for="ch" forName="accent_6" refType="h" refFor="ch" refForName="accent_6" op="equ"/>
-                <dgm:constr type="ctrY" for="ch" forName="accent_6" refType="h" fact="0.8947"/>
-                <dgm:constr type="ctrX" for="ch" forName="accent_6" refType="h" fact="0.0943"/>
-                <dgm:constr type="l" for="ch" forName="text_6" refType="ctrX" refFor="ch" refForName="accent_6"/>
-                <dgm:constr type="r" for="ch" forName="text_6" refType="w"/>
-                <dgm:constr type="w" for="ch" forName="text_6" refType="h" refFor="ch" refForName="text_6" op="gte"/>
-                <dgm:constr type="h" for="ch" forName="text_6" refType="h" refFor="ch" refForName="accent_6" fact="0.8"/>
-                <dgm:constr type="ctrY" for="ch" forName="text_6" refType="ctrY" refFor="ch" refForName="accent_6"/>
-                <dgm:constr type="lMarg" for="ch" forName="text_6" refType="w" refFor="ch" refForName="accent_6" fact="1.8"/>
-                <dgm:constr type="primFontSz" for="ch" ptType="node" op="equ" val="65"/>
-              </dgm:constrLst>
-            </dgm:if>
-            <dgm:else name="Name11">
-              <dgm:constrLst>
-                <dgm:constr type="h" for="ch" forName="cycle" refType="h"/>
-                <dgm:constr type="w" for="ch" forName="cycle" refType="h" refFor="ch" refForName="cycle" fact="0.26"/>
-                <dgm:constr type="l" for="ch" forName="cycle"/>
-                <dgm:constr type="ctrY" for="ch" forName="cycle" refType="h" fact="0.5"/>
-                <dgm:constr type="diam" for="ch" forName="cycle" refType="h" fact="1.344"/>
-                <dgm:constr type="h" for="ch" forName="accent_1" refType="h" fact="0.1136"/>
-                <dgm:constr type="w" for="ch" forName="accent_1" refType="h" refFor="ch" refForName="accent_1" op="equ"/>
-                <dgm:constr type="ctrY" for="ch" forName="accent_1" refType="h" fact="0.0909"/>
-                <dgm:constr type="ctrX" for="ch" forName="accent_1" refType="h" fact="0.0835"/>
-                <dgm:constr type="l" for="ch" forName="text_1" refType="ctrX" refFor="ch" refForName="accent_1"/>
-                <dgm:constr type="r" for="ch" forName="text_1" refType="w"/>
-                <dgm:constr type="w" for="ch" forName="text_1" refType="h" refFor="ch" refForName="text_1" op="gte"/>
-                <dgm:constr type="h" for="ch" forName="text_1" refType="h" refFor="ch" refForName="accent_1" fact="0.8"/>
-                <dgm:constr type="ctrY" for="ch" forName="text_1" refType="ctrY" refFor="ch" refForName="accent_1"/>
-                <dgm:constr type="lMarg" for="ch" forName="text_1" refType="w" refFor="ch" refForName="accent_1" fact="1.8"/>
-                <dgm:constr type="h" for="ch" forName="accent_2" refType="h" fact="0.1136"/>
-                <dgm:constr type="w" for="ch" forName="accent_2" refType="h" refFor="ch" refForName="accent_2" op="equ"/>
-                <dgm:constr type="ctrY" for="ch" forName="accent_2" refType="h" fact="0.2273"/>
-                <dgm:constr type="ctrX" for="ch" forName="accent_2" refType="h" fact="0.1658"/>
-                <dgm:constr type="l" for="ch" forName="text_2" refType="ctrX" refFor="ch" refForName="accent_2"/>
-                <dgm:constr type="r" for="ch" forName="text_2" refType="w"/>
-                <dgm:constr type="w" for="ch" forName="text_2" refType="h" refFor="ch" refForName="text_2" op="gte"/>
-                <dgm:constr type="h" for="ch" forName="text_2" refType="h" refFor="ch" refForName="accent_2" fact="0.8"/>
-                <dgm:constr type="ctrY" for="ch" forName="text_2" refType="ctrY" refFor="ch" refForName="accent_2"/>
-                <dgm:constr type="lMarg" for="ch" forName="text_2" refType="w" refFor="ch" refForName="accent_2" fact="1.8"/>
-                <dgm:constr type="h" for="ch" forName="accent_3" refType="h" fact="0.1136"/>
-                <dgm:constr type="w" for="ch" forName="accent_3" refType="h" refFor="ch" refForName="accent_3" op="equ"/>
-                <dgm:constr type="ctrY" for="ch" forName="accent_3" refType="h" fact="0.3636"/>
-                <dgm:constr type="ctrX" for="ch" forName="accent_3" refType="h" fact="0.2109"/>
-                <dgm:constr type="l" for="ch" forName="text_3" refType="ctrX" refFor="ch" refForName="accent_3"/>
-                <dgm:constr type="r" for="ch" forName="text_3" refType="w"/>
-                <dgm:constr type="w" for="ch" forName="text_3" refType="h" refFor="ch" refForName="text_3" op="gte"/>
-                <dgm:constr type="h" for="ch" forName="text_3" refType="h" refFor="ch" refForName="accent_3" fact="0.8"/>
-                <dgm:constr type="ctrY" for="ch" forName="text_3" refType="ctrY" refFor="ch" refForName="accent_3"/>
-                <dgm:constr type="lMarg" for="ch" forName="text_3" refType="w" refFor="ch" refForName="accent_3" fact="1.8"/>
-                <dgm:constr type="h" for="ch" forName="accent_4" refType="h" fact="0.1136"/>
-                <dgm:constr type="w" for="ch" forName="accent_4" refType="h" refFor="ch" refForName="accent_4" op="equ"/>
-                <dgm:constr type="ctrY" for="ch" forName="accent_4" refType="h" fact="0.5"/>
-                <dgm:constr type="ctrX" for="ch" forName="accent_4" refType="h" fact="0.2253"/>
-                <dgm:constr type="l" for="ch" forName="text_4" refType="ctrX" refFor="ch" refForName="accent_4"/>
-                <dgm:constr type="r" for="ch" forName="text_4" refType="w"/>
-                <dgm:constr type="w" for="ch" forName="text_4" refType="h" refFor="ch" refForName="text_4" op="gte"/>
-                <dgm:constr type="h" for="ch" forName="text_4" refType="h" refFor="ch" refForName="accent_4" fact="0.8"/>
-                <dgm:constr type="ctrY" for="ch" forName="text_4" refType="ctrY" refFor="ch" refForName="accent_4"/>
-                <dgm:constr type="lMarg" for="ch" forName="text_4" refType="w" refFor="ch" refForName="accent_4" fact="1.8"/>
-                <dgm:constr type="h" for="ch" forName="accent_5" refType="h" fact="0.1136"/>
-                <dgm:constr type="w" for="ch" forName="accent_5" refType="h" refFor="ch" refForName="accent_5" op="equ"/>
-                <dgm:constr type="ctrY" for="ch" forName="accent_5" refType="h" fact="0.6364"/>
-                <dgm:constr type="ctrX" for="ch" forName="accent_5" refType="h" fact="0.2109"/>
-                <dgm:constr type="l" for="ch" forName="text_5" refType="ctrX" refFor="ch" refForName="accent_5"/>
-                <dgm:constr type="r" for="ch" forName="text_5" refType="w"/>
-                <dgm:constr type="w" for="ch" forName="text_5" refType="h" refFor="ch" refForName="text_5" op="gte"/>
-                <dgm:constr type="h" for="ch" forName="text_5" refType="h" refFor="ch" refForName="accent_5" fact="0.8"/>
-                <dgm:constr type="ctrY" for="ch" forName="text_5" refType="ctrY" refFor="ch" refForName="accent_5"/>
-                <dgm:constr type="lMarg" for="ch" forName="text_5" refType="w" refFor="ch" refForName="accent_5" fact="1.8"/>
-                <dgm:constr type="h" for="ch" forName="accent_6" refType="h" fact="0.1136"/>
-                <dgm:constr type="w" for="ch" forName="accent_6" refType="h" refFor="ch" refForName="accent_6" op="equ"/>
-                <dgm:constr type="ctrY" for="ch" forName="accent_6" refType="h" fact="0.7727"/>
-                <dgm:constr type="ctrX" for="ch" forName="accent_6" refType="h" fact="0.1658"/>
-                <dgm:constr type="l" for="ch" forName="text_6" refType="ctrX" refFor="ch" refForName="accent_6"/>
-                <dgm:constr type="r" for="ch" forName="text_6" refType="w"/>
-                <dgm:constr type="w" for="ch" forName="text_6" refType="h" refFor="ch" refForName="text_6" op="gte"/>
-                <dgm:constr type="h" for="ch" forName="text_6" refType="h" refFor="ch" refForName="accent_6" fact="0.8"/>
-                <dgm:constr type="ctrY" for="ch" forName="text_6" refType="ctrY" refFor="ch" refForName="accent_6"/>
-                <dgm:constr type="lMarg" for="ch" forName="text_6" refType="w" refFor="ch" refForName="accent_6" fact="1.8"/>
-                <dgm:constr type="h" for="ch" forName="accent_7" refType="h" fact="0.1136"/>
-                <dgm:constr type="w" for="ch" forName="accent_7" refType="h" refFor="ch" refForName="accent_7" op="equ"/>
-                <dgm:constr type="ctrY" for="ch" forName="accent_7" refType="h" fact="0.9091"/>
-                <dgm:constr type="ctrX" for="ch" forName="accent_7" refType="h" fact="0.0835"/>
-                <dgm:constr type="l" for="ch" forName="text_7" refType="ctrX" refFor="ch" refForName="accent_7"/>
-                <dgm:constr type="r" for="ch" forName="text_7" refType="w"/>
-                <dgm:constr type="w" for="ch" forName="text_7" refType="h" refFor="ch" refForName="text_7" op="gte"/>
-                <dgm:constr type="h" for="ch" forName="text_7" refType="h" refFor="ch" refForName="accent_7" fact="0.8"/>
-                <dgm:constr type="ctrY" for="ch" forName="text_7" refType="ctrY" refFor="ch" refForName="accent_7"/>
-                <dgm:constr type="lMarg" for="ch" forName="text_7" refType="w" refFor="ch" refForName="accent_7" fact="1.8"/>
-                <dgm:constr type="primFontSz" for="ch" ptType="node" op="equ" val="65"/>
-              </dgm:constrLst>
-            </dgm:else>
-          </dgm:choose>
-        </dgm:if>
-        <dgm:else name="Name12">
-          <dgm:choose name="Name13">
-            <dgm:if name="Name14" axis="ch" ptType="node" func="cnt" op="equ" val="1">
-              <dgm:constrLst>
-                <dgm:constr type="h" for="ch" forName="cycle" refType="h"/>
-                <dgm:constr type="w" for="ch" forName="cycle" refType="h" refFor="ch" refForName="cycle" fact="0.26"/>
-                <dgm:constr type="r" for="ch" forName="cycle" refType="w"/>
-                <dgm:constr type="ctrY" for="ch" forName="cycle" refType="h" fact="0.5"/>
-                <dgm:constr type="diam" for="ch" forName="cycle" refType="h" fact="1.344"/>
-                <dgm:constr type="h" for="ch" forName="accent_1" refType="h" fact="0.625"/>
-                <dgm:constr type="w" for="ch" forName="accent_1" refType="h" refFor="ch" refForName="accent_1" op="equ"/>
-                <dgm:constr type="ctrY" for="ch" forName="accent_1" refType="h" fact="0.5"/>
-                <dgm:constr type="ctrX" for="ch" forName="accent_1" refType="w"/>
-                <dgm:constr type="ctrXOff" for="ch" forName="accent_1" refType="h" fact="-0.2253"/>
-                <dgm:constr type="r" for="ch" forName="text_1" refType="ctrX" refFor="ch" refForName="accent_1"/>
-                <dgm:constr type="rOff" for="ch" forName="text_1" refType="ctrXOff" refFor="ch" refForName="accent_1"/>
-                <dgm:constr type="l" for="ch" forName="text_1"/>
-                <dgm:constr type="w" for="ch" forName="text_1" refType="h" refFor="ch" refForName="text_1" op="gte"/>
-                <dgm:constr type="h" for="ch" forName="text_1" refType="h" refFor="ch" refForName="accent_1" fact="0.8"/>
-                <dgm:constr type="ctrY" for="ch" forName="text_1" refType="ctrY" refFor="ch" refForName="accent_1"/>
-                <dgm:constr type="rMarg" for="ch" forName="text_1" refType="w" refFor="ch" refForName="accent_1" fact="1.8"/>
-                <dgm:constr type="primFontSz" for="ch" ptType="node" op="equ" val="65"/>
-              </dgm:constrLst>
-            </dgm:if>
-            <dgm:if name="Name15" axis="ch" ptType="node" func="cnt" op="equ" val="2">
-              <dgm:constrLst>
-                <dgm:constr type="h" for="ch" forName="cycle" refType="h"/>
-                <dgm:constr type="w" for="ch" forName="cycle" refType="h" refFor="ch" refForName="cycle" fact="0.26"/>
-                <dgm:constr type="r" for="ch" forName="cycle" refType="w"/>
-                <dgm:constr type="ctrY" for="ch" forName="cycle" refType="h" fact="0.5"/>
-                <dgm:constr type="diam" for="ch" forName="cycle" refType="h" fact="1.344"/>
-                <dgm:constr type="h" for="ch" forName="accent_1" refType="h" fact="0.3571"/>
-                <dgm:constr type="w" for="ch" forName="accent_1" refType="h" refFor="ch" refForName="accent_1" op="equ"/>
-                <dgm:constr type="ctrY" for="ch" forName="accent_1" refType="h" fact="0.2857"/>
-                <dgm:constr type="ctrX" for="ch" forName="accent_1" refType="w"/>
-                <dgm:constr type="ctrXOff" for="ch" forName="accent_1" refType="h" fact="-0.1891"/>
-                <dgm:constr type="r" for="ch" forName="text_1" refType="ctrX" refFor="ch" refForName="accent_1"/>
-                <dgm:constr type="rOff" for="ch" forName="text_1" refType="ctrXOff" refFor="ch" refForName="accent_1"/>
-                <dgm:constr type="l" for="ch" forName="text_1"/>
-                <dgm:constr type="w" for="ch" forName="text_1" refType="h" refFor="ch" refForName="text_1" op="gte"/>
-                <dgm:constr type="h" for="ch" forName="text_1" refType="h" refFor="ch" refForName="accent_1" fact="0.8"/>
-                <dgm:constr type="ctrY" for="ch" forName="text_1" refType="ctrY" refFor="ch" refForName="accent_1"/>
-                <dgm:constr type="rMarg" for="ch" forName="text_1" refType="w" refFor="ch" refForName="accent_1" fact="1.8"/>
-                <dgm:constr type="h" for="ch" forName="accent_2" refType="h" fact="0.3571"/>
-                <dgm:constr type="w" for="ch" forName="accent_2" refType="h" refFor="ch" refForName="accent_2" op="equ"/>
-                <dgm:constr type="ctrY" for="ch" forName="accent_2" refType="h" fact="0.7143"/>
-                <dgm:constr type="ctrX" for="ch" forName="accent_2" refType="w"/>
-                <dgm:constr type="ctrXOff" for="ch" forName="accent_2" refType="h" fact="-0.1891"/>
-                <dgm:constr type="r" for="ch" forName="text_2" refType="ctrX" refFor="ch" refForName="accent_2"/>
-                <dgm:constr type="rOff" for="ch" forName="text_2" refType="ctrXOff" refFor="ch" refForName="accent_2"/>
-                <dgm:constr type="l" for="ch" forName="text_2"/>
-                <dgm:constr type="w" for="ch" forName="text_2" refType="h" refFor="ch" refForName="text_2" op="gte"/>
-                <dgm:constr type="h" for="ch" forName="text_2" refType="h" refFor="ch" refForName="accent_2" fact="0.8"/>
-                <dgm:constr type="ctrY" for="ch" forName="text_2" refType="ctrY" refFor="ch" refForName="accent_2"/>
-                <dgm:constr type="rMarg" for="ch" forName="text_2" refType="w" refFor="ch" refForName="accent_2" fact="1.8"/>
-                <dgm:constr type="primFontSz" for="ch" ptType="node" op="equ" val="65"/>
-              </dgm:constrLst>
-            </dgm:if>
-            <dgm:if name="Name16" axis="ch" ptType="node" func="cnt" op="equ" val="3">
-              <dgm:constrLst>
-                <dgm:constr type="h" for="ch" forName="cycle" refType="h"/>
-                <dgm:constr type="w" for="ch" forName="cycle" refType="h" refFor="ch" refForName="cycle" fact="0.26"/>
-                <dgm:constr type="r" for="ch" forName="cycle" refType="w"/>
-                <dgm:constr type="ctrY" for="ch" forName="cycle" refType="h" fact="0.5"/>
-                <dgm:constr type="diam" for="ch" forName="cycle" refType="h" fact="1.344"/>
-                <dgm:constr type="h" for="ch" forName="accent_1" refType="h" fact="0.25"/>
-                <dgm:constr type="w" for="ch" forName="accent_1" refType="h" refFor="ch" refForName="accent_1" op="equ"/>
-                <dgm:constr type="ctrY" for="ch" forName="accent_1" refType="h" fact="0.2"/>
-                <dgm:constr type="ctrX" for="ch" forName="accent_1" refType="w"/>
-                <dgm:constr type="ctrXOff" for="ch" forName="accent_1" refType="h" fact="-0.1526"/>
-                <dgm:constr type="r" for="ch" forName="text_1" refType="ctrX" refFor="ch" refForName="accent_1"/>
-                <dgm:constr type="rOff" for="ch" forName="text_1" refType="ctrXOff" refFor="ch" refForName="accent_1"/>
-                <dgm:constr type="l" for="ch" forName="text_1"/>
-                <dgm:constr type="w" for="ch" forName="text_1" refType="h" refFor="ch" refForName="text_1" op="gte"/>
-                <dgm:constr type="h" for="ch" forName="text_1" refType="h" refFor="ch" refForName="accent_1" fact="0.8"/>
-                <dgm:constr type="ctrY" for="ch" forName="text_1" refType="ctrY" refFor="ch" refForName="accent_1"/>
-                <dgm:constr type="rMarg" for="ch" forName="text_1" refType="w" refFor="ch" refForName="accent_1" fact="1.8"/>
-                <dgm:constr type="h" for="ch" forName="accent_2" refType="h" fact="0.25"/>
-                <dgm:constr type="w" for="ch" forName="accent_2" refType="h" refFor="ch" refForName="accent_2" op="equ"/>
-                <dgm:constr type="ctrY" for="ch" forName="accent_2" refType="h" fact="0.5"/>
-                <dgm:constr type="ctrX" for="ch" forName="accent_2" refType="w"/>
-                <dgm:constr type="ctrXOff" for="ch" forName="accent_2" refType="h" fact="-0.2253"/>
-                <dgm:constr type="r" for="ch" forName="text_2" refType="ctrX" refFor="ch" refForName="accent_2"/>
-                <dgm:constr type="rOff" for="ch" forName="text_2" refType="ctrXOff" refFor="ch" refForName="accent_2"/>
-                <dgm:constr type="l" for="ch" forName="text_2"/>
-                <dgm:constr type="w" for="ch" forName="text_2" refType="h" refFor="ch" refForName="text_2" op="gte"/>
-                <dgm:constr type="h" for="ch" forName="text_2" refType="h" refFor="ch" refForName="accent_2" fact="0.8"/>
-                <dgm:constr type="ctrY" for="ch" forName="text_2" refType="ctrY" refFor="ch" refForName="accent_2"/>
-                <dgm:constr type="rMarg" for="ch" forName="text_2" refType="w" refFor="ch" refForName="accent_2" fact="1.8"/>
-                <dgm:constr type="h" for="ch" forName="accent_3" refType="h" fact="0.25"/>
-                <dgm:constr type="w" for="ch" forName="accent_3" refType="h" refFor="ch" refForName="accent_3" op="equ"/>
-                <dgm:constr type="ctrY" for="ch" forName="accent_3" refType="h" fact="0.8"/>
-                <dgm:constr type="ctrX" for="ch" forName="accent_3" refType="w"/>
-                <dgm:constr type="ctrXOff" for="ch" forName="accent_3" refType="h" fact="-0.1526"/>
-                <dgm:constr type="r" for="ch" forName="text_3" refType="ctrX" refFor="ch" refForName="accent_3"/>
-                <dgm:constr type="rOff" for="ch" forName="text_3" refType="ctrXOff" refFor="ch" refForName="accent_3"/>
-                <dgm:constr type="l" for="ch" forName="text_3"/>
-                <dgm:constr type="w" for="ch" forName="text_3" refType="h" refFor="ch" refForName="text_3" op="gte"/>
-                <dgm:constr type="h" for="ch" forName="text_3" refType="h" refFor="ch" refForName="accent_3" fact="0.8"/>
-                <dgm:constr type="ctrY" for="ch" forName="text_3" refType="ctrY" refFor="ch" refForName="accent_3"/>
-                <dgm:constr type="rMarg" for="ch" forName="text_3" refType="w" refFor="ch" refForName="accent_3" fact="1.8"/>
-                <dgm:constr type="primFontSz" for="ch" ptType="node" op="equ" val="65"/>
-              </dgm:constrLst>
-            </dgm:if>
-            <dgm:if name="Name17" axis="ch" ptType="node" func="cnt" op="equ" val="4">
-              <dgm:constrLst>
-                <dgm:constr type="h" for="ch" forName="cycle" refType="h"/>
-                <dgm:constr type="w" for="ch" forName="cycle" refType="h" refFor="ch" refForName="cycle" fact="0.26"/>
-                <dgm:constr type="r" for="ch" forName="cycle" refType="w"/>
-                <dgm:constr type="ctrY" for="ch" forName="cycle" refType="h" fact="0.5"/>
-                <dgm:constr type="diam" for="ch" forName="cycle" refType="h" fact="1.344"/>
-                <dgm:constr type="h" for="ch" forName="accent_1" refType="h" fact="0.1923"/>
-                <dgm:constr type="w" for="ch" forName="accent_1" refType="h" refFor="ch" refForName="accent_1" op="equ"/>
-                <dgm:constr type="ctrY" for="ch" forName="accent_1" refType="h" fact="0.1538"/>
-                <dgm:constr type="ctrX" for="ch" forName="accent_1" refType="w"/>
-                <dgm:constr type="ctrXOff" for="ch" forName="accent_1" refType="h" fact="-0.1268"/>
-                <dgm:constr type="r" for="ch" forName="text_1" refType="ctrX" refFor="ch" refForName="accent_1"/>
-                <dgm:constr type="rOff" for="ch" forName="text_1" refType="ctrXOff" refFor="ch" refForName="accent_1"/>
-                <dgm:constr type="l" for="ch" forName="text_1"/>
-                <dgm:constr type="w" for="ch" forName="text_1" refType="h" refFor="ch" refForName="text_1" op="gte"/>
-                <dgm:constr type="h" for="ch" forName="text_1" refType="h" refFor="ch" refForName="accent_1" fact="0.8"/>
-                <dgm:constr type="ctrY" for="ch" forName="text_1" refType="ctrY" refFor="ch" refForName="accent_1"/>
-                <dgm:constr type="rMarg" for="ch" forName="text_1" refType="w" refFor="ch" refForName="accent_1" fact="1.8"/>
-                <dgm:constr type="h" for="ch" forName="accent_2" refType="h" fact="0.1923"/>
-                <dgm:constr type="w" for="ch" forName="accent_2" refType="h" refFor="ch" refForName="accent_2" op="equ"/>
-                <dgm:constr type="ctrY" for="ch" forName="accent_2" refType="h" fact="0.3846"/>
-                <dgm:constr type="ctrX" for="ch" forName="accent_2" refType="w"/>
-                <dgm:constr type="ctrXOff" for="ch" forName="accent_2" refType="h" fact="-0.215"/>
-                <dgm:constr type="r" for="ch" forName="text_2" refType="ctrX" refFor="ch" refForName="accent_2"/>
-                <dgm:constr type="rOff" for="ch" forName="text_2" refType="ctrXOff" refFor="ch" refForName="accent_2"/>
-                <dgm:constr type="l" for="ch" forName="text_2"/>
-                <dgm:constr type="w" for="ch" forName="text_2" refType="h" refFor="ch" refForName="text_2" op="gte"/>
-                <dgm:constr type="h" for="ch" forName="text_2" refType="h" refFor="ch" refForName="accent_2" fact="0.8"/>
-                <dgm:constr type="ctrY" for="ch" forName="text_2" refType="ctrY" refFor="ch" refForName="accent_2"/>
-                <dgm:constr type="rMarg" for="ch" forName="text_2" refType="w" refFor="ch" refForName="accent_2" fact="1.8"/>
-                <dgm:constr type="h" for="ch" forName="accent_3" refType="h" fact="0.1923"/>
-                <dgm:constr type="w" for="ch" forName="accent_3" refType="h" refFor="ch" refForName="accent_3" op="equ"/>
-                <dgm:constr type="ctrY" for="ch" forName="accent_3" refType="h" fact="0.6154"/>
-                <dgm:constr type="ctrX" for="ch" forName="accent_3" refType="w"/>
-                <dgm:constr type="ctrXOff" for="ch" forName="accent_3" refType="h" fact="-0.215"/>
-                <dgm:constr type="r" for="ch" forName="text_3" refType="ctrX" refFor="ch" refForName="accent_3"/>
-                <dgm:constr type="rOff" for="ch" forName="text_3" refType="ctrXOff" refFor="ch" refForName="accent_3"/>
-                <dgm:constr type="l" for="ch" forName="text_3"/>
-                <dgm:constr type="w" for="ch" forName="text_3" refType="h" refFor="ch" refForName="text_3" op="gte"/>
-                <dgm:constr type="h" for="ch" forName="text_3" refType="h" refFor="ch" refForName="accent_3" fact="0.8"/>
-                <dgm:constr type="ctrY" for="ch" forName="text_3" refType="ctrY" refFor="ch" refForName="accent_3"/>
-                <dgm:constr type="rMarg" for="ch" forName="text_3" refType="w" refFor="ch" refForName="accent_3" fact="1.8"/>
-                <dgm:constr type="h" for="ch" forName="accent_4" refType="h" fact="0.1923"/>
-                <dgm:constr type="w" for="ch" forName="accent_4" refType="h" refFor="ch" refForName="accent_4" op="equ"/>
-                <dgm:constr type="ctrY" for="ch" forName="accent_4" refType="h" fact="0.8462"/>
-                <dgm:constr type="ctrX" for="ch" forName="accent_4" refType="w"/>
-                <dgm:constr type="ctrXOff" for="ch" forName="accent_4" refType="h" fact="-0.1268"/>
-                <dgm:constr type="r" for="ch" forName="text_4" refType="ctrX" refFor="ch" refForName="accent_4"/>
-                <dgm:constr type="rOff" for="ch" forName="text_4" refType="ctrXOff" refFor="ch" refForName="accent_4"/>
-                <dgm:constr type="l" for="ch" forName="text_4"/>
-                <dgm:constr type="w" for="ch" forName="text_4" refType="h" refFor="ch" refForName="text_4" op="gte"/>
-                <dgm:constr type="h" for="ch" forName="text_4" refType="h" refFor="ch" refForName="accent_4" fact="0.8"/>
-                <dgm:constr type="ctrY" for="ch" forName="text_4" refType="ctrY" refFor="ch" refForName="accent_4"/>
-                <dgm:constr type="rMarg" for="ch" forName="text_4" refType="w" refFor="ch" refForName="accent_4" fact="1.8"/>
-                <dgm:constr type="primFontSz" for="ch" ptType="node" op="equ" val="65"/>
-              </dgm:constrLst>
-            </dgm:if>
-            <dgm:if name="Name18" axis="ch" ptType="node" func="cnt" op="equ" val="5">
-              <dgm:constrLst>
-                <dgm:constr type="h" for="ch" forName="cycle" refType="h"/>
-                <dgm:constr type="w" for="ch" forName="cycle" refType="h" refFor="ch" refForName="cycle" fact="0.26"/>
-                <dgm:constr type="r" for="ch" forName="cycle" refType="w"/>
-                <dgm:constr type="ctrY" for="ch" forName="cycle" refType="h" fact="0.5"/>
-                <dgm:constr type="diam" for="ch" forName="cycle" refType="h" fact="1.344"/>
-                <dgm:constr type="h" for="ch" forName="accent_1" refType="h" fact="0.1563"/>
-                <dgm:constr type="w" for="ch" forName="accent_1" refType="h" refFor="ch" refForName="accent_1" op="equ"/>
-                <dgm:constr type="ctrY" for="ch" forName="accent_1" refType="h" fact="0.125"/>
-                <dgm:constr type="ctrX" for="ch" forName="accent_1" refType="w"/>
-                <dgm:constr type="ctrXOff" for="ch" forName="accent_1" refType="h" fact="-0.1082"/>
-                <dgm:constr type="r" for="ch" forName="text_1" refType="ctrX" refFor="ch" refForName="accent_1"/>
-                <dgm:constr type="rOff" for="ch" forName="text_1" refType="ctrXOff" refFor="ch" refForName="accent_1"/>
-                <dgm:constr type="l" for="ch" forName="text_1"/>
-                <dgm:constr type="w" for="ch" forName="text_1" refType="h" refFor="ch" refForName="text_1" op="gte"/>
-                <dgm:constr type="h" for="ch" forName="text_1" refType="h" refFor="ch" refForName="accent_1" fact="0.8"/>
-                <dgm:constr type="ctrY" for="ch" forName="text_1" refType="ctrY" refFor="ch" refForName="accent_1"/>
-                <dgm:constr type="rMarg" for="ch" forName="text_1" refType="w" refFor="ch" refForName="accent_1" fact="1.8"/>
-                <dgm:constr type="h" for="ch" forName="accent_2" refType="h" fact="0.1563"/>
-                <dgm:constr type="w" for="ch" forName="accent_2" refType="h" refFor="ch" refForName="accent_2" op="equ"/>
-                <dgm:constr type="ctrY" for="ch" forName="accent_2" refType="h" fact="0.3125"/>
-                <dgm:constr type="ctrX" for="ch" forName="accent_2" refType="w"/>
-                <dgm:constr type="ctrXOff" for="ch" forName="accent_2" refType="h" fact="-0.1978"/>
-                <dgm:constr type="r" for="ch" forName="text_2" refType="ctrX" refFor="ch" refForName="accent_2"/>
-                <dgm:constr type="rOff" for="ch" forName="text_2" refType="ctrXOff" refFor="ch" refForName="accent_2"/>
-                <dgm:constr type="l" for="ch" forName="text_2"/>
-                <dgm:constr type="w" for="ch" forName="text_2" refType="h" refFor="ch" refForName="text_2" op="gte"/>
-                <dgm:constr type="h" for="ch" forName="text_2" refType="h" refFor="ch" refForName="accent_2" fact="0.8"/>
-                <dgm:constr type="ctrY" for="ch" forName="text_2" refType="ctrY" refFor="ch" refForName="accent_2"/>
-                <dgm:constr type="rMarg" for="ch" forName="text_2" refType="w" refFor="ch" refForName="accent_2" fact="1.8"/>
-                <dgm:constr type="h" for="ch" forName="accent_3" refType="h" fact="0.1563"/>
-                <dgm:constr type="w" for="ch" forName="accent_3" refType="h" refFor="ch" refForName="accent_3" op="equ"/>
-                <dgm:constr type="ctrY" for="ch" forName="accent_3" refType="h" fact="0.5"/>
-                <dgm:constr type="ctrX" for="ch" forName="accent_3" refType="w"/>
-                <dgm:constr type="ctrXOff" for="ch" forName="accent_3" refType="h" fact="-0.2253"/>
-                <dgm:constr type="r" for="ch" forName="text_3" refType="ctrX" refFor="ch" refForName="accent_3"/>
-                <dgm:constr type="rOff" for="ch" forName="text_3" refType="ctrXOff" refFor="ch" refForName="accent_3"/>
-                <dgm:constr type="l" for="ch" forName="text_3"/>
-                <dgm:constr type="w" for="ch" forName="text_3" refType="h" refFor="ch" refForName="text_3" op="gte"/>
-                <dgm:constr type="h" for="ch" forName="text_3" refType="h" refFor="ch" refForName="accent_3" fact="0.8"/>
-                <dgm:constr type="ctrY" for="ch" forName="text_3" refType="ctrY" refFor="ch" refForName="accent_3"/>
-                <dgm:constr type="rMarg" for="ch" forName="text_3" refType="w" refFor="ch" refForName="accent_3" fact="1.8"/>
-                <dgm:constr type="h" for="ch" forName="accent_4" refType="h" fact="0.1563"/>
-                <dgm:constr type="w" for="ch" forName="accent_4" refType="h" refFor="ch" refForName="accent_4" op="equ"/>
-                <dgm:constr type="ctrY" for="ch" forName="accent_4" refType="h" fact="0.6875"/>
-                <dgm:constr type="ctrX" for="ch" forName="accent_4" refType="w"/>
-                <dgm:constr type="ctrXOff" for="ch" forName="accent_4" refType="h" fact="-0.1978"/>
-                <dgm:constr type="r" for="ch" forName="text_4" refType="ctrX" refFor="ch" refForName="accent_4"/>
-                <dgm:constr type="rOff" for="ch" forName="text_4" refType="ctrXOff" refFor="ch" refForName="accent_4"/>
-                <dgm:constr type="l" for="ch" forName="text_4"/>
-                <dgm:constr type="w" for="ch" forName="text_4" refType="h" refFor="ch" refForName="text_4" op="gte"/>
-                <dgm:constr type="h" for="ch" forName="text_4" refType="h" refFor="ch" refForName="accent_4" fact="0.8"/>
-                <dgm:constr type="ctrY" for="ch" forName="text_4" refType="ctrY" refFor="ch" refForName="accent_4"/>
-                <dgm:constr type="rMarg" for="ch" forName="text_4" refType="w" refFor="ch" refForName="accent_4" fact="1.8"/>
-                <dgm:constr type="h" for="ch" forName="accent_5" refType="h" fact="0.1563"/>
-                <dgm:constr type="w" for="ch" forName="accent_5" refType="h" refFor="ch" refForName="accent_5" op="equ"/>
-                <dgm:constr type="ctrY" for="ch" forName="accent_5" refType="h" fact="0.875"/>
-                <dgm:constr type="ctrX" for="ch" forName="accent_5" refType="w"/>
-                <dgm:constr type="ctrXOff" for="ch" forName="accent_5" refType="h" fact="-0.1082"/>
-                <dgm:constr type="r" for="ch" forName="text_5" refType="ctrX" refFor="ch" refForName="accent_5"/>
-                <dgm:constr type="rOff" for="ch" forName="text_5" refType="ctrXOff" refFor="ch" refForName="accent_5"/>
-                <dgm:constr type="l" for="ch" forName="text_5"/>
-                <dgm:constr type="w" for="ch" forName="text_5" refType="h" refFor="ch" refForName="text_5" op="gte"/>
-                <dgm:constr type="h" for="ch" forName="text_5" refType="h" refFor="ch" refForName="accent_5" fact="0.8"/>
-                <dgm:constr type="ctrY" for="ch" forName="text_5" refType="ctrY" refFor="ch" refForName="accent_5"/>
-                <dgm:constr type="rMarg" for="ch" forName="text_5" refType="w" refFor="ch" refForName="accent_5" fact="1.8"/>
-                <dgm:constr type="primFontSz" for="ch" ptType="node" op="equ" val="65"/>
-              </dgm:constrLst>
-            </dgm:if>
-            <dgm:if name="Name19" axis="ch" ptType="node" func="cnt" op="equ" val="6">
-              <dgm:constrLst>
-                <dgm:constr type="h" for="ch" forName="cycle" refType="h"/>
-                <dgm:constr type="w" for="ch" forName="cycle" refType="h" refFor="ch" refForName="cycle" fact="0.26"/>
-                <dgm:constr type="r" for="ch" forName="cycle" refType="w"/>
-                <dgm:constr type="ctrY" for="ch" forName="cycle" refType="h" fact="0.5"/>
-                <dgm:constr type="diam" for="ch" forName="cycle" refType="h" fact="1.344"/>
-                <dgm:constr type="h" for="ch" forName="accent_1" refType="h" fact="0.1316"/>
-                <dgm:constr type="w" for="ch" forName="accent_1" refType="h" refFor="ch" refForName="accent_1" op="equ"/>
-                <dgm:constr type="ctrY" for="ch" forName="accent_1" refType="h" fact="0.1053"/>
-                <dgm:constr type="ctrX" for="ch" forName="accent_1" refType="w"/>
-                <dgm:constr type="ctrXOff" for="ch" forName="accent_1" refType="h" fact="-0.0943"/>
-                <dgm:constr type="r" for="ch" forName="text_1" refType="ctrX" refFor="ch" refForName="accent_1"/>
-                <dgm:constr type="rOff" for="ch" forName="text_1" refType="ctrXOff" refFor="ch" refForName="accent_1"/>
-                <dgm:constr type="l" for="ch" forName="text_1"/>
-                <dgm:constr type="w" for="ch" forName="text_1" refType="h" refFor="ch" refForName="text_1" op="gte"/>
-                <dgm:constr type="h" for="ch" forName="text_1" refType="h" refFor="ch" refForName="accent_1" fact="0.8"/>
-                <dgm:constr type="ctrY" for="ch" forName="text_1" refType="ctrY" refFor="ch" refForName="accent_1"/>
-                <dgm:constr type="rMarg" for="ch" forName="text_1" refType="w" refFor="ch" refForName="accent_1" fact="1.8"/>
-                <dgm:constr type="h" for="ch" forName="accent_2" refType="h" fact="0.1316"/>
-                <dgm:constr type="w" for="ch" forName="accent_2" refType="h" refFor="ch" refForName="accent_2" op="equ"/>
-                <dgm:constr type="ctrY" for="ch" forName="accent_2" refType="h" fact="0.2632"/>
-                <dgm:constr type="ctrX" for="ch" forName="accent_2" refType="w"/>
-                <dgm:constr type="ctrXOff" for="ch" forName="accent_2" refType="h" fact="-0.1809"/>
-                <dgm:constr type="r" for="ch" forName="text_2" refType="ctrX" refFor="ch" refForName="accent_2"/>
-                <dgm:constr type="rOff" for="ch" forName="text_2" refType="ctrXOff" refFor="ch" refForName="accent_2"/>
-                <dgm:constr type="l" for="ch" forName="text_2"/>
-                <dgm:constr type="w" for="ch" forName="text_2" refType="h" refFor="ch" refForName="text_2" op="gte"/>
-                <dgm:constr type="h" for="ch" forName="text_2" refType="h" refFor="ch" refForName="accent_2" fact="0.8"/>
-                <dgm:constr type="ctrY" for="ch" forName="text_2" refType="ctrY" refFor="ch" refForName="accent_2"/>
-                <dgm:constr type="rMarg" for="ch" forName="text_2" refType="w" refFor="ch" refForName="accent_2" fact="1.8"/>
-                <dgm:constr type="h" for="ch" forName="accent_3" refType="h" fact="0.1316"/>
-                <dgm:constr type="w" for="ch" forName="accent_3" refType="h" refFor="ch" refForName="accent_3" op="equ"/>
-                <dgm:constr type="ctrY" for="ch" forName="accent_3" refType="h" fact="0.4211"/>
-                <dgm:constr type="ctrX" for="ch" forName="accent_3" refType="w"/>
-                <dgm:constr type="ctrXOff" for="ch" forName="accent_3" refType="h" fact="-0.2205"/>
-                <dgm:constr type="r" for="ch" forName="text_3" refType="ctrX" refFor="ch" refForName="accent_3"/>
-                <dgm:constr type="rOff" for="ch" forName="text_3" refType="ctrXOff" refFor="ch" refForName="accent_3"/>
-                <dgm:constr type="l" for="ch" forName="text_3"/>
-                <dgm:constr type="w" for="ch" forName="text_3" refType="h" refFor="ch" refForName="text_3" op="gte"/>
-                <dgm:constr type="h" for="ch" forName="text_3" refType="h" refFor="ch" refForName="accent_3" fact="0.8"/>
-                <dgm:constr type="ctrY" for="ch" forName="text_3" refType="ctrY" refFor="ch" refForName="accent_3"/>
-                <dgm:constr type="rMarg" for="ch" forName="text_3" refType="w" refFor="ch" refForName="accent_3" fact="1.8"/>
-                <dgm:constr type="h" for="ch" forName="accent_4" refType="h" fact="0.1316"/>
-                <dgm:constr type="w" for="ch" forName="accent_4" refType="h" refFor="ch" refForName="accent_4" op="equ"/>
-                <dgm:constr type="ctrY" for="ch" forName="accent_4" refType="h" fact="0.5789"/>
-                <dgm:constr type="ctrX" for="ch" forName="accent_4" refType="w"/>
-                <dgm:constr type="ctrXOff" for="ch" forName="accent_4" refType="h" fact="-0.2205"/>
-                <dgm:constr type="r" for="ch" forName="text_4" refType="ctrX" refFor="ch" refForName="accent_4"/>
-                <dgm:constr type="rOff" for="ch" forName="text_4" refType="ctrXOff" refFor="ch" refForName="accent_4"/>
-                <dgm:constr type="l" for="ch" forName="text_4"/>
-                <dgm:constr type="w" for="ch" forName="text_4" refType="h" refFor="ch" refForName="text_4" op="gte"/>
-                <dgm:constr type="h" for="ch" forName="text_4" refType="h" refFor="ch" refForName="accent_4" fact="0.8"/>
-                <dgm:constr type="ctrY" for="ch" forName="text_4" refType="ctrY" refFor="ch" refForName="accent_4"/>
-                <dgm:constr type="rMarg" for="ch" forName="text_4" refType="w" refFor="ch" refForName="accent_4" fact="1.8"/>
-                <dgm:constr type="h" for="ch" forName="accent_5" refType="h" fact="0.1316"/>
-                <dgm:constr type="w" for="ch" forName="accent_5" refType="h" refFor="ch" refForName="accent_5" op="equ"/>
-                <dgm:constr type="ctrY" for="ch" forName="accent_5" refType="h" fact="0.7368"/>
-                <dgm:constr type="ctrX" for="ch" forName="accent_5" refType="w"/>
-                <dgm:constr type="ctrXOff" for="ch" forName="accent_5" refType="h" fact="-0.1809"/>
-                <dgm:constr type="r" for="ch" forName="text_5" refType="ctrX" refFor="ch" refForName="accent_5"/>
-                <dgm:constr type="rOff" for="ch" forName="text_5" refType="ctrXOff" refFor="ch" refForName="accent_5"/>
-                <dgm:constr type="l" for="ch" forName="text_5"/>
-                <dgm:constr type="w" for="ch" forName="text_5" refType="h" refFor="ch" refForName="text_5" op="gte"/>
-                <dgm:constr type="h" for="ch" forName="text_5" refType="h" refFor="ch" refForName="accent_5" fact="0.8"/>
-                <dgm:constr type="ctrY" for="ch" forName="text_5" refType="ctrY" refFor="ch" refForName="accent_5"/>
-                <dgm:constr type="rMarg" for="ch" forName="text_5" refType="w" refFor="ch" refForName="accent_5" fact="1.8"/>
-                <dgm:constr type="h" for="ch" forName="accent_6" refType="h" fact="0.1316"/>
-                <dgm:constr type="w" for="ch" forName="accent_6" refType="h" refFor="ch" refForName="accent_6" op="equ"/>
-                <dgm:constr type="ctrY" for="ch" forName="accent_6" refType="h" fact="0.8947"/>
-                <dgm:constr type="ctrX" for="ch" forName="accent_6" refType="w"/>
-                <dgm:constr type="ctrXOff" for="ch" forName="accent_6" refType="h" fact="-0.0943"/>
-                <dgm:constr type="r" for="ch" forName="text_6" refType="ctrX" refFor="ch" refForName="accent_6"/>
-                <dgm:constr type="rOff" for="ch" forName="text_6" refType="ctrXOff" refFor="ch" refForName="accent_6"/>
-                <dgm:constr type="l" for="ch" forName="text_6"/>
-                <dgm:constr type="w" for="ch" forName="text_6" refType="h" refFor="ch" refForName="text_6" op="gte"/>
-                <dgm:constr type="h" for="ch" forName="text_6" refType="h" refFor="ch" refForName="accent_6" fact="0.8"/>
-                <dgm:constr type="ctrY" for="ch" forName="text_6" refType="ctrY" refFor="ch" refForName="accent_6"/>
-                <dgm:constr type="rMarg" for="ch" forName="text_6" refType="w" refFor="ch" refForName="accent_6" fact="1.8"/>
-                <dgm:constr type="primFontSz" for="ch" ptType="node" op="equ" val="65"/>
-              </dgm:constrLst>
-            </dgm:if>
-            <dgm:else name="Name20">
-              <dgm:constrLst>
-                <dgm:constr type="h" for="ch" forName="cycle" refType="h"/>
-                <dgm:constr type="w" for="ch" forName="cycle" refType="h" refFor="ch" refForName="cycle" fact="0.26"/>
-                <dgm:constr type="r" for="ch" forName="cycle" refType="w"/>
-                <dgm:constr type="ctrY" for="ch" forName="cycle" refType="h" fact="0.5"/>
-                <dgm:constr type="diam" for="ch" forName="cycle" refType="h" fact="1.344"/>
-                <dgm:constr type="h" for="ch" forName="accent_1" refType="h" fact="0.1136"/>
-                <dgm:constr type="w" for="ch" forName="accent_1" refType="h" refFor="ch" refForName="accent_1" op="equ"/>
-                <dgm:constr type="ctrY" for="ch" forName="accent_1" refType="h" fact="0.0909"/>
-                <dgm:constr type="ctrX" for="ch" forName="accent_1" refType="w"/>
-                <dgm:constr type="ctrXOff" for="ch" forName="accent_1" refType="h" fact="-0.0835"/>
-                <dgm:constr type="r" for="ch" forName="text_1" refType="ctrX" refFor="ch" refForName="accent_1"/>
-                <dgm:constr type="rOff" for="ch" forName="text_1" refType="ctrXOff" refFor="ch" refForName="accent_1"/>
-                <dgm:constr type="l" for="ch" forName="text_1"/>
-                <dgm:constr type="w" for="ch" forName="text_1" refType="h" refFor="ch" refForName="text_1" op="gte"/>
-                <dgm:constr type="h" for="ch" forName="text_1" refType="h" refFor="ch" refForName="accent_1" fact="0.8"/>
-                <dgm:constr type="ctrY" for="ch" forName="text_1" refType="ctrY" refFor="ch" refForName="accent_1"/>
-                <dgm:constr type="rMarg" for="ch" forName="text_1" refType="w" refFor="ch" refForName="accent_1" fact="1.8"/>
-                <dgm:constr type="h" for="ch" forName="accent_2" refType="h" fact="0.1136"/>
-                <dgm:constr type="w" for="ch" forName="accent_2" refType="h" refFor="ch" refForName="accent_2" op="equ"/>
-                <dgm:constr type="ctrY" for="ch" forName="accent_2" refType="h" fact="0.2273"/>
-                <dgm:constr type="ctrX" for="ch" forName="accent_2" refType="w"/>
-                <dgm:constr type="ctrXOff" for="ch" forName="accent_2" refType="h" fact="-0.1658"/>
-                <dgm:constr type="r" for="ch" forName="text_2" refType="ctrX" refFor="ch" refForName="accent_2"/>
-                <dgm:constr type="rOff" for="ch" forName="text_2" refType="ctrXOff" refFor="ch" refForName="accent_2"/>
-                <dgm:constr type="l" for="ch" forName="text_2"/>
-                <dgm:constr type="w" for="ch" forName="text_2" refType="h" refFor="ch" refForName="text_2" op="gte"/>
-                <dgm:constr type="h" for="ch" forName="text_2" refType="h" refFor="ch" refForName="accent_2" fact="0.8"/>
-                <dgm:constr type="ctrY" for="ch" forName="text_2" refType="ctrY" refFor="ch" refForName="accent_2"/>
-                <dgm:constr type="rMarg" for="ch" forName="text_2" refType="w" refFor="ch" refForName="accent_2" fact="1.8"/>
-                <dgm:constr type="h" for="ch" forName="accent_3" refType="h" fact="0.1136"/>
-                <dgm:constr type="w" for="ch" forName="accent_3" refType="h" refFor="ch" refForName="accent_3" op="equ"/>
-                <dgm:constr type="ctrY" for="ch" forName="accent_3" refType="h" fact="0.3636"/>
-                <dgm:constr type="ctrX" for="ch" forName="accent_3" refType="w"/>
-                <dgm:constr type="ctrXOff" for="ch" forName="accent_3" refType="h" fact="-0.2109"/>
-                <dgm:constr type="r" for="ch" forName="text_3" refType="ctrX" refFor="ch" refForName="accent_3"/>
-                <dgm:constr type="rOff" for="ch" forName="text_3" refType="ctrXOff" refFor="ch" refForName="accent_3"/>
-                <dgm:constr type="l" for="ch" forName="text_3"/>
-                <dgm:constr type="w" for="ch" forName="text_3" refType="h" refFor="ch" refForName="text_3" op="gte"/>
-                <dgm:constr type="h" for="ch" forName="text_3" refType="h" refFor="ch" refForName="accent_3" fact="0.8"/>
-                <dgm:constr type="ctrY" for="ch" forName="text_3" refType="ctrY" refFor="ch" refForName="accent_3"/>
-                <dgm:constr type="rMarg" for="ch" forName="text_3" refType="w" refFor="ch" refForName="accent_3" fact="1.8"/>
-                <dgm:constr type="h" for="ch" forName="accent_4" refType="h" fact="0.1136"/>
-                <dgm:constr type="w" for="ch" forName="accent_4" refType="h" refFor="ch" refForName="accent_4" op="equ"/>
-                <dgm:constr type="ctrY" for="ch" forName="accent_4" refType="h" fact="0.5"/>
-                <dgm:constr type="ctrX" for="ch" forName="accent_4" refType="w"/>
-                <dgm:constr type="ctrXOff" for="ch" forName="accent_4" refType="h" fact="-0.2253"/>
-                <dgm:constr type="r" for="ch" forName="text_4" refType="ctrX" refFor="ch" refForName="accent_4"/>
-                <dgm:constr type="rOff" for="ch" forName="text_4" refType="ctrXOff" refFor="ch" refForName="accent_4"/>
-                <dgm:constr type="l" for="ch" forName="text_4"/>
-                <dgm:constr type="w" for="ch" forName="text_4" refType="h" refFor="ch" refForName="text_4" op="gte"/>
-                <dgm:constr type="h" for="ch" forName="text_4" refType="h" refFor="ch" refForName="accent_4" fact="0.8"/>
-                <dgm:constr type="ctrY" for="ch" forName="text_4" refType="ctrY" refFor="ch" refForName="accent_4"/>
-                <dgm:constr type="rMarg" for="ch" forName="text_4" refType="w" refFor="ch" refForName="accent_4" fact="1.8"/>
-                <dgm:constr type="h" for="ch" forName="accent_5" refType="h" fact="0.1136"/>
-                <dgm:constr type="w" for="ch" forName="accent_5" refType="h" refFor="ch" refForName="accent_5" op="equ"/>
-                <dgm:constr type="ctrY" for="ch" forName="accent_5" refType="h" fact="0.6364"/>
-                <dgm:constr type="ctrX" for="ch" forName="accent_5" refType="w"/>
-                <dgm:constr type="ctrXOff" for="ch" forName="accent_5" refType="h" fact="-0.2109"/>
-                <dgm:constr type="r" for="ch" forName="text_5" refType="ctrX" refFor="ch" refForName="accent_5"/>
-                <dgm:constr type="rOff" for="ch" forName="text_5" refType="ctrXOff" refFor="ch" refForName="accent_5"/>
-                <dgm:constr type="l" for="ch" forName="text_5"/>
-                <dgm:constr type="w" for="ch" forName="text_5" refType="h" refFor="ch" refForName="text_5" op="gte"/>
-                <dgm:constr type="h" for="ch" forName="text_5" refType="h" refFor="ch" refForName="accent_5" fact="0.8"/>
-                <dgm:constr type="ctrY" for="ch" forName="text_5" refType="ctrY" refFor="ch" refForName="accent_5"/>
-                <dgm:constr type="rMarg" for="ch" forName="text_5" refType="w" refFor="ch" refForName="accent_5" fact="1.8"/>
-                <dgm:constr type="h" for="ch" forName="accent_6" refType="h" fact="0.1136"/>
-                <dgm:constr type="w" for="ch" forName="accent_6" refType="h" refFor="ch" refForName="accent_6" op="equ"/>
-                <dgm:constr type="ctrY" for="ch" forName="accent_6" refType="h" fact="0.7727"/>
-                <dgm:constr type="ctrX" for="ch" forName="accent_6" refType="w"/>
-                <dgm:constr type="ctrXOff" for="ch" forName="accent_6" refType="h" fact="-0.1658"/>
-                <dgm:constr type="r" for="ch" forName="text_6" refType="ctrX" refFor="ch" refForName="accent_6"/>
-                <dgm:constr type="rOff" for="ch" forName="text_6" refType="ctrXOff" refFor="ch" refForName="accent_6"/>
-                <dgm:constr type="l" for="ch" forName="text_6"/>
-                <dgm:constr type="w" for="ch" forName="text_6" refType="h" refFor="ch" refForName="text_6" op="gte"/>
-                <dgm:constr type="h" for="ch" forName="text_6" refType="h" refFor="ch" refForName="accent_6" fact="0.8"/>
-                <dgm:constr type="ctrY" for="ch" forName="text_6" refType="ctrY" refFor="ch" refForName="accent_6"/>
-                <dgm:constr type="rMarg" for="ch" forName="text_6" refType="w" refFor="ch" refForName="accent_6" fact="1.8"/>
-                <dgm:constr type="h" for="ch" forName="accent_7" refType="h" fact="0.1136"/>
-                <dgm:constr type="w" for="ch" forName="accent_7" refType="h" refFor="ch" refForName="accent_7" op="equ"/>
-                <dgm:constr type="ctrY" for="ch" forName="accent_7" refType="h" fact="0.9091"/>
-                <dgm:constr type="ctrX" for="ch" forName="accent_7" refType="w"/>
-                <dgm:constr type="ctrXOff" for="ch" forName="accent_7" refType="h" fact="-0.0835"/>
-                <dgm:constr type="r" for="ch" forName="text_7" refType="ctrX" refFor="ch" refForName="accent_7"/>
-                <dgm:constr type="rOff" for="ch" forName="text_7" refType="ctrXOff" refFor="ch" refForName="accent_7"/>
-                <dgm:constr type="l" for="ch" forName="text_7"/>
-                <dgm:constr type="w" for="ch" forName="text_7" refType="h" refFor="ch" refForName="text_7" op="gte"/>
-                <dgm:constr type="h" for="ch" forName="text_7" refType="h" refFor="ch" refForName="accent_7" fact="0.8"/>
-                <dgm:constr type="ctrY" for="ch" forName="text_7" refType="ctrY" refFor="ch" refForName="accent_7"/>
-                <dgm:constr type="rMarg" for="ch" forName="text_7" refType="w" refFor="ch" refForName="accent_7" fact="1.8"/>
-                <dgm:constr type="primFontSz" for="ch" ptType="node" op="equ" val="65"/>
-              </dgm:constrLst>
-            </dgm:else>
-          </dgm:choose>
-        </dgm:else>
-      </dgm:choose>
-      <dgm:layoutNode name="cycle">
-        <dgm:choose name="Name21">
-          <dgm:if name="Name22" func="var" arg="dir" op="equ" val="norm">
-            <dgm:alg type="cycle">
-              <dgm:param type="stAng" val="45"/>
-              <dgm:param type="spanAng" val="90"/>
-            </dgm:alg>
-          </dgm:if>
-          <dgm:else name="Name23">
-            <dgm:alg type="cycle">
-              <dgm:param type="stAng" val="225"/>
-              <dgm:param type="spanAng" val="90"/>
-            </dgm:alg>
-          </dgm:else>
-        </dgm:choose>
-        <dgm:shape xmlns:r="http://schemas.openxmlformats.org/officeDocument/2006/relationships" r:blip="">
-          <dgm:adjLst/>
-        </dgm:shape>
-        <dgm:presOf/>
-        <dgm:constrLst>
-          <dgm:constr type="w" for="ch" val="1"/>
-          <dgm:constr type="h" for="ch" val="1"/>
-          <dgm:constr type="diam" for="ch" forName="conn" refType="diam"/>
-        </dgm:constrLst>
-        <dgm:layoutNode name="srcNode">
-          <dgm:alg type="sp"/>
-          <dgm:shape xmlns:r="http://schemas.openxmlformats.org/officeDocument/2006/relationships" type="rect" r:blip="" hideGeom="1">
-            <dgm:adjLst/>
-          </dgm:shape>
-          <dgm:presOf/>
-        </dgm:layoutNode>
-        <dgm:layoutNode name="conn" styleLbl="parChTrans1D2">
-          <dgm:alg type="conn">
-            <dgm:param type="connRout" val="curve"/>
-            <dgm:param type="srcNode" val="srcNode"/>
-            <dgm:param type="dstNode" val="dstNode"/>
-            <dgm:param type="begPts" val="ctr"/>
-            <dgm:param type="endPts" val="ctr"/>
-            <dgm:param type="endSty" val="noArr"/>
-          </dgm:alg>
-          <dgm:shape xmlns:r="http://schemas.openxmlformats.org/officeDocument/2006/relationships" type="conn" r:blip="">
-            <dgm:adjLst/>
-          </dgm:shape>
-          <dgm:presOf axis="desOrSelf" ptType="sibTrans" hideLastTrans="0" st="0" cnt="1"/>
-          <dgm:constrLst>
-            <dgm:constr type="begPad"/>
-            <dgm:constr type="endPad"/>
-          </dgm:constrLst>
-        </dgm:layoutNode>
-        <dgm:layoutNode name="extraNode">
-          <dgm:alg type="sp"/>
-          <dgm:shape xmlns:r="http://schemas.openxmlformats.org/officeDocument/2006/relationships" type="rect" r:blip="" hideGeom="1">
-            <dgm:adjLst/>
-          </dgm:shape>
-          <dgm:presOf/>
-        </dgm:layoutNode>
-        <dgm:layoutNode name="dstNode">
-          <dgm:alg type="sp"/>
-          <dgm:shape xmlns:r="http://schemas.openxmlformats.org/officeDocument/2006/relationships" type="rect" r:blip="" hideGeom="1">
-            <dgm:adjLst/>
-          </dgm:shape>
-          <dgm:presOf/>
-        </dgm:layoutNode>
-      </dgm:layoutNode>
-      <dgm:forEach name="wrapper" axis="self" ptType="parTrans">
-        <dgm:forEach name="wrapper2" axis="self" ptType="sibTrans" st="2">
-          <dgm:forEach name="accentRepeat" axis="self">
-            <dgm:layoutNode name="accentRepeatNode" styleLbl="solidFgAcc1">
-              <dgm:alg type="sp"/>
-              <dgm:shape xmlns:r="http://schemas.openxmlformats.org/officeDocument/2006/relationships" type="ellipse" r:blip="">
-                <dgm:adjLst/>
-              </dgm:shape>
-              <dgm:presOf/>
-            </dgm:layoutNode>
-          </dgm:forEach>
-        </dgm:forEach>
-      </dgm:forEach>
-      <dgm:forEach name="Name24" axis="ch" ptType="node" cnt="1">
-        <dgm:layoutNode name="text_1" styleLbl="node1">
-          <dgm:varLst>
-            <dgm:bulletEnabled val="1"/>
-          </dgm:varLst>
-          <dgm:choose name="Name25">
-            <dgm:if name="Name26" func="var" arg="dir" op="equ" val="norm">
-              <dgm:alg type="tx">
-                <dgm:param type="parTxLTRAlign" val="l"/>
-                <dgm:param type="shpTxLTRAlignCh" val="l"/>
-                <dgm:param type="parTxRTLAlign" val="l"/>
-                <dgm:param type="shpTxRTLAlignCh" val="l"/>
-              </dgm:alg>
-            </dgm:if>
-            <dgm:else name="Name27">
-              <dgm:alg type="tx">
-                <dgm:param type="parTxLTRAlign" val="r"/>
-                <dgm:param type="shpTxLTRAlignCh" val="r"/>
-                <dgm:param type="parTxRTLAlign" val="r"/>
-                <dgm:param type="shpTxRTLAlignCh" val="r"/>
-              </dgm:alg>
-            </dgm:else>
-          </dgm:choose>
-          <dgm:shape xmlns:r="http://schemas.openxmlformats.org/officeDocument/2006/relationships" type="rect" r:blip="">
-            <dgm:adjLst/>
-          </dgm:shape>
-          <dgm:presOf axis="desOrSelf" ptType="node"/>
-          <dgm:constrLst>
-            <dgm:constr type="primFontSz" val="65"/>
-            <dgm:constr type="lMarg" refType="primFontSz" fact="0.2"/>
-            <dgm:constr type="rMarg" refType="primFontSz" fact="0.2"/>
-            <dgm:constr type="tMarg" refType="primFontSz" fact="0.2"/>
-            <dgm:constr type="bMarg" refType="primFontSz" fact="0.2"/>
-          </dgm:constrLst>
-          <dgm:ruleLst>
-            <dgm:rule type="primFontSz" val="5" fact="NaN" max="NaN"/>
-          </dgm:ruleLst>
-        </dgm:layoutNode>
-        <dgm:layoutNode name="accent_1">
-          <dgm:alg type="sp"/>
-          <dgm:shape xmlns:r="http://schemas.openxmlformats.org/officeDocument/2006/relationships" r:blip="">
-            <dgm:adjLst/>
-          </dgm:shape>
-          <dgm:presOf/>
-          <dgm:constrLst/>
-          <dgm:forEach name="Name28" ref="accentRepeat"/>
-        </dgm:layoutNode>
-      </dgm:forEach>
-      <dgm:forEach name="Name29" axis="ch" ptType="node" st="2" cnt="1">
-        <dgm:layoutNode name="text_2" styleLbl="node1">
-          <dgm:varLst>
-            <dgm:bulletEnabled val="1"/>
-          </dgm:varLst>
-          <dgm:choose name="Name30">
-            <dgm:if name="Name31" func="var" arg="dir" op="equ" val="norm">
-              <dgm:alg type="tx">
-                <dgm:param type="parTxLTRAlign" val="l"/>
-                <dgm:param type="shpTxLTRAlignCh" val="l"/>
-                <dgm:param type="parTxRTLAlign" val="l"/>
-                <dgm:param type="shpTxRTLAlignCh" val="l"/>
-              </dgm:alg>
-            </dgm:if>
-            <dgm:else name="Name32">
-              <dgm:alg type="tx">
-                <dgm:param type="parTxLTRAlign" val="r"/>
-                <dgm:param type="shpTxLTRAlignCh" val="r"/>
-                <dgm:param type="parTxRTLAlign" val="r"/>
-                <dgm:param type="shpTxRTLAlignCh" val="r"/>
-              </dgm:alg>
-            </dgm:else>
-          </dgm:choose>
-          <dgm:shape xmlns:r="http://schemas.openxmlformats.org/officeDocument/2006/relationships" type="rect" r:blip="">
-            <dgm:adjLst/>
-          </dgm:shape>
-          <dgm:presOf axis="desOrSelf" ptType="node"/>
-          <dgm:constrLst>
-            <dgm:constr type="primFontSz" val="65"/>
-            <dgm:constr type="lMarg" refType="primFontSz" fact="0.2"/>
-            <dgm:constr type="rMarg" refType="primFontSz" fact="0.2"/>
-            <dgm:constr type="tMarg" refType="primFontSz" fact="0.2"/>
-            <dgm:constr type="bMarg" refType="primFontSz" fact="0.2"/>
-          </dgm:constrLst>
-          <dgm:ruleLst>
-            <dgm:rule type="primFontSz" val="5" fact="NaN" max="NaN"/>
-          </dgm:ruleLst>
-        </dgm:layoutNode>
-        <dgm:layoutNode name="accent_2">
-          <dgm:alg type="sp"/>
-          <dgm:shape xmlns:r="http://schemas.openxmlformats.org/officeDocument/2006/relationships" r:blip="">
-            <dgm:adjLst/>
-          </dgm:shape>
-          <dgm:presOf/>
-          <dgm:constrLst/>
-          <dgm:forEach name="Name33" ref="accentRepeat"/>
-        </dgm:layoutNode>
-      </dgm:forEach>
-      <dgm:forEach name="Name34" axis="ch" ptType="node" st="3" cnt="1">
-        <dgm:layoutNode name="text_3" styleLbl="node1">
-          <dgm:varLst>
-            <dgm:bulletEnabled val="1"/>
-          </dgm:varLst>
-          <dgm:choose name="Name35">
-            <dgm:if name="Name36" func="var" arg="dir" op="equ" val="norm">
-              <dgm:alg type="tx">
-                <dgm:param type="parTxLTRAlign" val="l"/>
-                <dgm:param type="shpTxLTRAlignCh" val="l"/>
-                <dgm:param type="parTxRTLAlign" val="l"/>
-                <dgm:param type="shpTxRTLAlignCh" val="l"/>
-              </dgm:alg>
-            </dgm:if>
-            <dgm:else name="Name37">
-              <dgm:alg type="tx">
-                <dgm:param type="parTxLTRAlign" val="r"/>
-                <dgm:param type="shpTxLTRAlignCh" val="r"/>
-                <dgm:param type="parTxRTLAlign" val="r"/>
-                <dgm:param type="shpTxRTLAlignCh" val="r"/>
-              </dgm:alg>
-            </dgm:else>
-          </dgm:choose>
-          <dgm:shape xmlns:r="http://schemas.openxmlformats.org/officeDocument/2006/relationships" type="rect" r:blip="">
-            <dgm:adjLst/>
-          </dgm:shape>
-          <dgm:presOf axis="desOrSelf" ptType="node"/>
-          <dgm:constrLst>
-            <dgm:constr type="primFontSz" val="65"/>
-            <dgm:constr type="lMarg" refType="primFontSz" fact="0.2"/>
-            <dgm:constr type="rMarg" refType="primFontSz" fact="0.2"/>
-            <dgm:constr type="tMarg" refType="primFontSz" fact="0.2"/>
-            <dgm:constr type="bMarg" refType="primFontSz" fact="0.2"/>
-          </dgm:constrLst>
-          <dgm:ruleLst>
-            <dgm:rule type="primFontSz" val="5" fact="NaN" max="NaN"/>
-          </dgm:ruleLst>
-        </dgm:layoutNode>
-        <dgm:layoutNode name="accent_3">
-          <dgm:alg type="sp"/>
-          <dgm:shape xmlns:r="http://schemas.openxmlformats.org/officeDocument/2006/relationships" r:blip="">
-            <dgm:adjLst/>
-          </dgm:shape>
-          <dgm:presOf/>
-          <dgm:constrLst/>
-          <dgm:forEach name="Name38" ref="accentRepeat"/>
-        </dgm:layoutNode>
-      </dgm:forEach>
-      <dgm:forEach name="Name39" axis="ch" ptType="node" st="4" cnt="1">
-        <dgm:layoutNode name="text_4" styleLbl="node1">
-          <dgm:varLst>
-            <dgm:bulletEnabled val="1"/>
-          </dgm:varLst>
-          <dgm:choose name="Name40">
-            <dgm:if name="Name41" func="var" arg="dir" op="equ" val="norm">
-              <dgm:alg type="tx">
-                <dgm:param type="parTxLTRAlign" val="l"/>
-                <dgm:param type="shpTxLTRAlignCh" val="l"/>
-                <dgm:param type="parTxRTLAlign" val="l"/>
-                <dgm:param type="shpTxRTLAlignCh" val="l"/>
-              </dgm:alg>
-            </dgm:if>
-            <dgm:else name="Name42">
-              <dgm:alg type="tx">
-                <dgm:param type="parTxLTRAlign" val="r"/>
-                <dgm:param type="shpTxLTRAlignCh" val="r"/>
-                <dgm:param type="parTxRTLAlign" val="r"/>
-                <dgm:param type="shpTxRTLAlignCh" val="r"/>
-              </dgm:alg>
-            </dgm:else>
-          </dgm:choose>
-          <dgm:shape xmlns:r="http://schemas.openxmlformats.org/officeDocument/2006/relationships" type="rect" r:blip="">
-            <dgm:adjLst/>
-          </dgm:shape>
-          <dgm:presOf axis="desOrSelf" ptType="node"/>
-          <dgm:constrLst>
-            <dgm:constr type="primFontSz" val="65"/>
-            <dgm:constr type="lMarg" refType="primFontSz" fact="0.2"/>
-            <dgm:constr type="rMarg" refType="primFontSz" fact="0.2"/>
-            <dgm:constr type="tMarg" refType="primFontSz" fact="0.2"/>
-            <dgm:constr type="bMarg" refType="primFontSz" fact="0.2"/>
-          </dgm:constrLst>
-          <dgm:ruleLst>
-            <dgm:rule type="primFontSz" val="5" fact="NaN" max="NaN"/>
-          </dgm:ruleLst>
-        </dgm:layoutNode>
-        <dgm:layoutNode name="accent_4">
-          <dgm:alg type="sp"/>
-          <dgm:shape xmlns:r="http://schemas.openxmlformats.org/officeDocument/2006/relationships" r:blip="">
-            <dgm:adjLst/>
-          </dgm:shape>
-          <dgm:presOf/>
-          <dgm:constrLst/>
-          <dgm:forEach name="Name43" ref="accentRepeat"/>
-        </dgm:layoutNode>
-      </dgm:forEach>
-      <dgm:forEach name="Name44" axis="ch" ptType="node" st="5" cnt="1">
-        <dgm:layoutNode name="text_5" styleLbl="node1">
-          <dgm:varLst>
-            <dgm:bulletEnabled val="1"/>
-          </dgm:varLst>
-          <dgm:choose name="Name45">
-            <dgm:if name="Name46" func="var" arg="dir" op="equ" val="norm">
-              <dgm:alg type="tx">
-                <dgm:param type="parTxLTRAlign" val="l"/>
-                <dgm:param type="shpTxLTRAlignCh" val="l"/>
-                <dgm:param type="parTxRTLAlign" val="l"/>
-                <dgm:param type="shpTxRTLAlignCh" val="l"/>
-              </dgm:alg>
-            </dgm:if>
-            <dgm:else name="Name47">
-              <dgm:alg type="tx">
-                <dgm:param type="parTxLTRAlign" val="r"/>
-                <dgm:param type="shpTxLTRAlignCh" val="r"/>
-                <dgm:param type="parTxRTLAlign" val="r"/>
-                <dgm:param type="shpTxRTLAlignCh" val="r"/>
-              </dgm:alg>
-            </dgm:else>
-          </dgm:choose>
-          <dgm:shape xmlns:r="http://schemas.openxmlformats.org/officeDocument/2006/relationships" type="rect" r:blip="">
-            <dgm:adjLst/>
-          </dgm:shape>
-          <dgm:presOf axis="desOrSelf" ptType="node"/>
-          <dgm:constrLst>
-            <dgm:constr type="primFontSz" val="65"/>
-            <dgm:constr type="lMarg" refType="primFontSz" fact="0.2"/>
-            <dgm:constr type="rMarg" refType="primFontSz" fact="0.2"/>
-            <dgm:constr type="tMarg" refType="primFontSz" fact="0.2"/>
-            <dgm:constr type="bMarg" refType="primFontSz" fact="0.2"/>
-          </dgm:constrLst>
-          <dgm:ruleLst>
-            <dgm:rule type="primFontSz" val="5" fact="NaN" max="NaN"/>
-          </dgm:ruleLst>
-        </dgm:layoutNode>
-        <dgm:layoutNode name="accent_5">
-          <dgm:alg type="sp"/>
-          <dgm:shape xmlns:r="http://schemas.openxmlformats.org/officeDocument/2006/relationships" r:blip="">
-            <dgm:adjLst/>
-          </dgm:shape>
-          <dgm:presOf/>
-          <dgm:constrLst/>
-          <dgm:forEach name="Name48" ref="accentRepeat"/>
-        </dgm:layoutNode>
-      </dgm:forEach>
-      <dgm:forEach name="Name49" axis="ch" ptType="node" st="6" cnt="1">
-        <dgm:layoutNode name="text_6" styleLbl="node1">
-          <dgm:varLst>
-            <dgm:bulletEnabled val="1"/>
-          </dgm:varLst>
-          <dgm:choose name="Name50">
-            <dgm:if name="Name51" func="var" arg="dir" op="equ" val="norm">
-              <dgm:alg type="tx">
-                <dgm:param type="parTxLTRAlign" val="l"/>
-                <dgm:param type="shpTxLTRAlignCh" val="l"/>
-                <dgm:param type="parTxRTLAlign" val="l"/>
-                <dgm:param type="shpTxRTLAlignCh" val="l"/>
-              </dgm:alg>
-            </dgm:if>
-            <dgm:else name="Name52">
-              <dgm:alg type="tx">
-                <dgm:param type="parTxLTRAlign" val="r"/>
-                <dgm:param type="shpTxLTRAlignCh" val="r"/>
-                <dgm:param type="parTxRTLAlign" val="r"/>
-                <dgm:param type="shpTxRTLAlignCh" val="r"/>
-              </dgm:alg>
-            </dgm:else>
-          </dgm:choose>
-          <dgm:shape xmlns:r="http://schemas.openxmlformats.org/officeDocument/2006/relationships" type="rect" r:blip="">
-            <dgm:adjLst/>
-          </dgm:shape>
-          <dgm:presOf axis="desOrSelf" ptType="node"/>
-          <dgm:constrLst>
-            <dgm:constr type="primFontSz" val="65"/>
-            <dgm:constr type="lMarg" refType="primFontSz" fact="0.2"/>
-            <dgm:constr type="rMarg" refType="primFontSz" fact="0.2"/>
-            <dgm:constr type="tMarg" refType="primFontSz" fact="0.2"/>
-            <dgm:constr type="bMarg" refType="primFontSz" fact="0.2"/>
-          </dgm:constrLst>
-          <dgm:ruleLst>
-            <dgm:rule type="primFontSz" val="5" fact="NaN" max="NaN"/>
-          </dgm:ruleLst>
-        </dgm:layoutNode>
-        <dgm:layoutNode name="accent_6">
-          <dgm:alg type="sp"/>
-          <dgm:shape xmlns:r="http://schemas.openxmlformats.org/officeDocument/2006/relationships" r:blip="">
-            <dgm:adjLst/>
-          </dgm:shape>
-          <dgm:presOf/>
-          <dgm:constrLst/>
-          <dgm:forEach name="Name53" ref="accentRepeat"/>
-        </dgm:layoutNode>
-      </dgm:forEach>
-      <dgm:forEach name="Name54" axis="ch" ptType="node" st="7" cnt="1">
-        <dgm:layoutNode name="text_7" styleLbl="node1">
-          <dgm:varLst>
-            <dgm:bulletEnabled val="1"/>
-          </dgm:varLst>
-          <dgm:choose name="Name55">
-            <dgm:if name="Name56" func="var" arg="dir" op="equ" val="norm">
-              <dgm:alg type="tx">
-                <dgm:param type="parTxLTRAlign" val="l"/>
-                <dgm:param type="shpTxLTRAlignCh" val="l"/>
-                <dgm:param type="parTxRTLAlign" val="l"/>
-                <dgm:param type="shpTxRTLAlignCh" val="l"/>
-              </dgm:alg>
-            </dgm:if>
-            <dgm:else name="Name57">
-              <dgm:alg type="tx">
-                <dgm:param type="parTxLTRAlign" val="r"/>
-                <dgm:param type="shpTxLTRAlignCh" val="r"/>
-                <dgm:param type="parTxRTLAlign" val="r"/>
-                <dgm:param type="shpTxRTLAlignCh" val="r"/>
-              </dgm:alg>
-            </dgm:else>
-          </dgm:choose>
-          <dgm:shape xmlns:r="http://schemas.openxmlformats.org/officeDocument/2006/relationships" type="rect" r:blip="">
-            <dgm:adjLst/>
-          </dgm:shape>
-          <dgm:presOf axis="desOrSelf" ptType="node"/>
-          <dgm:constrLst>
-            <dgm:constr type="primFontSz" val="65"/>
-            <dgm:constr type="lMarg" refType="primFontSz" fact="0.2"/>
-            <dgm:constr type="rMarg" refType="primFontSz" fact="0.2"/>
-            <dgm:constr type="tMarg" refType="primFontSz" fact="0.2"/>
-            <dgm:constr type="bMarg" refType="primFontSz" fact="0.2"/>
-          </dgm:constrLst>
-          <dgm:ruleLst>
-            <dgm:rule type="primFontSz" val="5" fact="NaN" max="NaN"/>
-          </dgm:ruleLst>
-        </dgm:layoutNode>
-        <dgm:layoutNode name="accent_7">
-          <dgm:alg type="sp"/>
-          <dgm:shape xmlns:r="http://schemas.openxmlformats.org/officeDocument/2006/relationships" r:blip="">
-            <dgm:adjLst/>
-          </dgm:shape>
-          <dgm:presOf/>
-          <dgm:constrLst/>
-          <dgm:forEach name="Name58" ref="accentRepeat"/>
-        </dgm:layoutNode>
-      </dgm:forEach>
-    </dgm:layoutNode>
-  </dgm:layoutNode>
-</dgm:layoutDef>
-</file>
-
 <file path=ppt/diagrams/quickStyle1.xml><?xml version="1.0" encoding="utf-8"?>
 <dgm:styleDef xmlns:dgm="http://schemas.openxmlformats.org/drawingml/2006/diagram" xmlns:a="http://schemas.openxmlformats.org/drawingml/2006/main" uniqueId="urn:microsoft.com/office/officeart/2005/8/quickstyle/simple1">
   <dgm:title val=""/>
@@ -15523,1040 +15472,6 @@
 </file>
 
 <file path=ppt/diagrams/quickStyle4.xml><?xml version="1.0" encoding="utf-8"?>
-<dgm:styleDef xmlns:dgm="http://schemas.openxmlformats.org/drawingml/2006/diagram" xmlns:a="http://schemas.openxmlformats.org/drawingml/2006/main" uniqueId="urn:microsoft.com/office/officeart/2005/8/quickstyle/simple1">
-  <dgm:title val=""/>
-  <dgm:desc val=""/>
-  <dgm:catLst>
-    <dgm:cat type="simple" pri="10100"/>
-  </dgm:catLst>
-  <dgm:scene3d>
-    <a:camera prst="orthographicFront"/>
-    <a:lightRig rig="threePt" dir="t"/>
-  </dgm:scene3d>
-  <dgm:styleLbl name="node0">
-    <dgm:scene3d>
-      <a:camera prst="orthographicFront"/>
-      <a:lightRig rig="threePt" dir="t"/>
-    </dgm:scene3d>
-    <dgm:sp3d/>
-    <dgm:txPr/>
-    <dgm:style>
-      <a:lnRef idx="2">
-        <a:scrgbClr r="0" g="0" b="0"/>
-      </a:lnRef>
-      <a:fillRef idx="1">
-        <a:scrgbClr r="0" g="0" b="0"/>
-      </a:fillRef>
-      <a:effectRef idx="0">
-        <a:scrgbClr r="0" g="0" b="0"/>
-      </a:effectRef>
-      <a:fontRef idx="minor">
-        <a:schemeClr val="lt1"/>
-      </a:fontRef>
-    </dgm:style>
-  </dgm:styleLbl>
-  <dgm:styleLbl name="lnNode1">
-    <dgm:scene3d>
-      <a:camera prst="orthographicFront"/>
-      <a:lightRig rig="threePt" dir="t"/>
-    </dgm:scene3d>
-    <dgm:sp3d/>
-    <dgm:txPr/>
-    <dgm:style>
-      <a:lnRef idx="2">
-        <a:scrgbClr r="0" g="0" b="0"/>
-      </a:lnRef>
-      <a:fillRef idx="1">
-        <a:scrgbClr r="0" g="0" b="0"/>
-      </a:fillRef>
-      <a:effectRef idx="0">
-        <a:scrgbClr r="0" g="0" b="0"/>
-      </a:effectRef>
-      <a:fontRef idx="minor">
-        <a:schemeClr val="lt1"/>
-      </a:fontRef>
-    </dgm:style>
-  </dgm:styleLbl>
-  <dgm:styleLbl name="vennNode1">
-    <dgm:scene3d>
-      <a:camera prst="orthographicFront"/>
-      <a:lightRig rig="threePt" dir="t"/>
-    </dgm:scene3d>
-    <dgm:sp3d/>
-    <dgm:txPr/>
-    <dgm:style>
-      <a:lnRef idx="2">
-        <a:scrgbClr r="0" g="0" b="0"/>
-      </a:lnRef>
-      <a:fillRef idx="1">
-        <a:scrgbClr r="0" g="0" b="0"/>
-      </a:fillRef>
-      <a:effectRef idx="0">
-        <a:scrgbClr r="0" g="0" b="0"/>
-      </a:effectRef>
-      <a:fontRef idx="minor">
-        <a:schemeClr val="tx1"/>
-      </a:fontRef>
-    </dgm:style>
-  </dgm:styleLbl>
-  <dgm:styleLbl name="alignNode1">
-    <dgm:scene3d>
-      <a:camera prst="orthographicFront"/>
-      <a:lightRig rig="threePt" dir="t"/>
-    </dgm:scene3d>
-    <dgm:sp3d/>
-    <dgm:txPr/>
-    <dgm:style>
-      <a:lnRef idx="2">
-        <a:scrgbClr r="0" g="0" b="0"/>
-      </a:lnRef>
-      <a:fillRef idx="1">
-        <a:scrgbClr r="0" g="0" b="0"/>
-      </a:fillRef>
-      <a:effectRef idx="0">
-        <a:scrgbClr r="0" g="0" b="0"/>
-      </a:effectRef>
-      <a:fontRef idx="minor">
-        <a:schemeClr val="lt1"/>
-      </a:fontRef>
-    </dgm:style>
-  </dgm:styleLbl>
-  <dgm:styleLbl name="node1">
-    <dgm:scene3d>
-      <a:camera prst="orthographicFront"/>
-      <a:lightRig rig="threePt" dir="t"/>
-    </dgm:scene3d>
-    <dgm:sp3d/>
-    <dgm:txPr/>
-    <dgm:style>
-      <a:lnRef idx="2">
-        <a:scrgbClr r="0" g="0" b="0"/>
-      </a:lnRef>
-      <a:fillRef idx="1">
-        <a:scrgbClr r="0" g="0" b="0"/>
-      </a:fillRef>
-      <a:effectRef idx="0">
-        <a:scrgbClr r="0" g="0" b="0"/>
-      </a:effectRef>
-      <a:fontRef idx="minor">
-        <a:schemeClr val="lt1"/>
-      </a:fontRef>
-    </dgm:style>
-  </dgm:styleLbl>
-  <dgm:styleLbl name="node2">
-    <dgm:scene3d>
-      <a:camera prst="orthographicFront"/>
-      <a:lightRig rig="threePt" dir="t"/>
-    </dgm:scene3d>
-    <dgm:sp3d/>
-    <dgm:txPr/>
-    <dgm:style>
-      <a:lnRef idx="2">
-        <a:scrgbClr r="0" g="0" b="0"/>
-      </a:lnRef>
-      <a:fillRef idx="1">
-        <a:scrgbClr r="0" g="0" b="0"/>
-      </a:fillRef>
-      <a:effectRef idx="0">
-        <a:scrgbClr r="0" g="0" b="0"/>
-      </a:effectRef>
-      <a:fontRef idx="minor">
-        <a:schemeClr val="lt1"/>
-      </a:fontRef>
-    </dgm:style>
-  </dgm:styleLbl>
-  <dgm:styleLbl name="node3">
-    <dgm:scene3d>
-      <a:camera prst="orthographicFront"/>
-      <a:lightRig rig="threePt" dir="t"/>
-    </dgm:scene3d>
-    <dgm:sp3d/>
-    <dgm:txPr/>
-    <dgm:style>
-      <a:lnRef idx="2">
-        <a:scrgbClr r="0" g="0" b="0"/>
-      </a:lnRef>
-      <a:fillRef idx="1">
-        <a:scrgbClr r="0" g="0" b="0"/>
-      </a:fillRef>
-      <a:effectRef idx="0">
-        <a:scrgbClr r="0" g="0" b="0"/>
-      </a:effectRef>
-      <a:fontRef idx="minor">
-        <a:schemeClr val="lt1"/>
-      </a:fontRef>
-    </dgm:style>
-  </dgm:styleLbl>
-  <dgm:styleLbl name="node4">
-    <dgm:scene3d>
-      <a:camera prst="orthographicFront"/>
-      <a:lightRig rig="threePt" dir="t"/>
-    </dgm:scene3d>
-    <dgm:sp3d/>
-    <dgm:txPr/>
-    <dgm:style>
-      <a:lnRef idx="2">
-        <a:scrgbClr r="0" g="0" b="0"/>
-      </a:lnRef>
-      <a:fillRef idx="1">
-        <a:scrgbClr r="0" g="0" b="0"/>
-      </a:fillRef>
-      <a:effectRef idx="0">
-        <a:scrgbClr r="0" g="0" b="0"/>
-      </a:effectRef>
-      <a:fontRef idx="minor">
-        <a:schemeClr val="lt1"/>
-      </a:fontRef>
-    </dgm:style>
-  </dgm:styleLbl>
-  <dgm:styleLbl name="fgImgPlace1">
-    <dgm:scene3d>
-      <a:camera prst="orthographicFront"/>
-      <a:lightRig rig="threePt" dir="t"/>
-    </dgm:scene3d>
-    <dgm:sp3d/>
-    <dgm:txPr/>
-    <dgm:style>
-      <a:lnRef idx="2">
-        <a:scrgbClr r="0" g="0" b="0"/>
-      </a:lnRef>
-      <a:fillRef idx="1">
-        <a:scrgbClr r="0" g="0" b="0"/>
-      </a:fillRef>
-      <a:effectRef idx="0">
-        <a:scrgbClr r="0" g="0" b="0"/>
-      </a:effectRef>
-      <a:fontRef idx="minor"/>
-    </dgm:style>
-  </dgm:styleLbl>
-  <dgm:styleLbl name="alignImgPlace1">
-    <dgm:scene3d>
-      <a:camera prst="orthographicFront"/>
-      <a:lightRig rig="threePt" dir="t"/>
-    </dgm:scene3d>
-    <dgm:sp3d/>
-    <dgm:txPr/>
-    <dgm:style>
-      <a:lnRef idx="2">
-        <a:scrgbClr r="0" g="0" b="0"/>
-      </a:lnRef>
-      <a:fillRef idx="1">
-        <a:scrgbClr r="0" g="0" b="0"/>
-      </a:fillRef>
-      <a:effectRef idx="0">
-        <a:scrgbClr r="0" g="0" b="0"/>
-      </a:effectRef>
-      <a:fontRef idx="minor"/>
-    </dgm:style>
-  </dgm:styleLbl>
-  <dgm:styleLbl name="bgImgPlace1">
-    <dgm:scene3d>
-      <a:camera prst="orthographicFront"/>
-      <a:lightRig rig="threePt" dir="t"/>
-    </dgm:scene3d>
-    <dgm:sp3d/>
-    <dgm:txPr/>
-    <dgm:style>
-      <a:lnRef idx="2">
-        <a:scrgbClr r="0" g="0" b="0"/>
-      </a:lnRef>
-      <a:fillRef idx="1">
-        <a:scrgbClr r="0" g="0" b="0"/>
-      </a:fillRef>
-      <a:effectRef idx="0">
-        <a:scrgbClr r="0" g="0" b="0"/>
-      </a:effectRef>
-      <a:fontRef idx="minor"/>
-    </dgm:style>
-  </dgm:styleLbl>
-  <dgm:styleLbl name="sibTrans2D1">
-    <dgm:scene3d>
-      <a:camera prst="orthographicFront"/>
-      <a:lightRig rig="threePt" dir="t"/>
-    </dgm:scene3d>
-    <dgm:sp3d/>
-    <dgm:txPr/>
-    <dgm:style>
-      <a:lnRef idx="0">
-        <a:scrgbClr r="0" g="0" b="0"/>
-      </a:lnRef>
-      <a:fillRef idx="1">
-        <a:scrgbClr r="0" g="0" b="0"/>
-      </a:fillRef>
-      <a:effectRef idx="0">
-        <a:scrgbClr r="0" g="0" b="0"/>
-      </a:effectRef>
-      <a:fontRef idx="minor">
-        <a:schemeClr val="lt1"/>
-      </a:fontRef>
-    </dgm:style>
-  </dgm:styleLbl>
-  <dgm:styleLbl name="fgSibTrans2D1">
-    <dgm:scene3d>
-      <a:camera prst="orthographicFront"/>
-      <a:lightRig rig="threePt" dir="t"/>
-    </dgm:scene3d>
-    <dgm:sp3d/>
-    <dgm:txPr/>
-    <dgm:style>
-      <a:lnRef idx="0">
-        <a:scrgbClr r="0" g="0" b="0"/>
-      </a:lnRef>
-      <a:fillRef idx="1">
-        <a:scrgbClr r="0" g="0" b="0"/>
-      </a:fillRef>
-      <a:effectRef idx="0">
-        <a:scrgbClr r="0" g="0" b="0"/>
-      </a:effectRef>
-      <a:fontRef idx="minor">
-        <a:schemeClr val="lt1"/>
-      </a:fontRef>
-    </dgm:style>
-  </dgm:styleLbl>
-  <dgm:styleLbl name="bgSibTrans2D1">
-    <dgm:scene3d>
-      <a:camera prst="orthographicFront"/>
-      <a:lightRig rig="threePt" dir="t"/>
-    </dgm:scene3d>
-    <dgm:sp3d/>
-    <dgm:txPr/>
-    <dgm:style>
-      <a:lnRef idx="0">
-        <a:scrgbClr r="0" g="0" b="0"/>
-      </a:lnRef>
-      <a:fillRef idx="1">
-        <a:scrgbClr r="0" g="0" b="0"/>
-      </a:fillRef>
-      <a:effectRef idx="0">
-        <a:scrgbClr r="0" g="0" b="0"/>
-      </a:effectRef>
-      <a:fontRef idx="minor">
-        <a:schemeClr val="lt1"/>
-      </a:fontRef>
-    </dgm:style>
-  </dgm:styleLbl>
-  <dgm:styleLbl name="sibTrans1D1">
-    <dgm:scene3d>
-      <a:camera prst="orthographicFront"/>
-      <a:lightRig rig="threePt" dir="t"/>
-    </dgm:scene3d>
-    <dgm:sp3d/>
-    <dgm:txPr/>
-    <dgm:style>
-      <a:lnRef idx="1">
-        <a:scrgbClr r="0" g="0" b="0"/>
-      </a:lnRef>
-      <a:fillRef idx="0">
-        <a:scrgbClr r="0" g="0" b="0"/>
-      </a:fillRef>
-      <a:effectRef idx="0">
-        <a:scrgbClr r="0" g="0" b="0"/>
-      </a:effectRef>
-      <a:fontRef idx="minor"/>
-    </dgm:style>
-  </dgm:styleLbl>
-  <dgm:styleLbl name="callout">
-    <dgm:scene3d>
-      <a:camera prst="orthographicFront"/>
-      <a:lightRig rig="threePt" dir="t"/>
-    </dgm:scene3d>
-    <dgm:sp3d/>
-    <dgm:txPr/>
-    <dgm:style>
-      <a:lnRef idx="2">
-        <a:scrgbClr r="0" g="0" b="0"/>
-      </a:lnRef>
-      <a:fillRef idx="1">
-        <a:scrgbClr r="0" g="0" b="0"/>
-      </a:fillRef>
-      <a:effectRef idx="0">
-        <a:scrgbClr r="0" g="0" b="0"/>
-      </a:effectRef>
-      <a:fontRef idx="minor"/>
-    </dgm:style>
-  </dgm:styleLbl>
-  <dgm:styleLbl name="asst0">
-    <dgm:scene3d>
-      <a:camera prst="orthographicFront"/>
-      <a:lightRig rig="threePt" dir="t"/>
-    </dgm:scene3d>
-    <dgm:sp3d/>
-    <dgm:txPr/>
-    <dgm:style>
-      <a:lnRef idx="2">
-        <a:scrgbClr r="0" g="0" b="0"/>
-      </a:lnRef>
-      <a:fillRef idx="1">
-        <a:scrgbClr r="0" g="0" b="0"/>
-      </a:fillRef>
-      <a:effectRef idx="0">
-        <a:scrgbClr r="0" g="0" b="0"/>
-      </a:effectRef>
-      <a:fontRef idx="minor">
-        <a:schemeClr val="lt1"/>
-      </a:fontRef>
-    </dgm:style>
-  </dgm:styleLbl>
-  <dgm:styleLbl name="asst1">
-    <dgm:scene3d>
-      <a:camera prst="orthographicFront"/>
-      <a:lightRig rig="threePt" dir="t"/>
-    </dgm:scene3d>
-    <dgm:sp3d/>
-    <dgm:txPr/>
-    <dgm:style>
-      <a:lnRef idx="2">
-        <a:scrgbClr r="0" g="0" b="0"/>
-      </a:lnRef>
-      <a:fillRef idx="1">
-        <a:scrgbClr r="0" g="0" b="0"/>
-      </a:fillRef>
-      <a:effectRef idx="0">
-        <a:scrgbClr r="0" g="0" b="0"/>
-      </a:effectRef>
-      <a:fontRef idx="minor">
-        <a:schemeClr val="lt1"/>
-      </a:fontRef>
-    </dgm:style>
-  </dgm:styleLbl>
-  <dgm:styleLbl name="asst2">
-    <dgm:scene3d>
-      <a:camera prst="orthographicFront"/>
-      <a:lightRig rig="threePt" dir="t"/>
-    </dgm:scene3d>
-    <dgm:sp3d/>
-    <dgm:txPr/>
-    <dgm:style>
-      <a:lnRef idx="2">
-        <a:scrgbClr r="0" g="0" b="0"/>
-      </a:lnRef>
-      <a:fillRef idx="1">
-        <a:scrgbClr r="0" g="0" b="0"/>
-      </a:fillRef>
-      <a:effectRef idx="0">
-        <a:scrgbClr r="0" g="0" b="0"/>
-      </a:effectRef>
-      <a:fontRef idx="minor">
-        <a:schemeClr val="lt1"/>
-      </a:fontRef>
-    </dgm:style>
-  </dgm:styleLbl>
-  <dgm:styleLbl name="asst3">
-    <dgm:scene3d>
-      <a:camera prst="orthographicFront"/>
-      <a:lightRig rig="threePt" dir="t"/>
-    </dgm:scene3d>
-    <dgm:sp3d/>
-    <dgm:txPr/>
-    <dgm:style>
-      <a:lnRef idx="2">
-        <a:scrgbClr r="0" g="0" b="0"/>
-      </a:lnRef>
-      <a:fillRef idx="1">
-        <a:scrgbClr r="0" g="0" b="0"/>
-      </a:fillRef>
-      <a:effectRef idx="0">
-        <a:scrgbClr r="0" g="0" b="0"/>
-      </a:effectRef>
-      <a:fontRef idx="minor">
-        <a:schemeClr val="lt1"/>
-      </a:fontRef>
-    </dgm:style>
-  </dgm:styleLbl>
-  <dgm:styleLbl name="asst4">
-    <dgm:scene3d>
-      <a:camera prst="orthographicFront"/>
-      <a:lightRig rig="threePt" dir="t"/>
-    </dgm:scene3d>
-    <dgm:sp3d/>
-    <dgm:txPr/>
-    <dgm:style>
-      <a:lnRef idx="2">
-        <a:scrgbClr r="0" g="0" b="0"/>
-      </a:lnRef>
-      <a:fillRef idx="1">
-        <a:scrgbClr r="0" g="0" b="0"/>
-      </a:fillRef>
-      <a:effectRef idx="0">
-        <a:scrgbClr r="0" g="0" b="0"/>
-      </a:effectRef>
-      <a:fontRef idx="minor">
-        <a:schemeClr val="lt1"/>
-      </a:fontRef>
-    </dgm:style>
-  </dgm:styleLbl>
-  <dgm:styleLbl name="parChTrans2D1">
-    <dgm:scene3d>
-      <a:camera prst="orthographicFront"/>
-      <a:lightRig rig="threePt" dir="t"/>
-    </dgm:scene3d>
-    <dgm:sp3d/>
-    <dgm:txPr/>
-    <dgm:style>
-      <a:lnRef idx="2">
-        <a:scrgbClr r="0" g="0" b="0"/>
-      </a:lnRef>
-      <a:fillRef idx="1">
-        <a:scrgbClr r="0" g="0" b="0"/>
-      </a:fillRef>
-      <a:effectRef idx="0">
-        <a:scrgbClr r="0" g="0" b="0"/>
-      </a:effectRef>
-      <a:fontRef idx="minor">
-        <a:schemeClr val="lt1"/>
-      </a:fontRef>
-    </dgm:style>
-  </dgm:styleLbl>
-  <dgm:styleLbl name="parChTrans2D2">
-    <dgm:scene3d>
-      <a:camera prst="orthographicFront"/>
-      <a:lightRig rig="threePt" dir="t"/>
-    </dgm:scene3d>
-    <dgm:sp3d/>
-    <dgm:txPr/>
-    <dgm:style>
-      <a:lnRef idx="2">
-        <a:scrgbClr r="0" g="0" b="0"/>
-      </a:lnRef>
-      <a:fillRef idx="1">
-        <a:scrgbClr r="0" g="0" b="0"/>
-      </a:fillRef>
-      <a:effectRef idx="0">
-        <a:scrgbClr r="0" g="0" b="0"/>
-      </a:effectRef>
-      <a:fontRef idx="minor">
-        <a:schemeClr val="lt1"/>
-      </a:fontRef>
-    </dgm:style>
-  </dgm:styleLbl>
-  <dgm:styleLbl name="parChTrans2D3">
-    <dgm:scene3d>
-      <a:camera prst="orthographicFront"/>
-      <a:lightRig rig="threePt" dir="t"/>
-    </dgm:scene3d>
-    <dgm:sp3d/>
-    <dgm:txPr/>
-    <dgm:style>
-      <a:lnRef idx="2">
-        <a:scrgbClr r="0" g="0" b="0"/>
-      </a:lnRef>
-      <a:fillRef idx="1">
-        <a:scrgbClr r="0" g="0" b="0"/>
-      </a:fillRef>
-      <a:effectRef idx="0">
-        <a:scrgbClr r="0" g="0" b="0"/>
-      </a:effectRef>
-      <a:fontRef idx="minor">
-        <a:schemeClr val="lt1"/>
-      </a:fontRef>
-    </dgm:style>
-  </dgm:styleLbl>
-  <dgm:styleLbl name="parChTrans2D4">
-    <dgm:scene3d>
-      <a:camera prst="orthographicFront"/>
-      <a:lightRig rig="threePt" dir="t"/>
-    </dgm:scene3d>
-    <dgm:sp3d/>
-    <dgm:txPr/>
-    <dgm:style>
-      <a:lnRef idx="2">
-        <a:scrgbClr r="0" g="0" b="0"/>
-      </a:lnRef>
-      <a:fillRef idx="1">
-        <a:scrgbClr r="0" g="0" b="0"/>
-      </a:fillRef>
-      <a:effectRef idx="0">
-        <a:scrgbClr r="0" g="0" b="0"/>
-      </a:effectRef>
-      <a:fontRef idx="minor">
-        <a:schemeClr val="lt1"/>
-      </a:fontRef>
-    </dgm:style>
-  </dgm:styleLbl>
-  <dgm:styleLbl name="parChTrans1D1">
-    <dgm:scene3d>
-      <a:camera prst="orthographicFront"/>
-      <a:lightRig rig="threePt" dir="t"/>
-    </dgm:scene3d>
-    <dgm:sp3d/>
-    <dgm:txPr/>
-    <dgm:style>
-      <a:lnRef idx="2">
-        <a:scrgbClr r="0" g="0" b="0"/>
-      </a:lnRef>
-      <a:fillRef idx="0">
-        <a:scrgbClr r="0" g="0" b="0"/>
-      </a:fillRef>
-      <a:effectRef idx="0">
-        <a:scrgbClr r="0" g="0" b="0"/>
-      </a:effectRef>
-      <a:fontRef idx="minor"/>
-    </dgm:style>
-  </dgm:styleLbl>
-  <dgm:styleLbl name="parChTrans1D2">
-    <dgm:scene3d>
-      <a:camera prst="orthographicFront"/>
-      <a:lightRig rig="threePt" dir="t"/>
-    </dgm:scene3d>
-    <dgm:sp3d/>
-    <dgm:txPr/>
-    <dgm:style>
-      <a:lnRef idx="2">
-        <a:scrgbClr r="0" g="0" b="0"/>
-      </a:lnRef>
-      <a:fillRef idx="0">
-        <a:scrgbClr r="0" g="0" b="0"/>
-      </a:fillRef>
-      <a:effectRef idx="0">
-        <a:scrgbClr r="0" g="0" b="0"/>
-      </a:effectRef>
-      <a:fontRef idx="minor"/>
-    </dgm:style>
-  </dgm:styleLbl>
-  <dgm:styleLbl name="parChTrans1D3">
-    <dgm:scene3d>
-      <a:camera prst="orthographicFront"/>
-      <a:lightRig rig="threePt" dir="t"/>
-    </dgm:scene3d>
-    <dgm:sp3d/>
-    <dgm:txPr/>
-    <dgm:style>
-      <a:lnRef idx="2">
-        <a:scrgbClr r="0" g="0" b="0"/>
-      </a:lnRef>
-      <a:fillRef idx="0">
-        <a:scrgbClr r="0" g="0" b="0"/>
-      </a:fillRef>
-      <a:effectRef idx="0">
-        <a:scrgbClr r="0" g="0" b="0"/>
-      </a:effectRef>
-      <a:fontRef idx="minor"/>
-    </dgm:style>
-  </dgm:styleLbl>
-  <dgm:styleLbl name="parChTrans1D4">
-    <dgm:scene3d>
-      <a:camera prst="orthographicFront"/>
-      <a:lightRig rig="threePt" dir="t"/>
-    </dgm:scene3d>
-    <dgm:sp3d/>
-    <dgm:txPr/>
-    <dgm:style>
-      <a:lnRef idx="2">
-        <a:scrgbClr r="0" g="0" b="0"/>
-      </a:lnRef>
-      <a:fillRef idx="0">
-        <a:scrgbClr r="0" g="0" b="0"/>
-      </a:fillRef>
-      <a:effectRef idx="0">
-        <a:scrgbClr r="0" g="0" b="0"/>
-      </a:effectRef>
-      <a:fontRef idx="minor"/>
-    </dgm:style>
-  </dgm:styleLbl>
-  <dgm:styleLbl name="fgAcc1">
-    <dgm:scene3d>
-      <a:camera prst="orthographicFront"/>
-      <a:lightRig rig="threePt" dir="t"/>
-    </dgm:scene3d>
-    <dgm:sp3d/>
-    <dgm:txPr/>
-    <dgm:style>
-      <a:lnRef idx="2">
-        <a:scrgbClr r="0" g="0" b="0"/>
-      </a:lnRef>
-      <a:fillRef idx="1">
-        <a:scrgbClr r="0" g="0" b="0"/>
-      </a:fillRef>
-      <a:effectRef idx="0">
-        <a:scrgbClr r="0" g="0" b="0"/>
-      </a:effectRef>
-      <a:fontRef idx="minor"/>
-    </dgm:style>
-  </dgm:styleLbl>
-  <dgm:styleLbl name="conFgAcc1">
-    <dgm:scene3d>
-      <a:camera prst="orthographicFront"/>
-      <a:lightRig rig="threePt" dir="t"/>
-    </dgm:scene3d>
-    <dgm:sp3d/>
-    <dgm:txPr/>
-    <dgm:style>
-      <a:lnRef idx="2">
-        <a:scrgbClr r="0" g="0" b="0"/>
-      </a:lnRef>
-      <a:fillRef idx="1">
-        <a:scrgbClr r="0" g="0" b="0"/>
-      </a:fillRef>
-      <a:effectRef idx="0">
-        <a:scrgbClr r="0" g="0" b="0"/>
-      </a:effectRef>
-      <a:fontRef idx="minor"/>
-    </dgm:style>
-  </dgm:styleLbl>
-  <dgm:styleLbl name="alignAcc1">
-    <dgm:scene3d>
-      <a:camera prst="orthographicFront"/>
-      <a:lightRig rig="threePt" dir="t"/>
-    </dgm:scene3d>
-    <dgm:sp3d/>
-    <dgm:txPr/>
-    <dgm:style>
-      <a:lnRef idx="2">
-        <a:scrgbClr r="0" g="0" b="0"/>
-      </a:lnRef>
-      <a:fillRef idx="1">
-        <a:scrgbClr r="0" g="0" b="0"/>
-      </a:fillRef>
-      <a:effectRef idx="0">
-        <a:scrgbClr r="0" g="0" b="0"/>
-      </a:effectRef>
-      <a:fontRef idx="minor"/>
-    </dgm:style>
-  </dgm:styleLbl>
-  <dgm:styleLbl name="trAlignAcc1">
-    <dgm:scene3d>
-      <a:camera prst="orthographicFront"/>
-      <a:lightRig rig="threePt" dir="t"/>
-    </dgm:scene3d>
-    <dgm:sp3d/>
-    <dgm:txPr/>
-    <dgm:style>
-      <a:lnRef idx="1">
-        <a:scrgbClr r="0" g="0" b="0"/>
-      </a:lnRef>
-      <a:fillRef idx="1">
-        <a:scrgbClr r="0" g="0" b="0"/>
-      </a:fillRef>
-      <a:effectRef idx="0">
-        <a:scrgbClr r="0" g="0" b="0"/>
-      </a:effectRef>
-      <a:fontRef idx="minor"/>
-    </dgm:style>
-  </dgm:styleLbl>
-  <dgm:styleLbl name="bgAcc1">
-    <dgm:scene3d>
-      <a:camera prst="orthographicFront"/>
-      <a:lightRig rig="threePt" dir="t"/>
-    </dgm:scene3d>
-    <dgm:sp3d/>
-    <dgm:txPr/>
-    <dgm:style>
-      <a:lnRef idx="2">
-        <a:scrgbClr r="0" g="0" b="0"/>
-      </a:lnRef>
-      <a:fillRef idx="1">
-        <a:scrgbClr r="0" g="0" b="0"/>
-      </a:fillRef>
-      <a:effectRef idx="0">
-        <a:scrgbClr r="0" g="0" b="0"/>
-      </a:effectRef>
-      <a:fontRef idx="minor"/>
-    </dgm:style>
-  </dgm:styleLbl>
-  <dgm:styleLbl name="solidFgAcc1">
-    <dgm:scene3d>
-      <a:camera prst="orthographicFront"/>
-      <a:lightRig rig="threePt" dir="t"/>
-    </dgm:scene3d>
-    <dgm:sp3d/>
-    <dgm:txPr/>
-    <dgm:style>
-      <a:lnRef idx="2">
-        <a:scrgbClr r="0" g="0" b="0"/>
-      </a:lnRef>
-      <a:fillRef idx="1">
-        <a:scrgbClr r="0" g="0" b="0"/>
-      </a:fillRef>
-      <a:effectRef idx="0">
-        <a:scrgbClr r="0" g="0" b="0"/>
-      </a:effectRef>
-      <a:fontRef idx="minor"/>
-    </dgm:style>
-  </dgm:styleLbl>
-  <dgm:styleLbl name="solidAlignAcc1">
-    <dgm:scene3d>
-      <a:camera prst="orthographicFront"/>
-      <a:lightRig rig="threePt" dir="t"/>
-    </dgm:scene3d>
-    <dgm:sp3d/>
-    <dgm:txPr/>
-    <dgm:style>
-      <a:lnRef idx="2">
-        <a:scrgbClr r="0" g="0" b="0"/>
-      </a:lnRef>
-      <a:fillRef idx="1">
-        <a:scrgbClr r="0" g="0" b="0"/>
-      </a:fillRef>
-      <a:effectRef idx="0">
-        <a:scrgbClr r="0" g="0" b="0"/>
-      </a:effectRef>
-      <a:fontRef idx="minor"/>
-    </dgm:style>
-  </dgm:styleLbl>
-  <dgm:styleLbl name="solidBgAcc1">
-    <dgm:scene3d>
-      <a:camera prst="orthographicFront"/>
-      <a:lightRig rig="threePt" dir="t"/>
-    </dgm:scene3d>
-    <dgm:sp3d/>
-    <dgm:txPr/>
-    <dgm:style>
-      <a:lnRef idx="2">
-        <a:scrgbClr r="0" g="0" b="0"/>
-      </a:lnRef>
-      <a:fillRef idx="1">
-        <a:scrgbClr r="0" g="0" b="0"/>
-      </a:fillRef>
-      <a:effectRef idx="0">
-        <a:scrgbClr r="0" g="0" b="0"/>
-      </a:effectRef>
-      <a:fontRef idx="minor"/>
-    </dgm:style>
-  </dgm:styleLbl>
-  <dgm:styleLbl name="fgAccFollowNode1">
-    <dgm:scene3d>
-      <a:camera prst="orthographicFront"/>
-      <a:lightRig rig="threePt" dir="t"/>
-    </dgm:scene3d>
-    <dgm:sp3d/>
-    <dgm:txPr/>
-    <dgm:style>
-      <a:lnRef idx="2">
-        <a:scrgbClr r="0" g="0" b="0"/>
-      </a:lnRef>
-      <a:fillRef idx="1">
-        <a:scrgbClr r="0" g="0" b="0"/>
-      </a:fillRef>
-      <a:effectRef idx="0">
-        <a:scrgbClr r="0" g="0" b="0"/>
-      </a:effectRef>
-      <a:fontRef idx="minor"/>
-    </dgm:style>
-  </dgm:styleLbl>
-  <dgm:styleLbl name="alignAccFollowNode1">
-    <dgm:scene3d>
-      <a:camera prst="orthographicFront"/>
-      <a:lightRig rig="threePt" dir="t"/>
-    </dgm:scene3d>
-    <dgm:sp3d/>
-    <dgm:txPr/>
-    <dgm:style>
-      <a:lnRef idx="2">
-        <a:scrgbClr r="0" g="0" b="0"/>
-      </a:lnRef>
-      <a:fillRef idx="1">
-        <a:scrgbClr r="0" g="0" b="0"/>
-      </a:fillRef>
-      <a:effectRef idx="0">
-        <a:scrgbClr r="0" g="0" b="0"/>
-      </a:effectRef>
-      <a:fontRef idx="minor"/>
-    </dgm:style>
-  </dgm:styleLbl>
-  <dgm:styleLbl name="bgAccFollowNode1">
-    <dgm:scene3d>
-      <a:camera prst="orthographicFront"/>
-      <a:lightRig rig="threePt" dir="t"/>
-    </dgm:scene3d>
-    <dgm:sp3d/>
-    <dgm:txPr/>
-    <dgm:style>
-      <a:lnRef idx="2">
-        <a:scrgbClr r="0" g="0" b="0"/>
-      </a:lnRef>
-      <a:fillRef idx="1">
-        <a:scrgbClr r="0" g="0" b="0"/>
-      </a:fillRef>
-      <a:effectRef idx="0">
-        <a:scrgbClr r="0" g="0" b="0"/>
-      </a:effectRef>
-      <a:fontRef idx="minor"/>
-    </dgm:style>
-  </dgm:styleLbl>
-  <dgm:styleLbl name="fgAcc0">
-    <dgm:scene3d>
-      <a:camera prst="orthographicFront"/>
-      <a:lightRig rig="threePt" dir="t"/>
-    </dgm:scene3d>
-    <dgm:sp3d/>
-    <dgm:txPr/>
-    <dgm:style>
-      <a:lnRef idx="2">
-        <a:scrgbClr r="0" g="0" b="0"/>
-      </a:lnRef>
-      <a:fillRef idx="1">
-        <a:scrgbClr r="0" g="0" b="0"/>
-      </a:fillRef>
-      <a:effectRef idx="0">
-        <a:scrgbClr r="0" g="0" b="0"/>
-      </a:effectRef>
-      <a:fontRef idx="minor"/>
-    </dgm:style>
-  </dgm:styleLbl>
-  <dgm:styleLbl name="fgAcc2">
-    <dgm:scene3d>
-      <a:camera prst="orthographicFront"/>
-      <a:lightRig rig="threePt" dir="t"/>
-    </dgm:scene3d>
-    <dgm:sp3d/>
-    <dgm:txPr/>
-    <dgm:style>
-      <a:lnRef idx="2">
-        <a:scrgbClr r="0" g="0" b="0"/>
-      </a:lnRef>
-      <a:fillRef idx="1">
-        <a:scrgbClr r="0" g="0" b="0"/>
-      </a:fillRef>
-      <a:effectRef idx="0">
-        <a:scrgbClr r="0" g="0" b="0"/>
-      </a:effectRef>
-      <a:fontRef idx="minor"/>
-    </dgm:style>
-  </dgm:styleLbl>
-  <dgm:styleLbl name="fgAcc3">
-    <dgm:scene3d>
-      <a:camera prst="orthographicFront"/>
-      <a:lightRig rig="threePt" dir="t"/>
-    </dgm:scene3d>
-    <dgm:sp3d/>
-    <dgm:txPr/>
-    <dgm:style>
-      <a:lnRef idx="2">
-        <a:scrgbClr r="0" g="0" b="0"/>
-      </a:lnRef>
-      <a:fillRef idx="1">
-        <a:scrgbClr r="0" g="0" b="0"/>
-      </a:fillRef>
-      <a:effectRef idx="0">
-        <a:scrgbClr r="0" g="0" b="0"/>
-      </a:effectRef>
-      <a:fontRef idx="minor"/>
-    </dgm:style>
-  </dgm:styleLbl>
-  <dgm:styleLbl name="fgAcc4">
-    <dgm:scene3d>
-      <a:camera prst="orthographicFront"/>
-      <a:lightRig rig="threePt" dir="t"/>
-    </dgm:scene3d>
-    <dgm:sp3d/>
-    <dgm:txPr/>
-    <dgm:style>
-      <a:lnRef idx="2">
-        <a:scrgbClr r="0" g="0" b="0"/>
-      </a:lnRef>
-      <a:fillRef idx="1">
-        <a:scrgbClr r="0" g="0" b="0"/>
-      </a:fillRef>
-      <a:effectRef idx="0">
-        <a:scrgbClr r="0" g="0" b="0"/>
-      </a:effectRef>
-      <a:fontRef idx="minor"/>
-    </dgm:style>
-  </dgm:styleLbl>
-  <dgm:styleLbl name="bgShp">
-    <dgm:scene3d>
-      <a:camera prst="orthographicFront"/>
-      <a:lightRig rig="threePt" dir="t"/>
-    </dgm:scene3d>
-    <dgm:sp3d/>
-    <dgm:txPr/>
-    <dgm:style>
-      <a:lnRef idx="0">
-        <a:scrgbClr r="0" g="0" b="0"/>
-      </a:lnRef>
-      <a:fillRef idx="1">
-        <a:scrgbClr r="0" g="0" b="0"/>
-      </a:fillRef>
-      <a:effectRef idx="0">
-        <a:scrgbClr r="0" g="0" b="0"/>
-      </a:effectRef>
-      <a:fontRef idx="minor"/>
-    </dgm:style>
-  </dgm:styleLbl>
-  <dgm:styleLbl name="dkBgShp">
-    <dgm:scene3d>
-      <a:camera prst="orthographicFront"/>
-      <a:lightRig rig="threePt" dir="t"/>
-    </dgm:scene3d>
-    <dgm:sp3d/>
-    <dgm:txPr/>
-    <dgm:style>
-      <a:lnRef idx="0">
-        <a:scrgbClr r="0" g="0" b="0"/>
-      </a:lnRef>
-      <a:fillRef idx="1">
-        <a:scrgbClr r="0" g="0" b="0"/>
-      </a:fillRef>
-      <a:effectRef idx="0">
-        <a:scrgbClr r="0" g="0" b="0"/>
-      </a:effectRef>
-      <a:fontRef idx="minor"/>
-    </dgm:style>
-  </dgm:styleLbl>
-  <dgm:styleLbl name="trBgShp">
-    <dgm:scene3d>
-      <a:camera prst="orthographicFront"/>
-      <a:lightRig rig="threePt" dir="t"/>
-    </dgm:scene3d>
-    <dgm:sp3d/>
-    <dgm:txPr/>
-    <dgm:style>
-      <a:lnRef idx="0">
-        <a:scrgbClr r="0" g="0" b="0"/>
-      </a:lnRef>
-      <a:fillRef idx="1">
-        <a:scrgbClr r="0" g="0" b="0"/>
-      </a:fillRef>
-      <a:effectRef idx="0">
-        <a:scrgbClr r="0" g="0" b="0"/>
-      </a:effectRef>
-      <a:fontRef idx="minor"/>
-    </dgm:style>
-  </dgm:styleLbl>
-  <dgm:styleLbl name="fgShp">
-    <dgm:scene3d>
-      <a:camera prst="orthographicFront"/>
-      <a:lightRig rig="threePt" dir="t"/>
-    </dgm:scene3d>
-    <dgm:sp3d/>
-    <dgm:txPr/>
-    <dgm:style>
-      <a:lnRef idx="2">
-        <a:scrgbClr r="0" g="0" b="0"/>
-      </a:lnRef>
-      <a:fillRef idx="1">
-        <a:scrgbClr r="0" g="0" b="0"/>
-      </a:fillRef>
-      <a:effectRef idx="0">
-        <a:scrgbClr r="0" g="0" b="0"/>
-      </a:effectRef>
-      <a:fontRef idx="minor"/>
-    </dgm:style>
-  </dgm:styleLbl>
-  <dgm:styleLbl name="revTx">
-    <dgm:scene3d>
-      <a:camera prst="orthographicFront"/>
-      <a:lightRig rig="threePt" dir="t"/>
-    </dgm:scene3d>
-    <dgm:sp3d/>
-    <dgm:txPr/>
-    <dgm:style>
-      <a:lnRef idx="0">
-        <a:scrgbClr r="0" g="0" b="0"/>
-      </a:lnRef>
-      <a:fillRef idx="0">
-        <a:scrgbClr r="0" g="0" b="0"/>
-      </a:fillRef>
-      <a:effectRef idx="0">
-        <a:scrgbClr r="0" g="0" b="0"/>
-      </a:effectRef>
-      <a:fontRef idx="minor"/>
-    </dgm:style>
-  </dgm:styleLbl>
-</dgm:styleDef>
-</file>
-
-<file path=ppt/diagrams/quickStyle5.xml><?xml version="1.0" encoding="utf-8"?>
 <dgm:styleDef xmlns:dgm="http://schemas.openxmlformats.org/drawingml/2006/diagram" xmlns:a="http://schemas.openxmlformats.org/drawingml/2006/main" uniqueId="urn:microsoft.com/office/officeart/2005/8/quickstyle/simple1">
   <dgm:title val=""/>
   <dgm:desc val=""/>
@@ -18186,7 +17101,7 @@
     </p:spTree>
     <p:extLst>
       <p:ext uri="{BB962C8B-B14F-4D97-AF65-F5344CB8AC3E}">
-        <p14:creationId xmlns:p14="http://schemas.microsoft.com/office/powerpoint/2010/main" val="793709462"/>
+        <p14:creationId xmlns:p14="http://schemas.microsoft.com/office/powerpoint/2010/main" val="141236078"/>
       </p:ext>
     </p:extLst>
   </p:cSld>
@@ -18358,7 +17273,7 @@
     </p:spTree>
     <p:extLst>
       <p:ext uri="{BB962C8B-B14F-4D97-AF65-F5344CB8AC3E}">
-        <p14:creationId xmlns:p14="http://schemas.microsoft.com/office/powerpoint/2010/main" val="141236078"/>
+        <p14:creationId xmlns:p14="http://schemas.microsoft.com/office/powerpoint/2010/main" val="3647805939"/>
       </p:ext>
     </p:extLst>
   </p:cSld>
@@ -18530,7 +17445,7 @@
     </p:spTree>
     <p:extLst>
       <p:ext uri="{BB962C8B-B14F-4D97-AF65-F5344CB8AC3E}">
-        <p14:creationId xmlns:p14="http://schemas.microsoft.com/office/powerpoint/2010/main" val="3647805939"/>
+        <p14:creationId xmlns:p14="http://schemas.microsoft.com/office/powerpoint/2010/main" val="1045587885"/>
       </p:ext>
     </p:extLst>
   </p:cSld>
@@ -18541,178 +17456,6 @@
 </file>
 
 <file path=ppt/notesSlides/notesSlide13.xml><?xml version="1.0" encoding="utf-8"?>
-<p:notes xmlns:a="http://schemas.openxmlformats.org/drawingml/2006/main" xmlns:r="http://schemas.openxmlformats.org/officeDocument/2006/relationships" xmlns:p="http://schemas.openxmlformats.org/presentationml/2006/main">
-  <p:cSld>
-    <p:spTree>
-      <p:nvGrpSpPr>
-        <p:cNvPr id="1" name=""/>
-        <p:cNvGrpSpPr/>
-        <p:nvPr/>
-      </p:nvGrpSpPr>
-      <p:grpSpPr>
-        <a:xfrm>
-          <a:off x="0" y="0"/>
-          <a:ext cx="0" cy="0"/>
-          <a:chOff x="0" y="0"/>
-          <a:chExt cx="0" cy="0"/>
-        </a:xfrm>
-      </p:grpSpPr>
-      <p:sp>
-        <p:nvSpPr>
-          <p:cNvPr id="2" name="Marcador de imagen de diapositiva 1"/>
-          <p:cNvSpPr>
-            <a:spLocks noGrp="1" noRot="1" noChangeAspect="1"/>
-          </p:cNvSpPr>
-          <p:nvPr>
-            <p:ph type="sldImg"/>
-          </p:nvPr>
-        </p:nvSpPr>
-        <p:spPr/>
-      </p:sp>
-      <p:sp>
-        <p:nvSpPr>
-          <p:cNvPr id="3" name="Marcador de notas 2"/>
-          <p:cNvSpPr>
-            <a:spLocks noGrp="1"/>
-          </p:cNvSpPr>
-          <p:nvPr>
-            <p:ph type="body" idx="1"/>
-          </p:nvPr>
-        </p:nvSpPr>
-        <p:spPr/>
-        <p:txBody>
-          <a:bodyPr/>
-          <a:lstStyle/>
-          <a:p>
-            <a:r>
-              <a:rPr lang="es-ES" dirty="0" smtClean="0"/>
-              <a:t>La calendarización</a:t>
-            </a:r>
-            <a:r>
-              <a:rPr lang="es-ES" baseline="0" dirty="0" smtClean="0"/>
-              <a:t> la realizamos en base a la experiencia que tenemos hasta ahora. Se planearon hacer 14 </a:t>
-            </a:r>
-            <a:r>
-              <a:rPr lang="es-ES" baseline="0" dirty="0" err="1" smtClean="0"/>
-              <a:t>sprints</a:t>
-            </a:r>
-            <a:r>
-              <a:rPr lang="es-ES" baseline="0" dirty="0" smtClean="0"/>
-              <a:t> + el sprint 0, cada sprint es de 21 días, exceptuando el sprint 0, que es de 2 meses (para tener tiempo de especializarnos en el dominio, y realizar las tareas de gestión de proyecto iniciales). </a:t>
-            </a:r>
-          </a:p>
-          <a:p>
-            <a:endParaRPr lang="es-ES" baseline="0" dirty="0" smtClean="0"/>
-          </a:p>
-          <a:p>
-            <a:r>
-              <a:rPr lang="es-ES" dirty="0" smtClean="0"/>
-              <a:t>Se pretende</a:t>
-            </a:r>
-            <a:r>
-              <a:rPr lang="es-ES" baseline="0" dirty="0" smtClean="0"/>
-              <a:t> terminar el proyecto en mayo del año 2015.</a:t>
-            </a:r>
-          </a:p>
-          <a:p>
-            <a:endParaRPr lang="es-ES" baseline="0" dirty="0" smtClean="0"/>
-          </a:p>
-          <a:p>
-            <a:r>
-              <a:rPr lang="es-ES" baseline="0" dirty="0" smtClean="0"/>
-              <a:t>Las fechas estimadas fueron las de todas las tareas que abarca el sprint 0, y las fechas de inicio y fin de cada sprint.</a:t>
-            </a:r>
-          </a:p>
-          <a:p>
-            <a:endParaRPr lang="es-ES" baseline="0" dirty="0" smtClean="0"/>
-          </a:p>
-          <a:p>
-            <a:r>
-              <a:rPr lang="es-ES" baseline="0" dirty="0" smtClean="0"/>
-              <a:t>Se piensan realizar 3 </a:t>
-            </a:r>
-            <a:r>
-              <a:rPr lang="es-ES" baseline="0" dirty="0" err="1" smtClean="0"/>
-              <a:t>releases</a:t>
-            </a:r>
-            <a:r>
-              <a:rPr lang="es-ES" baseline="0" dirty="0" smtClean="0"/>
-              <a:t>, uno antes del receso de invierno, uno en noviembre para regularizar la materia, y un realice final.</a:t>
-            </a:r>
-          </a:p>
-          <a:p>
-            <a:endParaRPr lang="es-ES" baseline="0" dirty="0" smtClean="0"/>
-          </a:p>
-          <a:p>
-            <a:r>
-              <a:rPr lang="es-ES" baseline="0" dirty="0" smtClean="0"/>
-              <a:t>Los sprint comienzan y terminan los sábados, ya que es el día que mas </a:t>
-            </a:r>
-            <a:r>
-              <a:rPr lang="es-ES" baseline="0" dirty="0" err="1" smtClean="0"/>
-              <a:t>hras</a:t>
-            </a:r>
-            <a:r>
-              <a:rPr lang="es-ES" baseline="0" dirty="0" smtClean="0"/>
-              <a:t> nos juntamos en la semana. La idea es hacer la reunión de </a:t>
-            </a:r>
-            <a:r>
-              <a:rPr lang="es-ES" baseline="0" dirty="0" err="1" smtClean="0"/>
-              <a:t>review</a:t>
-            </a:r>
-            <a:r>
-              <a:rPr lang="es-ES" baseline="0" dirty="0" smtClean="0"/>
-              <a:t>, la retrospectiva y la reunión de planificación del siguiente sprint, todo en el mismo día.</a:t>
-            </a:r>
-          </a:p>
-          <a:p>
-            <a:endParaRPr lang="es-ES" baseline="0" dirty="0" smtClean="0"/>
-          </a:p>
-          <a:p>
-            <a:endParaRPr lang="es-ES" baseline="0" dirty="0" smtClean="0"/>
-          </a:p>
-          <a:p>
-            <a:endParaRPr lang="es-ES" dirty="0"/>
-          </a:p>
-        </p:txBody>
-      </p:sp>
-      <p:sp>
-        <p:nvSpPr>
-          <p:cNvPr id="4" name="Marcador de número de diapositiva 3"/>
-          <p:cNvSpPr>
-            <a:spLocks noGrp="1"/>
-          </p:cNvSpPr>
-          <p:nvPr>
-            <p:ph type="sldNum" sz="quarter" idx="10"/>
-          </p:nvPr>
-        </p:nvSpPr>
-        <p:spPr/>
-        <p:txBody>
-          <a:bodyPr/>
-          <a:lstStyle/>
-          <a:p>
-            <a:fld id="{C1D7BF53-A8BD-41DF-AC66-90ABD219E666}" type="slidenum">
-              <a:rPr lang="es-ES" smtClean="0"/>
-              <a:t>13</a:t>
-            </a:fld>
-            <a:endParaRPr lang="es-ES"/>
-          </a:p>
-        </p:txBody>
-      </p:sp>
-    </p:spTree>
-    <p:extLst>
-      <p:ext uri="{BB962C8B-B14F-4D97-AF65-F5344CB8AC3E}">
-        <p14:creationId xmlns:p14="http://schemas.microsoft.com/office/powerpoint/2010/main" val="1045587885"/>
-      </p:ext>
-    </p:extLst>
-  </p:cSld>
-  <p:clrMapOvr>
-    <a:masterClrMapping/>
-  </p:clrMapOvr>
-</p:notes>
-</file>
-
-<file path=ppt/notesSlides/notesSlide14.xml><?xml version="1.0" encoding="utf-8"?>
 <p:notes xmlns:a="http://schemas.openxmlformats.org/drawingml/2006/main" xmlns:r="http://schemas.openxmlformats.org/officeDocument/2006/relationships" xmlns:p="http://schemas.openxmlformats.org/presentationml/2006/main">
   <p:cSld>
     <p:spTree>
@@ -18975,7 +17718,7 @@
           <a:p>
             <a:fld id="{C1D7BF53-A8BD-41DF-AC66-90ABD219E666}" type="slidenum">
               <a:rPr lang="es-ES" smtClean="0"/>
-              <a:t>14</a:t>
+              <a:t>13</a:t>
             </a:fld>
             <a:endParaRPr lang="es-ES"/>
           </a:p>
@@ -18994,7 +17737,7 @@
 </p:notes>
 </file>
 
-<file path=ppt/notesSlides/notesSlide15.xml><?xml version="1.0" encoding="utf-8"?>
+<file path=ppt/notesSlides/notesSlide14.xml><?xml version="1.0" encoding="utf-8"?>
 <p:notes xmlns:a="http://schemas.openxmlformats.org/drawingml/2006/main" xmlns:r="http://schemas.openxmlformats.org/officeDocument/2006/relationships" xmlns:p="http://schemas.openxmlformats.org/presentationml/2006/main">
   <p:cSld>
     <p:spTree>
@@ -19059,7 +17802,7 @@
           <a:p>
             <a:fld id="{C1D7BF53-A8BD-41DF-AC66-90ABD219E666}" type="slidenum">
               <a:rPr lang="es-ES" smtClean="0"/>
-              <a:t>15</a:t>
+              <a:t>14</a:t>
             </a:fld>
             <a:endParaRPr lang="es-ES"/>
           </a:p>
@@ -19078,7 +17821,7 @@
 </p:notes>
 </file>
 
-<file path=ppt/notesSlides/notesSlide16.xml><?xml version="1.0" encoding="utf-8"?>
+<file path=ppt/notesSlides/notesSlide15.xml><?xml version="1.0" encoding="utf-8"?>
 <p:notes xmlns:a="http://schemas.openxmlformats.org/drawingml/2006/main" xmlns:r="http://schemas.openxmlformats.org/officeDocument/2006/relationships" xmlns:p="http://schemas.openxmlformats.org/presentationml/2006/main">
   <p:cSld>
     <p:spTree>
@@ -19185,7 +17928,7 @@
           <a:p>
             <a:fld id="{C1D7BF53-A8BD-41DF-AC66-90ABD219E666}" type="slidenum">
               <a:rPr lang="es-ES" smtClean="0"/>
-              <a:t>16</a:t>
+              <a:t>15</a:t>
             </a:fld>
             <a:endParaRPr lang="es-ES"/>
           </a:p>
@@ -19195,6 +17938,90 @@
     <p:extLst>
       <p:ext uri="{BB962C8B-B14F-4D97-AF65-F5344CB8AC3E}">
         <p14:creationId xmlns:p14="http://schemas.microsoft.com/office/powerpoint/2010/main" val="978899705"/>
+      </p:ext>
+    </p:extLst>
+  </p:cSld>
+  <p:clrMapOvr>
+    <a:masterClrMapping/>
+  </p:clrMapOvr>
+</p:notes>
+</file>
+
+<file path=ppt/notesSlides/notesSlide16.xml><?xml version="1.0" encoding="utf-8"?>
+<p:notes xmlns:a="http://schemas.openxmlformats.org/drawingml/2006/main" xmlns:r="http://schemas.openxmlformats.org/officeDocument/2006/relationships" xmlns:p="http://schemas.openxmlformats.org/presentationml/2006/main">
+  <p:cSld>
+    <p:spTree>
+      <p:nvGrpSpPr>
+        <p:cNvPr id="1" name=""/>
+        <p:cNvGrpSpPr/>
+        <p:nvPr/>
+      </p:nvGrpSpPr>
+      <p:grpSpPr>
+        <a:xfrm>
+          <a:off x="0" y="0"/>
+          <a:ext cx="0" cy="0"/>
+          <a:chOff x="0" y="0"/>
+          <a:chExt cx="0" cy="0"/>
+        </a:xfrm>
+      </p:grpSpPr>
+      <p:sp>
+        <p:nvSpPr>
+          <p:cNvPr id="2" name="Marcador de imagen de diapositiva 1"/>
+          <p:cNvSpPr>
+            <a:spLocks noGrp="1" noRot="1" noChangeAspect="1"/>
+          </p:cNvSpPr>
+          <p:nvPr>
+            <p:ph type="sldImg"/>
+          </p:nvPr>
+        </p:nvSpPr>
+        <p:spPr/>
+      </p:sp>
+      <p:sp>
+        <p:nvSpPr>
+          <p:cNvPr id="3" name="Marcador de notas 2"/>
+          <p:cNvSpPr>
+            <a:spLocks noGrp="1"/>
+          </p:cNvSpPr>
+          <p:nvPr>
+            <p:ph type="body" idx="1"/>
+          </p:nvPr>
+        </p:nvSpPr>
+        <p:spPr/>
+        <p:txBody>
+          <a:bodyPr/>
+          <a:lstStyle/>
+          <a:p>
+            <a:endParaRPr lang="es-ES" dirty="0"/>
+          </a:p>
+        </p:txBody>
+      </p:sp>
+      <p:sp>
+        <p:nvSpPr>
+          <p:cNvPr id="4" name="Marcador de número de diapositiva 3"/>
+          <p:cNvSpPr>
+            <a:spLocks noGrp="1"/>
+          </p:cNvSpPr>
+          <p:nvPr>
+            <p:ph type="sldNum" sz="quarter" idx="10"/>
+          </p:nvPr>
+        </p:nvSpPr>
+        <p:spPr/>
+        <p:txBody>
+          <a:bodyPr/>
+          <a:lstStyle/>
+          <a:p>
+            <a:fld id="{C1D7BF53-A8BD-41DF-AC66-90ABD219E666}" type="slidenum">
+              <a:rPr lang="es-ES" smtClean="0"/>
+              <a:t>18</a:t>
+            </a:fld>
+            <a:endParaRPr lang="es-ES" dirty="0"/>
+          </a:p>
+        </p:txBody>
+      </p:sp>
+    </p:spTree>
+    <p:extLst>
+      <p:ext uri="{BB962C8B-B14F-4D97-AF65-F5344CB8AC3E}">
+        <p14:creationId xmlns:p14="http://schemas.microsoft.com/office/powerpoint/2010/main" val="2354830964"/>
       </p:ext>
     </p:extLst>
   </p:cSld>
@@ -19270,90 +18097,6 @@
             <a:fld id="{C1D7BF53-A8BD-41DF-AC66-90ABD219E666}" type="slidenum">
               <a:rPr lang="es-ES" smtClean="0"/>
               <a:t>19</a:t>
-            </a:fld>
-            <a:endParaRPr lang="es-ES" dirty="0"/>
-          </a:p>
-        </p:txBody>
-      </p:sp>
-    </p:spTree>
-    <p:extLst>
-      <p:ext uri="{BB962C8B-B14F-4D97-AF65-F5344CB8AC3E}">
-        <p14:creationId xmlns:p14="http://schemas.microsoft.com/office/powerpoint/2010/main" val="2354830964"/>
-      </p:ext>
-    </p:extLst>
-  </p:cSld>
-  <p:clrMapOvr>
-    <a:masterClrMapping/>
-  </p:clrMapOvr>
-</p:notes>
-</file>
-
-<file path=ppt/notesSlides/notesSlide18.xml><?xml version="1.0" encoding="utf-8"?>
-<p:notes xmlns:a="http://schemas.openxmlformats.org/drawingml/2006/main" xmlns:r="http://schemas.openxmlformats.org/officeDocument/2006/relationships" xmlns:p="http://schemas.openxmlformats.org/presentationml/2006/main">
-  <p:cSld>
-    <p:spTree>
-      <p:nvGrpSpPr>
-        <p:cNvPr id="1" name=""/>
-        <p:cNvGrpSpPr/>
-        <p:nvPr/>
-      </p:nvGrpSpPr>
-      <p:grpSpPr>
-        <a:xfrm>
-          <a:off x="0" y="0"/>
-          <a:ext cx="0" cy="0"/>
-          <a:chOff x="0" y="0"/>
-          <a:chExt cx="0" cy="0"/>
-        </a:xfrm>
-      </p:grpSpPr>
-      <p:sp>
-        <p:nvSpPr>
-          <p:cNvPr id="2" name="Marcador de imagen de diapositiva 1"/>
-          <p:cNvSpPr>
-            <a:spLocks noGrp="1" noRot="1" noChangeAspect="1"/>
-          </p:cNvSpPr>
-          <p:nvPr>
-            <p:ph type="sldImg"/>
-          </p:nvPr>
-        </p:nvSpPr>
-        <p:spPr/>
-      </p:sp>
-      <p:sp>
-        <p:nvSpPr>
-          <p:cNvPr id="3" name="Marcador de notas 2"/>
-          <p:cNvSpPr>
-            <a:spLocks noGrp="1"/>
-          </p:cNvSpPr>
-          <p:nvPr>
-            <p:ph type="body" idx="1"/>
-          </p:nvPr>
-        </p:nvSpPr>
-        <p:spPr/>
-        <p:txBody>
-          <a:bodyPr/>
-          <a:lstStyle/>
-          <a:p>
-            <a:endParaRPr lang="es-ES" dirty="0"/>
-          </a:p>
-        </p:txBody>
-      </p:sp>
-      <p:sp>
-        <p:nvSpPr>
-          <p:cNvPr id="4" name="Marcador de número de diapositiva 3"/>
-          <p:cNvSpPr>
-            <a:spLocks noGrp="1"/>
-          </p:cNvSpPr>
-          <p:nvPr>
-            <p:ph type="sldNum" sz="quarter" idx="10"/>
-          </p:nvPr>
-        </p:nvSpPr>
-        <p:spPr/>
-        <p:txBody>
-          <a:bodyPr/>
-          <a:lstStyle/>
-          <a:p>
-            <a:fld id="{C1D7BF53-A8BD-41DF-AC66-90ABD219E666}" type="slidenum">
-              <a:rPr lang="es-ES" smtClean="0"/>
-              <a:t>20</a:t>
             </a:fld>
             <a:endParaRPr lang="es-ES"/>
           </a:p>
@@ -20482,111 +19225,6 @@
           <a:lstStyle/>
           <a:p>
             <a:r>
-              <a:rPr lang="es-ES" dirty="0" smtClean="0"/>
-              <a:t>Faltaría nombrar que se usará google drive para respaldar la </a:t>
-            </a:r>
-            <a:r>
-              <a:rPr lang="es-ES" dirty="0" err="1" smtClean="0"/>
-              <a:t>info</a:t>
-            </a:r>
-            <a:r>
-              <a:rPr lang="es-ES" dirty="0" smtClean="0"/>
-              <a:t>,</a:t>
-            </a:r>
-            <a:r>
-              <a:rPr lang="es-ES" baseline="0" dirty="0" smtClean="0"/>
-              <a:t> o no lo vamos a usar?</a:t>
-            </a:r>
-          </a:p>
-          <a:p>
-            <a:endParaRPr lang="es-ES" baseline="0" dirty="0" smtClean="0"/>
-          </a:p>
-          <a:p>
-            <a:endParaRPr lang="es-ES" dirty="0"/>
-          </a:p>
-        </p:txBody>
-      </p:sp>
-      <p:sp>
-        <p:nvSpPr>
-          <p:cNvPr id="4" name="Marcador de número de diapositiva 3"/>
-          <p:cNvSpPr>
-            <a:spLocks noGrp="1"/>
-          </p:cNvSpPr>
-          <p:nvPr>
-            <p:ph type="sldNum" sz="quarter" idx="10"/>
-          </p:nvPr>
-        </p:nvSpPr>
-        <p:spPr/>
-        <p:txBody>
-          <a:bodyPr/>
-          <a:lstStyle/>
-          <a:p>
-            <a:fld id="{C1D7BF53-A8BD-41DF-AC66-90ABD219E666}" type="slidenum">
-              <a:rPr lang="es-ES" smtClean="0"/>
-              <a:t>7</a:t>
-            </a:fld>
-            <a:endParaRPr lang="es-ES"/>
-          </a:p>
-        </p:txBody>
-      </p:sp>
-    </p:spTree>
-    <p:extLst>
-      <p:ext uri="{BB962C8B-B14F-4D97-AF65-F5344CB8AC3E}">
-        <p14:creationId xmlns:p14="http://schemas.microsoft.com/office/powerpoint/2010/main" val="1002693937"/>
-      </p:ext>
-    </p:extLst>
-  </p:cSld>
-  <p:clrMapOvr>
-    <a:masterClrMapping/>
-  </p:clrMapOvr>
-</p:notes>
-</file>
-
-<file path=ppt/notesSlides/notesSlide8.xml><?xml version="1.0" encoding="utf-8"?>
-<p:notes xmlns:a="http://schemas.openxmlformats.org/drawingml/2006/main" xmlns:r="http://schemas.openxmlformats.org/officeDocument/2006/relationships" xmlns:p="http://schemas.openxmlformats.org/presentationml/2006/main">
-  <p:cSld>
-    <p:spTree>
-      <p:nvGrpSpPr>
-        <p:cNvPr id="1" name=""/>
-        <p:cNvGrpSpPr/>
-        <p:nvPr/>
-      </p:nvGrpSpPr>
-      <p:grpSpPr>
-        <a:xfrm>
-          <a:off x="0" y="0"/>
-          <a:ext cx="0" cy="0"/>
-          <a:chOff x="0" y="0"/>
-          <a:chExt cx="0" cy="0"/>
-        </a:xfrm>
-      </p:grpSpPr>
-      <p:sp>
-        <p:nvSpPr>
-          <p:cNvPr id="2" name="Marcador de imagen de diapositiva 1"/>
-          <p:cNvSpPr>
-            <a:spLocks noGrp="1" noRot="1" noChangeAspect="1"/>
-          </p:cNvSpPr>
-          <p:nvPr>
-            <p:ph type="sldImg"/>
-          </p:nvPr>
-        </p:nvSpPr>
-        <p:spPr/>
-      </p:sp>
-      <p:sp>
-        <p:nvSpPr>
-          <p:cNvPr id="3" name="Marcador de notas 2"/>
-          <p:cNvSpPr>
-            <a:spLocks noGrp="1"/>
-          </p:cNvSpPr>
-          <p:nvPr>
-            <p:ph type="body" idx="1"/>
-          </p:nvPr>
-        </p:nvSpPr>
-        <p:spPr/>
-        <p:txBody>
-          <a:bodyPr/>
-          <a:lstStyle/>
-          <a:p>
-            <a:r>
               <a:rPr lang="es-AR" sz="1200" kern="1200" dirty="0" smtClean="0">
                 <a:solidFill>
                   <a:schemeClr val="tx1"/>
@@ -20798,6 +19436,178 @@
           <a:p>
             <a:fld id="{C1D7BF53-A8BD-41DF-AC66-90ABD219E666}" type="slidenum">
               <a:rPr lang="es-ES" smtClean="0"/>
+              <a:t>7</a:t>
+            </a:fld>
+            <a:endParaRPr lang="es-ES"/>
+          </a:p>
+        </p:txBody>
+      </p:sp>
+    </p:spTree>
+    <p:extLst>
+      <p:ext uri="{BB962C8B-B14F-4D97-AF65-F5344CB8AC3E}">
+        <p14:creationId xmlns:p14="http://schemas.microsoft.com/office/powerpoint/2010/main" val="593296190"/>
+      </p:ext>
+    </p:extLst>
+  </p:cSld>
+  <p:clrMapOvr>
+    <a:masterClrMapping/>
+  </p:clrMapOvr>
+</p:notes>
+</file>
+
+<file path=ppt/notesSlides/notesSlide8.xml><?xml version="1.0" encoding="utf-8"?>
+<p:notes xmlns:a="http://schemas.openxmlformats.org/drawingml/2006/main" xmlns:r="http://schemas.openxmlformats.org/officeDocument/2006/relationships" xmlns:p="http://schemas.openxmlformats.org/presentationml/2006/main">
+  <p:cSld>
+    <p:spTree>
+      <p:nvGrpSpPr>
+        <p:cNvPr id="1" name=""/>
+        <p:cNvGrpSpPr/>
+        <p:nvPr/>
+      </p:nvGrpSpPr>
+      <p:grpSpPr>
+        <a:xfrm>
+          <a:off x="0" y="0"/>
+          <a:ext cx="0" cy="0"/>
+          <a:chOff x="0" y="0"/>
+          <a:chExt cx="0" cy="0"/>
+        </a:xfrm>
+      </p:grpSpPr>
+      <p:sp>
+        <p:nvSpPr>
+          <p:cNvPr id="2" name="Marcador de imagen de diapositiva 1"/>
+          <p:cNvSpPr>
+            <a:spLocks noGrp="1" noRot="1" noChangeAspect="1"/>
+          </p:cNvSpPr>
+          <p:nvPr>
+            <p:ph type="sldImg"/>
+          </p:nvPr>
+        </p:nvSpPr>
+        <p:spPr/>
+      </p:sp>
+      <p:sp>
+        <p:nvSpPr>
+          <p:cNvPr id="3" name="Marcador de notas 2"/>
+          <p:cNvSpPr>
+            <a:spLocks noGrp="1"/>
+          </p:cNvSpPr>
+          <p:nvPr>
+            <p:ph type="body" idx="1"/>
+          </p:nvPr>
+        </p:nvSpPr>
+        <p:spPr/>
+        <p:txBody>
+          <a:bodyPr/>
+          <a:lstStyle/>
+          <a:p>
+            <a:r>
+              <a:rPr lang="es-ES" dirty="0" smtClean="0"/>
+              <a:t>La calendarización</a:t>
+            </a:r>
+            <a:r>
+              <a:rPr lang="es-ES" baseline="0" dirty="0" smtClean="0"/>
+              <a:t> la realizamos en base a la experiencia que tenemos hasta ahora. Se planearon hacer 14 </a:t>
+            </a:r>
+            <a:r>
+              <a:rPr lang="es-ES" baseline="0" dirty="0" err="1" smtClean="0"/>
+              <a:t>sprints</a:t>
+            </a:r>
+            <a:r>
+              <a:rPr lang="es-ES" baseline="0" dirty="0" smtClean="0"/>
+              <a:t> + el sprint 0, cada sprint es de 21 días, exceptuando el sprint 0, que es de 2 meses (para tener tiempo de especializarnos en el dominio, y realizar las tareas de gestión de proyecto iniciales). </a:t>
+            </a:r>
+          </a:p>
+          <a:p>
+            <a:endParaRPr lang="es-ES" baseline="0" dirty="0" smtClean="0"/>
+          </a:p>
+          <a:p>
+            <a:r>
+              <a:rPr lang="es-ES" dirty="0" smtClean="0"/>
+              <a:t>Se pretende</a:t>
+            </a:r>
+            <a:r>
+              <a:rPr lang="es-ES" baseline="0" dirty="0" smtClean="0"/>
+              <a:t> terminar el proyecto en mayo del año 2015.</a:t>
+            </a:r>
+          </a:p>
+          <a:p>
+            <a:endParaRPr lang="es-ES" baseline="0" dirty="0" smtClean="0"/>
+          </a:p>
+          <a:p>
+            <a:r>
+              <a:rPr lang="es-ES" baseline="0" dirty="0" smtClean="0"/>
+              <a:t>Las fechas estimadas fueron las de todas las tareas que abarca el sprint 0, y las fechas de inicio y fin de cada sprint.</a:t>
+            </a:r>
+          </a:p>
+          <a:p>
+            <a:endParaRPr lang="es-ES" baseline="0" dirty="0" smtClean="0"/>
+          </a:p>
+          <a:p>
+            <a:r>
+              <a:rPr lang="es-ES" baseline="0" dirty="0" smtClean="0"/>
+              <a:t>Se piensan realizar 3 </a:t>
+            </a:r>
+            <a:r>
+              <a:rPr lang="es-ES" baseline="0" dirty="0" err="1" smtClean="0"/>
+              <a:t>releases</a:t>
+            </a:r>
+            <a:r>
+              <a:rPr lang="es-ES" baseline="0" dirty="0" smtClean="0"/>
+              <a:t>, uno antes del receso de invierno, uno en noviembre para regularizar la materia, y un realice final.</a:t>
+            </a:r>
+          </a:p>
+          <a:p>
+            <a:endParaRPr lang="es-ES" baseline="0" dirty="0" smtClean="0"/>
+          </a:p>
+          <a:p>
+            <a:r>
+              <a:rPr lang="es-ES" baseline="0" dirty="0" smtClean="0"/>
+              <a:t>Los sprint comienzan y terminan los sábados, ya que es el día que mas </a:t>
+            </a:r>
+            <a:r>
+              <a:rPr lang="es-ES" baseline="0" dirty="0" err="1" smtClean="0"/>
+              <a:t>hras</a:t>
+            </a:r>
+            <a:r>
+              <a:rPr lang="es-ES" baseline="0" dirty="0" smtClean="0"/>
+              <a:t> nos juntamos en la semana. La idea es hacer la reunión de </a:t>
+            </a:r>
+            <a:r>
+              <a:rPr lang="es-ES" baseline="0" dirty="0" err="1" smtClean="0"/>
+              <a:t>review</a:t>
+            </a:r>
+            <a:r>
+              <a:rPr lang="es-ES" baseline="0" dirty="0" smtClean="0"/>
+              <a:t>, la retrospectiva y la reunión de planificación del siguiente sprint, todo en el mismo día.</a:t>
+            </a:r>
+          </a:p>
+          <a:p>
+            <a:endParaRPr lang="es-ES" baseline="0" dirty="0" smtClean="0"/>
+          </a:p>
+          <a:p>
+            <a:endParaRPr lang="es-ES" baseline="0" dirty="0" smtClean="0"/>
+          </a:p>
+          <a:p>
+            <a:endParaRPr lang="es-ES" dirty="0"/>
+          </a:p>
+        </p:txBody>
+      </p:sp>
+      <p:sp>
+        <p:nvSpPr>
+          <p:cNvPr id="4" name="Marcador de número de diapositiva 3"/>
+          <p:cNvSpPr>
+            <a:spLocks noGrp="1"/>
+          </p:cNvSpPr>
+          <p:nvPr>
+            <p:ph type="sldNum" sz="quarter" idx="10"/>
+          </p:nvPr>
+        </p:nvSpPr>
+        <p:spPr/>
+        <p:txBody>
+          <a:bodyPr/>
+          <a:lstStyle/>
+          <a:p>
+            <a:fld id="{C1D7BF53-A8BD-41DF-AC66-90ABD219E666}" type="slidenum">
+              <a:rPr lang="es-ES" smtClean="0"/>
               <a:t>8</a:t>
             </a:fld>
             <a:endParaRPr lang="es-ES"/>
@@ -20807,7 +19617,7 @@
     </p:spTree>
     <p:extLst>
       <p:ext uri="{BB962C8B-B14F-4D97-AF65-F5344CB8AC3E}">
-        <p14:creationId xmlns:p14="http://schemas.microsoft.com/office/powerpoint/2010/main" val="593296190"/>
+        <p14:creationId xmlns:p14="http://schemas.microsoft.com/office/powerpoint/2010/main" val="1123107651"/>
       </p:ext>
     </p:extLst>
   </p:cSld>
@@ -20979,7 +19789,7 @@
     </p:spTree>
     <p:extLst>
       <p:ext uri="{BB962C8B-B14F-4D97-AF65-F5344CB8AC3E}">
-        <p14:creationId xmlns:p14="http://schemas.microsoft.com/office/powerpoint/2010/main" val="1123107651"/>
+        <p14:creationId xmlns:p14="http://schemas.microsoft.com/office/powerpoint/2010/main" val="793709462"/>
       </p:ext>
     </p:extLst>
   </p:cSld>
@@ -21084,7 +19894,7 @@
           <a:effectLst/>
           <a:extLst>
             <a:ext uri="{91240B29-F687-4f45-9708-019B960494DF}">
-              <a14:hiddenLine xmlns="" xmlns:a14="http://schemas.microsoft.com/office/drawing/2010/main" w="9525">
+              <a14:hiddenLine xmlns:a14="http://schemas.microsoft.com/office/drawing/2010/main" xmlns="" w="9525">
                 <a:solidFill>
                   <a:srgbClr val="000000"/>
                 </a:solidFill>
@@ -22606,7 +21416,7 @@
           <a:ln/>
           <a:extLst>
             <a:ext uri="{91240B29-F687-4f45-9708-019B960494DF}">
-              <a14:hiddenLine xmlns="" xmlns:a14="http://schemas.microsoft.com/office/drawing/2010/main" w="9525">
+              <a14:hiddenLine xmlns:a14="http://schemas.microsoft.com/office/drawing/2010/main" xmlns="" w="9525">
                 <a:solidFill>
                   <a:srgbClr val="000000"/>
                 </a:solidFill>
@@ -22881,7 +21691,7 @@
           <a:ln/>
           <a:extLst>
             <a:ext uri="{91240B29-F687-4f45-9708-019B960494DF}">
-              <a14:hiddenLine xmlns="" xmlns:a14="http://schemas.microsoft.com/office/drawing/2010/main" w="9525">
+              <a14:hiddenLine xmlns:a14="http://schemas.microsoft.com/office/drawing/2010/main" xmlns="" w="9525">
                 <a:solidFill>
                   <a:srgbClr val="000000"/>
                 </a:solidFill>
@@ -23164,7 +21974,7 @@
           <a:ln/>
           <a:extLst>
             <a:ext uri="{91240B29-F687-4f45-9708-019B960494DF}">
-              <a14:hiddenLine xmlns="" xmlns:a14="http://schemas.microsoft.com/office/drawing/2010/main" w="9525">
+              <a14:hiddenLine xmlns:a14="http://schemas.microsoft.com/office/drawing/2010/main" xmlns="" w="9525">
                 <a:solidFill>
                   <a:srgbClr val="000000"/>
                 </a:solidFill>
@@ -23797,7 +22607,7 @@
           <a:ln/>
           <a:extLst>
             <a:ext uri="{91240B29-F687-4f45-9708-019B960494DF}">
-              <a14:hiddenLine xmlns="" xmlns:a14="http://schemas.microsoft.com/office/drawing/2010/main" w="9525">
+              <a14:hiddenLine xmlns:a14="http://schemas.microsoft.com/office/drawing/2010/main" xmlns="" w="9525">
                 <a:solidFill>
                   <a:srgbClr val="000000"/>
                 </a:solidFill>
@@ -24136,7 +22946,7 @@
           <a:ln/>
           <a:extLst>
             <a:ext uri="{91240B29-F687-4f45-9708-019B960494DF}">
-              <a14:hiddenLine xmlns="" xmlns:a14="http://schemas.microsoft.com/office/drawing/2010/main" w="9525">
+              <a14:hiddenLine xmlns:a14="http://schemas.microsoft.com/office/drawing/2010/main" xmlns="" w="9525">
                 <a:solidFill>
                   <a:srgbClr val="000000"/>
                 </a:solidFill>
@@ -24613,7 +23423,7 @@
           <a:ln/>
           <a:extLst>
             <a:ext uri="{91240B29-F687-4f45-9708-019B960494DF}">
-              <a14:hiddenLine xmlns="" xmlns:a14="http://schemas.microsoft.com/office/drawing/2010/main" w="9525">
+              <a14:hiddenLine xmlns:a14="http://schemas.microsoft.com/office/drawing/2010/main" xmlns="" w="9525">
                 <a:solidFill>
                   <a:srgbClr val="000000"/>
                 </a:solidFill>
@@ -25042,7 +23852,7 @@
           <a:ln/>
           <a:extLst>
             <a:ext uri="{91240B29-F687-4f45-9708-019B960494DF}">
-              <a14:hiddenLine xmlns="" xmlns:a14="http://schemas.microsoft.com/office/drawing/2010/main" w="9525">
+              <a14:hiddenLine xmlns:a14="http://schemas.microsoft.com/office/drawing/2010/main" xmlns="" w="9525">
                 <a:solidFill>
                   <a:srgbClr val="000000"/>
                 </a:solidFill>
@@ -26295,7 +25105,7 @@
         <p:spPr>
           <a:xfrm>
             <a:off x="810001" y="877647"/>
-            <a:ext cx="10572000" cy="2971051"/>
+            <a:ext cx="8917323" cy="2971051"/>
           </a:xfrm>
         </p:spPr>
         <p:txBody>
@@ -26304,7 +25114,15 @@
           <a:p>
             <a:r>
               <a:rPr lang="es-AR" sz="4800" dirty="0" smtClean="0"/>
-              <a:t>Sistema de Gestión de Campeonatos de Fútbol</a:t>
+              <a:t>Sistema de Gestión </a:t>
+            </a:r>
+            <a:r>
+              <a:rPr lang="es-AR" sz="4800" dirty="0" smtClean="0"/>
+              <a:t>de Torneos </a:t>
+            </a:r>
+            <a:r>
+              <a:rPr lang="es-AR" sz="4800" dirty="0" smtClean="0"/>
+              <a:t>de Fútbol</a:t>
             </a:r>
             <a:endParaRPr lang="es-AR" sz="4800" dirty="0"/>
           </a:p>
@@ -26716,577 +25534,6 @@
         </p:nvGrpSpPr>
         <p:grpSpPr>
           <a:xfrm>
-            <a:off x="1638575" y="1998106"/>
-            <a:ext cx="3641348" cy="521574"/>
-            <a:chOff x="880567" y="2373444"/>
-            <a:chExt cx="2213113" cy="954156"/>
-          </a:xfrm>
-        </p:grpSpPr>
-        <p:sp>
-          <p:nvSpPr>
-            <p:cNvPr id="9" name="Rectángulo redondeado 8"/>
-            <p:cNvSpPr/>
-            <p:nvPr/>
-          </p:nvSpPr>
-          <p:spPr>
-            <a:xfrm>
-              <a:off x="880567" y="2373444"/>
-              <a:ext cx="2213113" cy="954156"/>
-            </a:xfrm>
-            <a:prstGeom prst="roundRect">
-              <a:avLst/>
-            </a:prstGeom>
-            <a:ln w="38100">
-              <a:solidFill>
-                <a:schemeClr val="tx1">
-                  <a:lumMod val="75000"/>
-                </a:schemeClr>
-              </a:solidFill>
-            </a:ln>
-          </p:spPr>
-          <p:style>
-            <a:lnRef idx="1">
-              <a:schemeClr val="accent1"/>
-            </a:lnRef>
-            <a:fillRef idx="3">
-              <a:schemeClr val="accent1"/>
-            </a:fillRef>
-            <a:effectRef idx="2">
-              <a:schemeClr val="accent1"/>
-            </a:effectRef>
-            <a:fontRef idx="minor">
-              <a:schemeClr val="lt1"/>
-            </a:fontRef>
-          </p:style>
-          <p:txBody>
-            <a:bodyPr rtlCol="0" anchor="ctr"/>
-            <a:lstStyle/>
-            <a:p>
-              <a:pPr algn="ctr"/>
-              <a:endParaRPr lang="es-ES" dirty="0"/>
-            </a:p>
-          </p:txBody>
-        </p:sp>
-        <p:sp>
-          <p:nvSpPr>
-            <p:cNvPr id="10" name="CuadroTexto 9"/>
-            <p:cNvSpPr txBox="1"/>
-            <p:nvPr/>
-          </p:nvSpPr>
-          <p:spPr>
-            <a:xfrm>
-              <a:off x="992755" y="2458272"/>
-              <a:ext cx="2100925" cy="844560"/>
-            </a:xfrm>
-            <a:prstGeom prst="rect">
-              <a:avLst/>
-            </a:prstGeom>
-            <a:noFill/>
-          </p:spPr>
-          <p:txBody>
-            <a:bodyPr wrap="square" rtlCol="0">
-              <a:spAutoFit/>
-            </a:bodyPr>
-            <a:lstStyle/>
-            <a:p>
-              <a:r>
-                <a:rPr lang="es-AR" sz="2400" dirty="0" smtClean="0">
-                  <a:effectLst>
-                    <a:outerShdw blurRad="38100" dist="38100" dir="2700000" algn="tl">
-                      <a:srgbClr val="000000">
-                        <a:alpha val="43137"/>
-                      </a:srgbClr>
-                    </a:outerShdw>
-                  </a:effectLst>
-                </a:rPr>
-                <a:t>Velocidad del Equipo</a:t>
-              </a:r>
-              <a:endParaRPr lang="es-ES" sz="2400" dirty="0">
-                <a:effectLst>
-                  <a:outerShdw blurRad="38100" dist="38100" dir="2700000" algn="tl">
-                    <a:srgbClr val="000000">
-                      <a:alpha val="43137"/>
-                    </a:srgbClr>
-                  </a:outerShdw>
-                </a:effectLst>
-              </a:endParaRPr>
-            </a:p>
-          </p:txBody>
-        </p:sp>
-      </p:grpSp>
-      <p:grpSp>
-        <p:nvGrpSpPr>
-          <p:cNvPr id="12" name="Grupo 11"/>
-          <p:cNvGrpSpPr/>
-          <p:nvPr/>
-        </p:nvGrpSpPr>
-        <p:grpSpPr>
-          <a:xfrm>
-            <a:off x="7688242" y="1940220"/>
-            <a:ext cx="4361189" cy="529556"/>
-            <a:chOff x="808383" y="2186610"/>
-            <a:chExt cx="2521747" cy="968758"/>
-          </a:xfrm>
-        </p:grpSpPr>
-        <p:sp>
-          <p:nvSpPr>
-            <p:cNvPr id="13" name="Rectángulo redondeado 12"/>
-            <p:cNvSpPr/>
-            <p:nvPr/>
-          </p:nvSpPr>
-          <p:spPr>
-            <a:xfrm>
-              <a:off x="808383" y="2186610"/>
-              <a:ext cx="2213113" cy="954156"/>
-            </a:xfrm>
-            <a:prstGeom prst="roundRect">
-              <a:avLst/>
-            </a:prstGeom>
-            <a:ln w="38100">
-              <a:solidFill>
-                <a:schemeClr val="tx1">
-                  <a:lumMod val="75000"/>
-                </a:schemeClr>
-              </a:solidFill>
-            </a:ln>
-          </p:spPr>
-          <p:style>
-            <a:lnRef idx="1">
-              <a:schemeClr val="accent1"/>
-            </a:lnRef>
-            <a:fillRef idx="3">
-              <a:schemeClr val="accent1"/>
-            </a:fillRef>
-            <a:effectRef idx="2">
-              <a:schemeClr val="accent1"/>
-            </a:effectRef>
-            <a:fontRef idx="minor">
-              <a:schemeClr val="lt1"/>
-            </a:fontRef>
-          </p:style>
-          <p:txBody>
-            <a:bodyPr rtlCol="0" anchor="ctr"/>
-            <a:lstStyle/>
-            <a:p>
-              <a:pPr algn="ctr"/>
-              <a:endParaRPr lang="es-ES" dirty="0"/>
-            </a:p>
-          </p:txBody>
-        </p:sp>
-        <p:sp>
-          <p:nvSpPr>
-            <p:cNvPr id="14" name="CuadroTexto 13"/>
-            <p:cNvSpPr txBox="1"/>
-            <p:nvPr/>
-          </p:nvSpPr>
-          <p:spPr>
-            <a:xfrm>
-              <a:off x="922240" y="2310808"/>
-              <a:ext cx="2407890" cy="844560"/>
-            </a:xfrm>
-            <a:prstGeom prst="rect">
-              <a:avLst/>
-            </a:prstGeom>
-            <a:noFill/>
-          </p:spPr>
-          <p:txBody>
-            <a:bodyPr wrap="square" rtlCol="0">
-              <a:spAutoFit/>
-            </a:bodyPr>
-            <a:lstStyle/>
-            <a:p>
-              <a:r>
-                <a:rPr lang="es-AR" sz="2400" dirty="0" smtClean="0">
-                  <a:effectLst>
-                    <a:outerShdw blurRad="38100" dist="38100" dir="2700000" algn="tl">
-                      <a:srgbClr val="000000">
-                        <a:alpha val="43137"/>
-                      </a:srgbClr>
-                    </a:outerShdw>
-                  </a:effectLst>
-                </a:rPr>
-                <a:t>Capacidad del Equipo</a:t>
-              </a:r>
-              <a:endParaRPr lang="es-ES" sz="2400" dirty="0">
-                <a:effectLst>
-                  <a:outerShdw blurRad="38100" dist="38100" dir="2700000" algn="tl">
-                    <a:srgbClr val="000000">
-                      <a:alpha val="43137"/>
-                    </a:srgbClr>
-                  </a:outerShdw>
-                </a:effectLst>
-              </a:endParaRPr>
-            </a:p>
-          </p:txBody>
-        </p:sp>
-      </p:grpSp>
-      <p:pic>
-        <p:nvPicPr>
-          <p:cNvPr id="4" name="Imagen 3"/>
-          <p:cNvPicPr>
-            <a:picLocks noChangeAspect="1"/>
-          </p:cNvPicPr>
-          <p:nvPr/>
-        </p:nvPicPr>
-        <p:blipFill>
-          <a:blip r:embed="rId4"/>
-          <a:stretch>
-            <a:fillRect/>
-          </a:stretch>
-        </p:blipFill>
-        <p:spPr>
-          <a:xfrm>
-            <a:off x="113875" y="2650432"/>
-            <a:ext cx="6094968" cy="4077913"/>
-          </a:xfrm>
-          <a:prstGeom prst="rect">
-            <a:avLst/>
-          </a:prstGeom>
-          <a:ln w="38100">
-            <a:solidFill>
-              <a:srgbClr val="66B453"/>
-            </a:solidFill>
-          </a:ln>
-        </p:spPr>
-      </p:pic>
-      <p:grpSp>
-        <p:nvGrpSpPr>
-          <p:cNvPr id="3" name="Grupo 2"/>
-          <p:cNvGrpSpPr/>
-          <p:nvPr/>
-        </p:nvGrpSpPr>
-        <p:grpSpPr>
-          <a:xfrm>
-            <a:off x="794208" y="1798831"/>
-            <a:ext cx="1006593" cy="990459"/>
-            <a:chOff x="1306703" y="2567475"/>
-            <a:chExt cx="1897341" cy="1749012"/>
-          </a:xfrm>
-        </p:grpSpPr>
-        <p:sp>
-          <p:nvSpPr>
-            <p:cNvPr id="7" name="Elipse 6"/>
-            <p:cNvSpPr/>
-            <p:nvPr/>
-          </p:nvSpPr>
-          <p:spPr>
-            <a:xfrm>
-              <a:off x="1306703" y="2567475"/>
-              <a:ext cx="1897341" cy="1749012"/>
-            </a:xfrm>
-            <a:prstGeom prst="ellipse">
-              <a:avLst/>
-            </a:prstGeom>
-            <a:solidFill>
-              <a:schemeClr val="tx1">
-                <a:lumMod val="95000"/>
-              </a:schemeClr>
-            </a:solidFill>
-            <a:ln w="57150"/>
-          </p:spPr>
-          <p:style>
-            <a:lnRef idx="2">
-              <a:schemeClr val="accent1">
-                <a:shade val="50000"/>
-              </a:schemeClr>
-            </a:lnRef>
-            <a:fillRef idx="1">
-              <a:schemeClr val="accent1"/>
-            </a:fillRef>
-            <a:effectRef idx="0">
-              <a:schemeClr val="accent1"/>
-            </a:effectRef>
-            <a:fontRef idx="minor">
-              <a:schemeClr val="lt1"/>
-            </a:fontRef>
-          </p:style>
-          <p:txBody>
-            <a:bodyPr rtlCol="0" anchor="ctr"/>
-            <a:lstStyle/>
-            <a:p>
-              <a:pPr algn="ctr"/>
-              <a:endParaRPr lang="es-ES"/>
-            </a:p>
-          </p:txBody>
-        </p:sp>
-        <p:pic>
-          <p:nvPicPr>
-            <p:cNvPr id="2050" name="Picture 2"/>
-            <p:cNvPicPr>
-              <a:picLocks noChangeAspect="1" noChangeArrowheads="1"/>
-            </p:cNvPicPr>
-            <p:nvPr/>
-          </p:nvPicPr>
-          <p:blipFill>
-            <a:blip r:embed="rId5">
-              <a:extLst>
-                <a:ext uri="{28A0092B-C50C-407E-A947-70E740481C1C}">
-                  <a14:useLocalDpi xmlns:a14="http://schemas.microsoft.com/office/drawing/2010/main" val="0"/>
-                </a:ext>
-              </a:extLst>
-            </a:blip>
-            <a:stretch>
-              <a:fillRect/>
-            </a:stretch>
-          </p:blipFill>
-          <p:spPr bwMode="auto">
-            <a:xfrm>
-              <a:off x="1613928" y="2928480"/>
-              <a:ext cx="1282890" cy="1027002"/>
-            </a:xfrm>
-            <a:prstGeom prst="rect">
-              <a:avLst/>
-            </a:prstGeom>
-            <a:noFill/>
-            <a:extLst>
-              <a:ext uri="{909E8E84-426E-40DD-AFC4-6F175D3DCCD1}">
-                <a14:hiddenFill xmlns:a14="http://schemas.microsoft.com/office/drawing/2010/main">
-                  <a:solidFill>
-                    <a:srgbClr val="FFFFFF"/>
-                  </a:solidFill>
-                </a14:hiddenFill>
-              </a:ext>
-            </a:extLst>
-          </p:spPr>
-        </p:pic>
-      </p:grpSp>
-      <p:pic>
-        <p:nvPicPr>
-          <p:cNvPr id="6" name="Imagen 5"/>
-          <p:cNvPicPr>
-            <a:picLocks noChangeAspect="1"/>
-          </p:cNvPicPr>
-          <p:nvPr/>
-        </p:nvPicPr>
-        <p:blipFill>
-          <a:blip r:embed="rId6"/>
-          <a:stretch>
-            <a:fillRect/>
-          </a:stretch>
-        </p:blipFill>
-        <p:spPr>
-          <a:xfrm>
-            <a:off x="6208843" y="2650431"/>
-            <a:ext cx="5840589" cy="4077913"/>
-          </a:xfrm>
-          <a:prstGeom prst="rect">
-            <a:avLst/>
-          </a:prstGeom>
-          <a:ln w="38100">
-            <a:solidFill>
-              <a:srgbClr val="66B453"/>
-            </a:solidFill>
-          </a:ln>
-        </p:spPr>
-      </p:pic>
-      <p:grpSp>
-        <p:nvGrpSpPr>
-          <p:cNvPr id="20" name="Grupo 19"/>
-          <p:cNvGrpSpPr/>
-          <p:nvPr/>
-        </p:nvGrpSpPr>
-        <p:grpSpPr>
-          <a:xfrm>
-            <a:off x="6845967" y="1759507"/>
-            <a:ext cx="1006593" cy="990459"/>
-            <a:chOff x="1306703" y="2567475"/>
-            <a:chExt cx="1897341" cy="1749012"/>
-          </a:xfrm>
-        </p:grpSpPr>
-        <p:sp>
-          <p:nvSpPr>
-            <p:cNvPr id="21" name="Elipse 20"/>
-            <p:cNvSpPr/>
-            <p:nvPr/>
-          </p:nvSpPr>
-          <p:spPr>
-            <a:xfrm>
-              <a:off x="1306703" y="2567475"/>
-              <a:ext cx="1897341" cy="1749012"/>
-            </a:xfrm>
-            <a:prstGeom prst="ellipse">
-              <a:avLst/>
-            </a:prstGeom>
-            <a:solidFill>
-              <a:schemeClr val="tx1">
-                <a:lumMod val="95000"/>
-              </a:schemeClr>
-            </a:solidFill>
-            <a:ln w="57150"/>
-          </p:spPr>
-          <p:style>
-            <a:lnRef idx="2">
-              <a:schemeClr val="accent1">
-                <a:shade val="50000"/>
-              </a:schemeClr>
-            </a:lnRef>
-            <a:fillRef idx="1">
-              <a:schemeClr val="accent1"/>
-            </a:fillRef>
-            <a:effectRef idx="0">
-              <a:schemeClr val="accent1"/>
-            </a:effectRef>
-            <a:fontRef idx="minor">
-              <a:schemeClr val="lt1"/>
-            </a:fontRef>
-          </p:style>
-          <p:txBody>
-            <a:bodyPr rtlCol="0" anchor="ctr"/>
-            <a:lstStyle/>
-            <a:p>
-              <a:pPr algn="ctr"/>
-              <a:endParaRPr lang="es-ES"/>
-            </a:p>
-          </p:txBody>
-        </p:sp>
-        <p:pic>
-          <p:nvPicPr>
-            <p:cNvPr id="22" name="Picture 2"/>
-            <p:cNvPicPr>
-              <a:picLocks noChangeAspect="1" noChangeArrowheads="1"/>
-            </p:cNvPicPr>
-            <p:nvPr/>
-          </p:nvPicPr>
-          <p:blipFill>
-            <a:blip r:embed="rId5">
-              <a:extLst>
-                <a:ext uri="{28A0092B-C50C-407E-A947-70E740481C1C}">
-                  <a14:useLocalDpi xmlns:a14="http://schemas.microsoft.com/office/drawing/2010/main" val="0"/>
-                </a:ext>
-              </a:extLst>
-            </a:blip>
-            <a:stretch>
-              <a:fillRect/>
-            </a:stretch>
-          </p:blipFill>
-          <p:spPr bwMode="auto">
-            <a:xfrm>
-              <a:off x="1613928" y="2928480"/>
-              <a:ext cx="1282890" cy="1027002"/>
-            </a:xfrm>
-            <a:prstGeom prst="rect">
-              <a:avLst/>
-            </a:prstGeom>
-            <a:noFill/>
-            <a:extLst>
-              <a:ext uri="{909E8E84-426E-40DD-AFC4-6F175D3DCCD1}">
-                <a14:hiddenFill xmlns:a14="http://schemas.microsoft.com/office/drawing/2010/main">
-                  <a:solidFill>
-                    <a:srgbClr val="FFFFFF"/>
-                  </a:solidFill>
-                </a14:hiddenFill>
-              </a:ext>
-            </a:extLst>
-          </p:spPr>
-        </p:pic>
-      </p:grpSp>
-    </p:spTree>
-    <p:extLst>
-      <p:ext uri="{BB962C8B-B14F-4D97-AF65-F5344CB8AC3E}">
-        <p14:creationId xmlns:p14="http://schemas.microsoft.com/office/powerpoint/2010/main" val="2489126557"/>
-      </p:ext>
-    </p:extLst>
-  </p:cSld>
-  <p:clrMapOvr>
-    <a:masterClrMapping/>
-  </p:clrMapOvr>
-  <p:transition spd="med">
-    <p:fade/>
-  </p:transition>
-  <p:timing>
-    <p:tnLst>
-      <p:par>
-        <p:cTn id="1" dur="indefinite" restart="never" nodeType="tmRoot"/>
-      </p:par>
-    </p:tnLst>
-  </p:timing>
-</p:sld>
-</file>
-
-<file path=ppt/slides/slide11.xml><?xml version="1.0" encoding="utf-8"?>
-<p:sld xmlns:a="http://schemas.openxmlformats.org/drawingml/2006/main" xmlns:r="http://schemas.openxmlformats.org/officeDocument/2006/relationships" xmlns:p="http://schemas.openxmlformats.org/presentationml/2006/main">
-  <p:cSld>
-    <p:spTree>
-      <p:nvGrpSpPr>
-        <p:cNvPr id="1" name=""/>
-        <p:cNvGrpSpPr/>
-        <p:nvPr/>
-      </p:nvGrpSpPr>
-      <p:grpSpPr>
-        <a:xfrm>
-          <a:off x="0" y="0"/>
-          <a:ext cx="0" cy="0"/>
-          <a:chOff x="0" y="0"/>
-          <a:chExt cx="0" cy="0"/>
-        </a:xfrm>
-      </p:grpSpPr>
-      <p:sp>
-        <p:nvSpPr>
-          <p:cNvPr id="2" name="Título 1"/>
-          <p:cNvSpPr>
-            <a:spLocks noGrp="1"/>
-          </p:cNvSpPr>
-          <p:nvPr>
-            <p:ph type="title"/>
-          </p:nvPr>
-        </p:nvSpPr>
-        <p:spPr>
-          <a:xfrm>
-            <a:off x="2247899" y="192581"/>
-            <a:ext cx="9172198" cy="970450"/>
-          </a:xfrm>
-        </p:spPr>
-        <p:txBody>
-          <a:bodyPr/>
-          <a:lstStyle/>
-          <a:p>
-            <a:r>
-              <a:rPr lang="es-AR" dirty="0" smtClean="0"/>
-              <a:t>Métricas e Indicadores de Proyecto</a:t>
-            </a:r>
-            <a:endParaRPr lang="es-AR" dirty="0"/>
-          </a:p>
-        </p:txBody>
-      </p:sp>
-      <p:pic>
-        <p:nvPicPr>
-          <p:cNvPr id="5" name="Imagen 4"/>
-          <p:cNvPicPr>
-            <a:picLocks noChangeAspect="1"/>
-          </p:cNvPicPr>
-          <p:nvPr/>
-        </p:nvPicPr>
-        <p:blipFill>
-          <a:blip r:embed="rId3">
-            <a:grayscl/>
-            <a:extLst>
-              <a:ext uri="{28A0092B-C50C-407E-A947-70E740481C1C}">
-                <a14:useLocalDpi xmlns:a14="http://schemas.microsoft.com/office/drawing/2010/main" val="0"/>
-              </a:ext>
-            </a:extLst>
-          </a:blip>
-          <a:stretch>
-            <a:fillRect/>
-          </a:stretch>
-        </p:blipFill>
-        <p:spPr>
-          <a:xfrm>
-            <a:off x="422650" y="0"/>
-            <a:ext cx="1780799" cy="1798832"/>
-          </a:xfrm>
-          <a:prstGeom prst="rect">
-            <a:avLst/>
-          </a:prstGeom>
-        </p:spPr>
-      </p:pic>
-      <p:grpSp>
-        <p:nvGrpSpPr>
-          <p:cNvPr id="8" name="Grupo 7"/>
-          <p:cNvGrpSpPr/>
-          <p:nvPr/>
-        </p:nvGrpSpPr>
-        <p:grpSpPr>
-          <a:xfrm>
             <a:off x="2834490" y="1826128"/>
             <a:ext cx="5133343" cy="521574"/>
             <a:chOff x="808383" y="2186610"/>
@@ -27544,7 +25791,7 @@
 </p:sld>
 </file>
 
-<file path=ppt/slides/slide12.xml><?xml version="1.0" encoding="utf-8"?>
+<file path=ppt/slides/slide11.xml><?xml version="1.0" encoding="utf-8"?>
 <p:sld xmlns:a="http://schemas.openxmlformats.org/drawingml/2006/main" xmlns:r="http://schemas.openxmlformats.org/officeDocument/2006/relationships" xmlns:p="http://schemas.openxmlformats.org/presentationml/2006/main">
   <p:cSld>
     <p:spTree>
@@ -27880,7 +26127,7 @@
 </p:sld>
 </file>
 
-<file path=ppt/slides/slide13.xml><?xml version="1.0" encoding="utf-8"?>
+<file path=ppt/slides/slide12.xml><?xml version="1.0" encoding="utf-8"?>
 <p:sld xmlns:a="http://schemas.openxmlformats.org/drawingml/2006/main" xmlns:r="http://schemas.openxmlformats.org/officeDocument/2006/relationships" xmlns:p="http://schemas.openxmlformats.org/presentationml/2006/main">
   <p:cSld>
     <p:spTree>
@@ -28216,7 +26463,7 @@
 </p:sld>
 </file>
 
-<file path=ppt/slides/slide14.xml><?xml version="1.0" encoding="utf-8"?>
+<file path=ppt/slides/slide13.xml><?xml version="1.0" encoding="utf-8"?>
 <p:sld xmlns:a="http://schemas.openxmlformats.org/drawingml/2006/main" xmlns:r="http://schemas.openxmlformats.org/officeDocument/2006/relationships" xmlns:p="http://schemas.openxmlformats.org/presentationml/2006/main">
   <p:cSld>
     <p:spTree>
@@ -29338,7 +27585,7 @@
 </p:sld>
 </file>
 
-<file path=ppt/slides/slide15.xml><?xml version="1.0" encoding="utf-8"?>
+<file path=ppt/slides/slide14.xml><?xml version="1.0" encoding="utf-8"?>
 <p:sld xmlns:a="http://schemas.openxmlformats.org/drawingml/2006/main" xmlns:r="http://schemas.openxmlformats.org/officeDocument/2006/relationships" xmlns:p="http://schemas.openxmlformats.org/presentationml/2006/main">
   <p:cSld>
     <p:spTree>
@@ -30139,7 +28386,7 @@
 </p:sld>
 </file>
 
-<file path=ppt/slides/slide16.xml><?xml version="1.0" encoding="utf-8"?>
+<file path=ppt/slides/slide15.xml><?xml version="1.0" encoding="utf-8"?>
 <p:sld xmlns:a="http://schemas.openxmlformats.org/drawingml/2006/main" xmlns:r="http://schemas.openxmlformats.org/officeDocument/2006/relationships" xmlns:p="http://schemas.openxmlformats.org/presentationml/2006/main">
   <p:cSld>
     <p:spTree>
@@ -31236,7 +29483,7 @@
 </p:sld>
 </file>
 
-<file path=ppt/slides/slide17.xml><?xml version="1.0" encoding="utf-8"?>
+<file path=ppt/slides/slide16.xml><?xml version="1.0" encoding="utf-8"?>
 <p:sld xmlns:a="http://schemas.openxmlformats.org/drawingml/2006/main" xmlns:r="http://schemas.openxmlformats.org/officeDocument/2006/relationships" xmlns:p="http://schemas.openxmlformats.org/presentationml/2006/main">
   <p:cSld>
     <p:spTree>
@@ -31718,7 +29965,7 @@
 </p:sld>
 </file>
 
-<file path=ppt/slides/slide18.xml><?xml version="1.0" encoding="utf-8"?>
+<file path=ppt/slides/slide17.xml><?xml version="1.0" encoding="utf-8"?>
 <p:sld xmlns:a="http://schemas.openxmlformats.org/drawingml/2006/main" xmlns:r="http://schemas.openxmlformats.org/officeDocument/2006/relationships" xmlns:p="http://schemas.openxmlformats.org/presentationml/2006/main">
   <p:cSld>
     <p:spTree>
@@ -31883,8 +30130,8 @@
         </p:nvSpPr>
         <p:spPr>
           <a:xfrm>
-            <a:off x="1168400" y="1802646"/>
-            <a:ext cx="9677400" cy="5055354"/>
+            <a:off x="975182" y="1623848"/>
+            <a:ext cx="10104821" cy="5234152"/>
           </a:xfrm>
           <a:prstGeom prst="roundRect">
             <a:avLst/>
@@ -31943,8 +30190,8 @@
         </p:blipFill>
         <p:spPr>
           <a:xfrm>
-            <a:off x="1781504" y="1906588"/>
-            <a:ext cx="8451799" cy="4762226"/>
+            <a:off x="1016168" y="1657863"/>
+            <a:ext cx="10063835" cy="5444187"/>
           </a:xfrm>
           <a:prstGeom prst="rect">
             <a:avLst/>
@@ -31974,7 +30221,7 @@
 </p:sld>
 </file>
 
-<file path=ppt/slides/slide19.xml><?xml version="1.0" encoding="utf-8"?>
+<file path=ppt/slides/slide18.xml><?xml version="1.0" encoding="utf-8"?>
 <p:sld xmlns:a="http://schemas.openxmlformats.org/drawingml/2006/main" xmlns:r="http://schemas.openxmlformats.org/officeDocument/2006/relationships" xmlns:p="http://schemas.openxmlformats.org/presentationml/2006/main">
   <p:cSld>
     <p:spTree>
@@ -35089,424 +33336,7 @@
 </p:sld>
 </file>
 
-<file path=ppt/slides/slide2.xml><?xml version="1.0" encoding="utf-8"?>
-<p:sld xmlns:a="http://schemas.openxmlformats.org/drawingml/2006/main" xmlns:r="http://schemas.openxmlformats.org/officeDocument/2006/relationships" xmlns:p="http://schemas.openxmlformats.org/presentationml/2006/main">
-  <p:cSld>
-    <p:spTree>
-      <p:nvGrpSpPr>
-        <p:cNvPr id="1" name=""/>
-        <p:cNvGrpSpPr/>
-        <p:nvPr/>
-      </p:nvGrpSpPr>
-      <p:grpSpPr>
-        <a:xfrm>
-          <a:off x="0" y="0"/>
-          <a:ext cx="0" cy="0"/>
-          <a:chOff x="0" y="0"/>
-          <a:chExt cx="0" cy="0"/>
-        </a:xfrm>
-      </p:grpSpPr>
-      <p:sp>
-        <p:nvSpPr>
-          <p:cNvPr id="4" name="Elipse 3"/>
-          <p:cNvSpPr/>
-          <p:nvPr/>
-        </p:nvSpPr>
-        <p:spPr>
-          <a:xfrm>
-            <a:off x="836908" y="1918533"/>
-            <a:ext cx="4339526" cy="4401519"/>
-          </a:xfrm>
-          <a:prstGeom prst="ellipse">
-            <a:avLst/>
-          </a:prstGeom>
-          <a:solidFill>
-            <a:schemeClr val="tx1">
-              <a:lumMod val="95000"/>
-            </a:schemeClr>
-          </a:solidFill>
-          <a:ln w="76200"/>
-        </p:spPr>
-        <p:style>
-          <a:lnRef idx="2">
-            <a:schemeClr val="accent1">
-              <a:shade val="50000"/>
-            </a:schemeClr>
-          </a:lnRef>
-          <a:fillRef idx="1">
-            <a:schemeClr val="accent1"/>
-          </a:fillRef>
-          <a:effectRef idx="0">
-            <a:schemeClr val="accent1"/>
-          </a:effectRef>
-          <a:fontRef idx="minor">
-            <a:schemeClr val="lt1"/>
-          </a:fontRef>
-        </p:style>
-        <p:txBody>
-          <a:bodyPr rtlCol="0" anchor="ctr"/>
-          <a:lstStyle/>
-          <a:p>
-            <a:pPr algn="ctr"/>
-            <a:endParaRPr lang="es-ES">
-              <a:solidFill>
-                <a:schemeClr val="tx1">
-                  <a:lumMod val="95000"/>
-                </a:schemeClr>
-              </a:solidFill>
-            </a:endParaRPr>
-          </a:p>
-        </p:txBody>
-      </p:sp>
-      <p:sp>
-        <p:nvSpPr>
-          <p:cNvPr id="2" name="Título 1"/>
-          <p:cNvSpPr>
-            <a:spLocks noGrp="1"/>
-          </p:cNvSpPr>
-          <p:nvPr>
-            <p:ph type="title"/>
-          </p:nvPr>
-        </p:nvSpPr>
-        <p:spPr>
-          <a:xfrm>
-            <a:off x="2247899" y="192581"/>
-            <a:ext cx="9172198" cy="970450"/>
-          </a:xfrm>
-        </p:spPr>
-        <p:txBody>
-          <a:bodyPr/>
-          <a:lstStyle/>
-          <a:p>
-            <a:r>
-              <a:rPr lang="es-AR" dirty="0" smtClean="0"/>
-              <a:t>Agenda</a:t>
-            </a:r>
-            <a:endParaRPr lang="es-AR" dirty="0"/>
-          </a:p>
-        </p:txBody>
-      </p:sp>
-      <p:pic>
-        <p:nvPicPr>
-          <p:cNvPr id="5" name="Imagen 4"/>
-          <p:cNvPicPr>
-            <a:picLocks noChangeAspect="1"/>
-          </p:cNvPicPr>
-          <p:nvPr/>
-        </p:nvPicPr>
-        <p:blipFill>
-          <a:blip r:embed="rId3">
-            <a:grayscl/>
-            <a:extLst>
-              <a:ext uri="{28A0092B-C50C-407E-A947-70E740481C1C}">
-                <a14:useLocalDpi xmlns:a14="http://schemas.microsoft.com/office/drawing/2010/main" val="0"/>
-              </a:ext>
-            </a:extLst>
-          </a:blip>
-          <a:stretch>
-            <a:fillRect/>
-          </a:stretch>
-        </p:blipFill>
-        <p:spPr>
-          <a:xfrm>
-            <a:off x="422650" y="0"/>
-            <a:ext cx="1780799" cy="1798832"/>
-          </a:xfrm>
-          <a:prstGeom prst="rect">
-            <a:avLst/>
-          </a:prstGeom>
-        </p:spPr>
-      </p:pic>
-      <p:graphicFrame>
-        <p:nvGraphicFramePr>
-          <p:cNvPr id="6" name="Diagrama 5"/>
-          <p:cNvGraphicFramePr/>
-          <p:nvPr>
-            <p:extLst>
-              <p:ext uri="{D42A27DB-BD31-4B8C-83A1-F6EECF244321}">
-                <p14:modId xmlns:p14="http://schemas.microsoft.com/office/powerpoint/2010/main" val="3672896094"/>
-              </p:ext>
-            </p:extLst>
-          </p:nvPr>
-        </p:nvGraphicFramePr>
-        <p:xfrm>
-          <a:off x="4699292" y="1643849"/>
-          <a:ext cx="6552478" cy="5059168"/>
-        </p:xfrm>
-        <a:graphic>
-          <a:graphicData uri="http://schemas.openxmlformats.org/drawingml/2006/diagram">
-            <dgm:relIds xmlns:dgm="http://schemas.openxmlformats.org/drawingml/2006/diagram" xmlns:r="http://schemas.openxmlformats.org/officeDocument/2006/relationships" r:dm="rId4" r:lo="rId5" r:qs="rId6" r:cs="rId7"/>
-          </a:graphicData>
-        </a:graphic>
-      </p:graphicFrame>
-      <p:pic>
-        <p:nvPicPr>
-          <p:cNvPr id="1026" name="Picture 2" descr="Appointment diary with label"/>
-          <p:cNvPicPr>
-            <a:picLocks noChangeAspect="1" noChangeArrowheads="1"/>
-          </p:cNvPicPr>
-          <p:nvPr/>
-        </p:nvPicPr>
-        <p:blipFill>
-          <a:blip r:embed="rId9">
-            <a:duotone>
-              <a:schemeClr val="accent1">
-                <a:shade val="45000"/>
-                <a:satMod val="135000"/>
-              </a:schemeClr>
-              <a:prstClr val="white"/>
-            </a:duotone>
-            <a:extLst>
-              <a:ext uri="{28A0092B-C50C-407E-A947-70E740481C1C}">
-                <a14:useLocalDpi xmlns:a14="http://schemas.microsoft.com/office/drawing/2010/main" val="0"/>
-              </a:ext>
-            </a:extLst>
-          </a:blip>
-          <a:srcRect/>
-          <a:stretch>
-            <a:fillRect/>
-          </a:stretch>
-        </p:blipFill>
-        <p:spPr bwMode="auto">
-          <a:xfrm>
-            <a:off x="1607517" y="2795316"/>
-            <a:ext cx="2438400" cy="2647951"/>
-          </a:xfrm>
-          <a:prstGeom prst="rect">
-            <a:avLst/>
-          </a:prstGeom>
-          <a:noFill/>
-          <a:extLst>
-            <a:ext uri="{909E8E84-426E-40DD-AFC4-6F175D3DCCD1}">
-              <a14:hiddenFill xmlns:a14="http://schemas.microsoft.com/office/drawing/2010/main">
-                <a:solidFill>
-                  <a:srgbClr val="FFFFFF"/>
-                </a:solidFill>
-              </a14:hiddenFill>
-            </a:ext>
-          </a:extLst>
-        </p:spPr>
-      </p:pic>
-      <p:sp>
-        <p:nvSpPr>
-          <p:cNvPr id="3" name="CuadroTexto 2"/>
-          <p:cNvSpPr txBox="1"/>
-          <p:nvPr/>
-        </p:nvSpPr>
-        <p:spPr>
-          <a:xfrm>
-            <a:off x="4973016" y="1918533"/>
-            <a:ext cx="585492" cy="707886"/>
-          </a:xfrm>
-          <a:prstGeom prst="rect">
-            <a:avLst/>
-          </a:prstGeom>
-          <a:noFill/>
-        </p:spPr>
-        <p:txBody>
-          <a:bodyPr wrap="square" rtlCol="0">
-            <a:spAutoFit/>
-          </a:bodyPr>
-          <a:lstStyle/>
-          <a:p>
-            <a:r>
-              <a:rPr lang="es-AR" sz="4000" b="1" dirty="0" smtClean="0">
-                <a:solidFill>
-                  <a:schemeClr val="accent1">
-                    <a:lumMod val="75000"/>
-                  </a:schemeClr>
-                </a:solidFill>
-              </a:rPr>
-              <a:t>1</a:t>
-            </a:r>
-            <a:endParaRPr lang="es-AR" sz="4000" b="1" dirty="0">
-              <a:solidFill>
-                <a:schemeClr val="accent1">
-                  <a:lumMod val="75000"/>
-                </a:schemeClr>
-              </a:solidFill>
-            </a:endParaRPr>
-          </a:p>
-        </p:txBody>
-      </p:sp>
-      <p:sp>
-        <p:nvSpPr>
-          <p:cNvPr id="8" name="CuadroTexto 7"/>
-          <p:cNvSpPr txBox="1"/>
-          <p:nvPr/>
-        </p:nvSpPr>
-        <p:spPr>
-          <a:xfrm>
-            <a:off x="5394054" y="2896433"/>
-            <a:ext cx="585492" cy="707886"/>
-          </a:xfrm>
-          <a:prstGeom prst="rect">
-            <a:avLst/>
-          </a:prstGeom>
-          <a:noFill/>
-        </p:spPr>
-        <p:txBody>
-          <a:bodyPr wrap="square" rtlCol="0">
-            <a:spAutoFit/>
-          </a:bodyPr>
-          <a:lstStyle/>
-          <a:p>
-            <a:r>
-              <a:rPr lang="es-AR" sz="4000" b="1" dirty="0">
-                <a:solidFill>
-                  <a:schemeClr val="accent1">
-                    <a:lumMod val="75000"/>
-                  </a:schemeClr>
-                </a:solidFill>
-              </a:rPr>
-              <a:t>2</a:t>
-            </a:r>
-          </a:p>
-        </p:txBody>
-      </p:sp>
-      <p:sp>
-        <p:nvSpPr>
-          <p:cNvPr id="9" name="CuadroTexto 8"/>
-          <p:cNvSpPr txBox="1"/>
-          <p:nvPr/>
-        </p:nvSpPr>
-        <p:spPr>
-          <a:xfrm>
-            <a:off x="5529662" y="3816148"/>
-            <a:ext cx="585492" cy="707886"/>
-          </a:xfrm>
-          <a:prstGeom prst="rect">
-            <a:avLst/>
-          </a:prstGeom>
-          <a:noFill/>
-        </p:spPr>
-        <p:txBody>
-          <a:bodyPr wrap="square" rtlCol="0">
-            <a:spAutoFit/>
-          </a:bodyPr>
-          <a:lstStyle/>
-          <a:p>
-            <a:r>
-              <a:rPr lang="es-AR" sz="4000" b="1" dirty="0">
-                <a:solidFill>
-                  <a:schemeClr val="accent1">
-                    <a:lumMod val="75000"/>
-                  </a:schemeClr>
-                </a:solidFill>
-              </a:rPr>
-              <a:t>3</a:t>
-            </a:r>
-          </a:p>
-        </p:txBody>
-      </p:sp>
-      <p:sp>
-        <p:nvSpPr>
-          <p:cNvPr id="10" name="CuadroTexto 9"/>
-          <p:cNvSpPr txBox="1"/>
-          <p:nvPr/>
-        </p:nvSpPr>
-        <p:spPr>
-          <a:xfrm>
-            <a:off x="5394054" y="4784944"/>
-            <a:ext cx="585492" cy="707886"/>
-          </a:xfrm>
-          <a:prstGeom prst="rect">
-            <a:avLst/>
-          </a:prstGeom>
-          <a:noFill/>
-        </p:spPr>
-        <p:txBody>
-          <a:bodyPr wrap="square" rtlCol="0">
-            <a:spAutoFit/>
-          </a:bodyPr>
-          <a:lstStyle/>
-          <a:p>
-            <a:r>
-              <a:rPr lang="es-AR" sz="4000" b="1" dirty="0" smtClean="0">
-                <a:solidFill>
-                  <a:schemeClr val="accent1">
-                    <a:lumMod val="75000"/>
-                  </a:schemeClr>
-                </a:solidFill>
-              </a:rPr>
-              <a:t>4</a:t>
-            </a:r>
-            <a:endParaRPr lang="es-AR" sz="4000" b="1" dirty="0">
-              <a:solidFill>
-                <a:schemeClr val="accent1">
-                  <a:lumMod val="75000"/>
-                </a:schemeClr>
-              </a:solidFill>
-            </a:endParaRPr>
-          </a:p>
-        </p:txBody>
-      </p:sp>
-      <p:sp>
-        <p:nvSpPr>
-          <p:cNvPr id="11" name="CuadroTexto 10"/>
-          <p:cNvSpPr txBox="1"/>
-          <p:nvPr/>
-        </p:nvSpPr>
-        <p:spPr>
-          <a:xfrm>
-            <a:off x="4944170" y="5704659"/>
-            <a:ext cx="585492" cy="707886"/>
-          </a:xfrm>
-          <a:prstGeom prst="rect">
-            <a:avLst/>
-          </a:prstGeom>
-          <a:noFill/>
-        </p:spPr>
-        <p:txBody>
-          <a:bodyPr wrap="square" rtlCol="0">
-            <a:spAutoFit/>
-          </a:bodyPr>
-          <a:lstStyle/>
-          <a:p>
-            <a:r>
-              <a:rPr lang="es-AR" sz="4000" b="1" dirty="0" smtClean="0">
-                <a:solidFill>
-                  <a:schemeClr val="accent1">
-                    <a:lumMod val="75000"/>
-                  </a:schemeClr>
-                </a:solidFill>
-              </a:rPr>
-              <a:t>5</a:t>
-            </a:r>
-            <a:endParaRPr lang="es-AR" sz="4000" b="1" dirty="0">
-              <a:solidFill>
-                <a:schemeClr val="accent1">
-                  <a:lumMod val="75000"/>
-                </a:schemeClr>
-              </a:solidFill>
-            </a:endParaRPr>
-          </a:p>
-        </p:txBody>
-      </p:sp>
-    </p:spTree>
-    <p:extLst>
-      <p:ext uri="{BB962C8B-B14F-4D97-AF65-F5344CB8AC3E}">
-        <p14:creationId xmlns:p14="http://schemas.microsoft.com/office/powerpoint/2010/main" val="2076410356"/>
-      </p:ext>
-    </p:extLst>
-  </p:cSld>
-  <p:clrMapOvr>
-    <a:masterClrMapping/>
-  </p:clrMapOvr>
-  <p:transition spd="med">
-    <p:fade/>
-  </p:transition>
-  <p:timing>
-    <p:tnLst>
-      <p:par>
-        <p:cTn id="1" dur="indefinite" restart="never" nodeType="tmRoot"/>
-      </p:par>
-    </p:tnLst>
-  </p:timing>
-</p:sld>
-</file>
-
-<file path=ppt/slides/slide20.xml><?xml version="1.0" encoding="utf-8"?>
+<file path=ppt/slides/slide19.xml><?xml version="1.0" encoding="utf-8"?>
 <p:sld xmlns:a="http://schemas.openxmlformats.org/drawingml/2006/main" xmlns:r="http://schemas.openxmlformats.org/officeDocument/2006/relationships" xmlns:p="http://schemas.openxmlformats.org/presentationml/2006/main">
   <p:cSld>
     <p:spTree>
@@ -35856,6 +33686,423 @@
       <p:bldP spid="23" grpId="0" animBg="1"/>
       <p:bldP spid="3" grpId="0"/>
     </p:bldLst>
+  </p:timing>
+</p:sld>
+</file>
+
+<file path=ppt/slides/slide2.xml><?xml version="1.0" encoding="utf-8"?>
+<p:sld xmlns:a="http://schemas.openxmlformats.org/drawingml/2006/main" xmlns:r="http://schemas.openxmlformats.org/officeDocument/2006/relationships" xmlns:p="http://schemas.openxmlformats.org/presentationml/2006/main">
+  <p:cSld>
+    <p:spTree>
+      <p:nvGrpSpPr>
+        <p:cNvPr id="1" name=""/>
+        <p:cNvGrpSpPr/>
+        <p:nvPr/>
+      </p:nvGrpSpPr>
+      <p:grpSpPr>
+        <a:xfrm>
+          <a:off x="0" y="0"/>
+          <a:ext cx="0" cy="0"/>
+          <a:chOff x="0" y="0"/>
+          <a:chExt cx="0" cy="0"/>
+        </a:xfrm>
+      </p:grpSpPr>
+      <p:sp>
+        <p:nvSpPr>
+          <p:cNvPr id="4" name="Elipse 3"/>
+          <p:cNvSpPr/>
+          <p:nvPr/>
+        </p:nvSpPr>
+        <p:spPr>
+          <a:xfrm>
+            <a:off x="836908" y="1918533"/>
+            <a:ext cx="4339526" cy="4401519"/>
+          </a:xfrm>
+          <a:prstGeom prst="ellipse">
+            <a:avLst/>
+          </a:prstGeom>
+          <a:solidFill>
+            <a:schemeClr val="tx1">
+              <a:lumMod val="95000"/>
+            </a:schemeClr>
+          </a:solidFill>
+          <a:ln w="76200"/>
+        </p:spPr>
+        <p:style>
+          <a:lnRef idx="2">
+            <a:schemeClr val="accent1">
+              <a:shade val="50000"/>
+            </a:schemeClr>
+          </a:lnRef>
+          <a:fillRef idx="1">
+            <a:schemeClr val="accent1"/>
+          </a:fillRef>
+          <a:effectRef idx="0">
+            <a:schemeClr val="accent1"/>
+          </a:effectRef>
+          <a:fontRef idx="minor">
+            <a:schemeClr val="lt1"/>
+          </a:fontRef>
+        </p:style>
+        <p:txBody>
+          <a:bodyPr rtlCol="0" anchor="ctr"/>
+          <a:lstStyle/>
+          <a:p>
+            <a:pPr algn="ctr"/>
+            <a:endParaRPr lang="es-ES">
+              <a:solidFill>
+                <a:schemeClr val="tx1">
+                  <a:lumMod val="95000"/>
+                </a:schemeClr>
+              </a:solidFill>
+            </a:endParaRPr>
+          </a:p>
+        </p:txBody>
+      </p:sp>
+      <p:sp>
+        <p:nvSpPr>
+          <p:cNvPr id="2" name="Título 1"/>
+          <p:cNvSpPr>
+            <a:spLocks noGrp="1"/>
+          </p:cNvSpPr>
+          <p:nvPr>
+            <p:ph type="title"/>
+          </p:nvPr>
+        </p:nvSpPr>
+        <p:spPr>
+          <a:xfrm>
+            <a:off x="2247899" y="192581"/>
+            <a:ext cx="9172198" cy="970450"/>
+          </a:xfrm>
+        </p:spPr>
+        <p:txBody>
+          <a:bodyPr/>
+          <a:lstStyle/>
+          <a:p>
+            <a:r>
+              <a:rPr lang="es-AR" dirty="0" smtClean="0"/>
+              <a:t>Agenda</a:t>
+            </a:r>
+            <a:endParaRPr lang="es-AR" dirty="0"/>
+          </a:p>
+        </p:txBody>
+      </p:sp>
+      <p:pic>
+        <p:nvPicPr>
+          <p:cNvPr id="5" name="Imagen 4"/>
+          <p:cNvPicPr>
+            <a:picLocks noChangeAspect="1"/>
+          </p:cNvPicPr>
+          <p:nvPr/>
+        </p:nvPicPr>
+        <p:blipFill>
+          <a:blip r:embed="rId3">
+            <a:grayscl/>
+            <a:extLst>
+              <a:ext uri="{28A0092B-C50C-407E-A947-70E740481C1C}">
+                <a14:useLocalDpi xmlns:a14="http://schemas.microsoft.com/office/drawing/2010/main" val="0"/>
+              </a:ext>
+            </a:extLst>
+          </a:blip>
+          <a:stretch>
+            <a:fillRect/>
+          </a:stretch>
+        </p:blipFill>
+        <p:spPr>
+          <a:xfrm>
+            <a:off x="422650" y="0"/>
+            <a:ext cx="1780799" cy="1798832"/>
+          </a:xfrm>
+          <a:prstGeom prst="rect">
+            <a:avLst/>
+          </a:prstGeom>
+        </p:spPr>
+      </p:pic>
+      <p:graphicFrame>
+        <p:nvGraphicFramePr>
+          <p:cNvPr id="6" name="Diagrama 5"/>
+          <p:cNvGraphicFramePr/>
+          <p:nvPr>
+            <p:extLst>
+              <p:ext uri="{D42A27DB-BD31-4B8C-83A1-F6EECF244321}">
+                <p14:modId xmlns:p14="http://schemas.microsoft.com/office/powerpoint/2010/main" val="2749031806"/>
+              </p:ext>
+            </p:extLst>
+          </p:nvPr>
+        </p:nvGraphicFramePr>
+        <p:xfrm>
+          <a:off x="4699292" y="1643849"/>
+          <a:ext cx="6552478" cy="5059168"/>
+        </p:xfrm>
+        <a:graphic>
+          <a:graphicData uri="http://schemas.openxmlformats.org/drawingml/2006/diagram">
+            <dgm:relIds xmlns:dgm="http://schemas.openxmlformats.org/drawingml/2006/diagram" xmlns:r="http://schemas.openxmlformats.org/officeDocument/2006/relationships" r:dm="rId4" r:lo="rId5" r:qs="rId6" r:cs="rId7"/>
+          </a:graphicData>
+        </a:graphic>
+      </p:graphicFrame>
+      <p:pic>
+        <p:nvPicPr>
+          <p:cNvPr id="1026" name="Picture 2" descr="Appointment diary with label"/>
+          <p:cNvPicPr>
+            <a:picLocks noChangeAspect="1" noChangeArrowheads="1"/>
+          </p:cNvPicPr>
+          <p:nvPr/>
+        </p:nvPicPr>
+        <p:blipFill>
+          <a:blip r:embed="rId9">
+            <a:duotone>
+              <a:schemeClr val="accent1">
+                <a:shade val="45000"/>
+                <a:satMod val="135000"/>
+              </a:schemeClr>
+              <a:prstClr val="white"/>
+            </a:duotone>
+            <a:extLst>
+              <a:ext uri="{28A0092B-C50C-407E-A947-70E740481C1C}">
+                <a14:useLocalDpi xmlns:a14="http://schemas.microsoft.com/office/drawing/2010/main" val="0"/>
+              </a:ext>
+            </a:extLst>
+          </a:blip>
+          <a:srcRect/>
+          <a:stretch>
+            <a:fillRect/>
+          </a:stretch>
+        </p:blipFill>
+        <p:spPr bwMode="auto">
+          <a:xfrm>
+            <a:off x="1607517" y="2795316"/>
+            <a:ext cx="2438400" cy="2647951"/>
+          </a:xfrm>
+          <a:prstGeom prst="rect">
+            <a:avLst/>
+          </a:prstGeom>
+          <a:noFill/>
+          <a:extLst>
+            <a:ext uri="{909E8E84-426E-40DD-AFC4-6F175D3DCCD1}">
+              <a14:hiddenFill xmlns:a14="http://schemas.microsoft.com/office/drawing/2010/main">
+                <a:solidFill>
+                  <a:srgbClr val="FFFFFF"/>
+                </a:solidFill>
+              </a14:hiddenFill>
+            </a:ext>
+          </a:extLst>
+        </p:spPr>
+      </p:pic>
+      <p:sp>
+        <p:nvSpPr>
+          <p:cNvPr id="3" name="CuadroTexto 2"/>
+          <p:cNvSpPr txBox="1"/>
+          <p:nvPr/>
+        </p:nvSpPr>
+        <p:spPr>
+          <a:xfrm>
+            <a:off x="4973016" y="1918533"/>
+            <a:ext cx="585492" cy="707886"/>
+          </a:xfrm>
+          <a:prstGeom prst="rect">
+            <a:avLst/>
+          </a:prstGeom>
+          <a:noFill/>
+        </p:spPr>
+        <p:txBody>
+          <a:bodyPr wrap="square" rtlCol="0">
+            <a:spAutoFit/>
+          </a:bodyPr>
+          <a:lstStyle/>
+          <a:p>
+            <a:r>
+              <a:rPr lang="es-AR" sz="4000" b="1" dirty="0" smtClean="0">
+                <a:solidFill>
+                  <a:schemeClr val="accent1">
+                    <a:lumMod val="75000"/>
+                  </a:schemeClr>
+                </a:solidFill>
+              </a:rPr>
+              <a:t>1</a:t>
+            </a:r>
+            <a:endParaRPr lang="es-AR" sz="4000" b="1" dirty="0">
+              <a:solidFill>
+                <a:schemeClr val="accent1">
+                  <a:lumMod val="75000"/>
+                </a:schemeClr>
+              </a:solidFill>
+            </a:endParaRPr>
+          </a:p>
+        </p:txBody>
+      </p:sp>
+      <p:sp>
+        <p:nvSpPr>
+          <p:cNvPr id="8" name="CuadroTexto 7"/>
+          <p:cNvSpPr txBox="1"/>
+          <p:nvPr/>
+        </p:nvSpPr>
+        <p:spPr>
+          <a:xfrm>
+            <a:off x="5394054" y="2896433"/>
+            <a:ext cx="585492" cy="707886"/>
+          </a:xfrm>
+          <a:prstGeom prst="rect">
+            <a:avLst/>
+          </a:prstGeom>
+          <a:noFill/>
+        </p:spPr>
+        <p:txBody>
+          <a:bodyPr wrap="square" rtlCol="0">
+            <a:spAutoFit/>
+          </a:bodyPr>
+          <a:lstStyle/>
+          <a:p>
+            <a:r>
+              <a:rPr lang="es-AR" sz="4000" b="1" dirty="0">
+                <a:solidFill>
+                  <a:schemeClr val="accent1">
+                    <a:lumMod val="75000"/>
+                  </a:schemeClr>
+                </a:solidFill>
+              </a:rPr>
+              <a:t>2</a:t>
+            </a:r>
+          </a:p>
+        </p:txBody>
+      </p:sp>
+      <p:sp>
+        <p:nvSpPr>
+          <p:cNvPr id="9" name="CuadroTexto 8"/>
+          <p:cNvSpPr txBox="1"/>
+          <p:nvPr/>
+        </p:nvSpPr>
+        <p:spPr>
+          <a:xfrm>
+            <a:off x="5529662" y="3816148"/>
+            <a:ext cx="585492" cy="707886"/>
+          </a:xfrm>
+          <a:prstGeom prst="rect">
+            <a:avLst/>
+          </a:prstGeom>
+          <a:noFill/>
+        </p:spPr>
+        <p:txBody>
+          <a:bodyPr wrap="square" rtlCol="0">
+            <a:spAutoFit/>
+          </a:bodyPr>
+          <a:lstStyle/>
+          <a:p>
+            <a:r>
+              <a:rPr lang="es-AR" sz="4000" b="1" dirty="0">
+                <a:solidFill>
+                  <a:schemeClr val="accent1">
+                    <a:lumMod val="75000"/>
+                  </a:schemeClr>
+                </a:solidFill>
+              </a:rPr>
+              <a:t>3</a:t>
+            </a:r>
+          </a:p>
+        </p:txBody>
+      </p:sp>
+      <p:sp>
+        <p:nvSpPr>
+          <p:cNvPr id="10" name="CuadroTexto 9"/>
+          <p:cNvSpPr txBox="1"/>
+          <p:nvPr/>
+        </p:nvSpPr>
+        <p:spPr>
+          <a:xfrm>
+            <a:off x="5394054" y="4784944"/>
+            <a:ext cx="585492" cy="707886"/>
+          </a:xfrm>
+          <a:prstGeom prst="rect">
+            <a:avLst/>
+          </a:prstGeom>
+          <a:noFill/>
+        </p:spPr>
+        <p:txBody>
+          <a:bodyPr wrap="square" rtlCol="0">
+            <a:spAutoFit/>
+          </a:bodyPr>
+          <a:lstStyle/>
+          <a:p>
+            <a:r>
+              <a:rPr lang="es-AR" sz="4000" b="1" dirty="0" smtClean="0">
+                <a:solidFill>
+                  <a:schemeClr val="accent1">
+                    <a:lumMod val="75000"/>
+                  </a:schemeClr>
+                </a:solidFill>
+              </a:rPr>
+              <a:t>4</a:t>
+            </a:r>
+            <a:endParaRPr lang="es-AR" sz="4000" b="1" dirty="0">
+              <a:solidFill>
+                <a:schemeClr val="accent1">
+                  <a:lumMod val="75000"/>
+                </a:schemeClr>
+              </a:solidFill>
+            </a:endParaRPr>
+          </a:p>
+        </p:txBody>
+      </p:sp>
+      <p:sp>
+        <p:nvSpPr>
+          <p:cNvPr id="11" name="CuadroTexto 10"/>
+          <p:cNvSpPr txBox="1"/>
+          <p:nvPr/>
+        </p:nvSpPr>
+        <p:spPr>
+          <a:xfrm>
+            <a:off x="4944170" y="5704659"/>
+            <a:ext cx="585492" cy="707886"/>
+          </a:xfrm>
+          <a:prstGeom prst="rect">
+            <a:avLst/>
+          </a:prstGeom>
+          <a:noFill/>
+        </p:spPr>
+        <p:txBody>
+          <a:bodyPr wrap="square" rtlCol="0">
+            <a:spAutoFit/>
+          </a:bodyPr>
+          <a:lstStyle/>
+          <a:p>
+            <a:r>
+              <a:rPr lang="es-AR" sz="4000" b="1" dirty="0" smtClean="0">
+                <a:solidFill>
+                  <a:schemeClr val="accent1">
+                    <a:lumMod val="75000"/>
+                  </a:schemeClr>
+                </a:solidFill>
+              </a:rPr>
+              <a:t>5</a:t>
+            </a:r>
+            <a:endParaRPr lang="es-AR" sz="4000" b="1" dirty="0">
+              <a:solidFill>
+                <a:schemeClr val="accent1">
+                  <a:lumMod val="75000"/>
+                </a:schemeClr>
+              </a:solidFill>
+            </a:endParaRPr>
+          </a:p>
+        </p:txBody>
+      </p:sp>
+    </p:spTree>
+    <p:extLst>
+      <p:ext uri="{BB962C8B-B14F-4D97-AF65-F5344CB8AC3E}">
+        <p14:creationId xmlns:p14="http://schemas.microsoft.com/office/powerpoint/2010/main" val="2076410356"/>
+      </p:ext>
+    </p:extLst>
+  </p:cSld>
+  <p:clrMapOvr>
+    <a:masterClrMapping/>
+  </p:clrMapOvr>
+  <p:transition spd="med">
+    <p:fade/>
+  </p:transition>
+  <p:timing>
+    <p:tnLst>
+      <p:par>
+        <p:cTn id="1" dur="indefinite" restart="never" nodeType="tmRoot"/>
+      </p:par>
+    </p:tnLst>
   </p:timing>
 </p:sld>
 </file>
@@ -42955,127 +41202,6 @@
           <a:p>
             <a:r>
               <a:rPr lang="es-AR" dirty="0" smtClean="0"/>
-              <a:t>Herramientas de Desarrollo</a:t>
-            </a:r>
-            <a:endParaRPr lang="es-AR" dirty="0"/>
-          </a:p>
-        </p:txBody>
-      </p:sp>
-      <p:pic>
-        <p:nvPicPr>
-          <p:cNvPr id="5" name="Imagen 4"/>
-          <p:cNvPicPr>
-            <a:picLocks noChangeAspect="1"/>
-          </p:cNvPicPr>
-          <p:nvPr/>
-        </p:nvPicPr>
-        <p:blipFill>
-          <a:blip r:embed="rId3">
-            <a:grayscl/>
-            <a:extLst>
-              <a:ext uri="{28A0092B-C50C-407E-A947-70E740481C1C}">
-                <a14:useLocalDpi xmlns:a14="http://schemas.microsoft.com/office/drawing/2010/main" val="0"/>
-              </a:ext>
-            </a:extLst>
-          </a:blip>
-          <a:stretch>
-            <a:fillRect/>
-          </a:stretch>
-        </p:blipFill>
-        <p:spPr>
-          <a:xfrm>
-            <a:off x="422650" y="0"/>
-            <a:ext cx="1780799" cy="1798832"/>
-          </a:xfrm>
-          <a:prstGeom prst="rect">
-            <a:avLst/>
-          </a:prstGeom>
-        </p:spPr>
-      </p:pic>
-      <p:graphicFrame>
-        <p:nvGraphicFramePr>
-          <p:cNvPr id="23" name="Diagrama 22"/>
-          <p:cNvGraphicFramePr/>
-          <p:nvPr>
-            <p:extLst>
-              <p:ext uri="{D42A27DB-BD31-4B8C-83A1-F6EECF244321}">
-                <p14:modId xmlns:p14="http://schemas.microsoft.com/office/powerpoint/2010/main" val="1459061616"/>
-              </p:ext>
-            </p:extLst>
-          </p:nvPr>
-        </p:nvGraphicFramePr>
-        <p:xfrm>
-          <a:off x="1837006" y="1970943"/>
-          <a:ext cx="8152642" cy="4562523"/>
-        </p:xfrm>
-        <a:graphic>
-          <a:graphicData uri="http://schemas.openxmlformats.org/drawingml/2006/diagram">
-            <dgm:relIds xmlns:dgm="http://schemas.openxmlformats.org/drawingml/2006/diagram" xmlns:r="http://schemas.openxmlformats.org/officeDocument/2006/relationships" r:dm="rId4" r:lo="rId5" r:qs="rId6" r:cs="rId7"/>
-          </a:graphicData>
-        </a:graphic>
-      </p:graphicFrame>
-    </p:spTree>
-    <p:extLst>
-      <p:ext uri="{BB962C8B-B14F-4D97-AF65-F5344CB8AC3E}">
-        <p14:creationId xmlns:p14="http://schemas.microsoft.com/office/powerpoint/2010/main" val="3820620844"/>
-      </p:ext>
-    </p:extLst>
-  </p:cSld>
-  <p:clrMapOvr>
-    <a:masterClrMapping/>
-  </p:clrMapOvr>
-  <p:transition spd="med">
-    <p:fade/>
-  </p:transition>
-  <p:timing>
-    <p:tnLst>
-      <p:par>
-        <p:cTn id="1" dur="indefinite" restart="never" nodeType="tmRoot"/>
-      </p:par>
-    </p:tnLst>
-  </p:timing>
-</p:sld>
-</file>
-
-<file path=ppt/slides/slide8.xml><?xml version="1.0" encoding="utf-8"?>
-<p:sld xmlns:a="http://schemas.openxmlformats.org/drawingml/2006/main" xmlns:r="http://schemas.openxmlformats.org/officeDocument/2006/relationships" xmlns:p="http://schemas.openxmlformats.org/presentationml/2006/main">
-  <p:cSld>
-    <p:spTree>
-      <p:nvGrpSpPr>
-        <p:cNvPr id="1" name=""/>
-        <p:cNvGrpSpPr/>
-        <p:nvPr/>
-      </p:nvGrpSpPr>
-      <p:grpSpPr>
-        <a:xfrm>
-          <a:off x="0" y="0"/>
-          <a:ext cx="0" cy="0"/>
-          <a:chOff x="0" y="0"/>
-          <a:chExt cx="0" cy="0"/>
-        </a:xfrm>
-      </p:grpSpPr>
-      <p:sp>
-        <p:nvSpPr>
-          <p:cNvPr id="2" name="Título 1"/>
-          <p:cNvSpPr>
-            <a:spLocks noGrp="1"/>
-          </p:cNvSpPr>
-          <p:nvPr>
-            <p:ph type="title"/>
-          </p:nvPr>
-        </p:nvSpPr>
-        <p:spPr>
-          <a:xfrm>
-            <a:off x="2247899" y="192581"/>
-            <a:ext cx="9172198" cy="970450"/>
-          </a:xfrm>
-        </p:spPr>
-        <p:txBody>
-          <a:bodyPr/>
-          <a:lstStyle/>
-          <a:p>
-            <a:r>
-              <a:rPr lang="es-AR" dirty="0" smtClean="0"/>
               <a:t>Gestión del Proyecto</a:t>
             </a:r>
             <a:endParaRPr lang="es-AR" dirty="0"/>
@@ -43573,7 +41699,7 @@
 </p:sld>
 </file>
 
-<file path=ppt/slides/slide9.xml><?xml version="1.0" encoding="utf-8"?>
+<file path=ppt/slides/slide8.xml><?xml version="1.0" encoding="utf-8"?>
 <p:sld xmlns:a="http://schemas.openxmlformats.org/drawingml/2006/main" xmlns:r="http://schemas.openxmlformats.org/officeDocument/2006/relationships" xmlns:p="http://schemas.openxmlformats.org/presentationml/2006/main">
   <p:cSld>
     <p:spTree>
@@ -43776,6 +41902,577 @@
     <p:extLst>
       <p:ext uri="{BB962C8B-B14F-4D97-AF65-F5344CB8AC3E}">
         <p14:creationId xmlns:p14="http://schemas.microsoft.com/office/powerpoint/2010/main" val="3766176711"/>
+      </p:ext>
+    </p:extLst>
+  </p:cSld>
+  <p:clrMapOvr>
+    <a:masterClrMapping/>
+  </p:clrMapOvr>
+  <p:transition spd="med">
+    <p:fade/>
+  </p:transition>
+  <p:timing>
+    <p:tnLst>
+      <p:par>
+        <p:cTn id="1" dur="indefinite" restart="never" nodeType="tmRoot"/>
+      </p:par>
+    </p:tnLst>
+  </p:timing>
+</p:sld>
+</file>
+
+<file path=ppt/slides/slide9.xml><?xml version="1.0" encoding="utf-8"?>
+<p:sld xmlns:a="http://schemas.openxmlformats.org/drawingml/2006/main" xmlns:r="http://schemas.openxmlformats.org/officeDocument/2006/relationships" xmlns:p="http://schemas.openxmlformats.org/presentationml/2006/main">
+  <p:cSld>
+    <p:spTree>
+      <p:nvGrpSpPr>
+        <p:cNvPr id="1" name=""/>
+        <p:cNvGrpSpPr/>
+        <p:nvPr/>
+      </p:nvGrpSpPr>
+      <p:grpSpPr>
+        <a:xfrm>
+          <a:off x="0" y="0"/>
+          <a:ext cx="0" cy="0"/>
+          <a:chOff x="0" y="0"/>
+          <a:chExt cx="0" cy="0"/>
+        </a:xfrm>
+      </p:grpSpPr>
+      <p:sp>
+        <p:nvSpPr>
+          <p:cNvPr id="2" name="Título 1"/>
+          <p:cNvSpPr>
+            <a:spLocks noGrp="1"/>
+          </p:cNvSpPr>
+          <p:nvPr>
+            <p:ph type="title"/>
+          </p:nvPr>
+        </p:nvSpPr>
+        <p:spPr>
+          <a:xfrm>
+            <a:off x="2247899" y="192581"/>
+            <a:ext cx="9172198" cy="970450"/>
+          </a:xfrm>
+        </p:spPr>
+        <p:txBody>
+          <a:bodyPr/>
+          <a:lstStyle/>
+          <a:p>
+            <a:r>
+              <a:rPr lang="es-AR" dirty="0" smtClean="0"/>
+              <a:t>Métricas e Indicadores de Proyecto</a:t>
+            </a:r>
+            <a:endParaRPr lang="es-AR" dirty="0"/>
+          </a:p>
+        </p:txBody>
+      </p:sp>
+      <p:pic>
+        <p:nvPicPr>
+          <p:cNvPr id="5" name="Imagen 4"/>
+          <p:cNvPicPr>
+            <a:picLocks noChangeAspect="1"/>
+          </p:cNvPicPr>
+          <p:nvPr/>
+        </p:nvPicPr>
+        <p:blipFill>
+          <a:blip r:embed="rId3">
+            <a:grayscl/>
+            <a:extLst>
+              <a:ext uri="{28A0092B-C50C-407E-A947-70E740481C1C}">
+                <a14:useLocalDpi xmlns:a14="http://schemas.microsoft.com/office/drawing/2010/main" val="0"/>
+              </a:ext>
+            </a:extLst>
+          </a:blip>
+          <a:stretch>
+            <a:fillRect/>
+          </a:stretch>
+        </p:blipFill>
+        <p:spPr>
+          <a:xfrm>
+            <a:off x="422650" y="0"/>
+            <a:ext cx="1780799" cy="1798832"/>
+          </a:xfrm>
+          <a:prstGeom prst="rect">
+            <a:avLst/>
+          </a:prstGeom>
+        </p:spPr>
+      </p:pic>
+      <p:grpSp>
+        <p:nvGrpSpPr>
+          <p:cNvPr id="8" name="Grupo 7"/>
+          <p:cNvGrpSpPr/>
+          <p:nvPr/>
+        </p:nvGrpSpPr>
+        <p:grpSpPr>
+          <a:xfrm>
+            <a:off x="1638575" y="1998106"/>
+            <a:ext cx="3641348" cy="521574"/>
+            <a:chOff x="880567" y="2373444"/>
+            <a:chExt cx="2213113" cy="954156"/>
+          </a:xfrm>
+        </p:grpSpPr>
+        <p:sp>
+          <p:nvSpPr>
+            <p:cNvPr id="9" name="Rectángulo redondeado 8"/>
+            <p:cNvSpPr/>
+            <p:nvPr/>
+          </p:nvSpPr>
+          <p:spPr>
+            <a:xfrm>
+              <a:off x="880567" y="2373444"/>
+              <a:ext cx="2213113" cy="954156"/>
+            </a:xfrm>
+            <a:prstGeom prst="roundRect">
+              <a:avLst/>
+            </a:prstGeom>
+            <a:ln w="38100">
+              <a:solidFill>
+                <a:schemeClr val="tx1">
+                  <a:lumMod val="75000"/>
+                </a:schemeClr>
+              </a:solidFill>
+            </a:ln>
+          </p:spPr>
+          <p:style>
+            <a:lnRef idx="1">
+              <a:schemeClr val="accent1"/>
+            </a:lnRef>
+            <a:fillRef idx="3">
+              <a:schemeClr val="accent1"/>
+            </a:fillRef>
+            <a:effectRef idx="2">
+              <a:schemeClr val="accent1"/>
+            </a:effectRef>
+            <a:fontRef idx="minor">
+              <a:schemeClr val="lt1"/>
+            </a:fontRef>
+          </p:style>
+          <p:txBody>
+            <a:bodyPr rtlCol="0" anchor="ctr"/>
+            <a:lstStyle/>
+            <a:p>
+              <a:pPr algn="ctr"/>
+              <a:endParaRPr lang="es-ES" dirty="0"/>
+            </a:p>
+          </p:txBody>
+        </p:sp>
+        <p:sp>
+          <p:nvSpPr>
+            <p:cNvPr id="10" name="CuadroTexto 9"/>
+            <p:cNvSpPr txBox="1"/>
+            <p:nvPr/>
+          </p:nvSpPr>
+          <p:spPr>
+            <a:xfrm>
+              <a:off x="992755" y="2458272"/>
+              <a:ext cx="2100925" cy="844560"/>
+            </a:xfrm>
+            <a:prstGeom prst="rect">
+              <a:avLst/>
+            </a:prstGeom>
+            <a:noFill/>
+          </p:spPr>
+          <p:txBody>
+            <a:bodyPr wrap="square" rtlCol="0">
+              <a:spAutoFit/>
+            </a:bodyPr>
+            <a:lstStyle/>
+            <a:p>
+              <a:r>
+                <a:rPr lang="es-AR" sz="2400" dirty="0" smtClean="0">
+                  <a:effectLst>
+                    <a:outerShdw blurRad="38100" dist="38100" dir="2700000" algn="tl">
+                      <a:srgbClr val="000000">
+                        <a:alpha val="43137"/>
+                      </a:srgbClr>
+                    </a:outerShdw>
+                  </a:effectLst>
+                </a:rPr>
+                <a:t>Velocidad del Equipo</a:t>
+              </a:r>
+              <a:endParaRPr lang="es-ES" sz="2400" dirty="0">
+                <a:effectLst>
+                  <a:outerShdw blurRad="38100" dist="38100" dir="2700000" algn="tl">
+                    <a:srgbClr val="000000">
+                      <a:alpha val="43137"/>
+                    </a:srgbClr>
+                  </a:outerShdw>
+                </a:effectLst>
+              </a:endParaRPr>
+            </a:p>
+          </p:txBody>
+        </p:sp>
+      </p:grpSp>
+      <p:grpSp>
+        <p:nvGrpSpPr>
+          <p:cNvPr id="12" name="Grupo 11"/>
+          <p:cNvGrpSpPr/>
+          <p:nvPr/>
+        </p:nvGrpSpPr>
+        <p:grpSpPr>
+          <a:xfrm>
+            <a:off x="7688242" y="1940220"/>
+            <a:ext cx="4361189" cy="529556"/>
+            <a:chOff x="808383" y="2186610"/>
+            <a:chExt cx="2521747" cy="968758"/>
+          </a:xfrm>
+        </p:grpSpPr>
+        <p:sp>
+          <p:nvSpPr>
+            <p:cNvPr id="13" name="Rectángulo redondeado 12"/>
+            <p:cNvSpPr/>
+            <p:nvPr/>
+          </p:nvSpPr>
+          <p:spPr>
+            <a:xfrm>
+              <a:off x="808383" y="2186610"/>
+              <a:ext cx="2213113" cy="954156"/>
+            </a:xfrm>
+            <a:prstGeom prst="roundRect">
+              <a:avLst/>
+            </a:prstGeom>
+            <a:ln w="38100">
+              <a:solidFill>
+                <a:schemeClr val="tx1">
+                  <a:lumMod val="75000"/>
+                </a:schemeClr>
+              </a:solidFill>
+            </a:ln>
+          </p:spPr>
+          <p:style>
+            <a:lnRef idx="1">
+              <a:schemeClr val="accent1"/>
+            </a:lnRef>
+            <a:fillRef idx="3">
+              <a:schemeClr val="accent1"/>
+            </a:fillRef>
+            <a:effectRef idx="2">
+              <a:schemeClr val="accent1"/>
+            </a:effectRef>
+            <a:fontRef idx="minor">
+              <a:schemeClr val="lt1"/>
+            </a:fontRef>
+          </p:style>
+          <p:txBody>
+            <a:bodyPr rtlCol="0" anchor="ctr"/>
+            <a:lstStyle/>
+            <a:p>
+              <a:pPr algn="ctr"/>
+              <a:endParaRPr lang="es-ES" dirty="0"/>
+            </a:p>
+          </p:txBody>
+        </p:sp>
+        <p:sp>
+          <p:nvSpPr>
+            <p:cNvPr id="14" name="CuadroTexto 13"/>
+            <p:cNvSpPr txBox="1"/>
+            <p:nvPr/>
+          </p:nvSpPr>
+          <p:spPr>
+            <a:xfrm>
+              <a:off x="922240" y="2310808"/>
+              <a:ext cx="2407890" cy="844560"/>
+            </a:xfrm>
+            <a:prstGeom prst="rect">
+              <a:avLst/>
+            </a:prstGeom>
+            <a:noFill/>
+          </p:spPr>
+          <p:txBody>
+            <a:bodyPr wrap="square" rtlCol="0">
+              <a:spAutoFit/>
+            </a:bodyPr>
+            <a:lstStyle/>
+            <a:p>
+              <a:r>
+                <a:rPr lang="es-AR" sz="2400" dirty="0" smtClean="0">
+                  <a:effectLst>
+                    <a:outerShdw blurRad="38100" dist="38100" dir="2700000" algn="tl">
+                      <a:srgbClr val="000000">
+                        <a:alpha val="43137"/>
+                      </a:srgbClr>
+                    </a:outerShdw>
+                  </a:effectLst>
+                </a:rPr>
+                <a:t>Capacidad del Equipo</a:t>
+              </a:r>
+              <a:endParaRPr lang="es-ES" sz="2400" dirty="0">
+                <a:effectLst>
+                  <a:outerShdw blurRad="38100" dist="38100" dir="2700000" algn="tl">
+                    <a:srgbClr val="000000">
+                      <a:alpha val="43137"/>
+                    </a:srgbClr>
+                  </a:outerShdw>
+                </a:effectLst>
+              </a:endParaRPr>
+            </a:p>
+          </p:txBody>
+        </p:sp>
+      </p:grpSp>
+      <p:pic>
+        <p:nvPicPr>
+          <p:cNvPr id="4" name="Imagen 3"/>
+          <p:cNvPicPr>
+            <a:picLocks noChangeAspect="1"/>
+          </p:cNvPicPr>
+          <p:nvPr/>
+        </p:nvPicPr>
+        <p:blipFill>
+          <a:blip r:embed="rId4"/>
+          <a:stretch>
+            <a:fillRect/>
+          </a:stretch>
+        </p:blipFill>
+        <p:spPr>
+          <a:xfrm>
+            <a:off x="113875" y="2650432"/>
+            <a:ext cx="6094968" cy="4077913"/>
+          </a:xfrm>
+          <a:prstGeom prst="rect">
+            <a:avLst/>
+          </a:prstGeom>
+          <a:ln w="38100">
+            <a:solidFill>
+              <a:srgbClr val="66B453"/>
+            </a:solidFill>
+          </a:ln>
+        </p:spPr>
+      </p:pic>
+      <p:grpSp>
+        <p:nvGrpSpPr>
+          <p:cNvPr id="3" name="Grupo 2"/>
+          <p:cNvGrpSpPr/>
+          <p:nvPr/>
+        </p:nvGrpSpPr>
+        <p:grpSpPr>
+          <a:xfrm>
+            <a:off x="794208" y="1798831"/>
+            <a:ext cx="1006593" cy="990459"/>
+            <a:chOff x="1306703" y="2567475"/>
+            <a:chExt cx="1897341" cy="1749012"/>
+          </a:xfrm>
+        </p:grpSpPr>
+        <p:sp>
+          <p:nvSpPr>
+            <p:cNvPr id="7" name="Elipse 6"/>
+            <p:cNvSpPr/>
+            <p:nvPr/>
+          </p:nvSpPr>
+          <p:spPr>
+            <a:xfrm>
+              <a:off x="1306703" y="2567475"/>
+              <a:ext cx="1897341" cy="1749012"/>
+            </a:xfrm>
+            <a:prstGeom prst="ellipse">
+              <a:avLst/>
+            </a:prstGeom>
+            <a:solidFill>
+              <a:schemeClr val="tx1">
+                <a:lumMod val="95000"/>
+              </a:schemeClr>
+            </a:solidFill>
+            <a:ln w="57150"/>
+          </p:spPr>
+          <p:style>
+            <a:lnRef idx="2">
+              <a:schemeClr val="accent1">
+                <a:shade val="50000"/>
+              </a:schemeClr>
+            </a:lnRef>
+            <a:fillRef idx="1">
+              <a:schemeClr val="accent1"/>
+            </a:fillRef>
+            <a:effectRef idx="0">
+              <a:schemeClr val="accent1"/>
+            </a:effectRef>
+            <a:fontRef idx="minor">
+              <a:schemeClr val="lt1"/>
+            </a:fontRef>
+          </p:style>
+          <p:txBody>
+            <a:bodyPr rtlCol="0" anchor="ctr"/>
+            <a:lstStyle/>
+            <a:p>
+              <a:pPr algn="ctr"/>
+              <a:endParaRPr lang="es-ES"/>
+            </a:p>
+          </p:txBody>
+        </p:sp>
+        <p:pic>
+          <p:nvPicPr>
+            <p:cNvPr id="2050" name="Picture 2"/>
+            <p:cNvPicPr>
+              <a:picLocks noChangeAspect="1" noChangeArrowheads="1"/>
+            </p:cNvPicPr>
+            <p:nvPr/>
+          </p:nvPicPr>
+          <p:blipFill>
+            <a:blip r:embed="rId5">
+              <a:extLst>
+                <a:ext uri="{28A0092B-C50C-407E-A947-70E740481C1C}">
+                  <a14:useLocalDpi xmlns:a14="http://schemas.microsoft.com/office/drawing/2010/main" val="0"/>
+                </a:ext>
+              </a:extLst>
+            </a:blip>
+            <a:stretch>
+              <a:fillRect/>
+            </a:stretch>
+          </p:blipFill>
+          <p:spPr bwMode="auto">
+            <a:xfrm>
+              <a:off x="1613928" y="2928480"/>
+              <a:ext cx="1282890" cy="1027002"/>
+            </a:xfrm>
+            <a:prstGeom prst="rect">
+              <a:avLst/>
+            </a:prstGeom>
+            <a:noFill/>
+            <a:extLst>
+              <a:ext uri="{909E8E84-426E-40DD-AFC4-6F175D3DCCD1}">
+                <a14:hiddenFill xmlns:a14="http://schemas.microsoft.com/office/drawing/2010/main">
+                  <a:solidFill>
+                    <a:srgbClr val="FFFFFF"/>
+                  </a:solidFill>
+                </a14:hiddenFill>
+              </a:ext>
+            </a:extLst>
+          </p:spPr>
+        </p:pic>
+      </p:grpSp>
+      <p:pic>
+        <p:nvPicPr>
+          <p:cNvPr id="6" name="Imagen 5"/>
+          <p:cNvPicPr>
+            <a:picLocks noChangeAspect="1"/>
+          </p:cNvPicPr>
+          <p:nvPr/>
+        </p:nvPicPr>
+        <p:blipFill>
+          <a:blip r:embed="rId6"/>
+          <a:stretch>
+            <a:fillRect/>
+          </a:stretch>
+        </p:blipFill>
+        <p:spPr>
+          <a:xfrm>
+            <a:off x="6208843" y="2650431"/>
+            <a:ext cx="5840589" cy="4077913"/>
+          </a:xfrm>
+          <a:prstGeom prst="rect">
+            <a:avLst/>
+          </a:prstGeom>
+          <a:ln w="38100">
+            <a:solidFill>
+              <a:srgbClr val="66B453"/>
+            </a:solidFill>
+          </a:ln>
+        </p:spPr>
+      </p:pic>
+      <p:grpSp>
+        <p:nvGrpSpPr>
+          <p:cNvPr id="20" name="Grupo 19"/>
+          <p:cNvGrpSpPr/>
+          <p:nvPr/>
+        </p:nvGrpSpPr>
+        <p:grpSpPr>
+          <a:xfrm>
+            <a:off x="6845967" y="1759507"/>
+            <a:ext cx="1006593" cy="990459"/>
+            <a:chOff x="1306703" y="2567475"/>
+            <a:chExt cx="1897341" cy="1749012"/>
+          </a:xfrm>
+        </p:grpSpPr>
+        <p:sp>
+          <p:nvSpPr>
+            <p:cNvPr id="21" name="Elipse 20"/>
+            <p:cNvSpPr/>
+            <p:nvPr/>
+          </p:nvSpPr>
+          <p:spPr>
+            <a:xfrm>
+              <a:off x="1306703" y="2567475"/>
+              <a:ext cx="1897341" cy="1749012"/>
+            </a:xfrm>
+            <a:prstGeom prst="ellipse">
+              <a:avLst/>
+            </a:prstGeom>
+            <a:solidFill>
+              <a:schemeClr val="tx1">
+                <a:lumMod val="95000"/>
+              </a:schemeClr>
+            </a:solidFill>
+            <a:ln w="57150"/>
+          </p:spPr>
+          <p:style>
+            <a:lnRef idx="2">
+              <a:schemeClr val="accent1">
+                <a:shade val="50000"/>
+              </a:schemeClr>
+            </a:lnRef>
+            <a:fillRef idx="1">
+              <a:schemeClr val="accent1"/>
+            </a:fillRef>
+            <a:effectRef idx="0">
+              <a:schemeClr val="accent1"/>
+            </a:effectRef>
+            <a:fontRef idx="minor">
+              <a:schemeClr val="lt1"/>
+            </a:fontRef>
+          </p:style>
+          <p:txBody>
+            <a:bodyPr rtlCol="0" anchor="ctr"/>
+            <a:lstStyle/>
+            <a:p>
+              <a:pPr algn="ctr"/>
+              <a:endParaRPr lang="es-ES"/>
+            </a:p>
+          </p:txBody>
+        </p:sp>
+        <p:pic>
+          <p:nvPicPr>
+            <p:cNvPr id="22" name="Picture 2"/>
+            <p:cNvPicPr>
+              <a:picLocks noChangeAspect="1" noChangeArrowheads="1"/>
+            </p:cNvPicPr>
+            <p:nvPr/>
+          </p:nvPicPr>
+          <p:blipFill>
+            <a:blip r:embed="rId5">
+              <a:extLst>
+                <a:ext uri="{28A0092B-C50C-407E-A947-70E740481C1C}">
+                  <a14:useLocalDpi xmlns:a14="http://schemas.microsoft.com/office/drawing/2010/main" val="0"/>
+                </a:ext>
+              </a:extLst>
+            </a:blip>
+            <a:stretch>
+              <a:fillRect/>
+            </a:stretch>
+          </p:blipFill>
+          <p:spPr bwMode="auto">
+            <a:xfrm>
+              <a:off x="1613928" y="2928480"/>
+              <a:ext cx="1282890" cy="1027002"/>
+            </a:xfrm>
+            <a:prstGeom prst="rect">
+              <a:avLst/>
+            </a:prstGeom>
+            <a:noFill/>
+            <a:extLst>
+              <a:ext uri="{909E8E84-426E-40DD-AFC4-6F175D3DCCD1}">
+                <a14:hiddenFill xmlns:a14="http://schemas.microsoft.com/office/drawing/2010/main">
+                  <a:solidFill>
+                    <a:srgbClr val="FFFFFF"/>
+                  </a:solidFill>
+                </a14:hiddenFill>
+              </a:ext>
+            </a:extLst>
+          </p:spPr>
+        </p:pic>
+      </p:grpSp>
+    </p:spTree>
+    <p:extLst>
+      <p:ext uri="{BB962C8B-B14F-4D97-AF65-F5344CB8AC3E}">
+        <p14:creationId xmlns:p14="http://schemas.microsoft.com/office/powerpoint/2010/main" val="2489126557"/>
       </p:ext>
     </p:extLst>
   </p:cSld>
